--- a/Presentation/VoiceAndMore.pptx
+++ b/Presentation/VoiceAndMore.pptx
@@ -7,13 +7,16 @@
   <p:sldIdLst>
     <p:sldId id="256" r:id="rId2"/>
     <p:sldId id="264" r:id="rId3"/>
-    <p:sldId id="257" r:id="rId4"/>
-    <p:sldId id="258" r:id="rId5"/>
-    <p:sldId id="263" r:id="rId6"/>
-    <p:sldId id="259" r:id="rId7"/>
-    <p:sldId id="260" r:id="rId8"/>
-    <p:sldId id="261" r:id="rId9"/>
-    <p:sldId id="262" r:id="rId10"/>
+    <p:sldId id="267" r:id="rId4"/>
+    <p:sldId id="265" r:id="rId5"/>
+    <p:sldId id="269" r:id="rId6"/>
+    <p:sldId id="268" r:id="rId7"/>
+    <p:sldId id="258" r:id="rId8"/>
+    <p:sldId id="263" r:id="rId9"/>
+    <p:sldId id="259" r:id="rId10"/>
+    <p:sldId id="260" r:id="rId11"/>
+    <p:sldId id="261" r:id="rId12"/>
+    <p:sldId id="262" r:id="rId13"/>
   </p:sldIdLst>
   <p:sldSz cx="12192000" cy="6858000"/>
   <p:notesSz cx="6858000" cy="9144000"/>
@@ -112,6 +115,11 @@
       </a:defRPr>
     </a:lvl9pPr>
   </p:defaultTextStyle>
+  <p:extLst>
+    <p:ext uri="{EFAFB233-063F-42B5-8137-9DF3F51BA10A}">
+      <p15:sldGuideLst xmlns:p15="http://schemas.microsoft.com/office/powerpoint/2012/main"/>
+    </p:ext>
+  </p:extLst>
 </p:presentation>
 </file>
 
@@ -4391,7 +4399,7 @@
           <a:p>
             <a:fld id="{48A87A34-81AB-432B-8DAE-1953F412C126}" type="datetimeFigureOut">
               <a:rPr lang="en-US" smtClean="0"/>
-              <a:t>2/24/2018</a:t>
+              <a:t>3/13/18</a:t>
             </a:fld>
             <a:endParaRPr lang="en-US" dirty="0"/>
           </a:p>
@@ -4658,7 +4666,7 @@
           <a:p>
             <a:fld id="{48A87A34-81AB-432B-8DAE-1953F412C126}" type="datetimeFigureOut">
               <a:rPr lang="en-US" smtClean="0"/>
-              <a:t>2/24/2018</a:t>
+              <a:t>3/13/18</a:t>
             </a:fld>
             <a:endParaRPr lang="en-US" dirty="0"/>
           </a:p>
@@ -4860,7 +4868,7 @@
           <a:p>
             <a:fld id="{48A87A34-81AB-432B-8DAE-1953F412C126}" type="datetimeFigureOut">
               <a:rPr lang="en-US" smtClean="0"/>
-              <a:t>2/24/2018</a:t>
+              <a:t>3/13/18</a:t>
             </a:fld>
             <a:endParaRPr lang="en-US" dirty="0"/>
           </a:p>
@@ -5123,7 +5131,7 @@
           <a:p>
             <a:fld id="{48A87A34-81AB-432B-8DAE-1953F412C126}" type="datetimeFigureOut">
               <a:rPr lang="en-US" smtClean="0"/>
-              <a:t>2/24/2018</a:t>
+              <a:t>3/13/18</a:t>
             </a:fld>
             <a:endParaRPr lang="en-US" dirty="0"/>
           </a:p>
@@ -5557,7 +5565,7 @@
           <a:p>
             <a:fld id="{48A87A34-81AB-432B-8DAE-1953F412C126}" type="datetimeFigureOut">
               <a:rPr lang="en-US" smtClean="0"/>
-              <a:t>2/24/2018</a:t>
+              <a:t>3/13/18</a:t>
             </a:fld>
             <a:endParaRPr lang="en-US" dirty="0"/>
           </a:p>
@@ -6103,7 +6111,7 @@
           <a:p>
             <a:fld id="{48A87A34-81AB-432B-8DAE-1953F412C126}" type="datetimeFigureOut">
               <a:rPr lang="en-US" smtClean="0"/>
-              <a:t>2/24/2018</a:t>
+              <a:t>3/13/18</a:t>
             </a:fld>
             <a:endParaRPr lang="en-US" dirty="0"/>
           </a:p>
@@ -6823,7 +6831,7 @@
           <a:p>
             <a:fld id="{48A87A34-81AB-432B-8DAE-1953F412C126}" type="datetimeFigureOut">
               <a:rPr lang="en-US" smtClean="0"/>
-              <a:t>2/24/2018</a:t>
+              <a:t>3/13/18</a:t>
             </a:fld>
             <a:endParaRPr lang="en-US" dirty="0"/>
           </a:p>
@@ -6993,7 +7001,7 @@
           <a:p>
             <a:fld id="{48A87A34-81AB-432B-8DAE-1953F412C126}" type="datetimeFigureOut">
               <a:rPr lang="en-US" smtClean="0"/>
-              <a:t>2/24/2018</a:t>
+              <a:t>3/13/18</a:t>
             </a:fld>
             <a:endParaRPr lang="en-US" dirty="0"/>
           </a:p>
@@ -7173,7 +7181,7 @@
           <a:p>
             <a:fld id="{48A87A34-81AB-432B-8DAE-1953F412C126}" type="datetimeFigureOut">
               <a:rPr lang="en-US" smtClean="0"/>
-              <a:t>2/24/2018</a:t>
+              <a:t>3/13/18</a:t>
             </a:fld>
             <a:endParaRPr lang="en-US" dirty="0"/>
           </a:p>
@@ -7343,7 +7351,7 @@
           <a:p>
             <a:fld id="{48A87A34-81AB-432B-8DAE-1953F412C126}" type="datetimeFigureOut">
               <a:rPr lang="en-US" smtClean="0"/>
-              <a:t>2/24/2018</a:t>
+              <a:t>3/13/18</a:t>
             </a:fld>
             <a:endParaRPr lang="en-US" dirty="0"/>
           </a:p>
@@ -7599,7 +7607,7 @@
           <a:p>
             <a:fld id="{48A87A34-81AB-432B-8DAE-1953F412C126}" type="datetimeFigureOut">
               <a:rPr lang="en-US" smtClean="0"/>
-              <a:t>2/24/2018</a:t>
+              <a:t>3/13/18</a:t>
             </a:fld>
             <a:endParaRPr lang="en-US" dirty="0"/>
           </a:p>
@@ -7837,7 +7845,7 @@
           <a:p>
             <a:fld id="{48A87A34-81AB-432B-8DAE-1953F412C126}" type="datetimeFigureOut">
               <a:rPr lang="en-US" smtClean="0"/>
-              <a:t>2/24/2018</a:t>
+              <a:t>3/13/18</a:t>
             </a:fld>
             <a:endParaRPr lang="en-US" dirty="0"/>
           </a:p>
@@ -8224,7 +8232,7 @@
           <a:p>
             <a:fld id="{48A87A34-81AB-432B-8DAE-1953F412C126}" type="datetimeFigureOut">
               <a:rPr lang="en-US" smtClean="0"/>
-              <a:t>2/24/2018</a:t>
+              <a:t>3/13/18</a:t>
             </a:fld>
             <a:endParaRPr lang="en-US" dirty="0"/>
           </a:p>
@@ -8348,7 +8356,7 @@
           <a:p>
             <a:fld id="{48A87A34-81AB-432B-8DAE-1953F412C126}" type="datetimeFigureOut">
               <a:rPr lang="en-US" smtClean="0"/>
-              <a:t>2/24/2018</a:t>
+              <a:t>3/13/18</a:t>
             </a:fld>
             <a:endParaRPr lang="en-US" dirty="0"/>
           </a:p>
@@ -8449,7 +8457,7 @@
           <a:p>
             <a:fld id="{48A87A34-81AB-432B-8DAE-1953F412C126}" type="datetimeFigureOut">
               <a:rPr lang="en-US" smtClean="0"/>
-              <a:t>2/24/2018</a:t>
+              <a:t>3/13/18</a:t>
             </a:fld>
             <a:endParaRPr lang="en-US" dirty="0"/>
           </a:p>
@@ -8704,7 +8712,7 @@
           <a:p>
             <a:fld id="{48A87A34-81AB-432B-8DAE-1953F412C126}" type="datetimeFigureOut">
               <a:rPr lang="en-US" smtClean="0"/>
-              <a:t>2/24/2018</a:t>
+              <a:t>3/13/18</a:t>
             </a:fld>
             <a:endParaRPr lang="en-US" dirty="0"/>
           </a:p>
@@ -8984,7 +8992,7 @@
           <a:p>
             <a:fld id="{48A87A34-81AB-432B-8DAE-1953F412C126}" type="datetimeFigureOut">
               <a:rPr lang="en-US" smtClean="0"/>
-              <a:t>2/24/2018</a:t>
+              <a:t>3/13/18</a:t>
             </a:fld>
             <a:endParaRPr lang="en-US" dirty="0"/>
           </a:p>
@@ -12068,7 +12076,7 @@
             <a:fld id="{48A87A34-81AB-432B-8DAE-1953F412C126}" type="datetimeFigureOut">
               <a:rPr lang="en-US" smtClean="0"/>
               <a:pPr/>
-              <a:t>2/24/2018</a:t>
+              <a:t>3/13/18</a:t>
             </a:fld>
             <a:endParaRPr lang="en-US" dirty="0"/>
           </a:p>
@@ -12562,6 +12570,216 @@
 </p:sld>
 </file>
 
+<file path=ppt/slides/slide10.xml><?xml version="1.0" encoding="utf-8"?>
+<p:sld xmlns:a="http://schemas.openxmlformats.org/drawingml/2006/main" xmlns:r="http://schemas.openxmlformats.org/officeDocument/2006/relationships" xmlns:p="http://schemas.openxmlformats.org/presentationml/2006/main">
+  <p:cSld>
+    <p:spTree>
+      <p:nvGrpSpPr>
+        <p:cNvPr id="1" name=""/>
+        <p:cNvGrpSpPr/>
+        <p:nvPr/>
+      </p:nvGrpSpPr>
+      <p:grpSpPr>
+        <a:xfrm>
+          <a:off x="0" y="0"/>
+          <a:ext cx="0" cy="0"/>
+          <a:chOff x="0" y="0"/>
+          <a:chExt cx="0" cy="0"/>
+        </a:xfrm>
+      </p:grpSpPr>
+      <p:sp>
+        <p:nvSpPr>
+          <p:cNvPr id="2" name="Title 1"/>
+          <p:cNvSpPr>
+            <a:spLocks noGrp="1"/>
+          </p:cNvSpPr>
+          <p:nvPr>
+            <p:ph type="title"/>
+          </p:nvPr>
+        </p:nvSpPr>
+        <p:spPr/>
+        <p:txBody>
+          <a:bodyPr/>
+          <a:lstStyle/>
+          <a:p>
+            <a:r>
+              <a:rPr lang="en-GB" dirty="0"/>
+              <a:t>Gadget Controller</a:t>
+            </a:r>
+          </a:p>
+        </p:txBody>
+      </p:sp>
+      <p:sp>
+        <p:nvSpPr>
+          <p:cNvPr id="3" name="Content Placeholder 2"/>
+          <p:cNvSpPr>
+            <a:spLocks noGrp="1"/>
+          </p:cNvSpPr>
+          <p:nvPr>
+            <p:ph idx="1"/>
+          </p:nvPr>
+        </p:nvSpPr>
+        <p:spPr/>
+        <p:txBody>
+          <a:bodyPr/>
+          <a:lstStyle/>
+          <a:p>
+            <a:endParaRPr lang="en-GB"/>
+          </a:p>
+        </p:txBody>
+      </p:sp>
+    </p:spTree>
+    <p:extLst>
+      <p:ext uri="{BB962C8B-B14F-4D97-AF65-F5344CB8AC3E}">
+        <p14:creationId xmlns:p14="http://schemas.microsoft.com/office/powerpoint/2010/main" val="2066721731"/>
+      </p:ext>
+    </p:extLst>
+  </p:cSld>
+  <p:clrMapOvr>
+    <a:masterClrMapping/>
+  </p:clrMapOvr>
+</p:sld>
+</file>
+
+<file path=ppt/slides/slide11.xml><?xml version="1.0" encoding="utf-8"?>
+<p:sld xmlns:a="http://schemas.openxmlformats.org/drawingml/2006/main" xmlns:r="http://schemas.openxmlformats.org/officeDocument/2006/relationships" xmlns:p="http://schemas.openxmlformats.org/presentationml/2006/main">
+  <p:cSld>
+    <p:spTree>
+      <p:nvGrpSpPr>
+        <p:cNvPr id="1" name=""/>
+        <p:cNvGrpSpPr/>
+        <p:nvPr/>
+      </p:nvGrpSpPr>
+      <p:grpSpPr>
+        <a:xfrm>
+          <a:off x="0" y="0"/>
+          <a:ext cx="0" cy="0"/>
+          <a:chOff x="0" y="0"/>
+          <a:chExt cx="0" cy="0"/>
+        </a:xfrm>
+      </p:grpSpPr>
+      <p:sp>
+        <p:nvSpPr>
+          <p:cNvPr id="2" name="Title 1"/>
+          <p:cNvSpPr>
+            <a:spLocks noGrp="1"/>
+          </p:cNvSpPr>
+          <p:nvPr>
+            <p:ph type="title"/>
+          </p:nvPr>
+        </p:nvSpPr>
+        <p:spPr/>
+        <p:txBody>
+          <a:bodyPr/>
+          <a:lstStyle/>
+          <a:p>
+            <a:r>
+              <a:rPr lang="en-GB" dirty="0"/>
+              <a:t>Game Engine</a:t>
+            </a:r>
+          </a:p>
+        </p:txBody>
+      </p:sp>
+      <p:sp>
+        <p:nvSpPr>
+          <p:cNvPr id="3" name="Content Placeholder 2"/>
+          <p:cNvSpPr>
+            <a:spLocks noGrp="1"/>
+          </p:cNvSpPr>
+          <p:nvPr>
+            <p:ph idx="1"/>
+          </p:nvPr>
+        </p:nvSpPr>
+        <p:spPr/>
+        <p:txBody>
+          <a:bodyPr/>
+          <a:lstStyle/>
+          <a:p>
+            <a:endParaRPr lang="en-GB"/>
+          </a:p>
+        </p:txBody>
+      </p:sp>
+    </p:spTree>
+    <p:extLst>
+      <p:ext uri="{BB962C8B-B14F-4D97-AF65-F5344CB8AC3E}">
+        <p14:creationId xmlns:p14="http://schemas.microsoft.com/office/powerpoint/2010/main" val="3695787322"/>
+      </p:ext>
+    </p:extLst>
+  </p:cSld>
+  <p:clrMapOvr>
+    <a:masterClrMapping/>
+  </p:clrMapOvr>
+</p:sld>
+</file>
+
+<file path=ppt/slides/slide12.xml><?xml version="1.0" encoding="utf-8"?>
+<p:sld xmlns:a="http://schemas.openxmlformats.org/drawingml/2006/main" xmlns:r="http://schemas.openxmlformats.org/officeDocument/2006/relationships" xmlns:p="http://schemas.openxmlformats.org/presentationml/2006/main">
+  <p:cSld>
+    <p:spTree>
+      <p:nvGrpSpPr>
+        <p:cNvPr id="1" name=""/>
+        <p:cNvGrpSpPr/>
+        <p:nvPr/>
+      </p:nvGrpSpPr>
+      <p:grpSpPr>
+        <a:xfrm>
+          <a:off x="0" y="0"/>
+          <a:ext cx="0" cy="0"/>
+          <a:chOff x="0" y="0"/>
+          <a:chExt cx="0" cy="0"/>
+        </a:xfrm>
+      </p:grpSpPr>
+      <p:sp>
+        <p:nvSpPr>
+          <p:cNvPr id="2" name="Title 1"/>
+          <p:cNvSpPr>
+            <a:spLocks noGrp="1"/>
+          </p:cNvSpPr>
+          <p:nvPr>
+            <p:ph type="title"/>
+          </p:nvPr>
+        </p:nvSpPr>
+        <p:spPr/>
+        <p:txBody>
+          <a:bodyPr/>
+          <a:lstStyle/>
+          <a:p>
+            <a:endParaRPr lang="en-GB"/>
+          </a:p>
+        </p:txBody>
+      </p:sp>
+      <p:sp>
+        <p:nvSpPr>
+          <p:cNvPr id="3" name="Content Placeholder 2"/>
+          <p:cNvSpPr>
+            <a:spLocks noGrp="1"/>
+          </p:cNvSpPr>
+          <p:nvPr>
+            <p:ph idx="1"/>
+          </p:nvPr>
+        </p:nvSpPr>
+        <p:spPr/>
+        <p:txBody>
+          <a:bodyPr/>
+          <a:lstStyle/>
+          <a:p>
+            <a:endParaRPr lang="en-GB"/>
+          </a:p>
+        </p:txBody>
+      </p:sp>
+    </p:spTree>
+    <p:extLst>
+      <p:ext uri="{BB962C8B-B14F-4D97-AF65-F5344CB8AC3E}">
+        <p14:creationId xmlns:p14="http://schemas.microsoft.com/office/powerpoint/2010/main" val="256884393"/>
+      </p:ext>
+    </p:extLst>
+  </p:cSld>
+  <p:clrMapOvr>
+    <a:masterClrMapping/>
+  </p:clrMapOvr>
+</p:sld>
+</file>
+
 <file path=ppt/slides/slide2.xml><?xml version="1.0" encoding="utf-8"?>
 <p:sld xmlns:a="http://schemas.openxmlformats.org/drawingml/2006/main" xmlns:r="http://schemas.openxmlformats.org/officeDocument/2006/relationships" xmlns:p="http://schemas.openxmlformats.org/presentationml/2006/main">
   <p:cSld>
@@ -12667,7 +12885,7 @@
           <a:p>
             <a:r>
               <a:rPr lang="en-GB" dirty="0"/>
-              <a:t>Voice for Display</a:t>
+              <a:t>About Alexa</a:t>
             </a:r>
           </a:p>
         </p:txBody>
@@ -12694,7 +12912,7 @@
     </p:spTree>
     <p:extLst>
       <p:ext uri="{BB962C8B-B14F-4D97-AF65-F5344CB8AC3E}">
-        <p14:creationId xmlns:p14="http://schemas.microsoft.com/office/powerpoint/2010/main" val="4085098041"/>
+        <p14:creationId xmlns:p14="http://schemas.microsoft.com/office/powerpoint/2010/main" val="2524549692"/>
       </p:ext>
     </p:extLst>
   </p:cSld>
@@ -12733,13 +12951,15 @@
         </p:nvSpPr>
         <p:spPr/>
         <p:txBody>
-          <a:bodyPr/>
+          <a:bodyPr>
+            <a:normAutofit/>
+          </a:bodyPr>
           <a:lstStyle/>
           <a:p>
-            <a:r>
+            <a:br>
               <a:rPr lang="en-GB" dirty="0"/>
-              <a:t>Push Notifications</a:t>
-            </a:r>
+            </a:br>
+            <a:endParaRPr lang="en-GB" dirty="0"/>
           </a:p>
         </p:txBody>
       </p:sp>
@@ -12758,14 +12978,77 @@
           <a:bodyPr/>
           <a:lstStyle/>
           <a:p>
-            <a:endParaRPr lang="en-GB"/>
+            <a:pPr marL="0" indent="0">
+              <a:buNone/>
+            </a:pPr>
+            <a:br>
+              <a:rPr lang="en-GB" dirty="0"/>
+            </a:br>
+            <a:endParaRPr lang="en-GB" dirty="0"/>
+          </a:p>
+          <a:p>
+            <a:endParaRPr lang="en-GB" dirty="0"/>
+          </a:p>
+        </p:txBody>
+      </p:sp>
+      <p:sp>
+        <p:nvSpPr>
+          <p:cNvPr id="4" name="Title 1">
+            <a:extLst>
+              <a:ext uri="{FF2B5EF4-FFF2-40B4-BE49-F238E27FC236}">
+                <a16:creationId xmlns:a16="http://schemas.microsoft.com/office/drawing/2014/main" id="{DD21B757-F006-CD43-A6B7-606958BEDF0C}"/>
+              </a:ext>
+            </a:extLst>
+          </p:cNvPr>
+          <p:cNvSpPr txBox="1">
+            <a:spLocks/>
+          </p:cNvSpPr>
+          <p:nvPr/>
+        </p:nvSpPr>
+        <p:spPr>
+          <a:xfrm>
+            <a:off x="1141413" y="618518"/>
+            <a:ext cx="9905998" cy="1478570"/>
+          </a:xfrm>
+          <a:prstGeom prst="rect">
+            <a:avLst/>
+          </a:prstGeom>
+        </p:spPr>
+        <p:txBody>
+          <a:bodyPr vert="horz" lIns="91440" tIns="45720" rIns="91440" bIns="45720" rtlCol="0" anchor="ctr">
+            <a:normAutofit/>
+          </a:bodyPr>
+          <a:lstStyle>
+            <a:lvl1pPr algn="l" defTabSz="914400" rtl="0" eaLnBrk="1" latinLnBrk="0" hangingPunct="1">
+              <a:lnSpc>
+                <a:spcPct val="90000"/>
+              </a:lnSpc>
+              <a:spcBef>
+                <a:spcPct val="0"/>
+              </a:spcBef>
+              <a:buNone/>
+              <a:defRPr sz="3600" kern="1200" cap="all" baseline="0">
+                <a:solidFill>
+                  <a:schemeClr val="tx1"/>
+                </a:solidFill>
+                <a:latin typeface="+mj-lt"/>
+                <a:ea typeface="+mj-ea"/>
+                <a:cs typeface="+mj-cs"/>
+              </a:defRPr>
+            </a:lvl1pPr>
+          </a:lstStyle>
+          <a:p>
+            <a:r>
+              <a:rPr lang="en-GB" dirty="0"/>
+              <a:t>Request Lifecycle</a:t>
+            </a:r>
           </a:p>
         </p:txBody>
       </p:sp>
     </p:spTree>
     <p:extLst>
       <p:ext uri="{BB962C8B-B14F-4D97-AF65-F5344CB8AC3E}">
-        <p14:creationId xmlns:p14="http://schemas.microsoft.com/office/powerpoint/2010/main" val="2247287629"/>
+        <p14:creationId xmlns:p14="http://schemas.microsoft.com/office/powerpoint/2010/main" val="77956997"/>
       </p:ext>
     </p:extLst>
   </p:cSld>
@@ -12794,7 +13077,13 @@
       </p:grpSpPr>
       <p:sp>
         <p:nvSpPr>
-          <p:cNvPr id="2" name="Title 1"/>
+          <p:cNvPr id="2" name="Title 1">
+            <a:extLst>
+              <a:ext uri="{FF2B5EF4-FFF2-40B4-BE49-F238E27FC236}">
+                <a16:creationId xmlns:a16="http://schemas.microsoft.com/office/drawing/2014/main" id="{CE2DCE99-3065-2C46-B077-9F8544390E68}"/>
+              </a:ext>
+            </a:extLst>
+          </p:cNvPr>
           <p:cNvSpPr>
             <a:spLocks noGrp="1"/>
           </p:cNvSpPr>
@@ -12808,15 +13097,26 @@
           <a:lstStyle/>
           <a:p>
             <a:r>
-              <a:rPr lang="en-GB" dirty="0"/>
-              <a:t>Skill Messaging</a:t>
+              <a:rPr lang="en-US" dirty="0"/>
+              <a:t>The Contract: Boring </a:t>
             </a:r>
+            <a:r>
+              <a:rPr lang="en-US" dirty="0" err="1"/>
+              <a:t>Inc</a:t>
+            </a:r>
+            <a:endParaRPr lang="en-US" dirty="0"/>
           </a:p>
         </p:txBody>
       </p:sp>
       <p:sp>
         <p:nvSpPr>
-          <p:cNvPr id="3" name="Content Placeholder 2"/>
+          <p:cNvPr id="3" name="Content Placeholder 2">
+            <a:extLst>
+              <a:ext uri="{FF2B5EF4-FFF2-40B4-BE49-F238E27FC236}">
+                <a16:creationId xmlns:a16="http://schemas.microsoft.com/office/drawing/2014/main" id="{02FBC549-5B09-D24B-A898-39882C985AC0}"/>
+              </a:ext>
+            </a:extLst>
+          </p:cNvPr>
           <p:cNvSpPr>
             <a:spLocks noGrp="1"/>
           </p:cNvSpPr>
@@ -12829,14 +13129,14 @@
           <a:bodyPr/>
           <a:lstStyle/>
           <a:p>
-            <a:endParaRPr lang="en-GB"/>
+            <a:endParaRPr lang="en-US"/>
           </a:p>
         </p:txBody>
       </p:sp>
     </p:spTree>
     <p:extLst>
       <p:ext uri="{BB962C8B-B14F-4D97-AF65-F5344CB8AC3E}">
-        <p14:creationId xmlns:p14="http://schemas.microsoft.com/office/powerpoint/2010/main" val="4232488515"/>
+        <p14:creationId xmlns:p14="http://schemas.microsoft.com/office/powerpoint/2010/main" val="1843608740"/>
       </p:ext>
     </p:extLst>
   </p:cSld>
@@ -12875,13 +13175,15 @@
         </p:nvSpPr>
         <p:spPr/>
         <p:txBody>
-          <a:bodyPr/>
+          <a:bodyPr>
+            <a:normAutofit/>
+          </a:bodyPr>
           <a:lstStyle/>
           <a:p>
-            <a:r>
+            <a:br>
               <a:rPr lang="en-GB" dirty="0"/>
-              <a:t>Gadgets</a:t>
-            </a:r>
+            </a:br>
+            <a:endParaRPr lang="en-GB" dirty="0"/>
           </a:p>
         </p:txBody>
       </p:sp>
@@ -12900,14 +13202,77 @@
           <a:bodyPr/>
           <a:lstStyle/>
           <a:p>
-            <a:endParaRPr lang="en-GB"/>
+            <a:pPr marL="0" indent="0">
+              <a:buNone/>
+            </a:pPr>
+            <a:br>
+              <a:rPr lang="en-GB" dirty="0"/>
+            </a:br>
+            <a:endParaRPr lang="en-GB" dirty="0"/>
+          </a:p>
+          <a:p>
+            <a:endParaRPr lang="en-GB" dirty="0"/>
+          </a:p>
+        </p:txBody>
+      </p:sp>
+      <p:sp>
+        <p:nvSpPr>
+          <p:cNvPr id="4" name="Title 1">
+            <a:extLst>
+              <a:ext uri="{FF2B5EF4-FFF2-40B4-BE49-F238E27FC236}">
+                <a16:creationId xmlns:a16="http://schemas.microsoft.com/office/drawing/2014/main" id="{DD21B757-F006-CD43-A6B7-606958BEDF0C}"/>
+              </a:ext>
+            </a:extLst>
+          </p:cNvPr>
+          <p:cNvSpPr txBox="1">
+            <a:spLocks/>
+          </p:cNvSpPr>
+          <p:nvPr/>
+        </p:nvSpPr>
+        <p:spPr>
+          <a:xfrm>
+            <a:off x="1141413" y="618518"/>
+            <a:ext cx="9905998" cy="1478570"/>
+          </a:xfrm>
+          <a:prstGeom prst="rect">
+            <a:avLst/>
+          </a:prstGeom>
+        </p:spPr>
+        <p:txBody>
+          <a:bodyPr vert="horz" lIns="91440" tIns="45720" rIns="91440" bIns="45720" rtlCol="0" anchor="ctr">
+            <a:normAutofit/>
+          </a:bodyPr>
+          <a:lstStyle>
+            <a:lvl1pPr algn="l" defTabSz="914400" rtl="0" eaLnBrk="1" latinLnBrk="0" hangingPunct="1">
+              <a:lnSpc>
+                <a:spcPct val="90000"/>
+              </a:lnSpc>
+              <a:spcBef>
+                <a:spcPct val="0"/>
+              </a:spcBef>
+              <a:buNone/>
+              <a:defRPr sz="3600" kern="1200" cap="all" baseline="0">
+                <a:solidFill>
+                  <a:schemeClr val="tx1"/>
+                </a:solidFill>
+                <a:latin typeface="+mj-lt"/>
+                <a:ea typeface="+mj-ea"/>
+                <a:cs typeface="+mj-cs"/>
+              </a:defRPr>
+            </a:lvl1pPr>
+          </a:lstStyle>
+          <a:p>
+            <a:r>
+              <a:rPr lang="en-GB" dirty="0"/>
+              <a:t>Expressive Response</a:t>
+            </a:r>
           </a:p>
         </p:txBody>
       </p:sp>
     </p:spTree>
     <p:extLst>
       <p:ext uri="{BB962C8B-B14F-4D97-AF65-F5344CB8AC3E}">
-        <p14:creationId xmlns:p14="http://schemas.microsoft.com/office/powerpoint/2010/main" val="3777380794"/>
+        <p14:creationId xmlns:p14="http://schemas.microsoft.com/office/powerpoint/2010/main" val="2782864838"/>
       </p:ext>
     </p:extLst>
   </p:cSld>
@@ -12951,7 +13316,7 @@
           <a:p>
             <a:r>
               <a:rPr lang="en-GB" dirty="0"/>
-              <a:t>Gadget Controller</a:t>
+              <a:t>Push Notifications</a:t>
             </a:r>
           </a:p>
         </p:txBody>
@@ -12978,7 +13343,7 @@
     </p:spTree>
     <p:extLst>
       <p:ext uri="{BB962C8B-B14F-4D97-AF65-F5344CB8AC3E}">
-        <p14:creationId xmlns:p14="http://schemas.microsoft.com/office/powerpoint/2010/main" val="2066721731"/>
+        <p14:creationId xmlns:p14="http://schemas.microsoft.com/office/powerpoint/2010/main" val="2247287629"/>
       </p:ext>
     </p:extLst>
   </p:cSld>
@@ -13022,7 +13387,7 @@
           <a:p>
             <a:r>
               <a:rPr lang="en-GB" dirty="0"/>
-              <a:t>Game Engine</a:t>
+              <a:t>Skill Messaging</a:t>
             </a:r>
           </a:p>
         </p:txBody>
@@ -13049,7 +13414,7 @@
     </p:spTree>
     <p:extLst>
       <p:ext uri="{BB962C8B-B14F-4D97-AF65-F5344CB8AC3E}">
-        <p14:creationId xmlns:p14="http://schemas.microsoft.com/office/powerpoint/2010/main" val="3695787322"/>
+        <p14:creationId xmlns:p14="http://schemas.microsoft.com/office/powerpoint/2010/main" val="4232488515"/>
       </p:ext>
     </p:extLst>
   </p:cSld>
@@ -13091,7 +13456,10 @@
           <a:bodyPr/>
           <a:lstStyle/>
           <a:p>
-            <a:endParaRPr lang="en-GB"/>
+            <a:r>
+              <a:rPr lang="en-GB" dirty="0"/>
+              <a:t>Gadgets</a:t>
+            </a:r>
           </a:p>
         </p:txBody>
       </p:sp>
@@ -13117,7 +13485,7 @@
     </p:spTree>
     <p:extLst>
       <p:ext uri="{BB962C8B-B14F-4D97-AF65-F5344CB8AC3E}">
-        <p14:creationId xmlns:p14="http://schemas.microsoft.com/office/powerpoint/2010/main" val="256884393"/>
+        <p14:creationId xmlns:p14="http://schemas.microsoft.com/office/powerpoint/2010/main" val="3777380794"/>
       </p:ext>
     </p:extLst>
   </p:cSld>

--- a/Presentation/VoiceAndMore.pptx
+++ b/Presentation/VoiceAndMore.pptx
@@ -7,13 +7,16 @@
   <p:sldIdLst>
     <p:sldId id="256" r:id="rId2"/>
     <p:sldId id="264" r:id="rId3"/>
-    <p:sldId id="257" r:id="rId4"/>
-    <p:sldId id="258" r:id="rId5"/>
-    <p:sldId id="263" r:id="rId6"/>
-    <p:sldId id="259" r:id="rId7"/>
-    <p:sldId id="260" r:id="rId8"/>
-    <p:sldId id="261" r:id="rId9"/>
-    <p:sldId id="262" r:id="rId10"/>
+    <p:sldId id="267" r:id="rId4"/>
+    <p:sldId id="257" r:id="rId5"/>
+    <p:sldId id="258" r:id="rId6"/>
+    <p:sldId id="265" r:id="rId7"/>
+    <p:sldId id="263" r:id="rId8"/>
+    <p:sldId id="259" r:id="rId9"/>
+    <p:sldId id="266" r:id="rId10"/>
+    <p:sldId id="260" r:id="rId11"/>
+    <p:sldId id="261" r:id="rId12"/>
+    <p:sldId id="262" r:id="rId13"/>
   </p:sldIdLst>
   <p:sldSz cx="12192000" cy="6858000"/>
   <p:notesSz cx="6858000" cy="9144000"/>
@@ -112,6 +115,11 @@
       </a:defRPr>
     </a:lvl9pPr>
   </p:defaultTextStyle>
+  <p:extLst>
+    <p:ext uri="{EFAFB233-063F-42B5-8137-9DF3F51BA10A}">
+      <p15:sldGuideLst xmlns:p15="http://schemas.microsoft.com/office/powerpoint/2012/main"/>
+    </p:ext>
+  </p:extLst>
 </p:presentation>
 </file>
 
@@ -4391,7 +4399,7 @@
           <a:p>
             <a:fld id="{48A87A34-81AB-432B-8DAE-1953F412C126}" type="datetimeFigureOut">
               <a:rPr lang="en-US" smtClean="0"/>
-              <a:t>2/24/2018</a:t>
+              <a:t>2/27/2018</a:t>
             </a:fld>
             <a:endParaRPr lang="en-US" dirty="0"/>
           </a:p>
@@ -4658,7 +4666,7 @@
           <a:p>
             <a:fld id="{48A87A34-81AB-432B-8DAE-1953F412C126}" type="datetimeFigureOut">
               <a:rPr lang="en-US" smtClean="0"/>
-              <a:t>2/24/2018</a:t>
+              <a:t>2/27/2018</a:t>
             </a:fld>
             <a:endParaRPr lang="en-US" dirty="0"/>
           </a:p>
@@ -4860,7 +4868,7 @@
           <a:p>
             <a:fld id="{48A87A34-81AB-432B-8DAE-1953F412C126}" type="datetimeFigureOut">
               <a:rPr lang="en-US" smtClean="0"/>
-              <a:t>2/24/2018</a:t>
+              <a:t>2/27/2018</a:t>
             </a:fld>
             <a:endParaRPr lang="en-US" dirty="0"/>
           </a:p>
@@ -5123,7 +5131,7 @@
           <a:p>
             <a:fld id="{48A87A34-81AB-432B-8DAE-1953F412C126}" type="datetimeFigureOut">
               <a:rPr lang="en-US" smtClean="0"/>
-              <a:t>2/24/2018</a:t>
+              <a:t>2/27/2018</a:t>
             </a:fld>
             <a:endParaRPr lang="en-US" dirty="0"/>
           </a:p>
@@ -5557,7 +5565,7 @@
           <a:p>
             <a:fld id="{48A87A34-81AB-432B-8DAE-1953F412C126}" type="datetimeFigureOut">
               <a:rPr lang="en-US" smtClean="0"/>
-              <a:t>2/24/2018</a:t>
+              <a:t>2/27/2018</a:t>
             </a:fld>
             <a:endParaRPr lang="en-US" dirty="0"/>
           </a:p>
@@ -6103,7 +6111,7 @@
           <a:p>
             <a:fld id="{48A87A34-81AB-432B-8DAE-1953F412C126}" type="datetimeFigureOut">
               <a:rPr lang="en-US" smtClean="0"/>
-              <a:t>2/24/2018</a:t>
+              <a:t>2/27/2018</a:t>
             </a:fld>
             <a:endParaRPr lang="en-US" dirty="0"/>
           </a:p>
@@ -6823,7 +6831,7 @@
           <a:p>
             <a:fld id="{48A87A34-81AB-432B-8DAE-1953F412C126}" type="datetimeFigureOut">
               <a:rPr lang="en-US" smtClean="0"/>
-              <a:t>2/24/2018</a:t>
+              <a:t>2/27/2018</a:t>
             </a:fld>
             <a:endParaRPr lang="en-US" dirty="0"/>
           </a:p>
@@ -6993,7 +7001,7 @@
           <a:p>
             <a:fld id="{48A87A34-81AB-432B-8DAE-1953F412C126}" type="datetimeFigureOut">
               <a:rPr lang="en-US" smtClean="0"/>
-              <a:t>2/24/2018</a:t>
+              <a:t>2/27/2018</a:t>
             </a:fld>
             <a:endParaRPr lang="en-US" dirty="0"/>
           </a:p>
@@ -7173,7 +7181,7 @@
           <a:p>
             <a:fld id="{48A87A34-81AB-432B-8DAE-1953F412C126}" type="datetimeFigureOut">
               <a:rPr lang="en-US" smtClean="0"/>
-              <a:t>2/24/2018</a:t>
+              <a:t>2/27/2018</a:t>
             </a:fld>
             <a:endParaRPr lang="en-US" dirty="0"/>
           </a:p>
@@ -7343,7 +7351,7 @@
           <a:p>
             <a:fld id="{48A87A34-81AB-432B-8DAE-1953F412C126}" type="datetimeFigureOut">
               <a:rPr lang="en-US" smtClean="0"/>
-              <a:t>2/24/2018</a:t>
+              <a:t>2/27/2018</a:t>
             </a:fld>
             <a:endParaRPr lang="en-US" dirty="0"/>
           </a:p>
@@ -7599,7 +7607,7 @@
           <a:p>
             <a:fld id="{48A87A34-81AB-432B-8DAE-1953F412C126}" type="datetimeFigureOut">
               <a:rPr lang="en-US" smtClean="0"/>
-              <a:t>2/24/2018</a:t>
+              <a:t>2/27/2018</a:t>
             </a:fld>
             <a:endParaRPr lang="en-US" dirty="0"/>
           </a:p>
@@ -7837,7 +7845,7 @@
           <a:p>
             <a:fld id="{48A87A34-81AB-432B-8DAE-1953F412C126}" type="datetimeFigureOut">
               <a:rPr lang="en-US" smtClean="0"/>
-              <a:t>2/24/2018</a:t>
+              <a:t>2/27/2018</a:t>
             </a:fld>
             <a:endParaRPr lang="en-US" dirty="0"/>
           </a:p>
@@ -8224,7 +8232,7 @@
           <a:p>
             <a:fld id="{48A87A34-81AB-432B-8DAE-1953F412C126}" type="datetimeFigureOut">
               <a:rPr lang="en-US" smtClean="0"/>
-              <a:t>2/24/2018</a:t>
+              <a:t>2/27/2018</a:t>
             </a:fld>
             <a:endParaRPr lang="en-US" dirty="0"/>
           </a:p>
@@ -8348,7 +8356,7 @@
           <a:p>
             <a:fld id="{48A87A34-81AB-432B-8DAE-1953F412C126}" type="datetimeFigureOut">
               <a:rPr lang="en-US" smtClean="0"/>
-              <a:t>2/24/2018</a:t>
+              <a:t>2/27/2018</a:t>
             </a:fld>
             <a:endParaRPr lang="en-US" dirty="0"/>
           </a:p>
@@ -8449,7 +8457,7 @@
           <a:p>
             <a:fld id="{48A87A34-81AB-432B-8DAE-1953F412C126}" type="datetimeFigureOut">
               <a:rPr lang="en-US" smtClean="0"/>
-              <a:t>2/24/2018</a:t>
+              <a:t>2/27/2018</a:t>
             </a:fld>
             <a:endParaRPr lang="en-US" dirty="0"/>
           </a:p>
@@ -8704,7 +8712,7 @@
           <a:p>
             <a:fld id="{48A87A34-81AB-432B-8DAE-1953F412C126}" type="datetimeFigureOut">
               <a:rPr lang="en-US" smtClean="0"/>
-              <a:t>2/24/2018</a:t>
+              <a:t>2/27/2018</a:t>
             </a:fld>
             <a:endParaRPr lang="en-US" dirty="0"/>
           </a:p>
@@ -8984,7 +8992,7 @@
           <a:p>
             <a:fld id="{48A87A34-81AB-432B-8DAE-1953F412C126}" type="datetimeFigureOut">
               <a:rPr lang="en-US" smtClean="0"/>
-              <a:t>2/24/2018</a:t>
+              <a:t>2/27/2018</a:t>
             </a:fld>
             <a:endParaRPr lang="en-US" dirty="0"/>
           </a:p>
@@ -12068,7 +12076,7 @@
             <a:fld id="{48A87A34-81AB-432B-8DAE-1953F412C126}" type="datetimeFigureOut">
               <a:rPr lang="en-US" smtClean="0"/>
               <a:pPr/>
-              <a:t>2/24/2018</a:t>
+              <a:t>2/27/2018</a:t>
             </a:fld>
             <a:endParaRPr lang="en-US" dirty="0"/>
           </a:p>
@@ -12562,6 +12570,270 @@
 </p:sld>
 </file>
 
+<file path=ppt/slides/slide10.xml><?xml version="1.0" encoding="utf-8"?>
+<p:sld xmlns:a="http://schemas.openxmlformats.org/drawingml/2006/main" xmlns:r="http://schemas.openxmlformats.org/officeDocument/2006/relationships" xmlns:p="http://schemas.openxmlformats.org/presentationml/2006/main">
+  <p:cSld>
+    <p:spTree>
+      <p:nvGrpSpPr>
+        <p:cNvPr id="1" name=""/>
+        <p:cNvGrpSpPr/>
+        <p:nvPr/>
+      </p:nvGrpSpPr>
+      <p:grpSpPr>
+        <a:xfrm>
+          <a:off x="0" y="0"/>
+          <a:ext cx="0" cy="0"/>
+          <a:chOff x="0" y="0"/>
+          <a:chExt cx="0" cy="0"/>
+        </a:xfrm>
+      </p:grpSpPr>
+      <p:sp>
+        <p:nvSpPr>
+          <p:cNvPr id="2" name="Title 1"/>
+          <p:cNvSpPr>
+            <a:spLocks noGrp="1"/>
+          </p:cNvSpPr>
+          <p:nvPr>
+            <p:ph type="title"/>
+          </p:nvPr>
+        </p:nvSpPr>
+        <p:spPr/>
+        <p:txBody>
+          <a:bodyPr/>
+          <a:lstStyle/>
+          <a:p>
+            <a:r>
+              <a:rPr lang="en-GB" dirty="0"/>
+              <a:t>Gadget Controller</a:t>
+            </a:r>
+          </a:p>
+        </p:txBody>
+      </p:sp>
+      <p:sp>
+        <p:nvSpPr>
+          <p:cNvPr id="3" name="Content Placeholder 2"/>
+          <p:cNvSpPr>
+            <a:spLocks noGrp="1"/>
+          </p:cNvSpPr>
+          <p:nvPr>
+            <p:ph idx="1"/>
+          </p:nvPr>
+        </p:nvSpPr>
+        <p:spPr/>
+        <p:txBody>
+          <a:bodyPr/>
+          <a:lstStyle/>
+          <a:p>
+            <a:r>
+              <a:rPr lang="en-GB" dirty="0"/>
+              <a:t>Set </a:t>
+            </a:r>
+            <a:r>
+              <a:rPr lang="en-GB" dirty="0" err="1"/>
+              <a:t>Color</a:t>
+            </a:r>
+            <a:endParaRPr lang="en-GB" dirty="0"/>
+          </a:p>
+          <a:p>
+            <a:r>
+              <a:rPr lang="en-GB" dirty="0"/>
+              <a:t>Directive driven</a:t>
+            </a:r>
+          </a:p>
+          <a:p>
+            <a:r>
+              <a:rPr lang="en-GB" dirty="0"/>
+              <a:t>Animations</a:t>
+            </a:r>
+          </a:p>
+          <a:p>
+            <a:pPr marL="0" indent="0">
+              <a:buNone/>
+            </a:pPr>
+            <a:endParaRPr lang="en-GB" dirty="0"/>
+          </a:p>
+        </p:txBody>
+      </p:sp>
+    </p:spTree>
+    <p:extLst>
+      <p:ext uri="{BB962C8B-B14F-4D97-AF65-F5344CB8AC3E}">
+        <p14:creationId xmlns:p14="http://schemas.microsoft.com/office/powerpoint/2010/main" val="2066721731"/>
+      </p:ext>
+    </p:extLst>
+  </p:cSld>
+  <p:clrMapOvr>
+    <a:masterClrMapping/>
+  </p:clrMapOvr>
+</p:sld>
+</file>
+
+<file path=ppt/slides/slide11.xml><?xml version="1.0" encoding="utf-8"?>
+<p:sld xmlns:a="http://schemas.openxmlformats.org/drawingml/2006/main" xmlns:r="http://schemas.openxmlformats.org/officeDocument/2006/relationships" xmlns:p="http://schemas.openxmlformats.org/presentationml/2006/main">
+  <p:cSld>
+    <p:spTree>
+      <p:nvGrpSpPr>
+        <p:cNvPr id="1" name=""/>
+        <p:cNvGrpSpPr/>
+        <p:nvPr/>
+      </p:nvGrpSpPr>
+      <p:grpSpPr>
+        <a:xfrm>
+          <a:off x="0" y="0"/>
+          <a:ext cx="0" cy="0"/>
+          <a:chOff x="0" y="0"/>
+          <a:chExt cx="0" cy="0"/>
+        </a:xfrm>
+      </p:grpSpPr>
+      <p:sp>
+        <p:nvSpPr>
+          <p:cNvPr id="2" name="Title 1"/>
+          <p:cNvSpPr>
+            <a:spLocks noGrp="1"/>
+          </p:cNvSpPr>
+          <p:nvPr>
+            <p:ph type="title"/>
+          </p:nvPr>
+        </p:nvSpPr>
+        <p:spPr/>
+        <p:txBody>
+          <a:bodyPr/>
+          <a:lstStyle/>
+          <a:p>
+            <a:r>
+              <a:rPr lang="en-GB" dirty="0"/>
+              <a:t>Game Engine</a:t>
+            </a:r>
+          </a:p>
+        </p:txBody>
+      </p:sp>
+      <p:sp>
+        <p:nvSpPr>
+          <p:cNvPr id="3" name="Content Placeholder 2"/>
+          <p:cNvSpPr>
+            <a:spLocks noGrp="1"/>
+          </p:cNvSpPr>
+          <p:nvPr>
+            <p:ph idx="1"/>
+          </p:nvPr>
+        </p:nvSpPr>
+        <p:spPr/>
+        <p:txBody>
+          <a:bodyPr/>
+          <a:lstStyle/>
+          <a:p>
+            <a:endParaRPr lang="en-GB"/>
+          </a:p>
+        </p:txBody>
+      </p:sp>
+    </p:spTree>
+    <p:extLst>
+      <p:ext uri="{BB962C8B-B14F-4D97-AF65-F5344CB8AC3E}">
+        <p14:creationId xmlns:p14="http://schemas.microsoft.com/office/powerpoint/2010/main" val="3695787322"/>
+      </p:ext>
+    </p:extLst>
+  </p:cSld>
+  <p:clrMapOvr>
+    <a:masterClrMapping/>
+  </p:clrMapOvr>
+</p:sld>
+</file>
+
+<file path=ppt/slides/slide12.xml><?xml version="1.0" encoding="utf-8"?>
+<p:sld xmlns:a="http://schemas.openxmlformats.org/drawingml/2006/main" xmlns:r="http://schemas.openxmlformats.org/officeDocument/2006/relationships" xmlns:p="http://schemas.openxmlformats.org/presentationml/2006/main">
+  <p:cSld>
+    <p:spTree>
+      <p:nvGrpSpPr>
+        <p:cNvPr id="1" name=""/>
+        <p:cNvGrpSpPr/>
+        <p:nvPr/>
+      </p:nvGrpSpPr>
+      <p:grpSpPr>
+        <a:xfrm>
+          <a:off x="0" y="0"/>
+          <a:ext cx="0" cy="0"/>
+          <a:chOff x="0" y="0"/>
+          <a:chExt cx="0" cy="0"/>
+        </a:xfrm>
+      </p:grpSpPr>
+      <p:sp>
+        <p:nvSpPr>
+          <p:cNvPr id="2" name="Title 1"/>
+          <p:cNvSpPr>
+            <a:spLocks noGrp="1"/>
+          </p:cNvSpPr>
+          <p:nvPr>
+            <p:ph type="title"/>
+          </p:nvPr>
+        </p:nvSpPr>
+        <p:spPr/>
+        <p:txBody>
+          <a:bodyPr/>
+          <a:lstStyle/>
+          <a:p>
+            <a:r>
+              <a:rPr lang="en-GB" dirty="0"/>
+              <a:t>Thank you</a:t>
+            </a:r>
+          </a:p>
+        </p:txBody>
+      </p:sp>
+      <p:sp>
+        <p:nvSpPr>
+          <p:cNvPr id="3" name="Content Placeholder 2"/>
+          <p:cNvSpPr>
+            <a:spLocks noGrp="1"/>
+          </p:cNvSpPr>
+          <p:nvPr>
+            <p:ph idx="1"/>
+          </p:nvPr>
+        </p:nvSpPr>
+        <p:spPr/>
+        <p:txBody>
+          <a:bodyPr/>
+          <a:lstStyle/>
+          <a:p>
+            <a:r>
+              <a:rPr lang="en-GB" dirty="0"/>
+              <a:t>Questions?</a:t>
+            </a:r>
+          </a:p>
+          <a:p>
+            <a:r>
+              <a:rPr lang="en-GB" dirty="0" err="1"/>
+              <a:t>Github</a:t>
+            </a:r>
+            <a:r>
+              <a:rPr lang="en-GB" dirty="0"/>
+              <a:t> Link</a:t>
+            </a:r>
+          </a:p>
+          <a:p>
+            <a:r>
+              <a:rPr lang="en-GB" dirty="0"/>
+              <a:t>Twitter Link</a:t>
+            </a:r>
+          </a:p>
+          <a:p>
+            <a:r>
+              <a:rPr lang="en-GB" dirty="0"/>
+              <a:t>LinkedIn Link</a:t>
+            </a:r>
+          </a:p>
+        </p:txBody>
+      </p:sp>
+    </p:spTree>
+    <p:extLst>
+      <p:ext uri="{BB962C8B-B14F-4D97-AF65-F5344CB8AC3E}">
+        <p14:creationId xmlns:p14="http://schemas.microsoft.com/office/powerpoint/2010/main" val="256884393"/>
+      </p:ext>
+    </p:extLst>
+  </p:cSld>
+  <p:clrMapOvr>
+    <a:masterClrMapping/>
+  </p:clrMapOvr>
+</p:sld>
+</file>
+
 <file path=ppt/slides/slide2.xml><?xml version="1.0" encoding="utf-8"?>
 <p:sld xmlns:a="http://schemas.openxmlformats.org/drawingml/2006/main" xmlns:r="http://schemas.openxmlformats.org/officeDocument/2006/relationships" xmlns:p="http://schemas.openxmlformats.org/presentationml/2006/main">
   <p:cSld>
@@ -12596,7 +12868,7 @@
           <a:p>
             <a:r>
               <a:rPr lang="en-GB" dirty="0"/>
-              <a:t>About Me</a:t>
+              <a:t>Once upon a time</a:t>
             </a:r>
           </a:p>
         </p:txBody>
@@ -12667,7 +12939,7 @@
           <a:p>
             <a:r>
               <a:rPr lang="en-GB" dirty="0"/>
-              <a:t>Voice for Display</a:t>
+              <a:t>Your Narrator</a:t>
             </a:r>
           </a:p>
         </p:txBody>
@@ -12694,7 +12966,7 @@
     </p:spTree>
     <p:extLst>
       <p:ext uri="{BB962C8B-B14F-4D97-AF65-F5344CB8AC3E}">
-        <p14:creationId xmlns:p14="http://schemas.microsoft.com/office/powerpoint/2010/main" val="4085098041"/>
+        <p14:creationId xmlns:p14="http://schemas.microsoft.com/office/powerpoint/2010/main" val="3134910672"/>
       </p:ext>
     </p:extLst>
   </p:cSld>
@@ -12738,7 +13010,7 @@
           <a:p>
             <a:r>
               <a:rPr lang="en-GB" dirty="0"/>
-              <a:t>Push Notifications</a:t>
+              <a:t>Voice for Display</a:t>
             </a:r>
           </a:p>
         </p:txBody>
@@ -12758,14 +13030,29 @@
           <a:bodyPr/>
           <a:lstStyle/>
           <a:p>
-            <a:endParaRPr lang="en-GB"/>
+            <a:r>
+              <a:rPr lang="en-GB" dirty="0"/>
+              <a:t>Optional</a:t>
+            </a:r>
+          </a:p>
+          <a:p>
+            <a:r>
+              <a:rPr lang="en-GB" dirty="0"/>
+              <a:t>Discoverable</a:t>
+            </a:r>
+          </a:p>
+          <a:p>
+            <a:r>
+              <a:rPr lang="en-GB" dirty="0"/>
+              <a:t>Enhanced</a:t>
+            </a:r>
           </a:p>
         </p:txBody>
       </p:sp>
     </p:spTree>
     <p:extLst>
       <p:ext uri="{BB962C8B-B14F-4D97-AF65-F5344CB8AC3E}">
-        <p14:creationId xmlns:p14="http://schemas.microsoft.com/office/powerpoint/2010/main" val="2247287629"/>
+        <p14:creationId xmlns:p14="http://schemas.microsoft.com/office/powerpoint/2010/main" val="4085098041"/>
       </p:ext>
     </p:extLst>
   </p:cSld>
@@ -12809,7 +13096,7 @@
           <a:p>
             <a:r>
               <a:rPr lang="en-GB" dirty="0"/>
-              <a:t>Skill Messaging</a:t>
+              <a:t>Push Notifications</a:t>
             </a:r>
           </a:p>
         </p:txBody>
@@ -12836,7 +13123,7 @@
     </p:spTree>
     <p:extLst>
       <p:ext uri="{BB962C8B-B14F-4D97-AF65-F5344CB8AC3E}">
-        <p14:creationId xmlns:p14="http://schemas.microsoft.com/office/powerpoint/2010/main" val="4232488515"/>
+        <p14:creationId xmlns:p14="http://schemas.microsoft.com/office/powerpoint/2010/main" val="2247287629"/>
       </p:ext>
     </p:extLst>
   </p:cSld>
@@ -12880,7 +13167,7 @@
           <a:p>
             <a:r>
               <a:rPr lang="en-GB" dirty="0"/>
-              <a:t>Gadgets</a:t>
+              <a:t>Push Notifications - Flow</a:t>
             </a:r>
           </a:p>
         </p:txBody>
@@ -12900,14 +13187,282 @@
           <a:bodyPr/>
           <a:lstStyle/>
           <a:p>
-            <a:endParaRPr lang="en-GB"/>
+            <a:endParaRPr lang="en-GB" dirty="0"/>
+          </a:p>
+        </p:txBody>
+      </p:sp>
+      <p:sp>
+        <p:nvSpPr>
+          <p:cNvPr id="4" name="Oval 3"/>
+          <p:cNvSpPr/>
+          <p:nvPr/>
+        </p:nvSpPr>
+        <p:spPr>
+          <a:xfrm>
+            <a:off x="1256506" y="2451990"/>
+            <a:ext cx="1531766" cy="809564"/>
+          </a:xfrm>
+          <a:prstGeom prst="ellipse">
+            <a:avLst/>
+          </a:prstGeom>
+        </p:spPr>
+        <p:style>
+          <a:lnRef idx="2">
+            <a:schemeClr val="accent2">
+              <a:shade val="50000"/>
+            </a:schemeClr>
+          </a:lnRef>
+          <a:fillRef idx="1">
+            <a:schemeClr val="accent2"/>
+          </a:fillRef>
+          <a:effectRef idx="0">
+            <a:schemeClr val="accent2"/>
+          </a:effectRef>
+          <a:fontRef idx="minor">
+            <a:schemeClr val="lt1"/>
+          </a:fontRef>
+        </p:style>
+        <p:txBody>
+          <a:bodyPr rtlCol="0" anchor="ctr"/>
+          <a:lstStyle/>
+          <a:p>
+            <a:pPr algn="ctr"/>
+            <a:r>
+              <a:rPr lang="en-GB" dirty="0"/>
+              <a:t>Event</a:t>
+            </a:r>
+          </a:p>
+        </p:txBody>
+      </p:sp>
+      <p:sp>
+        <p:nvSpPr>
+          <p:cNvPr id="5" name="Rectangle 4"/>
+          <p:cNvSpPr/>
+          <p:nvPr/>
+        </p:nvSpPr>
+        <p:spPr>
+          <a:xfrm>
+            <a:off x="2903366" y="2451990"/>
+            <a:ext cx="1933636" cy="797916"/>
+          </a:xfrm>
+          <a:prstGeom prst="rect">
+            <a:avLst/>
+          </a:prstGeom>
+        </p:spPr>
+        <p:style>
+          <a:lnRef idx="2">
+            <a:schemeClr val="accent6">
+              <a:shade val="50000"/>
+            </a:schemeClr>
+          </a:lnRef>
+          <a:fillRef idx="1">
+            <a:schemeClr val="accent6"/>
+          </a:fillRef>
+          <a:effectRef idx="0">
+            <a:schemeClr val="accent6"/>
+          </a:effectRef>
+          <a:fontRef idx="minor">
+            <a:schemeClr val="lt1"/>
+          </a:fontRef>
+        </p:style>
+        <p:txBody>
+          <a:bodyPr rtlCol="0" anchor="ctr"/>
+          <a:lstStyle/>
+          <a:p>
+            <a:pPr algn="ctr"/>
+            <a:r>
+              <a:rPr lang="en-GB" dirty="0"/>
+              <a:t>Process</a:t>
+            </a:r>
+          </a:p>
+        </p:txBody>
+      </p:sp>
+      <p:sp>
+        <p:nvSpPr>
+          <p:cNvPr id="6" name="Rectangle: Rounded Corners 5"/>
+          <p:cNvSpPr/>
+          <p:nvPr/>
+        </p:nvSpPr>
+        <p:spPr>
+          <a:xfrm>
+            <a:off x="4933101" y="2451990"/>
+            <a:ext cx="1706491" cy="809564"/>
+          </a:xfrm>
+          <a:prstGeom prst="roundRect">
+            <a:avLst/>
+          </a:prstGeom>
+        </p:spPr>
+        <p:style>
+          <a:lnRef idx="2">
+            <a:schemeClr val="accent4">
+              <a:shade val="50000"/>
+            </a:schemeClr>
+          </a:lnRef>
+          <a:fillRef idx="1">
+            <a:schemeClr val="accent4"/>
+          </a:fillRef>
+          <a:effectRef idx="0">
+            <a:schemeClr val="accent4"/>
+          </a:effectRef>
+          <a:fontRef idx="minor">
+            <a:schemeClr val="lt1"/>
+          </a:fontRef>
+        </p:style>
+        <p:txBody>
+          <a:bodyPr rtlCol="0" anchor="ctr"/>
+          <a:lstStyle/>
+          <a:p>
+            <a:pPr algn="ctr"/>
+            <a:r>
+              <a:rPr lang="en-GB" dirty="0"/>
+              <a:t>Skill Messaging</a:t>
+            </a:r>
+          </a:p>
+        </p:txBody>
+      </p:sp>
+      <p:sp>
+        <p:nvSpPr>
+          <p:cNvPr id="7" name="Rectangle 6"/>
+          <p:cNvSpPr/>
+          <p:nvPr/>
+        </p:nvSpPr>
+        <p:spPr>
+          <a:xfrm>
+            <a:off x="6831791" y="2451991"/>
+            <a:ext cx="1659898" cy="797916"/>
+          </a:xfrm>
+          <a:prstGeom prst="rect">
+            <a:avLst/>
+          </a:prstGeom>
+        </p:spPr>
+        <p:style>
+          <a:lnRef idx="1">
+            <a:schemeClr val="accent5"/>
+          </a:lnRef>
+          <a:fillRef idx="3">
+            <a:schemeClr val="accent5"/>
+          </a:fillRef>
+          <a:effectRef idx="2">
+            <a:schemeClr val="accent5"/>
+          </a:effectRef>
+          <a:fontRef idx="minor">
+            <a:schemeClr val="lt1"/>
+          </a:fontRef>
+        </p:style>
+        <p:txBody>
+          <a:bodyPr rtlCol="0" anchor="ctr"/>
+          <a:lstStyle/>
+          <a:p>
+            <a:pPr algn="ctr"/>
+            <a:r>
+              <a:rPr lang="en-GB" dirty="0"/>
+              <a:t>Skill</a:t>
+            </a:r>
+          </a:p>
+          <a:p>
+            <a:pPr algn="ctr"/>
+            <a:r>
+              <a:rPr lang="en-GB" dirty="0"/>
+              <a:t>Message</a:t>
+            </a:r>
+          </a:p>
+          <a:p>
+            <a:pPr algn="ctr"/>
+            <a:r>
+              <a:rPr lang="en-GB" dirty="0"/>
+              <a:t>Received</a:t>
+            </a:r>
+          </a:p>
+        </p:txBody>
+      </p:sp>
+      <p:sp>
+        <p:nvSpPr>
+          <p:cNvPr id="9" name="Rectangle: Rounded Corners 8"/>
+          <p:cNvSpPr/>
+          <p:nvPr/>
+        </p:nvSpPr>
+        <p:spPr>
+          <a:xfrm>
+            <a:off x="9004220" y="2451990"/>
+            <a:ext cx="1700667" cy="797916"/>
+          </a:xfrm>
+          <a:prstGeom prst="roundRect">
+            <a:avLst/>
+          </a:prstGeom>
+        </p:spPr>
+        <p:style>
+          <a:lnRef idx="1">
+            <a:schemeClr val="accent4"/>
+          </a:lnRef>
+          <a:fillRef idx="2">
+            <a:schemeClr val="accent4"/>
+          </a:fillRef>
+          <a:effectRef idx="1">
+            <a:schemeClr val="accent4"/>
+          </a:effectRef>
+          <a:fontRef idx="minor">
+            <a:schemeClr val="dk1"/>
+          </a:fontRef>
+        </p:style>
+        <p:txBody>
+          <a:bodyPr rtlCol="0" anchor="ctr"/>
+          <a:lstStyle/>
+          <a:p>
+            <a:pPr algn="ctr"/>
+            <a:r>
+              <a:rPr lang="en-GB" dirty="0"/>
+              <a:t>Push Notifications</a:t>
+            </a:r>
+          </a:p>
+        </p:txBody>
+      </p:sp>
+      <p:sp>
+        <p:nvSpPr>
+          <p:cNvPr id="10" name="Star: 5 Points 9"/>
+          <p:cNvSpPr/>
+          <p:nvPr/>
+        </p:nvSpPr>
+        <p:spPr>
+          <a:xfrm>
+            <a:off x="8113116" y="3713901"/>
+            <a:ext cx="3581886" cy="1613304"/>
+          </a:xfrm>
+          <a:prstGeom prst="star5">
+            <a:avLst/>
+          </a:prstGeom>
+        </p:spPr>
+        <p:style>
+          <a:lnRef idx="2">
+            <a:schemeClr val="accent1">
+              <a:shade val="50000"/>
+            </a:schemeClr>
+          </a:lnRef>
+          <a:fillRef idx="1">
+            <a:schemeClr val="accent1"/>
+          </a:fillRef>
+          <a:effectRef idx="0">
+            <a:schemeClr val="accent1"/>
+          </a:effectRef>
+          <a:fontRef idx="minor">
+            <a:schemeClr val="lt1"/>
+          </a:fontRef>
+        </p:style>
+        <p:txBody>
+          <a:bodyPr rtlCol="0" anchor="ctr"/>
+          <a:lstStyle/>
+          <a:p>
+            <a:pPr algn="ctr"/>
+            <a:r>
+              <a:rPr lang="en-GB" dirty="0"/>
+              <a:t>ALEXA DEVICES</a:t>
+            </a:r>
           </a:p>
         </p:txBody>
       </p:sp>
     </p:spTree>
     <p:extLst>
       <p:ext uri="{BB962C8B-B14F-4D97-AF65-F5344CB8AC3E}">
-        <p14:creationId xmlns:p14="http://schemas.microsoft.com/office/powerpoint/2010/main" val="3777380794"/>
+        <p14:creationId xmlns:p14="http://schemas.microsoft.com/office/powerpoint/2010/main" val="301113956"/>
       </p:ext>
     </p:extLst>
   </p:cSld>
@@ -12951,7 +13506,7 @@
           <a:p>
             <a:r>
               <a:rPr lang="en-GB" dirty="0"/>
-              <a:t>Gadget Controller</a:t>
+              <a:t>Skill Messaging</a:t>
             </a:r>
           </a:p>
         </p:txBody>
@@ -12978,7 +13533,7 @@
     </p:spTree>
     <p:extLst>
       <p:ext uri="{BB962C8B-B14F-4D97-AF65-F5344CB8AC3E}">
-        <p14:creationId xmlns:p14="http://schemas.microsoft.com/office/powerpoint/2010/main" val="2066721731"/>
+        <p14:creationId xmlns:p14="http://schemas.microsoft.com/office/powerpoint/2010/main" val="4232488515"/>
       </p:ext>
     </p:extLst>
   </p:cSld>
@@ -13022,7 +13577,7 @@
           <a:p>
             <a:r>
               <a:rPr lang="en-GB" dirty="0"/>
-              <a:t>Game Engine</a:t>
+              <a:t>Gadgets – Mini Game</a:t>
             </a:r>
           </a:p>
         </p:txBody>
@@ -13049,7 +13604,7 @@
     </p:spTree>
     <p:extLst>
       <p:ext uri="{BB962C8B-B14F-4D97-AF65-F5344CB8AC3E}">
-        <p14:creationId xmlns:p14="http://schemas.microsoft.com/office/powerpoint/2010/main" val="3695787322"/>
+        <p14:creationId xmlns:p14="http://schemas.microsoft.com/office/powerpoint/2010/main" val="3777380794"/>
       </p:ext>
     </p:extLst>
   </p:cSld>
@@ -13091,7 +13646,10 @@
           <a:bodyPr/>
           <a:lstStyle/>
           <a:p>
-            <a:endParaRPr lang="en-GB"/>
+            <a:r>
+              <a:rPr lang="en-GB" dirty="0"/>
+              <a:t>Mini Game - FLOW</a:t>
+            </a:r>
           </a:p>
         </p:txBody>
       </p:sp>
@@ -13110,14 +13668,323 @@
           <a:bodyPr/>
           <a:lstStyle/>
           <a:p>
-            <a:endParaRPr lang="en-GB"/>
+            <a:endParaRPr lang="en-GB" dirty="0"/>
+          </a:p>
+        </p:txBody>
+      </p:sp>
+      <p:sp>
+        <p:nvSpPr>
+          <p:cNvPr id="4" name="Rectangle: Rounded Corners 3"/>
+          <p:cNvSpPr/>
+          <p:nvPr/>
+        </p:nvSpPr>
+        <p:spPr>
+          <a:xfrm>
+            <a:off x="3313972" y="2393748"/>
+            <a:ext cx="1397809" cy="762971"/>
+          </a:xfrm>
+          <a:prstGeom prst="roundRect">
+            <a:avLst/>
+          </a:prstGeom>
+        </p:spPr>
+        <p:style>
+          <a:lnRef idx="0">
+            <a:schemeClr val="accent6"/>
+          </a:lnRef>
+          <a:fillRef idx="3">
+            <a:schemeClr val="accent6"/>
+          </a:fillRef>
+          <a:effectRef idx="3">
+            <a:schemeClr val="accent6"/>
+          </a:effectRef>
+          <a:fontRef idx="minor">
+            <a:schemeClr val="lt1"/>
+          </a:fontRef>
+        </p:style>
+        <p:txBody>
+          <a:bodyPr rtlCol="0" anchor="ctr"/>
+          <a:lstStyle/>
+          <a:p>
+            <a:pPr algn="ctr"/>
+            <a:r>
+              <a:rPr lang="en-GB" dirty="0"/>
+              <a:t>Skill</a:t>
+            </a:r>
+          </a:p>
+          <a:p>
+            <a:pPr algn="ctr"/>
+            <a:r>
+              <a:rPr lang="en-GB" dirty="0"/>
+              <a:t>Logic</a:t>
+            </a:r>
+          </a:p>
+        </p:txBody>
+      </p:sp>
+      <p:sp>
+        <p:nvSpPr>
+          <p:cNvPr id="5" name="Rectangle: Rounded Corners 4"/>
+          <p:cNvSpPr/>
+          <p:nvPr/>
+        </p:nvSpPr>
+        <p:spPr>
+          <a:xfrm>
+            <a:off x="3313972" y="3309118"/>
+            <a:ext cx="1397809" cy="762971"/>
+          </a:xfrm>
+          <a:prstGeom prst="roundRect">
+            <a:avLst/>
+          </a:prstGeom>
+        </p:spPr>
+        <p:style>
+          <a:lnRef idx="0">
+            <a:schemeClr val="accent4"/>
+          </a:lnRef>
+          <a:fillRef idx="3">
+            <a:schemeClr val="accent4"/>
+          </a:fillRef>
+          <a:effectRef idx="3">
+            <a:schemeClr val="accent4"/>
+          </a:effectRef>
+          <a:fontRef idx="minor">
+            <a:schemeClr val="lt1"/>
+          </a:fontRef>
+        </p:style>
+        <p:txBody>
+          <a:bodyPr rtlCol="0" anchor="ctr"/>
+          <a:lstStyle/>
+          <a:p>
+            <a:pPr algn="ctr"/>
+            <a:r>
+              <a:rPr lang="en-GB" dirty="0"/>
+              <a:t>Gadget Controller</a:t>
+            </a:r>
+          </a:p>
+        </p:txBody>
+      </p:sp>
+      <p:grpSp>
+        <p:nvGrpSpPr>
+          <p:cNvPr id="10" name="Group 9"/>
+          <p:cNvGrpSpPr/>
+          <p:nvPr/>
+        </p:nvGrpSpPr>
+        <p:grpSpPr>
+          <a:xfrm>
+            <a:off x="4892463" y="4072089"/>
+            <a:ext cx="1584183" cy="884919"/>
+            <a:chOff x="1409589" y="3982963"/>
+            <a:chExt cx="1584183" cy="884919"/>
+          </a:xfrm>
+        </p:grpSpPr>
+        <p:sp>
+          <p:nvSpPr>
+            <p:cNvPr id="6" name="Rectangle: Rounded Corners 5"/>
+            <p:cNvSpPr/>
+            <p:nvPr/>
+          </p:nvSpPr>
+          <p:spPr>
+            <a:xfrm>
+              <a:off x="1409589" y="3982963"/>
+              <a:ext cx="1397809" cy="762971"/>
+            </a:xfrm>
+            <a:prstGeom prst="roundRect">
+              <a:avLst/>
+            </a:prstGeom>
+          </p:spPr>
+          <p:style>
+            <a:lnRef idx="0">
+              <a:schemeClr val="accent2"/>
+            </a:lnRef>
+            <a:fillRef idx="3">
+              <a:schemeClr val="accent2"/>
+            </a:fillRef>
+            <a:effectRef idx="3">
+              <a:schemeClr val="accent2"/>
+            </a:effectRef>
+            <a:fontRef idx="minor">
+              <a:schemeClr val="lt1"/>
+            </a:fontRef>
+          </p:style>
+          <p:txBody>
+            <a:bodyPr rtlCol="0" anchor="ctr"/>
+            <a:lstStyle/>
+            <a:p>
+              <a:pPr algn="ctr"/>
+              <a:r>
+                <a:rPr lang="en-GB" dirty="0"/>
+                <a:t>Gadget Event</a:t>
+              </a:r>
+            </a:p>
+          </p:txBody>
+        </p:sp>
+        <p:sp>
+          <p:nvSpPr>
+            <p:cNvPr id="9" name="Rectangle: Rounded Corners 8"/>
+            <p:cNvSpPr/>
+            <p:nvPr/>
+          </p:nvSpPr>
+          <p:spPr>
+            <a:xfrm>
+              <a:off x="1502776" y="4043937"/>
+              <a:ext cx="1397809" cy="762971"/>
+            </a:xfrm>
+            <a:prstGeom prst="roundRect">
+              <a:avLst/>
+            </a:prstGeom>
+          </p:spPr>
+          <p:style>
+            <a:lnRef idx="0">
+              <a:schemeClr val="accent2"/>
+            </a:lnRef>
+            <a:fillRef idx="3">
+              <a:schemeClr val="accent2"/>
+            </a:fillRef>
+            <a:effectRef idx="3">
+              <a:schemeClr val="accent2"/>
+            </a:effectRef>
+            <a:fontRef idx="minor">
+              <a:schemeClr val="lt1"/>
+            </a:fontRef>
+          </p:style>
+          <p:txBody>
+            <a:bodyPr rtlCol="0" anchor="ctr"/>
+            <a:lstStyle/>
+            <a:p>
+              <a:pPr algn="ctr"/>
+              <a:r>
+                <a:rPr lang="en-GB" dirty="0"/>
+                <a:t>Gadget Event</a:t>
+              </a:r>
+            </a:p>
+          </p:txBody>
+        </p:sp>
+        <p:sp>
+          <p:nvSpPr>
+            <p:cNvPr id="7" name="Rectangle: Rounded Corners 6"/>
+            <p:cNvSpPr/>
+            <p:nvPr/>
+          </p:nvSpPr>
+          <p:spPr>
+            <a:xfrm>
+              <a:off x="1595963" y="4104911"/>
+              <a:ext cx="1397809" cy="762971"/>
+            </a:xfrm>
+            <a:prstGeom prst="roundRect">
+              <a:avLst/>
+            </a:prstGeom>
+          </p:spPr>
+          <p:style>
+            <a:lnRef idx="0">
+              <a:schemeClr val="accent2"/>
+            </a:lnRef>
+            <a:fillRef idx="3">
+              <a:schemeClr val="accent2"/>
+            </a:fillRef>
+            <a:effectRef idx="3">
+              <a:schemeClr val="accent2"/>
+            </a:effectRef>
+            <a:fontRef idx="minor">
+              <a:schemeClr val="lt1"/>
+            </a:fontRef>
+          </p:style>
+          <p:txBody>
+            <a:bodyPr rtlCol="0" anchor="ctr"/>
+            <a:lstStyle/>
+            <a:p>
+              <a:pPr algn="ctr"/>
+              <a:r>
+                <a:rPr lang="en-GB" dirty="0"/>
+                <a:t>Gadget Event</a:t>
+              </a:r>
+            </a:p>
+          </p:txBody>
+        </p:sp>
+      </p:grpSp>
+      <p:sp>
+        <p:nvSpPr>
+          <p:cNvPr id="11" name="Rectangle: Rounded Corners 10"/>
+          <p:cNvSpPr/>
+          <p:nvPr/>
+        </p:nvSpPr>
+        <p:spPr>
+          <a:xfrm>
+            <a:off x="6529900" y="3316101"/>
+            <a:ext cx="1397809" cy="762971"/>
+          </a:xfrm>
+          <a:prstGeom prst="roundRect">
+            <a:avLst/>
+          </a:prstGeom>
+        </p:spPr>
+        <p:style>
+          <a:lnRef idx="0">
+            <a:schemeClr val="accent4"/>
+          </a:lnRef>
+          <a:fillRef idx="3">
+            <a:schemeClr val="accent4"/>
+          </a:fillRef>
+          <a:effectRef idx="3">
+            <a:schemeClr val="accent4"/>
+          </a:effectRef>
+          <a:fontRef idx="minor">
+            <a:schemeClr val="lt1"/>
+          </a:fontRef>
+        </p:style>
+        <p:txBody>
+          <a:bodyPr rtlCol="0" anchor="ctr"/>
+          <a:lstStyle/>
+          <a:p>
+            <a:pPr algn="ctr"/>
+            <a:r>
+              <a:rPr lang="en-GB" dirty="0"/>
+              <a:t>Game Engine</a:t>
+            </a:r>
+          </a:p>
+        </p:txBody>
+      </p:sp>
+      <p:sp>
+        <p:nvSpPr>
+          <p:cNvPr id="12" name="Rectangle: Rounded Corners 11"/>
+          <p:cNvSpPr/>
+          <p:nvPr/>
+        </p:nvSpPr>
+        <p:spPr>
+          <a:xfrm>
+            <a:off x="6529901" y="2400731"/>
+            <a:ext cx="1397809" cy="762971"/>
+          </a:xfrm>
+          <a:prstGeom prst="roundRect">
+            <a:avLst/>
+          </a:prstGeom>
+        </p:spPr>
+        <p:style>
+          <a:lnRef idx="0">
+            <a:schemeClr val="accent6"/>
+          </a:lnRef>
+          <a:fillRef idx="3">
+            <a:schemeClr val="accent6"/>
+          </a:fillRef>
+          <a:effectRef idx="3">
+            <a:schemeClr val="accent6"/>
+          </a:effectRef>
+          <a:fontRef idx="minor">
+            <a:schemeClr val="lt1"/>
+          </a:fontRef>
+        </p:style>
+        <p:txBody>
+          <a:bodyPr rtlCol="0" anchor="ctr"/>
+          <a:lstStyle/>
+          <a:p>
+            <a:pPr algn="ctr"/>
+            <a:r>
+              <a:rPr lang="en-GB" dirty="0"/>
+              <a:t>Skill Request</a:t>
+            </a:r>
           </a:p>
         </p:txBody>
       </p:sp>
     </p:spTree>
     <p:extLst>
       <p:ext uri="{BB962C8B-B14F-4D97-AF65-F5344CB8AC3E}">
-        <p14:creationId xmlns:p14="http://schemas.microsoft.com/office/powerpoint/2010/main" val="256884393"/>
+        <p14:creationId xmlns:p14="http://schemas.microsoft.com/office/powerpoint/2010/main" val="508974421"/>
       </p:ext>
     </p:extLst>
   </p:cSld>

--- a/Presentation/VoiceAndMore.pptx
+++ b/Presentation/VoiceAndMore.pptx
@@ -4,34 +4,39 @@
   <p:sldMasterIdLst>
     <p:sldMasterId id="2147483723" r:id="rId1"/>
   </p:sldMasterIdLst>
+  <p:notesMasterIdLst>
+    <p:notesMasterId r:id="rId31"/>
+  </p:notesMasterIdLst>
   <p:sldIdLst>
     <p:sldId id="256" r:id="rId2"/>
     <p:sldId id="264" r:id="rId3"/>
-    <p:sldId id="267" r:id="rId4"/>
-    <p:sldId id="271" r:id="rId5"/>
-    <p:sldId id="272" r:id="rId6"/>
-    <p:sldId id="273" r:id="rId7"/>
-    <p:sldId id="269" r:id="rId8"/>
-    <p:sldId id="274" r:id="rId9"/>
-    <p:sldId id="270" r:id="rId10"/>
-    <p:sldId id="277" r:id="rId11"/>
-    <p:sldId id="276" r:id="rId12"/>
-    <p:sldId id="275" r:id="rId13"/>
-    <p:sldId id="281" r:id="rId14"/>
-    <p:sldId id="280" r:id="rId15"/>
-    <p:sldId id="278" r:id="rId16"/>
-    <p:sldId id="279" r:id="rId17"/>
-    <p:sldId id="282" r:id="rId18"/>
-    <p:sldId id="284" r:id="rId19"/>
-    <p:sldId id="285" r:id="rId20"/>
-    <p:sldId id="283" r:id="rId21"/>
-    <p:sldId id="263" r:id="rId22"/>
-    <p:sldId id="286" r:id="rId23"/>
-    <p:sldId id="258" r:id="rId24"/>
-    <p:sldId id="259" r:id="rId25"/>
-    <p:sldId id="260" r:id="rId26"/>
-    <p:sldId id="261" r:id="rId27"/>
-    <p:sldId id="262" r:id="rId28"/>
+    <p:sldId id="287" r:id="rId4"/>
+    <p:sldId id="267" r:id="rId5"/>
+    <p:sldId id="271" r:id="rId6"/>
+    <p:sldId id="272" r:id="rId7"/>
+    <p:sldId id="273" r:id="rId8"/>
+    <p:sldId id="269" r:id="rId9"/>
+    <p:sldId id="274" r:id="rId10"/>
+    <p:sldId id="270" r:id="rId11"/>
+    <p:sldId id="277" r:id="rId12"/>
+    <p:sldId id="276" r:id="rId13"/>
+    <p:sldId id="275" r:id="rId14"/>
+    <p:sldId id="281" r:id="rId15"/>
+    <p:sldId id="280" r:id="rId16"/>
+    <p:sldId id="278" r:id="rId17"/>
+    <p:sldId id="279" r:id="rId18"/>
+    <p:sldId id="282" r:id="rId19"/>
+    <p:sldId id="284" r:id="rId20"/>
+    <p:sldId id="285" r:id="rId21"/>
+    <p:sldId id="283" r:id="rId22"/>
+    <p:sldId id="288" r:id="rId23"/>
+    <p:sldId id="263" r:id="rId24"/>
+    <p:sldId id="286" r:id="rId25"/>
+    <p:sldId id="258" r:id="rId26"/>
+    <p:sldId id="259" r:id="rId27"/>
+    <p:sldId id="260" r:id="rId28"/>
+    <p:sldId id="261" r:id="rId29"/>
+    <p:sldId id="262" r:id="rId30"/>
   </p:sldIdLst>
   <p:sldSz cx="12192000" cy="6858000"/>
   <p:notesSz cx="6858000" cy="9144000"/>
@@ -138,6 +143,2287 @@
 </p:presentation>
 </file>
 
+<file path=ppt/notesMasters/notesMaster1.xml><?xml version="1.0" encoding="utf-8"?>
+<p:notesMaster xmlns:a="http://schemas.openxmlformats.org/drawingml/2006/main" xmlns:r="http://schemas.openxmlformats.org/officeDocument/2006/relationships" xmlns:p="http://schemas.openxmlformats.org/presentationml/2006/main">
+  <p:cSld>
+    <p:bg>
+      <p:bgRef idx="1001">
+        <a:schemeClr val="bg1"/>
+      </p:bgRef>
+    </p:bg>
+    <p:spTree>
+      <p:nvGrpSpPr>
+        <p:cNvPr id="1" name=""/>
+        <p:cNvGrpSpPr/>
+        <p:nvPr/>
+      </p:nvGrpSpPr>
+      <p:grpSpPr>
+        <a:xfrm>
+          <a:off x="0" y="0"/>
+          <a:ext cx="0" cy="0"/>
+          <a:chOff x="0" y="0"/>
+          <a:chExt cx="0" cy="0"/>
+        </a:xfrm>
+      </p:grpSpPr>
+      <p:sp>
+        <p:nvSpPr>
+          <p:cNvPr id="2" name="Header Placeholder 1"/>
+          <p:cNvSpPr>
+            <a:spLocks noGrp="1"/>
+          </p:cNvSpPr>
+          <p:nvPr>
+            <p:ph type="hdr" sz="quarter"/>
+          </p:nvPr>
+        </p:nvSpPr>
+        <p:spPr>
+          <a:xfrm>
+            <a:off x="0" y="0"/>
+            <a:ext cx="2971800" cy="458788"/>
+          </a:xfrm>
+          <a:prstGeom prst="rect">
+            <a:avLst/>
+          </a:prstGeom>
+        </p:spPr>
+        <p:txBody>
+          <a:bodyPr vert="horz" lIns="91440" tIns="45720" rIns="91440" bIns="45720" rtlCol="0"/>
+          <a:lstStyle>
+            <a:lvl1pPr algn="l">
+              <a:defRPr sz="1200"/>
+            </a:lvl1pPr>
+          </a:lstStyle>
+          <a:p>
+            <a:endParaRPr lang="en-US"/>
+          </a:p>
+        </p:txBody>
+      </p:sp>
+      <p:sp>
+        <p:nvSpPr>
+          <p:cNvPr id="3" name="Date Placeholder 2"/>
+          <p:cNvSpPr>
+            <a:spLocks noGrp="1"/>
+          </p:cNvSpPr>
+          <p:nvPr>
+            <p:ph type="dt" idx="1"/>
+          </p:nvPr>
+        </p:nvSpPr>
+        <p:spPr>
+          <a:xfrm>
+            <a:off x="3884613" y="0"/>
+            <a:ext cx="2971800" cy="458788"/>
+          </a:xfrm>
+          <a:prstGeom prst="rect">
+            <a:avLst/>
+          </a:prstGeom>
+        </p:spPr>
+        <p:txBody>
+          <a:bodyPr vert="horz" lIns="91440" tIns="45720" rIns="91440" bIns="45720" rtlCol="0"/>
+          <a:lstStyle>
+            <a:lvl1pPr algn="r">
+              <a:defRPr sz="1200"/>
+            </a:lvl1pPr>
+          </a:lstStyle>
+          <a:p>
+            <a:fld id="{BA7A3A7E-D51C-5645-9750-0EDA095A44D4}" type="datetimeFigureOut">
+              <a:rPr lang="en-US" smtClean="0"/>
+              <a:t>3/23/18</a:t>
+            </a:fld>
+            <a:endParaRPr lang="en-US"/>
+          </a:p>
+        </p:txBody>
+      </p:sp>
+      <p:sp>
+        <p:nvSpPr>
+          <p:cNvPr id="4" name="Slide Image Placeholder 3"/>
+          <p:cNvSpPr>
+            <a:spLocks noGrp="1" noRot="1" noChangeAspect="1"/>
+          </p:cNvSpPr>
+          <p:nvPr>
+            <p:ph type="sldImg" idx="2"/>
+          </p:nvPr>
+        </p:nvSpPr>
+        <p:spPr>
+          <a:xfrm>
+            <a:off x="685800" y="1143000"/>
+            <a:ext cx="5486400" cy="3086100"/>
+          </a:xfrm>
+          <a:prstGeom prst="rect">
+            <a:avLst/>
+          </a:prstGeom>
+          <a:noFill/>
+          <a:ln w="12700">
+            <a:solidFill>
+              <a:prstClr val="black"/>
+            </a:solidFill>
+          </a:ln>
+        </p:spPr>
+        <p:txBody>
+          <a:bodyPr vert="horz" lIns="91440" tIns="45720" rIns="91440" bIns="45720" rtlCol="0" anchor="ctr"/>
+          <a:lstStyle/>
+          <a:p>
+            <a:endParaRPr lang="en-US"/>
+          </a:p>
+        </p:txBody>
+      </p:sp>
+      <p:sp>
+        <p:nvSpPr>
+          <p:cNvPr id="5" name="Notes Placeholder 4"/>
+          <p:cNvSpPr>
+            <a:spLocks noGrp="1"/>
+          </p:cNvSpPr>
+          <p:nvPr>
+            <p:ph type="body" sz="quarter" idx="3"/>
+          </p:nvPr>
+        </p:nvSpPr>
+        <p:spPr>
+          <a:xfrm>
+            <a:off x="685800" y="4400550"/>
+            <a:ext cx="5486400" cy="3600450"/>
+          </a:xfrm>
+          <a:prstGeom prst="rect">
+            <a:avLst/>
+          </a:prstGeom>
+        </p:spPr>
+        <p:txBody>
+          <a:bodyPr vert="horz" lIns="91440" tIns="45720" rIns="91440" bIns="45720" rtlCol="0"/>
+          <a:lstStyle/>
+          <a:p>
+            <a:pPr lvl="0"/>
+            <a:r>
+              <a:rPr lang="en-US"/>
+              <a:t>Edit Master text styles</a:t>
+            </a:r>
+          </a:p>
+          <a:p>
+            <a:pPr lvl="1"/>
+            <a:r>
+              <a:rPr lang="en-US"/>
+              <a:t>Second level</a:t>
+            </a:r>
+          </a:p>
+          <a:p>
+            <a:pPr lvl="2"/>
+            <a:r>
+              <a:rPr lang="en-US"/>
+              <a:t>Third level</a:t>
+            </a:r>
+          </a:p>
+          <a:p>
+            <a:pPr lvl="3"/>
+            <a:r>
+              <a:rPr lang="en-US"/>
+              <a:t>Fourth level</a:t>
+            </a:r>
+          </a:p>
+          <a:p>
+            <a:pPr lvl="4"/>
+            <a:r>
+              <a:rPr lang="en-US"/>
+              <a:t>Fifth level</a:t>
+            </a:r>
+          </a:p>
+        </p:txBody>
+      </p:sp>
+      <p:sp>
+        <p:nvSpPr>
+          <p:cNvPr id="6" name="Footer Placeholder 5"/>
+          <p:cNvSpPr>
+            <a:spLocks noGrp="1"/>
+          </p:cNvSpPr>
+          <p:nvPr>
+            <p:ph type="ftr" sz="quarter" idx="4"/>
+          </p:nvPr>
+        </p:nvSpPr>
+        <p:spPr>
+          <a:xfrm>
+            <a:off x="0" y="8685213"/>
+            <a:ext cx="2971800" cy="458787"/>
+          </a:xfrm>
+          <a:prstGeom prst="rect">
+            <a:avLst/>
+          </a:prstGeom>
+        </p:spPr>
+        <p:txBody>
+          <a:bodyPr vert="horz" lIns="91440" tIns="45720" rIns="91440" bIns="45720" rtlCol="0" anchor="b"/>
+          <a:lstStyle>
+            <a:lvl1pPr algn="l">
+              <a:defRPr sz="1200"/>
+            </a:lvl1pPr>
+          </a:lstStyle>
+          <a:p>
+            <a:endParaRPr lang="en-US"/>
+          </a:p>
+        </p:txBody>
+      </p:sp>
+      <p:sp>
+        <p:nvSpPr>
+          <p:cNvPr id="7" name="Slide Number Placeholder 6"/>
+          <p:cNvSpPr>
+            <a:spLocks noGrp="1"/>
+          </p:cNvSpPr>
+          <p:nvPr>
+            <p:ph type="sldNum" sz="quarter" idx="5"/>
+          </p:nvPr>
+        </p:nvSpPr>
+        <p:spPr>
+          <a:xfrm>
+            <a:off x="3884613" y="8685213"/>
+            <a:ext cx="2971800" cy="458787"/>
+          </a:xfrm>
+          <a:prstGeom prst="rect">
+            <a:avLst/>
+          </a:prstGeom>
+        </p:spPr>
+        <p:txBody>
+          <a:bodyPr vert="horz" lIns="91440" tIns="45720" rIns="91440" bIns="45720" rtlCol="0" anchor="b"/>
+          <a:lstStyle>
+            <a:lvl1pPr algn="r">
+              <a:defRPr sz="1200"/>
+            </a:lvl1pPr>
+          </a:lstStyle>
+          <a:p>
+            <a:fld id="{89086A25-1D2B-4C4F-AF82-CC73108F7901}" type="slidenum">
+              <a:rPr lang="en-US" smtClean="0"/>
+              <a:t>‹#›</a:t>
+            </a:fld>
+            <a:endParaRPr lang="en-US"/>
+          </a:p>
+        </p:txBody>
+      </p:sp>
+    </p:spTree>
+    <p:extLst>
+      <p:ext uri="{BB962C8B-B14F-4D97-AF65-F5344CB8AC3E}">
+        <p14:creationId xmlns:p14="http://schemas.microsoft.com/office/powerpoint/2010/main" val="2113594548"/>
+      </p:ext>
+    </p:extLst>
+  </p:cSld>
+  <p:clrMap bg1="lt1" tx1="dk1" bg2="lt2" tx2="dk2" accent1="accent1" accent2="accent2" accent3="accent3" accent4="accent4" accent5="accent5" accent6="accent6" hlink="hlink" folHlink="folHlink"/>
+  <p:notesStyle>
+    <a:lvl1pPr marL="0" algn="l" defTabSz="914400" rtl="0" eaLnBrk="1" latinLnBrk="0" hangingPunct="1">
+      <a:defRPr sz="1200" kern="1200">
+        <a:solidFill>
+          <a:schemeClr val="tx1"/>
+        </a:solidFill>
+        <a:latin typeface="+mn-lt"/>
+        <a:ea typeface="+mn-ea"/>
+        <a:cs typeface="+mn-cs"/>
+      </a:defRPr>
+    </a:lvl1pPr>
+    <a:lvl2pPr marL="457200" algn="l" defTabSz="914400" rtl="0" eaLnBrk="1" latinLnBrk="0" hangingPunct="1">
+      <a:defRPr sz="1200" kern="1200">
+        <a:solidFill>
+          <a:schemeClr val="tx1"/>
+        </a:solidFill>
+        <a:latin typeface="+mn-lt"/>
+        <a:ea typeface="+mn-ea"/>
+        <a:cs typeface="+mn-cs"/>
+      </a:defRPr>
+    </a:lvl2pPr>
+    <a:lvl3pPr marL="914400" algn="l" defTabSz="914400" rtl="0" eaLnBrk="1" latinLnBrk="0" hangingPunct="1">
+      <a:defRPr sz="1200" kern="1200">
+        <a:solidFill>
+          <a:schemeClr val="tx1"/>
+        </a:solidFill>
+        <a:latin typeface="+mn-lt"/>
+        <a:ea typeface="+mn-ea"/>
+        <a:cs typeface="+mn-cs"/>
+      </a:defRPr>
+    </a:lvl3pPr>
+    <a:lvl4pPr marL="1371600" algn="l" defTabSz="914400" rtl="0" eaLnBrk="1" latinLnBrk="0" hangingPunct="1">
+      <a:defRPr sz="1200" kern="1200">
+        <a:solidFill>
+          <a:schemeClr val="tx1"/>
+        </a:solidFill>
+        <a:latin typeface="+mn-lt"/>
+        <a:ea typeface="+mn-ea"/>
+        <a:cs typeface="+mn-cs"/>
+      </a:defRPr>
+    </a:lvl4pPr>
+    <a:lvl5pPr marL="1828800" algn="l" defTabSz="914400" rtl="0" eaLnBrk="1" latinLnBrk="0" hangingPunct="1">
+      <a:defRPr sz="1200" kern="1200">
+        <a:solidFill>
+          <a:schemeClr val="tx1"/>
+        </a:solidFill>
+        <a:latin typeface="+mn-lt"/>
+        <a:ea typeface="+mn-ea"/>
+        <a:cs typeface="+mn-cs"/>
+      </a:defRPr>
+    </a:lvl5pPr>
+    <a:lvl6pPr marL="2286000" algn="l" defTabSz="914400" rtl="0" eaLnBrk="1" latinLnBrk="0" hangingPunct="1">
+      <a:defRPr sz="1200" kern="1200">
+        <a:solidFill>
+          <a:schemeClr val="tx1"/>
+        </a:solidFill>
+        <a:latin typeface="+mn-lt"/>
+        <a:ea typeface="+mn-ea"/>
+        <a:cs typeface="+mn-cs"/>
+      </a:defRPr>
+    </a:lvl6pPr>
+    <a:lvl7pPr marL="2743200" algn="l" defTabSz="914400" rtl="0" eaLnBrk="1" latinLnBrk="0" hangingPunct="1">
+      <a:defRPr sz="1200" kern="1200">
+        <a:solidFill>
+          <a:schemeClr val="tx1"/>
+        </a:solidFill>
+        <a:latin typeface="+mn-lt"/>
+        <a:ea typeface="+mn-ea"/>
+        <a:cs typeface="+mn-cs"/>
+      </a:defRPr>
+    </a:lvl7pPr>
+    <a:lvl8pPr marL="3200400" algn="l" defTabSz="914400" rtl="0" eaLnBrk="1" latinLnBrk="0" hangingPunct="1">
+      <a:defRPr sz="1200" kern="1200">
+        <a:solidFill>
+          <a:schemeClr val="tx1"/>
+        </a:solidFill>
+        <a:latin typeface="+mn-lt"/>
+        <a:ea typeface="+mn-ea"/>
+        <a:cs typeface="+mn-cs"/>
+      </a:defRPr>
+    </a:lvl8pPr>
+    <a:lvl9pPr marL="3657600" algn="l" defTabSz="914400" rtl="0" eaLnBrk="1" latinLnBrk="0" hangingPunct="1">
+      <a:defRPr sz="1200" kern="1200">
+        <a:solidFill>
+          <a:schemeClr val="tx1"/>
+        </a:solidFill>
+        <a:latin typeface="+mn-lt"/>
+        <a:ea typeface="+mn-ea"/>
+        <a:cs typeface="+mn-cs"/>
+      </a:defRPr>
+    </a:lvl9pPr>
+  </p:notesStyle>
+</p:notesMaster>
+</file>
+
+<file path=ppt/notesSlides/notesSlide1.xml><?xml version="1.0" encoding="utf-8"?>
+<p:notes xmlns:a="http://schemas.openxmlformats.org/drawingml/2006/main" xmlns:r="http://schemas.openxmlformats.org/officeDocument/2006/relationships" xmlns:p="http://schemas.openxmlformats.org/presentationml/2006/main">
+  <p:cSld>
+    <p:spTree>
+      <p:nvGrpSpPr>
+        <p:cNvPr id="1" name=""/>
+        <p:cNvGrpSpPr/>
+        <p:nvPr/>
+      </p:nvGrpSpPr>
+      <p:grpSpPr>
+        <a:xfrm>
+          <a:off x="0" y="0"/>
+          <a:ext cx="0" cy="0"/>
+          <a:chOff x="0" y="0"/>
+          <a:chExt cx="0" cy="0"/>
+        </a:xfrm>
+      </p:grpSpPr>
+      <p:sp>
+        <p:nvSpPr>
+          <p:cNvPr id="2" name="Slide Image Placeholder 1"/>
+          <p:cNvSpPr>
+            <a:spLocks noGrp="1" noRot="1" noChangeAspect="1"/>
+          </p:cNvSpPr>
+          <p:nvPr>
+            <p:ph type="sldImg"/>
+          </p:nvPr>
+        </p:nvSpPr>
+        <p:spPr/>
+      </p:sp>
+      <p:sp>
+        <p:nvSpPr>
+          <p:cNvPr id="3" name="Notes Placeholder 2"/>
+          <p:cNvSpPr>
+            <a:spLocks noGrp="1"/>
+          </p:cNvSpPr>
+          <p:nvPr>
+            <p:ph type="body" idx="1"/>
+          </p:nvPr>
+        </p:nvSpPr>
+        <p:spPr/>
+        <p:txBody>
+          <a:bodyPr/>
+          <a:lstStyle/>
+          <a:p>
+            <a:endParaRPr lang="en-US"/>
+          </a:p>
+        </p:txBody>
+      </p:sp>
+      <p:sp>
+        <p:nvSpPr>
+          <p:cNvPr id="4" name="Slide Number Placeholder 3"/>
+          <p:cNvSpPr>
+            <a:spLocks noGrp="1"/>
+          </p:cNvSpPr>
+          <p:nvPr>
+            <p:ph type="sldNum" sz="quarter" idx="10"/>
+          </p:nvPr>
+        </p:nvSpPr>
+        <p:spPr/>
+        <p:txBody>
+          <a:bodyPr/>
+          <a:lstStyle/>
+          <a:p>
+            <a:fld id="{89086A25-1D2B-4C4F-AF82-CC73108F7901}" type="slidenum">
+              <a:rPr lang="en-US" smtClean="0"/>
+              <a:t>2</a:t>
+            </a:fld>
+            <a:endParaRPr lang="en-US"/>
+          </a:p>
+        </p:txBody>
+      </p:sp>
+    </p:spTree>
+    <p:extLst>
+      <p:ext uri="{BB962C8B-B14F-4D97-AF65-F5344CB8AC3E}">
+        <p14:creationId xmlns:p14="http://schemas.microsoft.com/office/powerpoint/2010/main" val="3415800463"/>
+      </p:ext>
+    </p:extLst>
+  </p:cSld>
+  <p:clrMapOvr>
+    <a:masterClrMapping/>
+  </p:clrMapOvr>
+</p:notes>
+</file>
+
+<file path=ppt/notesSlides/notesSlide10.xml><?xml version="1.0" encoding="utf-8"?>
+<p:notes xmlns:a="http://schemas.openxmlformats.org/drawingml/2006/main" xmlns:r="http://schemas.openxmlformats.org/officeDocument/2006/relationships" xmlns:p="http://schemas.openxmlformats.org/presentationml/2006/main">
+  <p:cSld>
+    <p:spTree>
+      <p:nvGrpSpPr>
+        <p:cNvPr id="1" name=""/>
+        <p:cNvGrpSpPr/>
+        <p:nvPr/>
+      </p:nvGrpSpPr>
+      <p:grpSpPr>
+        <a:xfrm>
+          <a:off x="0" y="0"/>
+          <a:ext cx="0" cy="0"/>
+          <a:chOff x="0" y="0"/>
+          <a:chExt cx="0" cy="0"/>
+        </a:xfrm>
+      </p:grpSpPr>
+      <p:sp>
+        <p:nvSpPr>
+          <p:cNvPr id="2" name="Slide Image Placeholder 1"/>
+          <p:cNvSpPr>
+            <a:spLocks noGrp="1" noRot="1" noChangeAspect="1"/>
+          </p:cNvSpPr>
+          <p:nvPr>
+            <p:ph type="sldImg"/>
+          </p:nvPr>
+        </p:nvSpPr>
+        <p:spPr/>
+      </p:sp>
+      <p:sp>
+        <p:nvSpPr>
+          <p:cNvPr id="3" name="Notes Placeholder 2"/>
+          <p:cNvSpPr>
+            <a:spLocks noGrp="1"/>
+          </p:cNvSpPr>
+          <p:nvPr>
+            <p:ph type="body" idx="1"/>
+          </p:nvPr>
+        </p:nvSpPr>
+        <p:spPr/>
+        <p:txBody>
+          <a:bodyPr/>
+          <a:lstStyle/>
+          <a:p>
+            <a:endParaRPr lang="en-US"/>
+          </a:p>
+        </p:txBody>
+      </p:sp>
+      <p:sp>
+        <p:nvSpPr>
+          <p:cNvPr id="4" name="Slide Number Placeholder 3"/>
+          <p:cNvSpPr>
+            <a:spLocks noGrp="1"/>
+          </p:cNvSpPr>
+          <p:nvPr>
+            <p:ph type="sldNum" sz="quarter" idx="10"/>
+          </p:nvPr>
+        </p:nvSpPr>
+        <p:spPr/>
+        <p:txBody>
+          <a:bodyPr/>
+          <a:lstStyle/>
+          <a:p>
+            <a:fld id="{89086A25-1D2B-4C4F-AF82-CC73108F7901}" type="slidenum">
+              <a:rPr lang="en-US" smtClean="0"/>
+              <a:t>11</a:t>
+            </a:fld>
+            <a:endParaRPr lang="en-US"/>
+          </a:p>
+        </p:txBody>
+      </p:sp>
+    </p:spTree>
+    <p:extLst>
+      <p:ext uri="{BB962C8B-B14F-4D97-AF65-F5344CB8AC3E}">
+        <p14:creationId xmlns:p14="http://schemas.microsoft.com/office/powerpoint/2010/main" val="2648180838"/>
+      </p:ext>
+    </p:extLst>
+  </p:cSld>
+  <p:clrMapOvr>
+    <a:masterClrMapping/>
+  </p:clrMapOvr>
+</p:notes>
+</file>
+
+<file path=ppt/notesSlides/notesSlide11.xml><?xml version="1.0" encoding="utf-8"?>
+<p:notes xmlns:a="http://schemas.openxmlformats.org/drawingml/2006/main" xmlns:r="http://schemas.openxmlformats.org/officeDocument/2006/relationships" xmlns:p="http://schemas.openxmlformats.org/presentationml/2006/main">
+  <p:cSld>
+    <p:spTree>
+      <p:nvGrpSpPr>
+        <p:cNvPr id="1" name=""/>
+        <p:cNvGrpSpPr/>
+        <p:nvPr/>
+      </p:nvGrpSpPr>
+      <p:grpSpPr>
+        <a:xfrm>
+          <a:off x="0" y="0"/>
+          <a:ext cx="0" cy="0"/>
+          <a:chOff x="0" y="0"/>
+          <a:chExt cx="0" cy="0"/>
+        </a:xfrm>
+      </p:grpSpPr>
+      <p:sp>
+        <p:nvSpPr>
+          <p:cNvPr id="2" name="Slide Image Placeholder 1"/>
+          <p:cNvSpPr>
+            <a:spLocks noGrp="1" noRot="1" noChangeAspect="1"/>
+          </p:cNvSpPr>
+          <p:nvPr>
+            <p:ph type="sldImg"/>
+          </p:nvPr>
+        </p:nvSpPr>
+        <p:spPr/>
+      </p:sp>
+      <p:sp>
+        <p:nvSpPr>
+          <p:cNvPr id="3" name="Notes Placeholder 2"/>
+          <p:cNvSpPr>
+            <a:spLocks noGrp="1"/>
+          </p:cNvSpPr>
+          <p:nvPr>
+            <p:ph type="body" idx="1"/>
+          </p:nvPr>
+        </p:nvSpPr>
+        <p:spPr/>
+        <p:txBody>
+          <a:bodyPr/>
+          <a:lstStyle/>
+          <a:p>
+            <a:endParaRPr lang="en-US"/>
+          </a:p>
+        </p:txBody>
+      </p:sp>
+      <p:sp>
+        <p:nvSpPr>
+          <p:cNvPr id="4" name="Slide Number Placeholder 3"/>
+          <p:cNvSpPr>
+            <a:spLocks noGrp="1"/>
+          </p:cNvSpPr>
+          <p:nvPr>
+            <p:ph type="sldNum" sz="quarter" idx="10"/>
+          </p:nvPr>
+        </p:nvSpPr>
+        <p:spPr/>
+        <p:txBody>
+          <a:bodyPr/>
+          <a:lstStyle/>
+          <a:p>
+            <a:fld id="{89086A25-1D2B-4C4F-AF82-CC73108F7901}" type="slidenum">
+              <a:rPr lang="en-US" smtClean="0"/>
+              <a:t>12</a:t>
+            </a:fld>
+            <a:endParaRPr lang="en-US"/>
+          </a:p>
+        </p:txBody>
+      </p:sp>
+    </p:spTree>
+    <p:extLst>
+      <p:ext uri="{BB962C8B-B14F-4D97-AF65-F5344CB8AC3E}">
+        <p14:creationId xmlns:p14="http://schemas.microsoft.com/office/powerpoint/2010/main" val="144824541"/>
+      </p:ext>
+    </p:extLst>
+  </p:cSld>
+  <p:clrMapOvr>
+    <a:masterClrMapping/>
+  </p:clrMapOvr>
+</p:notes>
+</file>
+
+<file path=ppt/notesSlides/notesSlide12.xml><?xml version="1.0" encoding="utf-8"?>
+<p:notes xmlns:a="http://schemas.openxmlformats.org/drawingml/2006/main" xmlns:r="http://schemas.openxmlformats.org/officeDocument/2006/relationships" xmlns:p="http://schemas.openxmlformats.org/presentationml/2006/main">
+  <p:cSld>
+    <p:spTree>
+      <p:nvGrpSpPr>
+        <p:cNvPr id="1" name=""/>
+        <p:cNvGrpSpPr/>
+        <p:nvPr/>
+      </p:nvGrpSpPr>
+      <p:grpSpPr>
+        <a:xfrm>
+          <a:off x="0" y="0"/>
+          <a:ext cx="0" cy="0"/>
+          <a:chOff x="0" y="0"/>
+          <a:chExt cx="0" cy="0"/>
+        </a:xfrm>
+      </p:grpSpPr>
+      <p:sp>
+        <p:nvSpPr>
+          <p:cNvPr id="2" name="Slide Image Placeholder 1"/>
+          <p:cNvSpPr>
+            <a:spLocks noGrp="1" noRot="1" noChangeAspect="1"/>
+          </p:cNvSpPr>
+          <p:nvPr>
+            <p:ph type="sldImg"/>
+          </p:nvPr>
+        </p:nvSpPr>
+        <p:spPr/>
+      </p:sp>
+      <p:sp>
+        <p:nvSpPr>
+          <p:cNvPr id="3" name="Notes Placeholder 2"/>
+          <p:cNvSpPr>
+            <a:spLocks noGrp="1"/>
+          </p:cNvSpPr>
+          <p:nvPr>
+            <p:ph type="body" idx="1"/>
+          </p:nvPr>
+        </p:nvSpPr>
+        <p:spPr/>
+        <p:txBody>
+          <a:bodyPr/>
+          <a:lstStyle/>
+          <a:p>
+            <a:endParaRPr lang="en-US"/>
+          </a:p>
+        </p:txBody>
+      </p:sp>
+      <p:sp>
+        <p:nvSpPr>
+          <p:cNvPr id="4" name="Slide Number Placeholder 3"/>
+          <p:cNvSpPr>
+            <a:spLocks noGrp="1"/>
+          </p:cNvSpPr>
+          <p:nvPr>
+            <p:ph type="sldNum" sz="quarter" idx="10"/>
+          </p:nvPr>
+        </p:nvSpPr>
+        <p:spPr/>
+        <p:txBody>
+          <a:bodyPr/>
+          <a:lstStyle/>
+          <a:p>
+            <a:fld id="{89086A25-1D2B-4C4F-AF82-CC73108F7901}" type="slidenum">
+              <a:rPr lang="en-US" smtClean="0"/>
+              <a:t>13</a:t>
+            </a:fld>
+            <a:endParaRPr lang="en-US"/>
+          </a:p>
+        </p:txBody>
+      </p:sp>
+    </p:spTree>
+    <p:extLst>
+      <p:ext uri="{BB962C8B-B14F-4D97-AF65-F5344CB8AC3E}">
+        <p14:creationId xmlns:p14="http://schemas.microsoft.com/office/powerpoint/2010/main" val="493167057"/>
+      </p:ext>
+    </p:extLst>
+  </p:cSld>
+  <p:clrMapOvr>
+    <a:masterClrMapping/>
+  </p:clrMapOvr>
+</p:notes>
+</file>
+
+<file path=ppt/notesSlides/notesSlide13.xml><?xml version="1.0" encoding="utf-8"?>
+<p:notes xmlns:a="http://schemas.openxmlformats.org/drawingml/2006/main" xmlns:r="http://schemas.openxmlformats.org/officeDocument/2006/relationships" xmlns:p="http://schemas.openxmlformats.org/presentationml/2006/main">
+  <p:cSld>
+    <p:spTree>
+      <p:nvGrpSpPr>
+        <p:cNvPr id="1" name=""/>
+        <p:cNvGrpSpPr/>
+        <p:nvPr/>
+      </p:nvGrpSpPr>
+      <p:grpSpPr>
+        <a:xfrm>
+          <a:off x="0" y="0"/>
+          <a:ext cx="0" cy="0"/>
+          <a:chOff x="0" y="0"/>
+          <a:chExt cx="0" cy="0"/>
+        </a:xfrm>
+      </p:grpSpPr>
+      <p:sp>
+        <p:nvSpPr>
+          <p:cNvPr id="2" name="Slide Image Placeholder 1"/>
+          <p:cNvSpPr>
+            <a:spLocks noGrp="1" noRot="1" noChangeAspect="1"/>
+          </p:cNvSpPr>
+          <p:nvPr>
+            <p:ph type="sldImg"/>
+          </p:nvPr>
+        </p:nvSpPr>
+        <p:spPr/>
+      </p:sp>
+      <p:sp>
+        <p:nvSpPr>
+          <p:cNvPr id="3" name="Notes Placeholder 2"/>
+          <p:cNvSpPr>
+            <a:spLocks noGrp="1"/>
+          </p:cNvSpPr>
+          <p:nvPr>
+            <p:ph type="body" idx="1"/>
+          </p:nvPr>
+        </p:nvSpPr>
+        <p:spPr/>
+        <p:txBody>
+          <a:bodyPr/>
+          <a:lstStyle/>
+          <a:p>
+            <a:endParaRPr lang="en-US"/>
+          </a:p>
+        </p:txBody>
+      </p:sp>
+      <p:sp>
+        <p:nvSpPr>
+          <p:cNvPr id="4" name="Slide Number Placeholder 3"/>
+          <p:cNvSpPr>
+            <a:spLocks noGrp="1"/>
+          </p:cNvSpPr>
+          <p:nvPr>
+            <p:ph type="sldNum" sz="quarter" idx="10"/>
+          </p:nvPr>
+        </p:nvSpPr>
+        <p:spPr/>
+        <p:txBody>
+          <a:bodyPr/>
+          <a:lstStyle/>
+          <a:p>
+            <a:fld id="{89086A25-1D2B-4C4F-AF82-CC73108F7901}" type="slidenum">
+              <a:rPr lang="en-US" smtClean="0"/>
+              <a:t>14</a:t>
+            </a:fld>
+            <a:endParaRPr lang="en-US"/>
+          </a:p>
+        </p:txBody>
+      </p:sp>
+    </p:spTree>
+    <p:extLst>
+      <p:ext uri="{BB962C8B-B14F-4D97-AF65-F5344CB8AC3E}">
+        <p14:creationId xmlns:p14="http://schemas.microsoft.com/office/powerpoint/2010/main" val="1352122975"/>
+      </p:ext>
+    </p:extLst>
+  </p:cSld>
+  <p:clrMapOvr>
+    <a:masterClrMapping/>
+  </p:clrMapOvr>
+</p:notes>
+</file>
+
+<file path=ppt/notesSlides/notesSlide14.xml><?xml version="1.0" encoding="utf-8"?>
+<p:notes xmlns:a="http://schemas.openxmlformats.org/drawingml/2006/main" xmlns:r="http://schemas.openxmlformats.org/officeDocument/2006/relationships" xmlns:p="http://schemas.openxmlformats.org/presentationml/2006/main">
+  <p:cSld>
+    <p:spTree>
+      <p:nvGrpSpPr>
+        <p:cNvPr id="1" name=""/>
+        <p:cNvGrpSpPr/>
+        <p:nvPr/>
+      </p:nvGrpSpPr>
+      <p:grpSpPr>
+        <a:xfrm>
+          <a:off x="0" y="0"/>
+          <a:ext cx="0" cy="0"/>
+          <a:chOff x="0" y="0"/>
+          <a:chExt cx="0" cy="0"/>
+        </a:xfrm>
+      </p:grpSpPr>
+      <p:sp>
+        <p:nvSpPr>
+          <p:cNvPr id="2" name="Slide Image Placeholder 1"/>
+          <p:cNvSpPr>
+            <a:spLocks noGrp="1" noRot="1" noChangeAspect="1"/>
+          </p:cNvSpPr>
+          <p:nvPr>
+            <p:ph type="sldImg"/>
+          </p:nvPr>
+        </p:nvSpPr>
+        <p:spPr/>
+      </p:sp>
+      <p:sp>
+        <p:nvSpPr>
+          <p:cNvPr id="3" name="Notes Placeholder 2"/>
+          <p:cNvSpPr>
+            <a:spLocks noGrp="1"/>
+          </p:cNvSpPr>
+          <p:nvPr>
+            <p:ph type="body" idx="1"/>
+          </p:nvPr>
+        </p:nvSpPr>
+        <p:spPr/>
+        <p:txBody>
+          <a:bodyPr/>
+          <a:lstStyle/>
+          <a:p>
+            <a:endParaRPr lang="en-US"/>
+          </a:p>
+        </p:txBody>
+      </p:sp>
+      <p:sp>
+        <p:nvSpPr>
+          <p:cNvPr id="4" name="Slide Number Placeholder 3"/>
+          <p:cNvSpPr>
+            <a:spLocks noGrp="1"/>
+          </p:cNvSpPr>
+          <p:nvPr>
+            <p:ph type="sldNum" sz="quarter" idx="10"/>
+          </p:nvPr>
+        </p:nvSpPr>
+        <p:spPr/>
+        <p:txBody>
+          <a:bodyPr/>
+          <a:lstStyle/>
+          <a:p>
+            <a:fld id="{89086A25-1D2B-4C4F-AF82-CC73108F7901}" type="slidenum">
+              <a:rPr lang="en-US" smtClean="0"/>
+              <a:t>15</a:t>
+            </a:fld>
+            <a:endParaRPr lang="en-US"/>
+          </a:p>
+        </p:txBody>
+      </p:sp>
+    </p:spTree>
+    <p:extLst>
+      <p:ext uri="{BB962C8B-B14F-4D97-AF65-F5344CB8AC3E}">
+        <p14:creationId xmlns:p14="http://schemas.microsoft.com/office/powerpoint/2010/main" val="1264546917"/>
+      </p:ext>
+    </p:extLst>
+  </p:cSld>
+  <p:clrMapOvr>
+    <a:masterClrMapping/>
+  </p:clrMapOvr>
+</p:notes>
+</file>
+
+<file path=ppt/notesSlides/notesSlide15.xml><?xml version="1.0" encoding="utf-8"?>
+<p:notes xmlns:a="http://schemas.openxmlformats.org/drawingml/2006/main" xmlns:r="http://schemas.openxmlformats.org/officeDocument/2006/relationships" xmlns:p="http://schemas.openxmlformats.org/presentationml/2006/main">
+  <p:cSld>
+    <p:spTree>
+      <p:nvGrpSpPr>
+        <p:cNvPr id="1" name=""/>
+        <p:cNvGrpSpPr/>
+        <p:nvPr/>
+      </p:nvGrpSpPr>
+      <p:grpSpPr>
+        <a:xfrm>
+          <a:off x="0" y="0"/>
+          <a:ext cx="0" cy="0"/>
+          <a:chOff x="0" y="0"/>
+          <a:chExt cx="0" cy="0"/>
+        </a:xfrm>
+      </p:grpSpPr>
+      <p:sp>
+        <p:nvSpPr>
+          <p:cNvPr id="2" name="Slide Image Placeholder 1"/>
+          <p:cNvSpPr>
+            <a:spLocks noGrp="1" noRot="1" noChangeAspect="1"/>
+          </p:cNvSpPr>
+          <p:nvPr>
+            <p:ph type="sldImg"/>
+          </p:nvPr>
+        </p:nvSpPr>
+        <p:spPr/>
+      </p:sp>
+      <p:sp>
+        <p:nvSpPr>
+          <p:cNvPr id="3" name="Notes Placeholder 2"/>
+          <p:cNvSpPr>
+            <a:spLocks noGrp="1"/>
+          </p:cNvSpPr>
+          <p:nvPr>
+            <p:ph type="body" idx="1"/>
+          </p:nvPr>
+        </p:nvSpPr>
+        <p:spPr/>
+        <p:txBody>
+          <a:bodyPr/>
+          <a:lstStyle/>
+          <a:p>
+            <a:endParaRPr lang="en-US"/>
+          </a:p>
+        </p:txBody>
+      </p:sp>
+      <p:sp>
+        <p:nvSpPr>
+          <p:cNvPr id="4" name="Slide Number Placeholder 3"/>
+          <p:cNvSpPr>
+            <a:spLocks noGrp="1"/>
+          </p:cNvSpPr>
+          <p:nvPr>
+            <p:ph type="sldNum" sz="quarter" idx="10"/>
+          </p:nvPr>
+        </p:nvSpPr>
+        <p:spPr/>
+        <p:txBody>
+          <a:bodyPr/>
+          <a:lstStyle/>
+          <a:p>
+            <a:fld id="{89086A25-1D2B-4C4F-AF82-CC73108F7901}" type="slidenum">
+              <a:rPr lang="en-US" smtClean="0"/>
+              <a:t>16</a:t>
+            </a:fld>
+            <a:endParaRPr lang="en-US"/>
+          </a:p>
+        </p:txBody>
+      </p:sp>
+    </p:spTree>
+    <p:extLst>
+      <p:ext uri="{BB962C8B-B14F-4D97-AF65-F5344CB8AC3E}">
+        <p14:creationId xmlns:p14="http://schemas.microsoft.com/office/powerpoint/2010/main" val="1181521566"/>
+      </p:ext>
+    </p:extLst>
+  </p:cSld>
+  <p:clrMapOvr>
+    <a:masterClrMapping/>
+  </p:clrMapOvr>
+</p:notes>
+</file>
+
+<file path=ppt/notesSlides/notesSlide16.xml><?xml version="1.0" encoding="utf-8"?>
+<p:notes xmlns:a="http://schemas.openxmlformats.org/drawingml/2006/main" xmlns:r="http://schemas.openxmlformats.org/officeDocument/2006/relationships" xmlns:p="http://schemas.openxmlformats.org/presentationml/2006/main">
+  <p:cSld>
+    <p:spTree>
+      <p:nvGrpSpPr>
+        <p:cNvPr id="1" name=""/>
+        <p:cNvGrpSpPr/>
+        <p:nvPr/>
+      </p:nvGrpSpPr>
+      <p:grpSpPr>
+        <a:xfrm>
+          <a:off x="0" y="0"/>
+          <a:ext cx="0" cy="0"/>
+          <a:chOff x="0" y="0"/>
+          <a:chExt cx="0" cy="0"/>
+        </a:xfrm>
+      </p:grpSpPr>
+      <p:sp>
+        <p:nvSpPr>
+          <p:cNvPr id="2" name="Slide Image Placeholder 1"/>
+          <p:cNvSpPr>
+            <a:spLocks noGrp="1" noRot="1" noChangeAspect="1"/>
+          </p:cNvSpPr>
+          <p:nvPr>
+            <p:ph type="sldImg"/>
+          </p:nvPr>
+        </p:nvSpPr>
+        <p:spPr/>
+      </p:sp>
+      <p:sp>
+        <p:nvSpPr>
+          <p:cNvPr id="3" name="Notes Placeholder 2"/>
+          <p:cNvSpPr>
+            <a:spLocks noGrp="1"/>
+          </p:cNvSpPr>
+          <p:nvPr>
+            <p:ph type="body" idx="1"/>
+          </p:nvPr>
+        </p:nvSpPr>
+        <p:spPr/>
+        <p:txBody>
+          <a:bodyPr/>
+          <a:lstStyle/>
+          <a:p>
+            <a:endParaRPr lang="en-US"/>
+          </a:p>
+        </p:txBody>
+      </p:sp>
+      <p:sp>
+        <p:nvSpPr>
+          <p:cNvPr id="4" name="Slide Number Placeholder 3"/>
+          <p:cNvSpPr>
+            <a:spLocks noGrp="1"/>
+          </p:cNvSpPr>
+          <p:nvPr>
+            <p:ph type="sldNum" sz="quarter" idx="10"/>
+          </p:nvPr>
+        </p:nvSpPr>
+        <p:spPr/>
+        <p:txBody>
+          <a:bodyPr/>
+          <a:lstStyle/>
+          <a:p>
+            <a:fld id="{89086A25-1D2B-4C4F-AF82-CC73108F7901}" type="slidenum">
+              <a:rPr lang="en-US" smtClean="0"/>
+              <a:t>17</a:t>
+            </a:fld>
+            <a:endParaRPr lang="en-US"/>
+          </a:p>
+        </p:txBody>
+      </p:sp>
+    </p:spTree>
+    <p:extLst>
+      <p:ext uri="{BB962C8B-B14F-4D97-AF65-F5344CB8AC3E}">
+        <p14:creationId xmlns:p14="http://schemas.microsoft.com/office/powerpoint/2010/main" val="579496030"/>
+      </p:ext>
+    </p:extLst>
+  </p:cSld>
+  <p:clrMapOvr>
+    <a:masterClrMapping/>
+  </p:clrMapOvr>
+</p:notes>
+</file>
+
+<file path=ppt/notesSlides/notesSlide17.xml><?xml version="1.0" encoding="utf-8"?>
+<p:notes xmlns:a="http://schemas.openxmlformats.org/drawingml/2006/main" xmlns:r="http://schemas.openxmlformats.org/officeDocument/2006/relationships" xmlns:p="http://schemas.openxmlformats.org/presentationml/2006/main">
+  <p:cSld>
+    <p:spTree>
+      <p:nvGrpSpPr>
+        <p:cNvPr id="1" name=""/>
+        <p:cNvGrpSpPr/>
+        <p:nvPr/>
+      </p:nvGrpSpPr>
+      <p:grpSpPr>
+        <a:xfrm>
+          <a:off x="0" y="0"/>
+          <a:ext cx="0" cy="0"/>
+          <a:chOff x="0" y="0"/>
+          <a:chExt cx="0" cy="0"/>
+        </a:xfrm>
+      </p:grpSpPr>
+      <p:sp>
+        <p:nvSpPr>
+          <p:cNvPr id="2" name="Slide Image Placeholder 1"/>
+          <p:cNvSpPr>
+            <a:spLocks noGrp="1" noRot="1" noChangeAspect="1"/>
+          </p:cNvSpPr>
+          <p:nvPr>
+            <p:ph type="sldImg"/>
+          </p:nvPr>
+        </p:nvSpPr>
+        <p:spPr/>
+      </p:sp>
+      <p:sp>
+        <p:nvSpPr>
+          <p:cNvPr id="3" name="Notes Placeholder 2"/>
+          <p:cNvSpPr>
+            <a:spLocks noGrp="1"/>
+          </p:cNvSpPr>
+          <p:nvPr>
+            <p:ph type="body" idx="1"/>
+          </p:nvPr>
+        </p:nvSpPr>
+        <p:spPr/>
+        <p:txBody>
+          <a:bodyPr/>
+          <a:lstStyle/>
+          <a:p>
+            <a:endParaRPr lang="en-US"/>
+          </a:p>
+        </p:txBody>
+      </p:sp>
+      <p:sp>
+        <p:nvSpPr>
+          <p:cNvPr id="4" name="Slide Number Placeholder 3"/>
+          <p:cNvSpPr>
+            <a:spLocks noGrp="1"/>
+          </p:cNvSpPr>
+          <p:nvPr>
+            <p:ph type="sldNum" sz="quarter" idx="10"/>
+          </p:nvPr>
+        </p:nvSpPr>
+        <p:spPr/>
+        <p:txBody>
+          <a:bodyPr/>
+          <a:lstStyle/>
+          <a:p>
+            <a:fld id="{89086A25-1D2B-4C4F-AF82-CC73108F7901}" type="slidenum">
+              <a:rPr lang="en-US" smtClean="0"/>
+              <a:t>19</a:t>
+            </a:fld>
+            <a:endParaRPr lang="en-US"/>
+          </a:p>
+        </p:txBody>
+      </p:sp>
+    </p:spTree>
+    <p:extLst>
+      <p:ext uri="{BB962C8B-B14F-4D97-AF65-F5344CB8AC3E}">
+        <p14:creationId xmlns:p14="http://schemas.microsoft.com/office/powerpoint/2010/main" val="2087174978"/>
+      </p:ext>
+    </p:extLst>
+  </p:cSld>
+  <p:clrMapOvr>
+    <a:masterClrMapping/>
+  </p:clrMapOvr>
+</p:notes>
+</file>
+
+<file path=ppt/notesSlides/notesSlide18.xml><?xml version="1.0" encoding="utf-8"?>
+<p:notes xmlns:a="http://schemas.openxmlformats.org/drawingml/2006/main" xmlns:r="http://schemas.openxmlformats.org/officeDocument/2006/relationships" xmlns:p="http://schemas.openxmlformats.org/presentationml/2006/main">
+  <p:cSld>
+    <p:spTree>
+      <p:nvGrpSpPr>
+        <p:cNvPr id="1" name=""/>
+        <p:cNvGrpSpPr/>
+        <p:nvPr/>
+      </p:nvGrpSpPr>
+      <p:grpSpPr>
+        <a:xfrm>
+          <a:off x="0" y="0"/>
+          <a:ext cx="0" cy="0"/>
+          <a:chOff x="0" y="0"/>
+          <a:chExt cx="0" cy="0"/>
+        </a:xfrm>
+      </p:grpSpPr>
+      <p:sp>
+        <p:nvSpPr>
+          <p:cNvPr id="2" name="Slide Image Placeholder 1"/>
+          <p:cNvSpPr>
+            <a:spLocks noGrp="1" noRot="1" noChangeAspect="1"/>
+          </p:cNvSpPr>
+          <p:nvPr>
+            <p:ph type="sldImg"/>
+          </p:nvPr>
+        </p:nvSpPr>
+        <p:spPr/>
+      </p:sp>
+      <p:sp>
+        <p:nvSpPr>
+          <p:cNvPr id="3" name="Notes Placeholder 2"/>
+          <p:cNvSpPr>
+            <a:spLocks noGrp="1"/>
+          </p:cNvSpPr>
+          <p:nvPr>
+            <p:ph type="body" idx="1"/>
+          </p:nvPr>
+        </p:nvSpPr>
+        <p:spPr/>
+        <p:txBody>
+          <a:bodyPr/>
+          <a:lstStyle/>
+          <a:p>
+            <a:endParaRPr lang="en-US"/>
+          </a:p>
+        </p:txBody>
+      </p:sp>
+      <p:sp>
+        <p:nvSpPr>
+          <p:cNvPr id="4" name="Slide Number Placeholder 3"/>
+          <p:cNvSpPr>
+            <a:spLocks noGrp="1"/>
+          </p:cNvSpPr>
+          <p:nvPr>
+            <p:ph type="sldNum" sz="quarter" idx="10"/>
+          </p:nvPr>
+        </p:nvSpPr>
+        <p:spPr/>
+        <p:txBody>
+          <a:bodyPr/>
+          <a:lstStyle/>
+          <a:p>
+            <a:fld id="{89086A25-1D2B-4C4F-AF82-CC73108F7901}" type="slidenum">
+              <a:rPr lang="en-US" smtClean="0"/>
+              <a:t>20</a:t>
+            </a:fld>
+            <a:endParaRPr lang="en-US"/>
+          </a:p>
+        </p:txBody>
+      </p:sp>
+    </p:spTree>
+    <p:extLst>
+      <p:ext uri="{BB962C8B-B14F-4D97-AF65-F5344CB8AC3E}">
+        <p14:creationId xmlns:p14="http://schemas.microsoft.com/office/powerpoint/2010/main" val="586700070"/>
+      </p:ext>
+    </p:extLst>
+  </p:cSld>
+  <p:clrMapOvr>
+    <a:masterClrMapping/>
+  </p:clrMapOvr>
+</p:notes>
+</file>
+
+<file path=ppt/notesSlides/notesSlide19.xml><?xml version="1.0" encoding="utf-8"?>
+<p:notes xmlns:a="http://schemas.openxmlformats.org/drawingml/2006/main" xmlns:r="http://schemas.openxmlformats.org/officeDocument/2006/relationships" xmlns:p="http://schemas.openxmlformats.org/presentationml/2006/main">
+  <p:cSld>
+    <p:spTree>
+      <p:nvGrpSpPr>
+        <p:cNvPr id="1" name=""/>
+        <p:cNvGrpSpPr/>
+        <p:nvPr/>
+      </p:nvGrpSpPr>
+      <p:grpSpPr>
+        <a:xfrm>
+          <a:off x="0" y="0"/>
+          <a:ext cx="0" cy="0"/>
+          <a:chOff x="0" y="0"/>
+          <a:chExt cx="0" cy="0"/>
+        </a:xfrm>
+      </p:grpSpPr>
+      <p:sp>
+        <p:nvSpPr>
+          <p:cNvPr id="2" name="Slide Image Placeholder 1"/>
+          <p:cNvSpPr>
+            <a:spLocks noGrp="1" noRot="1" noChangeAspect="1"/>
+          </p:cNvSpPr>
+          <p:nvPr>
+            <p:ph type="sldImg"/>
+          </p:nvPr>
+        </p:nvSpPr>
+        <p:spPr/>
+      </p:sp>
+      <p:sp>
+        <p:nvSpPr>
+          <p:cNvPr id="3" name="Notes Placeholder 2"/>
+          <p:cNvSpPr>
+            <a:spLocks noGrp="1"/>
+          </p:cNvSpPr>
+          <p:nvPr>
+            <p:ph type="body" idx="1"/>
+          </p:nvPr>
+        </p:nvSpPr>
+        <p:spPr/>
+        <p:txBody>
+          <a:bodyPr/>
+          <a:lstStyle/>
+          <a:p>
+            <a:endParaRPr lang="en-US"/>
+          </a:p>
+        </p:txBody>
+      </p:sp>
+      <p:sp>
+        <p:nvSpPr>
+          <p:cNvPr id="4" name="Slide Number Placeholder 3"/>
+          <p:cNvSpPr>
+            <a:spLocks noGrp="1"/>
+          </p:cNvSpPr>
+          <p:nvPr>
+            <p:ph type="sldNum" sz="quarter" idx="10"/>
+          </p:nvPr>
+        </p:nvSpPr>
+        <p:spPr/>
+        <p:txBody>
+          <a:bodyPr/>
+          <a:lstStyle/>
+          <a:p>
+            <a:fld id="{89086A25-1D2B-4C4F-AF82-CC73108F7901}" type="slidenum">
+              <a:rPr lang="en-US" smtClean="0"/>
+              <a:t>21</a:t>
+            </a:fld>
+            <a:endParaRPr lang="en-US"/>
+          </a:p>
+        </p:txBody>
+      </p:sp>
+    </p:spTree>
+    <p:extLst>
+      <p:ext uri="{BB962C8B-B14F-4D97-AF65-F5344CB8AC3E}">
+        <p14:creationId xmlns:p14="http://schemas.microsoft.com/office/powerpoint/2010/main" val="151889303"/>
+      </p:ext>
+    </p:extLst>
+  </p:cSld>
+  <p:clrMapOvr>
+    <a:masterClrMapping/>
+  </p:clrMapOvr>
+</p:notes>
+</file>
+
+<file path=ppt/notesSlides/notesSlide2.xml><?xml version="1.0" encoding="utf-8"?>
+<p:notes xmlns:a="http://schemas.openxmlformats.org/drawingml/2006/main" xmlns:r="http://schemas.openxmlformats.org/officeDocument/2006/relationships" xmlns:p="http://schemas.openxmlformats.org/presentationml/2006/main">
+  <p:cSld>
+    <p:spTree>
+      <p:nvGrpSpPr>
+        <p:cNvPr id="1" name=""/>
+        <p:cNvGrpSpPr/>
+        <p:nvPr/>
+      </p:nvGrpSpPr>
+      <p:grpSpPr>
+        <a:xfrm>
+          <a:off x="0" y="0"/>
+          <a:ext cx="0" cy="0"/>
+          <a:chOff x="0" y="0"/>
+          <a:chExt cx="0" cy="0"/>
+        </a:xfrm>
+      </p:grpSpPr>
+      <p:sp>
+        <p:nvSpPr>
+          <p:cNvPr id="2" name="Slide Image Placeholder 1"/>
+          <p:cNvSpPr>
+            <a:spLocks noGrp="1" noRot="1" noChangeAspect="1"/>
+          </p:cNvSpPr>
+          <p:nvPr>
+            <p:ph type="sldImg"/>
+          </p:nvPr>
+        </p:nvSpPr>
+        <p:spPr/>
+      </p:sp>
+      <p:sp>
+        <p:nvSpPr>
+          <p:cNvPr id="3" name="Notes Placeholder 2"/>
+          <p:cNvSpPr>
+            <a:spLocks noGrp="1"/>
+          </p:cNvSpPr>
+          <p:nvPr>
+            <p:ph type="body" idx="1"/>
+          </p:nvPr>
+        </p:nvSpPr>
+        <p:spPr/>
+        <p:txBody>
+          <a:bodyPr/>
+          <a:lstStyle/>
+          <a:p>
+            <a:endParaRPr lang="en-US"/>
+          </a:p>
+        </p:txBody>
+      </p:sp>
+      <p:sp>
+        <p:nvSpPr>
+          <p:cNvPr id="4" name="Slide Number Placeholder 3"/>
+          <p:cNvSpPr>
+            <a:spLocks noGrp="1"/>
+          </p:cNvSpPr>
+          <p:nvPr>
+            <p:ph type="sldNum" sz="quarter" idx="10"/>
+          </p:nvPr>
+        </p:nvSpPr>
+        <p:spPr/>
+        <p:txBody>
+          <a:bodyPr/>
+          <a:lstStyle/>
+          <a:p>
+            <a:fld id="{89086A25-1D2B-4C4F-AF82-CC73108F7901}" type="slidenum">
+              <a:rPr lang="en-US" smtClean="0"/>
+              <a:t>3</a:t>
+            </a:fld>
+            <a:endParaRPr lang="en-US"/>
+          </a:p>
+        </p:txBody>
+      </p:sp>
+    </p:spTree>
+    <p:extLst>
+      <p:ext uri="{BB962C8B-B14F-4D97-AF65-F5344CB8AC3E}">
+        <p14:creationId xmlns:p14="http://schemas.microsoft.com/office/powerpoint/2010/main" val="3630499441"/>
+      </p:ext>
+    </p:extLst>
+  </p:cSld>
+  <p:clrMapOvr>
+    <a:masterClrMapping/>
+  </p:clrMapOvr>
+</p:notes>
+</file>
+
+<file path=ppt/notesSlides/notesSlide20.xml><?xml version="1.0" encoding="utf-8"?>
+<p:notes xmlns:a="http://schemas.openxmlformats.org/drawingml/2006/main" xmlns:r="http://schemas.openxmlformats.org/officeDocument/2006/relationships" xmlns:p="http://schemas.openxmlformats.org/presentationml/2006/main">
+  <p:cSld>
+    <p:spTree>
+      <p:nvGrpSpPr>
+        <p:cNvPr id="1" name=""/>
+        <p:cNvGrpSpPr/>
+        <p:nvPr/>
+      </p:nvGrpSpPr>
+      <p:grpSpPr>
+        <a:xfrm>
+          <a:off x="0" y="0"/>
+          <a:ext cx="0" cy="0"/>
+          <a:chOff x="0" y="0"/>
+          <a:chExt cx="0" cy="0"/>
+        </a:xfrm>
+      </p:grpSpPr>
+      <p:sp>
+        <p:nvSpPr>
+          <p:cNvPr id="2" name="Slide Image Placeholder 1"/>
+          <p:cNvSpPr>
+            <a:spLocks noGrp="1" noRot="1" noChangeAspect="1"/>
+          </p:cNvSpPr>
+          <p:nvPr>
+            <p:ph type="sldImg"/>
+          </p:nvPr>
+        </p:nvSpPr>
+        <p:spPr/>
+      </p:sp>
+      <p:sp>
+        <p:nvSpPr>
+          <p:cNvPr id="3" name="Notes Placeholder 2"/>
+          <p:cNvSpPr>
+            <a:spLocks noGrp="1"/>
+          </p:cNvSpPr>
+          <p:nvPr>
+            <p:ph type="body" idx="1"/>
+          </p:nvPr>
+        </p:nvSpPr>
+        <p:spPr/>
+        <p:txBody>
+          <a:bodyPr/>
+          <a:lstStyle/>
+          <a:p>
+            <a:endParaRPr lang="en-US"/>
+          </a:p>
+        </p:txBody>
+      </p:sp>
+      <p:sp>
+        <p:nvSpPr>
+          <p:cNvPr id="4" name="Slide Number Placeholder 3"/>
+          <p:cNvSpPr>
+            <a:spLocks noGrp="1"/>
+          </p:cNvSpPr>
+          <p:nvPr>
+            <p:ph type="sldNum" sz="quarter" idx="10"/>
+          </p:nvPr>
+        </p:nvSpPr>
+        <p:spPr/>
+        <p:txBody>
+          <a:bodyPr/>
+          <a:lstStyle/>
+          <a:p>
+            <a:fld id="{89086A25-1D2B-4C4F-AF82-CC73108F7901}" type="slidenum">
+              <a:rPr lang="en-US" smtClean="0"/>
+              <a:t>22</a:t>
+            </a:fld>
+            <a:endParaRPr lang="en-US"/>
+          </a:p>
+        </p:txBody>
+      </p:sp>
+    </p:spTree>
+    <p:extLst>
+      <p:ext uri="{BB962C8B-B14F-4D97-AF65-F5344CB8AC3E}">
+        <p14:creationId xmlns:p14="http://schemas.microsoft.com/office/powerpoint/2010/main" val="2856955321"/>
+      </p:ext>
+    </p:extLst>
+  </p:cSld>
+  <p:clrMapOvr>
+    <a:masterClrMapping/>
+  </p:clrMapOvr>
+</p:notes>
+</file>
+
+<file path=ppt/notesSlides/notesSlide21.xml><?xml version="1.0" encoding="utf-8"?>
+<p:notes xmlns:a="http://schemas.openxmlformats.org/drawingml/2006/main" xmlns:r="http://schemas.openxmlformats.org/officeDocument/2006/relationships" xmlns:p="http://schemas.openxmlformats.org/presentationml/2006/main">
+  <p:cSld>
+    <p:spTree>
+      <p:nvGrpSpPr>
+        <p:cNvPr id="1" name=""/>
+        <p:cNvGrpSpPr/>
+        <p:nvPr/>
+      </p:nvGrpSpPr>
+      <p:grpSpPr>
+        <a:xfrm>
+          <a:off x="0" y="0"/>
+          <a:ext cx="0" cy="0"/>
+          <a:chOff x="0" y="0"/>
+          <a:chExt cx="0" cy="0"/>
+        </a:xfrm>
+      </p:grpSpPr>
+      <p:sp>
+        <p:nvSpPr>
+          <p:cNvPr id="2" name="Slide Image Placeholder 1"/>
+          <p:cNvSpPr>
+            <a:spLocks noGrp="1" noRot="1" noChangeAspect="1"/>
+          </p:cNvSpPr>
+          <p:nvPr>
+            <p:ph type="sldImg"/>
+          </p:nvPr>
+        </p:nvSpPr>
+        <p:spPr/>
+      </p:sp>
+      <p:sp>
+        <p:nvSpPr>
+          <p:cNvPr id="3" name="Notes Placeholder 2"/>
+          <p:cNvSpPr>
+            <a:spLocks noGrp="1"/>
+          </p:cNvSpPr>
+          <p:nvPr>
+            <p:ph type="body" idx="1"/>
+          </p:nvPr>
+        </p:nvSpPr>
+        <p:spPr/>
+        <p:txBody>
+          <a:bodyPr/>
+          <a:lstStyle/>
+          <a:p>
+            <a:endParaRPr lang="en-US"/>
+          </a:p>
+        </p:txBody>
+      </p:sp>
+      <p:sp>
+        <p:nvSpPr>
+          <p:cNvPr id="4" name="Slide Number Placeholder 3"/>
+          <p:cNvSpPr>
+            <a:spLocks noGrp="1"/>
+          </p:cNvSpPr>
+          <p:nvPr>
+            <p:ph type="sldNum" sz="quarter" idx="10"/>
+          </p:nvPr>
+        </p:nvSpPr>
+        <p:spPr/>
+        <p:txBody>
+          <a:bodyPr/>
+          <a:lstStyle/>
+          <a:p>
+            <a:fld id="{89086A25-1D2B-4C4F-AF82-CC73108F7901}" type="slidenum">
+              <a:rPr lang="en-US" smtClean="0"/>
+              <a:t>23</a:t>
+            </a:fld>
+            <a:endParaRPr lang="en-US"/>
+          </a:p>
+        </p:txBody>
+      </p:sp>
+    </p:spTree>
+    <p:extLst>
+      <p:ext uri="{BB962C8B-B14F-4D97-AF65-F5344CB8AC3E}">
+        <p14:creationId xmlns:p14="http://schemas.microsoft.com/office/powerpoint/2010/main" val="1138599569"/>
+      </p:ext>
+    </p:extLst>
+  </p:cSld>
+  <p:clrMapOvr>
+    <a:masterClrMapping/>
+  </p:clrMapOvr>
+</p:notes>
+</file>
+
+<file path=ppt/notesSlides/notesSlide22.xml><?xml version="1.0" encoding="utf-8"?>
+<p:notes xmlns:a="http://schemas.openxmlformats.org/drawingml/2006/main" xmlns:r="http://schemas.openxmlformats.org/officeDocument/2006/relationships" xmlns:p="http://schemas.openxmlformats.org/presentationml/2006/main">
+  <p:cSld>
+    <p:spTree>
+      <p:nvGrpSpPr>
+        <p:cNvPr id="1" name=""/>
+        <p:cNvGrpSpPr/>
+        <p:nvPr/>
+      </p:nvGrpSpPr>
+      <p:grpSpPr>
+        <a:xfrm>
+          <a:off x="0" y="0"/>
+          <a:ext cx="0" cy="0"/>
+          <a:chOff x="0" y="0"/>
+          <a:chExt cx="0" cy="0"/>
+        </a:xfrm>
+      </p:grpSpPr>
+      <p:sp>
+        <p:nvSpPr>
+          <p:cNvPr id="2" name="Slide Image Placeholder 1"/>
+          <p:cNvSpPr>
+            <a:spLocks noGrp="1" noRot="1" noChangeAspect="1"/>
+          </p:cNvSpPr>
+          <p:nvPr>
+            <p:ph type="sldImg"/>
+          </p:nvPr>
+        </p:nvSpPr>
+        <p:spPr/>
+      </p:sp>
+      <p:sp>
+        <p:nvSpPr>
+          <p:cNvPr id="3" name="Notes Placeholder 2"/>
+          <p:cNvSpPr>
+            <a:spLocks noGrp="1"/>
+          </p:cNvSpPr>
+          <p:nvPr>
+            <p:ph type="body" idx="1"/>
+          </p:nvPr>
+        </p:nvSpPr>
+        <p:spPr/>
+        <p:txBody>
+          <a:bodyPr/>
+          <a:lstStyle/>
+          <a:p>
+            <a:endParaRPr lang="en-US"/>
+          </a:p>
+        </p:txBody>
+      </p:sp>
+      <p:sp>
+        <p:nvSpPr>
+          <p:cNvPr id="4" name="Slide Number Placeholder 3"/>
+          <p:cNvSpPr>
+            <a:spLocks noGrp="1"/>
+          </p:cNvSpPr>
+          <p:nvPr>
+            <p:ph type="sldNum" sz="quarter" idx="10"/>
+          </p:nvPr>
+        </p:nvSpPr>
+        <p:spPr/>
+        <p:txBody>
+          <a:bodyPr/>
+          <a:lstStyle/>
+          <a:p>
+            <a:fld id="{89086A25-1D2B-4C4F-AF82-CC73108F7901}" type="slidenum">
+              <a:rPr lang="en-US" smtClean="0"/>
+              <a:t>24</a:t>
+            </a:fld>
+            <a:endParaRPr lang="en-US"/>
+          </a:p>
+        </p:txBody>
+      </p:sp>
+    </p:spTree>
+    <p:extLst>
+      <p:ext uri="{BB962C8B-B14F-4D97-AF65-F5344CB8AC3E}">
+        <p14:creationId xmlns:p14="http://schemas.microsoft.com/office/powerpoint/2010/main" val="1696701446"/>
+      </p:ext>
+    </p:extLst>
+  </p:cSld>
+  <p:clrMapOvr>
+    <a:masterClrMapping/>
+  </p:clrMapOvr>
+</p:notes>
+</file>
+
+<file path=ppt/notesSlides/notesSlide23.xml><?xml version="1.0" encoding="utf-8"?>
+<p:notes xmlns:a="http://schemas.openxmlformats.org/drawingml/2006/main" xmlns:r="http://schemas.openxmlformats.org/officeDocument/2006/relationships" xmlns:p="http://schemas.openxmlformats.org/presentationml/2006/main">
+  <p:cSld>
+    <p:spTree>
+      <p:nvGrpSpPr>
+        <p:cNvPr id="1" name=""/>
+        <p:cNvGrpSpPr/>
+        <p:nvPr/>
+      </p:nvGrpSpPr>
+      <p:grpSpPr>
+        <a:xfrm>
+          <a:off x="0" y="0"/>
+          <a:ext cx="0" cy="0"/>
+          <a:chOff x="0" y="0"/>
+          <a:chExt cx="0" cy="0"/>
+        </a:xfrm>
+      </p:grpSpPr>
+      <p:sp>
+        <p:nvSpPr>
+          <p:cNvPr id="2" name="Slide Image Placeholder 1"/>
+          <p:cNvSpPr>
+            <a:spLocks noGrp="1" noRot="1" noChangeAspect="1"/>
+          </p:cNvSpPr>
+          <p:nvPr>
+            <p:ph type="sldImg"/>
+          </p:nvPr>
+        </p:nvSpPr>
+        <p:spPr/>
+      </p:sp>
+      <p:sp>
+        <p:nvSpPr>
+          <p:cNvPr id="3" name="Notes Placeholder 2"/>
+          <p:cNvSpPr>
+            <a:spLocks noGrp="1"/>
+          </p:cNvSpPr>
+          <p:nvPr>
+            <p:ph type="body" idx="1"/>
+          </p:nvPr>
+        </p:nvSpPr>
+        <p:spPr/>
+        <p:txBody>
+          <a:bodyPr/>
+          <a:lstStyle/>
+          <a:p>
+            <a:endParaRPr lang="en-US"/>
+          </a:p>
+        </p:txBody>
+      </p:sp>
+      <p:sp>
+        <p:nvSpPr>
+          <p:cNvPr id="4" name="Slide Number Placeholder 3"/>
+          <p:cNvSpPr>
+            <a:spLocks noGrp="1"/>
+          </p:cNvSpPr>
+          <p:nvPr>
+            <p:ph type="sldNum" sz="quarter" idx="10"/>
+          </p:nvPr>
+        </p:nvSpPr>
+        <p:spPr/>
+        <p:txBody>
+          <a:bodyPr/>
+          <a:lstStyle/>
+          <a:p>
+            <a:fld id="{89086A25-1D2B-4C4F-AF82-CC73108F7901}" type="slidenum">
+              <a:rPr lang="en-US" smtClean="0"/>
+              <a:t>26</a:t>
+            </a:fld>
+            <a:endParaRPr lang="en-US"/>
+          </a:p>
+        </p:txBody>
+      </p:sp>
+    </p:spTree>
+    <p:extLst>
+      <p:ext uri="{BB962C8B-B14F-4D97-AF65-F5344CB8AC3E}">
+        <p14:creationId xmlns:p14="http://schemas.microsoft.com/office/powerpoint/2010/main" val="4249495101"/>
+      </p:ext>
+    </p:extLst>
+  </p:cSld>
+  <p:clrMapOvr>
+    <a:masterClrMapping/>
+  </p:clrMapOvr>
+</p:notes>
+</file>
+
+<file path=ppt/notesSlides/notesSlide3.xml><?xml version="1.0" encoding="utf-8"?>
+<p:notes xmlns:a="http://schemas.openxmlformats.org/drawingml/2006/main" xmlns:r="http://schemas.openxmlformats.org/officeDocument/2006/relationships" xmlns:p="http://schemas.openxmlformats.org/presentationml/2006/main">
+  <p:cSld>
+    <p:spTree>
+      <p:nvGrpSpPr>
+        <p:cNvPr id="1" name=""/>
+        <p:cNvGrpSpPr/>
+        <p:nvPr/>
+      </p:nvGrpSpPr>
+      <p:grpSpPr>
+        <a:xfrm>
+          <a:off x="0" y="0"/>
+          <a:ext cx="0" cy="0"/>
+          <a:chOff x="0" y="0"/>
+          <a:chExt cx="0" cy="0"/>
+        </a:xfrm>
+      </p:grpSpPr>
+      <p:sp>
+        <p:nvSpPr>
+          <p:cNvPr id="2" name="Slide Image Placeholder 1"/>
+          <p:cNvSpPr>
+            <a:spLocks noGrp="1" noRot="1" noChangeAspect="1"/>
+          </p:cNvSpPr>
+          <p:nvPr>
+            <p:ph type="sldImg"/>
+          </p:nvPr>
+        </p:nvSpPr>
+        <p:spPr/>
+      </p:sp>
+      <p:sp>
+        <p:nvSpPr>
+          <p:cNvPr id="3" name="Notes Placeholder 2"/>
+          <p:cNvSpPr>
+            <a:spLocks noGrp="1"/>
+          </p:cNvSpPr>
+          <p:nvPr>
+            <p:ph type="body" idx="1"/>
+          </p:nvPr>
+        </p:nvSpPr>
+        <p:spPr/>
+        <p:txBody>
+          <a:bodyPr/>
+          <a:lstStyle/>
+          <a:p>
+            <a:endParaRPr lang="en-US"/>
+          </a:p>
+        </p:txBody>
+      </p:sp>
+      <p:sp>
+        <p:nvSpPr>
+          <p:cNvPr id="4" name="Slide Number Placeholder 3"/>
+          <p:cNvSpPr>
+            <a:spLocks noGrp="1"/>
+          </p:cNvSpPr>
+          <p:nvPr>
+            <p:ph type="sldNum" sz="quarter" idx="10"/>
+          </p:nvPr>
+        </p:nvSpPr>
+        <p:spPr/>
+        <p:txBody>
+          <a:bodyPr/>
+          <a:lstStyle/>
+          <a:p>
+            <a:fld id="{89086A25-1D2B-4C4F-AF82-CC73108F7901}" type="slidenum">
+              <a:rPr lang="en-US" smtClean="0"/>
+              <a:t>4</a:t>
+            </a:fld>
+            <a:endParaRPr lang="en-US"/>
+          </a:p>
+        </p:txBody>
+      </p:sp>
+    </p:spTree>
+    <p:extLst>
+      <p:ext uri="{BB962C8B-B14F-4D97-AF65-F5344CB8AC3E}">
+        <p14:creationId xmlns:p14="http://schemas.microsoft.com/office/powerpoint/2010/main" val="2894406009"/>
+      </p:ext>
+    </p:extLst>
+  </p:cSld>
+  <p:clrMapOvr>
+    <a:masterClrMapping/>
+  </p:clrMapOvr>
+</p:notes>
+</file>
+
+<file path=ppt/notesSlides/notesSlide4.xml><?xml version="1.0" encoding="utf-8"?>
+<p:notes xmlns:a="http://schemas.openxmlformats.org/drawingml/2006/main" xmlns:r="http://schemas.openxmlformats.org/officeDocument/2006/relationships" xmlns:p="http://schemas.openxmlformats.org/presentationml/2006/main">
+  <p:cSld>
+    <p:spTree>
+      <p:nvGrpSpPr>
+        <p:cNvPr id="1" name=""/>
+        <p:cNvGrpSpPr/>
+        <p:nvPr/>
+      </p:nvGrpSpPr>
+      <p:grpSpPr>
+        <a:xfrm>
+          <a:off x="0" y="0"/>
+          <a:ext cx="0" cy="0"/>
+          <a:chOff x="0" y="0"/>
+          <a:chExt cx="0" cy="0"/>
+        </a:xfrm>
+      </p:grpSpPr>
+      <p:sp>
+        <p:nvSpPr>
+          <p:cNvPr id="2" name="Slide Image Placeholder 1"/>
+          <p:cNvSpPr>
+            <a:spLocks noGrp="1" noRot="1" noChangeAspect="1"/>
+          </p:cNvSpPr>
+          <p:nvPr>
+            <p:ph type="sldImg"/>
+          </p:nvPr>
+        </p:nvSpPr>
+        <p:spPr/>
+      </p:sp>
+      <p:sp>
+        <p:nvSpPr>
+          <p:cNvPr id="3" name="Notes Placeholder 2"/>
+          <p:cNvSpPr>
+            <a:spLocks noGrp="1"/>
+          </p:cNvSpPr>
+          <p:nvPr>
+            <p:ph type="body" idx="1"/>
+          </p:nvPr>
+        </p:nvSpPr>
+        <p:spPr/>
+        <p:txBody>
+          <a:bodyPr/>
+          <a:lstStyle/>
+          <a:p>
+            <a:endParaRPr lang="en-US"/>
+          </a:p>
+        </p:txBody>
+      </p:sp>
+      <p:sp>
+        <p:nvSpPr>
+          <p:cNvPr id="4" name="Slide Number Placeholder 3"/>
+          <p:cNvSpPr>
+            <a:spLocks noGrp="1"/>
+          </p:cNvSpPr>
+          <p:nvPr>
+            <p:ph type="sldNum" sz="quarter" idx="10"/>
+          </p:nvPr>
+        </p:nvSpPr>
+        <p:spPr/>
+        <p:txBody>
+          <a:bodyPr/>
+          <a:lstStyle/>
+          <a:p>
+            <a:fld id="{89086A25-1D2B-4C4F-AF82-CC73108F7901}" type="slidenum">
+              <a:rPr lang="en-US" smtClean="0"/>
+              <a:t>5</a:t>
+            </a:fld>
+            <a:endParaRPr lang="en-US"/>
+          </a:p>
+        </p:txBody>
+      </p:sp>
+    </p:spTree>
+    <p:extLst>
+      <p:ext uri="{BB962C8B-B14F-4D97-AF65-F5344CB8AC3E}">
+        <p14:creationId xmlns:p14="http://schemas.microsoft.com/office/powerpoint/2010/main" val="3126507322"/>
+      </p:ext>
+    </p:extLst>
+  </p:cSld>
+  <p:clrMapOvr>
+    <a:masterClrMapping/>
+  </p:clrMapOvr>
+</p:notes>
+</file>
+
+<file path=ppt/notesSlides/notesSlide5.xml><?xml version="1.0" encoding="utf-8"?>
+<p:notes xmlns:a="http://schemas.openxmlformats.org/drawingml/2006/main" xmlns:r="http://schemas.openxmlformats.org/officeDocument/2006/relationships" xmlns:p="http://schemas.openxmlformats.org/presentationml/2006/main">
+  <p:cSld>
+    <p:spTree>
+      <p:nvGrpSpPr>
+        <p:cNvPr id="1" name=""/>
+        <p:cNvGrpSpPr/>
+        <p:nvPr/>
+      </p:nvGrpSpPr>
+      <p:grpSpPr>
+        <a:xfrm>
+          <a:off x="0" y="0"/>
+          <a:ext cx="0" cy="0"/>
+          <a:chOff x="0" y="0"/>
+          <a:chExt cx="0" cy="0"/>
+        </a:xfrm>
+      </p:grpSpPr>
+      <p:sp>
+        <p:nvSpPr>
+          <p:cNvPr id="2" name="Slide Image Placeholder 1"/>
+          <p:cNvSpPr>
+            <a:spLocks noGrp="1" noRot="1" noChangeAspect="1"/>
+          </p:cNvSpPr>
+          <p:nvPr>
+            <p:ph type="sldImg"/>
+          </p:nvPr>
+        </p:nvSpPr>
+        <p:spPr/>
+      </p:sp>
+      <p:sp>
+        <p:nvSpPr>
+          <p:cNvPr id="3" name="Notes Placeholder 2"/>
+          <p:cNvSpPr>
+            <a:spLocks noGrp="1"/>
+          </p:cNvSpPr>
+          <p:nvPr>
+            <p:ph type="body" idx="1"/>
+          </p:nvPr>
+        </p:nvSpPr>
+        <p:spPr/>
+        <p:txBody>
+          <a:bodyPr/>
+          <a:lstStyle/>
+          <a:p>
+            <a:endParaRPr lang="en-US"/>
+          </a:p>
+        </p:txBody>
+      </p:sp>
+      <p:sp>
+        <p:nvSpPr>
+          <p:cNvPr id="4" name="Slide Number Placeholder 3"/>
+          <p:cNvSpPr>
+            <a:spLocks noGrp="1"/>
+          </p:cNvSpPr>
+          <p:nvPr>
+            <p:ph type="sldNum" sz="quarter" idx="10"/>
+          </p:nvPr>
+        </p:nvSpPr>
+        <p:spPr/>
+        <p:txBody>
+          <a:bodyPr/>
+          <a:lstStyle/>
+          <a:p>
+            <a:fld id="{89086A25-1D2B-4C4F-AF82-CC73108F7901}" type="slidenum">
+              <a:rPr lang="en-US" smtClean="0"/>
+              <a:t>6</a:t>
+            </a:fld>
+            <a:endParaRPr lang="en-US"/>
+          </a:p>
+        </p:txBody>
+      </p:sp>
+    </p:spTree>
+    <p:extLst>
+      <p:ext uri="{BB962C8B-B14F-4D97-AF65-F5344CB8AC3E}">
+        <p14:creationId xmlns:p14="http://schemas.microsoft.com/office/powerpoint/2010/main" val="3709755510"/>
+      </p:ext>
+    </p:extLst>
+  </p:cSld>
+  <p:clrMapOvr>
+    <a:masterClrMapping/>
+  </p:clrMapOvr>
+</p:notes>
+</file>
+
+<file path=ppt/notesSlides/notesSlide6.xml><?xml version="1.0" encoding="utf-8"?>
+<p:notes xmlns:a="http://schemas.openxmlformats.org/drawingml/2006/main" xmlns:r="http://schemas.openxmlformats.org/officeDocument/2006/relationships" xmlns:p="http://schemas.openxmlformats.org/presentationml/2006/main">
+  <p:cSld>
+    <p:spTree>
+      <p:nvGrpSpPr>
+        <p:cNvPr id="1" name=""/>
+        <p:cNvGrpSpPr/>
+        <p:nvPr/>
+      </p:nvGrpSpPr>
+      <p:grpSpPr>
+        <a:xfrm>
+          <a:off x="0" y="0"/>
+          <a:ext cx="0" cy="0"/>
+          <a:chOff x="0" y="0"/>
+          <a:chExt cx="0" cy="0"/>
+        </a:xfrm>
+      </p:grpSpPr>
+      <p:sp>
+        <p:nvSpPr>
+          <p:cNvPr id="2" name="Slide Image Placeholder 1"/>
+          <p:cNvSpPr>
+            <a:spLocks noGrp="1" noRot="1" noChangeAspect="1"/>
+          </p:cNvSpPr>
+          <p:nvPr>
+            <p:ph type="sldImg"/>
+          </p:nvPr>
+        </p:nvSpPr>
+        <p:spPr/>
+      </p:sp>
+      <p:sp>
+        <p:nvSpPr>
+          <p:cNvPr id="3" name="Notes Placeholder 2"/>
+          <p:cNvSpPr>
+            <a:spLocks noGrp="1"/>
+          </p:cNvSpPr>
+          <p:nvPr>
+            <p:ph type="body" idx="1"/>
+          </p:nvPr>
+        </p:nvSpPr>
+        <p:spPr/>
+        <p:txBody>
+          <a:bodyPr/>
+          <a:lstStyle/>
+          <a:p>
+            <a:endParaRPr lang="en-US"/>
+          </a:p>
+        </p:txBody>
+      </p:sp>
+      <p:sp>
+        <p:nvSpPr>
+          <p:cNvPr id="4" name="Slide Number Placeholder 3"/>
+          <p:cNvSpPr>
+            <a:spLocks noGrp="1"/>
+          </p:cNvSpPr>
+          <p:nvPr>
+            <p:ph type="sldNum" sz="quarter" idx="10"/>
+          </p:nvPr>
+        </p:nvSpPr>
+        <p:spPr/>
+        <p:txBody>
+          <a:bodyPr/>
+          <a:lstStyle/>
+          <a:p>
+            <a:fld id="{89086A25-1D2B-4C4F-AF82-CC73108F7901}" type="slidenum">
+              <a:rPr lang="en-US" smtClean="0"/>
+              <a:t>7</a:t>
+            </a:fld>
+            <a:endParaRPr lang="en-US"/>
+          </a:p>
+        </p:txBody>
+      </p:sp>
+    </p:spTree>
+    <p:extLst>
+      <p:ext uri="{BB962C8B-B14F-4D97-AF65-F5344CB8AC3E}">
+        <p14:creationId xmlns:p14="http://schemas.microsoft.com/office/powerpoint/2010/main" val="4130851223"/>
+      </p:ext>
+    </p:extLst>
+  </p:cSld>
+  <p:clrMapOvr>
+    <a:masterClrMapping/>
+  </p:clrMapOvr>
+</p:notes>
+</file>
+
+<file path=ppt/notesSlides/notesSlide7.xml><?xml version="1.0" encoding="utf-8"?>
+<p:notes xmlns:a="http://schemas.openxmlformats.org/drawingml/2006/main" xmlns:r="http://schemas.openxmlformats.org/officeDocument/2006/relationships" xmlns:p="http://schemas.openxmlformats.org/presentationml/2006/main">
+  <p:cSld>
+    <p:spTree>
+      <p:nvGrpSpPr>
+        <p:cNvPr id="1" name=""/>
+        <p:cNvGrpSpPr/>
+        <p:nvPr/>
+      </p:nvGrpSpPr>
+      <p:grpSpPr>
+        <a:xfrm>
+          <a:off x="0" y="0"/>
+          <a:ext cx="0" cy="0"/>
+          <a:chOff x="0" y="0"/>
+          <a:chExt cx="0" cy="0"/>
+        </a:xfrm>
+      </p:grpSpPr>
+      <p:sp>
+        <p:nvSpPr>
+          <p:cNvPr id="2" name="Slide Image Placeholder 1"/>
+          <p:cNvSpPr>
+            <a:spLocks noGrp="1" noRot="1" noChangeAspect="1"/>
+          </p:cNvSpPr>
+          <p:nvPr>
+            <p:ph type="sldImg"/>
+          </p:nvPr>
+        </p:nvSpPr>
+        <p:spPr/>
+      </p:sp>
+      <p:sp>
+        <p:nvSpPr>
+          <p:cNvPr id="3" name="Notes Placeholder 2"/>
+          <p:cNvSpPr>
+            <a:spLocks noGrp="1"/>
+          </p:cNvSpPr>
+          <p:nvPr>
+            <p:ph type="body" idx="1"/>
+          </p:nvPr>
+        </p:nvSpPr>
+        <p:spPr/>
+        <p:txBody>
+          <a:bodyPr/>
+          <a:lstStyle/>
+          <a:p>
+            <a:endParaRPr lang="en-US"/>
+          </a:p>
+        </p:txBody>
+      </p:sp>
+      <p:sp>
+        <p:nvSpPr>
+          <p:cNvPr id="4" name="Slide Number Placeholder 3"/>
+          <p:cNvSpPr>
+            <a:spLocks noGrp="1"/>
+          </p:cNvSpPr>
+          <p:nvPr>
+            <p:ph type="sldNum" sz="quarter" idx="10"/>
+          </p:nvPr>
+        </p:nvSpPr>
+        <p:spPr/>
+        <p:txBody>
+          <a:bodyPr/>
+          <a:lstStyle/>
+          <a:p>
+            <a:fld id="{89086A25-1D2B-4C4F-AF82-CC73108F7901}" type="slidenum">
+              <a:rPr lang="en-US" smtClean="0"/>
+              <a:t>8</a:t>
+            </a:fld>
+            <a:endParaRPr lang="en-US"/>
+          </a:p>
+        </p:txBody>
+      </p:sp>
+    </p:spTree>
+    <p:extLst>
+      <p:ext uri="{BB962C8B-B14F-4D97-AF65-F5344CB8AC3E}">
+        <p14:creationId xmlns:p14="http://schemas.microsoft.com/office/powerpoint/2010/main" val="484778775"/>
+      </p:ext>
+    </p:extLst>
+  </p:cSld>
+  <p:clrMapOvr>
+    <a:masterClrMapping/>
+  </p:clrMapOvr>
+</p:notes>
+</file>
+
+<file path=ppt/notesSlides/notesSlide8.xml><?xml version="1.0" encoding="utf-8"?>
+<p:notes xmlns:a="http://schemas.openxmlformats.org/drawingml/2006/main" xmlns:r="http://schemas.openxmlformats.org/officeDocument/2006/relationships" xmlns:p="http://schemas.openxmlformats.org/presentationml/2006/main">
+  <p:cSld>
+    <p:spTree>
+      <p:nvGrpSpPr>
+        <p:cNvPr id="1" name=""/>
+        <p:cNvGrpSpPr/>
+        <p:nvPr/>
+      </p:nvGrpSpPr>
+      <p:grpSpPr>
+        <a:xfrm>
+          <a:off x="0" y="0"/>
+          <a:ext cx="0" cy="0"/>
+          <a:chOff x="0" y="0"/>
+          <a:chExt cx="0" cy="0"/>
+        </a:xfrm>
+      </p:grpSpPr>
+      <p:sp>
+        <p:nvSpPr>
+          <p:cNvPr id="2" name="Slide Image Placeholder 1"/>
+          <p:cNvSpPr>
+            <a:spLocks noGrp="1" noRot="1" noChangeAspect="1"/>
+          </p:cNvSpPr>
+          <p:nvPr>
+            <p:ph type="sldImg"/>
+          </p:nvPr>
+        </p:nvSpPr>
+        <p:spPr/>
+      </p:sp>
+      <p:sp>
+        <p:nvSpPr>
+          <p:cNvPr id="3" name="Notes Placeholder 2"/>
+          <p:cNvSpPr>
+            <a:spLocks noGrp="1"/>
+          </p:cNvSpPr>
+          <p:nvPr>
+            <p:ph type="body" idx="1"/>
+          </p:nvPr>
+        </p:nvSpPr>
+        <p:spPr/>
+        <p:txBody>
+          <a:bodyPr/>
+          <a:lstStyle/>
+          <a:p>
+            <a:endParaRPr lang="en-US"/>
+          </a:p>
+        </p:txBody>
+      </p:sp>
+      <p:sp>
+        <p:nvSpPr>
+          <p:cNvPr id="4" name="Slide Number Placeholder 3"/>
+          <p:cNvSpPr>
+            <a:spLocks noGrp="1"/>
+          </p:cNvSpPr>
+          <p:nvPr>
+            <p:ph type="sldNum" sz="quarter" idx="10"/>
+          </p:nvPr>
+        </p:nvSpPr>
+        <p:spPr/>
+        <p:txBody>
+          <a:bodyPr/>
+          <a:lstStyle/>
+          <a:p>
+            <a:fld id="{89086A25-1D2B-4C4F-AF82-CC73108F7901}" type="slidenum">
+              <a:rPr lang="en-US" smtClean="0"/>
+              <a:t>9</a:t>
+            </a:fld>
+            <a:endParaRPr lang="en-US"/>
+          </a:p>
+        </p:txBody>
+      </p:sp>
+    </p:spTree>
+    <p:extLst>
+      <p:ext uri="{BB962C8B-B14F-4D97-AF65-F5344CB8AC3E}">
+        <p14:creationId xmlns:p14="http://schemas.microsoft.com/office/powerpoint/2010/main" val="3782060416"/>
+      </p:ext>
+    </p:extLst>
+  </p:cSld>
+  <p:clrMapOvr>
+    <a:masterClrMapping/>
+  </p:clrMapOvr>
+</p:notes>
+</file>
+
+<file path=ppt/notesSlides/notesSlide9.xml><?xml version="1.0" encoding="utf-8"?>
+<p:notes xmlns:a="http://schemas.openxmlformats.org/drawingml/2006/main" xmlns:r="http://schemas.openxmlformats.org/officeDocument/2006/relationships" xmlns:p="http://schemas.openxmlformats.org/presentationml/2006/main">
+  <p:cSld>
+    <p:spTree>
+      <p:nvGrpSpPr>
+        <p:cNvPr id="1" name=""/>
+        <p:cNvGrpSpPr/>
+        <p:nvPr/>
+      </p:nvGrpSpPr>
+      <p:grpSpPr>
+        <a:xfrm>
+          <a:off x="0" y="0"/>
+          <a:ext cx="0" cy="0"/>
+          <a:chOff x="0" y="0"/>
+          <a:chExt cx="0" cy="0"/>
+        </a:xfrm>
+      </p:grpSpPr>
+      <p:sp>
+        <p:nvSpPr>
+          <p:cNvPr id="2" name="Slide Image Placeholder 1"/>
+          <p:cNvSpPr>
+            <a:spLocks noGrp="1" noRot="1" noChangeAspect="1"/>
+          </p:cNvSpPr>
+          <p:nvPr>
+            <p:ph type="sldImg"/>
+          </p:nvPr>
+        </p:nvSpPr>
+        <p:spPr/>
+      </p:sp>
+      <p:sp>
+        <p:nvSpPr>
+          <p:cNvPr id="3" name="Notes Placeholder 2"/>
+          <p:cNvSpPr>
+            <a:spLocks noGrp="1"/>
+          </p:cNvSpPr>
+          <p:nvPr>
+            <p:ph type="body" idx="1"/>
+          </p:nvPr>
+        </p:nvSpPr>
+        <p:spPr/>
+        <p:txBody>
+          <a:bodyPr/>
+          <a:lstStyle/>
+          <a:p>
+            <a:endParaRPr lang="en-US"/>
+          </a:p>
+        </p:txBody>
+      </p:sp>
+      <p:sp>
+        <p:nvSpPr>
+          <p:cNvPr id="4" name="Slide Number Placeholder 3"/>
+          <p:cNvSpPr>
+            <a:spLocks noGrp="1"/>
+          </p:cNvSpPr>
+          <p:nvPr>
+            <p:ph type="sldNum" sz="quarter" idx="10"/>
+          </p:nvPr>
+        </p:nvSpPr>
+        <p:spPr/>
+        <p:txBody>
+          <a:bodyPr/>
+          <a:lstStyle/>
+          <a:p>
+            <a:fld id="{89086A25-1D2B-4C4F-AF82-CC73108F7901}" type="slidenum">
+              <a:rPr lang="en-US" smtClean="0"/>
+              <a:t>10</a:t>
+            </a:fld>
+            <a:endParaRPr lang="en-US"/>
+          </a:p>
+        </p:txBody>
+      </p:sp>
+    </p:spTree>
+    <p:extLst>
+      <p:ext uri="{BB962C8B-B14F-4D97-AF65-F5344CB8AC3E}">
+        <p14:creationId xmlns:p14="http://schemas.microsoft.com/office/powerpoint/2010/main" val="60065422"/>
+      </p:ext>
+    </p:extLst>
+  </p:cSld>
+  <p:clrMapOvr>
+    <a:masterClrMapping/>
+  </p:clrMapOvr>
+</p:notes>
+</file>
+
 <file path=ppt/slideLayouts/slideLayout1.xml><?xml version="1.0" encoding="utf-8"?>
 <p:sldLayout xmlns:a="http://schemas.openxmlformats.org/drawingml/2006/main" xmlns:r="http://schemas.openxmlformats.org/officeDocument/2006/relationships" xmlns:p="http://schemas.openxmlformats.org/presentationml/2006/main" showMasterSp="0" type="title" preserve="1">
   <p:cSld name="Title Slide">
@@ -364,7 +2650,7 @@
           <a:p>
             <a:fld id="{48A87A34-81AB-432B-8DAE-1953F412C126}" type="datetimeFigureOut">
               <a:rPr lang="en-US" smtClean="0"/>
-              <a:t>3/22/2018</a:t>
+              <a:t>3/23/18</a:t>
             </a:fld>
             <a:endParaRPr lang="en-US" dirty="0"/>
           </a:p>
@@ -572,7 +2858,7 @@
           <a:p>
             <a:fld id="{48A87A34-81AB-432B-8DAE-1953F412C126}" type="datetimeFigureOut">
               <a:rPr lang="en-US" smtClean="0"/>
-              <a:t>3/22/2018</a:t>
+              <a:t>3/23/18</a:t>
             </a:fld>
             <a:endParaRPr lang="en-US" dirty="0"/>
           </a:p>
@@ -828,7 +3114,7 @@
           <a:p>
             <a:fld id="{48A87A34-81AB-432B-8DAE-1953F412C126}" type="datetimeFigureOut">
               <a:rPr lang="en-US" smtClean="0"/>
-              <a:t>3/22/2018</a:t>
+              <a:t>3/23/18</a:t>
             </a:fld>
             <a:endParaRPr lang="en-US" dirty="0"/>
           </a:p>
@@ -1002,7 +3288,7 @@
           <a:p>
             <a:fld id="{48A87A34-81AB-432B-8DAE-1953F412C126}" type="datetimeFigureOut">
               <a:rPr lang="en-US" smtClean="0"/>
-              <a:t>3/22/2018</a:t>
+              <a:t>3/23/18</a:t>
             </a:fld>
             <a:endParaRPr lang="en-US" dirty="0"/>
           </a:p>
@@ -1351,7 +3637,7 @@
           <a:p>
             <a:fld id="{48A87A34-81AB-432B-8DAE-1953F412C126}" type="datetimeFigureOut">
               <a:rPr lang="en-US" smtClean="0"/>
-              <a:t>3/22/2018</a:t>
+              <a:t>3/23/18</a:t>
             </a:fld>
             <a:endParaRPr lang="en-US" dirty="0"/>
           </a:p>
@@ -1632,7 +3918,7 @@
           <a:p>
             <a:fld id="{48A87A34-81AB-432B-8DAE-1953F412C126}" type="datetimeFigureOut">
               <a:rPr lang="en-US" smtClean="0"/>
-              <a:t>3/22/2018</a:t>
+              <a:t>3/23/18</a:t>
             </a:fld>
             <a:endParaRPr lang="en-US" dirty="0"/>
           </a:p>
@@ -2017,7 +4303,7 @@
           <a:p>
             <a:fld id="{48A87A34-81AB-432B-8DAE-1953F412C126}" type="datetimeFigureOut">
               <a:rPr lang="en-US" smtClean="0"/>
-              <a:t>3/22/2018</a:t>
+              <a:t>3/23/18</a:t>
             </a:fld>
             <a:endParaRPr lang="en-US" dirty="0"/>
           </a:p>
@@ -2141,7 +4427,7 @@
           <a:p>
             <a:fld id="{48A87A34-81AB-432B-8DAE-1953F412C126}" type="datetimeFigureOut">
               <a:rPr lang="en-US" smtClean="0"/>
-              <a:t>3/22/2018</a:t>
+              <a:t>3/23/18</a:t>
             </a:fld>
             <a:endParaRPr lang="en-US" dirty="0"/>
           </a:p>
@@ -2318,7 +4604,7 @@
           <a:p>
             <a:fld id="{48A87A34-81AB-432B-8DAE-1953F412C126}" type="datetimeFigureOut">
               <a:rPr lang="en-US" smtClean="0"/>
-              <a:t>3/22/2018</a:t>
+              <a:t>3/23/18</a:t>
             </a:fld>
             <a:endParaRPr lang="en-US" dirty="0"/>
           </a:p>
@@ -2678,7 +4964,7 @@
           <a:p>
             <a:fld id="{48A87A34-81AB-432B-8DAE-1953F412C126}" type="datetimeFigureOut">
               <a:rPr lang="en-US" smtClean="0"/>
-              <a:t>3/22/2018</a:t>
+              <a:t>3/23/18</a:t>
             </a:fld>
             <a:endParaRPr lang="en-US" dirty="0"/>
           </a:p>
@@ -3060,7 +5346,7 @@
           <a:p>
             <a:fld id="{48A87A34-81AB-432B-8DAE-1953F412C126}" type="datetimeFigureOut">
               <a:rPr lang="en-US" smtClean="0"/>
-              <a:t>3/22/2018</a:t>
+              <a:t>3/23/18</a:t>
             </a:fld>
             <a:endParaRPr lang="en-US" dirty="0"/>
           </a:p>
@@ -3354,7 +5640,7 @@
             <a:fld id="{48A87A34-81AB-432B-8DAE-1953F412C126}" type="datetimeFigureOut">
               <a:rPr lang="en-US" smtClean="0"/>
               <a:pPr/>
-              <a:t>3/22/2018</a:t>
+              <a:t>3/23/18</a:t>
             </a:fld>
             <a:endParaRPr lang="en-US" dirty="0"/>
           </a:p>
@@ -4003,452 +6289,6 @@
           <a:p>
             <a:r>
               <a:rPr lang="en-GB" dirty="0"/>
-              <a:t>Request Lifecycle – Request JSON</a:t>
-            </a:r>
-          </a:p>
-        </p:txBody>
-      </p:sp>
-      <p:sp>
-        <p:nvSpPr>
-          <p:cNvPr id="15" name="Content Placeholder 14">
-            <a:extLst>
-              <a:ext uri="{FF2B5EF4-FFF2-40B4-BE49-F238E27FC236}">
-                <a16:creationId xmlns:a16="http://schemas.microsoft.com/office/drawing/2014/main" id="{DE436AEA-5393-4801-95C1-0C5A55B32847}"/>
-              </a:ext>
-            </a:extLst>
-          </p:cNvPr>
-          <p:cNvSpPr>
-            <a:spLocks noGrp="1"/>
-          </p:cNvSpPr>
-          <p:nvPr>
-            <p:ph idx="1"/>
-          </p:nvPr>
-        </p:nvSpPr>
-        <p:spPr>
-          <a:xfrm>
-            <a:off x="1097280" y="1845734"/>
-            <a:ext cx="10058400" cy="3744000"/>
-          </a:xfrm>
-        </p:spPr>
-        <p:txBody>
-          <a:bodyPr>
-            <a:noAutofit/>
-          </a:bodyPr>
-          <a:lstStyle/>
-          <a:p>
-            <a:pPr marL="36000" indent="0">
-              <a:lnSpc>
-                <a:spcPct val="100000"/>
-              </a:lnSpc>
-              <a:spcBef>
-                <a:spcPts val="400"/>
-              </a:spcBef>
-              <a:spcAft>
-                <a:spcPts val="0"/>
-              </a:spcAft>
-            </a:pPr>
-            <a:r>
-              <a:rPr lang="en-GB" sz="1100" dirty="0"/>
-              <a:t>{</a:t>
-            </a:r>
-          </a:p>
-          <a:p>
-            <a:pPr marL="36000" indent="0">
-              <a:lnSpc>
-                <a:spcPct val="100000"/>
-              </a:lnSpc>
-              <a:spcBef>
-                <a:spcPts val="400"/>
-              </a:spcBef>
-              <a:spcAft>
-                <a:spcPts val="0"/>
-              </a:spcAft>
-            </a:pPr>
-            <a:r>
-              <a:rPr lang="en-GB" sz="1100" dirty="0"/>
-              <a:t>  "version": "1.0",</a:t>
-            </a:r>
-          </a:p>
-          <a:p>
-            <a:pPr marL="36000" indent="0">
-              <a:lnSpc>
-                <a:spcPct val="100000"/>
-              </a:lnSpc>
-              <a:spcBef>
-                <a:spcPts val="400"/>
-              </a:spcBef>
-              <a:spcAft>
-                <a:spcPts val="0"/>
-              </a:spcAft>
-            </a:pPr>
-            <a:r>
-              <a:rPr lang="en-GB" sz="1100" b="1" dirty="0"/>
-              <a:t>  "session"</a:t>
-            </a:r>
-            <a:r>
-              <a:rPr lang="en-GB" sz="1100" dirty="0"/>
-              <a:t>: {</a:t>
-            </a:r>
-          </a:p>
-          <a:p>
-            <a:pPr marL="36000" indent="0">
-              <a:lnSpc>
-                <a:spcPct val="100000"/>
-              </a:lnSpc>
-              <a:spcBef>
-                <a:spcPts val="400"/>
-              </a:spcBef>
-              <a:spcAft>
-                <a:spcPts val="0"/>
-              </a:spcAft>
-            </a:pPr>
-            <a:r>
-              <a:rPr lang="en-GB" sz="1100" dirty="0"/>
-              <a:t>      "attributes": {</a:t>
-            </a:r>
-          </a:p>
-          <a:p>
-            <a:pPr marL="36000" indent="0">
-              <a:lnSpc>
-                <a:spcPct val="100000"/>
-              </a:lnSpc>
-              <a:spcBef>
-                <a:spcPts val="400"/>
-              </a:spcBef>
-              <a:spcAft>
-                <a:spcPts val="0"/>
-              </a:spcAft>
-            </a:pPr>
-            <a:r>
-              <a:rPr lang="en-GB" sz="1100" dirty="0"/>
-              <a:t>      "key": "string value"</a:t>
-            </a:r>
-          </a:p>
-          <a:p>
-            <a:pPr marL="36000" indent="0">
-              <a:lnSpc>
-                <a:spcPct val="100000"/>
-              </a:lnSpc>
-              <a:spcBef>
-                <a:spcPts val="400"/>
-              </a:spcBef>
-              <a:spcAft>
-                <a:spcPts val="0"/>
-              </a:spcAft>
-            </a:pPr>
-            <a:r>
-              <a:rPr lang="en-GB" sz="1100" dirty="0"/>
-              <a:t>    },</a:t>
-            </a:r>
-          </a:p>
-          <a:p>
-            <a:pPr marL="36000" indent="0">
-              <a:lnSpc>
-                <a:spcPct val="100000"/>
-              </a:lnSpc>
-              <a:spcBef>
-                <a:spcPts val="400"/>
-              </a:spcBef>
-              <a:spcAft>
-                <a:spcPts val="0"/>
-              </a:spcAft>
-            </a:pPr>
-            <a:r>
-              <a:rPr lang="en-GB" sz="1100" dirty="0"/>
-              <a:t>  },</a:t>
-            </a:r>
-          </a:p>
-          <a:p>
-            <a:pPr marL="36000" indent="0">
-              <a:lnSpc>
-                <a:spcPct val="100000"/>
-              </a:lnSpc>
-              <a:spcBef>
-                <a:spcPts val="400"/>
-              </a:spcBef>
-              <a:spcAft>
-                <a:spcPts val="0"/>
-              </a:spcAft>
-            </a:pPr>
-            <a:r>
-              <a:rPr lang="en-GB" sz="1100" b="1" dirty="0"/>
-              <a:t>  "context"</a:t>
-            </a:r>
-            <a:r>
-              <a:rPr lang="en-GB" sz="1100" dirty="0"/>
-              <a:t>: {</a:t>
-            </a:r>
-          </a:p>
-          <a:p>
-            <a:pPr marL="36000" indent="0">
-              <a:lnSpc>
-                <a:spcPct val="100000"/>
-              </a:lnSpc>
-              <a:spcBef>
-                <a:spcPts val="400"/>
-              </a:spcBef>
-              <a:spcAft>
-                <a:spcPts val="0"/>
-              </a:spcAft>
-            </a:pPr>
-            <a:r>
-              <a:rPr lang="en-GB" sz="1100" dirty="0"/>
-              <a:t>    "System": {</a:t>
-            </a:r>
-          </a:p>
-          <a:p>
-            <a:pPr marL="36000" indent="0">
-              <a:lnSpc>
-                <a:spcPct val="100000"/>
-              </a:lnSpc>
-              <a:spcBef>
-                <a:spcPts val="400"/>
-              </a:spcBef>
-              <a:spcAft>
-                <a:spcPts val="0"/>
-              </a:spcAft>
-            </a:pPr>
-            <a:r>
-              <a:rPr lang="en-GB" sz="1100" dirty="0"/>
-              <a:t>      "device": {</a:t>
-            </a:r>
-          </a:p>
-          <a:p>
-            <a:pPr marL="36000" indent="0">
-              <a:lnSpc>
-                <a:spcPct val="100000"/>
-              </a:lnSpc>
-              <a:spcBef>
-                <a:spcPts val="400"/>
-              </a:spcBef>
-              <a:spcAft>
-                <a:spcPts val="0"/>
-              </a:spcAft>
-            </a:pPr>
-            <a:r>
-              <a:rPr lang="en-GB" sz="1100" dirty="0"/>
-              <a:t>        "</a:t>
-            </a:r>
-            <a:r>
-              <a:rPr lang="en-GB" sz="1100" dirty="0" err="1"/>
-              <a:t>deviceId</a:t>
-            </a:r>
-            <a:r>
-              <a:rPr lang="en-GB" sz="1100" dirty="0"/>
-              <a:t>": "string", ….</a:t>
-            </a:r>
-          </a:p>
-          <a:p>
-            <a:pPr marL="36000" indent="0">
-              <a:lnSpc>
-                <a:spcPct val="100000"/>
-              </a:lnSpc>
-              <a:spcBef>
-                <a:spcPts val="400"/>
-              </a:spcBef>
-              <a:spcAft>
-                <a:spcPts val="0"/>
-              </a:spcAft>
-            </a:pPr>
-            <a:r>
-              <a:rPr lang="en-GB" sz="1100" dirty="0"/>
-              <a:t>       },</a:t>
-            </a:r>
-          </a:p>
-          <a:p>
-            <a:pPr marL="36000" indent="0">
-              <a:lnSpc>
-                <a:spcPct val="100000"/>
-              </a:lnSpc>
-              <a:spcBef>
-                <a:spcPts val="400"/>
-              </a:spcBef>
-              <a:spcAft>
-                <a:spcPts val="0"/>
-              </a:spcAft>
-            </a:pPr>
-            <a:r>
-              <a:rPr lang="en-GB" sz="1100" dirty="0"/>
-              <a:t>      "user": {</a:t>
-            </a:r>
-          </a:p>
-          <a:p>
-            <a:pPr marL="36000" indent="0">
-              <a:lnSpc>
-                <a:spcPct val="100000"/>
-              </a:lnSpc>
-              <a:spcBef>
-                <a:spcPts val="400"/>
-              </a:spcBef>
-              <a:spcAft>
-                <a:spcPts val="0"/>
-              </a:spcAft>
-            </a:pPr>
-            <a:r>
-              <a:rPr lang="en-GB" sz="1100" dirty="0"/>
-              <a:t>        "</a:t>
-            </a:r>
-            <a:r>
-              <a:rPr lang="en-GB" sz="1100" dirty="0" err="1"/>
-              <a:t>userId</a:t>
-            </a:r>
-            <a:r>
-              <a:rPr lang="en-GB" sz="1100" dirty="0"/>
-              <a:t>": "amzn1.ask.account.[unique-value-here]",</a:t>
-            </a:r>
-          </a:p>
-          <a:p>
-            <a:pPr marL="36000" indent="0">
-              <a:lnSpc>
-                <a:spcPct val="100000"/>
-              </a:lnSpc>
-              <a:spcBef>
-                <a:spcPts val="400"/>
-              </a:spcBef>
-              <a:spcAft>
-                <a:spcPts val="0"/>
-              </a:spcAft>
-            </a:pPr>
-            <a:r>
-              <a:rPr lang="en-GB" sz="1100" dirty="0"/>
-              <a:t>        "permissions": {</a:t>
-            </a:r>
-          </a:p>
-          <a:p>
-            <a:pPr marL="36000" indent="0">
-              <a:lnSpc>
-                <a:spcPct val="100000"/>
-              </a:lnSpc>
-              <a:spcBef>
-                <a:spcPts val="400"/>
-              </a:spcBef>
-              <a:spcAft>
-                <a:spcPts val="0"/>
-              </a:spcAft>
-            </a:pPr>
-            <a:r>
-              <a:rPr lang="en-GB" sz="1100" dirty="0"/>
-              <a:t>          "</a:t>
-            </a:r>
-            <a:r>
-              <a:rPr lang="en-GB" sz="1100" dirty="0" err="1"/>
-              <a:t>consentToken</a:t>
-            </a:r>
-            <a:r>
-              <a:rPr lang="en-GB" sz="1100" dirty="0"/>
-              <a:t>": "ZZZZZZZ..."</a:t>
-            </a:r>
-          </a:p>
-          <a:p>
-            <a:pPr marL="36000" indent="0">
-              <a:lnSpc>
-                <a:spcPct val="100000"/>
-              </a:lnSpc>
-              <a:spcBef>
-                <a:spcPts val="400"/>
-              </a:spcBef>
-              <a:spcAft>
-                <a:spcPts val="0"/>
-              </a:spcAft>
-            </a:pPr>
-            <a:r>
-              <a:rPr lang="en-GB" sz="1100" dirty="0"/>
-              <a:t>        }</a:t>
-            </a:r>
-          </a:p>
-          <a:p>
-            <a:pPr marL="36000" indent="0">
-              <a:lnSpc>
-                <a:spcPct val="100000"/>
-              </a:lnSpc>
-              <a:spcBef>
-                <a:spcPts val="400"/>
-              </a:spcBef>
-              <a:spcAft>
-                <a:spcPts val="0"/>
-              </a:spcAft>
-            </a:pPr>
-            <a:r>
-              <a:rPr lang="en-GB" sz="1100" dirty="0"/>
-              <a:t>},</a:t>
-            </a:r>
-          </a:p>
-          <a:p>
-            <a:pPr marL="36000" indent="0">
-              <a:lnSpc>
-                <a:spcPct val="100000"/>
-              </a:lnSpc>
-              <a:spcBef>
-                <a:spcPts val="400"/>
-              </a:spcBef>
-              <a:spcAft>
-                <a:spcPts val="0"/>
-              </a:spcAft>
-            </a:pPr>
-            <a:r>
-              <a:rPr lang="en-GB" sz="1100" b="1" dirty="0"/>
-              <a:t>Request:</a:t>
-            </a:r>
-            <a:r>
-              <a:rPr lang="en-GB" sz="1100" dirty="0"/>
-              <a:t>{} …..</a:t>
-            </a:r>
-          </a:p>
-        </p:txBody>
-      </p:sp>
-    </p:spTree>
-    <p:extLst>
-      <p:ext uri="{BB962C8B-B14F-4D97-AF65-F5344CB8AC3E}">
-        <p14:creationId xmlns:p14="http://schemas.microsoft.com/office/powerpoint/2010/main" val="2874276908"/>
-      </p:ext>
-    </p:extLst>
-  </p:cSld>
-  <p:clrMapOvr>
-    <a:masterClrMapping/>
-  </p:clrMapOvr>
-</p:sld>
-</file>
-
-<file path=ppt/slides/slide11.xml><?xml version="1.0" encoding="utf-8"?>
-<p:sld xmlns:a="http://schemas.openxmlformats.org/drawingml/2006/main" xmlns:r="http://schemas.openxmlformats.org/officeDocument/2006/relationships" xmlns:p="http://schemas.openxmlformats.org/presentationml/2006/main">
-  <p:cSld>
-    <p:spTree>
-      <p:nvGrpSpPr>
-        <p:cNvPr id="1" name=""/>
-        <p:cNvGrpSpPr/>
-        <p:nvPr/>
-      </p:nvGrpSpPr>
-      <p:grpSpPr>
-        <a:xfrm>
-          <a:off x="0" y="0"/>
-          <a:ext cx="0" cy="0"/>
-          <a:chOff x="0" y="0"/>
-          <a:chExt cx="0" cy="0"/>
-        </a:xfrm>
-      </p:grpSpPr>
-      <p:sp>
-        <p:nvSpPr>
-          <p:cNvPr id="2" name="Title 1">
-            <a:extLst>
-              <a:ext uri="{FF2B5EF4-FFF2-40B4-BE49-F238E27FC236}">
-                <a16:creationId xmlns:a16="http://schemas.microsoft.com/office/drawing/2014/main" id="{D390B2F6-27EF-4CEB-AEE8-484A64B31F4A}"/>
-              </a:ext>
-            </a:extLst>
-          </p:cNvPr>
-          <p:cNvSpPr>
-            <a:spLocks noGrp="1"/>
-          </p:cNvSpPr>
-          <p:nvPr>
-            <p:ph type="title"/>
-          </p:nvPr>
-        </p:nvSpPr>
-        <p:spPr/>
-        <p:txBody>
-          <a:bodyPr/>
-          <a:lstStyle/>
-          <a:p>
-            <a:r>
-              <a:rPr lang="en-GB" dirty="0"/>
               <a:t>Request Lifecycle</a:t>
             </a:r>
           </a:p>
@@ -4754,6 +6594,1024 @@
           </a:p>
         </p:txBody>
       </p:sp>
+      <p:pic>
+        <p:nvPicPr>
+          <p:cNvPr id="12" name="Picture 2" descr="Image result for talking head emoji">
+            <a:extLst>
+              <a:ext uri="{FF2B5EF4-FFF2-40B4-BE49-F238E27FC236}">
+                <a16:creationId xmlns:a16="http://schemas.microsoft.com/office/drawing/2014/main" id="{3D0D74F4-F045-47A4-B593-765CA7A52C47}"/>
+              </a:ext>
+            </a:extLst>
+          </p:cNvPr>
+          <p:cNvPicPr>
+            <a:picLocks noChangeAspect="1" noChangeArrowheads="1"/>
+          </p:cNvPicPr>
+          <p:nvPr/>
+        </p:nvPicPr>
+        <p:blipFill>
+          <a:blip r:embed="rId3">
+            <a:duotone>
+              <a:schemeClr val="accent1">
+                <a:shade val="45000"/>
+                <a:satMod val="135000"/>
+              </a:schemeClr>
+              <a:prstClr val="white"/>
+            </a:duotone>
+            <a:extLst>
+              <a:ext uri="{BEBA8EAE-BF5A-486C-A8C5-ECC9F3942E4B}">
+                <a14:imgProps xmlns:a14="http://schemas.microsoft.com/office/drawing/2010/main">
+                  <a14:imgLayer r:embed="rId4">
+                    <a14:imgEffect>
+                      <a14:saturation sat="33000"/>
+                    </a14:imgEffect>
+                  </a14:imgLayer>
+                </a14:imgProps>
+              </a:ext>
+              <a:ext uri="{28A0092B-C50C-407E-A947-70E740481C1C}">
+                <a14:useLocalDpi xmlns:a14="http://schemas.microsoft.com/office/drawing/2010/main" val="0"/>
+              </a:ext>
+            </a:extLst>
+          </a:blip>
+          <a:srcRect/>
+          <a:stretch>
+            <a:fillRect/>
+          </a:stretch>
+        </p:blipFill>
+        <p:spPr bwMode="auto">
+          <a:xfrm>
+            <a:off x="2904332" y="1845734"/>
+            <a:ext cx="1057275" cy="1057275"/>
+          </a:xfrm>
+          <a:prstGeom prst="rect">
+            <a:avLst/>
+          </a:prstGeom>
+          <a:noFill/>
+          <a:extLst>
+            <a:ext uri="{909E8E84-426E-40DD-AFC4-6F175D3DCCD1}">
+              <a14:hiddenFill xmlns:a14="http://schemas.microsoft.com/office/drawing/2010/main">
+                <a:solidFill>
+                  <a:srgbClr val="FFFFFF"/>
+                </a:solidFill>
+              </a14:hiddenFill>
+            </a:ext>
+          </a:extLst>
+        </p:spPr>
+      </p:pic>
+    </p:spTree>
+    <p:extLst>
+      <p:ext uri="{BB962C8B-B14F-4D97-AF65-F5344CB8AC3E}">
+        <p14:creationId xmlns:p14="http://schemas.microsoft.com/office/powerpoint/2010/main" val="84814550"/>
+      </p:ext>
+    </p:extLst>
+  </p:cSld>
+  <p:clrMapOvr>
+    <a:masterClrMapping/>
+  </p:clrMapOvr>
+  <p:timing>
+    <p:tnLst>
+      <p:par>
+        <p:cTn id="1" dur="indefinite" restart="never" nodeType="tmRoot">
+          <p:childTnLst>
+            <p:seq concurrent="1" nextAc="seek">
+              <p:cTn id="2" dur="indefinite" nodeType="mainSeq">
+                <p:childTnLst>
+                  <p:par>
+                    <p:cTn id="3" fill="hold">
+                      <p:stCondLst>
+                        <p:cond delay="indefinite"/>
+                      </p:stCondLst>
+                      <p:childTnLst>
+                        <p:par>
+                          <p:cTn id="4" fill="hold">
+                            <p:stCondLst>
+                              <p:cond delay="0"/>
+                            </p:stCondLst>
+                            <p:childTnLst>
+                              <p:par>
+                                <p:cTn id="5" presetID="1" presetClass="entr" presetSubtype="0" fill="hold" nodeType="clickEffect">
+                                  <p:stCondLst>
+                                    <p:cond delay="0"/>
+                                  </p:stCondLst>
+                                  <p:childTnLst>
+                                    <p:set>
+                                      <p:cBhvr>
+                                        <p:cTn id="6" dur="1" fill="hold">
+                                          <p:stCondLst>
+                                            <p:cond delay="0"/>
+                                          </p:stCondLst>
+                                        </p:cTn>
+                                        <p:tgtEl>
+                                          <p:spTgt spid="12"/>
+                                        </p:tgtEl>
+                                        <p:attrNameLst>
+                                          <p:attrName>style.visibility</p:attrName>
+                                        </p:attrNameLst>
+                                      </p:cBhvr>
+                                      <p:to>
+                                        <p:strVal val="visible"/>
+                                      </p:to>
+                                    </p:set>
+                                  </p:childTnLst>
+                                </p:cTn>
+                              </p:par>
+                            </p:childTnLst>
+                          </p:cTn>
+                        </p:par>
+                      </p:childTnLst>
+                    </p:cTn>
+                  </p:par>
+                  <p:par>
+                    <p:cTn id="7" fill="hold">
+                      <p:stCondLst>
+                        <p:cond delay="indefinite"/>
+                      </p:stCondLst>
+                      <p:childTnLst>
+                        <p:par>
+                          <p:cTn id="8" fill="hold">
+                            <p:stCondLst>
+                              <p:cond delay="0"/>
+                            </p:stCondLst>
+                            <p:childTnLst>
+                              <p:par>
+                                <p:cTn id="9" presetID="1" presetClass="entr" presetSubtype="0" fill="hold" grpId="0" nodeType="clickEffect">
+                                  <p:stCondLst>
+                                    <p:cond delay="0"/>
+                                  </p:stCondLst>
+                                  <p:childTnLst>
+                                    <p:set>
+                                      <p:cBhvr>
+                                        <p:cTn id="10" dur="1" fill="hold">
+                                          <p:stCondLst>
+                                            <p:cond delay="0"/>
+                                          </p:stCondLst>
+                                        </p:cTn>
+                                        <p:tgtEl>
+                                          <p:spTgt spid="4"/>
+                                        </p:tgtEl>
+                                        <p:attrNameLst>
+                                          <p:attrName>style.visibility</p:attrName>
+                                        </p:attrNameLst>
+                                      </p:cBhvr>
+                                      <p:to>
+                                        <p:strVal val="visible"/>
+                                      </p:to>
+                                    </p:set>
+                                  </p:childTnLst>
+                                </p:cTn>
+                              </p:par>
+                              <p:par>
+                                <p:cTn id="11" presetID="1" presetClass="entr" presetSubtype="0" fill="hold" grpId="0" nodeType="withEffect">
+                                  <p:stCondLst>
+                                    <p:cond delay="0"/>
+                                  </p:stCondLst>
+                                  <p:childTnLst>
+                                    <p:set>
+                                      <p:cBhvr>
+                                        <p:cTn id="12" dur="1" fill="hold">
+                                          <p:stCondLst>
+                                            <p:cond delay="0"/>
+                                          </p:stCondLst>
+                                        </p:cTn>
+                                        <p:tgtEl>
+                                          <p:spTgt spid="5"/>
+                                        </p:tgtEl>
+                                        <p:attrNameLst>
+                                          <p:attrName>style.visibility</p:attrName>
+                                        </p:attrNameLst>
+                                      </p:cBhvr>
+                                      <p:to>
+                                        <p:strVal val="visible"/>
+                                      </p:to>
+                                    </p:set>
+                                  </p:childTnLst>
+                                </p:cTn>
+                              </p:par>
+                            </p:childTnLst>
+                          </p:cTn>
+                        </p:par>
+                      </p:childTnLst>
+                    </p:cTn>
+                  </p:par>
+                </p:childTnLst>
+              </p:cTn>
+              <p:prevCondLst>
+                <p:cond evt="onPrev" delay="0">
+                  <p:tgtEl>
+                    <p:sldTgt/>
+                  </p:tgtEl>
+                </p:cond>
+              </p:prevCondLst>
+              <p:nextCondLst>
+                <p:cond evt="onNext" delay="0">
+                  <p:tgtEl>
+                    <p:sldTgt/>
+                  </p:tgtEl>
+                </p:cond>
+              </p:nextCondLst>
+            </p:seq>
+          </p:childTnLst>
+        </p:cTn>
+      </p:par>
+    </p:tnLst>
+    <p:bldLst>
+      <p:bldP spid="4" grpId="0" animBg="1"/>
+      <p:bldP spid="5" grpId="0"/>
+    </p:bldLst>
+  </p:timing>
+</p:sld>
+</file>
+
+<file path=ppt/slides/slide11.xml><?xml version="1.0" encoding="utf-8"?>
+<p:sld xmlns:a="http://schemas.openxmlformats.org/drawingml/2006/main" xmlns:r="http://schemas.openxmlformats.org/officeDocument/2006/relationships" xmlns:p="http://schemas.openxmlformats.org/presentationml/2006/main">
+  <p:cSld>
+    <p:spTree>
+      <p:nvGrpSpPr>
+        <p:cNvPr id="1" name=""/>
+        <p:cNvGrpSpPr/>
+        <p:nvPr/>
+      </p:nvGrpSpPr>
+      <p:grpSpPr>
+        <a:xfrm>
+          <a:off x="0" y="0"/>
+          <a:ext cx="0" cy="0"/>
+          <a:chOff x="0" y="0"/>
+          <a:chExt cx="0" cy="0"/>
+        </a:xfrm>
+      </p:grpSpPr>
+      <p:sp>
+        <p:nvSpPr>
+          <p:cNvPr id="2" name="Title 1">
+            <a:extLst>
+              <a:ext uri="{FF2B5EF4-FFF2-40B4-BE49-F238E27FC236}">
+                <a16:creationId xmlns:a16="http://schemas.microsoft.com/office/drawing/2014/main" id="{D390B2F6-27EF-4CEB-AEE8-484A64B31F4A}"/>
+              </a:ext>
+            </a:extLst>
+          </p:cNvPr>
+          <p:cNvSpPr>
+            <a:spLocks noGrp="1"/>
+          </p:cNvSpPr>
+          <p:nvPr>
+            <p:ph type="title"/>
+          </p:nvPr>
+        </p:nvSpPr>
+        <p:spPr/>
+        <p:txBody>
+          <a:bodyPr/>
+          <a:lstStyle/>
+          <a:p>
+            <a:r>
+              <a:rPr lang="en-GB" dirty="0"/>
+              <a:t>Request Lifecycle – Request JSON</a:t>
+            </a:r>
+          </a:p>
+        </p:txBody>
+      </p:sp>
+      <p:sp>
+        <p:nvSpPr>
+          <p:cNvPr id="15" name="Content Placeholder 14">
+            <a:extLst>
+              <a:ext uri="{FF2B5EF4-FFF2-40B4-BE49-F238E27FC236}">
+                <a16:creationId xmlns:a16="http://schemas.microsoft.com/office/drawing/2014/main" id="{DE436AEA-5393-4801-95C1-0C5A55B32847}"/>
+              </a:ext>
+            </a:extLst>
+          </p:cNvPr>
+          <p:cNvSpPr>
+            <a:spLocks noGrp="1"/>
+          </p:cNvSpPr>
+          <p:nvPr>
+            <p:ph idx="1"/>
+          </p:nvPr>
+        </p:nvSpPr>
+        <p:spPr>
+          <a:xfrm>
+            <a:off x="1097280" y="1845734"/>
+            <a:ext cx="10058400" cy="3744000"/>
+          </a:xfrm>
+        </p:spPr>
+        <p:txBody>
+          <a:bodyPr>
+            <a:noAutofit/>
+          </a:bodyPr>
+          <a:lstStyle/>
+          <a:p>
+            <a:pPr marL="36000" indent="0">
+              <a:lnSpc>
+                <a:spcPct val="100000"/>
+              </a:lnSpc>
+              <a:spcBef>
+                <a:spcPts val="400"/>
+              </a:spcBef>
+              <a:spcAft>
+                <a:spcPts val="0"/>
+              </a:spcAft>
+            </a:pPr>
+            <a:r>
+              <a:rPr lang="en-GB" sz="1100" dirty="0"/>
+              <a:t>{</a:t>
+            </a:r>
+          </a:p>
+          <a:p>
+            <a:pPr marL="36000" indent="0">
+              <a:lnSpc>
+                <a:spcPct val="100000"/>
+              </a:lnSpc>
+              <a:spcBef>
+                <a:spcPts val="400"/>
+              </a:spcBef>
+              <a:spcAft>
+                <a:spcPts val="0"/>
+              </a:spcAft>
+            </a:pPr>
+            <a:r>
+              <a:rPr lang="en-GB" sz="1100" dirty="0"/>
+              <a:t>  "version": "1.0",</a:t>
+            </a:r>
+          </a:p>
+          <a:p>
+            <a:pPr marL="36000" indent="0">
+              <a:lnSpc>
+                <a:spcPct val="100000"/>
+              </a:lnSpc>
+              <a:spcBef>
+                <a:spcPts val="400"/>
+              </a:spcBef>
+              <a:spcAft>
+                <a:spcPts val="0"/>
+              </a:spcAft>
+            </a:pPr>
+            <a:r>
+              <a:rPr lang="en-GB" sz="1100" b="1" dirty="0"/>
+              <a:t>  "session"</a:t>
+            </a:r>
+            <a:r>
+              <a:rPr lang="en-GB" sz="1100" dirty="0"/>
+              <a:t>: {</a:t>
+            </a:r>
+          </a:p>
+          <a:p>
+            <a:pPr marL="36000" indent="0">
+              <a:lnSpc>
+                <a:spcPct val="100000"/>
+              </a:lnSpc>
+              <a:spcBef>
+                <a:spcPts val="400"/>
+              </a:spcBef>
+              <a:spcAft>
+                <a:spcPts val="0"/>
+              </a:spcAft>
+            </a:pPr>
+            <a:r>
+              <a:rPr lang="en-GB" sz="1100" dirty="0"/>
+              <a:t>      "attributes": {</a:t>
+            </a:r>
+          </a:p>
+          <a:p>
+            <a:pPr marL="36000" indent="0">
+              <a:lnSpc>
+                <a:spcPct val="100000"/>
+              </a:lnSpc>
+              <a:spcBef>
+                <a:spcPts val="400"/>
+              </a:spcBef>
+              <a:spcAft>
+                <a:spcPts val="0"/>
+              </a:spcAft>
+            </a:pPr>
+            <a:r>
+              <a:rPr lang="en-GB" sz="1100" dirty="0"/>
+              <a:t>      "key": "string value"</a:t>
+            </a:r>
+          </a:p>
+          <a:p>
+            <a:pPr marL="36000" indent="0">
+              <a:lnSpc>
+                <a:spcPct val="100000"/>
+              </a:lnSpc>
+              <a:spcBef>
+                <a:spcPts val="400"/>
+              </a:spcBef>
+              <a:spcAft>
+                <a:spcPts val="0"/>
+              </a:spcAft>
+            </a:pPr>
+            <a:r>
+              <a:rPr lang="en-GB" sz="1100" dirty="0"/>
+              <a:t>    },</a:t>
+            </a:r>
+          </a:p>
+          <a:p>
+            <a:pPr marL="36000" indent="0">
+              <a:lnSpc>
+                <a:spcPct val="100000"/>
+              </a:lnSpc>
+              <a:spcBef>
+                <a:spcPts val="400"/>
+              </a:spcBef>
+              <a:spcAft>
+                <a:spcPts val="0"/>
+              </a:spcAft>
+            </a:pPr>
+            <a:r>
+              <a:rPr lang="en-GB" sz="1100" dirty="0"/>
+              <a:t>  },</a:t>
+            </a:r>
+          </a:p>
+          <a:p>
+            <a:pPr marL="36000" indent="0">
+              <a:lnSpc>
+                <a:spcPct val="100000"/>
+              </a:lnSpc>
+              <a:spcBef>
+                <a:spcPts val="400"/>
+              </a:spcBef>
+              <a:spcAft>
+                <a:spcPts val="0"/>
+              </a:spcAft>
+            </a:pPr>
+            <a:r>
+              <a:rPr lang="en-GB" sz="1100" b="1" dirty="0"/>
+              <a:t>  "context"</a:t>
+            </a:r>
+            <a:r>
+              <a:rPr lang="en-GB" sz="1100" dirty="0"/>
+              <a:t>: {</a:t>
+            </a:r>
+          </a:p>
+          <a:p>
+            <a:pPr marL="36000" indent="0">
+              <a:lnSpc>
+                <a:spcPct val="100000"/>
+              </a:lnSpc>
+              <a:spcBef>
+                <a:spcPts val="400"/>
+              </a:spcBef>
+              <a:spcAft>
+                <a:spcPts val="0"/>
+              </a:spcAft>
+            </a:pPr>
+            <a:r>
+              <a:rPr lang="en-GB" sz="1100" dirty="0"/>
+              <a:t>    "System": {</a:t>
+            </a:r>
+          </a:p>
+          <a:p>
+            <a:pPr marL="36000" indent="0">
+              <a:lnSpc>
+                <a:spcPct val="100000"/>
+              </a:lnSpc>
+              <a:spcBef>
+                <a:spcPts val="400"/>
+              </a:spcBef>
+              <a:spcAft>
+                <a:spcPts val="0"/>
+              </a:spcAft>
+            </a:pPr>
+            <a:r>
+              <a:rPr lang="en-GB" sz="1100" dirty="0"/>
+              <a:t>      "device": {</a:t>
+            </a:r>
+          </a:p>
+          <a:p>
+            <a:pPr marL="36000" indent="0">
+              <a:lnSpc>
+                <a:spcPct val="100000"/>
+              </a:lnSpc>
+              <a:spcBef>
+                <a:spcPts val="400"/>
+              </a:spcBef>
+              <a:spcAft>
+                <a:spcPts val="0"/>
+              </a:spcAft>
+            </a:pPr>
+            <a:r>
+              <a:rPr lang="en-GB" sz="1100" dirty="0"/>
+              <a:t>        "</a:t>
+            </a:r>
+            <a:r>
+              <a:rPr lang="en-GB" sz="1100" dirty="0" err="1"/>
+              <a:t>deviceId</a:t>
+            </a:r>
+            <a:r>
+              <a:rPr lang="en-GB" sz="1100" dirty="0"/>
+              <a:t>": "string", ….</a:t>
+            </a:r>
+          </a:p>
+          <a:p>
+            <a:pPr marL="36000" indent="0">
+              <a:lnSpc>
+                <a:spcPct val="100000"/>
+              </a:lnSpc>
+              <a:spcBef>
+                <a:spcPts val="400"/>
+              </a:spcBef>
+              <a:spcAft>
+                <a:spcPts val="0"/>
+              </a:spcAft>
+            </a:pPr>
+            <a:r>
+              <a:rPr lang="en-GB" sz="1100" dirty="0"/>
+              <a:t>       },</a:t>
+            </a:r>
+          </a:p>
+          <a:p>
+            <a:pPr marL="36000" indent="0">
+              <a:lnSpc>
+                <a:spcPct val="100000"/>
+              </a:lnSpc>
+              <a:spcBef>
+                <a:spcPts val="400"/>
+              </a:spcBef>
+              <a:spcAft>
+                <a:spcPts val="0"/>
+              </a:spcAft>
+            </a:pPr>
+            <a:r>
+              <a:rPr lang="en-GB" sz="1100" dirty="0"/>
+              <a:t>      "user": {</a:t>
+            </a:r>
+          </a:p>
+          <a:p>
+            <a:pPr marL="36000" indent="0">
+              <a:lnSpc>
+                <a:spcPct val="100000"/>
+              </a:lnSpc>
+              <a:spcBef>
+                <a:spcPts val="400"/>
+              </a:spcBef>
+              <a:spcAft>
+                <a:spcPts val="0"/>
+              </a:spcAft>
+            </a:pPr>
+            <a:r>
+              <a:rPr lang="en-GB" sz="1100" dirty="0"/>
+              <a:t>        "</a:t>
+            </a:r>
+            <a:r>
+              <a:rPr lang="en-GB" sz="1100" dirty="0" err="1"/>
+              <a:t>userId</a:t>
+            </a:r>
+            <a:r>
+              <a:rPr lang="en-GB" sz="1100" dirty="0"/>
+              <a:t>": "amzn1.ask.account.[unique-value-here]",</a:t>
+            </a:r>
+          </a:p>
+          <a:p>
+            <a:pPr marL="36000" indent="0">
+              <a:lnSpc>
+                <a:spcPct val="100000"/>
+              </a:lnSpc>
+              <a:spcBef>
+                <a:spcPts val="400"/>
+              </a:spcBef>
+              <a:spcAft>
+                <a:spcPts val="0"/>
+              </a:spcAft>
+            </a:pPr>
+            <a:r>
+              <a:rPr lang="en-GB" sz="1100" dirty="0"/>
+              <a:t>        "permissions": {</a:t>
+            </a:r>
+          </a:p>
+          <a:p>
+            <a:pPr marL="36000" indent="0">
+              <a:lnSpc>
+                <a:spcPct val="100000"/>
+              </a:lnSpc>
+              <a:spcBef>
+                <a:spcPts val="400"/>
+              </a:spcBef>
+              <a:spcAft>
+                <a:spcPts val="0"/>
+              </a:spcAft>
+            </a:pPr>
+            <a:r>
+              <a:rPr lang="en-GB" sz="1100" dirty="0"/>
+              <a:t>          "</a:t>
+            </a:r>
+            <a:r>
+              <a:rPr lang="en-GB" sz="1100" dirty="0" err="1"/>
+              <a:t>consentToken</a:t>
+            </a:r>
+            <a:r>
+              <a:rPr lang="en-GB" sz="1100" dirty="0"/>
+              <a:t>": "ZZZZZZZ..."</a:t>
+            </a:r>
+          </a:p>
+          <a:p>
+            <a:pPr marL="36000" indent="0">
+              <a:lnSpc>
+                <a:spcPct val="100000"/>
+              </a:lnSpc>
+              <a:spcBef>
+                <a:spcPts val="400"/>
+              </a:spcBef>
+              <a:spcAft>
+                <a:spcPts val="0"/>
+              </a:spcAft>
+            </a:pPr>
+            <a:r>
+              <a:rPr lang="en-GB" sz="1100" dirty="0"/>
+              <a:t>        }</a:t>
+            </a:r>
+          </a:p>
+          <a:p>
+            <a:pPr marL="36000" indent="0">
+              <a:lnSpc>
+                <a:spcPct val="100000"/>
+              </a:lnSpc>
+              <a:spcBef>
+                <a:spcPts val="400"/>
+              </a:spcBef>
+              <a:spcAft>
+                <a:spcPts val="0"/>
+              </a:spcAft>
+            </a:pPr>
+            <a:r>
+              <a:rPr lang="en-GB" sz="1100" dirty="0"/>
+              <a:t>},</a:t>
+            </a:r>
+          </a:p>
+          <a:p>
+            <a:pPr marL="36000" indent="0">
+              <a:lnSpc>
+                <a:spcPct val="100000"/>
+              </a:lnSpc>
+              <a:spcBef>
+                <a:spcPts val="400"/>
+              </a:spcBef>
+              <a:spcAft>
+                <a:spcPts val="0"/>
+              </a:spcAft>
+            </a:pPr>
+            <a:r>
+              <a:rPr lang="en-GB" sz="1100" b="1" dirty="0"/>
+              <a:t>Request:</a:t>
+            </a:r>
+            <a:r>
+              <a:rPr lang="en-GB" sz="1100" dirty="0"/>
+              <a:t>{} …..</a:t>
+            </a:r>
+          </a:p>
+        </p:txBody>
+      </p:sp>
+    </p:spTree>
+    <p:extLst>
+      <p:ext uri="{BB962C8B-B14F-4D97-AF65-F5344CB8AC3E}">
+        <p14:creationId xmlns:p14="http://schemas.microsoft.com/office/powerpoint/2010/main" val="2874276908"/>
+      </p:ext>
+    </p:extLst>
+  </p:cSld>
+  <p:clrMapOvr>
+    <a:masterClrMapping/>
+  </p:clrMapOvr>
+</p:sld>
+</file>
+
+<file path=ppt/slides/slide12.xml><?xml version="1.0" encoding="utf-8"?>
+<p:sld xmlns:a="http://schemas.openxmlformats.org/drawingml/2006/main" xmlns:r="http://schemas.openxmlformats.org/officeDocument/2006/relationships" xmlns:p="http://schemas.openxmlformats.org/presentationml/2006/main">
+  <p:cSld>
+    <p:spTree>
+      <p:nvGrpSpPr>
+        <p:cNvPr id="1" name=""/>
+        <p:cNvGrpSpPr/>
+        <p:nvPr/>
+      </p:nvGrpSpPr>
+      <p:grpSpPr>
+        <a:xfrm>
+          <a:off x="0" y="0"/>
+          <a:ext cx="0" cy="0"/>
+          <a:chOff x="0" y="0"/>
+          <a:chExt cx="0" cy="0"/>
+        </a:xfrm>
+      </p:grpSpPr>
+      <p:sp>
+        <p:nvSpPr>
+          <p:cNvPr id="2" name="Title 1">
+            <a:extLst>
+              <a:ext uri="{FF2B5EF4-FFF2-40B4-BE49-F238E27FC236}">
+                <a16:creationId xmlns:a16="http://schemas.microsoft.com/office/drawing/2014/main" id="{D390B2F6-27EF-4CEB-AEE8-484A64B31F4A}"/>
+              </a:ext>
+            </a:extLst>
+          </p:cNvPr>
+          <p:cNvSpPr>
+            <a:spLocks noGrp="1"/>
+          </p:cNvSpPr>
+          <p:nvPr>
+            <p:ph type="title"/>
+          </p:nvPr>
+        </p:nvSpPr>
+        <p:spPr/>
+        <p:txBody>
+          <a:bodyPr/>
+          <a:lstStyle/>
+          <a:p>
+            <a:r>
+              <a:rPr lang="en-GB" dirty="0"/>
+              <a:t>Request Lifecycle</a:t>
+            </a:r>
+          </a:p>
+        </p:txBody>
+      </p:sp>
+      <p:sp>
+        <p:nvSpPr>
+          <p:cNvPr id="3" name="Content Placeholder 2">
+            <a:extLst>
+              <a:ext uri="{FF2B5EF4-FFF2-40B4-BE49-F238E27FC236}">
+                <a16:creationId xmlns:a16="http://schemas.microsoft.com/office/drawing/2014/main" id="{B93768BA-AC76-4FB7-BD4B-9A533AB7271D}"/>
+              </a:ext>
+            </a:extLst>
+          </p:cNvPr>
+          <p:cNvSpPr>
+            <a:spLocks noGrp="1"/>
+          </p:cNvSpPr>
+          <p:nvPr>
+            <p:ph idx="1"/>
+          </p:nvPr>
+        </p:nvSpPr>
+        <p:spPr/>
+        <p:txBody>
+          <a:bodyPr/>
+          <a:lstStyle/>
+          <a:p>
+            <a:endParaRPr lang="en-GB" dirty="0"/>
+          </a:p>
+        </p:txBody>
+      </p:sp>
+      <p:sp>
+        <p:nvSpPr>
+          <p:cNvPr id="4" name="Right Arrow 10">
+            <a:extLst>
+              <a:ext uri="{FF2B5EF4-FFF2-40B4-BE49-F238E27FC236}">
+                <a16:creationId xmlns:a16="http://schemas.microsoft.com/office/drawing/2014/main" id="{A01FDED9-E0C1-42C8-94AD-3B262F15DD85}"/>
+              </a:ext>
+            </a:extLst>
+          </p:cNvPr>
+          <p:cNvSpPr/>
+          <p:nvPr/>
+        </p:nvSpPr>
+        <p:spPr>
+          <a:xfrm>
+            <a:off x="4407419" y="2206351"/>
+            <a:ext cx="951978" cy="336042"/>
+          </a:xfrm>
+          <a:prstGeom prst="rightArrow">
+            <a:avLst/>
+          </a:prstGeom>
+          <a:ln/>
+        </p:spPr>
+        <p:style>
+          <a:lnRef idx="1">
+            <a:schemeClr val="accent6"/>
+          </a:lnRef>
+          <a:fillRef idx="2">
+            <a:schemeClr val="accent6"/>
+          </a:fillRef>
+          <a:effectRef idx="1">
+            <a:schemeClr val="accent6"/>
+          </a:effectRef>
+          <a:fontRef idx="minor">
+            <a:schemeClr val="dk1"/>
+          </a:fontRef>
+        </p:style>
+        <p:txBody>
+          <a:bodyPr rtlCol="0" anchor="ctr"/>
+          <a:lstStyle>
+            <a:defPPr>
+              <a:defRPr lang="en-US"/>
+            </a:defPPr>
+            <a:lvl1pPr marL="0" algn="l" defTabSz="457200" rtl="0" eaLnBrk="1" latinLnBrk="0" hangingPunct="1">
+              <a:defRPr sz="1800" kern="1200">
+                <a:solidFill>
+                  <a:schemeClr val="lt1"/>
+                </a:solidFill>
+                <a:latin typeface="+mn-lt"/>
+                <a:ea typeface="+mn-ea"/>
+                <a:cs typeface="+mn-cs"/>
+              </a:defRPr>
+            </a:lvl1pPr>
+            <a:lvl2pPr marL="457200" algn="l" defTabSz="457200" rtl="0" eaLnBrk="1" latinLnBrk="0" hangingPunct="1">
+              <a:defRPr sz="1800" kern="1200">
+                <a:solidFill>
+                  <a:schemeClr val="lt1"/>
+                </a:solidFill>
+                <a:latin typeface="+mn-lt"/>
+                <a:ea typeface="+mn-ea"/>
+                <a:cs typeface="+mn-cs"/>
+              </a:defRPr>
+            </a:lvl2pPr>
+            <a:lvl3pPr marL="914400" algn="l" defTabSz="457200" rtl="0" eaLnBrk="1" latinLnBrk="0" hangingPunct="1">
+              <a:defRPr sz="1800" kern="1200">
+                <a:solidFill>
+                  <a:schemeClr val="lt1"/>
+                </a:solidFill>
+                <a:latin typeface="+mn-lt"/>
+                <a:ea typeface="+mn-ea"/>
+                <a:cs typeface="+mn-cs"/>
+              </a:defRPr>
+            </a:lvl3pPr>
+            <a:lvl4pPr marL="1371600" algn="l" defTabSz="457200" rtl="0" eaLnBrk="1" latinLnBrk="0" hangingPunct="1">
+              <a:defRPr sz="1800" kern="1200">
+                <a:solidFill>
+                  <a:schemeClr val="lt1"/>
+                </a:solidFill>
+                <a:latin typeface="+mn-lt"/>
+                <a:ea typeface="+mn-ea"/>
+                <a:cs typeface="+mn-cs"/>
+              </a:defRPr>
+            </a:lvl4pPr>
+            <a:lvl5pPr marL="1828800" algn="l" defTabSz="457200" rtl="0" eaLnBrk="1" latinLnBrk="0" hangingPunct="1">
+              <a:defRPr sz="1800" kern="1200">
+                <a:solidFill>
+                  <a:schemeClr val="lt1"/>
+                </a:solidFill>
+                <a:latin typeface="+mn-lt"/>
+                <a:ea typeface="+mn-ea"/>
+                <a:cs typeface="+mn-cs"/>
+              </a:defRPr>
+            </a:lvl5pPr>
+            <a:lvl6pPr marL="2286000" algn="l" defTabSz="457200" rtl="0" eaLnBrk="1" latinLnBrk="0" hangingPunct="1">
+              <a:defRPr sz="1800" kern="1200">
+                <a:solidFill>
+                  <a:schemeClr val="lt1"/>
+                </a:solidFill>
+                <a:latin typeface="+mn-lt"/>
+                <a:ea typeface="+mn-ea"/>
+                <a:cs typeface="+mn-cs"/>
+              </a:defRPr>
+            </a:lvl6pPr>
+            <a:lvl7pPr marL="2743200" algn="l" defTabSz="457200" rtl="0" eaLnBrk="1" latinLnBrk="0" hangingPunct="1">
+              <a:defRPr sz="1800" kern="1200">
+                <a:solidFill>
+                  <a:schemeClr val="lt1"/>
+                </a:solidFill>
+                <a:latin typeface="+mn-lt"/>
+                <a:ea typeface="+mn-ea"/>
+                <a:cs typeface="+mn-cs"/>
+              </a:defRPr>
+            </a:lvl7pPr>
+            <a:lvl8pPr marL="3200400" algn="l" defTabSz="457200" rtl="0" eaLnBrk="1" latinLnBrk="0" hangingPunct="1">
+              <a:defRPr sz="1800" kern="1200">
+                <a:solidFill>
+                  <a:schemeClr val="lt1"/>
+                </a:solidFill>
+                <a:latin typeface="+mn-lt"/>
+                <a:ea typeface="+mn-ea"/>
+                <a:cs typeface="+mn-cs"/>
+              </a:defRPr>
+            </a:lvl8pPr>
+            <a:lvl9pPr marL="3657600" algn="l" defTabSz="457200" rtl="0" eaLnBrk="1" latinLnBrk="0" hangingPunct="1">
+              <a:defRPr sz="1800" kern="1200">
+                <a:solidFill>
+                  <a:schemeClr val="lt1"/>
+                </a:solidFill>
+                <a:latin typeface="+mn-lt"/>
+                <a:ea typeface="+mn-ea"/>
+                <a:cs typeface="+mn-cs"/>
+              </a:defRPr>
+            </a:lvl9pPr>
+          </a:lstStyle>
+          <a:p>
+            <a:pPr algn="ctr"/>
+            <a:endParaRPr lang="en-US"/>
+          </a:p>
+        </p:txBody>
+      </p:sp>
+      <p:sp>
+        <p:nvSpPr>
+          <p:cNvPr id="5" name="TextBox 11">
+            <a:extLst>
+              <a:ext uri="{FF2B5EF4-FFF2-40B4-BE49-F238E27FC236}">
+                <a16:creationId xmlns:a16="http://schemas.microsoft.com/office/drawing/2014/main" id="{77293643-8CFB-42A6-8E83-24C25E498B16}"/>
+              </a:ext>
+            </a:extLst>
+          </p:cNvPr>
+          <p:cNvSpPr txBox="1"/>
+          <p:nvPr/>
+        </p:nvSpPr>
+        <p:spPr>
+          <a:xfrm>
+            <a:off x="5720005" y="2070322"/>
+            <a:ext cx="1684307" cy="523220"/>
+          </a:xfrm>
+          <a:prstGeom prst="rect">
+            <a:avLst/>
+          </a:prstGeom>
+          <a:noFill/>
+        </p:spPr>
+        <p:txBody>
+          <a:bodyPr wrap="none" rtlCol="0">
+            <a:spAutoFit/>
+          </a:bodyPr>
+          <a:lstStyle>
+            <a:defPPr>
+              <a:defRPr lang="en-US"/>
+            </a:defPPr>
+            <a:lvl1pPr marL="0" algn="l" defTabSz="457200" rtl="0" eaLnBrk="1" latinLnBrk="0" hangingPunct="1">
+              <a:defRPr sz="1800" kern="1200">
+                <a:solidFill>
+                  <a:schemeClr val="tx1"/>
+                </a:solidFill>
+                <a:latin typeface="+mn-lt"/>
+                <a:ea typeface="+mn-ea"/>
+                <a:cs typeface="+mn-cs"/>
+              </a:defRPr>
+            </a:lvl1pPr>
+            <a:lvl2pPr marL="457200" algn="l" defTabSz="457200" rtl="0" eaLnBrk="1" latinLnBrk="0" hangingPunct="1">
+              <a:defRPr sz="1800" kern="1200">
+                <a:solidFill>
+                  <a:schemeClr val="tx1"/>
+                </a:solidFill>
+                <a:latin typeface="+mn-lt"/>
+                <a:ea typeface="+mn-ea"/>
+                <a:cs typeface="+mn-cs"/>
+              </a:defRPr>
+            </a:lvl2pPr>
+            <a:lvl3pPr marL="914400" algn="l" defTabSz="457200" rtl="0" eaLnBrk="1" latinLnBrk="0" hangingPunct="1">
+              <a:defRPr sz="1800" kern="1200">
+                <a:solidFill>
+                  <a:schemeClr val="tx1"/>
+                </a:solidFill>
+                <a:latin typeface="+mn-lt"/>
+                <a:ea typeface="+mn-ea"/>
+                <a:cs typeface="+mn-cs"/>
+              </a:defRPr>
+            </a:lvl3pPr>
+            <a:lvl4pPr marL="1371600" algn="l" defTabSz="457200" rtl="0" eaLnBrk="1" latinLnBrk="0" hangingPunct="1">
+              <a:defRPr sz="1800" kern="1200">
+                <a:solidFill>
+                  <a:schemeClr val="tx1"/>
+                </a:solidFill>
+                <a:latin typeface="+mn-lt"/>
+                <a:ea typeface="+mn-ea"/>
+                <a:cs typeface="+mn-cs"/>
+              </a:defRPr>
+            </a:lvl4pPr>
+            <a:lvl5pPr marL="1828800" algn="l" defTabSz="457200" rtl="0" eaLnBrk="1" latinLnBrk="0" hangingPunct="1">
+              <a:defRPr sz="1800" kern="1200">
+                <a:solidFill>
+                  <a:schemeClr val="tx1"/>
+                </a:solidFill>
+                <a:latin typeface="+mn-lt"/>
+                <a:ea typeface="+mn-ea"/>
+                <a:cs typeface="+mn-cs"/>
+              </a:defRPr>
+            </a:lvl5pPr>
+            <a:lvl6pPr marL="2286000" algn="l" defTabSz="457200" rtl="0" eaLnBrk="1" latinLnBrk="0" hangingPunct="1">
+              <a:defRPr sz="1800" kern="1200">
+                <a:solidFill>
+                  <a:schemeClr val="tx1"/>
+                </a:solidFill>
+                <a:latin typeface="+mn-lt"/>
+                <a:ea typeface="+mn-ea"/>
+                <a:cs typeface="+mn-cs"/>
+              </a:defRPr>
+            </a:lvl6pPr>
+            <a:lvl7pPr marL="2743200" algn="l" defTabSz="457200" rtl="0" eaLnBrk="1" latinLnBrk="0" hangingPunct="1">
+              <a:defRPr sz="1800" kern="1200">
+                <a:solidFill>
+                  <a:schemeClr val="tx1"/>
+                </a:solidFill>
+                <a:latin typeface="+mn-lt"/>
+                <a:ea typeface="+mn-ea"/>
+                <a:cs typeface="+mn-cs"/>
+              </a:defRPr>
+            </a:lvl7pPr>
+            <a:lvl8pPr marL="3200400" algn="l" defTabSz="457200" rtl="0" eaLnBrk="1" latinLnBrk="0" hangingPunct="1">
+              <a:defRPr sz="1800" kern="1200">
+                <a:solidFill>
+                  <a:schemeClr val="tx1"/>
+                </a:solidFill>
+                <a:latin typeface="+mn-lt"/>
+                <a:ea typeface="+mn-ea"/>
+                <a:cs typeface="+mn-cs"/>
+              </a:defRPr>
+            </a:lvl8pPr>
+            <a:lvl9pPr marL="3657600" algn="l" defTabSz="457200" rtl="0" eaLnBrk="1" latinLnBrk="0" hangingPunct="1">
+              <a:defRPr sz="1800" kern="1200">
+                <a:solidFill>
+                  <a:schemeClr val="tx1"/>
+                </a:solidFill>
+                <a:latin typeface="+mn-lt"/>
+                <a:ea typeface="+mn-ea"/>
+                <a:cs typeface="+mn-cs"/>
+              </a:defRPr>
+            </a:lvl9pPr>
+          </a:lstStyle>
+          <a:p>
+            <a:r>
+              <a:rPr lang="en-US" sz="2800" dirty="0">
+                <a:solidFill>
+                  <a:schemeClr val="tx1">
+                    <a:lumMod val="50000"/>
+                    <a:lumOff val="50000"/>
+                  </a:schemeClr>
+                </a:solidFill>
+              </a:rPr>
+              <a:t>{ request }</a:t>
+            </a:r>
+          </a:p>
+        </p:txBody>
+      </p:sp>
       <p:sp>
         <p:nvSpPr>
           <p:cNvPr id="6" name="TextBox 12">
@@ -5601,7 +8459,7 @@
           <p:nvPr/>
         </p:nvPicPr>
         <p:blipFill>
-          <a:blip r:embed="rId2">
+          <a:blip r:embed="rId3">
             <a:duotone>
               <a:schemeClr val="accent1">
                 <a:shade val="45000"/>
@@ -5612,7 +8470,7 @@
             <a:extLst>
               <a:ext uri="{BEBA8EAE-BF5A-486C-A8C5-ECC9F3942E4B}">
                 <a14:imgProps xmlns:a14="http://schemas.microsoft.com/office/drawing/2010/main">
-                  <a14:imgLayer r:embed="rId3">
+                  <a14:imgLayer r:embed="rId4">
                     <a14:imgEffect>
                       <a14:saturation sat="33000"/>
                     </a14:imgEffect>
@@ -5916,7 +8774,7 @@
 </p:sld>
 </file>
 
-<file path=ppt/slides/slide12.xml><?xml version="1.0" encoding="utf-8"?>
+<file path=ppt/slides/slide13.xml><?xml version="1.0" encoding="utf-8"?>
 <p:sld xmlns:a="http://schemas.openxmlformats.org/drawingml/2006/main" xmlns:r="http://schemas.openxmlformats.org/officeDocument/2006/relationships" xmlns:p="http://schemas.openxmlformats.org/presentationml/2006/main">
   <p:cSld>
     <p:spTree>
@@ -6322,7 +9180,7 @@
 </p:sld>
 </file>
 
-<file path=ppt/slides/slide13.xml><?xml version="1.0" encoding="utf-8"?>
+<file path=ppt/slides/slide14.xml><?xml version="1.0" encoding="utf-8"?>
 <p:sld xmlns:a="http://schemas.openxmlformats.org/drawingml/2006/main" xmlns:r="http://schemas.openxmlformats.org/officeDocument/2006/relationships" xmlns:p="http://schemas.openxmlformats.org/presentationml/2006/main">
   <p:cSld>
     <p:spTree>
@@ -6637,7 +9495,7 @@
 </p:sld>
 </file>
 
-<file path=ppt/slides/slide14.xml><?xml version="1.0" encoding="utf-8"?>
+<file path=ppt/slides/slide15.xml><?xml version="1.0" encoding="utf-8"?>
 <p:sld xmlns:a="http://schemas.openxmlformats.org/drawingml/2006/main" xmlns:r="http://schemas.openxmlformats.org/officeDocument/2006/relationships" xmlns:p="http://schemas.openxmlformats.org/presentationml/2006/main">
   <p:cSld>
     <p:spTree>
@@ -6739,7 +9597,7 @@
 </p:sld>
 </file>
 
-<file path=ppt/slides/slide15.xml><?xml version="1.0" encoding="utf-8"?>
+<file path=ppt/slides/slide16.xml><?xml version="1.0" encoding="utf-8"?>
 <p:sld xmlns:a="http://schemas.openxmlformats.org/drawingml/2006/main" xmlns:r="http://schemas.openxmlformats.org/officeDocument/2006/relationships" xmlns:p="http://schemas.openxmlformats.org/presentationml/2006/main">
   <p:cSld>
     <p:spTree>
@@ -7054,7 +9912,7 @@
 </p:sld>
 </file>
 
-<file path=ppt/slides/slide16.xml><?xml version="1.0" encoding="utf-8"?>
+<file path=ppt/slides/slide17.xml><?xml version="1.0" encoding="utf-8"?>
 <p:sld xmlns:a="http://schemas.openxmlformats.org/drawingml/2006/main" xmlns:r="http://schemas.openxmlformats.org/officeDocument/2006/relationships" xmlns:p="http://schemas.openxmlformats.org/presentationml/2006/main">
   <p:cSld>
     <p:spTree>
@@ -7588,7 +10446,7 @@
 </p:sld>
 </file>
 
-<file path=ppt/slides/slide17.xml><?xml version="1.0" encoding="utf-8"?>
+<file path=ppt/slides/slide18.xml><?xml version="1.0" encoding="utf-8"?>
 <p:sld xmlns:a="http://schemas.openxmlformats.org/drawingml/2006/main" xmlns:r="http://schemas.openxmlformats.org/officeDocument/2006/relationships" xmlns:p="http://schemas.openxmlformats.org/presentationml/2006/main">
   <p:cSld>
     <p:spTree>
@@ -7678,7 +10536,7 @@
 </p:sld>
 </file>
 
-<file path=ppt/slides/slide18.xml><?xml version="1.0" encoding="utf-8"?>
+<file path=ppt/slides/slide19.xml><?xml version="1.0" encoding="utf-8"?>
 <p:sld xmlns:a="http://schemas.openxmlformats.org/drawingml/2006/main" xmlns:r="http://schemas.openxmlformats.org/officeDocument/2006/relationships" xmlns:p="http://schemas.openxmlformats.org/presentationml/2006/main">
   <p:cSld>
     <p:spTree>
@@ -7817,7 +10675,7 @@
           <p:nvPr/>
         </p:nvPicPr>
         <p:blipFill>
-          <a:blip r:embed="rId2"/>
+          <a:blip r:embed="rId3"/>
           <a:stretch>
             <a:fillRect/>
           </a:stretch>
@@ -7847,7 +10705,7 @@
           <p:nvPr/>
         </p:nvPicPr>
         <p:blipFill>
-          <a:blip r:embed="rId3">
+          <a:blip r:embed="rId4">
             <a:duotone>
               <a:schemeClr val="accent1">
                 <a:shade val="45000"/>
@@ -7858,7 +10716,7 @@
             <a:extLst>
               <a:ext uri="{BEBA8EAE-BF5A-486C-A8C5-ECC9F3942E4B}">
                 <a14:imgProps xmlns:a14="http://schemas.microsoft.com/office/drawing/2010/main">
-                  <a14:imgLayer r:embed="rId4">
+                  <a14:imgLayer r:embed="rId5">
                     <a14:imgEffect>
                       <a14:saturation sat="33000"/>
                     </a14:imgEffect>
@@ -9678,6 +12536,111 @@
           </a:fontRef>
         </p:style>
       </p:cxnSp>
+      <p:sp>
+        <p:nvSpPr>
+          <p:cNvPr id="6" name="TextBox 5">
+            <a:extLst>
+              <a:ext uri="{FF2B5EF4-FFF2-40B4-BE49-F238E27FC236}">
+                <a16:creationId xmlns:a16="http://schemas.microsoft.com/office/drawing/2014/main" id="{8E26976D-6F95-D140-AB91-F469F0EA302C}"/>
+              </a:ext>
+            </a:extLst>
+          </p:cNvPr>
+          <p:cNvSpPr txBox="1"/>
+          <p:nvPr/>
+        </p:nvSpPr>
+        <p:spPr>
+          <a:xfrm>
+            <a:off x="10610338" y="2969617"/>
+            <a:ext cx="545342" cy="369332"/>
+          </a:xfrm>
+          <a:prstGeom prst="rect">
+            <a:avLst/>
+          </a:prstGeom>
+          <a:noFill/>
+        </p:spPr>
+        <p:txBody>
+          <a:bodyPr wrap="none" rtlCol="0">
+            <a:spAutoFit/>
+          </a:bodyPr>
+          <a:lstStyle/>
+          <a:p>
+            <a:r>
+              <a:rPr lang="en-US" dirty="0"/>
+              <a:t>{….}</a:t>
+            </a:r>
+          </a:p>
+        </p:txBody>
+      </p:sp>
+      <p:sp>
+        <p:nvSpPr>
+          <p:cNvPr id="20" name="TextBox 19">
+            <a:extLst>
+              <a:ext uri="{FF2B5EF4-FFF2-40B4-BE49-F238E27FC236}">
+                <a16:creationId xmlns:a16="http://schemas.microsoft.com/office/drawing/2014/main" id="{922F364C-6572-ED4A-B4AC-7B693B71BFE3}"/>
+              </a:ext>
+            </a:extLst>
+          </p:cNvPr>
+          <p:cNvSpPr txBox="1"/>
+          <p:nvPr/>
+        </p:nvSpPr>
+        <p:spPr>
+          <a:xfrm>
+            <a:off x="10602434" y="3777146"/>
+            <a:ext cx="545342" cy="369332"/>
+          </a:xfrm>
+          <a:prstGeom prst="rect">
+            <a:avLst/>
+          </a:prstGeom>
+          <a:noFill/>
+        </p:spPr>
+        <p:txBody>
+          <a:bodyPr wrap="none" rtlCol="0">
+            <a:spAutoFit/>
+          </a:bodyPr>
+          <a:lstStyle/>
+          <a:p>
+            <a:r>
+              <a:rPr lang="en-US" dirty="0"/>
+              <a:t>{….}</a:t>
+            </a:r>
+          </a:p>
+        </p:txBody>
+      </p:sp>
+      <p:sp>
+        <p:nvSpPr>
+          <p:cNvPr id="22" name="TextBox 21">
+            <a:extLst>
+              <a:ext uri="{FF2B5EF4-FFF2-40B4-BE49-F238E27FC236}">
+                <a16:creationId xmlns:a16="http://schemas.microsoft.com/office/drawing/2014/main" id="{3CFCAC2C-2066-B14B-BBB2-10C08FDCE34B}"/>
+              </a:ext>
+            </a:extLst>
+          </p:cNvPr>
+          <p:cNvSpPr txBox="1"/>
+          <p:nvPr/>
+        </p:nvSpPr>
+        <p:spPr>
+          <a:xfrm>
+            <a:off x="10594530" y="4569242"/>
+            <a:ext cx="545342" cy="369332"/>
+          </a:xfrm>
+          <a:prstGeom prst="rect">
+            <a:avLst/>
+          </a:prstGeom>
+          <a:noFill/>
+        </p:spPr>
+        <p:txBody>
+          <a:bodyPr wrap="none" rtlCol="0">
+            <a:spAutoFit/>
+          </a:bodyPr>
+          <a:lstStyle/>
+          <a:p>
+            <a:r>
+              <a:rPr lang="en-US" dirty="0"/>
+              <a:t>{….}</a:t>
+            </a:r>
+          </a:p>
+        </p:txBody>
+      </p:sp>
     </p:spTree>
     <p:extLst>
       <p:ext uri="{BB962C8B-B14F-4D97-AF65-F5344CB8AC3E}">
@@ -9886,6 +12849,41 @@
                                   </p:childTnLst>
                                 </p:cTn>
                               </p:par>
+                              <p:par>
+                                <p:cTn id="19" presetID="10" presetClass="entr" presetSubtype="0" fill="hold" nodeType="withEffect">
+                                  <p:stCondLst>
+                                    <p:cond delay="0"/>
+                                  </p:stCondLst>
+                                  <p:childTnLst>
+                                    <p:set>
+                                      <p:cBhvr>
+                                        <p:cTn id="20" dur="1" fill="hold">
+                                          <p:stCondLst>
+                                            <p:cond delay="0"/>
+                                          </p:stCondLst>
+                                        </p:cTn>
+                                        <p:tgtEl>
+                                          <p:spTgt spid="15"/>
+                                        </p:tgtEl>
+                                        <p:attrNameLst>
+                                          <p:attrName>style.visibility</p:attrName>
+                                        </p:attrNameLst>
+                                      </p:cBhvr>
+                                      <p:to>
+                                        <p:strVal val="visible"/>
+                                      </p:to>
+                                    </p:set>
+                                    <p:animEffect transition="in" filter="fade">
+                                      <p:cBhvr>
+                                        <p:cTn id="21" dur="500"/>
+                                        <p:tgtEl>
+                                          <p:spTgt spid="15"/>
+                                        </p:tgtEl>
+                                      </p:cBhvr>
+                                    </p:animEffect>
+                                  </p:childTnLst>
+                                </p:cTn>
+                              </p:par>
                             </p:childTnLst>
                           </p:cTn>
                         </p:par>
@@ -9893,26 +12891,26 @@
                     </p:cTn>
                   </p:par>
                   <p:par>
-                    <p:cTn id="19" fill="hold">
+                    <p:cTn id="22" fill="hold">
                       <p:stCondLst>
                         <p:cond delay="indefinite"/>
                       </p:stCondLst>
                       <p:childTnLst>
                         <p:par>
-                          <p:cTn id="20" fill="hold">
+                          <p:cTn id="23" fill="hold">
                             <p:stCondLst>
                               <p:cond delay="0"/>
                             </p:stCondLst>
                             <p:childTnLst>
                               <p:par>
-                                <p:cTn id="21" presetID="10" presetClass="entr" presetSubtype="0" fill="hold" grpId="0" nodeType="clickEffect">
+                                <p:cTn id="24" presetID="10" presetClass="entr" presetSubtype="0" fill="hold" grpId="0" nodeType="clickEffect">
                                   <p:stCondLst>
                                     <p:cond delay="0"/>
                                   </p:stCondLst>
                                   <p:childTnLst>
                                     <p:set>
                                       <p:cBhvr>
-                                        <p:cTn id="22" dur="1" fill="hold">
+                                        <p:cTn id="25" dur="1" fill="hold">
                                           <p:stCondLst>
                                             <p:cond delay="0"/>
                                           </p:stCondLst>
@@ -9930,9 +12928,44 @@
                                     </p:set>
                                     <p:animEffect transition="in" filter="fade">
                                       <p:cBhvr>
-                                        <p:cTn id="23" dur="500"/>
+                                        <p:cTn id="26" dur="500"/>
                                         <p:tgtEl>
                                           <p:spTgt spid="8"/>
+                                        </p:tgtEl>
+                                      </p:cBhvr>
+                                    </p:animEffect>
+                                  </p:childTnLst>
+                                </p:cTn>
+                              </p:par>
+                              <p:par>
+                                <p:cTn id="27" presetID="10" presetClass="entr" presetSubtype="0" fill="hold" nodeType="withEffect">
+                                  <p:stCondLst>
+                                    <p:cond delay="0"/>
+                                  </p:stCondLst>
+                                  <p:childTnLst>
+                                    <p:set>
+                                      <p:cBhvr>
+                                        <p:cTn id="28" dur="1" fill="hold">
+                                          <p:stCondLst>
+                                            <p:cond delay="0"/>
+                                          </p:stCondLst>
+                                        </p:cTn>
+                                        <p:tgtEl>
+                                          <p:spTgt spid="17"/>
+                                        </p:tgtEl>
+                                        <p:attrNameLst>
+                                          <p:attrName>style.visibility</p:attrName>
+                                        </p:attrNameLst>
+                                      </p:cBhvr>
+                                      <p:to>
+                                        <p:strVal val="visible"/>
+                                      </p:to>
+                                    </p:set>
+                                    <p:animEffect transition="in" filter="fade">
+                                      <p:cBhvr>
+                                        <p:cTn id="29" dur="500"/>
+                                        <p:tgtEl>
+                                          <p:spTgt spid="17"/>
                                         </p:tgtEl>
                                       </p:cBhvr>
                                     </p:animEffect>
@@ -9946,26 +12979,26 @@
                     </p:cTn>
                   </p:par>
                   <p:par>
-                    <p:cTn id="24" fill="hold">
+                    <p:cTn id="30" fill="hold">
                       <p:stCondLst>
                         <p:cond delay="indefinite"/>
                       </p:stCondLst>
                       <p:childTnLst>
                         <p:par>
-                          <p:cTn id="25" fill="hold">
+                          <p:cTn id="31" fill="hold">
                             <p:stCondLst>
                               <p:cond delay="0"/>
                             </p:stCondLst>
                             <p:childTnLst>
                               <p:par>
-                                <p:cTn id="26" presetID="10" presetClass="entr" presetSubtype="0" fill="hold" grpId="0" nodeType="clickEffect">
+                                <p:cTn id="32" presetID="10" presetClass="entr" presetSubtype="0" fill="hold" grpId="0" nodeType="clickEffect">
                                   <p:stCondLst>
                                     <p:cond delay="0"/>
                                   </p:stCondLst>
                                   <p:childTnLst>
                                     <p:set>
                                       <p:cBhvr>
-                                        <p:cTn id="27" dur="1" fill="hold">
+                                        <p:cTn id="33" dur="1" fill="hold">
                                           <p:stCondLst>
                                             <p:cond delay="0"/>
                                           </p:stCondLst>
@@ -9983,9 +13016,44 @@
                                     </p:set>
                                     <p:animEffect transition="in" filter="fade">
                                       <p:cBhvr>
-                                        <p:cTn id="28" dur="500"/>
+                                        <p:cTn id="34" dur="500"/>
                                         <p:tgtEl>
                                           <p:spTgt spid="9"/>
+                                        </p:tgtEl>
+                                      </p:cBhvr>
+                                    </p:animEffect>
+                                  </p:childTnLst>
+                                </p:cTn>
+                              </p:par>
+                              <p:par>
+                                <p:cTn id="35" presetID="10" presetClass="entr" presetSubtype="0" fill="hold" nodeType="withEffect">
+                                  <p:stCondLst>
+                                    <p:cond delay="0"/>
+                                  </p:stCondLst>
+                                  <p:childTnLst>
+                                    <p:set>
+                                      <p:cBhvr>
+                                        <p:cTn id="36" dur="1" fill="hold">
+                                          <p:stCondLst>
+                                            <p:cond delay="0"/>
+                                          </p:stCondLst>
+                                        </p:cTn>
+                                        <p:tgtEl>
+                                          <p:spTgt spid="19"/>
+                                        </p:tgtEl>
+                                        <p:attrNameLst>
+                                          <p:attrName>style.visibility</p:attrName>
+                                        </p:attrNameLst>
+                                      </p:cBhvr>
+                                      <p:to>
+                                        <p:strVal val="visible"/>
+                                      </p:to>
+                                    </p:set>
+                                    <p:animEffect transition="in" filter="fade">
+                                      <p:cBhvr>
+                                        <p:cTn id="37" dur="500"/>
+                                        <p:tgtEl>
+                                          <p:spTgt spid="19"/>
                                         </p:tgtEl>
                                       </p:cBhvr>
                                     </p:animEffect>
@@ -9999,26 +13067,26 @@
                     </p:cTn>
                   </p:par>
                   <p:par>
-                    <p:cTn id="29" fill="hold">
+                    <p:cTn id="38" fill="hold">
                       <p:stCondLst>
                         <p:cond delay="indefinite"/>
                       </p:stCondLst>
                       <p:childTnLst>
                         <p:par>
-                          <p:cTn id="30" fill="hold">
+                          <p:cTn id="39" fill="hold">
                             <p:stCondLst>
                               <p:cond delay="0"/>
                             </p:stCondLst>
                             <p:childTnLst>
                               <p:par>
-                                <p:cTn id="31" presetID="10" presetClass="entr" presetSubtype="0" fill="hold" grpId="0" nodeType="clickEffect">
+                                <p:cTn id="40" presetID="10" presetClass="entr" presetSubtype="0" fill="hold" grpId="0" nodeType="clickEffect">
                                   <p:stCondLst>
                                     <p:cond delay="0"/>
                                   </p:stCondLst>
                                   <p:childTnLst>
                                     <p:set>
                                       <p:cBhvr>
-                                        <p:cTn id="32" dur="1" fill="hold">
+                                        <p:cTn id="41" dur="1" fill="hold">
                                           <p:stCondLst>
                                             <p:cond delay="0"/>
                                           </p:stCondLst>
@@ -10036,9 +13104,44 @@
                                     </p:set>
                                     <p:animEffect transition="in" filter="fade">
                                       <p:cBhvr>
-                                        <p:cTn id="33" dur="500"/>
+                                        <p:cTn id="42" dur="500"/>
                                         <p:tgtEl>
                                           <p:spTgt spid="10"/>
+                                        </p:tgtEl>
+                                      </p:cBhvr>
+                                    </p:animEffect>
+                                  </p:childTnLst>
+                                </p:cTn>
+                              </p:par>
+                              <p:par>
+                                <p:cTn id="43" presetID="10" presetClass="entr" presetSubtype="0" fill="hold" nodeType="withEffect">
+                                  <p:stCondLst>
+                                    <p:cond delay="0"/>
+                                  </p:stCondLst>
+                                  <p:childTnLst>
+                                    <p:set>
+                                      <p:cBhvr>
+                                        <p:cTn id="44" dur="1" fill="hold">
+                                          <p:stCondLst>
+                                            <p:cond delay="0"/>
+                                          </p:stCondLst>
+                                        </p:cTn>
+                                        <p:tgtEl>
+                                          <p:spTgt spid="21"/>
+                                        </p:tgtEl>
+                                        <p:attrNameLst>
+                                          <p:attrName>style.visibility</p:attrName>
+                                        </p:attrNameLst>
+                                      </p:cBhvr>
+                                      <p:to>
+                                        <p:strVal val="visible"/>
+                                      </p:to>
+                                    </p:set>
+                                    <p:animEffect transition="in" filter="fade">
+                                      <p:cBhvr>
+                                        <p:cTn id="45" dur="500"/>
+                                        <p:tgtEl>
+                                          <p:spTgt spid="21"/>
                                         </p:tgtEl>
                                       </p:cBhvr>
                                     </p:animEffect>
@@ -10052,26 +13155,26 @@
                     </p:cTn>
                   </p:par>
                   <p:par>
-                    <p:cTn id="34" fill="hold">
+                    <p:cTn id="46" fill="hold">
                       <p:stCondLst>
                         <p:cond delay="indefinite"/>
                       </p:stCondLst>
                       <p:childTnLst>
                         <p:par>
-                          <p:cTn id="35" fill="hold">
+                          <p:cTn id="47" fill="hold">
                             <p:stCondLst>
                               <p:cond delay="0"/>
                             </p:stCondLst>
                             <p:childTnLst>
                               <p:par>
-                                <p:cTn id="36" presetID="10" presetClass="entr" presetSubtype="0" fill="hold" grpId="0" nodeType="clickEffect">
+                                <p:cTn id="48" presetID="10" presetClass="entr" presetSubtype="0" fill="hold" grpId="0" nodeType="clickEffect">
                                   <p:stCondLst>
                                     <p:cond delay="0"/>
                                   </p:stCondLst>
                                   <p:childTnLst>
                                     <p:set>
                                       <p:cBhvr>
-                                        <p:cTn id="37" dur="1" fill="hold">
+                                        <p:cTn id="49" dur="1" fill="hold">
                                           <p:stCondLst>
                                             <p:cond delay="0"/>
                                           </p:stCondLst>
@@ -10089,9 +13192,44 @@
                                     </p:set>
                                     <p:animEffect transition="in" filter="fade">
                                       <p:cBhvr>
-                                        <p:cTn id="38" dur="500"/>
+                                        <p:cTn id="50" dur="500"/>
                                         <p:tgtEl>
                                           <p:spTgt spid="11"/>
+                                        </p:tgtEl>
+                                      </p:cBhvr>
+                                    </p:animEffect>
+                                  </p:childTnLst>
+                                </p:cTn>
+                              </p:par>
+                              <p:par>
+                                <p:cTn id="51" presetID="10" presetClass="entr" presetSubtype="0" fill="hold" nodeType="withEffect">
+                                  <p:stCondLst>
+                                    <p:cond delay="0"/>
+                                  </p:stCondLst>
+                                  <p:childTnLst>
+                                    <p:set>
+                                      <p:cBhvr>
+                                        <p:cTn id="52" dur="1" fill="hold">
+                                          <p:stCondLst>
+                                            <p:cond delay="0"/>
+                                          </p:stCondLst>
+                                        </p:cTn>
+                                        <p:tgtEl>
+                                          <p:spTgt spid="23"/>
+                                        </p:tgtEl>
+                                        <p:attrNameLst>
+                                          <p:attrName>style.visibility</p:attrName>
+                                        </p:attrNameLst>
+                                      </p:cBhvr>
+                                      <p:to>
+                                        <p:strVal val="visible"/>
+                                      </p:to>
+                                    </p:set>
+                                    <p:animEffect transition="in" filter="fade">
+                                      <p:cBhvr>
+                                        <p:cTn id="53" dur="500"/>
+                                        <p:tgtEl>
+                                          <p:spTgt spid="23"/>
                                         </p:tgtEl>
                                       </p:cBhvr>
                                     </p:animEffect>
@@ -10105,26 +13243,26 @@
                     </p:cTn>
                   </p:par>
                   <p:par>
-                    <p:cTn id="39" fill="hold">
+                    <p:cTn id="54" fill="hold">
                       <p:stCondLst>
                         <p:cond delay="indefinite"/>
                       </p:stCondLst>
                       <p:childTnLst>
                         <p:par>
-                          <p:cTn id="40" fill="hold">
+                          <p:cTn id="55" fill="hold">
                             <p:stCondLst>
                               <p:cond delay="0"/>
                             </p:stCondLst>
                             <p:childTnLst>
                               <p:par>
-                                <p:cTn id="41" presetID="10" presetClass="entr" presetSubtype="0" fill="hold" grpId="0" nodeType="clickEffect">
+                                <p:cTn id="56" presetID="10" presetClass="entr" presetSubtype="0" fill="hold" grpId="0" nodeType="clickEffect">
                                   <p:stCondLst>
                                     <p:cond delay="0"/>
                                   </p:stCondLst>
                                   <p:childTnLst>
                                     <p:set>
                                       <p:cBhvr>
-                                        <p:cTn id="42" dur="1" fill="hold">
+                                        <p:cTn id="57" dur="1" fill="hold">
                                           <p:stCondLst>
                                             <p:cond delay="0"/>
                                           </p:stCondLst>
@@ -10142,7 +13280,7 @@
                                     </p:set>
                                     <p:animEffect transition="in" filter="fade">
                                       <p:cBhvr>
-                                        <p:cTn id="43" dur="500"/>
+                                        <p:cTn id="58" dur="500"/>
                                         <p:tgtEl>
                                           <p:spTgt spid="12"/>
                                         </p:tgtEl>
@@ -10152,14 +13290,14 @@
                                 </p:cTn>
                               </p:par>
                               <p:par>
-                                <p:cTn id="44" presetID="10" presetClass="entr" presetSubtype="0" fill="hold" grpId="0" nodeType="withEffect">
+                                <p:cTn id="59" presetID="10" presetClass="entr" presetSubtype="0" fill="hold" grpId="0" nodeType="withEffect">
                                   <p:stCondLst>
                                     <p:cond delay="0"/>
                                   </p:stCondLst>
                                   <p:childTnLst>
                                     <p:set>
                                       <p:cBhvr>
-                                        <p:cTn id="45" dur="1" fill="hold">
+                                        <p:cTn id="60" dur="1" fill="hold">
                                           <p:stCondLst>
                                             <p:cond delay="0"/>
                                           </p:stCondLst>
@@ -10177,12 +13315,436 @@
                                     </p:set>
                                     <p:animEffect transition="in" filter="fade">
                                       <p:cBhvr>
-                                        <p:cTn id="46" dur="500"/>
+                                        <p:cTn id="61" dur="500"/>
                                         <p:tgtEl>
                                           <p:spTgt spid="13"/>
                                         </p:tgtEl>
                                       </p:cBhvr>
                                     </p:animEffect>
+                                  </p:childTnLst>
+                                </p:cTn>
+                              </p:par>
+                            </p:childTnLst>
+                          </p:cTn>
+                        </p:par>
+                      </p:childTnLst>
+                    </p:cTn>
+                  </p:par>
+                  <p:par>
+                    <p:cTn id="62" fill="hold">
+                      <p:stCondLst>
+                        <p:cond delay="indefinite"/>
+                      </p:stCondLst>
+                      <p:childTnLst>
+                        <p:par>
+                          <p:cTn id="63" fill="hold">
+                            <p:stCondLst>
+                              <p:cond delay="0"/>
+                            </p:stCondLst>
+                            <p:childTnLst>
+                              <p:par>
+                                <p:cTn id="64" presetID="10" presetClass="entr" presetSubtype="0" fill="hold" grpId="0" nodeType="clickEffect">
+                                  <p:stCondLst>
+                                    <p:cond delay="0"/>
+                                  </p:stCondLst>
+                                  <p:childTnLst>
+                                    <p:set>
+                                      <p:cBhvr>
+                                        <p:cTn id="65" dur="1" fill="hold">
+                                          <p:stCondLst>
+                                            <p:cond delay="0"/>
+                                          </p:stCondLst>
+                                        </p:cTn>
+                                        <p:tgtEl>
+                                          <p:spTgt spid="6"/>
+                                        </p:tgtEl>
+                                        <p:attrNameLst>
+                                          <p:attrName>style.visibility</p:attrName>
+                                        </p:attrNameLst>
+                                      </p:cBhvr>
+                                      <p:to>
+                                        <p:strVal val="visible"/>
+                                      </p:to>
+                                    </p:set>
+                                    <p:animEffect transition="in" filter="fade">
+                                      <p:cBhvr>
+                                        <p:cTn id="66" dur="500"/>
+                                        <p:tgtEl>
+                                          <p:spTgt spid="6"/>
+                                        </p:tgtEl>
+                                      </p:cBhvr>
+                                    </p:animEffect>
+                                  </p:childTnLst>
+                                </p:cTn>
+                              </p:par>
+                              <p:par>
+                                <p:cTn id="67" presetID="10" presetClass="entr" presetSubtype="0" fill="hold" grpId="0" nodeType="withEffect">
+                                  <p:stCondLst>
+                                    <p:cond delay="0"/>
+                                  </p:stCondLst>
+                                  <p:childTnLst>
+                                    <p:set>
+                                      <p:cBhvr>
+                                        <p:cTn id="68" dur="1" fill="hold">
+                                          <p:stCondLst>
+                                            <p:cond delay="0"/>
+                                          </p:stCondLst>
+                                        </p:cTn>
+                                        <p:tgtEl>
+                                          <p:spTgt spid="20"/>
+                                        </p:tgtEl>
+                                        <p:attrNameLst>
+                                          <p:attrName>style.visibility</p:attrName>
+                                        </p:attrNameLst>
+                                      </p:cBhvr>
+                                      <p:to>
+                                        <p:strVal val="visible"/>
+                                      </p:to>
+                                    </p:set>
+                                    <p:animEffect transition="in" filter="fade">
+                                      <p:cBhvr>
+                                        <p:cTn id="69" dur="500"/>
+                                        <p:tgtEl>
+                                          <p:spTgt spid="20"/>
+                                        </p:tgtEl>
+                                      </p:cBhvr>
+                                    </p:animEffect>
+                                  </p:childTnLst>
+                                </p:cTn>
+                              </p:par>
+                              <p:par>
+                                <p:cTn id="70" presetID="10" presetClass="entr" presetSubtype="0" fill="hold" grpId="0" nodeType="withEffect">
+                                  <p:stCondLst>
+                                    <p:cond delay="0"/>
+                                  </p:stCondLst>
+                                  <p:childTnLst>
+                                    <p:set>
+                                      <p:cBhvr>
+                                        <p:cTn id="71" dur="1" fill="hold">
+                                          <p:stCondLst>
+                                            <p:cond delay="0"/>
+                                          </p:stCondLst>
+                                        </p:cTn>
+                                        <p:tgtEl>
+                                          <p:spTgt spid="22"/>
+                                        </p:tgtEl>
+                                        <p:attrNameLst>
+                                          <p:attrName>style.visibility</p:attrName>
+                                        </p:attrNameLst>
+                                      </p:cBhvr>
+                                      <p:to>
+                                        <p:strVal val="visible"/>
+                                      </p:to>
+                                    </p:set>
+                                    <p:animEffect transition="in" filter="fade">
+                                      <p:cBhvr>
+                                        <p:cTn id="72" dur="500"/>
+                                        <p:tgtEl>
+                                          <p:spTgt spid="22"/>
+                                        </p:tgtEl>
+                                      </p:cBhvr>
+                                    </p:animEffect>
+                                  </p:childTnLst>
+                                </p:cTn>
+                              </p:par>
+                            </p:childTnLst>
+                          </p:cTn>
+                        </p:par>
+                      </p:childTnLst>
+                    </p:cTn>
+                  </p:par>
+                  <p:par>
+                    <p:cTn id="73" fill="hold">
+                      <p:stCondLst>
+                        <p:cond delay="indefinite"/>
+                      </p:stCondLst>
+                      <p:childTnLst>
+                        <p:par>
+                          <p:cTn id="74" fill="hold">
+                            <p:stCondLst>
+                              <p:cond delay="0"/>
+                            </p:stCondLst>
+                            <p:childTnLst>
+                              <p:par>
+                                <p:cTn id="75" presetID="10" presetClass="exit" presetSubtype="0" fill="hold" grpId="1" nodeType="clickEffect">
+                                  <p:stCondLst>
+                                    <p:cond delay="0"/>
+                                  </p:stCondLst>
+                                  <p:childTnLst>
+                                    <p:animEffect transition="out" filter="fade">
+                                      <p:cBhvr>
+                                        <p:cTn id="76" dur="500"/>
+                                        <p:tgtEl>
+                                          <p:spTgt spid="6"/>
+                                        </p:tgtEl>
+                                      </p:cBhvr>
+                                    </p:animEffect>
+                                    <p:set>
+                                      <p:cBhvr>
+                                        <p:cTn id="77" dur="1" fill="hold">
+                                          <p:stCondLst>
+                                            <p:cond delay="499"/>
+                                          </p:stCondLst>
+                                        </p:cTn>
+                                        <p:tgtEl>
+                                          <p:spTgt spid="6"/>
+                                        </p:tgtEl>
+                                        <p:attrNameLst>
+                                          <p:attrName>style.visibility</p:attrName>
+                                        </p:attrNameLst>
+                                      </p:cBhvr>
+                                      <p:to>
+                                        <p:strVal val="hidden"/>
+                                      </p:to>
+                                    </p:set>
+                                  </p:childTnLst>
+                                </p:cTn>
+                              </p:par>
+                              <p:par>
+                                <p:cTn id="78" presetID="10" presetClass="exit" presetSubtype="0" fill="hold" grpId="1" nodeType="withEffect">
+                                  <p:stCondLst>
+                                    <p:cond delay="0"/>
+                                  </p:stCondLst>
+                                  <p:childTnLst>
+                                    <p:animEffect transition="out" filter="fade">
+                                      <p:cBhvr>
+                                        <p:cTn id="79" dur="500"/>
+                                        <p:tgtEl>
+                                          <p:spTgt spid="20"/>
+                                        </p:tgtEl>
+                                      </p:cBhvr>
+                                    </p:animEffect>
+                                    <p:set>
+                                      <p:cBhvr>
+                                        <p:cTn id="80" dur="1" fill="hold">
+                                          <p:stCondLst>
+                                            <p:cond delay="499"/>
+                                          </p:stCondLst>
+                                        </p:cTn>
+                                        <p:tgtEl>
+                                          <p:spTgt spid="20"/>
+                                        </p:tgtEl>
+                                        <p:attrNameLst>
+                                          <p:attrName>style.visibility</p:attrName>
+                                        </p:attrNameLst>
+                                      </p:cBhvr>
+                                      <p:to>
+                                        <p:strVal val="hidden"/>
+                                      </p:to>
+                                    </p:set>
+                                  </p:childTnLst>
+                                </p:cTn>
+                              </p:par>
+                              <p:par>
+                                <p:cTn id="81" presetID="10" presetClass="exit" presetSubtype="0" fill="hold" grpId="1" nodeType="withEffect">
+                                  <p:stCondLst>
+                                    <p:cond delay="0"/>
+                                  </p:stCondLst>
+                                  <p:childTnLst>
+                                    <p:animEffect transition="out" filter="fade">
+                                      <p:cBhvr>
+                                        <p:cTn id="82" dur="500"/>
+                                        <p:tgtEl>
+                                          <p:spTgt spid="22"/>
+                                        </p:tgtEl>
+                                      </p:cBhvr>
+                                    </p:animEffect>
+                                    <p:set>
+                                      <p:cBhvr>
+                                        <p:cTn id="83" dur="1" fill="hold">
+                                          <p:stCondLst>
+                                            <p:cond delay="499"/>
+                                          </p:stCondLst>
+                                        </p:cTn>
+                                        <p:tgtEl>
+                                          <p:spTgt spid="22"/>
+                                        </p:tgtEl>
+                                        <p:attrNameLst>
+                                          <p:attrName>style.visibility</p:attrName>
+                                        </p:attrNameLst>
+                                      </p:cBhvr>
+                                      <p:to>
+                                        <p:strVal val="hidden"/>
+                                      </p:to>
+                                    </p:set>
+                                  </p:childTnLst>
+                                </p:cTn>
+                              </p:par>
+                              <p:par>
+                                <p:cTn id="84" presetID="10" presetClass="exit" presetSubtype="0" fill="hold" grpId="1" nodeType="withEffect">
+                                  <p:stCondLst>
+                                    <p:cond delay="0"/>
+                                  </p:stCondLst>
+                                  <p:childTnLst>
+                                    <p:animEffect transition="out" filter="fade">
+                                      <p:cBhvr>
+                                        <p:cTn id="85" dur="500"/>
+                                        <p:tgtEl>
+                                          <p:spTgt spid="13"/>
+                                        </p:tgtEl>
+                                      </p:cBhvr>
+                                    </p:animEffect>
+                                    <p:set>
+                                      <p:cBhvr>
+                                        <p:cTn id="86" dur="1" fill="hold">
+                                          <p:stCondLst>
+                                            <p:cond delay="499"/>
+                                          </p:stCondLst>
+                                        </p:cTn>
+                                        <p:tgtEl>
+                                          <p:spTgt spid="13"/>
+                                        </p:tgtEl>
+                                        <p:attrNameLst>
+                                          <p:attrName>style.visibility</p:attrName>
+                                        </p:attrNameLst>
+                                      </p:cBhvr>
+                                      <p:to>
+                                        <p:strVal val="hidden"/>
+                                      </p:to>
+                                    </p:set>
+                                  </p:childTnLst>
+                                </p:cTn>
+                              </p:par>
+                              <p:par>
+                                <p:cTn id="87" presetID="10" presetClass="exit" presetSubtype="0" fill="hold" grpId="1" nodeType="withEffect">
+                                  <p:stCondLst>
+                                    <p:cond delay="0"/>
+                                  </p:stCondLst>
+                                  <p:childTnLst>
+                                    <p:animEffect transition="out" filter="fade">
+                                      <p:cBhvr>
+                                        <p:cTn id="88" dur="500"/>
+                                        <p:tgtEl>
+                                          <p:spTgt spid="12"/>
+                                        </p:tgtEl>
+                                      </p:cBhvr>
+                                    </p:animEffect>
+                                    <p:set>
+                                      <p:cBhvr>
+                                        <p:cTn id="89" dur="1" fill="hold">
+                                          <p:stCondLst>
+                                            <p:cond delay="499"/>
+                                          </p:stCondLst>
+                                        </p:cTn>
+                                        <p:tgtEl>
+                                          <p:spTgt spid="12"/>
+                                        </p:tgtEl>
+                                        <p:attrNameLst>
+                                          <p:attrName>style.visibility</p:attrName>
+                                        </p:attrNameLst>
+                                      </p:cBhvr>
+                                      <p:to>
+                                        <p:strVal val="hidden"/>
+                                      </p:to>
+                                    </p:set>
+                                  </p:childTnLst>
+                                </p:cTn>
+                              </p:par>
+                            </p:childTnLst>
+                          </p:cTn>
+                        </p:par>
+                      </p:childTnLst>
+                    </p:cTn>
+                  </p:par>
+                  <p:par>
+                    <p:cTn id="90" fill="hold">
+                      <p:stCondLst>
+                        <p:cond delay="indefinite"/>
+                      </p:stCondLst>
+                      <p:childTnLst>
+                        <p:par>
+                          <p:cTn id="91" fill="hold">
+                            <p:stCondLst>
+                              <p:cond delay="0"/>
+                            </p:stCondLst>
+                            <p:childTnLst>
+                              <p:par>
+                                <p:cTn id="92" presetID="6" presetClass="emph" presetSubtype="0" fill="hold" nodeType="clickEffect">
+                                  <p:stCondLst>
+                                    <p:cond delay="0"/>
+                                  </p:stCondLst>
+                                  <p:childTnLst>
+                                    <p:animScale>
+                                      <p:cBhvr>
+                                        <p:cTn id="93" dur="1000" fill="hold"/>
+                                        <p:tgtEl>
+                                          <p:spTgt spid="15"/>
+                                        </p:tgtEl>
+                                      </p:cBhvr>
+                                      <p:by x="150000" y="150000"/>
+                                    </p:animScale>
+                                  </p:childTnLst>
+                                </p:cTn>
+                              </p:par>
+                              <p:par>
+                                <p:cTn id="94" presetID="6" presetClass="emph" presetSubtype="0" fill="hold" nodeType="withEffect">
+                                  <p:stCondLst>
+                                    <p:cond delay="0"/>
+                                  </p:stCondLst>
+                                  <p:childTnLst>
+                                    <p:animScale>
+                                      <p:cBhvr>
+                                        <p:cTn id="95" dur="1000" fill="hold"/>
+                                        <p:tgtEl>
+                                          <p:spTgt spid="17"/>
+                                        </p:tgtEl>
+                                      </p:cBhvr>
+                                      <p:by x="150000" y="150000"/>
+                                    </p:animScale>
+                                  </p:childTnLst>
+                                </p:cTn>
+                              </p:par>
+                              <p:par>
+                                <p:cTn id="96" presetID="6" presetClass="emph" presetSubtype="0" fill="hold" nodeType="withEffect">
+                                  <p:stCondLst>
+                                    <p:cond delay="0"/>
+                                  </p:stCondLst>
+                                  <p:childTnLst>
+                                    <p:animScale>
+                                      <p:cBhvr>
+                                        <p:cTn id="97" dur="1000" fill="hold"/>
+                                        <p:tgtEl>
+                                          <p:spTgt spid="19"/>
+                                        </p:tgtEl>
+                                      </p:cBhvr>
+                                      <p:by x="150000" y="150000"/>
+                                    </p:animScale>
+                                  </p:childTnLst>
+                                </p:cTn>
+                              </p:par>
+                              <p:par>
+                                <p:cTn id="98" presetID="6" presetClass="emph" presetSubtype="0" fill="hold" nodeType="withEffect">
+                                  <p:stCondLst>
+                                    <p:cond delay="0"/>
+                                  </p:stCondLst>
+                                  <p:childTnLst>
+                                    <p:animScale>
+                                      <p:cBhvr>
+                                        <p:cTn id="99" dur="1000" fill="hold"/>
+                                        <p:tgtEl>
+                                          <p:spTgt spid="21"/>
+                                        </p:tgtEl>
+                                      </p:cBhvr>
+                                      <p:by x="150000" y="150000"/>
+                                    </p:animScale>
+                                  </p:childTnLst>
+                                </p:cTn>
+                              </p:par>
+                              <p:par>
+                                <p:cTn id="100" presetID="6" presetClass="emph" presetSubtype="0" fill="hold" nodeType="withEffect">
+                                  <p:stCondLst>
+                                    <p:cond delay="0"/>
+                                  </p:stCondLst>
+                                  <p:childTnLst>
+                                    <p:animScale>
+                                      <p:cBhvr>
+                                        <p:cTn id="101" dur="1000" fill="hold"/>
+                                        <p:tgtEl>
+                                          <p:spTgt spid="23"/>
+                                        </p:tgtEl>
+                                      </p:cBhvr>
+                                      <p:by x="150000" y="150000"/>
+                                    </p:animScale>
                                   </p:childTnLst>
                                 </p:cTn>
                               </p:par>
@@ -10221,99 +13783,17 @@
       <p:bldP spid="10" grpId="0" animBg="1"/>
       <p:bldP spid="11" grpId="0" animBg="1"/>
       <p:bldP spid="12" grpId="0" animBg="1"/>
+      <p:bldP spid="12" grpId="1" animBg="1"/>
       <p:bldP spid="13" grpId="0" animBg="1"/>
+      <p:bldP spid="13" grpId="1" animBg="1"/>
+      <p:bldP spid="6" grpId="0"/>
+      <p:bldP spid="6" grpId="1"/>
+      <p:bldP spid="20" grpId="0"/>
+      <p:bldP spid="20" grpId="1"/>
+      <p:bldP spid="22" grpId="0"/>
+      <p:bldP spid="22" grpId="1"/>
     </p:bldLst>
   </p:timing>
-</p:sld>
-</file>
-
-<file path=ppt/slides/slide19.xml><?xml version="1.0" encoding="utf-8"?>
-<p:sld xmlns:a="http://schemas.openxmlformats.org/drawingml/2006/main" xmlns:r="http://schemas.openxmlformats.org/officeDocument/2006/relationships" xmlns:p="http://schemas.openxmlformats.org/presentationml/2006/main">
-  <p:cSld>
-    <p:spTree>
-      <p:nvGrpSpPr>
-        <p:cNvPr id="1" name=""/>
-        <p:cNvGrpSpPr/>
-        <p:nvPr/>
-      </p:nvGrpSpPr>
-      <p:grpSpPr>
-        <a:xfrm>
-          <a:off x="0" y="0"/>
-          <a:ext cx="0" cy="0"/>
-          <a:chOff x="0" y="0"/>
-          <a:chExt cx="0" cy="0"/>
-        </a:xfrm>
-      </p:grpSpPr>
-      <p:sp>
-        <p:nvSpPr>
-          <p:cNvPr id="2" name="Title 1">
-            <a:extLst>
-              <a:ext uri="{FF2B5EF4-FFF2-40B4-BE49-F238E27FC236}">
-                <a16:creationId xmlns:a16="http://schemas.microsoft.com/office/drawing/2014/main" id="{3927750E-CF28-4B48-A10B-BC02EB9CD0FA}"/>
-              </a:ext>
-            </a:extLst>
-          </p:cNvPr>
-          <p:cNvSpPr>
-            <a:spLocks noGrp="1"/>
-          </p:cNvSpPr>
-          <p:nvPr>
-            <p:ph type="title"/>
-          </p:nvPr>
-        </p:nvSpPr>
-        <p:spPr/>
-        <p:txBody>
-          <a:bodyPr/>
-          <a:lstStyle/>
-          <a:p>
-            <a:r>
-              <a:rPr lang="en-US" dirty="0"/>
-              <a:t>Demo 3</a:t>
-            </a:r>
-            <a:endParaRPr lang="en-GB" dirty="0"/>
-          </a:p>
-        </p:txBody>
-      </p:sp>
-      <p:sp>
-        <p:nvSpPr>
-          <p:cNvPr id="3" name="Content Placeholder 2">
-            <a:extLst>
-              <a:ext uri="{FF2B5EF4-FFF2-40B4-BE49-F238E27FC236}">
-                <a16:creationId xmlns:a16="http://schemas.microsoft.com/office/drawing/2014/main" id="{F82C128F-C733-41C5-BA02-69C5A8077248}"/>
-              </a:ext>
-            </a:extLst>
-          </p:cNvPr>
-          <p:cNvSpPr>
-            <a:spLocks noGrp="1"/>
-          </p:cNvSpPr>
-          <p:nvPr>
-            <p:ph idx="1"/>
-          </p:nvPr>
-        </p:nvSpPr>
-        <p:spPr/>
-        <p:txBody>
-          <a:bodyPr/>
-          <a:lstStyle/>
-          <a:p>
-            <a:r>
-              <a:rPr lang="en-GB" dirty="0"/>
-              <a:t>Intent – Debug Results</a:t>
-            </a:r>
-          </a:p>
-          <a:p>
-            <a:endParaRPr lang="en-GB" dirty="0"/>
-          </a:p>
-        </p:txBody>
-      </p:sp>
-    </p:spTree>
-    <p:extLst>
-      <p:ext uri="{BB962C8B-B14F-4D97-AF65-F5344CB8AC3E}">
-        <p14:creationId xmlns:p14="http://schemas.microsoft.com/office/powerpoint/2010/main" val="4109551806"/>
-      </p:ext>
-    </p:extLst>
-  </p:cSld>
-  <p:clrMapOvr>
-    <a:masterClrMapping/>
-  </p:clrMapOvr>
 </p:sld>
 </file>
 
@@ -10371,10 +13851,13 @@
           <a:bodyPr/>
           <a:lstStyle/>
           <a:p>
-            <a:r>
-              <a:rPr lang="en-GB" dirty="0"/>
-              <a:t>Work for Experian</a:t>
-            </a:r>
+            <a:endParaRPr lang="en-GB" dirty="0"/>
+          </a:p>
+          <a:p>
+            <a:endParaRPr lang="en-GB" dirty="0"/>
+          </a:p>
+          <a:p>
+            <a:endParaRPr lang="en-GB" dirty="0"/>
           </a:p>
           <a:p>
             <a:r>
@@ -10385,11 +13868,41 @@
           <a:p>
             <a:r>
               <a:rPr lang="en-GB" dirty="0"/>
-              <a:t>Alexa &amp; Me – 9 Months on</a:t>
-            </a:r>
-          </a:p>
-        </p:txBody>
-      </p:sp>
+              <a:t>Alexa &amp; Me – 9 Months?</a:t>
+            </a:r>
+          </a:p>
+        </p:txBody>
+      </p:sp>
+      <p:pic>
+        <p:nvPicPr>
+          <p:cNvPr id="4" name="Picture 3">
+            <a:extLst>
+              <a:ext uri="{FF2B5EF4-FFF2-40B4-BE49-F238E27FC236}">
+                <a16:creationId xmlns:a16="http://schemas.microsoft.com/office/drawing/2014/main" id="{62620670-8E54-E54F-AC22-3D78ED0B4985}"/>
+              </a:ext>
+            </a:extLst>
+          </p:cNvPr>
+          <p:cNvPicPr>
+            <a:picLocks noChangeAspect="1"/>
+          </p:cNvPicPr>
+          <p:nvPr/>
+        </p:nvPicPr>
+        <p:blipFill>
+          <a:blip r:embed="rId3"/>
+          <a:stretch>
+            <a:fillRect/>
+          </a:stretch>
+        </p:blipFill>
+        <p:spPr>
+          <a:xfrm>
+            <a:off x="1097280" y="1845734"/>
+            <a:ext cx="3621691" cy="1183057"/>
+          </a:xfrm>
+          <a:prstGeom prst="rect">
+            <a:avLst/>
+          </a:prstGeom>
+        </p:spPr>
+      </p:pic>
     </p:spTree>
     <p:extLst>
       <p:ext uri="{BB962C8B-B14F-4D97-AF65-F5344CB8AC3E}">
@@ -10436,7 +13949,7 @@
                                         <p:tgtEl>
                                           <p:spTgt spid="3">
                                             <p:txEl>
-                                              <p:pRg st="0" end="0"/>
+                                              <p:pRg st="3" end="3"/>
                                             </p:txEl>
                                           </p:spTgt>
                                         </p:tgtEl>
@@ -10454,7 +13967,7 @@
                                         <p:tgtEl>
                                           <p:spTgt spid="3">
                                             <p:txEl>
-                                              <p:pRg st="0" end="0"/>
+                                              <p:pRg st="3" end="3"/>
                                             </p:txEl>
                                           </p:spTgt>
                                         </p:tgtEl>
@@ -10497,7 +14010,7 @@
                                         <p:tgtEl>
                                           <p:spTgt spid="3">
                                             <p:txEl>
-                                              <p:pRg st="1" end="1"/>
+                                              <p:pRg st="4" end="4"/>
                                             </p:txEl>
                                           </p:spTgt>
                                         </p:tgtEl>
@@ -10515,68 +14028,7 @@
                                         <p:tgtEl>
                                           <p:spTgt spid="3">
                                             <p:txEl>
-                                              <p:pRg st="1" end="1"/>
-                                            </p:txEl>
-                                          </p:spTgt>
-                                        </p:tgtEl>
-                                      </p:cBhvr>
-                                    </p:animEffect>
-                                  </p:childTnLst>
-                                </p:cTn>
-                              </p:par>
-                            </p:childTnLst>
-                          </p:cTn>
-                        </p:par>
-                      </p:childTnLst>
-                    </p:cTn>
-                  </p:par>
-                  <p:par>
-                    <p:cTn id="13" fill="hold">
-                      <p:stCondLst>
-                        <p:cond delay="indefinite"/>
-                      </p:stCondLst>
-                      <p:childTnLst>
-                        <p:par>
-                          <p:cTn id="14" fill="hold">
-                            <p:stCondLst>
-                              <p:cond delay="0"/>
-                            </p:stCondLst>
-                            <p:childTnLst>
-                              <p:par>
-                                <p:cTn id="15" presetID="10" presetClass="entr" presetSubtype="0" fill="hold" grpId="0" nodeType="clickEffect">
-                                  <p:stCondLst>
-                                    <p:cond delay="0"/>
-                                  </p:stCondLst>
-                                  <p:childTnLst>
-                                    <p:set>
-                                      <p:cBhvr>
-                                        <p:cTn id="16" dur="1" fill="hold">
-                                          <p:stCondLst>
-                                            <p:cond delay="0"/>
-                                          </p:stCondLst>
-                                        </p:cTn>
-                                        <p:tgtEl>
-                                          <p:spTgt spid="3">
-                                            <p:txEl>
-                                              <p:pRg st="2" end="2"/>
-                                            </p:txEl>
-                                          </p:spTgt>
-                                        </p:tgtEl>
-                                        <p:attrNameLst>
-                                          <p:attrName>style.visibility</p:attrName>
-                                        </p:attrNameLst>
-                                      </p:cBhvr>
-                                      <p:to>
-                                        <p:strVal val="visible"/>
-                                      </p:to>
-                                    </p:set>
-                                    <p:animEffect transition="in" filter="fade">
-                                      <p:cBhvr>
-                                        <p:cTn id="17" dur="500"/>
-                                        <p:tgtEl>
-                                          <p:spTgt spid="3">
-                                            <p:txEl>
-                                              <p:pRg st="2" end="2"/>
+                                              <p:pRg st="4" end="4"/>
                                             </p:txEl>
                                           </p:spTgt>
                                         </p:tgtEl>
@@ -10659,7 +14111,7 @@
           <a:p>
             <a:r>
               <a:rPr lang="en-US" dirty="0"/>
-              <a:t>Expressive Response</a:t>
+              <a:t>Demo 3</a:t>
             </a:r>
             <a:endParaRPr lang="en-GB" dirty="0"/>
           </a:p>
@@ -10688,7 +14140,97 @@
           <a:p>
             <a:r>
               <a:rPr lang="en-GB" dirty="0"/>
-              <a:t>SSML – Speech Synthesis </a:t>
+              <a:t>Intent – Debug Results</a:t>
+            </a:r>
+          </a:p>
+          <a:p>
+            <a:endParaRPr lang="en-GB" dirty="0"/>
+          </a:p>
+        </p:txBody>
+      </p:sp>
+    </p:spTree>
+    <p:extLst>
+      <p:ext uri="{BB962C8B-B14F-4D97-AF65-F5344CB8AC3E}">
+        <p14:creationId xmlns:p14="http://schemas.microsoft.com/office/powerpoint/2010/main" val="4109551806"/>
+      </p:ext>
+    </p:extLst>
+  </p:cSld>
+  <p:clrMapOvr>
+    <a:masterClrMapping/>
+  </p:clrMapOvr>
+</p:sld>
+</file>
+
+<file path=ppt/slides/slide21.xml><?xml version="1.0" encoding="utf-8"?>
+<p:sld xmlns:a="http://schemas.openxmlformats.org/drawingml/2006/main" xmlns:r="http://schemas.openxmlformats.org/officeDocument/2006/relationships" xmlns:p="http://schemas.openxmlformats.org/presentationml/2006/main">
+  <p:cSld>
+    <p:spTree>
+      <p:nvGrpSpPr>
+        <p:cNvPr id="1" name=""/>
+        <p:cNvGrpSpPr/>
+        <p:nvPr/>
+      </p:nvGrpSpPr>
+      <p:grpSpPr>
+        <a:xfrm>
+          <a:off x="0" y="0"/>
+          <a:ext cx="0" cy="0"/>
+          <a:chOff x="0" y="0"/>
+          <a:chExt cx="0" cy="0"/>
+        </a:xfrm>
+      </p:grpSpPr>
+      <p:sp>
+        <p:nvSpPr>
+          <p:cNvPr id="2" name="Title 1">
+            <a:extLst>
+              <a:ext uri="{FF2B5EF4-FFF2-40B4-BE49-F238E27FC236}">
+                <a16:creationId xmlns:a16="http://schemas.microsoft.com/office/drawing/2014/main" id="{3927750E-CF28-4B48-A10B-BC02EB9CD0FA}"/>
+              </a:ext>
+            </a:extLst>
+          </p:cNvPr>
+          <p:cNvSpPr>
+            <a:spLocks noGrp="1"/>
+          </p:cNvSpPr>
+          <p:nvPr>
+            <p:ph type="title"/>
+          </p:nvPr>
+        </p:nvSpPr>
+        <p:spPr/>
+        <p:txBody>
+          <a:bodyPr/>
+          <a:lstStyle/>
+          <a:p>
+            <a:r>
+              <a:rPr lang="en-US" dirty="0"/>
+              <a:t>Expressive Response - SSML</a:t>
+            </a:r>
+            <a:endParaRPr lang="en-GB" dirty="0"/>
+          </a:p>
+        </p:txBody>
+      </p:sp>
+      <p:sp>
+        <p:nvSpPr>
+          <p:cNvPr id="3" name="Content Placeholder 2">
+            <a:extLst>
+              <a:ext uri="{FF2B5EF4-FFF2-40B4-BE49-F238E27FC236}">
+                <a16:creationId xmlns:a16="http://schemas.microsoft.com/office/drawing/2014/main" id="{F82C128F-C733-41C5-BA02-69C5A8077248}"/>
+              </a:ext>
+            </a:extLst>
+          </p:cNvPr>
+          <p:cNvSpPr>
+            <a:spLocks noGrp="1"/>
+          </p:cNvSpPr>
+          <p:nvPr>
+            <p:ph idx="1"/>
+          </p:nvPr>
+        </p:nvSpPr>
+        <p:spPr/>
+        <p:txBody>
+          <a:bodyPr/>
+          <a:lstStyle/>
+          <a:p>
+            <a:r>
+              <a:rPr lang="en-GB" dirty="0"/>
+              <a:t>Speech Synthesis </a:t>
             </a:r>
             <a:r>
               <a:rPr lang="en-GB" dirty="0" err="1"/>
@@ -10708,8 +14250,54 @@
           <a:p>
             <a:r>
               <a:rPr lang="en-GB" dirty="0"/>
-              <a:t>Audio - Amazon Sound Library</a:t>
-            </a:r>
+              <a:t>Audio – MP3</a:t>
+            </a:r>
+          </a:p>
+          <a:p>
+            <a:endParaRPr lang="en-GB" dirty="0"/>
+          </a:p>
+          <a:p>
+            <a:pPr latinLnBrk="1"/>
+            <a:r>
+              <a:rPr lang="en-GB" dirty="0"/>
+              <a:t>&lt;speak&gt; I want to tell you a secret. </a:t>
+            </a:r>
+            <a:br>
+              <a:rPr lang="en-GB" dirty="0"/>
+            </a:br>
+            <a:r>
+              <a:rPr lang="en-GB" dirty="0"/>
+              <a:t>&lt;</a:t>
+            </a:r>
+            <a:r>
+              <a:rPr lang="en-GB" dirty="0" err="1"/>
+              <a:t>amazon:effect</a:t>
+            </a:r>
+            <a:r>
+              <a:rPr lang="en-GB" dirty="0"/>
+              <a:t> name="whispered"&gt;I am not a real human.&lt;/</a:t>
+            </a:r>
+            <a:r>
+              <a:rPr lang="en-GB" dirty="0" err="1"/>
+              <a:t>amazon:effect</a:t>
+            </a:r>
+            <a:r>
+              <a:rPr lang="en-GB" dirty="0"/>
+              <a:t>&gt;.</a:t>
+            </a:r>
+            <a:br>
+              <a:rPr lang="en-GB" dirty="0"/>
+            </a:br>
+            <a:r>
+              <a:rPr lang="en-GB" dirty="0"/>
+              <a:t> Can you believe it? &lt;/speak&gt; </a:t>
+            </a:r>
+          </a:p>
+          <a:p>
+            <a:br>
+              <a:rPr lang="en-GB" dirty="0"/>
+            </a:br>
+            <a:endParaRPr lang="en-GB" dirty="0"/>
           </a:p>
         </p:txBody>
       </p:sp>
@@ -10914,6 +14502,67 @@
                       </p:childTnLst>
                     </p:cTn>
                   </p:par>
+                  <p:par>
+                    <p:cTn id="18" fill="hold">
+                      <p:stCondLst>
+                        <p:cond delay="indefinite"/>
+                      </p:stCondLst>
+                      <p:childTnLst>
+                        <p:par>
+                          <p:cTn id="19" fill="hold">
+                            <p:stCondLst>
+                              <p:cond delay="0"/>
+                            </p:stCondLst>
+                            <p:childTnLst>
+                              <p:par>
+                                <p:cTn id="20" presetID="10" presetClass="entr" presetSubtype="0" fill="hold" nodeType="clickEffect">
+                                  <p:stCondLst>
+                                    <p:cond delay="0"/>
+                                  </p:stCondLst>
+                                  <p:childTnLst>
+                                    <p:set>
+                                      <p:cBhvr>
+                                        <p:cTn id="21" dur="1" fill="hold">
+                                          <p:stCondLst>
+                                            <p:cond delay="0"/>
+                                          </p:stCondLst>
+                                        </p:cTn>
+                                        <p:tgtEl>
+                                          <p:spTgt spid="3">
+                                            <p:txEl>
+                                              <p:pRg st="4" end="4"/>
+                                            </p:txEl>
+                                          </p:spTgt>
+                                        </p:tgtEl>
+                                        <p:attrNameLst>
+                                          <p:attrName>style.visibility</p:attrName>
+                                        </p:attrNameLst>
+                                      </p:cBhvr>
+                                      <p:to>
+                                        <p:strVal val="visible"/>
+                                      </p:to>
+                                    </p:set>
+                                    <p:animEffect transition="in" filter="fade">
+                                      <p:cBhvr>
+                                        <p:cTn id="22" dur="500"/>
+                                        <p:tgtEl>
+                                          <p:spTgt spid="3">
+                                            <p:txEl>
+                                              <p:pRg st="4" end="4"/>
+                                            </p:txEl>
+                                          </p:spTgt>
+                                        </p:tgtEl>
+                                      </p:cBhvr>
+                                    </p:animEffect>
+                                  </p:childTnLst>
+                                </p:cTn>
+                              </p:par>
+                            </p:childTnLst>
+                          </p:cTn>
+                        </p:par>
+                      </p:childTnLst>
+                    </p:cTn>
+                  </p:par>
                 </p:childTnLst>
               </p:cTn>
               <p:prevCondLst>
@@ -10939,7 +14588,7 @@
 </p:sld>
 </file>
 
-<file path=ppt/slides/slide21.xml><?xml version="1.0" encoding="utf-8"?>
+<file path=ppt/slides/slide22.xml><?xml version="1.0" encoding="utf-8"?>
 <p:sld xmlns:a="http://schemas.openxmlformats.org/drawingml/2006/main" xmlns:r="http://schemas.openxmlformats.org/officeDocument/2006/relationships" xmlns:p="http://schemas.openxmlformats.org/presentationml/2006/main">
   <p:cSld>
     <p:spTree>
@@ -10958,6 +14607,99 @@
       </p:grpSpPr>
       <p:sp>
         <p:nvSpPr>
+          <p:cNvPr id="2" name="Title 1">
+            <a:extLst>
+              <a:ext uri="{FF2B5EF4-FFF2-40B4-BE49-F238E27FC236}">
+                <a16:creationId xmlns:a16="http://schemas.microsoft.com/office/drawing/2014/main" id="{3927750E-CF28-4B48-A10B-BC02EB9CD0FA}"/>
+              </a:ext>
+            </a:extLst>
+          </p:cNvPr>
+          <p:cNvSpPr>
+            <a:spLocks noGrp="1"/>
+          </p:cNvSpPr>
+          <p:nvPr>
+            <p:ph type="title"/>
+          </p:nvPr>
+        </p:nvSpPr>
+        <p:spPr/>
+        <p:txBody>
+          <a:bodyPr/>
+          <a:lstStyle/>
+          <a:p>
+            <a:r>
+              <a:rPr lang="en-US" dirty="0"/>
+              <a:t>Demo 4</a:t>
+            </a:r>
+            <a:endParaRPr lang="en-GB" dirty="0"/>
+          </a:p>
+        </p:txBody>
+      </p:sp>
+      <p:sp>
+        <p:nvSpPr>
+          <p:cNvPr id="3" name="Content Placeholder 2">
+            <a:extLst>
+              <a:ext uri="{FF2B5EF4-FFF2-40B4-BE49-F238E27FC236}">
+                <a16:creationId xmlns:a16="http://schemas.microsoft.com/office/drawing/2014/main" id="{F82C128F-C733-41C5-BA02-69C5A8077248}"/>
+              </a:ext>
+            </a:extLst>
+          </p:cNvPr>
+          <p:cNvSpPr>
+            <a:spLocks noGrp="1"/>
+          </p:cNvSpPr>
+          <p:nvPr>
+            <p:ph idx="1"/>
+          </p:nvPr>
+        </p:nvSpPr>
+        <p:spPr/>
+        <p:txBody>
+          <a:bodyPr/>
+          <a:lstStyle/>
+          <a:p>
+            <a:r>
+              <a:rPr lang="en-GB" dirty="0"/>
+              <a:t>SSML</a:t>
+            </a:r>
+          </a:p>
+          <a:p>
+            <a:r>
+              <a:rPr lang="en-GB" dirty="0"/>
+              <a:t>Alexa Sound Library</a:t>
+            </a:r>
+          </a:p>
+        </p:txBody>
+      </p:sp>
+    </p:spTree>
+    <p:extLst>
+      <p:ext uri="{BB962C8B-B14F-4D97-AF65-F5344CB8AC3E}">
+        <p14:creationId xmlns:p14="http://schemas.microsoft.com/office/powerpoint/2010/main" val="756581227"/>
+      </p:ext>
+    </p:extLst>
+  </p:cSld>
+  <p:clrMapOvr>
+    <a:masterClrMapping/>
+  </p:clrMapOvr>
+</p:sld>
+</file>
+
+<file path=ppt/slides/slide23.xml><?xml version="1.0" encoding="utf-8"?>
+<p:sld xmlns:a="http://schemas.openxmlformats.org/drawingml/2006/main" xmlns:r="http://schemas.openxmlformats.org/officeDocument/2006/relationships" xmlns:p="http://schemas.openxmlformats.org/presentationml/2006/main">
+  <p:cSld>
+    <p:spTree>
+      <p:nvGrpSpPr>
+        <p:cNvPr id="1" name=""/>
+        <p:cNvGrpSpPr/>
+        <p:nvPr/>
+      </p:nvGrpSpPr>
+      <p:grpSpPr>
+        <a:xfrm>
+          <a:off x="0" y="0"/>
+          <a:ext cx="0" cy="0"/>
+          <a:chOff x="0" y="0"/>
+          <a:chExt cx="0" cy="0"/>
+        </a:xfrm>
+      </p:grpSpPr>
+      <p:sp>
+        <p:nvSpPr>
           <p:cNvPr id="2" name="Title 1"/>
           <p:cNvSpPr>
             <a:spLocks noGrp="1"/>
@@ -11033,7 +14775,7 @@
 </p:sld>
 </file>
 
-<file path=ppt/slides/slide22.xml><?xml version="1.0" encoding="utf-8"?>
+<file path=ppt/slides/slide24.xml><?xml version="1.0" encoding="utf-8"?>
 <p:sld xmlns:a="http://schemas.openxmlformats.org/drawingml/2006/main" xmlns:r="http://schemas.openxmlformats.org/officeDocument/2006/relationships" xmlns:p="http://schemas.openxmlformats.org/presentationml/2006/main">
   <p:cSld>
     <p:spTree>
@@ -13119,148 +16861,6 @@
 </p:sld>
 </file>
 
-<file path=ppt/slides/slide23.xml><?xml version="1.0" encoding="utf-8"?>
-<p:sld xmlns:a="http://schemas.openxmlformats.org/drawingml/2006/main" xmlns:r="http://schemas.openxmlformats.org/officeDocument/2006/relationships" xmlns:p="http://schemas.openxmlformats.org/presentationml/2006/main">
-  <p:cSld>
-    <p:spTree>
-      <p:nvGrpSpPr>
-        <p:cNvPr id="1" name=""/>
-        <p:cNvGrpSpPr/>
-        <p:nvPr/>
-      </p:nvGrpSpPr>
-      <p:grpSpPr>
-        <a:xfrm>
-          <a:off x="0" y="0"/>
-          <a:ext cx="0" cy="0"/>
-          <a:chOff x="0" y="0"/>
-          <a:chExt cx="0" cy="0"/>
-        </a:xfrm>
-      </p:grpSpPr>
-      <p:sp>
-        <p:nvSpPr>
-          <p:cNvPr id="2" name="Title 1"/>
-          <p:cNvSpPr>
-            <a:spLocks noGrp="1"/>
-          </p:cNvSpPr>
-          <p:nvPr>
-            <p:ph type="title"/>
-          </p:nvPr>
-        </p:nvSpPr>
-        <p:spPr/>
-        <p:txBody>
-          <a:bodyPr/>
-          <a:lstStyle/>
-          <a:p>
-            <a:r>
-              <a:rPr lang="en-GB" dirty="0"/>
-              <a:t>Push Notifications</a:t>
-            </a:r>
-          </a:p>
-        </p:txBody>
-      </p:sp>
-      <p:sp>
-        <p:nvSpPr>
-          <p:cNvPr id="3" name="Content Placeholder 2"/>
-          <p:cNvSpPr>
-            <a:spLocks noGrp="1"/>
-          </p:cNvSpPr>
-          <p:nvPr>
-            <p:ph idx="1"/>
-          </p:nvPr>
-        </p:nvSpPr>
-        <p:spPr/>
-        <p:txBody>
-          <a:bodyPr/>
-          <a:lstStyle/>
-          <a:p>
-            <a:endParaRPr lang="en-GB"/>
-          </a:p>
-        </p:txBody>
-      </p:sp>
-    </p:spTree>
-    <p:extLst>
-      <p:ext uri="{BB962C8B-B14F-4D97-AF65-F5344CB8AC3E}">
-        <p14:creationId xmlns:p14="http://schemas.microsoft.com/office/powerpoint/2010/main" val="2247287629"/>
-      </p:ext>
-    </p:extLst>
-  </p:cSld>
-  <p:clrMapOvr>
-    <a:masterClrMapping/>
-  </p:clrMapOvr>
-</p:sld>
-</file>
-
-<file path=ppt/slides/slide24.xml><?xml version="1.0" encoding="utf-8"?>
-<p:sld xmlns:a="http://schemas.openxmlformats.org/drawingml/2006/main" xmlns:r="http://schemas.openxmlformats.org/officeDocument/2006/relationships" xmlns:p="http://schemas.openxmlformats.org/presentationml/2006/main">
-  <p:cSld>
-    <p:spTree>
-      <p:nvGrpSpPr>
-        <p:cNvPr id="1" name=""/>
-        <p:cNvGrpSpPr/>
-        <p:nvPr/>
-      </p:nvGrpSpPr>
-      <p:grpSpPr>
-        <a:xfrm>
-          <a:off x="0" y="0"/>
-          <a:ext cx="0" cy="0"/>
-          <a:chOff x="0" y="0"/>
-          <a:chExt cx="0" cy="0"/>
-        </a:xfrm>
-      </p:grpSpPr>
-      <p:sp>
-        <p:nvSpPr>
-          <p:cNvPr id="2" name="Title 1"/>
-          <p:cNvSpPr>
-            <a:spLocks noGrp="1"/>
-          </p:cNvSpPr>
-          <p:nvPr>
-            <p:ph type="title"/>
-          </p:nvPr>
-        </p:nvSpPr>
-        <p:spPr/>
-        <p:txBody>
-          <a:bodyPr/>
-          <a:lstStyle/>
-          <a:p>
-            <a:r>
-              <a:rPr lang="en-GB" dirty="0"/>
-              <a:t>Gadgets</a:t>
-            </a:r>
-          </a:p>
-        </p:txBody>
-      </p:sp>
-      <p:sp>
-        <p:nvSpPr>
-          <p:cNvPr id="3" name="Content Placeholder 2"/>
-          <p:cNvSpPr>
-            <a:spLocks noGrp="1"/>
-          </p:cNvSpPr>
-          <p:nvPr>
-            <p:ph idx="1"/>
-          </p:nvPr>
-        </p:nvSpPr>
-        <p:spPr/>
-        <p:txBody>
-          <a:bodyPr/>
-          <a:lstStyle/>
-          <a:p>
-            <a:endParaRPr lang="en-GB"/>
-          </a:p>
-        </p:txBody>
-      </p:sp>
-    </p:spTree>
-    <p:extLst>
-      <p:ext uri="{BB962C8B-B14F-4D97-AF65-F5344CB8AC3E}">
-        <p14:creationId xmlns:p14="http://schemas.microsoft.com/office/powerpoint/2010/main" val="3777380794"/>
-      </p:ext>
-    </p:extLst>
-  </p:cSld>
-  <p:clrMapOvr>
-    <a:masterClrMapping/>
-  </p:clrMapOvr>
-</p:sld>
-</file>
-
 <file path=ppt/slides/slide25.xml><?xml version="1.0" encoding="utf-8"?>
 <p:sld xmlns:a="http://schemas.openxmlformats.org/drawingml/2006/main" xmlns:r="http://schemas.openxmlformats.org/officeDocument/2006/relationships" xmlns:p="http://schemas.openxmlformats.org/presentationml/2006/main">
   <p:cSld>
@@ -13295,7 +16895,7 @@
           <a:p>
             <a:r>
               <a:rPr lang="en-GB" dirty="0"/>
-              <a:t>Gadget Controller</a:t>
+              <a:t>Push Notifications</a:t>
             </a:r>
           </a:p>
         </p:txBody>
@@ -13322,7 +16922,7 @@
     </p:spTree>
     <p:extLst>
       <p:ext uri="{BB962C8B-B14F-4D97-AF65-F5344CB8AC3E}">
-        <p14:creationId xmlns:p14="http://schemas.microsoft.com/office/powerpoint/2010/main" val="2066721731"/>
+        <p14:creationId xmlns:p14="http://schemas.microsoft.com/office/powerpoint/2010/main" val="2247287629"/>
       </p:ext>
     </p:extLst>
   </p:cSld>
@@ -13366,6 +16966,148 @@
           <a:p>
             <a:r>
               <a:rPr lang="en-GB" dirty="0"/>
+              <a:t>Gadgets</a:t>
+            </a:r>
+          </a:p>
+        </p:txBody>
+      </p:sp>
+      <p:sp>
+        <p:nvSpPr>
+          <p:cNvPr id="3" name="Content Placeholder 2"/>
+          <p:cNvSpPr>
+            <a:spLocks noGrp="1"/>
+          </p:cNvSpPr>
+          <p:nvPr>
+            <p:ph idx="1"/>
+          </p:nvPr>
+        </p:nvSpPr>
+        <p:spPr/>
+        <p:txBody>
+          <a:bodyPr/>
+          <a:lstStyle/>
+          <a:p>
+            <a:endParaRPr lang="en-GB"/>
+          </a:p>
+        </p:txBody>
+      </p:sp>
+    </p:spTree>
+    <p:extLst>
+      <p:ext uri="{BB962C8B-B14F-4D97-AF65-F5344CB8AC3E}">
+        <p14:creationId xmlns:p14="http://schemas.microsoft.com/office/powerpoint/2010/main" val="3777380794"/>
+      </p:ext>
+    </p:extLst>
+  </p:cSld>
+  <p:clrMapOvr>
+    <a:masterClrMapping/>
+  </p:clrMapOvr>
+</p:sld>
+</file>
+
+<file path=ppt/slides/slide27.xml><?xml version="1.0" encoding="utf-8"?>
+<p:sld xmlns:a="http://schemas.openxmlformats.org/drawingml/2006/main" xmlns:r="http://schemas.openxmlformats.org/officeDocument/2006/relationships" xmlns:p="http://schemas.openxmlformats.org/presentationml/2006/main">
+  <p:cSld>
+    <p:spTree>
+      <p:nvGrpSpPr>
+        <p:cNvPr id="1" name=""/>
+        <p:cNvGrpSpPr/>
+        <p:nvPr/>
+      </p:nvGrpSpPr>
+      <p:grpSpPr>
+        <a:xfrm>
+          <a:off x="0" y="0"/>
+          <a:ext cx="0" cy="0"/>
+          <a:chOff x="0" y="0"/>
+          <a:chExt cx="0" cy="0"/>
+        </a:xfrm>
+      </p:grpSpPr>
+      <p:sp>
+        <p:nvSpPr>
+          <p:cNvPr id="2" name="Title 1"/>
+          <p:cNvSpPr>
+            <a:spLocks noGrp="1"/>
+          </p:cNvSpPr>
+          <p:nvPr>
+            <p:ph type="title"/>
+          </p:nvPr>
+        </p:nvSpPr>
+        <p:spPr/>
+        <p:txBody>
+          <a:bodyPr/>
+          <a:lstStyle/>
+          <a:p>
+            <a:r>
+              <a:rPr lang="en-GB" dirty="0"/>
+              <a:t>Gadget Controller</a:t>
+            </a:r>
+          </a:p>
+        </p:txBody>
+      </p:sp>
+      <p:sp>
+        <p:nvSpPr>
+          <p:cNvPr id="3" name="Content Placeholder 2"/>
+          <p:cNvSpPr>
+            <a:spLocks noGrp="1"/>
+          </p:cNvSpPr>
+          <p:nvPr>
+            <p:ph idx="1"/>
+          </p:nvPr>
+        </p:nvSpPr>
+        <p:spPr/>
+        <p:txBody>
+          <a:bodyPr/>
+          <a:lstStyle/>
+          <a:p>
+            <a:endParaRPr lang="en-GB"/>
+          </a:p>
+        </p:txBody>
+      </p:sp>
+    </p:spTree>
+    <p:extLst>
+      <p:ext uri="{BB962C8B-B14F-4D97-AF65-F5344CB8AC3E}">
+        <p14:creationId xmlns:p14="http://schemas.microsoft.com/office/powerpoint/2010/main" val="2066721731"/>
+      </p:ext>
+    </p:extLst>
+  </p:cSld>
+  <p:clrMapOvr>
+    <a:masterClrMapping/>
+  </p:clrMapOvr>
+</p:sld>
+</file>
+
+<file path=ppt/slides/slide28.xml><?xml version="1.0" encoding="utf-8"?>
+<p:sld xmlns:a="http://schemas.openxmlformats.org/drawingml/2006/main" xmlns:r="http://schemas.openxmlformats.org/officeDocument/2006/relationships" xmlns:p="http://schemas.openxmlformats.org/presentationml/2006/main">
+  <p:cSld>
+    <p:spTree>
+      <p:nvGrpSpPr>
+        <p:cNvPr id="1" name=""/>
+        <p:cNvGrpSpPr/>
+        <p:nvPr/>
+      </p:nvGrpSpPr>
+      <p:grpSpPr>
+        <a:xfrm>
+          <a:off x="0" y="0"/>
+          <a:ext cx="0" cy="0"/>
+          <a:chOff x="0" y="0"/>
+          <a:chExt cx="0" cy="0"/>
+        </a:xfrm>
+      </p:grpSpPr>
+      <p:sp>
+        <p:nvSpPr>
+          <p:cNvPr id="2" name="Title 1"/>
+          <p:cNvSpPr>
+            <a:spLocks noGrp="1"/>
+          </p:cNvSpPr>
+          <p:nvPr>
+            <p:ph type="title"/>
+          </p:nvPr>
+        </p:nvSpPr>
+        <p:spPr/>
+        <p:txBody>
+          <a:bodyPr/>
+          <a:lstStyle/>
+          <a:p>
+            <a:r>
+              <a:rPr lang="en-GB" dirty="0"/>
               <a:t>Game Engine</a:t>
             </a:r>
           </a:p>
@@ -13403,7 +17145,7 @@
 </p:sld>
 </file>
 
-<file path=ppt/slides/slide27.xml><?xml version="1.0" encoding="utf-8"?>
+<file path=ppt/slides/slide29.xml><?xml version="1.0" encoding="utf-8"?>
 <p:sld xmlns:a="http://schemas.openxmlformats.org/drawingml/2006/main" xmlns:r="http://schemas.openxmlformats.org/officeDocument/2006/relationships" xmlns:p="http://schemas.openxmlformats.org/presentationml/2006/main">
   <p:cSld>
     <p:spTree>
@@ -13726,6 +17468,87 @@
           <a:p>
             <a:r>
               <a:rPr lang="en-GB" dirty="0"/>
+              <a:t>About Me</a:t>
+            </a:r>
+          </a:p>
+        </p:txBody>
+      </p:sp>
+      <p:pic>
+        <p:nvPicPr>
+          <p:cNvPr id="7" name="Content Placeholder 6">
+            <a:extLst>
+              <a:ext uri="{FF2B5EF4-FFF2-40B4-BE49-F238E27FC236}">
+                <a16:creationId xmlns:a16="http://schemas.microsoft.com/office/drawing/2014/main" id="{1D2D63A3-4537-D84D-9AF7-D4DA9857DA91}"/>
+              </a:ext>
+            </a:extLst>
+          </p:cNvPr>
+          <p:cNvPicPr>
+            <a:picLocks noGrp="1" noChangeAspect="1"/>
+          </p:cNvPicPr>
+          <p:nvPr>
+            <p:ph idx="1"/>
+          </p:nvPr>
+        </p:nvPicPr>
+        <p:blipFill>
+          <a:blip r:embed="rId3"/>
+          <a:stretch>
+            <a:fillRect/>
+          </a:stretch>
+        </p:blipFill>
+        <p:spPr>
+          <a:xfrm>
+            <a:off x="3829218" y="1846263"/>
+            <a:ext cx="4593890" cy="4022725"/>
+          </a:xfrm>
+        </p:spPr>
+      </p:pic>
+    </p:spTree>
+    <p:extLst>
+      <p:ext uri="{BB962C8B-B14F-4D97-AF65-F5344CB8AC3E}">
+        <p14:creationId xmlns:p14="http://schemas.microsoft.com/office/powerpoint/2010/main" val="1575921757"/>
+      </p:ext>
+    </p:extLst>
+  </p:cSld>
+  <p:clrMapOvr>
+    <a:masterClrMapping/>
+  </p:clrMapOvr>
+</p:sld>
+</file>
+
+<file path=ppt/slides/slide4.xml><?xml version="1.0" encoding="utf-8"?>
+<p:sld xmlns:a="http://schemas.openxmlformats.org/drawingml/2006/main" xmlns:r="http://schemas.openxmlformats.org/officeDocument/2006/relationships" xmlns:p="http://schemas.openxmlformats.org/presentationml/2006/main">
+  <p:cSld>
+    <p:spTree>
+      <p:nvGrpSpPr>
+        <p:cNvPr id="1" name=""/>
+        <p:cNvGrpSpPr/>
+        <p:nvPr/>
+      </p:nvGrpSpPr>
+      <p:grpSpPr>
+        <a:xfrm>
+          <a:off x="0" y="0"/>
+          <a:ext cx="0" cy="0"/>
+          <a:chOff x="0" y="0"/>
+          <a:chExt cx="0" cy="0"/>
+        </a:xfrm>
+      </p:grpSpPr>
+      <p:sp>
+        <p:nvSpPr>
+          <p:cNvPr id="2" name="Title 1"/>
+          <p:cNvSpPr>
+            <a:spLocks noGrp="1"/>
+          </p:cNvSpPr>
+          <p:nvPr>
+            <p:ph type="title"/>
+          </p:nvPr>
+        </p:nvSpPr>
+        <p:spPr/>
+        <p:txBody>
+          <a:bodyPr/>
+          <a:lstStyle/>
+          <a:p>
+            <a:r>
+              <a:rPr lang="en-GB" dirty="0"/>
               <a:t>About Alexa</a:t>
             </a:r>
           </a:p>
@@ -13765,7 +17588,7 @@
           <p:nvPr/>
         </p:nvPicPr>
         <p:blipFill>
-          <a:blip r:embed="rId2"/>
+          <a:blip r:embed="rId3"/>
           <a:stretch>
             <a:fillRect/>
           </a:stretch>
@@ -13793,7 +17616,7 @@
 </p:sld>
 </file>
 
-<file path=ppt/slides/slide4.xml><?xml version="1.0" encoding="utf-8"?>
+<file path=ppt/slides/slide5.xml><?xml version="1.0" encoding="utf-8"?>
 <p:sld xmlns:a="http://schemas.openxmlformats.org/drawingml/2006/main" xmlns:r="http://schemas.openxmlformats.org/officeDocument/2006/relationships" xmlns:p="http://schemas.openxmlformats.org/presentationml/2006/main">
   <p:cSld>
     <p:spTree>
@@ -13866,7 +17689,7 @@
           <p:nvPr/>
         </p:nvPicPr>
         <p:blipFill>
-          <a:blip r:embed="rId2" cstate="print">
+          <a:blip r:embed="rId3" cstate="print">
             <a:extLst>
               <a:ext uri="{28A0092B-C50C-407E-A947-70E740481C1C}">
                 <a14:useLocalDpi xmlns:a14="http://schemas.microsoft.com/office/drawing/2010/main" val="0"/>
@@ -13900,7 +17723,7 @@
 </p:sld>
 </file>
 
-<file path=ppt/slides/slide5.xml><?xml version="1.0" encoding="utf-8"?>
+<file path=ppt/slides/slide6.xml><?xml version="1.0" encoding="utf-8"?>
 <p:sld xmlns:a="http://schemas.openxmlformats.org/drawingml/2006/main" xmlns:r="http://schemas.openxmlformats.org/officeDocument/2006/relationships" xmlns:p="http://schemas.openxmlformats.org/presentationml/2006/main">
   <p:cSld>
     <p:spTree>
@@ -14291,93 +18114,6 @@
 </p:sld>
 </file>
 
-<file path=ppt/slides/slide6.xml><?xml version="1.0" encoding="utf-8"?>
-<p:sld xmlns:a="http://schemas.openxmlformats.org/drawingml/2006/main" xmlns:r="http://schemas.openxmlformats.org/officeDocument/2006/relationships" xmlns:p="http://schemas.openxmlformats.org/presentationml/2006/main">
-  <p:cSld>
-    <p:spTree>
-      <p:nvGrpSpPr>
-        <p:cNvPr id="1" name=""/>
-        <p:cNvGrpSpPr/>
-        <p:nvPr/>
-      </p:nvGrpSpPr>
-      <p:grpSpPr>
-        <a:xfrm>
-          <a:off x="0" y="0"/>
-          <a:ext cx="0" cy="0"/>
-          <a:chOff x="0" y="0"/>
-          <a:chExt cx="0" cy="0"/>
-        </a:xfrm>
-      </p:grpSpPr>
-      <p:sp>
-        <p:nvSpPr>
-          <p:cNvPr id="2" name="Title 1">
-            <a:extLst>
-              <a:ext uri="{FF2B5EF4-FFF2-40B4-BE49-F238E27FC236}">
-                <a16:creationId xmlns:a16="http://schemas.microsoft.com/office/drawing/2014/main" id="{3927750E-CF28-4B48-A10B-BC02EB9CD0FA}"/>
-              </a:ext>
-            </a:extLst>
-          </p:cNvPr>
-          <p:cNvSpPr>
-            <a:spLocks noGrp="1"/>
-          </p:cNvSpPr>
-          <p:nvPr>
-            <p:ph type="title"/>
-          </p:nvPr>
-        </p:nvSpPr>
-        <p:spPr/>
-        <p:txBody>
-          <a:bodyPr/>
-          <a:lstStyle/>
-          <a:p>
-            <a:r>
-              <a:rPr lang="en-US" dirty="0"/>
-              <a:t>“That would never happen!”</a:t>
-            </a:r>
-            <a:endParaRPr lang="en-GB" dirty="0"/>
-          </a:p>
-        </p:txBody>
-      </p:sp>
-      <p:sp>
-        <p:nvSpPr>
-          <p:cNvPr id="3" name="Content Placeholder 2">
-            <a:extLst>
-              <a:ext uri="{FF2B5EF4-FFF2-40B4-BE49-F238E27FC236}">
-                <a16:creationId xmlns:a16="http://schemas.microsoft.com/office/drawing/2014/main" id="{F82C128F-C733-41C5-BA02-69C5A8077248}"/>
-              </a:ext>
-            </a:extLst>
-          </p:cNvPr>
-          <p:cNvSpPr>
-            <a:spLocks noGrp="1"/>
-          </p:cNvSpPr>
-          <p:nvPr>
-            <p:ph idx="1"/>
-          </p:nvPr>
-        </p:nvSpPr>
-        <p:spPr/>
-        <p:txBody>
-          <a:bodyPr/>
-          <a:lstStyle/>
-          <a:p>
-            <a:r>
-              <a:rPr lang="en-GB" dirty="0"/>
-              <a:t>Tech are always consulted</a:t>
-            </a:r>
-          </a:p>
-        </p:txBody>
-      </p:sp>
-    </p:spTree>
-    <p:extLst>
-      <p:ext uri="{BB962C8B-B14F-4D97-AF65-F5344CB8AC3E}">
-        <p14:creationId xmlns:p14="http://schemas.microsoft.com/office/powerpoint/2010/main" val="4164986081"/>
-      </p:ext>
-    </p:extLst>
-  </p:cSld>
-  <p:clrMapOvr>
-    <a:masterClrMapping/>
-  </p:clrMapOvr>
-</p:sld>
-</file>
-
 <file path=ppt/slides/slide7.xml><?xml version="1.0" encoding="utf-8"?>
 <p:sld xmlns:a="http://schemas.openxmlformats.org/drawingml/2006/main" xmlns:r="http://schemas.openxmlformats.org/officeDocument/2006/relationships" xmlns:p="http://schemas.openxmlformats.org/presentationml/2006/main">
   <p:cSld>
@@ -14400,7 +18136,7 @@
           <p:cNvPr id="2" name="Title 1">
             <a:extLst>
               <a:ext uri="{FF2B5EF4-FFF2-40B4-BE49-F238E27FC236}">
-                <a16:creationId xmlns:a16="http://schemas.microsoft.com/office/drawing/2014/main" id="{CE2DCE99-3065-2C46-B077-9F8544390E68}"/>
+                <a16:creationId xmlns:a16="http://schemas.microsoft.com/office/drawing/2014/main" id="{3927750E-CF28-4B48-A10B-BC02EB9CD0FA}"/>
               </a:ext>
             </a:extLst>
           </p:cNvPr>
@@ -14418,55 +18154,44 @@
           <a:p>
             <a:r>
               <a:rPr lang="en-US" dirty="0"/>
-              <a:t>The Client: </a:t>
-            </a:r>
-            <a:r>
-              <a:rPr lang="en-US" dirty="0" err="1"/>
-              <a:t>NoTone</a:t>
-            </a:r>
-            <a:r>
-              <a:rPr lang="en-US" dirty="0"/>
-              <a:t> Ltd</a:t>
-            </a:r>
-          </a:p>
-        </p:txBody>
-      </p:sp>
-      <p:pic>
-        <p:nvPicPr>
-          <p:cNvPr id="4" name="Content Placeholder 3">
+              <a:t>“That would never happen!”</a:t>
+            </a:r>
+            <a:endParaRPr lang="en-GB" dirty="0"/>
+          </a:p>
+        </p:txBody>
+      </p:sp>
+      <p:sp>
+        <p:nvSpPr>
+          <p:cNvPr id="3" name="Content Placeholder 2">
             <a:extLst>
               <a:ext uri="{FF2B5EF4-FFF2-40B4-BE49-F238E27FC236}">
-                <a16:creationId xmlns:a16="http://schemas.microsoft.com/office/drawing/2014/main" id="{51307973-8DF6-4E3F-961F-EDA25C2B0CEF}"/>
+                <a16:creationId xmlns:a16="http://schemas.microsoft.com/office/drawing/2014/main" id="{F82C128F-C733-41C5-BA02-69C5A8077248}"/>
               </a:ext>
             </a:extLst>
           </p:cNvPr>
-          <p:cNvPicPr>
-            <a:picLocks noGrp="1" noChangeAspect="1"/>
-          </p:cNvPicPr>
+          <p:cNvSpPr>
+            <a:spLocks noGrp="1"/>
+          </p:cNvSpPr>
           <p:nvPr>
             <p:ph idx="1"/>
           </p:nvPr>
-        </p:nvPicPr>
-        <p:blipFill>
-          <a:blip r:embed="rId2"/>
-          <a:stretch>
-            <a:fillRect/>
-          </a:stretch>
-        </p:blipFill>
-        <p:spPr>
-          <a:xfrm>
-            <a:off x="4114800" y="1846263"/>
-            <a:ext cx="4022725" cy="4022725"/>
-          </a:xfrm>
-          <a:prstGeom prst="rect">
-            <a:avLst/>
-          </a:prstGeom>
-        </p:spPr>
-      </p:pic>
+        </p:nvSpPr>
+        <p:spPr/>
+        <p:txBody>
+          <a:bodyPr/>
+          <a:lstStyle/>
+          <a:p>
+            <a:r>
+              <a:rPr lang="en-GB" dirty="0"/>
+              <a:t>Tech are always consulted</a:t>
+            </a:r>
+          </a:p>
+        </p:txBody>
+      </p:sp>
     </p:spTree>
     <p:extLst>
       <p:ext uri="{BB962C8B-B14F-4D97-AF65-F5344CB8AC3E}">
-        <p14:creationId xmlns:p14="http://schemas.microsoft.com/office/powerpoint/2010/main" val="1843608740"/>
+        <p14:creationId xmlns:p14="http://schemas.microsoft.com/office/powerpoint/2010/main" val="4164986081"/>
       </p:ext>
     </p:extLst>
   </p:cSld>
@@ -14498,7 +18223,7 @@
           <p:cNvPr id="2" name="Title 1">
             <a:extLst>
               <a:ext uri="{FF2B5EF4-FFF2-40B4-BE49-F238E27FC236}">
-                <a16:creationId xmlns:a16="http://schemas.microsoft.com/office/drawing/2014/main" id="{3927750E-CF28-4B48-A10B-BC02EB9CD0FA}"/>
+                <a16:creationId xmlns:a16="http://schemas.microsoft.com/office/drawing/2014/main" id="{CE2DCE99-3065-2C46-B077-9F8544390E68}"/>
               </a:ext>
             </a:extLst>
           </p:cNvPr>
@@ -14516,36 +18241,186 @@
           <a:p>
             <a:r>
               <a:rPr lang="en-US" dirty="0"/>
-              <a:t>Demo 1</a:t>
-            </a:r>
-            <a:endParaRPr lang="en-GB" dirty="0"/>
-          </a:p>
-        </p:txBody>
-      </p:sp>
-      <p:sp>
-        <p:nvSpPr>
-          <p:cNvPr id="3" name="Content Placeholder 2">
+              <a:t>The Client: </a:t>
+            </a:r>
+            <a:r>
+              <a:rPr lang="en-US" dirty="0" err="1"/>
+              <a:t>NoTone</a:t>
+            </a:r>
+            <a:r>
+              <a:rPr lang="en-US" dirty="0"/>
+              <a:t> Ltd</a:t>
+            </a:r>
+          </a:p>
+        </p:txBody>
+      </p:sp>
+      <p:pic>
+        <p:nvPicPr>
+          <p:cNvPr id="4" name="Content Placeholder 3">
             <a:extLst>
               <a:ext uri="{FF2B5EF4-FFF2-40B4-BE49-F238E27FC236}">
-                <a16:creationId xmlns:a16="http://schemas.microsoft.com/office/drawing/2014/main" id="{F82C128F-C733-41C5-BA02-69C5A8077248}"/>
+                <a16:creationId xmlns:a16="http://schemas.microsoft.com/office/drawing/2014/main" id="{51307973-8DF6-4E3F-961F-EDA25C2B0CEF}"/>
               </a:ext>
             </a:extLst>
           </p:cNvPr>
-          <p:cNvSpPr>
-            <a:spLocks noGrp="1"/>
-          </p:cNvSpPr>
+          <p:cNvPicPr>
+            <a:picLocks noGrp="1" noChangeAspect="1"/>
+          </p:cNvPicPr>
           <p:nvPr>
             <p:ph idx="1"/>
           </p:nvPr>
-        </p:nvSpPr>
-        <p:spPr/>
-        <p:txBody>
-          <a:bodyPr/>
+        </p:nvPicPr>
+        <p:blipFill>
+          <a:blip r:embed="rId3"/>
+          <a:stretch>
+            <a:fillRect/>
+          </a:stretch>
+        </p:blipFill>
+        <p:spPr>
+          <a:xfrm>
+            <a:off x="5401159" y="1877259"/>
+            <a:ext cx="4022725" cy="4022725"/>
+          </a:xfrm>
+          <a:prstGeom prst="rect">
+            <a:avLst/>
+          </a:prstGeom>
+        </p:spPr>
+      </p:pic>
+      <p:sp>
+        <p:nvSpPr>
+          <p:cNvPr id="3" name="TextBox 2">
+            <a:extLst>
+              <a:ext uri="{FF2B5EF4-FFF2-40B4-BE49-F238E27FC236}">
+                <a16:creationId xmlns:a16="http://schemas.microsoft.com/office/drawing/2014/main" id="{ABCAA593-19C6-724C-BC8B-C6F0DADDCC1C}"/>
+              </a:ext>
+            </a:extLst>
+          </p:cNvPr>
+          <p:cNvSpPr txBox="1"/>
+          <p:nvPr/>
+        </p:nvSpPr>
+        <p:spPr>
+          <a:xfrm>
+            <a:off x="2056469" y="2441981"/>
+            <a:ext cx="1962397" cy="3477875"/>
+          </a:xfrm>
+          <a:prstGeom prst="rect">
+            <a:avLst/>
+          </a:prstGeom>
+          <a:noFill/>
+        </p:spPr>
+        <p:txBody>
+          <a:bodyPr wrap="none" rtlCol="0">
+            <a:spAutoFit/>
+          </a:bodyPr>
           <a:lstStyle/>
           <a:p>
-            <a:r>
-              <a:rPr lang="en-GB" dirty="0"/>
-              <a:t>Current Skill Overview</a:t>
+            <a:pPr algn="ctr"/>
+            <a:r>
+              <a:rPr lang="en-US" sz="4400" dirty="0"/>
+              <a:t>Rock</a:t>
+            </a:r>
+          </a:p>
+          <a:p>
+            <a:pPr algn="ctr"/>
+            <a:r>
+              <a:rPr lang="en-US" sz="4400" dirty="0"/>
+              <a:t>Paper</a:t>
+            </a:r>
+          </a:p>
+          <a:p>
+            <a:pPr algn="ctr"/>
+            <a:r>
+              <a:rPr lang="en-US" sz="4400" dirty="0"/>
+              <a:t>Scissors</a:t>
+            </a:r>
+          </a:p>
+          <a:p>
+            <a:pPr algn="ctr"/>
+            <a:r>
+              <a:rPr lang="en-US" sz="4400" dirty="0"/>
+              <a:t>Lizard</a:t>
+            </a:r>
+          </a:p>
+          <a:p>
+            <a:pPr algn="ctr"/>
+            <a:r>
+              <a:rPr lang="en-US" sz="4400" dirty="0"/>
+              <a:t>Spock</a:t>
+            </a:r>
+          </a:p>
+        </p:txBody>
+      </p:sp>
+      <p:sp>
+        <p:nvSpPr>
+          <p:cNvPr id="5" name="TextBox 4">
+            <a:extLst>
+              <a:ext uri="{FF2B5EF4-FFF2-40B4-BE49-F238E27FC236}">
+                <a16:creationId xmlns:a16="http://schemas.microsoft.com/office/drawing/2014/main" id="{8D31F245-A267-8645-98A5-6CA881D23B22}"/>
+              </a:ext>
+            </a:extLst>
+          </p:cNvPr>
+          <p:cNvSpPr txBox="1"/>
+          <p:nvPr/>
+        </p:nvSpPr>
+        <p:spPr>
+          <a:xfrm>
+            <a:off x="10291918" y="6013343"/>
+            <a:ext cx="1912447" cy="276999"/>
+          </a:xfrm>
+          <a:prstGeom prst="rect">
+            <a:avLst/>
+          </a:prstGeom>
+          <a:noFill/>
+        </p:spPr>
+        <p:txBody>
+          <a:bodyPr wrap="none" rtlCol="0">
+            <a:spAutoFit/>
+          </a:bodyPr>
+          <a:lstStyle/>
+          <a:p>
+            <a:r>
+              <a:rPr lang="en-US" sz="1200" dirty="0"/>
+              <a:t>Image from </a:t>
+            </a:r>
+            <a:r>
+              <a:rPr lang="en-US" sz="1200" dirty="0" err="1"/>
+              <a:t>ThinkGeek.com</a:t>
+            </a:r>
+            <a:endParaRPr lang="en-US" sz="1200" dirty="0"/>
+          </a:p>
+        </p:txBody>
+      </p:sp>
+      <p:sp>
+        <p:nvSpPr>
+          <p:cNvPr id="6" name="TextBox 5">
+            <a:extLst>
+              <a:ext uri="{FF2B5EF4-FFF2-40B4-BE49-F238E27FC236}">
+                <a16:creationId xmlns:a16="http://schemas.microsoft.com/office/drawing/2014/main" id="{489DD750-074D-E84C-BEFF-FAFB8421C876}"/>
+              </a:ext>
+            </a:extLst>
+          </p:cNvPr>
+          <p:cNvSpPr txBox="1"/>
+          <p:nvPr/>
+        </p:nvSpPr>
+        <p:spPr>
+          <a:xfrm>
+            <a:off x="1658765" y="1898889"/>
+            <a:ext cx="2757806" cy="523220"/>
+          </a:xfrm>
+          <a:prstGeom prst="rect">
+            <a:avLst/>
+          </a:prstGeom>
+          <a:noFill/>
+        </p:spPr>
+        <p:txBody>
+          <a:bodyPr wrap="none" rtlCol="0">
+            <a:spAutoFit/>
+          </a:bodyPr>
+          <a:lstStyle/>
+          <a:p>
+            <a:r>
+              <a:rPr lang="en-US" sz="2800" dirty="0"/>
+              <a:t>Big Bang Theory’s</a:t>
             </a:r>
           </a:p>
         </p:txBody>
@@ -14553,7 +18428,7 @@
     </p:spTree>
     <p:extLst>
       <p:ext uri="{BB962C8B-B14F-4D97-AF65-F5344CB8AC3E}">
-        <p14:creationId xmlns:p14="http://schemas.microsoft.com/office/powerpoint/2010/main" val="3447346580"/>
+        <p14:creationId xmlns:p14="http://schemas.microsoft.com/office/powerpoint/2010/main" val="1843608740"/>
       </p:ext>
     </p:extLst>
   </p:cSld>
@@ -14585,7 +18460,7 @@
           <p:cNvPr id="2" name="Title 1">
             <a:extLst>
               <a:ext uri="{FF2B5EF4-FFF2-40B4-BE49-F238E27FC236}">
-                <a16:creationId xmlns:a16="http://schemas.microsoft.com/office/drawing/2014/main" id="{D390B2F6-27EF-4CEB-AEE8-484A64B31F4A}"/>
+                <a16:creationId xmlns:a16="http://schemas.microsoft.com/office/drawing/2014/main" id="{3927750E-CF28-4B48-A10B-BC02EB9CD0FA}"/>
               </a:ext>
             </a:extLst>
           </p:cNvPr>
@@ -14602,9 +18477,10 @@
           <a:lstStyle/>
           <a:p>
             <a:r>
-              <a:rPr lang="en-GB" dirty="0"/>
-              <a:t>Request Lifecycle</a:t>
-            </a:r>
+              <a:rPr lang="en-US" dirty="0"/>
+              <a:t>Demo 1</a:t>
+            </a:r>
+            <a:endParaRPr lang="en-GB" dirty="0"/>
           </a:p>
         </p:txBody>
       </p:sp>
@@ -14613,7 +18489,7 @@
           <p:cNvPr id="3" name="Content Placeholder 2">
             <a:extLst>
               <a:ext uri="{FF2B5EF4-FFF2-40B4-BE49-F238E27FC236}">
-                <a16:creationId xmlns:a16="http://schemas.microsoft.com/office/drawing/2014/main" id="{B93768BA-AC76-4FB7-BD4B-9A533AB7271D}"/>
+                <a16:creationId xmlns:a16="http://schemas.microsoft.com/office/drawing/2014/main" id="{F82C128F-C733-41C5-BA02-69C5A8077248}"/>
               </a:ext>
             </a:extLst>
           </p:cNvPr>
@@ -14629,509 +18505,23 @@
           <a:bodyPr/>
           <a:lstStyle/>
           <a:p>
-            <a:endParaRPr lang="en-GB" dirty="0"/>
-          </a:p>
-        </p:txBody>
-      </p:sp>
-      <p:sp>
-        <p:nvSpPr>
-          <p:cNvPr id="4" name="Right Arrow 10">
-            <a:extLst>
-              <a:ext uri="{FF2B5EF4-FFF2-40B4-BE49-F238E27FC236}">
-                <a16:creationId xmlns:a16="http://schemas.microsoft.com/office/drawing/2014/main" id="{A01FDED9-E0C1-42C8-94AD-3B262F15DD85}"/>
-              </a:ext>
-            </a:extLst>
-          </p:cNvPr>
-          <p:cNvSpPr/>
-          <p:nvPr/>
-        </p:nvSpPr>
-        <p:spPr>
-          <a:xfrm>
-            <a:off x="4407419" y="2206351"/>
-            <a:ext cx="951978" cy="336042"/>
-          </a:xfrm>
-          <a:prstGeom prst="rightArrow">
-            <a:avLst/>
-          </a:prstGeom>
-          <a:ln/>
-        </p:spPr>
-        <p:style>
-          <a:lnRef idx="1">
-            <a:schemeClr val="accent6"/>
-          </a:lnRef>
-          <a:fillRef idx="2">
-            <a:schemeClr val="accent6"/>
-          </a:fillRef>
-          <a:effectRef idx="1">
-            <a:schemeClr val="accent6"/>
-          </a:effectRef>
-          <a:fontRef idx="minor">
-            <a:schemeClr val="dk1"/>
-          </a:fontRef>
-        </p:style>
-        <p:txBody>
-          <a:bodyPr rtlCol="0" anchor="ctr"/>
-          <a:lstStyle>
-            <a:defPPr>
-              <a:defRPr lang="en-US"/>
-            </a:defPPr>
-            <a:lvl1pPr marL="0" algn="l" defTabSz="457200" rtl="0" eaLnBrk="1" latinLnBrk="0" hangingPunct="1">
-              <a:defRPr sz="1800" kern="1200">
-                <a:solidFill>
-                  <a:schemeClr val="lt1"/>
-                </a:solidFill>
-                <a:latin typeface="+mn-lt"/>
-                <a:ea typeface="+mn-ea"/>
-                <a:cs typeface="+mn-cs"/>
-              </a:defRPr>
-            </a:lvl1pPr>
-            <a:lvl2pPr marL="457200" algn="l" defTabSz="457200" rtl="0" eaLnBrk="1" latinLnBrk="0" hangingPunct="1">
-              <a:defRPr sz="1800" kern="1200">
-                <a:solidFill>
-                  <a:schemeClr val="lt1"/>
-                </a:solidFill>
-                <a:latin typeface="+mn-lt"/>
-                <a:ea typeface="+mn-ea"/>
-                <a:cs typeface="+mn-cs"/>
-              </a:defRPr>
-            </a:lvl2pPr>
-            <a:lvl3pPr marL="914400" algn="l" defTabSz="457200" rtl="0" eaLnBrk="1" latinLnBrk="0" hangingPunct="1">
-              <a:defRPr sz="1800" kern="1200">
-                <a:solidFill>
-                  <a:schemeClr val="lt1"/>
-                </a:solidFill>
-                <a:latin typeface="+mn-lt"/>
-                <a:ea typeface="+mn-ea"/>
-                <a:cs typeface="+mn-cs"/>
-              </a:defRPr>
-            </a:lvl3pPr>
-            <a:lvl4pPr marL="1371600" algn="l" defTabSz="457200" rtl="0" eaLnBrk="1" latinLnBrk="0" hangingPunct="1">
-              <a:defRPr sz="1800" kern="1200">
-                <a:solidFill>
-                  <a:schemeClr val="lt1"/>
-                </a:solidFill>
-                <a:latin typeface="+mn-lt"/>
-                <a:ea typeface="+mn-ea"/>
-                <a:cs typeface="+mn-cs"/>
-              </a:defRPr>
-            </a:lvl4pPr>
-            <a:lvl5pPr marL="1828800" algn="l" defTabSz="457200" rtl="0" eaLnBrk="1" latinLnBrk="0" hangingPunct="1">
-              <a:defRPr sz="1800" kern="1200">
-                <a:solidFill>
-                  <a:schemeClr val="lt1"/>
-                </a:solidFill>
-                <a:latin typeface="+mn-lt"/>
-                <a:ea typeface="+mn-ea"/>
-                <a:cs typeface="+mn-cs"/>
-              </a:defRPr>
-            </a:lvl5pPr>
-            <a:lvl6pPr marL="2286000" algn="l" defTabSz="457200" rtl="0" eaLnBrk="1" latinLnBrk="0" hangingPunct="1">
-              <a:defRPr sz="1800" kern="1200">
-                <a:solidFill>
-                  <a:schemeClr val="lt1"/>
-                </a:solidFill>
-                <a:latin typeface="+mn-lt"/>
-                <a:ea typeface="+mn-ea"/>
-                <a:cs typeface="+mn-cs"/>
-              </a:defRPr>
-            </a:lvl6pPr>
-            <a:lvl7pPr marL="2743200" algn="l" defTabSz="457200" rtl="0" eaLnBrk="1" latinLnBrk="0" hangingPunct="1">
-              <a:defRPr sz="1800" kern="1200">
-                <a:solidFill>
-                  <a:schemeClr val="lt1"/>
-                </a:solidFill>
-                <a:latin typeface="+mn-lt"/>
-                <a:ea typeface="+mn-ea"/>
-                <a:cs typeface="+mn-cs"/>
-              </a:defRPr>
-            </a:lvl7pPr>
-            <a:lvl8pPr marL="3200400" algn="l" defTabSz="457200" rtl="0" eaLnBrk="1" latinLnBrk="0" hangingPunct="1">
-              <a:defRPr sz="1800" kern="1200">
-                <a:solidFill>
-                  <a:schemeClr val="lt1"/>
-                </a:solidFill>
-                <a:latin typeface="+mn-lt"/>
-                <a:ea typeface="+mn-ea"/>
-                <a:cs typeface="+mn-cs"/>
-              </a:defRPr>
-            </a:lvl8pPr>
-            <a:lvl9pPr marL="3657600" algn="l" defTabSz="457200" rtl="0" eaLnBrk="1" latinLnBrk="0" hangingPunct="1">
-              <a:defRPr sz="1800" kern="1200">
-                <a:solidFill>
-                  <a:schemeClr val="lt1"/>
-                </a:solidFill>
-                <a:latin typeface="+mn-lt"/>
-                <a:ea typeface="+mn-ea"/>
-                <a:cs typeface="+mn-cs"/>
-              </a:defRPr>
-            </a:lvl9pPr>
-          </a:lstStyle>
-          <a:p>
-            <a:pPr algn="ctr"/>
-            <a:endParaRPr lang="en-US"/>
-          </a:p>
-        </p:txBody>
-      </p:sp>
-      <p:sp>
-        <p:nvSpPr>
-          <p:cNvPr id="5" name="TextBox 11">
-            <a:extLst>
-              <a:ext uri="{FF2B5EF4-FFF2-40B4-BE49-F238E27FC236}">
-                <a16:creationId xmlns:a16="http://schemas.microsoft.com/office/drawing/2014/main" id="{77293643-8CFB-42A6-8E83-24C25E498B16}"/>
-              </a:ext>
-            </a:extLst>
-          </p:cNvPr>
-          <p:cNvSpPr txBox="1"/>
-          <p:nvPr/>
-        </p:nvSpPr>
-        <p:spPr>
-          <a:xfrm>
-            <a:off x="5720005" y="2070322"/>
-            <a:ext cx="1684307" cy="523220"/>
-          </a:xfrm>
-          <a:prstGeom prst="rect">
-            <a:avLst/>
-          </a:prstGeom>
-          <a:noFill/>
-        </p:spPr>
-        <p:txBody>
-          <a:bodyPr wrap="none" rtlCol="0">
-            <a:spAutoFit/>
-          </a:bodyPr>
-          <a:lstStyle>
-            <a:defPPr>
-              <a:defRPr lang="en-US"/>
-            </a:defPPr>
-            <a:lvl1pPr marL="0" algn="l" defTabSz="457200" rtl="0" eaLnBrk="1" latinLnBrk="0" hangingPunct="1">
-              <a:defRPr sz="1800" kern="1200">
-                <a:solidFill>
-                  <a:schemeClr val="tx1"/>
-                </a:solidFill>
-                <a:latin typeface="+mn-lt"/>
-                <a:ea typeface="+mn-ea"/>
-                <a:cs typeface="+mn-cs"/>
-              </a:defRPr>
-            </a:lvl1pPr>
-            <a:lvl2pPr marL="457200" algn="l" defTabSz="457200" rtl="0" eaLnBrk="1" latinLnBrk="0" hangingPunct="1">
-              <a:defRPr sz="1800" kern="1200">
-                <a:solidFill>
-                  <a:schemeClr val="tx1"/>
-                </a:solidFill>
-                <a:latin typeface="+mn-lt"/>
-                <a:ea typeface="+mn-ea"/>
-                <a:cs typeface="+mn-cs"/>
-              </a:defRPr>
-            </a:lvl2pPr>
-            <a:lvl3pPr marL="914400" algn="l" defTabSz="457200" rtl="0" eaLnBrk="1" latinLnBrk="0" hangingPunct="1">
-              <a:defRPr sz="1800" kern="1200">
-                <a:solidFill>
-                  <a:schemeClr val="tx1"/>
-                </a:solidFill>
-                <a:latin typeface="+mn-lt"/>
-                <a:ea typeface="+mn-ea"/>
-                <a:cs typeface="+mn-cs"/>
-              </a:defRPr>
-            </a:lvl3pPr>
-            <a:lvl4pPr marL="1371600" algn="l" defTabSz="457200" rtl="0" eaLnBrk="1" latinLnBrk="0" hangingPunct="1">
-              <a:defRPr sz="1800" kern="1200">
-                <a:solidFill>
-                  <a:schemeClr val="tx1"/>
-                </a:solidFill>
-                <a:latin typeface="+mn-lt"/>
-                <a:ea typeface="+mn-ea"/>
-                <a:cs typeface="+mn-cs"/>
-              </a:defRPr>
-            </a:lvl4pPr>
-            <a:lvl5pPr marL="1828800" algn="l" defTabSz="457200" rtl="0" eaLnBrk="1" latinLnBrk="0" hangingPunct="1">
-              <a:defRPr sz="1800" kern="1200">
-                <a:solidFill>
-                  <a:schemeClr val="tx1"/>
-                </a:solidFill>
-                <a:latin typeface="+mn-lt"/>
-                <a:ea typeface="+mn-ea"/>
-                <a:cs typeface="+mn-cs"/>
-              </a:defRPr>
-            </a:lvl5pPr>
-            <a:lvl6pPr marL="2286000" algn="l" defTabSz="457200" rtl="0" eaLnBrk="1" latinLnBrk="0" hangingPunct="1">
-              <a:defRPr sz="1800" kern="1200">
-                <a:solidFill>
-                  <a:schemeClr val="tx1"/>
-                </a:solidFill>
-                <a:latin typeface="+mn-lt"/>
-                <a:ea typeface="+mn-ea"/>
-                <a:cs typeface="+mn-cs"/>
-              </a:defRPr>
-            </a:lvl6pPr>
-            <a:lvl7pPr marL="2743200" algn="l" defTabSz="457200" rtl="0" eaLnBrk="1" latinLnBrk="0" hangingPunct="1">
-              <a:defRPr sz="1800" kern="1200">
-                <a:solidFill>
-                  <a:schemeClr val="tx1"/>
-                </a:solidFill>
-                <a:latin typeface="+mn-lt"/>
-                <a:ea typeface="+mn-ea"/>
-                <a:cs typeface="+mn-cs"/>
-              </a:defRPr>
-            </a:lvl7pPr>
-            <a:lvl8pPr marL="3200400" algn="l" defTabSz="457200" rtl="0" eaLnBrk="1" latinLnBrk="0" hangingPunct="1">
-              <a:defRPr sz="1800" kern="1200">
-                <a:solidFill>
-                  <a:schemeClr val="tx1"/>
-                </a:solidFill>
-                <a:latin typeface="+mn-lt"/>
-                <a:ea typeface="+mn-ea"/>
-                <a:cs typeface="+mn-cs"/>
-              </a:defRPr>
-            </a:lvl8pPr>
-            <a:lvl9pPr marL="3657600" algn="l" defTabSz="457200" rtl="0" eaLnBrk="1" latinLnBrk="0" hangingPunct="1">
-              <a:defRPr sz="1800" kern="1200">
-                <a:solidFill>
-                  <a:schemeClr val="tx1"/>
-                </a:solidFill>
-                <a:latin typeface="+mn-lt"/>
-                <a:ea typeface="+mn-ea"/>
-                <a:cs typeface="+mn-cs"/>
-              </a:defRPr>
-            </a:lvl9pPr>
-          </a:lstStyle>
-          <a:p>
-            <a:r>
-              <a:rPr lang="en-US" sz="2800" dirty="0">
-                <a:solidFill>
-                  <a:schemeClr val="tx1">
-                    <a:lumMod val="50000"/>
-                    <a:lumOff val="50000"/>
-                  </a:schemeClr>
-                </a:solidFill>
-              </a:rPr>
-              <a:t>{ request }</a:t>
-            </a:r>
-          </a:p>
-        </p:txBody>
-      </p:sp>
-      <p:pic>
-        <p:nvPicPr>
-          <p:cNvPr id="12" name="Picture 2" descr="Image result for talking head emoji">
-            <a:extLst>
-              <a:ext uri="{FF2B5EF4-FFF2-40B4-BE49-F238E27FC236}">
-                <a16:creationId xmlns:a16="http://schemas.microsoft.com/office/drawing/2014/main" id="{3D0D74F4-F045-47A4-B593-765CA7A52C47}"/>
-              </a:ext>
-            </a:extLst>
-          </p:cNvPr>
-          <p:cNvPicPr>
-            <a:picLocks noChangeAspect="1" noChangeArrowheads="1"/>
-          </p:cNvPicPr>
-          <p:nvPr/>
-        </p:nvPicPr>
-        <p:blipFill>
-          <a:blip r:embed="rId2">
-            <a:duotone>
-              <a:schemeClr val="accent1">
-                <a:shade val="45000"/>
-                <a:satMod val="135000"/>
-              </a:schemeClr>
-              <a:prstClr val="white"/>
-            </a:duotone>
-            <a:extLst>
-              <a:ext uri="{BEBA8EAE-BF5A-486C-A8C5-ECC9F3942E4B}">
-                <a14:imgProps xmlns:a14="http://schemas.microsoft.com/office/drawing/2010/main">
-                  <a14:imgLayer r:embed="rId3">
-                    <a14:imgEffect>
-                      <a14:saturation sat="33000"/>
-                    </a14:imgEffect>
-                  </a14:imgLayer>
-                </a14:imgProps>
-              </a:ext>
-              <a:ext uri="{28A0092B-C50C-407E-A947-70E740481C1C}">
-                <a14:useLocalDpi xmlns:a14="http://schemas.microsoft.com/office/drawing/2010/main" val="0"/>
-              </a:ext>
-            </a:extLst>
-          </a:blip>
-          <a:srcRect/>
-          <a:stretch>
-            <a:fillRect/>
-          </a:stretch>
-        </p:blipFill>
-        <p:spPr bwMode="auto">
-          <a:xfrm>
-            <a:off x="2904332" y="1845734"/>
-            <a:ext cx="1057275" cy="1057275"/>
-          </a:xfrm>
-          <a:prstGeom prst="rect">
-            <a:avLst/>
-          </a:prstGeom>
-          <a:noFill/>
-          <a:extLst>
-            <a:ext uri="{909E8E84-426E-40DD-AFC4-6F175D3DCCD1}">
-              <a14:hiddenFill xmlns:a14="http://schemas.microsoft.com/office/drawing/2010/main">
-                <a:solidFill>
-                  <a:srgbClr val="FFFFFF"/>
-                </a:solidFill>
-              </a14:hiddenFill>
-            </a:ext>
-          </a:extLst>
-        </p:spPr>
-      </p:pic>
+            <a:r>
+              <a:rPr lang="en-GB" dirty="0"/>
+              <a:t>Current Skill Overview</a:t>
+            </a:r>
+          </a:p>
+        </p:txBody>
+      </p:sp>
     </p:spTree>
     <p:extLst>
       <p:ext uri="{BB962C8B-B14F-4D97-AF65-F5344CB8AC3E}">
-        <p14:creationId xmlns:p14="http://schemas.microsoft.com/office/powerpoint/2010/main" val="84814550"/>
+        <p14:creationId xmlns:p14="http://schemas.microsoft.com/office/powerpoint/2010/main" val="3447346580"/>
       </p:ext>
     </p:extLst>
   </p:cSld>
   <p:clrMapOvr>
     <a:masterClrMapping/>
   </p:clrMapOvr>
-  <p:timing>
-    <p:tnLst>
-      <p:par>
-        <p:cTn id="1" dur="indefinite" restart="never" nodeType="tmRoot">
-          <p:childTnLst>
-            <p:seq concurrent="1" nextAc="seek">
-              <p:cTn id="2" dur="indefinite" nodeType="mainSeq">
-                <p:childTnLst>
-                  <p:par>
-                    <p:cTn id="3" fill="hold">
-                      <p:stCondLst>
-                        <p:cond delay="indefinite"/>
-                      </p:stCondLst>
-                      <p:childTnLst>
-                        <p:par>
-                          <p:cTn id="4" fill="hold">
-                            <p:stCondLst>
-                              <p:cond delay="0"/>
-                            </p:stCondLst>
-                            <p:childTnLst>
-                              <p:par>
-                                <p:cTn id="5" presetID="1" presetClass="entr" presetSubtype="0" fill="hold" nodeType="clickEffect">
-                                  <p:stCondLst>
-                                    <p:cond delay="0"/>
-                                  </p:stCondLst>
-                                  <p:childTnLst>
-                                    <p:set>
-                                      <p:cBhvr>
-                                        <p:cTn id="6" dur="1" fill="hold">
-                                          <p:stCondLst>
-                                            <p:cond delay="0"/>
-                                          </p:stCondLst>
-                                        </p:cTn>
-                                        <p:tgtEl>
-                                          <p:spTgt spid="12"/>
-                                        </p:tgtEl>
-                                        <p:attrNameLst>
-                                          <p:attrName>style.visibility</p:attrName>
-                                        </p:attrNameLst>
-                                      </p:cBhvr>
-                                      <p:to>
-                                        <p:strVal val="visible"/>
-                                      </p:to>
-                                    </p:set>
-                                  </p:childTnLst>
-                                </p:cTn>
-                              </p:par>
-                            </p:childTnLst>
-                          </p:cTn>
-                        </p:par>
-                      </p:childTnLst>
-                    </p:cTn>
-                  </p:par>
-                  <p:par>
-                    <p:cTn id="7" fill="hold">
-                      <p:stCondLst>
-                        <p:cond delay="indefinite"/>
-                      </p:stCondLst>
-                      <p:childTnLst>
-                        <p:par>
-                          <p:cTn id="8" fill="hold">
-                            <p:stCondLst>
-                              <p:cond delay="0"/>
-                            </p:stCondLst>
-                            <p:childTnLst>
-                              <p:par>
-                                <p:cTn id="9" presetID="1" presetClass="entr" presetSubtype="0" fill="hold" grpId="0" nodeType="clickEffect">
-                                  <p:stCondLst>
-                                    <p:cond delay="0"/>
-                                  </p:stCondLst>
-                                  <p:childTnLst>
-                                    <p:set>
-                                      <p:cBhvr>
-                                        <p:cTn id="10" dur="1" fill="hold">
-                                          <p:stCondLst>
-                                            <p:cond delay="0"/>
-                                          </p:stCondLst>
-                                        </p:cTn>
-                                        <p:tgtEl>
-                                          <p:spTgt spid="4"/>
-                                        </p:tgtEl>
-                                        <p:attrNameLst>
-                                          <p:attrName>style.visibility</p:attrName>
-                                        </p:attrNameLst>
-                                      </p:cBhvr>
-                                      <p:to>
-                                        <p:strVal val="visible"/>
-                                      </p:to>
-                                    </p:set>
-                                  </p:childTnLst>
-                                </p:cTn>
-                              </p:par>
-                              <p:par>
-                                <p:cTn id="11" presetID="1" presetClass="entr" presetSubtype="0" fill="hold" grpId="0" nodeType="withEffect">
-                                  <p:stCondLst>
-                                    <p:cond delay="0"/>
-                                  </p:stCondLst>
-                                  <p:childTnLst>
-                                    <p:set>
-                                      <p:cBhvr>
-                                        <p:cTn id="12" dur="1" fill="hold">
-                                          <p:stCondLst>
-                                            <p:cond delay="0"/>
-                                          </p:stCondLst>
-                                        </p:cTn>
-                                        <p:tgtEl>
-                                          <p:spTgt spid="5"/>
-                                        </p:tgtEl>
-                                        <p:attrNameLst>
-                                          <p:attrName>style.visibility</p:attrName>
-                                        </p:attrNameLst>
-                                      </p:cBhvr>
-                                      <p:to>
-                                        <p:strVal val="visible"/>
-                                      </p:to>
-                                    </p:set>
-                                  </p:childTnLst>
-                                </p:cTn>
-                              </p:par>
-                            </p:childTnLst>
-                          </p:cTn>
-                        </p:par>
-                      </p:childTnLst>
-                    </p:cTn>
-                  </p:par>
-                </p:childTnLst>
-              </p:cTn>
-              <p:prevCondLst>
-                <p:cond evt="onPrev" delay="0">
-                  <p:tgtEl>
-                    <p:sldTgt/>
-                  </p:tgtEl>
-                </p:cond>
-              </p:prevCondLst>
-              <p:nextCondLst>
-                <p:cond evt="onNext" delay="0">
-                  <p:tgtEl>
-                    <p:sldTgt/>
-                  </p:tgtEl>
-                </p:cond>
-              </p:nextCondLst>
-            </p:seq>
-          </p:childTnLst>
-        </p:cTn>
-      </p:par>
-    </p:tnLst>
-    <p:bldLst>
-      <p:bldP spid="4" grpId="0" animBg="1"/>
-      <p:bldP spid="5" grpId="0"/>
-    </p:bldLst>
-  </p:timing>
 </p:sld>
 </file>
 
@@ -15416,4 +18806,299 @@
     </a:ext>
   </a:extLst>
 </a:theme>
+</file>
+
+<file path=ppt/theme/theme2.xml><?xml version="1.0" encoding="utf-8"?>
+<a:theme xmlns:a="http://schemas.openxmlformats.org/drawingml/2006/main" name="Office Theme">
+  <a:themeElements>
+    <a:clrScheme name="Office">
+      <a:dk1>
+        <a:sysClr val="windowText" lastClr="000000"/>
+      </a:dk1>
+      <a:lt1>
+        <a:sysClr val="window" lastClr="FFFFFF"/>
+      </a:lt1>
+      <a:dk2>
+        <a:srgbClr val="44546A"/>
+      </a:dk2>
+      <a:lt2>
+        <a:srgbClr val="E7E6E6"/>
+      </a:lt2>
+      <a:accent1>
+        <a:srgbClr val="4472C4"/>
+      </a:accent1>
+      <a:accent2>
+        <a:srgbClr val="ED7D31"/>
+      </a:accent2>
+      <a:accent3>
+        <a:srgbClr val="A5A5A5"/>
+      </a:accent3>
+      <a:accent4>
+        <a:srgbClr val="FFC000"/>
+      </a:accent4>
+      <a:accent5>
+        <a:srgbClr val="5B9BD5"/>
+      </a:accent5>
+      <a:accent6>
+        <a:srgbClr val="70AD47"/>
+      </a:accent6>
+      <a:hlink>
+        <a:srgbClr val="0563C1"/>
+      </a:hlink>
+      <a:folHlink>
+        <a:srgbClr val="954F72"/>
+      </a:folHlink>
+    </a:clrScheme>
+    <a:fontScheme name="Office">
+      <a:majorFont>
+        <a:latin typeface="Calibri Light" panose="020F0302020204030204"/>
+        <a:ea typeface=""/>
+        <a:cs typeface=""/>
+        <a:font script="Jpan" typeface="游ゴシック Light"/>
+        <a:font script="Hang" typeface="맑은 고딕"/>
+        <a:font script="Hans" typeface="等线 Light"/>
+        <a:font script="Hant" typeface="新細明體"/>
+        <a:font script="Arab" typeface="Times New Roman"/>
+        <a:font script="Hebr" typeface="Times New Roman"/>
+        <a:font script="Thai" typeface="Angsana New"/>
+        <a:font script="Ethi" typeface="Nyala"/>
+        <a:font script="Beng" typeface="Vrinda"/>
+        <a:font script="Gujr" typeface="Shruti"/>
+        <a:font script="Khmr" typeface="MoolBoran"/>
+        <a:font script="Knda" typeface="Tunga"/>
+        <a:font script="Guru" typeface="Raavi"/>
+        <a:font script="Cans" typeface="Euphemia"/>
+        <a:font script="Cher" typeface="Plantagenet Cherokee"/>
+        <a:font script="Yiii" typeface="Microsoft Yi Baiti"/>
+        <a:font script="Tibt" typeface="Microsoft Himalaya"/>
+        <a:font script="Thaa" typeface="MV Boli"/>
+        <a:font script="Deva" typeface="Mangal"/>
+        <a:font script="Telu" typeface="Gautami"/>
+        <a:font script="Taml" typeface="Latha"/>
+        <a:font script="Syrc" typeface="Estrangelo Edessa"/>
+        <a:font script="Orya" typeface="Kalinga"/>
+        <a:font script="Mlym" typeface="Kartika"/>
+        <a:font script="Laoo" typeface="DokChampa"/>
+        <a:font script="Sinh" typeface="Iskoola Pota"/>
+        <a:font script="Mong" typeface="Mongolian Baiti"/>
+        <a:font script="Viet" typeface="Times New Roman"/>
+        <a:font script="Uigh" typeface="Microsoft Uighur"/>
+        <a:font script="Geor" typeface="Sylfaen"/>
+        <a:font script="Armn" typeface="Arial"/>
+        <a:font script="Bugi" typeface="Leelawadee UI"/>
+        <a:font script="Bopo" typeface="Microsoft JhengHei"/>
+        <a:font script="Java" typeface="Javanese Text"/>
+        <a:font script="Lisu" typeface="Segoe UI"/>
+        <a:font script="Mymr" typeface="Myanmar Text"/>
+        <a:font script="Nkoo" typeface="Ebrima"/>
+        <a:font script="Olck" typeface="Nirmala UI"/>
+        <a:font script="Osma" typeface="Ebrima"/>
+        <a:font script="Phag" typeface="Phagspa"/>
+        <a:font script="Syrn" typeface="Estrangelo Edessa"/>
+        <a:font script="Syrj" typeface="Estrangelo Edessa"/>
+        <a:font script="Syre" typeface="Estrangelo Edessa"/>
+        <a:font script="Sora" typeface="Nirmala UI"/>
+        <a:font script="Tale" typeface="Microsoft Tai Le"/>
+        <a:font script="Talu" typeface="Microsoft New Tai Lue"/>
+        <a:font script="Tfng" typeface="Ebrima"/>
+      </a:majorFont>
+      <a:minorFont>
+        <a:latin typeface="Calibri" panose="020F0502020204030204"/>
+        <a:ea typeface=""/>
+        <a:cs typeface=""/>
+        <a:font script="Jpan" typeface="游ゴシック"/>
+        <a:font script="Hang" typeface="맑은 고딕"/>
+        <a:font script="Hans" typeface="等线"/>
+        <a:font script="Hant" typeface="新細明體"/>
+        <a:font script="Arab" typeface="Arial"/>
+        <a:font script="Hebr" typeface="Arial"/>
+        <a:font script="Thai" typeface="Cordia New"/>
+        <a:font script="Ethi" typeface="Nyala"/>
+        <a:font script="Beng" typeface="Vrinda"/>
+        <a:font script="Gujr" typeface="Shruti"/>
+        <a:font script="Khmr" typeface="DaunPenh"/>
+        <a:font script="Knda" typeface="Tunga"/>
+        <a:font script="Guru" typeface="Raavi"/>
+        <a:font script="Cans" typeface="Euphemia"/>
+        <a:font script="Cher" typeface="Plantagenet Cherokee"/>
+        <a:font script="Yiii" typeface="Microsoft Yi Baiti"/>
+        <a:font script="Tibt" typeface="Microsoft Himalaya"/>
+        <a:font script="Thaa" typeface="MV Boli"/>
+        <a:font script="Deva" typeface="Mangal"/>
+        <a:font script="Telu" typeface="Gautami"/>
+        <a:font script="Taml" typeface="Latha"/>
+        <a:font script="Syrc" typeface="Estrangelo Edessa"/>
+        <a:font script="Orya" typeface="Kalinga"/>
+        <a:font script="Mlym" typeface="Kartika"/>
+        <a:font script="Laoo" typeface="DokChampa"/>
+        <a:font script="Sinh" typeface="Iskoola Pota"/>
+        <a:font script="Mong" typeface="Mongolian Baiti"/>
+        <a:font script="Viet" typeface="Arial"/>
+        <a:font script="Uigh" typeface="Microsoft Uighur"/>
+        <a:font script="Geor" typeface="Sylfaen"/>
+        <a:font script="Armn" typeface="Arial"/>
+        <a:font script="Bugi" typeface="Leelawadee UI"/>
+        <a:font script="Bopo" typeface="Microsoft JhengHei"/>
+        <a:font script="Java" typeface="Javanese Text"/>
+        <a:font script="Lisu" typeface="Segoe UI"/>
+        <a:font script="Mymr" typeface="Myanmar Text"/>
+        <a:font script="Nkoo" typeface="Ebrima"/>
+        <a:font script="Olck" typeface="Nirmala UI"/>
+        <a:font script="Osma" typeface="Ebrima"/>
+        <a:font script="Phag" typeface="Phagspa"/>
+        <a:font script="Syrn" typeface="Estrangelo Edessa"/>
+        <a:font script="Syrj" typeface="Estrangelo Edessa"/>
+        <a:font script="Syre" typeface="Estrangelo Edessa"/>
+        <a:font script="Sora" typeface="Nirmala UI"/>
+        <a:font script="Tale" typeface="Microsoft Tai Le"/>
+        <a:font script="Talu" typeface="Microsoft New Tai Lue"/>
+        <a:font script="Tfng" typeface="Ebrima"/>
+      </a:minorFont>
+    </a:fontScheme>
+    <a:fmtScheme name="Office">
+      <a:fillStyleLst>
+        <a:solidFill>
+          <a:schemeClr val="phClr"/>
+        </a:solidFill>
+        <a:gradFill rotWithShape="1">
+          <a:gsLst>
+            <a:gs pos="0">
+              <a:schemeClr val="phClr">
+                <a:lumMod val="110000"/>
+                <a:satMod val="105000"/>
+                <a:tint val="67000"/>
+              </a:schemeClr>
+            </a:gs>
+            <a:gs pos="50000">
+              <a:schemeClr val="phClr">
+                <a:lumMod val="105000"/>
+                <a:satMod val="103000"/>
+                <a:tint val="73000"/>
+              </a:schemeClr>
+            </a:gs>
+            <a:gs pos="100000">
+              <a:schemeClr val="phClr">
+                <a:lumMod val="105000"/>
+                <a:satMod val="109000"/>
+                <a:tint val="81000"/>
+              </a:schemeClr>
+            </a:gs>
+          </a:gsLst>
+          <a:lin ang="5400000" scaled="0"/>
+        </a:gradFill>
+        <a:gradFill rotWithShape="1">
+          <a:gsLst>
+            <a:gs pos="0">
+              <a:schemeClr val="phClr">
+                <a:satMod val="103000"/>
+                <a:lumMod val="102000"/>
+                <a:tint val="94000"/>
+              </a:schemeClr>
+            </a:gs>
+            <a:gs pos="50000">
+              <a:schemeClr val="phClr">
+                <a:satMod val="110000"/>
+                <a:lumMod val="100000"/>
+                <a:shade val="100000"/>
+              </a:schemeClr>
+            </a:gs>
+            <a:gs pos="100000">
+              <a:schemeClr val="phClr">
+                <a:lumMod val="99000"/>
+                <a:satMod val="120000"/>
+                <a:shade val="78000"/>
+              </a:schemeClr>
+            </a:gs>
+          </a:gsLst>
+          <a:lin ang="5400000" scaled="0"/>
+        </a:gradFill>
+      </a:fillStyleLst>
+      <a:lnStyleLst>
+        <a:ln w="6350" cap="flat" cmpd="sng" algn="ctr">
+          <a:solidFill>
+            <a:schemeClr val="phClr"/>
+          </a:solidFill>
+          <a:prstDash val="solid"/>
+          <a:miter lim="800000"/>
+        </a:ln>
+        <a:ln w="12700" cap="flat" cmpd="sng" algn="ctr">
+          <a:solidFill>
+            <a:schemeClr val="phClr"/>
+          </a:solidFill>
+          <a:prstDash val="solid"/>
+          <a:miter lim="800000"/>
+        </a:ln>
+        <a:ln w="19050" cap="flat" cmpd="sng" algn="ctr">
+          <a:solidFill>
+            <a:schemeClr val="phClr"/>
+          </a:solidFill>
+          <a:prstDash val="solid"/>
+          <a:miter lim="800000"/>
+        </a:ln>
+      </a:lnStyleLst>
+      <a:effectStyleLst>
+        <a:effectStyle>
+          <a:effectLst/>
+        </a:effectStyle>
+        <a:effectStyle>
+          <a:effectLst/>
+        </a:effectStyle>
+        <a:effectStyle>
+          <a:effectLst>
+            <a:outerShdw blurRad="57150" dist="19050" dir="5400000" algn="ctr" rotWithShape="0">
+              <a:srgbClr val="000000">
+                <a:alpha val="63000"/>
+              </a:srgbClr>
+            </a:outerShdw>
+          </a:effectLst>
+        </a:effectStyle>
+      </a:effectStyleLst>
+      <a:bgFillStyleLst>
+        <a:solidFill>
+          <a:schemeClr val="phClr"/>
+        </a:solidFill>
+        <a:solidFill>
+          <a:schemeClr val="phClr">
+            <a:tint val="95000"/>
+            <a:satMod val="170000"/>
+          </a:schemeClr>
+        </a:solidFill>
+        <a:gradFill rotWithShape="1">
+          <a:gsLst>
+            <a:gs pos="0">
+              <a:schemeClr val="phClr">
+                <a:tint val="93000"/>
+                <a:satMod val="150000"/>
+                <a:shade val="98000"/>
+                <a:lumMod val="102000"/>
+              </a:schemeClr>
+            </a:gs>
+            <a:gs pos="50000">
+              <a:schemeClr val="phClr">
+                <a:tint val="98000"/>
+                <a:satMod val="130000"/>
+                <a:shade val="90000"/>
+                <a:lumMod val="103000"/>
+              </a:schemeClr>
+            </a:gs>
+            <a:gs pos="100000">
+              <a:schemeClr val="phClr">
+                <a:shade val="63000"/>
+                <a:satMod val="120000"/>
+              </a:schemeClr>
+            </a:gs>
+          </a:gsLst>
+          <a:lin ang="5400000" scaled="0"/>
+        </a:gradFill>
+      </a:bgFillStyleLst>
+    </a:fmtScheme>
+  </a:themeElements>
+  <a:objectDefaults/>
+  <a:extraClrSchemeLst/>
+  <a:extLst>
+    <a:ext uri="{05A4C25C-085E-4340-85A3-A5531E510DB2}">
+      <thm15:themeFamily xmlns:thm15="http://schemas.microsoft.com/office/thememl/2012/main" name="Office Theme" id="{62F939B6-93AF-4DB8-9C6B-D6C7DFDC589F}" vid="{4A3C46E8-61CC-4603-A589-7422A47A8E4A}"/>
+    </a:ext>
+  </a:extLst>
+</a:theme>
 </file>
--- a/Presentation/VoiceAndMore.pptx
+++ b/Presentation/VoiceAndMore.pptx
@@ -5,7 +5,7 @@
     <p:sldMasterId id="2147483723" r:id="rId1"/>
   </p:sldMasterIdLst>
   <p:notesMasterIdLst>
-    <p:notesMasterId r:id="rId31"/>
+    <p:notesMasterId r:id="rId32"/>
   </p:notesMasterIdLst>
   <p:sldIdLst>
     <p:sldId id="256" r:id="rId2"/>
@@ -33,10 +33,11 @@
     <p:sldId id="263" r:id="rId24"/>
     <p:sldId id="286" r:id="rId25"/>
     <p:sldId id="258" r:id="rId26"/>
-    <p:sldId id="259" r:id="rId27"/>
-    <p:sldId id="260" r:id="rId28"/>
-    <p:sldId id="261" r:id="rId29"/>
-    <p:sldId id="262" r:id="rId30"/>
+    <p:sldId id="289" r:id="rId27"/>
+    <p:sldId id="259" r:id="rId28"/>
+    <p:sldId id="260" r:id="rId29"/>
+    <p:sldId id="261" r:id="rId30"/>
+    <p:sldId id="262" r:id="rId31"/>
   </p:sldIdLst>
   <p:sldSz cx="12192000" cy="6858000"/>
   <p:notesSz cx="6858000" cy="9144000"/>
@@ -1818,6 +1819,90 @@
             <a:fld id="{89086A25-1D2B-4C4F-AF82-CC73108F7901}" type="slidenum">
               <a:rPr lang="en-US" smtClean="0"/>
               <a:t>26</a:t>
+            </a:fld>
+            <a:endParaRPr lang="en-US"/>
+          </a:p>
+        </p:txBody>
+      </p:sp>
+    </p:spTree>
+    <p:extLst>
+      <p:ext uri="{BB962C8B-B14F-4D97-AF65-F5344CB8AC3E}">
+        <p14:creationId xmlns:p14="http://schemas.microsoft.com/office/powerpoint/2010/main" val="907477225"/>
+      </p:ext>
+    </p:extLst>
+  </p:cSld>
+  <p:clrMapOvr>
+    <a:masterClrMapping/>
+  </p:clrMapOvr>
+</p:notes>
+</file>
+
+<file path=ppt/notesSlides/notesSlide24.xml><?xml version="1.0" encoding="utf-8"?>
+<p:notes xmlns:a="http://schemas.openxmlformats.org/drawingml/2006/main" xmlns:r="http://schemas.openxmlformats.org/officeDocument/2006/relationships" xmlns:p="http://schemas.openxmlformats.org/presentationml/2006/main">
+  <p:cSld>
+    <p:spTree>
+      <p:nvGrpSpPr>
+        <p:cNvPr id="1" name=""/>
+        <p:cNvGrpSpPr/>
+        <p:nvPr/>
+      </p:nvGrpSpPr>
+      <p:grpSpPr>
+        <a:xfrm>
+          <a:off x="0" y="0"/>
+          <a:ext cx="0" cy="0"/>
+          <a:chOff x="0" y="0"/>
+          <a:chExt cx="0" cy="0"/>
+        </a:xfrm>
+      </p:grpSpPr>
+      <p:sp>
+        <p:nvSpPr>
+          <p:cNvPr id="2" name="Slide Image Placeholder 1"/>
+          <p:cNvSpPr>
+            <a:spLocks noGrp="1" noRot="1" noChangeAspect="1"/>
+          </p:cNvSpPr>
+          <p:nvPr>
+            <p:ph type="sldImg"/>
+          </p:nvPr>
+        </p:nvSpPr>
+        <p:spPr/>
+      </p:sp>
+      <p:sp>
+        <p:nvSpPr>
+          <p:cNvPr id="3" name="Notes Placeholder 2"/>
+          <p:cNvSpPr>
+            <a:spLocks noGrp="1"/>
+          </p:cNvSpPr>
+          <p:nvPr>
+            <p:ph type="body" idx="1"/>
+          </p:nvPr>
+        </p:nvSpPr>
+        <p:spPr/>
+        <p:txBody>
+          <a:bodyPr/>
+          <a:lstStyle/>
+          <a:p>
+            <a:endParaRPr lang="en-US"/>
+          </a:p>
+        </p:txBody>
+      </p:sp>
+      <p:sp>
+        <p:nvSpPr>
+          <p:cNvPr id="4" name="Slide Number Placeholder 3"/>
+          <p:cNvSpPr>
+            <a:spLocks noGrp="1"/>
+          </p:cNvSpPr>
+          <p:nvPr>
+            <p:ph type="sldNum" sz="quarter" idx="10"/>
+          </p:nvPr>
+        </p:nvSpPr>
+        <p:spPr/>
+        <p:txBody>
+          <a:bodyPr/>
+          <a:lstStyle/>
+          <a:p>
+            <a:fld id="{89086A25-1D2B-4C4F-AF82-CC73108F7901}" type="slidenum">
+              <a:rPr lang="en-US" smtClean="0"/>
+              <a:t>27</a:t>
             </a:fld>
             <a:endParaRPr lang="en-US"/>
           </a:p>
@@ -14737,7 +14822,7 @@
           <a:p>
             <a:r>
               <a:rPr lang="en-GB" dirty="0"/>
-              <a:t>Client details in developer console</a:t>
+              <a:t>Every skill has unique credentials to send messages</a:t>
             </a:r>
           </a:p>
           <a:p>
@@ -14794,6 +14879,104 @@
       </p:grpSpPr>
       <p:sp>
         <p:nvSpPr>
+          <p:cNvPr id="17" name="Rectangle 16">
+            <a:extLst>
+              <a:ext uri="{FF2B5EF4-FFF2-40B4-BE49-F238E27FC236}">
+                <a16:creationId xmlns:a16="http://schemas.microsoft.com/office/drawing/2014/main" id="{BF7170FF-B9FC-1C4C-B032-3FBC8361B151}"/>
+              </a:ext>
+            </a:extLst>
+          </p:cNvPr>
+          <p:cNvSpPr/>
+          <p:nvPr/>
+        </p:nvSpPr>
+        <p:spPr>
+          <a:xfrm>
+            <a:off x="7338264" y="2367298"/>
+            <a:ext cx="3951215" cy="3397527"/>
+          </a:xfrm>
+          <a:prstGeom prst="rect">
+            <a:avLst/>
+          </a:prstGeom>
+          <a:solidFill>
+            <a:srgbClr val="FFC000"/>
+          </a:solidFill>
+          <a:ln>
+            <a:solidFill>
+              <a:schemeClr val="accent1">
+                <a:lumMod val="40000"/>
+                <a:lumOff val="60000"/>
+              </a:schemeClr>
+            </a:solidFill>
+          </a:ln>
+        </p:spPr>
+        <p:style>
+          <a:lnRef idx="0">
+            <a:scrgbClr r="0" g="0" b="0"/>
+          </a:lnRef>
+          <a:fillRef idx="0">
+            <a:scrgbClr r="0" g="0" b="0"/>
+          </a:fillRef>
+          <a:effectRef idx="0">
+            <a:scrgbClr r="0" g="0" b="0"/>
+          </a:effectRef>
+          <a:fontRef idx="minor">
+            <a:schemeClr val="accent3"/>
+          </a:fontRef>
+        </p:style>
+        <p:txBody>
+          <a:bodyPr rtlCol="0" anchor="ctr"/>
+          <a:lstStyle/>
+          <a:p>
+            <a:pPr algn="ctr"/>
+            <a:endParaRPr lang="en-GB" dirty="0"/>
+          </a:p>
+          <a:p>
+            <a:pPr algn="ctr"/>
+            <a:endParaRPr lang="en-GB" dirty="0"/>
+          </a:p>
+          <a:p>
+            <a:pPr algn="ctr"/>
+            <a:endParaRPr lang="en-GB" dirty="0"/>
+          </a:p>
+          <a:p>
+            <a:pPr algn="ctr"/>
+            <a:endParaRPr lang="en-GB" dirty="0"/>
+          </a:p>
+          <a:p>
+            <a:pPr algn="ctr"/>
+            <a:endParaRPr lang="en-GB" dirty="0"/>
+          </a:p>
+          <a:p>
+            <a:pPr algn="ctr"/>
+            <a:endParaRPr lang="en-GB" dirty="0"/>
+          </a:p>
+          <a:p>
+            <a:pPr algn="ctr"/>
+            <a:endParaRPr lang="en-GB" dirty="0"/>
+          </a:p>
+          <a:p>
+            <a:pPr algn="ctr"/>
+            <a:endParaRPr lang="en-GB" dirty="0"/>
+          </a:p>
+          <a:p>
+            <a:pPr algn="ctr"/>
+            <a:endParaRPr lang="en-GB" dirty="0"/>
+          </a:p>
+          <a:p>
+            <a:pPr algn="ctr"/>
+            <a:endParaRPr lang="en-GB" dirty="0"/>
+          </a:p>
+          <a:p>
+            <a:pPr algn="ctr"/>
+            <a:r>
+              <a:rPr lang="en-GB" dirty="0"/>
+              <a:t>Player 2</a:t>
+            </a:r>
+          </a:p>
+        </p:txBody>
+      </p:sp>
+      <p:sp>
+        <p:nvSpPr>
           <p:cNvPr id="15" name="Rectangle 14">
             <a:extLst>
               <a:ext uri="{FF2B5EF4-FFF2-40B4-BE49-F238E27FC236}">
@@ -14806,16 +14989,15 @@
         </p:nvSpPr>
         <p:spPr>
           <a:xfrm>
-            <a:off x="2643791" y="1853967"/>
+            <a:off x="2712030" y="2367299"/>
             <a:ext cx="3951215" cy="3397527"/>
           </a:xfrm>
           <a:prstGeom prst="rect">
             <a:avLst/>
           </a:prstGeom>
           <a:solidFill>
-            <a:schemeClr val="accent1">
-              <a:lumMod val="20000"/>
-              <a:lumOff val="80000"/>
+            <a:schemeClr val="bg2">
+              <a:lumMod val="90000"/>
             </a:schemeClr>
           </a:solidFill>
           <a:ln>
@@ -14939,7 +15121,7 @@
         </p:nvSpPr>
         <p:spPr>
           <a:xfrm>
-            <a:off x="3103508" y="1946403"/>
+            <a:off x="3171747" y="3169148"/>
             <a:ext cx="3105604" cy="352182"/>
           </a:xfrm>
           <a:ln/>
@@ -14990,7 +15172,7 @@
         </p:nvSpPr>
         <p:spPr>
           <a:xfrm>
-            <a:off x="925167" y="3295185"/>
+            <a:off x="766138" y="3821193"/>
             <a:ext cx="1847114" cy="352182"/>
           </a:xfrm>
           <a:prstGeom prst="rect">
@@ -15263,7 +15445,7 @@
         </p:nvSpPr>
         <p:spPr>
           <a:xfrm>
-            <a:off x="3103508" y="2887213"/>
+            <a:off x="3171747" y="3821193"/>
             <a:ext cx="3105604" cy="352182"/>
           </a:xfrm>
           <a:prstGeom prst="rect">
@@ -15535,8 +15717,8 @@
         </p:nvCxnSpPr>
         <p:spPr>
           <a:xfrm>
-            <a:off x="4656310" y="2298585"/>
-            <a:ext cx="0" cy="588628"/>
+            <a:off x="4724549" y="3521330"/>
+            <a:ext cx="0" cy="299863"/>
           </a:xfrm>
           <a:prstGeom prst="straightConnector1">
             <a:avLst/>
@@ -15571,13 +15753,1144 @@
           </p:cNvPr>
           <p:cNvCxnSpPr>
             <a:cxnSpLocks/>
+            <a:stCxn id="4" idx="3"/>
+            <a:endCxn id="5" idx="1"/>
           </p:cNvCxnSpPr>
           <p:nvPr/>
         </p:nvCxnSpPr>
         <p:spPr>
-          <a:xfrm rot="19800000">
-            <a:off x="2441056" y="3122027"/>
-            <a:ext cx="662451" cy="0"/>
+          <a:xfrm>
+            <a:off x="2613252" y="3997284"/>
+            <a:ext cx="558495" cy="0"/>
+          </a:xfrm>
+          <a:prstGeom prst="straightConnector1">
+            <a:avLst/>
+          </a:prstGeom>
+          <a:ln>
+            <a:tailEnd type="triangle"/>
+          </a:ln>
+        </p:spPr>
+        <p:style>
+          <a:lnRef idx="1">
+            <a:schemeClr val="accent1"/>
+          </a:lnRef>
+          <a:fillRef idx="0">
+            <a:schemeClr val="accent1"/>
+          </a:fillRef>
+          <a:effectRef idx="0">
+            <a:schemeClr val="accent1"/>
+          </a:effectRef>
+          <a:fontRef idx="minor">
+            <a:schemeClr val="tx1"/>
+          </a:fontRef>
+        </p:style>
+      </p:cxnSp>
+      <p:sp>
+        <p:nvSpPr>
+          <p:cNvPr id="11" name="Content Placeholder 2">
+            <a:extLst>
+              <a:ext uri="{FF2B5EF4-FFF2-40B4-BE49-F238E27FC236}">
+                <a16:creationId xmlns:a16="http://schemas.microsoft.com/office/drawing/2014/main" id="{9ADC9AFA-CF20-4AA8-BF3F-255C176DB6AD}"/>
+              </a:ext>
+            </a:extLst>
+          </p:cNvPr>
+          <p:cNvSpPr txBox="1">
+            <a:spLocks/>
+          </p:cNvSpPr>
+          <p:nvPr/>
+        </p:nvSpPr>
+        <p:spPr>
+          <a:xfrm>
+            <a:off x="7338264" y="1831886"/>
+            <a:ext cx="1677100" cy="352182"/>
+          </a:xfrm>
+          <a:prstGeom prst="rect">
+            <a:avLst/>
+          </a:prstGeom>
+          <a:ln/>
+        </p:spPr>
+        <p:style>
+          <a:lnRef idx="0">
+            <a:schemeClr val="accent1"/>
+          </a:lnRef>
+          <a:fillRef idx="3">
+            <a:schemeClr val="accent1"/>
+          </a:fillRef>
+          <a:effectRef idx="3">
+            <a:schemeClr val="accent1"/>
+          </a:effectRef>
+          <a:fontRef idx="minor">
+            <a:schemeClr val="lt1"/>
+          </a:fontRef>
+        </p:style>
+        <p:txBody>
+          <a:bodyPr vert="horz" lIns="0" tIns="45720" rIns="0" bIns="45720" rtlCol="0">
+            <a:normAutofit lnSpcReduction="10000"/>
+          </a:bodyPr>
+          <a:lstStyle>
+            <a:lvl1pPr marL="91440" indent="-91440" algn="l" defTabSz="914400" rtl="0" eaLnBrk="1" latinLnBrk="0" hangingPunct="1">
+              <a:lnSpc>
+                <a:spcPct val="90000"/>
+              </a:lnSpc>
+              <a:spcBef>
+                <a:spcPts val="1200"/>
+              </a:spcBef>
+              <a:spcAft>
+                <a:spcPts val="200"/>
+              </a:spcAft>
+              <a:buClr>
+                <a:schemeClr val="accent1"/>
+              </a:buClr>
+              <a:buSzPct val="100000"/>
+              <a:buFont typeface="Calibri" panose="020F0502020204030204" pitchFamily="34" charset="0"/>
+              <a:buChar char=" "/>
+              <a:defRPr sz="2000" kern="1200">
+                <a:solidFill>
+                  <a:schemeClr val="lt1"/>
+                </a:solidFill>
+                <a:latin typeface="+mn-lt"/>
+                <a:ea typeface="+mn-ea"/>
+                <a:cs typeface="+mn-cs"/>
+              </a:defRPr>
+            </a:lvl1pPr>
+            <a:lvl2pPr marL="384048" indent="-182880" algn="l" defTabSz="914400" rtl="0" eaLnBrk="1" latinLnBrk="0" hangingPunct="1">
+              <a:lnSpc>
+                <a:spcPct val="90000"/>
+              </a:lnSpc>
+              <a:spcBef>
+                <a:spcPts val="200"/>
+              </a:spcBef>
+              <a:spcAft>
+                <a:spcPts val="400"/>
+              </a:spcAft>
+              <a:buClr>
+                <a:schemeClr val="accent1"/>
+              </a:buClr>
+              <a:buFont typeface="Calibri" pitchFamily="34" charset="0"/>
+              <a:buChar char="◦"/>
+              <a:defRPr sz="1800" kern="1200">
+                <a:solidFill>
+                  <a:schemeClr val="lt1"/>
+                </a:solidFill>
+                <a:latin typeface="+mn-lt"/>
+                <a:ea typeface="+mn-ea"/>
+                <a:cs typeface="+mn-cs"/>
+              </a:defRPr>
+            </a:lvl2pPr>
+            <a:lvl3pPr marL="566928" indent="-182880" algn="l" defTabSz="914400" rtl="0" eaLnBrk="1" latinLnBrk="0" hangingPunct="1">
+              <a:lnSpc>
+                <a:spcPct val="90000"/>
+              </a:lnSpc>
+              <a:spcBef>
+                <a:spcPts val="200"/>
+              </a:spcBef>
+              <a:spcAft>
+                <a:spcPts val="400"/>
+              </a:spcAft>
+              <a:buClr>
+                <a:schemeClr val="accent1"/>
+              </a:buClr>
+              <a:buFont typeface="Calibri" pitchFamily="34" charset="0"/>
+              <a:buChar char="◦"/>
+              <a:defRPr sz="1400" kern="1200">
+                <a:solidFill>
+                  <a:schemeClr val="lt1"/>
+                </a:solidFill>
+                <a:latin typeface="+mn-lt"/>
+                <a:ea typeface="+mn-ea"/>
+                <a:cs typeface="+mn-cs"/>
+              </a:defRPr>
+            </a:lvl3pPr>
+            <a:lvl4pPr marL="749808" indent="-182880" algn="l" defTabSz="914400" rtl="0" eaLnBrk="1" latinLnBrk="0" hangingPunct="1">
+              <a:lnSpc>
+                <a:spcPct val="90000"/>
+              </a:lnSpc>
+              <a:spcBef>
+                <a:spcPts val="200"/>
+              </a:spcBef>
+              <a:spcAft>
+                <a:spcPts val="400"/>
+              </a:spcAft>
+              <a:buClr>
+                <a:schemeClr val="accent1"/>
+              </a:buClr>
+              <a:buFont typeface="Calibri" pitchFamily="34" charset="0"/>
+              <a:buChar char="◦"/>
+              <a:defRPr sz="1400" kern="1200">
+                <a:solidFill>
+                  <a:schemeClr val="lt1"/>
+                </a:solidFill>
+                <a:latin typeface="+mn-lt"/>
+                <a:ea typeface="+mn-ea"/>
+                <a:cs typeface="+mn-cs"/>
+              </a:defRPr>
+            </a:lvl4pPr>
+            <a:lvl5pPr marL="932688" indent="-182880" algn="l" defTabSz="914400" rtl="0" eaLnBrk="1" latinLnBrk="0" hangingPunct="1">
+              <a:lnSpc>
+                <a:spcPct val="90000"/>
+              </a:lnSpc>
+              <a:spcBef>
+                <a:spcPts val="200"/>
+              </a:spcBef>
+              <a:spcAft>
+                <a:spcPts val="400"/>
+              </a:spcAft>
+              <a:buClr>
+                <a:schemeClr val="accent1"/>
+              </a:buClr>
+              <a:buFont typeface="Calibri" pitchFamily="34" charset="0"/>
+              <a:buChar char="◦"/>
+              <a:defRPr sz="1400" kern="1200">
+                <a:solidFill>
+                  <a:schemeClr val="lt1"/>
+                </a:solidFill>
+                <a:latin typeface="+mn-lt"/>
+                <a:ea typeface="+mn-ea"/>
+                <a:cs typeface="+mn-cs"/>
+              </a:defRPr>
+            </a:lvl5pPr>
+            <a:lvl6pPr marL="1100000" indent="-228600" algn="l" defTabSz="914400" rtl="0" eaLnBrk="1" latinLnBrk="0" hangingPunct="1">
+              <a:lnSpc>
+                <a:spcPct val="90000"/>
+              </a:lnSpc>
+              <a:spcBef>
+                <a:spcPts val="200"/>
+              </a:spcBef>
+              <a:spcAft>
+                <a:spcPts val="400"/>
+              </a:spcAft>
+              <a:buClr>
+                <a:schemeClr val="accent1"/>
+              </a:buClr>
+              <a:buFont typeface="Calibri" pitchFamily="34" charset="0"/>
+              <a:buChar char="◦"/>
+              <a:defRPr sz="1400" kern="1200">
+                <a:solidFill>
+                  <a:schemeClr val="lt1"/>
+                </a:solidFill>
+                <a:latin typeface="+mn-lt"/>
+                <a:ea typeface="+mn-ea"/>
+                <a:cs typeface="+mn-cs"/>
+              </a:defRPr>
+            </a:lvl6pPr>
+            <a:lvl7pPr marL="1300000" indent="-228600" algn="l" defTabSz="914400" rtl="0" eaLnBrk="1" latinLnBrk="0" hangingPunct="1">
+              <a:lnSpc>
+                <a:spcPct val="90000"/>
+              </a:lnSpc>
+              <a:spcBef>
+                <a:spcPts val="200"/>
+              </a:spcBef>
+              <a:spcAft>
+                <a:spcPts val="400"/>
+              </a:spcAft>
+              <a:buClr>
+                <a:schemeClr val="accent1"/>
+              </a:buClr>
+              <a:buFont typeface="Calibri" pitchFamily="34" charset="0"/>
+              <a:buChar char="◦"/>
+              <a:defRPr sz="1400" kern="1200">
+                <a:solidFill>
+                  <a:schemeClr val="lt1"/>
+                </a:solidFill>
+                <a:latin typeface="+mn-lt"/>
+                <a:ea typeface="+mn-ea"/>
+                <a:cs typeface="+mn-cs"/>
+              </a:defRPr>
+            </a:lvl7pPr>
+            <a:lvl8pPr marL="1500000" indent="-228600" algn="l" defTabSz="914400" rtl="0" eaLnBrk="1" latinLnBrk="0" hangingPunct="1">
+              <a:lnSpc>
+                <a:spcPct val="90000"/>
+              </a:lnSpc>
+              <a:spcBef>
+                <a:spcPts val="200"/>
+              </a:spcBef>
+              <a:spcAft>
+                <a:spcPts val="400"/>
+              </a:spcAft>
+              <a:buClr>
+                <a:schemeClr val="accent1"/>
+              </a:buClr>
+              <a:buFont typeface="Calibri" pitchFamily="34" charset="0"/>
+              <a:buChar char="◦"/>
+              <a:defRPr sz="1400" kern="1200">
+                <a:solidFill>
+                  <a:schemeClr val="lt1"/>
+                </a:solidFill>
+                <a:latin typeface="+mn-lt"/>
+                <a:ea typeface="+mn-ea"/>
+                <a:cs typeface="+mn-cs"/>
+              </a:defRPr>
+            </a:lvl8pPr>
+            <a:lvl9pPr marL="1700000" indent="-228600" algn="l" defTabSz="914400" rtl="0" eaLnBrk="1" latinLnBrk="0" hangingPunct="1">
+              <a:lnSpc>
+                <a:spcPct val="90000"/>
+              </a:lnSpc>
+              <a:spcBef>
+                <a:spcPts val="200"/>
+              </a:spcBef>
+              <a:spcAft>
+                <a:spcPts val="400"/>
+              </a:spcAft>
+              <a:buClr>
+                <a:schemeClr val="accent1"/>
+              </a:buClr>
+              <a:buFont typeface="Calibri" pitchFamily="34" charset="0"/>
+              <a:buChar char="◦"/>
+              <a:defRPr sz="1400" kern="1200">
+                <a:solidFill>
+                  <a:schemeClr val="lt1"/>
+                </a:solidFill>
+                <a:latin typeface="+mn-lt"/>
+                <a:ea typeface="+mn-ea"/>
+                <a:cs typeface="+mn-cs"/>
+              </a:defRPr>
+            </a:lvl9pPr>
+          </a:lstStyle>
+          <a:p>
+            <a:pPr marL="0" indent="0" algn="ctr">
+              <a:buFont typeface="Calibri" panose="020F0502020204030204" pitchFamily="34" charset="0"/>
+              <a:buNone/>
+            </a:pPr>
+            <a:r>
+              <a:rPr lang="en-GB" dirty="0"/>
+              <a:t>Messaging</a:t>
+            </a:r>
+          </a:p>
+        </p:txBody>
+      </p:sp>
+      <p:sp>
+        <p:nvSpPr>
+          <p:cNvPr id="12" name="Content Placeholder 2">
+            <a:extLst>
+              <a:ext uri="{FF2B5EF4-FFF2-40B4-BE49-F238E27FC236}">
+                <a16:creationId xmlns:a16="http://schemas.microsoft.com/office/drawing/2014/main" id="{94DA7041-7757-4025-A6D5-ABB66E5A32B0}"/>
+              </a:ext>
+            </a:extLst>
+          </p:cNvPr>
+          <p:cNvSpPr txBox="1">
+            <a:spLocks/>
+          </p:cNvSpPr>
+          <p:nvPr/>
+        </p:nvSpPr>
+        <p:spPr>
+          <a:xfrm>
+            <a:off x="3171745" y="4654346"/>
+            <a:ext cx="3105604" cy="352182"/>
+          </a:xfrm>
+          <a:prstGeom prst="rect">
+            <a:avLst/>
+          </a:prstGeom>
+        </p:spPr>
+        <p:style>
+          <a:lnRef idx="0">
+            <a:schemeClr val="accent6"/>
+          </a:lnRef>
+          <a:fillRef idx="3">
+            <a:schemeClr val="accent6"/>
+          </a:fillRef>
+          <a:effectRef idx="3">
+            <a:schemeClr val="accent6"/>
+          </a:effectRef>
+          <a:fontRef idx="minor">
+            <a:schemeClr val="lt1"/>
+          </a:fontRef>
+        </p:style>
+        <p:txBody>
+          <a:bodyPr vert="horz" lIns="0" tIns="45720" rIns="0" bIns="45720" rtlCol="0">
+            <a:normAutofit lnSpcReduction="10000"/>
+          </a:bodyPr>
+          <a:lstStyle>
+            <a:lvl1pPr marL="91440" indent="-91440" algn="l" defTabSz="914400" rtl="0" eaLnBrk="1" latinLnBrk="0" hangingPunct="1">
+              <a:lnSpc>
+                <a:spcPct val="90000"/>
+              </a:lnSpc>
+              <a:spcBef>
+                <a:spcPts val="1200"/>
+              </a:spcBef>
+              <a:spcAft>
+                <a:spcPts val="200"/>
+              </a:spcAft>
+              <a:buClr>
+                <a:schemeClr val="accent1"/>
+              </a:buClr>
+              <a:buSzPct val="100000"/>
+              <a:buFont typeface="Calibri" panose="020F0502020204030204" pitchFamily="34" charset="0"/>
+              <a:buChar char=" "/>
+              <a:defRPr sz="2000" kern="1200">
+                <a:solidFill>
+                  <a:schemeClr val="lt1"/>
+                </a:solidFill>
+                <a:latin typeface="+mn-lt"/>
+                <a:ea typeface="+mn-ea"/>
+                <a:cs typeface="+mn-cs"/>
+              </a:defRPr>
+            </a:lvl1pPr>
+            <a:lvl2pPr marL="384048" indent="-182880" algn="l" defTabSz="914400" rtl="0" eaLnBrk="1" latinLnBrk="0" hangingPunct="1">
+              <a:lnSpc>
+                <a:spcPct val="90000"/>
+              </a:lnSpc>
+              <a:spcBef>
+                <a:spcPts val="200"/>
+              </a:spcBef>
+              <a:spcAft>
+                <a:spcPts val="400"/>
+              </a:spcAft>
+              <a:buClr>
+                <a:schemeClr val="accent1"/>
+              </a:buClr>
+              <a:buFont typeface="Calibri" pitchFamily="34" charset="0"/>
+              <a:buChar char="◦"/>
+              <a:defRPr sz="1800" kern="1200">
+                <a:solidFill>
+                  <a:schemeClr val="lt1"/>
+                </a:solidFill>
+                <a:latin typeface="+mn-lt"/>
+                <a:ea typeface="+mn-ea"/>
+                <a:cs typeface="+mn-cs"/>
+              </a:defRPr>
+            </a:lvl2pPr>
+            <a:lvl3pPr marL="566928" indent="-182880" algn="l" defTabSz="914400" rtl="0" eaLnBrk="1" latinLnBrk="0" hangingPunct="1">
+              <a:lnSpc>
+                <a:spcPct val="90000"/>
+              </a:lnSpc>
+              <a:spcBef>
+                <a:spcPts val="200"/>
+              </a:spcBef>
+              <a:spcAft>
+                <a:spcPts val="400"/>
+              </a:spcAft>
+              <a:buClr>
+                <a:schemeClr val="accent1"/>
+              </a:buClr>
+              <a:buFont typeface="Calibri" pitchFamily="34" charset="0"/>
+              <a:buChar char="◦"/>
+              <a:defRPr sz="1400" kern="1200">
+                <a:solidFill>
+                  <a:schemeClr val="lt1"/>
+                </a:solidFill>
+                <a:latin typeface="+mn-lt"/>
+                <a:ea typeface="+mn-ea"/>
+                <a:cs typeface="+mn-cs"/>
+              </a:defRPr>
+            </a:lvl3pPr>
+            <a:lvl4pPr marL="749808" indent="-182880" algn="l" defTabSz="914400" rtl="0" eaLnBrk="1" latinLnBrk="0" hangingPunct="1">
+              <a:lnSpc>
+                <a:spcPct val="90000"/>
+              </a:lnSpc>
+              <a:spcBef>
+                <a:spcPts val="200"/>
+              </a:spcBef>
+              <a:spcAft>
+                <a:spcPts val="400"/>
+              </a:spcAft>
+              <a:buClr>
+                <a:schemeClr val="accent1"/>
+              </a:buClr>
+              <a:buFont typeface="Calibri" pitchFamily="34" charset="0"/>
+              <a:buChar char="◦"/>
+              <a:defRPr sz="1400" kern="1200">
+                <a:solidFill>
+                  <a:schemeClr val="lt1"/>
+                </a:solidFill>
+                <a:latin typeface="+mn-lt"/>
+                <a:ea typeface="+mn-ea"/>
+                <a:cs typeface="+mn-cs"/>
+              </a:defRPr>
+            </a:lvl4pPr>
+            <a:lvl5pPr marL="932688" indent="-182880" algn="l" defTabSz="914400" rtl="0" eaLnBrk="1" latinLnBrk="0" hangingPunct="1">
+              <a:lnSpc>
+                <a:spcPct val="90000"/>
+              </a:lnSpc>
+              <a:spcBef>
+                <a:spcPts val="200"/>
+              </a:spcBef>
+              <a:spcAft>
+                <a:spcPts val="400"/>
+              </a:spcAft>
+              <a:buClr>
+                <a:schemeClr val="accent1"/>
+              </a:buClr>
+              <a:buFont typeface="Calibri" pitchFamily="34" charset="0"/>
+              <a:buChar char="◦"/>
+              <a:defRPr sz="1400" kern="1200">
+                <a:solidFill>
+                  <a:schemeClr val="lt1"/>
+                </a:solidFill>
+                <a:latin typeface="+mn-lt"/>
+                <a:ea typeface="+mn-ea"/>
+                <a:cs typeface="+mn-cs"/>
+              </a:defRPr>
+            </a:lvl5pPr>
+            <a:lvl6pPr marL="1100000" indent="-228600" algn="l" defTabSz="914400" rtl="0" eaLnBrk="1" latinLnBrk="0" hangingPunct="1">
+              <a:lnSpc>
+                <a:spcPct val="90000"/>
+              </a:lnSpc>
+              <a:spcBef>
+                <a:spcPts val="200"/>
+              </a:spcBef>
+              <a:spcAft>
+                <a:spcPts val="400"/>
+              </a:spcAft>
+              <a:buClr>
+                <a:schemeClr val="accent1"/>
+              </a:buClr>
+              <a:buFont typeface="Calibri" pitchFamily="34" charset="0"/>
+              <a:buChar char="◦"/>
+              <a:defRPr sz="1400" kern="1200">
+                <a:solidFill>
+                  <a:schemeClr val="lt1"/>
+                </a:solidFill>
+                <a:latin typeface="+mn-lt"/>
+                <a:ea typeface="+mn-ea"/>
+                <a:cs typeface="+mn-cs"/>
+              </a:defRPr>
+            </a:lvl6pPr>
+            <a:lvl7pPr marL="1300000" indent="-228600" algn="l" defTabSz="914400" rtl="0" eaLnBrk="1" latinLnBrk="0" hangingPunct="1">
+              <a:lnSpc>
+                <a:spcPct val="90000"/>
+              </a:lnSpc>
+              <a:spcBef>
+                <a:spcPts val="200"/>
+              </a:spcBef>
+              <a:spcAft>
+                <a:spcPts val="400"/>
+              </a:spcAft>
+              <a:buClr>
+                <a:schemeClr val="accent1"/>
+              </a:buClr>
+              <a:buFont typeface="Calibri" pitchFamily="34" charset="0"/>
+              <a:buChar char="◦"/>
+              <a:defRPr sz="1400" kern="1200">
+                <a:solidFill>
+                  <a:schemeClr val="lt1"/>
+                </a:solidFill>
+                <a:latin typeface="+mn-lt"/>
+                <a:ea typeface="+mn-ea"/>
+                <a:cs typeface="+mn-cs"/>
+              </a:defRPr>
+            </a:lvl7pPr>
+            <a:lvl8pPr marL="1500000" indent="-228600" algn="l" defTabSz="914400" rtl="0" eaLnBrk="1" latinLnBrk="0" hangingPunct="1">
+              <a:lnSpc>
+                <a:spcPct val="90000"/>
+              </a:lnSpc>
+              <a:spcBef>
+                <a:spcPts val="200"/>
+              </a:spcBef>
+              <a:spcAft>
+                <a:spcPts val="400"/>
+              </a:spcAft>
+              <a:buClr>
+                <a:schemeClr val="accent1"/>
+              </a:buClr>
+              <a:buFont typeface="Calibri" pitchFamily="34" charset="0"/>
+              <a:buChar char="◦"/>
+              <a:defRPr sz="1400" kern="1200">
+                <a:solidFill>
+                  <a:schemeClr val="lt1"/>
+                </a:solidFill>
+                <a:latin typeface="+mn-lt"/>
+                <a:ea typeface="+mn-ea"/>
+                <a:cs typeface="+mn-cs"/>
+              </a:defRPr>
+            </a:lvl8pPr>
+            <a:lvl9pPr marL="1700000" indent="-228600" algn="l" defTabSz="914400" rtl="0" eaLnBrk="1" latinLnBrk="0" hangingPunct="1">
+              <a:lnSpc>
+                <a:spcPct val="90000"/>
+              </a:lnSpc>
+              <a:spcBef>
+                <a:spcPts val="200"/>
+              </a:spcBef>
+              <a:spcAft>
+                <a:spcPts val="400"/>
+              </a:spcAft>
+              <a:buClr>
+                <a:schemeClr val="accent1"/>
+              </a:buClr>
+              <a:buFont typeface="Calibri" pitchFamily="34" charset="0"/>
+              <a:buChar char="◦"/>
+              <a:defRPr sz="1400" kern="1200">
+                <a:solidFill>
+                  <a:schemeClr val="lt1"/>
+                </a:solidFill>
+                <a:latin typeface="+mn-lt"/>
+                <a:ea typeface="+mn-ea"/>
+                <a:cs typeface="+mn-cs"/>
+              </a:defRPr>
+            </a:lvl9pPr>
+          </a:lstStyle>
+          <a:p>
+            <a:pPr marL="0" indent="0" algn="ctr">
+              <a:buNone/>
+            </a:pPr>
+            <a:r>
+              <a:rPr lang="en-GB" dirty="0"/>
+              <a:t>Skill Messaging</a:t>
+            </a:r>
+          </a:p>
+        </p:txBody>
+      </p:sp>
+      <p:sp>
+        <p:nvSpPr>
+          <p:cNvPr id="16" name="Content Placeholder 2">
+            <a:extLst>
+              <a:ext uri="{FF2B5EF4-FFF2-40B4-BE49-F238E27FC236}">
+                <a16:creationId xmlns:a16="http://schemas.microsoft.com/office/drawing/2014/main" id="{A14616E9-2140-4EB3-B129-F1C5380F1BFB}"/>
+              </a:ext>
+            </a:extLst>
+          </p:cNvPr>
+          <p:cNvSpPr txBox="1">
+            <a:spLocks/>
+          </p:cNvSpPr>
+          <p:nvPr/>
+        </p:nvSpPr>
+        <p:spPr>
+          <a:xfrm>
+            <a:off x="3171745" y="2449134"/>
+            <a:ext cx="3105604" cy="352182"/>
+          </a:xfrm>
+          <a:prstGeom prst="rect">
+            <a:avLst/>
+          </a:prstGeom>
+        </p:spPr>
+        <p:style>
+          <a:lnRef idx="0">
+            <a:schemeClr val="accent6"/>
+          </a:lnRef>
+          <a:fillRef idx="3">
+            <a:schemeClr val="accent6"/>
+          </a:fillRef>
+          <a:effectRef idx="3">
+            <a:schemeClr val="accent6"/>
+          </a:effectRef>
+          <a:fontRef idx="minor">
+            <a:schemeClr val="lt1"/>
+          </a:fontRef>
+        </p:style>
+        <p:txBody>
+          <a:bodyPr vert="horz" lIns="0" tIns="45720" rIns="0" bIns="45720" rtlCol="0">
+            <a:normAutofit lnSpcReduction="10000"/>
+          </a:bodyPr>
+          <a:lstStyle>
+            <a:lvl1pPr marL="91440" indent="-91440" algn="l" defTabSz="914400" rtl="0" eaLnBrk="1" latinLnBrk="0" hangingPunct="1">
+              <a:lnSpc>
+                <a:spcPct val="90000"/>
+              </a:lnSpc>
+              <a:spcBef>
+                <a:spcPts val="1200"/>
+              </a:spcBef>
+              <a:spcAft>
+                <a:spcPts val="200"/>
+              </a:spcAft>
+              <a:buClr>
+                <a:schemeClr val="accent1"/>
+              </a:buClr>
+              <a:buSzPct val="100000"/>
+              <a:buFont typeface="Calibri" panose="020F0502020204030204" pitchFamily="34" charset="0"/>
+              <a:buChar char=" "/>
+              <a:defRPr sz="2000" kern="1200">
+                <a:solidFill>
+                  <a:schemeClr val="lt1"/>
+                </a:solidFill>
+                <a:latin typeface="+mn-lt"/>
+                <a:ea typeface="+mn-ea"/>
+                <a:cs typeface="+mn-cs"/>
+              </a:defRPr>
+            </a:lvl1pPr>
+            <a:lvl2pPr marL="384048" indent="-182880" algn="l" defTabSz="914400" rtl="0" eaLnBrk="1" latinLnBrk="0" hangingPunct="1">
+              <a:lnSpc>
+                <a:spcPct val="90000"/>
+              </a:lnSpc>
+              <a:spcBef>
+                <a:spcPts val="200"/>
+              </a:spcBef>
+              <a:spcAft>
+                <a:spcPts val="400"/>
+              </a:spcAft>
+              <a:buClr>
+                <a:schemeClr val="accent1"/>
+              </a:buClr>
+              <a:buFont typeface="Calibri" pitchFamily="34" charset="0"/>
+              <a:buChar char="◦"/>
+              <a:defRPr sz="1800" kern="1200">
+                <a:solidFill>
+                  <a:schemeClr val="lt1"/>
+                </a:solidFill>
+                <a:latin typeface="+mn-lt"/>
+                <a:ea typeface="+mn-ea"/>
+                <a:cs typeface="+mn-cs"/>
+              </a:defRPr>
+            </a:lvl2pPr>
+            <a:lvl3pPr marL="566928" indent="-182880" algn="l" defTabSz="914400" rtl="0" eaLnBrk="1" latinLnBrk="0" hangingPunct="1">
+              <a:lnSpc>
+                <a:spcPct val="90000"/>
+              </a:lnSpc>
+              <a:spcBef>
+                <a:spcPts val="200"/>
+              </a:spcBef>
+              <a:spcAft>
+                <a:spcPts val="400"/>
+              </a:spcAft>
+              <a:buClr>
+                <a:schemeClr val="accent1"/>
+              </a:buClr>
+              <a:buFont typeface="Calibri" pitchFamily="34" charset="0"/>
+              <a:buChar char="◦"/>
+              <a:defRPr sz="1400" kern="1200">
+                <a:solidFill>
+                  <a:schemeClr val="lt1"/>
+                </a:solidFill>
+                <a:latin typeface="+mn-lt"/>
+                <a:ea typeface="+mn-ea"/>
+                <a:cs typeface="+mn-cs"/>
+              </a:defRPr>
+            </a:lvl3pPr>
+            <a:lvl4pPr marL="749808" indent="-182880" algn="l" defTabSz="914400" rtl="0" eaLnBrk="1" latinLnBrk="0" hangingPunct="1">
+              <a:lnSpc>
+                <a:spcPct val="90000"/>
+              </a:lnSpc>
+              <a:spcBef>
+                <a:spcPts val="200"/>
+              </a:spcBef>
+              <a:spcAft>
+                <a:spcPts val="400"/>
+              </a:spcAft>
+              <a:buClr>
+                <a:schemeClr val="accent1"/>
+              </a:buClr>
+              <a:buFont typeface="Calibri" pitchFamily="34" charset="0"/>
+              <a:buChar char="◦"/>
+              <a:defRPr sz="1400" kern="1200">
+                <a:solidFill>
+                  <a:schemeClr val="lt1"/>
+                </a:solidFill>
+                <a:latin typeface="+mn-lt"/>
+                <a:ea typeface="+mn-ea"/>
+                <a:cs typeface="+mn-cs"/>
+              </a:defRPr>
+            </a:lvl4pPr>
+            <a:lvl5pPr marL="932688" indent="-182880" algn="l" defTabSz="914400" rtl="0" eaLnBrk="1" latinLnBrk="0" hangingPunct="1">
+              <a:lnSpc>
+                <a:spcPct val="90000"/>
+              </a:lnSpc>
+              <a:spcBef>
+                <a:spcPts val="200"/>
+              </a:spcBef>
+              <a:spcAft>
+                <a:spcPts val="400"/>
+              </a:spcAft>
+              <a:buClr>
+                <a:schemeClr val="accent1"/>
+              </a:buClr>
+              <a:buFont typeface="Calibri" pitchFamily="34" charset="0"/>
+              <a:buChar char="◦"/>
+              <a:defRPr sz="1400" kern="1200">
+                <a:solidFill>
+                  <a:schemeClr val="lt1"/>
+                </a:solidFill>
+                <a:latin typeface="+mn-lt"/>
+                <a:ea typeface="+mn-ea"/>
+                <a:cs typeface="+mn-cs"/>
+              </a:defRPr>
+            </a:lvl5pPr>
+            <a:lvl6pPr marL="1100000" indent="-228600" algn="l" defTabSz="914400" rtl="0" eaLnBrk="1" latinLnBrk="0" hangingPunct="1">
+              <a:lnSpc>
+                <a:spcPct val="90000"/>
+              </a:lnSpc>
+              <a:spcBef>
+                <a:spcPts val="200"/>
+              </a:spcBef>
+              <a:spcAft>
+                <a:spcPts val="400"/>
+              </a:spcAft>
+              <a:buClr>
+                <a:schemeClr val="accent1"/>
+              </a:buClr>
+              <a:buFont typeface="Calibri" pitchFamily="34" charset="0"/>
+              <a:buChar char="◦"/>
+              <a:defRPr sz="1400" kern="1200">
+                <a:solidFill>
+                  <a:schemeClr val="lt1"/>
+                </a:solidFill>
+                <a:latin typeface="+mn-lt"/>
+                <a:ea typeface="+mn-ea"/>
+                <a:cs typeface="+mn-cs"/>
+              </a:defRPr>
+            </a:lvl6pPr>
+            <a:lvl7pPr marL="1300000" indent="-228600" algn="l" defTabSz="914400" rtl="0" eaLnBrk="1" latinLnBrk="0" hangingPunct="1">
+              <a:lnSpc>
+                <a:spcPct val="90000"/>
+              </a:lnSpc>
+              <a:spcBef>
+                <a:spcPts val="200"/>
+              </a:spcBef>
+              <a:spcAft>
+                <a:spcPts val="400"/>
+              </a:spcAft>
+              <a:buClr>
+                <a:schemeClr val="accent1"/>
+              </a:buClr>
+              <a:buFont typeface="Calibri" pitchFamily="34" charset="0"/>
+              <a:buChar char="◦"/>
+              <a:defRPr sz="1400" kern="1200">
+                <a:solidFill>
+                  <a:schemeClr val="lt1"/>
+                </a:solidFill>
+                <a:latin typeface="+mn-lt"/>
+                <a:ea typeface="+mn-ea"/>
+                <a:cs typeface="+mn-cs"/>
+              </a:defRPr>
+            </a:lvl7pPr>
+            <a:lvl8pPr marL="1500000" indent="-228600" algn="l" defTabSz="914400" rtl="0" eaLnBrk="1" latinLnBrk="0" hangingPunct="1">
+              <a:lnSpc>
+                <a:spcPct val="90000"/>
+              </a:lnSpc>
+              <a:spcBef>
+                <a:spcPts val="200"/>
+              </a:spcBef>
+              <a:spcAft>
+                <a:spcPts val="400"/>
+              </a:spcAft>
+              <a:buClr>
+                <a:schemeClr val="accent1"/>
+              </a:buClr>
+              <a:buFont typeface="Calibri" pitchFamily="34" charset="0"/>
+              <a:buChar char="◦"/>
+              <a:defRPr sz="1400" kern="1200">
+                <a:solidFill>
+                  <a:schemeClr val="lt1"/>
+                </a:solidFill>
+                <a:latin typeface="+mn-lt"/>
+                <a:ea typeface="+mn-ea"/>
+                <a:cs typeface="+mn-cs"/>
+              </a:defRPr>
+            </a:lvl8pPr>
+            <a:lvl9pPr marL="1700000" indent="-228600" algn="l" defTabSz="914400" rtl="0" eaLnBrk="1" latinLnBrk="0" hangingPunct="1">
+              <a:lnSpc>
+                <a:spcPct val="90000"/>
+              </a:lnSpc>
+              <a:spcBef>
+                <a:spcPts val="200"/>
+              </a:spcBef>
+              <a:spcAft>
+                <a:spcPts val="400"/>
+              </a:spcAft>
+              <a:buClr>
+                <a:schemeClr val="accent1"/>
+              </a:buClr>
+              <a:buFont typeface="Calibri" pitchFamily="34" charset="0"/>
+              <a:buChar char="◦"/>
+              <a:defRPr sz="1400" kern="1200">
+                <a:solidFill>
+                  <a:schemeClr val="lt1"/>
+                </a:solidFill>
+                <a:latin typeface="+mn-lt"/>
+                <a:ea typeface="+mn-ea"/>
+                <a:cs typeface="+mn-cs"/>
+              </a:defRPr>
+            </a:lvl9pPr>
+          </a:lstStyle>
+          <a:p>
+            <a:pPr marL="0" indent="0" algn="ctr">
+              <a:buNone/>
+            </a:pPr>
+            <a:r>
+              <a:rPr lang="en-GB" dirty="0"/>
+              <a:t>Intent</a:t>
+            </a:r>
+          </a:p>
+        </p:txBody>
+      </p:sp>
+      <p:sp>
+        <p:nvSpPr>
+          <p:cNvPr id="23" name="Content Placeholder 2">
+            <a:extLst>
+              <a:ext uri="{FF2B5EF4-FFF2-40B4-BE49-F238E27FC236}">
+                <a16:creationId xmlns:a16="http://schemas.microsoft.com/office/drawing/2014/main" id="{C72BD379-9659-4C13-9DB9-F37BD08F92F2}"/>
+              </a:ext>
+            </a:extLst>
+          </p:cNvPr>
+          <p:cNvSpPr txBox="1">
+            <a:spLocks/>
+          </p:cNvSpPr>
+          <p:nvPr/>
+        </p:nvSpPr>
+        <p:spPr>
+          <a:xfrm>
+            <a:off x="8390314" y="2459735"/>
+            <a:ext cx="1847113" cy="352182"/>
+          </a:xfrm>
+          <a:prstGeom prst="rect">
+            <a:avLst/>
+          </a:prstGeom>
+        </p:spPr>
+        <p:style>
+          <a:lnRef idx="0">
+            <a:schemeClr val="accent6"/>
+          </a:lnRef>
+          <a:fillRef idx="3">
+            <a:schemeClr val="accent6"/>
+          </a:fillRef>
+          <a:effectRef idx="3">
+            <a:schemeClr val="accent6"/>
+          </a:effectRef>
+          <a:fontRef idx="minor">
+            <a:schemeClr val="lt1"/>
+          </a:fontRef>
+        </p:style>
+        <p:txBody>
+          <a:bodyPr vert="horz" lIns="0" tIns="45720" rIns="0" bIns="45720" rtlCol="0">
+            <a:normAutofit/>
+          </a:bodyPr>
+          <a:lstStyle>
+            <a:lvl1pPr marL="91440" indent="-91440" algn="l" defTabSz="914400" rtl="0" eaLnBrk="1" latinLnBrk="0" hangingPunct="1">
+              <a:lnSpc>
+                <a:spcPct val="90000"/>
+              </a:lnSpc>
+              <a:spcBef>
+                <a:spcPts val="1200"/>
+              </a:spcBef>
+              <a:spcAft>
+                <a:spcPts val="200"/>
+              </a:spcAft>
+              <a:buClr>
+                <a:schemeClr val="accent1"/>
+              </a:buClr>
+              <a:buSzPct val="100000"/>
+              <a:buFont typeface="Calibri" panose="020F0502020204030204" pitchFamily="34" charset="0"/>
+              <a:buChar char=" "/>
+              <a:defRPr sz="2000" kern="1200">
+                <a:solidFill>
+                  <a:schemeClr val="lt1"/>
+                </a:solidFill>
+                <a:latin typeface="+mn-lt"/>
+                <a:ea typeface="+mn-ea"/>
+                <a:cs typeface="+mn-cs"/>
+              </a:defRPr>
+            </a:lvl1pPr>
+            <a:lvl2pPr marL="384048" indent="-182880" algn="l" defTabSz="914400" rtl="0" eaLnBrk="1" latinLnBrk="0" hangingPunct="1">
+              <a:lnSpc>
+                <a:spcPct val="90000"/>
+              </a:lnSpc>
+              <a:spcBef>
+                <a:spcPts val="200"/>
+              </a:spcBef>
+              <a:spcAft>
+                <a:spcPts val="400"/>
+              </a:spcAft>
+              <a:buClr>
+                <a:schemeClr val="accent1"/>
+              </a:buClr>
+              <a:buFont typeface="Calibri" pitchFamily="34" charset="0"/>
+              <a:buChar char="◦"/>
+              <a:defRPr sz="1800" kern="1200">
+                <a:solidFill>
+                  <a:schemeClr val="lt1"/>
+                </a:solidFill>
+                <a:latin typeface="+mn-lt"/>
+                <a:ea typeface="+mn-ea"/>
+                <a:cs typeface="+mn-cs"/>
+              </a:defRPr>
+            </a:lvl2pPr>
+            <a:lvl3pPr marL="566928" indent="-182880" algn="l" defTabSz="914400" rtl="0" eaLnBrk="1" latinLnBrk="0" hangingPunct="1">
+              <a:lnSpc>
+                <a:spcPct val="90000"/>
+              </a:lnSpc>
+              <a:spcBef>
+                <a:spcPts val="200"/>
+              </a:spcBef>
+              <a:spcAft>
+                <a:spcPts val="400"/>
+              </a:spcAft>
+              <a:buClr>
+                <a:schemeClr val="accent1"/>
+              </a:buClr>
+              <a:buFont typeface="Calibri" pitchFamily="34" charset="0"/>
+              <a:buChar char="◦"/>
+              <a:defRPr sz="1400" kern="1200">
+                <a:solidFill>
+                  <a:schemeClr val="lt1"/>
+                </a:solidFill>
+                <a:latin typeface="+mn-lt"/>
+                <a:ea typeface="+mn-ea"/>
+                <a:cs typeface="+mn-cs"/>
+              </a:defRPr>
+            </a:lvl3pPr>
+            <a:lvl4pPr marL="749808" indent="-182880" algn="l" defTabSz="914400" rtl="0" eaLnBrk="1" latinLnBrk="0" hangingPunct="1">
+              <a:lnSpc>
+                <a:spcPct val="90000"/>
+              </a:lnSpc>
+              <a:spcBef>
+                <a:spcPts val="200"/>
+              </a:spcBef>
+              <a:spcAft>
+                <a:spcPts val="400"/>
+              </a:spcAft>
+              <a:buClr>
+                <a:schemeClr val="accent1"/>
+              </a:buClr>
+              <a:buFont typeface="Calibri" pitchFamily="34" charset="0"/>
+              <a:buChar char="◦"/>
+              <a:defRPr sz="1400" kern="1200">
+                <a:solidFill>
+                  <a:schemeClr val="lt1"/>
+                </a:solidFill>
+                <a:latin typeface="+mn-lt"/>
+                <a:ea typeface="+mn-ea"/>
+                <a:cs typeface="+mn-cs"/>
+              </a:defRPr>
+            </a:lvl4pPr>
+            <a:lvl5pPr marL="932688" indent="-182880" algn="l" defTabSz="914400" rtl="0" eaLnBrk="1" latinLnBrk="0" hangingPunct="1">
+              <a:lnSpc>
+                <a:spcPct val="90000"/>
+              </a:lnSpc>
+              <a:spcBef>
+                <a:spcPts val="200"/>
+              </a:spcBef>
+              <a:spcAft>
+                <a:spcPts val="400"/>
+              </a:spcAft>
+              <a:buClr>
+                <a:schemeClr val="accent1"/>
+              </a:buClr>
+              <a:buFont typeface="Calibri" pitchFamily="34" charset="0"/>
+              <a:buChar char="◦"/>
+              <a:defRPr sz="1400" kern="1200">
+                <a:solidFill>
+                  <a:schemeClr val="lt1"/>
+                </a:solidFill>
+                <a:latin typeface="+mn-lt"/>
+                <a:ea typeface="+mn-ea"/>
+                <a:cs typeface="+mn-cs"/>
+              </a:defRPr>
+            </a:lvl5pPr>
+            <a:lvl6pPr marL="1100000" indent="-228600" algn="l" defTabSz="914400" rtl="0" eaLnBrk="1" latinLnBrk="0" hangingPunct="1">
+              <a:lnSpc>
+                <a:spcPct val="90000"/>
+              </a:lnSpc>
+              <a:spcBef>
+                <a:spcPts val="200"/>
+              </a:spcBef>
+              <a:spcAft>
+                <a:spcPts val="400"/>
+              </a:spcAft>
+              <a:buClr>
+                <a:schemeClr val="accent1"/>
+              </a:buClr>
+              <a:buFont typeface="Calibri" pitchFamily="34" charset="0"/>
+              <a:buChar char="◦"/>
+              <a:defRPr sz="1400" kern="1200">
+                <a:solidFill>
+                  <a:schemeClr val="lt1"/>
+                </a:solidFill>
+                <a:latin typeface="+mn-lt"/>
+                <a:ea typeface="+mn-ea"/>
+                <a:cs typeface="+mn-cs"/>
+              </a:defRPr>
+            </a:lvl6pPr>
+            <a:lvl7pPr marL="1300000" indent="-228600" algn="l" defTabSz="914400" rtl="0" eaLnBrk="1" latinLnBrk="0" hangingPunct="1">
+              <a:lnSpc>
+                <a:spcPct val="90000"/>
+              </a:lnSpc>
+              <a:spcBef>
+                <a:spcPts val="200"/>
+              </a:spcBef>
+              <a:spcAft>
+                <a:spcPts val="400"/>
+              </a:spcAft>
+              <a:buClr>
+                <a:schemeClr val="accent1"/>
+              </a:buClr>
+              <a:buFont typeface="Calibri" pitchFamily="34" charset="0"/>
+              <a:buChar char="◦"/>
+              <a:defRPr sz="1400" kern="1200">
+                <a:solidFill>
+                  <a:schemeClr val="lt1"/>
+                </a:solidFill>
+                <a:latin typeface="+mn-lt"/>
+                <a:ea typeface="+mn-ea"/>
+                <a:cs typeface="+mn-cs"/>
+              </a:defRPr>
+            </a:lvl7pPr>
+            <a:lvl8pPr marL="1500000" indent="-228600" algn="l" defTabSz="914400" rtl="0" eaLnBrk="1" latinLnBrk="0" hangingPunct="1">
+              <a:lnSpc>
+                <a:spcPct val="90000"/>
+              </a:lnSpc>
+              <a:spcBef>
+                <a:spcPts val="200"/>
+              </a:spcBef>
+              <a:spcAft>
+                <a:spcPts val="400"/>
+              </a:spcAft>
+              <a:buClr>
+                <a:schemeClr val="accent1"/>
+              </a:buClr>
+              <a:buFont typeface="Calibri" pitchFamily="34" charset="0"/>
+              <a:buChar char="◦"/>
+              <a:defRPr sz="1400" kern="1200">
+                <a:solidFill>
+                  <a:schemeClr val="lt1"/>
+                </a:solidFill>
+                <a:latin typeface="+mn-lt"/>
+                <a:ea typeface="+mn-ea"/>
+                <a:cs typeface="+mn-cs"/>
+              </a:defRPr>
+            </a:lvl8pPr>
+            <a:lvl9pPr marL="1700000" indent="-228600" algn="l" defTabSz="914400" rtl="0" eaLnBrk="1" latinLnBrk="0" hangingPunct="1">
+              <a:lnSpc>
+                <a:spcPct val="90000"/>
+              </a:lnSpc>
+              <a:spcBef>
+                <a:spcPts val="200"/>
+              </a:spcBef>
+              <a:spcAft>
+                <a:spcPts val="400"/>
+              </a:spcAft>
+              <a:buClr>
+                <a:schemeClr val="accent1"/>
+              </a:buClr>
+              <a:buFont typeface="Calibri" pitchFamily="34" charset="0"/>
+              <a:buChar char="◦"/>
+              <a:defRPr sz="1400" kern="1200">
+                <a:solidFill>
+                  <a:schemeClr val="lt1"/>
+                </a:solidFill>
+                <a:latin typeface="+mn-lt"/>
+                <a:ea typeface="+mn-ea"/>
+                <a:cs typeface="+mn-cs"/>
+              </a:defRPr>
+            </a:lvl9pPr>
+          </a:lstStyle>
+          <a:p>
+            <a:pPr marL="0" indent="0" algn="ctr">
+              <a:buNone/>
+            </a:pPr>
+            <a:r>
+              <a:rPr lang="en-GB" sz="1800" dirty="0" err="1"/>
+              <a:t>MessageReceived</a:t>
+            </a:r>
+            <a:endParaRPr lang="en-GB" sz="1800" dirty="0"/>
+          </a:p>
+        </p:txBody>
+      </p:sp>
+      <p:cxnSp>
+        <p:nvCxnSpPr>
+          <p:cNvPr id="19" name="Straight Arrow Connector 18">
+            <a:extLst>
+              <a:ext uri="{FF2B5EF4-FFF2-40B4-BE49-F238E27FC236}">
+                <a16:creationId xmlns:a16="http://schemas.microsoft.com/office/drawing/2014/main" id="{6A925DCA-0A75-6B4D-8B06-FBA550B3DE76}"/>
+              </a:ext>
+            </a:extLst>
+          </p:cNvPr>
+          <p:cNvCxnSpPr>
+            <a:cxnSpLocks/>
+            <a:endCxn id="17" idx="0"/>
+          </p:cNvCxnSpPr>
+          <p:nvPr/>
+        </p:nvCxnSpPr>
+        <p:spPr>
+          <a:xfrm>
+            <a:off x="8720919" y="2215468"/>
+            <a:ext cx="592953" cy="151830"/>
           </a:xfrm>
           <a:prstGeom prst="straightConnector1">
             <a:avLst/>
@@ -15603,10 +16916,10 @@
       </p:cxnSp>
       <p:cxnSp>
         <p:nvCxnSpPr>
-          <p:cNvPr id="10" name="Straight Arrow Connector 9">
+          <p:cNvPr id="29" name="Straight Arrow Connector 28">
             <a:extLst>
               <a:ext uri="{FF2B5EF4-FFF2-40B4-BE49-F238E27FC236}">
-                <a16:creationId xmlns:a16="http://schemas.microsoft.com/office/drawing/2014/main" id="{F6C4DF79-CD0D-4FE9-8CF7-8B2A1322CA87}"/>
+                <a16:creationId xmlns:a16="http://schemas.microsoft.com/office/drawing/2014/main" id="{4E65D630-B7B1-2F44-803E-BC49D30BED21}"/>
               </a:ext>
             </a:extLst>
           </p:cNvPr>
@@ -15616,9 +16929,9 @@
           <p:nvPr/>
         </p:nvCxnSpPr>
         <p:spPr>
-          <a:xfrm rot="19800000" flipH="1">
-            <a:off x="2512984" y="3122027"/>
-            <a:ext cx="662451" cy="0"/>
+          <a:xfrm>
+            <a:off x="4724547" y="2811917"/>
+            <a:ext cx="0" cy="339391"/>
           </a:xfrm>
           <a:prstGeom prst="straightConnector1">
             <a:avLst/>
@@ -15629,25 +16942,66 @@
         </p:spPr>
         <p:style>
           <a:lnRef idx="1">
-            <a:schemeClr val="accent1"/>
+            <a:schemeClr val="accent6"/>
           </a:lnRef>
           <a:fillRef idx="0">
-            <a:schemeClr val="accent1"/>
+            <a:schemeClr val="accent6"/>
           </a:fillRef>
           <a:effectRef idx="0">
-            <a:schemeClr val="accent1"/>
+            <a:schemeClr val="accent6"/>
           </a:effectRef>
           <a:fontRef idx="minor">
             <a:schemeClr val="tx1"/>
           </a:fontRef>
         </p:style>
       </p:cxnSp>
-      <p:sp>
-        <p:nvSpPr>
-          <p:cNvPr id="11" name="Content Placeholder 2">
+      <p:cxnSp>
+        <p:nvCxnSpPr>
+          <p:cNvPr id="33" name="Straight Arrow Connector 32">
             <a:extLst>
               <a:ext uri="{FF2B5EF4-FFF2-40B4-BE49-F238E27FC236}">
-                <a16:creationId xmlns:a16="http://schemas.microsoft.com/office/drawing/2014/main" id="{9ADC9AFA-CF20-4AA8-BF3F-255C176DB6AD}"/>
+                <a16:creationId xmlns:a16="http://schemas.microsoft.com/office/drawing/2014/main" id="{413BCF2F-87A2-0F4E-B812-B17AB66A8132}"/>
+              </a:ext>
+            </a:extLst>
+          </p:cNvPr>
+          <p:cNvCxnSpPr>
+            <a:cxnSpLocks/>
+          </p:cNvCxnSpPr>
+          <p:nvPr/>
+        </p:nvCxnSpPr>
+        <p:spPr>
+          <a:xfrm>
+            <a:off x="4701950" y="4173375"/>
+            <a:ext cx="0" cy="480971"/>
+          </a:xfrm>
+          <a:prstGeom prst="straightConnector1">
+            <a:avLst/>
+          </a:prstGeom>
+          <a:ln>
+            <a:tailEnd type="triangle"/>
+          </a:ln>
+        </p:spPr>
+        <p:style>
+          <a:lnRef idx="1">
+            <a:schemeClr val="accent6"/>
+          </a:lnRef>
+          <a:fillRef idx="0">
+            <a:schemeClr val="accent6"/>
+          </a:fillRef>
+          <a:effectRef idx="0">
+            <a:schemeClr val="accent6"/>
+          </a:effectRef>
+          <a:fontRef idx="minor">
+            <a:schemeClr val="tx1"/>
+          </a:fontRef>
+        </p:style>
+      </p:cxnSp>
+      <p:sp>
+        <p:nvSpPr>
+          <p:cNvPr id="43" name="Content Placeholder 2">
+            <a:extLst>
+              <a:ext uri="{FF2B5EF4-FFF2-40B4-BE49-F238E27FC236}">
+                <a16:creationId xmlns:a16="http://schemas.microsoft.com/office/drawing/2014/main" id="{72FCB0FD-B4E0-1242-A31C-28D67FA6C3FB}"/>
               </a:ext>
             </a:extLst>
           </p:cNvPr>
@@ -15658,8 +17012,8 @@
         </p:nvSpPr>
         <p:spPr>
           <a:xfrm>
-            <a:off x="6923364" y="2887213"/>
-            <a:ext cx="1677100" cy="352182"/>
+            <a:off x="10117384" y="3821193"/>
+            <a:ext cx="1847114" cy="352182"/>
           </a:xfrm>
           <a:prstGeom prst="rect">
             <a:avLst/>
@@ -15910,17 +17264,17 @@
             </a:pPr>
             <a:r>
               <a:rPr lang="en-GB" dirty="0"/>
-              <a:t>Messaging</a:t>
-            </a:r>
-          </a:p>
-        </p:txBody>
-      </p:sp>
-      <p:sp>
-        <p:nvSpPr>
-          <p:cNvPr id="12" name="Content Placeholder 2">
+              <a:t>Notification</a:t>
+            </a:r>
+          </a:p>
+        </p:txBody>
+      </p:sp>
+      <p:sp>
+        <p:nvSpPr>
+          <p:cNvPr id="44" name="Content Placeholder 2">
             <a:extLst>
               <a:ext uri="{FF2B5EF4-FFF2-40B4-BE49-F238E27FC236}">
-                <a16:creationId xmlns:a16="http://schemas.microsoft.com/office/drawing/2014/main" id="{94DA7041-7757-4025-A6D5-ABB66E5A32B0}"/>
+                <a16:creationId xmlns:a16="http://schemas.microsoft.com/office/drawing/2014/main" id="{9419AEB7-C952-F240-ADA0-4313A833E41E}"/>
               </a:ext>
             </a:extLst>
           </p:cNvPr>
@@ -15931,588 +17285,7 @@
         </p:nvSpPr>
         <p:spPr>
           <a:xfrm>
-            <a:off x="3103506" y="3720366"/>
-            <a:ext cx="3105604" cy="352182"/>
-          </a:xfrm>
-          <a:prstGeom prst="rect">
-            <a:avLst/>
-          </a:prstGeom>
-        </p:spPr>
-        <p:style>
-          <a:lnRef idx="0">
-            <a:schemeClr val="accent6"/>
-          </a:lnRef>
-          <a:fillRef idx="3">
-            <a:schemeClr val="accent6"/>
-          </a:fillRef>
-          <a:effectRef idx="3">
-            <a:schemeClr val="accent6"/>
-          </a:effectRef>
-          <a:fontRef idx="minor">
-            <a:schemeClr val="lt1"/>
-          </a:fontRef>
-        </p:style>
-        <p:txBody>
-          <a:bodyPr vert="horz" lIns="0" tIns="45720" rIns="0" bIns="45720" rtlCol="0">
-            <a:normAutofit lnSpcReduction="10000"/>
-          </a:bodyPr>
-          <a:lstStyle>
-            <a:lvl1pPr marL="91440" indent="-91440" algn="l" defTabSz="914400" rtl="0" eaLnBrk="1" latinLnBrk="0" hangingPunct="1">
-              <a:lnSpc>
-                <a:spcPct val="90000"/>
-              </a:lnSpc>
-              <a:spcBef>
-                <a:spcPts val="1200"/>
-              </a:spcBef>
-              <a:spcAft>
-                <a:spcPts val="200"/>
-              </a:spcAft>
-              <a:buClr>
-                <a:schemeClr val="accent1"/>
-              </a:buClr>
-              <a:buSzPct val="100000"/>
-              <a:buFont typeface="Calibri" panose="020F0502020204030204" pitchFamily="34" charset="0"/>
-              <a:buChar char=" "/>
-              <a:defRPr sz="2000" kern="1200">
-                <a:solidFill>
-                  <a:schemeClr val="lt1"/>
-                </a:solidFill>
-                <a:latin typeface="+mn-lt"/>
-                <a:ea typeface="+mn-ea"/>
-                <a:cs typeface="+mn-cs"/>
-              </a:defRPr>
-            </a:lvl1pPr>
-            <a:lvl2pPr marL="384048" indent="-182880" algn="l" defTabSz="914400" rtl="0" eaLnBrk="1" latinLnBrk="0" hangingPunct="1">
-              <a:lnSpc>
-                <a:spcPct val="90000"/>
-              </a:lnSpc>
-              <a:spcBef>
-                <a:spcPts val="200"/>
-              </a:spcBef>
-              <a:spcAft>
-                <a:spcPts val="400"/>
-              </a:spcAft>
-              <a:buClr>
-                <a:schemeClr val="accent1"/>
-              </a:buClr>
-              <a:buFont typeface="Calibri" pitchFamily="34" charset="0"/>
-              <a:buChar char="◦"/>
-              <a:defRPr sz="1800" kern="1200">
-                <a:solidFill>
-                  <a:schemeClr val="lt1"/>
-                </a:solidFill>
-                <a:latin typeface="+mn-lt"/>
-                <a:ea typeface="+mn-ea"/>
-                <a:cs typeface="+mn-cs"/>
-              </a:defRPr>
-            </a:lvl2pPr>
-            <a:lvl3pPr marL="566928" indent="-182880" algn="l" defTabSz="914400" rtl="0" eaLnBrk="1" latinLnBrk="0" hangingPunct="1">
-              <a:lnSpc>
-                <a:spcPct val="90000"/>
-              </a:lnSpc>
-              <a:spcBef>
-                <a:spcPts val="200"/>
-              </a:spcBef>
-              <a:spcAft>
-                <a:spcPts val="400"/>
-              </a:spcAft>
-              <a:buClr>
-                <a:schemeClr val="accent1"/>
-              </a:buClr>
-              <a:buFont typeface="Calibri" pitchFamily="34" charset="0"/>
-              <a:buChar char="◦"/>
-              <a:defRPr sz="1400" kern="1200">
-                <a:solidFill>
-                  <a:schemeClr val="lt1"/>
-                </a:solidFill>
-                <a:latin typeface="+mn-lt"/>
-                <a:ea typeface="+mn-ea"/>
-                <a:cs typeface="+mn-cs"/>
-              </a:defRPr>
-            </a:lvl3pPr>
-            <a:lvl4pPr marL="749808" indent="-182880" algn="l" defTabSz="914400" rtl="0" eaLnBrk="1" latinLnBrk="0" hangingPunct="1">
-              <a:lnSpc>
-                <a:spcPct val="90000"/>
-              </a:lnSpc>
-              <a:spcBef>
-                <a:spcPts val="200"/>
-              </a:spcBef>
-              <a:spcAft>
-                <a:spcPts val="400"/>
-              </a:spcAft>
-              <a:buClr>
-                <a:schemeClr val="accent1"/>
-              </a:buClr>
-              <a:buFont typeface="Calibri" pitchFamily="34" charset="0"/>
-              <a:buChar char="◦"/>
-              <a:defRPr sz="1400" kern="1200">
-                <a:solidFill>
-                  <a:schemeClr val="lt1"/>
-                </a:solidFill>
-                <a:latin typeface="+mn-lt"/>
-                <a:ea typeface="+mn-ea"/>
-                <a:cs typeface="+mn-cs"/>
-              </a:defRPr>
-            </a:lvl4pPr>
-            <a:lvl5pPr marL="932688" indent="-182880" algn="l" defTabSz="914400" rtl="0" eaLnBrk="1" latinLnBrk="0" hangingPunct="1">
-              <a:lnSpc>
-                <a:spcPct val="90000"/>
-              </a:lnSpc>
-              <a:spcBef>
-                <a:spcPts val="200"/>
-              </a:spcBef>
-              <a:spcAft>
-                <a:spcPts val="400"/>
-              </a:spcAft>
-              <a:buClr>
-                <a:schemeClr val="accent1"/>
-              </a:buClr>
-              <a:buFont typeface="Calibri" pitchFamily="34" charset="0"/>
-              <a:buChar char="◦"/>
-              <a:defRPr sz="1400" kern="1200">
-                <a:solidFill>
-                  <a:schemeClr val="lt1"/>
-                </a:solidFill>
-                <a:latin typeface="+mn-lt"/>
-                <a:ea typeface="+mn-ea"/>
-                <a:cs typeface="+mn-cs"/>
-              </a:defRPr>
-            </a:lvl5pPr>
-            <a:lvl6pPr marL="1100000" indent="-228600" algn="l" defTabSz="914400" rtl="0" eaLnBrk="1" latinLnBrk="0" hangingPunct="1">
-              <a:lnSpc>
-                <a:spcPct val="90000"/>
-              </a:lnSpc>
-              <a:spcBef>
-                <a:spcPts val="200"/>
-              </a:spcBef>
-              <a:spcAft>
-                <a:spcPts val="400"/>
-              </a:spcAft>
-              <a:buClr>
-                <a:schemeClr val="accent1"/>
-              </a:buClr>
-              <a:buFont typeface="Calibri" pitchFamily="34" charset="0"/>
-              <a:buChar char="◦"/>
-              <a:defRPr sz="1400" kern="1200">
-                <a:solidFill>
-                  <a:schemeClr val="lt1"/>
-                </a:solidFill>
-                <a:latin typeface="+mn-lt"/>
-                <a:ea typeface="+mn-ea"/>
-                <a:cs typeface="+mn-cs"/>
-              </a:defRPr>
-            </a:lvl6pPr>
-            <a:lvl7pPr marL="1300000" indent="-228600" algn="l" defTabSz="914400" rtl="0" eaLnBrk="1" latinLnBrk="0" hangingPunct="1">
-              <a:lnSpc>
-                <a:spcPct val="90000"/>
-              </a:lnSpc>
-              <a:spcBef>
-                <a:spcPts val="200"/>
-              </a:spcBef>
-              <a:spcAft>
-                <a:spcPts val="400"/>
-              </a:spcAft>
-              <a:buClr>
-                <a:schemeClr val="accent1"/>
-              </a:buClr>
-              <a:buFont typeface="Calibri" pitchFamily="34" charset="0"/>
-              <a:buChar char="◦"/>
-              <a:defRPr sz="1400" kern="1200">
-                <a:solidFill>
-                  <a:schemeClr val="lt1"/>
-                </a:solidFill>
-                <a:latin typeface="+mn-lt"/>
-                <a:ea typeface="+mn-ea"/>
-                <a:cs typeface="+mn-cs"/>
-              </a:defRPr>
-            </a:lvl7pPr>
-            <a:lvl8pPr marL="1500000" indent="-228600" algn="l" defTabSz="914400" rtl="0" eaLnBrk="1" latinLnBrk="0" hangingPunct="1">
-              <a:lnSpc>
-                <a:spcPct val="90000"/>
-              </a:lnSpc>
-              <a:spcBef>
-                <a:spcPts val="200"/>
-              </a:spcBef>
-              <a:spcAft>
-                <a:spcPts val="400"/>
-              </a:spcAft>
-              <a:buClr>
-                <a:schemeClr val="accent1"/>
-              </a:buClr>
-              <a:buFont typeface="Calibri" pitchFamily="34" charset="0"/>
-              <a:buChar char="◦"/>
-              <a:defRPr sz="1400" kern="1200">
-                <a:solidFill>
-                  <a:schemeClr val="lt1"/>
-                </a:solidFill>
-                <a:latin typeface="+mn-lt"/>
-                <a:ea typeface="+mn-ea"/>
-                <a:cs typeface="+mn-cs"/>
-              </a:defRPr>
-            </a:lvl8pPr>
-            <a:lvl9pPr marL="1700000" indent="-228600" algn="l" defTabSz="914400" rtl="0" eaLnBrk="1" latinLnBrk="0" hangingPunct="1">
-              <a:lnSpc>
-                <a:spcPct val="90000"/>
-              </a:lnSpc>
-              <a:spcBef>
-                <a:spcPts val="200"/>
-              </a:spcBef>
-              <a:spcAft>
-                <a:spcPts val="400"/>
-              </a:spcAft>
-              <a:buClr>
-                <a:schemeClr val="accent1"/>
-              </a:buClr>
-              <a:buFont typeface="Calibri" pitchFamily="34" charset="0"/>
-              <a:buChar char="◦"/>
-              <a:defRPr sz="1400" kern="1200">
-                <a:solidFill>
-                  <a:schemeClr val="lt1"/>
-                </a:solidFill>
-                <a:latin typeface="+mn-lt"/>
-                <a:ea typeface="+mn-ea"/>
-                <a:cs typeface="+mn-cs"/>
-              </a:defRPr>
-            </a:lvl9pPr>
-          </a:lstStyle>
-          <a:p>
-            <a:pPr marL="0" indent="0" algn="ctr">
-              <a:buNone/>
-            </a:pPr>
-            <a:r>
-              <a:rPr lang="en-GB" dirty="0"/>
-              <a:t>Skill Messaging</a:t>
-            </a:r>
-          </a:p>
-        </p:txBody>
-      </p:sp>
-      <p:sp>
-        <p:nvSpPr>
-          <p:cNvPr id="16" name="Content Placeholder 2">
-            <a:extLst>
-              <a:ext uri="{FF2B5EF4-FFF2-40B4-BE49-F238E27FC236}">
-                <a16:creationId xmlns:a16="http://schemas.microsoft.com/office/drawing/2014/main" id="{A14616E9-2140-4EB3-B129-F1C5380F1BFB}"/>
-              </a:ext>
-            </a:extLst>
-          </p:cNvPr>
-          <p:cNvSpPr txBox="1">
-            <a:spLocks/>
-          </p:cNvSpPr>
-          <p:nvPr/>
-        </p:nvSpPr>
-        <p:spPr>
-          <a:xfrm>
-            <a:off x="925168" y="1946403"/>
-            <a:ext cx="1847113" cy="352182"/>
-          </a:xfrm>
-          <a:prstGeom prst="rect">
-            <a:avLst/>
-          </a:prstGeom>
-        </p:spPr>
-        <p:style>
-          <a:lnRef idx="0">
-            <a:schemeClr val="accent6"/>
-          </a:lnRef>
-          <a:fillRef idx="3">
-            <a:schemeClr val="accent6"/>
-          </a:fillRef>
-          <a:effectRef idx="3">
-            <a:schemeClr val="accent6"/>
-          </a:effectRef>
-          <a:fontRef idx="minor">
-            <a:schemeClr val="lt1"/>
-          </a:fontRef>
-        </p:style>
-        <p:txBody>
-          <a:bodyPr vert="horz" lIns="0" tIns="45720" rIns="0" bIns="45720" rtlCol="0">
-            <a:normAutofit lnSpcReduction="10000"/>
-          </a:bodyPr>
-          <a:lstStyle>
-            <a:lvl1pPr marL="91440" indent="-91440" algn="l" defTabSz="914400" rtl="0" eaLnBrk="1" latinLnBrk="0" hangingPunct="1">
-              <a:lnSpc>
-                <a:spcPct val="90000"/>
-              </a:lnSpc>
-              <a:spcBef>
-                <a:spcPts val="1200"/>
-              </a:spcBef>
-              <a:spcAft>
-                <a:spcPts val="200"/>
-              </a:spcAft>
-              <a:buClr>
-                <a:schemeClr val="accent1"/>
-              </a:buClr>
-              <a:buSzPct val="100000"/>
-              <a:buFont typeface="Calibri" panose="020F0502020204030204" pitchFamily="34" charset="0"/>
-              <a:buChar char=" "/>
-              <a:defRPr sz="2000" kern="1200">
-                <a:solidFill>
-                  <a:schemeClr val="lt1"/>
-                </a:solidFill>
-                <a:latin typeface="+mn-lt"/>
-                <a:ea typeface="+mn-ea"/>
-                <a:cs typeface="+mn-cs"/>
-              </a:defRPr>
-            </a:lvl1pPr>
-            <a:lvl2pPr marL="384048" indent="-182880" algn="l" defTabSz="914400" rtl="0" eaLnBrk="1" latinLnBrk="0" hangingPunct="1">
-              <a:lnSpc>
-                <a:spcPct val="90000"/>
-              </a:lnSpc>
-              <a:spcBef>
-                <a:spcPts val="200"/>
-              </a:spcBef>
-              <a:spcAft>
-                <a:spcPts val="400"/>
-              </a:spcAft>
-              <a:buClr>
-                <a:schemeClr val="accent1"/>
-              </a:buClr>
-              <a:buFont typeface="Calibri" pitchFamily="34" charset="0"/>
-              <a:buChar char="◦"/>
-              <a:defRPr sz="1800" kern="1200">
-                <a:solidFill>
-                  <a:schemeClr val="lt1"/>
-                </a:solidFill>
-                <a:latin typeface="+mn-lt"/>
-                <a:ea typeface="+mn-ea"/>
-                <a:cs typeface="+mn-cs"/>
-              </a:defRPr>
-            </a:lvl2pPr>
-            <a:lvl3pPr marL="566928" indent="-182880" algn="l" defTabSz="914400" rtl="0" eaLnBrk="1" latinLnBrk="0" hangingPunct="1">
-              <a:lnSpc>
-                <a:spcPct val="90000"/>
-              </a:lnSpc>
-              <a:spcBef>
-                <a:spcPts val="200"/>
-              </a:spcBef>
-              <a:spcAft>
-                <a:spcPts val="400"/>
-              </a:spcAft>
-              <a:buClr>
-                <a:schemeClr val="accent1"/>
-              </a:buClr>
-              <a:buFont typeface="Calibri" pitchFamily="34" charset="0"/>
-              <a:buChar char="◦"/>
-              <a:defRPr sz="1400" kern="1200">
-                <a:solidFill>
-                  <a:schemeClr val="lt1"/>
-                </a:solidFill>
-                <a:latin typeface="+mn-lt"/>
-                <a:ea typeface="+mn-ea"/>
-                <a:cs typeface="+mn-cs"/>
-              </a:defRPr>
-            </a:lvl3pPr>
-            <a:lvl4pPr marL="749808" indent="-182880" algn="l" defTabSz="914400" rtl="0" eaLnBrk="1" latinLnBrk="0" hangingPunct="1">
-              <a:lnSpc>
-                <a:spcPct val="90000"/>
-              </a:lnSpc>
-              <a:spcBef>
-                <a:spcPts val="200"/>
-              </a:spcBef>
-              <a:spcAft>
-                <a:spcPts val="400"/>
-              </a:spcAft>
-              <a:buClr>
-                <a:schemeClr val="accent1"/>
-              </a:buClr>
-              <a:buFont typeface="Calibri" pitchFamily="34" charset="0"/>
-              <a:buChar char="◦"/>
-              <a:defRPr sz="1400" kern="1200">
-                <a:solidFill>
-                  <a:schemeClr val="lt1"/>
-                </a:solidFill>
-                <a:latin typeface="+mn-lt"/>
-                <a:ea typeface="+mn-ea"/>
-                <a:cs typeface="+mn-cs"/>
-              </a:defRPr>
-            </a:lvl4pPr>
-            <a:lvl5pPr marL="932688" indent="-182880" algn="l" defTabSz="914400" rtl="0" eaLnBrk="1" latinLnBrk="0" hangingPunct="1">
-              <a:lnSpc>
-                <a:spcPct val="90000"/>
-              </a:lnSpc>
-              <a:spcBef>
-                <a:spcPts val="200"/>
-              </a:spcBef>
-              <a:spcAft>
-                <a:spcPts val="400"/>
-              </a:spcAft>
-              <a:buClr>
-                <a:schemeClr val="accent1"/>
-              </a:buClr>
-              <a:buFont typeface="Calibri" pitchFamily="34" charset="0"/>
-              <a:buChar char="◦"/>
-              <a:defRPr sz="1400" kern="1200">
-                <a:solidFill>
-                  <a:schemeClr val="lt1"/>
-                </a:solidFill>
-                <a:latin typeface="+mn-lt"/>
-                <a:ea typeface="+mn-ea"/>
-                <a:cs typeface="+mn-cs"/>
-              </a:defRPr>
-            </a:lvl5pPr>
-            <a:lvl6pPr marL="1100000" indent="-228600" algn="l" defTabSz="914400" rtl="0" eaLnBrk="1" latinLnBrk="0" hangingPunct="1">
-              <a:lnSpc>
-                <a:spcPct val="90000"/>
-              </a:lnSpc>
-              <a:spcBef>
-                <a:spcPts val="200"/>
-              </a:spcBef>
-              <a:spcAft>
-                <a:spcPts val="400"/>
-              </a:spcAft>
-              <a:buClr>
-                <a:schemeClr val="accent1"/>
-              </a:buClr>
-              <a:buFont typeface="Calibri" pitchFamily="34" charset="0"/>
-              <a:buChar char="◦"/>
-              <a:defRPr sz="1400" kern="1200">
-                <a:solidFill>
-                  <a:schemeClr val="lt1"/>
-                </a:solidFill>
-                <a:latin typeface="+mn-lt"/>
-                <a:ea typeface="+mn-ea"/>
-                <a:cs typeface="+mn-cs"/>
-              </a:defRPr>
-            </a:lvl6pPr>
-            <a:lvl7pPr marL="1300000" indent="-228600" algn="l" defTabSz="914400" rtl="0" eaLnBrk="1" latinLnBrk="0" hangingPunct="1">
-              <a:lnSpc>
-                <a:spcPct val="90000"/>
-              </a:lnSpc>
-              <a:spcBef>
-                <a:spcPts val="200"/>
-              </a:spcBef>
-              <a:spcAft>
-                <a:spcPts val="400"/>
-              </a:spcAft>
-              <a:buClr>
-                <a:schemeClr val="accent1"/>
-              </a:buClr>
-              <a:buFont typeface="Calibri" pitchFamily="34" charset="0"/>
-              <a:buChar char="◦"/>
-              <a:defRPr sz="1400" kern="1200">
-                <a:solidFill>
-                  <a:schemeClr val="lt1"/>
-                </a:solidFill>
-                <a:latin typeface="+mn-lt"/>
-                <a:ea typeface="+mn-ea"/>
-                <a:cs typeface="+mn-cs"/>
-              </a:defRPr>
-            </a:lvl7pPr>
-            <a:lvl8pPr marL="1500000" indent="-228600" algn="l" defTabSz="914400" rtl="0" eaLnBrk="1" latinLnBrk="0" hangingPunct="1">
-              <a:lnSpc>
-                <a:spcPct val="90000"/>
-              </a:lnSpc>
-              <a:spcBef>
-                <a:spcPts val="200"/>
-              </a:spcBef>
-              <a:spcAft>
-                <a:spcPts val="400"/>
-              </a:spcAft>
-              <a:buClr>
-                <a:schemeClr val="accent1"/>
-              </a:buClr>
-              <a:buFont typeface="Calibri" pitchFamily="34" charset="0"/>
-              <a:buChar char="◦"/>
-              <a:defRPr sz="1400" kern="1200">
-                <a:solidFill>
-                  <a:schemeClr val="lt1"/>
-                </a:solidFill>
-                <a:latin typeface="+mn-lt"/>
-                <a:ea typeface="+mn-ea"/>
-                <a:cs typeface="+mn-cs"/>
-              </a:defRPr>
-            </a:lvl8pPr>
-            <a:lvl9pPr marL="1700000" indent="-228600" algn="l" defTabSz="914400" rtl="0" eaLnBrk="1" latinLnBrk="0" hangingPunct="1">
-              <a:lnSpc>
-                <a:spcPct val="90000"/>
-              </a:lnSpc>
-              <a:spcBef>
-                <a:spcPts val="200"/>
-              </a:spcBef>
-              <a:spcAft>
-                <a:spcPts val="400"/>
-              </a:spcAft>
-              <a:buClr>
-                <a:schemeClr val="accent1"/>
-              </a:buClr>
-              <a:buFont typeface="Calibri" pitchFamily="34" charset="0"/>
-              <a:buChar char="◦"/>
-              <a:defRPr sz="1400" kern="1200">
-                <a:solidFill>
-                  <a:schemeClr val="lt1"/>
-                </a:solidFill>
-                <a:latin typeface="+mn-lt"/>
-                <a:ea typeface="+mn-ea"/>
-                <a:cs typeface="+mn-cs"/>
-              </a:defRPr>
-            </a:lvl9pPr>
-          </a:lstStyle>
-          <a:p>
-            <a:pPr marL="0" indent="0" algn="ctr">
-              <a:buNone/>
-            </a:pPr>
-            <a:r>
-              <a:rPr lang="en-GB" dirty="0"/>
-              <a:t>Intent</a:t>
-            </a:r>
-          </a:p>
-        </p:txBody>
-      </p:sp>
-      <p:cxnSp>
-        <p:nvCxnSpPr>
-          <p:cNvPr id="18" name="Straight Arrow Connector 17">
-            <a:extLst>
-              <a:ext uri="{FF2B5EF4-FFF2-40B4-BE49-F238E27FC236}">
-                <a16:creationId xmlns:a16="http://schemas.microsoft.com/office/drawing/2014/main" id="{ADD880CF-B426-4A40-9FD5-56916B71A112}"/>
-              </a:ext>
-            </a:extLst>
-          </p:cNvPr>
-          <p:cNvCxnSpPr/>
-          <p:nvPr/>
-        </p:nvCxnSpPr>
-        <p:spPr>
-          <a:xfrm>
-            <a:off x="2816655" y="2088938"/>
-            <a:ext cx="286851" cy="0"/>
-          </a:xfrm>
-          <a:prstGeom prst="straightConnector1">
-            <a:avLst/>
-          </a:prstGeom>
-          <a:ln>
-            <a:tailEnd type="triangle"/>
-          </a:ln>
-        </p:spPr>
-        <p:style>
-          <a:lnRef idx="1">
-            <a:schemeClr val="accent1"/>
-          </a:lnRef>
-          <a:fillRef idx="0">
-            <a:schemeClr val="accent1"/>
-          </a:fillRef>
-          <a:effectRef idx="0">
-            <a:schemeClr val="accent1"/>
-          </a:effectRef>
-          <a:fontRef idx="minor">
-            <a:schemeClr val="tx1"/>
-          </a:fontRef>
-        </p:style>
-      </p:cxnSp>
-      <p:sp>
-        <p:nvSpPr>
-          <p:cNvPr id="23" name="Content Placeholder 2">
-            <a:extLst>
-              <a:ext uri="{FF2B5EF4-FFF2-40B4-BE49-F238E27FC236}">
-                <a16:creationId xmlns:a16="http://schemas.microsoft.com/office/drawing/2014/main" id="{C72BD379-9659-4C13-9DB9-F37BD08F92F2}"/>
-              </a:ext>
-            </a:extLst>
-          </p:cNvPr>
-          <p:cNvSpPr txBox="1">
-            <a:spLocks/>
-          </p:cNvSpPr>
-          <p:nvPr/>
-        </p:nvSpPr>
-        <p:spPr>
-          <a:xfrm>
-            <a:off x="6838357" y="1946403"/>
+            <a:off x="8390313" y="3200483"/>
             <a:ext cx="1847113" cy="352182"/>
           </a:xfrm>
           <a:prstGeom prst="rect">
@@ -16761,31 +17534,28 @@
               <a:buNone/>
             </a:pPr>
             <a:r>
-              <a:rPr lang="en-GB" sz="1800" dirty="0" err="1"/>
-              <a:t>MessageReceived</a:t>
-            </a:r>
-            <a:endParaRPr lang="en-GB" sz="1800" dirty="0"/>
+              <a:rPr lang="en-GB" sz="1800" dirty="0"/>
+              <a:t>Send Notification</a:t>
+            </a:r>
           </a:p>
         </p:txBody>
       </p:sp>
       <p:cxnSp>
         <p:nvCxnSpPr>
-          <p:cNvPr id="25" name="Straight Arrow Connector 24">
+          <p:cNvPr id="45" name="Straight Arrow Connector 44">
             <a:extLst>
               <a:ext uri="{FF2B5EF4-FFF2-40B4-BE49-F238E27FC236}">
-                <a16:creationId xmlns:a16="http://schemas.microsoft.com/office/drawing/2014/main" id="{795DF6C1-ACDD-45D3-920C-D298EDEE923A}"/>
+                <a16:creationId xmlns:a16="http://schemas.microsoft.com/office/drawing/2014/main" id="{584D2675-5295-2F43-9056-9D06D2ED2FBC}"/>
               </a:ext>
             </a:extLst>
           </p:cNvPr>
-          <p:cNvCxnSpPr>
-            <a:cxnSpLocks/>
-          </p:cNvCxnSpPr>
+          <p:cNvCxnSpPr/>
           <p:nvPr/>
         </p:nvCxnSpPr>
         <p:spPr>
-          <a:xfrm flipV="1">
-            <a:off x="6209110" y="3287640"/>
-            <a:ext cx="1552803" cy="608817"/>
+          <a:xfrm>
+            <a:off x="9318567" y="2869285"/>
+            <a:ext cx="0" cy="299863"/>
           </a:xfrm>
           <a:prstGeom prst="straightConnector1">
             <a:avLst/>
@@ -16796,52 +17566,13 @@
         </p:spPr>
         <p:style>
           <a:lnRef idx="1">
-            <a:schemeClr val="accent1"/>
+            <a:schemeClr val="accent6"/>
           </a:lnRef>
           <a:fillRef idx="0">
-            <a:schemeClr val="accent1"/>
+            <a:schemeClr val="accent6"/>
           </a:fillRef>
           <a:effectRef idx="0">
-            <a:schemeClr val="accent1"/>
-          </a:effectRef>
-          <a:fontRef idx="minor">
-            <a:schemeClr val="tx1"/>
-          </a:fontRef>
-        </p:style>
-      </p:cxnSp>
-      <p:cxnSp>
-        <p:nvCxnSpPr>
-          <p:cNvPr id="27" name="Straight Arrow Connector 26">
-            <a:extLst>
-              <a:ext uri="{FF2B5EF4-FFF2-40B4-BE49-F238E27FC236}">
-                <a16:creationId xmlns:a16="http://schemas.microsoft.com/office/drawing/2014/main" id="{D34EB1FF-55BE-4261-95BD-DD4806DBB13D}"/>
-              </a:ext>
-            </a:extLst>
-          </p:cNvPr>
-          <p:cNvCxnSpPr/>
-          <p:nvPr/>
-        </p:nvCxnSpPr>
-        <p:spPr>
-          <a:xfrm flipV="1">
-            <a:off x="7761913" y="2342319"/>
-            <a:ext cx="0" cy="496649"/>
-          </a:xfrm>
-          <a:prstGeom prst="straightConnector1">
-            <a:avLst/>
-          </a:prstGeom>
-          <a:ln>
-            <a:tailEnd type="triangle"/>
-          </a:ln>
-        </p:spPr>
-        <p:style>
-          <a:lnRef idx="1">
-            <a:schemeClr val="accent1"/>
-          </a:lnRef>
-          <a:fillRef idx="0">
-            <a:schemeClr val="accent1"/>
-          </a:fillRef>
-          <a:effectRef idx="0">
-            <a:schemeClr val="accent1"/>
+            <a:schemeClr val="accent6"/>
           </a:effectRef>
           <a:fontRef idx="minor">
             <a:schemeClr val="tx1"/>
@@ -16858,6 +17589,745 @@
   <p:clrMapOvr>
     <a:masterClrMapping/>
   </p:clrMapOvr>
+  <p:timing>
+    <p:tnLst>
+      <p:par>
+        <p:cTn id="1" dur="indefinite" restart="never" nodeType="tmRoot">
+          <p:childTnLst>
+            <p:seq concurrent="1" nextAc="seek">
+              <p:cTn id="2" dur="indefinite" nodeType="mainSeq">
+                <p:childTnLst>
+                  <p:par>
+                    <p:cTn id="3" fill="hold">
+                      <p:stCondLst>
+                        <p:cond delay="indefinite"/>
+                      </p:stCondLst>
+                      <p:childTnLst>
+                        <p:par>
+                          <p:cTn id="4" fill="hold">
+                            <p:stCondLst>
+                              <p:cond delay="0"/>
+                            </p:stCondLst>
+                            <p:childTnLst>
+                              <p:par>
+                                <p:cTn id="5" presetID="10" presetClass="entr" presetSubtype="0" fill="hold" grpId="0" nodeType="clickEffect">
+                                  <p:stCondLst>
+                                    <p:cond delay="0"/>
+                                  </p:stCondLst>
+                                  <p:childTnLst>
+                                    <p:set>
+                                      <p:cBhvr>
+                                        <p:cTn id="6" dur="1" fill="hold">
+                                          <p:stCondLst>
+                                            <p:cond delay="0"/>
+                                          </p:stCondLst>
+                                        </p:cTn>
+                                        <p:tgtEl>
+                                          <p:spTgt spid="4"/>
+                                        </p:tgtEl>
+                                        <p:attrNameLst>
+                                          <p:attrName>style.visibility</p:attrName>
+                                        </p:attrNameLst>
+                                      </p:cBhvr>
+                                      <p:to>
+                                        <p:strVal val="visible"/>
+                                      </p:to>
+                                    </p:set>
+                                    <p:animEffect transition="in" filter="fade">
+                                      <p:cBhvr>
+                                        <p:cTn id="7" dur="500"/>
+                                        <p:tgtEl>
+                                          <p:spTgt spid="4"/>
+                                        </p:tgtEl>
+                                      </p:cBhvr>
+                                    </p:animEffect>
+                                  </p:childTnLst>
+                                </p:cTn>
+                              </p:par>
+                              <p:par>
+                                <p:cTn id="8" presetID="10" presetClass="entr" presetSubtype="0" fill="hold" grpId="0" nodeType="withEffect">
+                                  <p:stCondLst>
+                                    <p:cond delay="0"/>
+                                  </p:stCondLst>
+                                  <p:childTnLst>
+                                    <p:set>
+                                      <p:cBhvr>
+                                        <p:cTn id="9" dur="1" fill="hold">
+                                          <p:stCondLst>
+                                            <p:cond delay="0"/>
+                                          </p:stCondLst>
+                                        </p:cTn>
+                                        <p:tgtEl>
+                                          <p:spTgt spid="5"/>
+                                        </p:tgtEl>
+                                        <p:attrNameLst>
+                                          <p:attrName>style.visibility</p:attrName>
+                                        </p:attrNameLst>
+                                      </p:cBhvr>
+                                      <p:to>
+                                        <p:strVal val="visible"/>
+                                      </p:to>
+                                    </p:set>
+                                    <p:animEffect transition="in" filter="fade">
+                                      <p:cBhvr>
+                                        <p:cTn id="10" dur="500"/>
+                                        <p:tgtEl>
+                                          <p:spTgt spid="5"/>
+                                        </p:tgtEl>
+                                      </p:cBhvr>
+                                    </p:animEffect>
+                                  </p:childTnLst>
+                                </p:cTn>
+                              </p:par>
+                              <p:par>
+                                <p:cTn id="11" presetID="10" presetClass="entr" presetSubtype="0" fill="hold" nodeType="withEffect">
+                                  <p:stCondLst>
+                                    <p:cond delay="0"/>
+                                  </p:stCondLst>
+                                  <p:childTnLst>
+                                    <p:set>
+                                      <p:cBhvr>
+                                        <p:cTn id="12" dur="1" fill="hold">
+                                          <p:stCondLst>
+                                            <p:cond delay="0"/>
+                                          </p:stCondLst>
+                                        </p:cTn>
+                                        <p:tgtEl>
+                                          <p:spTgt spid="7"/>
+                                        </p:tgtEl>
+                                        <p:attrNameLst>
+                                          <p:attrName>style.visibility</p:attrName>
+                                        </p:attrNameLst>
+                                      </p:cBhvr>
+                                      <p:to>
+                                        <p:strVal val="visible"/>
+                                      </p:to>
+                                    </p:set>
+                                    <p:animEffect transition="in" filter="fade">
+                                      <p:cBhvr>
+                                        <p:cTn id="13" dur="500"/>
+                                        <p:tgtEl>
+                                          <p:spTgt spid="7"/>
+                                        </p:tgtEl>
+                                      </p:cBhvr>
+                                    </p:animEffect>
+                                  </p:childTnLst>
+                                </p:cTn>
+                              </p:par>
+                              <p:par>
+                                <p:cTn id="14" presetID="10" presetClass="entr" presetSubtype="0" fill="hold" grpId="0" nodeType="withEffect">
+                                  <p:stCondLst>
+                                    <p:cond delay="0"/>
+                                  </p:stCondLst>
+                                  <p:childTnLst>
+                                    <p:set>
+                                      <p:cBhvr>
+                                        <p:cTn id="15" dur="1" fill="hold">
+                                          <p:stCondLst>
+                                            <p:cond delay="0"/>
+                                          </p:stCondLst>
+                                        </p:cTn>
+                                        <p:tgtEl>
+                                          <p:spTgt spid="3">
+                                            <p:bg/>
+                                          </p:spTgt>
+                                        </p:tgtEl>
+                                        <p:attrNameLst>
+                                          <p:attrName>style.visibility</p:attrName>
+                                        </p:attrNameLst>
+                                      </p:cBhvr>
+                                      <p:to>
+                                        <p:strVal val="visible"/>
+                                      </p:to>
+                                    </p:set>
+                                    <p:animEffect transition="in" filter="fade">
+                                      <p:cBhvr>
+                                        <p:cTn id="16" dur="500"/>
+                                        <p:tgtEl>
+                                          <p:spTgt spid="3">
+                                            <p:bg/>
+                                          </p:spTgt>
+                                        </p:tgtEl>
+                                      </p:cBhvr>
+                                    </p:animEffect>
+                                  </p:childTnLst>
+                                </p:cTn>
+                              </p:par>
+                              <p:par>
+                                <p:cTn id="17" presetID="10" presetClass="entr" presetSubtype="0" fill="hold" grpId="0" nodeType="withEffect">
+                                  <p:stCondLst>
+                                    <p:cond delay="0"/>
+                                  </p:stCondLst>
+                                  <p:childTnLst>
+                                    <p:set>
+                                      <p:cBhvr>
+                                        <p:cTn id="18" dur="1" fill="hold">
+                                          <p:stCondLst>
+                                            <p:cond delay="0"/>
+                                          </p:stCondLst>
+                                        </p:cTn>
+                                        <p:tgtEl>
+                                          <p:spTgt spid="3">
+                                            <p:txEl>
+                                              <p:pRg st="0" end="0"/>
+                                            </p:txEl>
+                                          </p:spTgt>
+                                        </p:tgtEl>
+                                        <p:attrNameLst>
+                                          <p:attrName>style.visibility</p:attrName>
+                                        </p:attrNameLst>
+                                      </p:cBhvr>
+                                      <p:to>
+                                        <p:strVal val="visible"/>
+                                      </p:to>
+                                    </p:set>
+                                    <p:animEffect transition="in" filter="fade">
+                                      <p:cBhvr>
+                                        <p:cTn id="19" dur="500"/>
+                                        <p:tgtEl>
+                                          <p:spTgt spid="3">
+                                            <p:txEl>
+                                              <p:pRg st="0" end="0"/>
+                                            </p:txEl>
+                                          </p:spTgt>
+                                        </p:tgtEl>
+                                      </p:cBhvr>
+                                    </p:animEffect>
+                                  </p:childTnLst>
+                                </p:cTn>
+                              </p:par>
+                              <p:par>
+                                <p:cTn id="20" presetID="10" presetClass="entr" presetSubtype="0" fill="hold" nodeType="withEffect">
+                                  <p:stCondLst>
+                                    <p:cond delay="0"/>
+                                  </p:stCondLst>
+                                  <p:childTnLst>
+                                    <p:set>
+                                      <p:cBhvr>
+                                        <p:cTn id="21" dur="1" fill="hold">
+                                          <p:stCondLst>
+                                            <p:cond delay="0"/>
+                                          </p:stCondLst>
+                                        </p:cTn>
+                                        <p:tgtEl>
+                                          <p:spTgt spid="9"/>
+                                        </p:tgtEl>
+                                        <p:attrNameLst>
+                                          <p:attrName>style.visibility</p:attrName>
+                                        </p:attrNameLst>
+                                      </p:cBhvr>
+                                      <p:to>
+                                        <p:strVal val="visible"/>
+                                      </p:to>
+                                    </p:set>
+                                    <p:animEffect transition="in" filter="fade">
+                                      <p:cBhvr>
+                                        <p:cTn id="22" dur="500"/>
+                                        <p:tgtEl>
+                                          <p:spTgt spid="9"/>
+                                        </p:tgtEl>
+                                      </p:cBhvr>
+                                    </p:animEffect>
+                                  </p:childTnLst>
+                                </p:cTn>
+                              </p:par>
+                              <p:par>
+                                <p:cTn id="23" presetID="10" presetClass="entr" presetSubtype="0" fill="hold" grpId="0" nodeType="withEffect">
+                                  <p:stCondLst>
+                                    <p:cond delay="0"/>
+                                  </p:stCondLst>
+                                  <p:childTnLst>
+                                    <p:set>
+                                      <p:cBhvr>
+                                        <p:cTn id="24" dur="1" fill="hold">
+                                          <p:stCondLst>
+                                            <p:cond delay="0"/>
+                                          </p:stCondLst>
+                                        </p:cTn>
+                                        <p:tgtEl>
+                                          <p:spTgt spid="12"/>
+                                        </p:tgtEl>
+                                        <p:attrNameLst>
+                                          <p:attrName>style.visibility</p:attrName>
+                                        </p:attrNameLst>
+                                      </p:cBhvr>
+                                      <p:to>
+                                        <p:strVal val="visible"/>
+                                      </p:to>
+                                    </p:set>
+                                    <p:animEffect transition="in" filter="fade">
+                                      <p:cBhvr>
+                                        <p:cTn id="25" dur="500"/>
+                                        <p:tgtEl>
+                                          <p:spTgt spid="12"/>
+                                        </p:tgtEl>
+                                      </p:cBhvr>
+                                    </p:animEffect>
+                                  </p:childTnLst>
+                                </p:cTn>
+                              </p:par>
+                              <p:par>
+                                <p:cTn id="26" presetID="10" presetClass="entr" presetSubtype="0" fill="hold" grpId="0" nodeType="withEffect">
+                                  <p:stCondLst>
+                                    <p:cond delay="0"/>
+                                  </p:stCondLst>
+                                  <p:childTnLst>
+                                    <p:set>
+                                      <p:cBhvr>
+                                        <p:cTn id="27" dur="1" fill="hold">
+                                          <p:stCondLst>
+                                            <p:cond delay="0"/>
+                                          </p:stCondLst>
+                                        </p:cTn>
+                                        <p:tgtEl>
+                                          <p:spTgt spid="16"/>
+                                        </p:tgtEl>
+                                        <p:attrNameLst>
+                                          <p:attrName>style.visibility</p:attrName>
+                                        </p:attrNameLst>
+                                      </p:cBhvr>
+                                      <p:to>
+                                        <p:strVal val="visible"/>
+                                      </p:to>
+                                    </p:set>
+                                    <p:animEffect transition="in" filter="fade">
+                                      <p:cBhvr>
+                                        <p:cTn id="28" dur="500"/>
+                                        <p:tgtEl>
+                                          <p:spTgt spid="16"/>
+                                        </p:tgtEl>
+                                      </p:cBhvr>
+                                    </p:animEffect>
+                                  </p:childTnLst>
+                                </p:cTn>
+                              </p:par>
+                              <p:par>
+                                <p:cTn id="29" presetID="10" presetClass="entr" presetSubtype="0" fill="hold" nodeType="withEffect">
+                                  <p:stCondLst>
+                                    <p:cond delay="0"/>
+                                  </p:stCondLst>
+                                  <p:childTnLst>
+                                    <p:set>
+                                      <p:cBhvr>
+                                        <p:cTn id="30" dur="1" fill="hold">
+                                          <p:stCondLst>
+                                            <p:cond delay="0"/>
+                                          </p:stCondLst>
+                                        </p:cTn>
+                                        <p:tgtEl>
+                                          <p:spTgt spid="29"/>
+                                        </p:tgtEl>
+                                        <p:attrNameLst>
+                                          <p:attrName>style.visibility</p:attrName>
+                                        </p:attrNameLst>
+                                      </p:cBhvr>
+                                      <p:to>
+                                        <p:strVal val="visible"/>
+                                      </p:to>
+                                    </p:set>
+                                    <p:animEffect transition="in" filter="fade">
+                                      <p:cBhvr>
+                                        <p:cTn id="31" dur="500"/>
+                                        <p:tgtEl>
+                                          <p:spTgt spid="29"/>
+                                        </p:tgtEl>
+                                      </p:cBhvr>
+                                    </p:animEffect>
+                                  </p:childTnLst>
+                                </p:cTn>
+                              </p:par>
+                              <p:par>
+                                <p:cTn id="32" presetID="10" presetClass="entr" presetSubtype="0" fill="hold" nodeType="withEffect">
+                                  <p:stCondLst>
+                                    <p:cond delay="0"/>
+                                  </p:stCondLst>
+                                  <p:childTnLst>
+                                    <p:set>
+                                      <p:cBhvr>
+                                        <p:cTn id="33" dur="1" fill="hold">
+                                          <p:stCondLst>
+                                            <p:cond delay="0"/>
+                                          </p:stCondLst>
+                                        </p:cTn>
+                                        <p:tgtEl>
+                                          <p:spTgt spid="33"/>
+                                        </p:tgtEl>
+                                        <p:attrNameLst>
+                                          <p:attrName>style.visibility</p:attrName>
+                                        </p:attrNameLst>
+                                      </p:cBhvr>
+                                      <p:to>
+                                        <p:strVal val="visible"/>
+                                      </p:to>
+                                    </p:set>
+                                    <p:animEffect transition="in" filter="fade">
+                                      <p:cBhvr>
+                                        <p:cTn id="34" dur="500"/>
+                                        <p:tgtEl>
+                                          <p:spTgt spid="33"/>
+                                        </p:tgtEl>
+                                      </p:cBhvr>
+                                    </p:animEffect>
+                                  </p:childTnLst>
+                                </p:cTn>
+                              </p:par>
+                              <p:par>
+                                <p:cTn id="35" presetID="10" presetClass="entr" presetSubtype="0" fill="hold" grpId="0" nodeType="withEffect">
+                                  <p:stCondLst>
+                                    <p:cond delay="0"/>
+                                  </p:stCondLst>
+                                  <p:childTnLst>
+                                    <p:set>
+                                      <p:cBhvr>
+                                        <p:cTn id="36" dur="1" fill="hold">
+                                          <p:stCondLst>
+                                            <p:cond delay="0"/>
+                                          </p:stCondLst>
+                                        </p:cTn>
+                                        <p:tgtEl>
+                                          <p:spTgt spid="15"/>
+                                        </p:tgtEl>
+                                        <p:attrNameLst>
+                                          <p:attrName>style.visibility</p:attrName>
+                                        </p:attrNameLst>
+                                      </p:cBhvr>
+                                      <p:to>
+                                        <p:strVal val="visible"/>
+                                      </p:to>
+                                    </p:set>
+                                    <p:animEffect transition="in" filter="fade">
+                                      <p:cBhvr>
+                                        <p:cTn id="37" dur="500"/>
+                                        <p:tgtEl>
+                                          <p:spTgt spid="15"/>
+                                        </p:tgtEl>
+                                      </p:cBhvr>
+                                    </p:animEffect>
+                                  </p:childTnLst>
+                                </p:cTn>
+                              </p:par>
+                            </p:childTnLst>
+                          </p:cTn>
+                        </p:par>
+                      </p:childTnLst>
+                    </p:cTn>
+                  </p:par>
+                  <p:par>
+                    <p:cTn id="38" fill="hold">
+                      <p:stCondLst>
+                        <p:cond delay="indefinite"/>
+                      </p:stCondLst>
+                      <p:childTnLst>
+                        <p:par>
+                          <p:cTn id="39" fill="hold">
+                            <p:stCondLst>
+                              <p:cond delay="0"/>
+                            </p:stCondLst>
+                            <p:childTnLst>
+                              <p:par>
+                                <p:cTn id="40" presetID="10" presetClass="entr" presetSubtype="0" fill="hold" grpId="0" nodeType="clickEffect">
+                                  <p:stCondLst>
+                                    <p:cond delay="0"/>
+                                  </p:stCondLst>
+                                  <p:childTnLst>
+                                    <p:set>
+                                      <p:cBhvr>
+                                        <p:cTn id="41" dur="1" fill="hold">
+                                          <p:stCondLst>
+                                            <p:cond delay="0"/>
+                                          </p:stCondLst>
+                                        </p:cTn>
+                                        <p:tgtEl>
+                                          <p:spTgt spid="11"/>
+                                        </p:tgtEl>
+                                        <p:attrNameLst>
+                                          <p:attrName>style.visibility</p:attrName>
+                                        </p:attrNameLst>
+                                      </p:cBhvr>
+                                      <p:to>
+                                        <p:strVal val="visible"/>
+                                      </p:to>
+                                    </p:set>
+                                    <p:animEffect transition="in" filter="fade">
+                                      <p:cBhvr>
+                                        <p:cTn id="42" dur="500"/>
+                                        <p:tgtEl>
+                                          <p:spTgt spid="11"/>
+                                        </p:tgtEl>
+                                      </p:cBhvr>
+                                    </p:animEffect>
+                                  </p:childTnLst>
+                                </p:cTn>
+                              </p:par>
+                              <p:par>
+                                <p:cTn id="43" presetID="10" presetClass="entr" presetSubtype="0" fill="hold" grpId="0" nodeType="withEffect">
+                                  <p:stCondLst>
+                                    <p:cond delay="0"/>
+                                  </p:stCondLst>
+                                  <p:childTnLst>
+                                    <p:set>
+                                      <p:cBhvr>
+                                        <p:cTn id="44" dur="1" fill="hold">
+                                          <p:stCondLst>
+                                            <p:cond delay="0"/>
+                                          </p:stCondLst>
+                                        </p:cTn>
+                                        <p:tgtEl>
+                                          <p:spTgt spid="17"/>
+                                        </p:tgtEl>
+                                        <p:attrNameLst>
+                                          <p:attrName>style.visibility</p:attrName>
+                                        </p:attrNameLst>
+                                      </p:cBhvr>
+                                      <p:to>
+                                        <p:strVal val="visible"/>
+                                      </p:to>
+                                    </p:set>
+                                    <p:animEffect transition="in" filter="fade">
+                                      <p:cBhvr>
+                                        <p:cTn id="45" dur="500"/>
+                                        <p:tgtEl>
+                                          <p:spTgt spid="17"/>
+                                        </p:tgtEl>
+                                      </p:cBhvr>
+                                    </p:animEffect>
+                                  </p:childTnLst>
+                                </p:cTn>
+                              </p:par>
+                              <p:par>
+                                <p:cTn id="46" presetID="10" presetClass="entr" presetSubtype="0" fill="hold" nodeType="withEffect">
+                                  <p:stCondLst>
+                                    <p:cond delay="0"/>
+                                  </p:stCondLst>
+                                  <p:childTnLst>
+                                    <p:set>
+                                      <p:cBhvr>
+                                        <p:cTn id="47" dur="1" fill="hold">
+                                          <p:stCondLst>
+                                            <p:cond delay="0"/>
+                                          </p:stCondLst>
+                                        </p:cTn>
+                                        <p:tgtEl>
+                                          <p:spTgt spid="19"/>
+                                        </p:tgtEl>
+                                        <p:attrNameLst>
+                                          <p:attrName>style.visibility</p:attrName>
+                                        </p:attrNameLst>
+                                      </p:cBhvr>
+                                      <p:to>
+                                        <p:strVal val="visible"/>
+                                      </p:to>
+                                    </p:set>
+                                    <p:animEffect transition="in" filter="fade">
+                                      <p:cBhvr>
+                                        <p:cTn id="48" dur="500"/>
+                                        <p:tgtEl>
+                                          <p:spTgt spid="19"/>
+                                        </p:tgtEl>
+                                      </p:cBhvr>
+                                    </p:animEffect>
+                                  </p:childTnLst>
+                                </p:cTn>
+                              </p:par>
+                            </p:childTnLst>
+                          </p:cTn>
+                        </p:par>
+                      </p:childTnLst>
+                    </p:cTn>
+                  </p:par>
+                  <p:par>
+                    <p:cTn id="49" fill="hold">
+                      <p:stCondLst>
+                        <p:cond delay="indefinite"/>
+                      </p:stCondLst>
+                      <p:childTnLst>
+                        <p:par>
+                          <p:cTn id="50" fill="hold">
+                            <p:stCondLst>
+                              <p:cond delay="0"/>
+                            </p:stCondLst>
+                            <p:childTnLst>
+                              <p:par>
+                                <p:cTn id="51" presetID="10" presetClass="entr" presetSubtype="0" fill="hold" grpId="0" nodeType="clickEffect">
+                                  <p:stCondLst>
+                                    <p:cond delay="0"/>
+                                  </p:stCondLst>
+                                  <p:childTnLst>
+                                    <p:set>
+                                      <p:cBhvr>
+                                        <p:cTn id="52" dur="1" fill="hold">
+                                          <p:stCondLst>
+                                            <p:cond delay="0"/>
+                                          </p:stCondLst>
+                                        </p:cTn>
+                                        <p:tgtEl>
+                                          <p:spTgt spid="23"/>
+                                        </p:tgtEl>
+                                        <p:attrNameLst>
+                                          <p:attrName>style.visibility</p:attrName>
+                                        </p:attrNameLst>
+                                      </p:cBhvr>
+                                      <p:to>
+                                        <p:strVal val="visible"/>
+                                      </p:to>
+                                    </p:set>
+                                    <p:animEffect transition="in" filter="fade">
+                                      <p:cBhvr>
+                                        <p:cTn id="53" dur="500"/>
+                                        <p:tgtEl>
+                                          <p:spTgt spid="23"/>
+                                        </p:tgtEl>
+                                      </p:cBhvr>
+                                    </p:animEffect>
+                                  </p:childTnLst>
+                                </p:cTn>
+                              </p:par>
+                              <p:par>
+                                <p:cTn id="54" presetID="10" presetClass="entr" presetSubtype="0" fill="hold" nodeType="withEffect">
+                                  <p:stCondLst>
+                                    <p:cond delay="0"/>
+                                  </p:stCondLst>
+                                  <p:childTnLst>
+                                    <p:set>
+                                      <p:cBhvr>
+                                        <p:cTn id="55" dur="1" fill="hold">
+                                          <p:stCondLst>
+                                            <p:cond delay="0"/>
+                                          </p:stCondLst>
+                                        </p:cTn>
+                                        <p:tgtEl>
+                                          <p:spTgt spid="45"/>
+                                        </p:tgtEl>
+                                        <p:attrNameLst>
+                                          <p:attrName>style.visibility</p:attrName>
+                                        </p:attrNameLst>
+                                      </p:cBhvr>
+                                      <p:to>
+                                        <p:strVal val="visible"/>
+                                      </p:to>
+                                    </p:set>
+                                    <p:animEffect transition="in" filter="fade">
+                                      <p:cBhvr>
+                                        <p:cTn id="56" dur="500"/>
+                                        <p:tgtEl>
+                                          <p:spTgt spid="45"/>
+                                        </p:tgtEl>
+                                      </p:cBhvr>
+                                    </p:animEffect>
+                                  </p:childTnLst>
+                                </p:cTn>
+                              </p:par>
+                              <p:par>
+                                <p:cTn id="57" presetID="10" presetClass="entr" presetSubtype="0" fill="hold" grpId="0" nodeType="withEffect">
+                                  <p:stCondLst>
+                                    <p:cond delay="0"/>
+                                  </p:stCondLst>
+                                  <p:childTnLst>
+                                    <p:set>
+                                      <p:cBhvr>
+                                        <p:cTn id="58" dur="1" fill="hold">
+                                          <p:stCondLst>
+                                            <p:cond delay="0"/>
+                                          </p:stCondLst>
+                                        </p:cTn>
+                                        <p:tgtEl>
+                                          <p:spTgt spid="44"/>
+                                        </p:tgtEl>
+                                        <p:attrNameLst>
+                                          <p:attrName>style.visibility</p:attrName>
+                                        </p:attrNameLst>
+                                      </p:cBhvr>
+                                      <p:to>
+                                        <p:strVal val="visible"/>
+                                      </p:to>
+                                    </p:set>
+                                    <p:animEffect transition="in" filter="fade">
+                                      <p:cBhvr>
+                                        <p:cTn id="59" dur="500"/>
+                                        <p:tgtEl>
+                                          <p:spTgt spid="44"/>
+                                        </p:tgtEl>
+                                      </p:cBhvr>
+                                    </p:animEffect>
+                                  </p:childTnLst>
+                                </p:cTn>
+                              </p:par>
+                              <p:par>
+                                <p:cTn id="60" presetID="10" presetClass="entr" presetSubtype="0" fill="hold" grpId="0" nodeType="withEffect">
+                                  <p:stCondLst>
+                                    <p:cond delay="0"/>
+                                  </p:stCondLst>
+                                  <p:childTnLst>
+                                    <p:set>
+                                      <p:cBhvr>
+                                        <p:cTn id="61" dur="1" fill="hold">
+                                          <p:stCondLst>
+                                            <p:cond delay="0"/>
+                                          </p:stCondLst>
+                                        </p:cTn>
+                                        <p:tgtEl>
+                                          <p:spTgt spid="43"/>
+                                        </p:tgtEl>
+                                        <p:attrNameLst>
+                                          <p:attrName>style.visibility</p:attrName>
+                                        </p:attrNameLst>
+                                      </p:cBhvr>
+                                      <p:to>
+                                        <p:strVal val="visible"/>
+                                      </p:to>
+                                    </p:set>
+                                    <p:animEffect transition="in" filter="fade">
+                                      <p:cBhvr>
+                                        <p:cTn id="62" dur="500"/>
+                                        <p:tgtEl>
+                                          <p:spTgt spid="43"/>
+                                        </p:tgtEl>
+                                      </p:cBhvr>
+                                    </p:animEffect>
+                                  </p:childTnLst>
+                                </p:cTn>
+                              </p:par>
+                            </p:childTnLst>
+                          </p:cTn>
+                        </p:par>
+                      </p:childTnLst>
+                    </p:cTn>
+                  </p:par>
+                </p:childTnLst>
+              </p:cTn>
+              <p:prevCondLst>
+                <p:cond evt="onPrev" delay="0">
+                  <p:tgtEl>
+                    <p:sldTgt/>
+                  </p:tgtEl>
+                </p:cond>
+              </p:prevCondLst>
+              <p:nextCondLst>
+                <p:cond evt="onNext" delay="0">
+                  <p:tgtEl>
+                    <p:sldTgt/>
+                  </p:tgtEl>
+                </p:cond>
+              </p:nextCondLst>
+            </p:seq>
+          </p:childTnLst>
+        </p:cTn>
+      </p:par>
+    </p:tnLst>
+    <p:bldLst>
+      <p:bldP spid="17" grpId="0" animBg="1"/>
+      <p:bldP spid="15" grpId="0" animBg="1"/>
+      <p:bldP spid="3" grpId="0" uiExpand="1" build="p" animBg="1"/>
+      <p:bldP spid="4" grpId="0" animBg="1"/>
+      <p:bldP spid="5" grpId="0" animBg="1"/>
+      <p:bldP spid="11" grpId="0" animBg="1"/>
+      <p:bldP spid="12" grpId="0" animBg="1"/>
+      <p:bldP spid="16" grpId="0" animBg="1"/>
+      <p:bldP spid="23" grpId="0" animBg="1"/>
+      <p:bldP spid="43" grpId="0" animBg="1"/>
+      <p:bldP spid="44" grpId="0" animBg="1"/>
+    </p:bldLst>
+  </p:timing>
 </p:sld>
 </file>
 
@@ -16951,7 +18421,13 @@
       </p:grpSpPr>
       <p:sp>
         <p:nvSpPr>
-          <p:cNvPr id="2" name="Title 1"/>
+          <p:cNvPr id="2" name="Title 1">
+            <a:extLst>
+              <a:ext uri="{FF2B5EF4-FFF2-40B4-BE49-F238E27FC236}">
+                <a16:creationId xmlns:a16="http://schemas.microsoft.com/office/drawing/2014/main" id="{3927750E-CF28-4B48-A10B-BC02EB9CD0FA}"/>
+              </a:ext>
+            </a:extLst>
+          </p:cNvPr>
           <p:cNvSpPr>
             <a:spLocks noGrp="1"/>
           </p:cNvSpPr>
@@ -16965,15 +18441,22 @@
           <a:lstStyle/>
           <a:p>
             <a:r>
-              <a:rPr lang="en-GB" dirty="0"/>
-              <a:t>Gadgets</a:t>
-            </a:r>
-          </a:p>
-        </p:txBody>
-      </p:sp>
-      <p:sp>
-        <p:nvSpPr>
-          <p:cNvPr id="3" name="Content Placeholder 2"/>
+              <a:rPr lang="en-US" dirty="0"/>
+              <a:t>Demo 4</a:t>
+            </a:r>
+            <a:endParaRPr lang="en-GB" dirty="0"/>
+          </a:p>
+        </p:txBody>
+      </p:sp>
+      <p:sp>
+        <p:nvSpPr>
+          <p:cNvPr id="3" name="Content Placeholder 2">
+            <a:extLst>
+              <a:ext uri="{FF2B5EF4-FFF2-40B4-BE49-F238E27FC236}">
+                <a16:creationId xmlns:a16="http://schemas.microsoft.com/office/drawing/2014/main" id="{F82C128F-C733-41C5-BA02-69C5A8077248}"/>
+              </a:ext>
+            </a:extLst>
+          </p:cNvPr>
           <p:cNvSpPr>
             <a:spLocks noGrp="1"/>
           </p:cNvSpPr>
@@ -16986,14 +18469,23 @@
           <a:bodyPr/>
           <a:lstStyle/>
           <a:p>
-            <a:endParaRPr lang="en-GB"/>
+            <a:r>
+              <a:rPr lang="en-GB" dirty="0"/>
+              <a:t>SSML</a:t>
+            </a:r>
+          </a:p>
+          <a:p>
+            <a:r>
+              <a:rPr lang="en-GB" dirty="0"/>
+              <a:t>Alexa Sound Library</a:t>
+            </a:r>
           </a:p>
         </p:txBody>
       </p:sp>
     </p:spTree>
     <p:extLst>
       <p:ext uri="{BB962C8B-B14F-4D97-AF65-F5344CB8AC3E}">
-        <p14:creationId xmlns:p14="http://schemas.microsoft.com/office/powerpoint/2010/main" val="3777380794"/>
+        <p14:creationId xmlns:p14="http://schemas.microsoft.com/office/powerpoint/2010/main" val="1650790312"/>
       </p:ext>
     </p:extLst>
   </p:cSld>
@@ -17037,7 +18529,7 @@
           <a:p>
             <a:r>
               <a:rPr lang="en-GB" dirty="0"/>
-              <a:t>Gadget Controller</a:t>
+              <a:t>Gadgets</a:t>
             </a:r>
           </a:p>
         </p:txBody>
@@ -17064,7 +18556,7 @@
     </p:spTree>
     <p:extLst>
       <p:ext uri="{BB962C8B-B14F-4D97-AF65-F5344CB8AC3E}">
-        <p14:creationId xmlns:p14="http://schemas.microsoft.com/office/powerpoint/2010/main" val="2066721731"/>
+        <p14:creationId xmlns:p14="http://schemas.microsoft.com/office/powerpoint/2010/main" val="3777380794"/>
       </p:ext>
     </p:extLst>
   </p:cSld>
@@ -17108,6 +18600,77 @@
           <a:p>
             <a:r>
               <a:rPr lang="en-GB" dirty="0"/>
+              <a:t>Gadget Controller</a:t>
+            </a:r>
+          </a:p>
+        </p:txBody>
+      </p:sp>
+      <p:sp>
+        <p:nvSpPr>
+          <p:cNvPr id="3" name="Content Placeholder 2"/>
+          <p:cNvSpPr>
+            <a:spLocks noGrp="1"/>
+          </p:cNvSpPr>
+          <p:nvPr>
+            <p:ph idx="1"/>
+          </p:nvPr>
+        </p:nvSpPr>
+        <p:spPr/>
+        <p:txBody>
+          <a:bodyPr/>
+          <a:lstStyle/>
+          <a:p>
+            <a:endParaRPr lang="en-GB"/>
+          </a:p>
+        </p:txBody>
+      </p:sp>
+    </p:spTree>
+    <p:extLst>
+      <p:ext uri="{BB962C8B-B14F-4D97-AF65-F5344CB8AC3E}">
+        <p14:creationId xmlns:p14="http://schemas.microsoft.com/office/powerpoint/2010/main" val="2066721731"/>
+      </p:ext>
+    </p:extLst>
+  </p:cSld>
+  <p:clrMapOvr>
+    <a:masterClrMapping/>
+  </p:clrMapOvr>
+</p:sld>
+</file>
+
+<file path=ppt/slides/slide29.xml><?xml version="1.0" encoding="utf-8"?>
+<p:sld xmlns:a="http://schemas.openxmlformats.org/drawingml/2006/main" xmlns:r="http://schemas.openxmlformats.org/officeDocument/2006/relationships" xmlns:p="http://schemas.openxmlformats.org/presentationml/2006/main">
+  <p:cSld>
+    <p:spTree>
+      <p:nvGrpSpPr>
+        <p:cNvPr id="1" name=""/>
+        <p:cNvGrpSpPr/>
+        <p:nvPr/>
+      </p:nvGrpSpPr>
+      <p:grpSpPr>
+        <a:xfrm>
+          <a:off x="0" y="0"/>
+          <a:ext cx="0" cy="0"/>
+          <a:chOff x="0" y="0"/>
+          <a:chExt cx="0" cy="0"/>
+        </a:xfrm>
+      </p:grpSpPr>
+      <p:sp>
+        <p:nvSpPr>
+          <p:cNvPr id="2" name="Title 1"/>
+          <p:cNvSpPr>
+            <a:spLocks noGrp="1"/>
+          </p:cNvSpPr>
+          <p:nvPr>
+            <p:ph type="title"/>
+          </p:nvPr>
+        </p:nvSpPr>
+        <p:spPr/>
+        <p:txBody>
+          <a:bodyPr/>
+          <a:lstStyle/>
+          <a:p>
+            <a:r>
+              <a:rPr lang="en-GB" dirty="0"/>
               <a:t>Game Engine</a:t>
             </a:r>
           </a:p>
@@ -17145,7 +18708,88 @@
 </p:sld>
 </file>
 
-<file path=ppt/slides/slide29.xml><?xml version="1.0" encoding="utf-8"?>
+<file path=ppt/slides/slide3.xml><?xml version="1.0" encoding="utf-8"?>
+<p:sld xmlns:a="http://schemas.openxmlformats.org/drawingml/2006/main" xmlns:r="http://schemas.openxmlformats.org/officeDocument/2006/relationships" xmlns:p="http://schemas.openxmlformats.org/presentationml/2006/main">
+  <p:cSld>
+    <p:spTree>
+      <p:nvGrpSpPr>
+        <p:cNvPr id="1" name=""/>
+        <p:cNvGrpSpPr/>
+        <p:nvPr/>
+      </p:nvGrpSpPr>
+      <p:grpSpPr>
+        <a:xfrm>
+          <a:off x="0" y="0"/>
+          <a:ext cx="0" cy="0"/>
+          <a:chOff x="0" y="0"/>
+          <a:chExt cx="0" cy="0"/>
+        </a:xfrm>
+      </p:grpSpPr>
+      <p:sp>
+        <p:nvSpPr>
+          <p:cNvPr id="2" name="Title 1"/>
+          <p:cNvSpPr>
+            <a:spLocks noGrp="1"/>
+          </p:cNvSpPr>
+          <p:nvPr>
+            <p:ph type="title"/>
+          </p:nvPr>
+        </p:nvSpPr>
+        <p:spPr/>
+        <p:txBody>
+          <a:bodyPr/>
+          <a:lstStyle/>
+          <a:p>
+            <a:r>
+              <a:rPr lang="en-GB" dirty="0"/>
+              <a:t>About Me</a:t>
+            </a:r>
+          </a:p>
+        </p:txBody>
+      </p:sp>
+      <p:pic>
+        <p:nvPicPr>
+          <p:cNvPr id="7" name="Content Placeholder 6">
+            <a:extLst>
+              <a:ext uri="{FF2B5EF4-FFF2-40B4-BE49-F238E27FC236}">
+                <a16:creationId xmlns:a16="http://schemas.microsoft.com/office/drawing/2014/main" id="{1D2D63A3-4537-D84D-9AF7-D4DA9857DA91}"/>
+              </a:ext>
+            </a:extLst>
+          </p:cNvPr>
+          <p:cNvPicPr>
+            <a:picLocks noGrp="1" noChangeAspect="1"/>
+          </p:cNvPicPr>
+          <p:nvPr>
+            <p:ph idx="1"/>
+          </p:nvPr>
+        </p:nvPicPr>
+        <p:blipFill>
+          <a:blip r:embed="rId3"/>
+          <a:stretch>
+            <a:fillRect/>
+          </a:stretch>
+        </p:blipFill>
+        <p:spPr>
+          <a:xfrm>
+            <a:off x="3829218" y="1846263"/>
+            <a:ext cx="4593890" cy="4022725"/>
+          </a:xfrm>
+        </p:spPr>
+      </p:pic>
+    </p:spTree>
+    <p:extLst>
+      <p:ext uri="{BB962C8B-B14F-4D97-AF65-F5344CB8AC3E}">
+        <p14:creationId xmlns:p14="http://schemas.microsoft.com/office/powerpoint/2010/main" val="1575921757"/>
+      </p:ext>
+    </p:extLst>
+  </p:cSld>
+  <p:clrMapOvr>
+    <a:masterClrMapping/>
+  </p:clrMapOvr>
+</p:sld>
+</file>
+
+<file path=ppt/slides/slide30.xml><?xml version="1.0" encoding="utf-8"?>
 <p:sld xmlns:a="http://schemas.openxmlformats.org/drawingml/2006/main" xmlns:r="http://schemas.openxmlformats.org/officeDocument/2006/relationships" xmlns:p="http://schemas.openxmlformats.org/presentationml/2006/main">
   <p:cSld>
     <p:spTree>
@@ -17425,87 +19069,6 @@
     <p:extLst>
       <p:ext uri="{BB962C8B-B14F-4D97-AF65-F5344CB8AC3E}">
         <p14:creationId xmlns:p14="http://schemas.microsoft.com/office/powerpoint/2010/main" val="256884393"/>
-      </p:ext>
-    </p:extLst>
-  </p:cSld>
-  <p:clrMapOvr>
-    <a:masterClrMapping/>
-  </p:clrMapOvr>
-</p:sld>
-</file>
-
-<file path=ppt/slides/slide3.xml><?xml version="1.0" encoding="utf-8"?>
-<p:sld xmlns:a="http://schemas.openxmlformats.org/drawingml/2006/main" xmlns:r="http://schemas.openxmlformats.org/officeDocument/2006/relationships" xmlns:p="http://schemas.openxmlformats.org/presentationml/2006/main">
-  <p:cSld>
-    <p:spTree>
-      <p:nvGrpSpPr>
-        <p:cNvPr id="1" name=""/>
-        <p:cNvGrpSpPr/>
-        <p:nvPr/>
-      </p:nvGrpSpPr>
-      <p:grpSpPr>
-        <a:xfrm>
-          <a:off x="0" y="0"/>
-          <a:ext cx="0" cy="0"/>
-          <a:chOff x="0" y="0"/>
-          <a:chExt cx="0" cy="0"/>
-        </a:xfrm>
-      </p:grpSpPr>
-      <p:sp>
-        <p:nvSpPr>
-          <p:cNvPr id="2" name="Title 1"/>
-          <p:cNvSpPr>
-            <a:spLocks noGrp="1"/>
-          </p:cNvSpPr>
-          <p:nvPr>
-            <p:ph type="title"/>
-          </p:nvPr>
-        </p:nvSpPr>
-        <p:spPr/>
-        <p:txBody>
-          <a:bodyPr/>
-          <a:lstStyle/>
-          <a:p>
-            <a:r>
-              <a:rPr lang="en-GB" dirty="0"/>
-              <a:t>About Me</a:t>
-            </a:r>
-          </a:p>
-        </p:txBody>
-      </p:sp>
-      <p:pic>
-        <p:nvPicPr>
-          <p:cNvPr id="7" name="Content Placeholder 6">
-            <a:extLst>
-              <a:ext uri="{FF2B5EF4-FFF2-40B4-BE49-F238E27FC236}">
-                <a16:creationId xmlns:a16="http://schemas.microsoft.com/office/drawing/2014/main" id="{1D2D63A3-4537-D84D-9AF7-D4DA9857DA91}"/>
-              </a:ext>
-            </a:extLst>
-          </p:cNvPr>
-          <p:cNvPicPr>
-            <a:picLocks noGrp="1" noChangeAspect="1"/>
-          </p:cNvPicPr>
-          <p:nvPr>
-            <p:ph idx="1"/>
-          </p:nvPr>
-        </p:nvPicPr>
-        <p:blipFill>
-          <a:blip r:embed="rId3"/>
-          <a:stretch>
-            <a:fillRect/>
-          </a:stretch>
-        </p:blipFill>
-        <p:spPr>
-          <a:xfrm>
-            <a:off x="3829218" y="1846263"/>
-            <a:ext cx="4593890" cy="4022725"/>
-          </a:xfrm>
-        </p:spPr>
-      </p:pic>
-    </p:spTree>
-    <p:extLst>
-      <p:ext uri="{BB962C8B-B14F-4D97-AF65-F5344CB8AC3E}">
-        <p14:creationId xmlns:p14="http://schemas.microsoft.com/office/powerpoint/2010/main" val="1575921757"/>
       </p:ext>
     </p:extLst>
   </p:cSld>

--- a/Presentation/VoiceAndMore.pptx
+++ b/Presentation/VoiceAndMore.pptx
@@ -5,7 +5,7 @@
     <p:sldMasterId id="2147483723" r:id="rId1"/>
   </p:sldMasterIdLst>
   <p:notesMasterIdLst>
-    <p:notesMasterId r:id="rId32"/>
+    <p:notesMasterId r:id="rId33"/>
   </p:notesMasterIdLst>
   <p:sldIdLst>
     <p:sldId id="256" r:id="rId2"/>
@@ -32,12 +32,13 @@
     <p:sldId id="288" r:id="rId23"/>
     <p:sldId id="263" r:id="rId24"/>
     <p:sldId id="286" r:id="rId25"/>
-    <p:sldId id="258" r:id="rId26"/>
-    <p:sldId id="289" r:id="rId27"/>
-    <p:sldId id="259" r:id="rId28"/>
-    <p:sldId id="260" r:id="rId29"/>
-    <p:sldId id="261" r:id="rId30"/>
-    <p:sldId id="262" r:id="rId31"/>
+    <p:sldId id="289" r:id="rId26"/>
+    <p:sldId id="259" r:id="rId27"/>
+    <p:sldId id="260" r:id="rId28"/>
+    <p:sldId id="261" r:id="rId29"/>
+    <p:sldId id="291" r:id="rId30"/>
+    <p:sldId id="290" r:id="rId31"/>
+    <p:sldId id="262" r:id="rId32"/>
   </p:sldIdLst>
   <p:sldSz cx="12192000" cy="6858000"/>
   <p:notesSz cx="6858000" cy="9144000"/>
@@ -1818,7 +1819,7 @@
           <a:p>
             <a:fld id="{89086A25-1D2B-4C4F-AF82-CC73108F7901}" type="slidenum">
               <a:rPr lang="en-US" smtClean="0"/>
-              <a:t>26</a:t>
+              <a:t>25</a:t>
             </a:fld>
             <a:endParaRPr lang="en-US"/>
           </a:p>
@@ -1902,7 +1903,7 @@
           <a:p>
             <a:fld id="{89086A25-1D2B-4C4F-AF82-CC73108F7901}" type="slidenum">
               <a:rPr lang="en-US" smtClean="0"/>
-              <a:t>27</a:t>
+              <a:t>26</a:t>
             </a:fld>
             <a:endParaRPr lang="en-US"/>
           </a:p>
@@ -14800,7 +14801,7 @@
           <a:p>
             <a:r>
               <a:rPr lang="en-GB" dirty="0"/>
-              <a:t>Skill Messaging</a:t>
+              <a:t>Push Notification - Messages</a:t>
             </a:r>
           </a:p>
         </p:txBody>
@@ -15098,7 +15099,7 @@
           <a:p>
             <a:r>
               <a:rPr lang="en-GB" dirty="0"/>
-              <a:t>Skill Messaging</a:t>
+              <a:t>Push Notifications</a:t>
             </a:r>
           </a:p>
         </p:txBody>
@@ -18350,7 +18351,13 @@
       </p:grpSpPr>
       <p:sp>
         <p:nvSpPr>
-          <p:cNvPr id="2" name="Title 1"/>
+          <p:cNvPr id="2" name="Title 1">
+            <a:extLst>
+              <a:ext uri="{FF2B5EF4-FFF2-40B4-BE49-F238E27FC236}">
+                <a16:creationId xmlns:a16="http://schemas.microsoft.com/office/drawing/2014/main" id="{3927750E-CF28-4B48-A10B-BC02EB9CD0FA}"/>
+              </a:ext>
+            </a:extLst>
+          </p:cNvPr>
           <p:cNvSpPr>
             <a:spLocks noGrp="1"/>
           </p:cNvSpPr>
@@ -18364,15 +18371,22 @@
           <a:lstStyle/>
           <a:p>
             <a:r>
-              <a:rPr lang="en-GB" dirty="0"/>
-              <a:t>Push Notifications</a:t>
-            </a:r>
+              <a:rPr lang="en-US" dirty="0"/>
+              <a:t>Demo 5</a:t>
+            </a:r>
+            <a:endParaRPr lang="en-GB" dirty="0"/>
           </a:p>
         </p:txBody>
       </p:sp>
       <p:sp>
         <p:nvSpPr>
-          <p:cNvPr id="3" name="Content Placeholder 2"/>
+          <p:cNvPr id="3" name="Content Placeholder 2">
+            <a:extLst>
+              <a:ext uri="{FF2B5EF4-FFF2-40B4-BE49-F238E27FC236}">
+                <a16:creationId xmlns:a16="http://schemas.microsoft.com/office/drawing/2014/main" id="{F82C128F-C733-41C5-BA02-69C5A8077248}"/>
+              </a:ext>
+            </a:extLst>
+          </p:cNvPr>
           <p:cNvSpPr>
             <a:spLocks noGrp="1"/>
           </p:cNvSpPr>
@@ -18385,14 +18399,23 @@
           <a:bodyPr/>
           <a:lstStyle/>
           <a:p>
-            <a:endParaRPr lang="en-GB"/>
+            <a:r>
+              <a:rPr lang="en-GB" dirty="0"/>
+              <a:t>Skill Messaging</a:t>
+            </a:r>
+          </a:p>
+          <a:p>
+            <a:r>
+              <a:rPr lang="en-GB" dirty="0"/>
+              <a:t>Push Notifications</a:t>
+            </a:r>
           </a:p>
         </p:txBody>
       </p:sp>
     </p:spTree>
     <p:extLst>
       <p:ext uri="{BB962C8B-B14F-4D97-AF65-F5344CB8AC3E}">
-        <p14:creationId xmlns:p14="http://schemas.microsoft.com/office/powerpoint/2010/main" val="2247287629"/>
+        <p14:creationId xmlns:p14="http://schemas.microsoft.com/office/powerpoint/2010/main" val="1650790312"/>
       </p:ext>
     </p:extLst>
   </p:cSld>
@@ -18421,13 +18444,7 @@
       </p:grpSpPr>
       <p:sp>
         <p:nvSpPr>
-          <p:cNvPr id="2" name="Title 1">
-            <a:extLst>
-              <a:ext uri="{FF2B5EF4-FFF2-40B4-BE49-F238E27FC236}">
-                <a16:creationId xmlns:a16="http://schemas.microsoft.com/office/drawing/2014/main" id="{3927750E-CF28-4B48-A10B-BC02EB9CD0FA}"/>
-              </a:ext>
-            </a:extLst>
-          </p:cNvPr>
+          <p:cNvPr id="2" name="Title 1"/>
           <p:cNvSpPr>
             <a:spLocks noGrp="1"/>
           </p:cNvSpPr>
@@ -18441,22 +18458,15 @@
           <a:lstStyle/>
           <a:p>
             <a:r>
-              <a:rPr lang="en-US" dirty="0"/>
-              <a:t>Demo 4</a:t>
-            </a:r>
-            <a:endParaRPr lang="en-GB" dirty="0"/>
+              <a:rPr lang="en-GB" dirty="0"/>
+              <a:t>Gadgets</a:t>
+            </a:r>
           </a:p>
         </p:txBody>
       </p:sp>
       <p:sp>
         <p:nvSpPr>
-          <p:cNvPr id="3" name="Content Placeholder 2">
-            <a:extLst>
-              <a:ext uri="{FF2B5EF4-FFF2-40B4-BE49-F238E27FC236}">
-                <a16:creationId xmlns:a16="http://schemas.microsoft.com/office/drawing/2014/main" id="{F82C128F-C733-41C5-BA02-69C5A8077248}"/>
-              </a:ext>
-            </a:extLst>
-          </p:cNvPr>
+          <p:cNvPr id="3" name="Content Placeholder 2"/>
           <p:cNvSpPr>
             <a:spLocks noGrp="1"/>
           </p:cNvSpPr>
@@ -18469,23 +18479,44 @@
           <a:bodyPr/>
           <a:lstStyle/>
           <a:p>
-            <a:r>
-              <a:rPr lang="en-GB" dirty="0"/>
-              <a:t>SSML</a:t>
-            </a:r>
-          </a:p>
-          <a:p>
-            <a:r>
-              <a:rPr lang="en-GB" dirty="0"/>
-              <a:t>Alexa Sound Library</a:t>
-            </a:r>
+            <a:endParaRPr lang="en-GB"/>
           </a:p>
         </p:txBody>
       </p:sp>
+      <p:pic>
+        <p:nvPicPr>
+          <p:cNvPr id="4" name="Picture 3">
+            <a:extLst>
+              <a:ext uri="{FF2B5EF4-FFF2-40B4-BE49-F238E27FC236}">
+                <a16:creationId xmlns:a16="http://schemas.microsoft.com/office/drawing/2014/main" id="{468575FC-6DBC-3340-9B08-55A1A15D1501}"/>
+              </a:ext>
+            </a:extLst>
+          </p:cNvPr>
+          <p:cNvPicPr>
+            <a:picLocks noChangeAspect="1"/>
+          </p:cNvPicPr>
+          <p:nvPr/>
+        </p:nvPicPr>
+        <p:blipFill>
+          <a:blip r:embed="rId3"/>
+          <a:stretch>
+            <a:fillRect/>
+          </a:stretch>
+        </p:blipFill>
+        <p:spPr>
+          <a:xfrm>
+            <a:off x="2902613" y="1888914"/>
+            <a:ext cx="6223000" cy="3937000"/>
+          </a:xfrm>
+          <a:prstGeom prst="rect">
+            <a:avLst/>
+          </a:prstGeom>
+        </p:spPr>
+      </p:pic>
     </p:spTree>
     <p:extLst>
       <p:ext uri="{BB962C8B-B14F-4D97-AF65-F5344CB8AC3E}">
-        <p14:creationId xmlns:p14="http://schemas.microsoft.com/office/powerpoint/2010/main" val="1650790312"/>
+        <p14:creationId xmlns:p14="http://schemas.microsoft.com/office/powerpoint/2010/main" val="3777380794"/>
       </p:ext>
     </p:extLst>
   </p:cSld>
@@ -18529,7 +18560,7 @@
           <a:p>
             <a:r>
               <a:rPr lang="en-GB" dirty="0"/>
-              <a:t>Gadgets</a:t>
+              <a:t>Gadget Controller</a:t>
             </a:r>
           </a:p>
         </p:txBody>
@@ -18549,14 +18580,51 @@
           <a:bodyPr/>
           <a:lstStyle/>
           <a:p>
-            <a:endParaRPr lang="en-GB"/>
+            <a:pPr marL="0" indent="0">
+              <a:buNone/>
+            </a:pPr>
+            <a:r>
+              <a:rPr lang="en-GB" dirty="0"/>
+              <a:t>  </a:t>
+            </a:r>
+            <a:r>
+              <a:rPr lang="en-GB" dirty="0" err="1"/>
+              <a:t>SetLight</a:t>
+            </a:r>
+            <a:r>
+              <a:rPr lang="en-GB" dirty="0"/>
+              <a:t> Directive</a:t>
+            </a:r>
+          </a:p>
+          <a:p>
+            <a:r>
+              <a:rPr lang="en-GB" dirty="0"/>
+              <a:t>Each </a:t>
+            </a:r>
+            <a:r>
+              <a:rPr lang="en-GB" dirty="0" err="1"/>
+              <a:t>color</a:t>
+            </a:r>
+            <a:r>
+              <a:rPr lang="en-GB" dirty="0"/>
+              <a:t> change is a step in an animation</a:t>
+            </a:r>
+          </a:p>
+          <a:p>
+            <a:r>
+              <a:rPr lang="en-GB" dirty="0"/>
+              <a:t>Can be triggered or starts straight away</a:t>
+            </a:r>
+          </a:p>
+          <a:p>
+            <a:endParaRPr lang="en-GB" dirty="0"/>
           </a:p>
         </p:txBody>
       </p:sp>
     </p:spTree>
     <p:extLst>
       <p:ext uri="{BB962C8B-B14F-4D97-AF65-F5344CB8AC3E}">
-        <p14:creationId xmlns:p14="http://schemas.microsoft.com/office/powerpoint/2010/main" val="3777380794"/>
+        <p14:creationId xmlns:p14="http://schemas.microsoft.com/office/powerpoint/2010/main" val="2066721731"/>
       </p:ext>
     </p:extLst>
   </p:cSld>
@@ -18600,7 +18668,7 @@
           <a:p>
             <a:r>
               <a:rPr lang="en-GB" dirty="0"/>
-              <a:t>Gadget Controller</a:t>
+              <a:t>Game Engine</a:t>
             </a:r>
           </a:p>
         </p:txBody>
@@ -18620,14 +18688,33 @@
           <a:bodyPr/>
           <a:lstStyle/>
           <a:p>
-            <a:endParaRPr lang="en-GB"/>
+            <a:r>
+              <a:rPr lang="en-GB" dirty="0" err="1"/>
+              <a:t>StartInputHandler</a:t>
+            </a:r>
+            <a:endParaRPr lang="en-GB" dirty="0"/>
+          </a:p>
+          <a:p>
+            <a:r>
+              <a:rPr lang="en-GB" dirty="0"/>
+              <a:t>Recognisers – What to monitor</a:t>
+            </a:r>
+          </a:p>
+          <a:p>
+            <a:r>
+              <a:rPr lang="en-GB" dirty="0"/>
+              <a:t>Events – When to tell you about it</a:t>
+            </a:r>
+          </a:p>
+          <a:p>
+            <a:endParaRPr lang="en-GB" dirty="0"/>
           </a:p>
         </p:txBody>
       </p:sp>
     </p:spTree>
     <p:extLst>
       <p:ext uri="{BB962C8B-B14F-4D97-AF65-F5344CB8AC3E}">
-        <p14:creationId xmlns:p14="http://schemas.microsoft.com/office/powerpoint/2010/main" val="2066721731"/>
+        <p14:creationId xmlns:p14="http://schemas.microsoft.com/office/powerpoint/2010/main" val="3695787322"/>
       </p:ext>
     </p:extLst>
   </p:cSld>
@@ -18691,20 +18778,1707 @@
           <a:bodyPr/>
           <a:lstStyle/>
           <a:p>
-            <a:endParaRPr lang="en-GB"/>
+            <a:endParaRPr lang="en-GB" dirty="0"/>
+          </a:p>
+        </p:txBody>
+      </p:sp>
+      <p:cxnSp>
+        <p:nvCxnSpPr>
+          <p:cNvPr id="5" name="Straight Connector 4">
+            <a:extLst>
+              <a:ext uri="{FF2B5EF4-FFF2-40B4-BE49-F238E27FC236}">
+                <a16:creationId xmlns:a16="http://schemas.microsoft.com/office/drawing/2014/main" id="{A85CDF38-4E27-FD45-B125-371249EE7AE4}"/>
+              </a:ext>
+            </a:extLst>
+          </p:cNvPr>
+          <p:cNvCxnSpPr/>
+          <p:nvPr/>
+        </p:nvCxnSpPr>
+        <p:spPr>
+          <a:xfrm>
+            <a:off x="1269242" y="2006221"/>
+            <a:ext cx="9886438" cy="0"/>
+          </a:xfrm>
+          <a:prstGeom prst="line">
+            <a:avLst/>
+          </a:prstGeom>
+        </p:spPr>
+        <p:style>
+          <a:lnRef idx="1">
+            <a:schemeClr val="accent1"/>
+          </a:lnRef>
+          <a:fillRef idx="0">
+            <a:schemeClr val="accent1"/>
+          </a:fillRef>
+          <a:effectRef idx="0">
+            <a:schemeClr val="accent1"/>
+          </a:effectRef>
+          <a:fontRef idx="minor">
+            <a:schemeClr val="tx1"/>
+          </a:fontRef>
+        </p:style>
+      </p:cxnSp>
+      <p:sp>
+        <p:nvSpPr>
+          <p:cNvPr id="6" name="TextBox 5">
+            <a:extLst>
+              <a:ext uri="{FF2B5EF4-FFF2-40B4-BE49-F238E27FC236}">
+                <a16:creationId xmlns:a16="http://schemas.microsoft.com/office/drawing/2014/main" id="{E8A589F5-F7F7-FF48-83D8-65F84FED83BA}"/>
+              </a:ext>
+            </a:extLst>
+          </p:cNvPr>
+          <p:cNvSpPr txBox="1"/>
+          <p:nvPr/>
+        </p:nvSpPr>
+        <p:spPr>
+          <a:xfrm>
+            <a:off x="11155680" y="1859382"/>
+            <a:ext cx="508473" cy="369332"/>
+          </a:xfrm>
+          <a:prstGeom prst="rect">
+            <a:avLst/>
+          </a:prstGeom>
+          <a:noFill/>
+        </p:spPr>
+        <p:txBody>
+          <a:bodyPr wrap="none" rtlCol="0">
+            <a:spAutoFit/>
+          </a:bodyPr>
+          <a:lstStyle/>
+          <a:p>
+            <a:r>
+              <a:rPr lang="en-US" dirty="0"/>
+              <a:t>10s</a:t>
+            </a:r>
+          </a:p>
+        </p:txBody>
+      </p:sp>
+      <p:sp>
+        <p:nvSpPr>
+          <p:cNvPr id="7" name="TextBox 6">
+            <a:extLst>
+              <a:ext uri="{FF2B5EF4-FFF2-40B4-BE49-F238E27FC236}">
+                <a16:creationId xmlns:a16="http://schemas.microsoft.com/office/drawing/2014/main" id="{4D6266BA-6812-654A-B558-E9C028DA4608}"/>
+              </a:ext>
+            </a:extLst>
+          </p:cNvPr>
+          <p:cNvSpPr txBox="1"/>
+          <p:nvPr/>
+        </p:nvSpPr>
+        <p:spPr>
+          <a:xfrm>
+            <a:off x="619845" y="1821555"/>
+            <a:ext cx="391454" cy="369332"/>
+          </a:xfrm>
+          <a:prstGeom prst="rect">
+            <a:avLst/>
+          </a:prstGeom>
+          <a:noFill/>
+        </p:spPr>
+        <p:txBody>
+          <a:bodyPr wrap="none" rtlCol="0">
+            <a:spAutoFit/>
+          </a:bodyPr>
+          <a:lstStyle/>
+          <a:p>
+            <a:r>
+              <a:rPr lang="en-US" dirty="0"/>
+              <a:t>0s</a:t>
+            </a:r>
+          </a:p>
+        </p:txBody>
+      </p:sp>
+      <p:sp>
+        <p:nvSpPr>
+          <p:cNvPr id="8" name="Oval 7">
+            <a:extLst>
+              <a:ext uri="{FF2B5EF4-FFF2-40B4-BE49-F238E27FC236}">
+                <a16:creationId xmlns:a16="http://schemas.microsoft.com/office/drawing/2014/main" id="{A0DEAC92-08E5-E14A-A0BA-EB250893B93A}"/>
+              </a:ext>
+            </a:extLst>
+          </p:cNvPr>
+          <p:cNvSpPr/>
+          <p:nvPr/>
+        </p:nvSpPr>
+        <p:spPr>
+          <a:xfrm>
+            <a:off x="1815152" y="2228714"/>
+            <a:ext cx="368490" cy="364361"/>
+          </a:xfrm>
+          <a:prstGeom prst="ellipse">
+            <a:avLst/>
+          </a:prstGeom>
+          <a:solidFill>
+            <a:srgbClr val="00B050"/>
+          </a:solidFill>
+        </p:spPr>
+        <p:style>
+          <a:lnRef idx="2">
+            <a:schemeClr val="accent1">
+              <a:shade val="50000"/>
+            </a:schemeClr>
+          </a:lnRef>
+          <a:fillRef idx="1">
+            <a:schemeClr val="accent1"/>
+          </a:fillRef>
+          <a:effectRef idx="0">
+            <a:schemeClr val="accent1"/>
+          </a:effectRef>
+          <a:fontRef idx="minor">
+            <a:schemeClr val="lt1"/>
+          </a:fontRef>
+        </p:style>
+        <p:txBody>
+          <a:bodyPr rtlCol="0" anchor="ctr"/>
+          <a:lstStyle/>
+          <a:p>
+            <a:pPr algn="ctr"/>
+            <a:endParaRPr lang="en-US"/>
+          </a:p>
+        </p:txBody>
+      </p:sp>
+      <p:sp>
+        <p:nvSpPr>
+          <p:cNvPr id="9" name="Oval 8">
+            <a:extLst>
+              <a:ext uri="{FF2B5EF4-FFF2-40B4-BE49-F238E27FC236}">
+                <a16:creationId xmlns:a16="http://schemas.microsoft.com/office/drawing/2014/main" id="{A539C99B-511B-E145-B021-A805A639528B}"/>
+              </a:ext>
+            </a:extLst>
+          </p:cNvPr>
+          <p:cNvSpPr/>
+          <p:nvPr/>
+        </p:nvSpPr>
+        <p:spPr>
+          <a:xfrm>
+            <a:off x="4437797" y="2228713"/>
+            <a:ext cx="368490" cy="364361"/>
+          </a:xfrm>
+          <a:prstGeom prst="ellipse">
+            <a:avLst/>
+          </a:prstGeom>
+          <a:solidFill>
+            <a:srgbClr val="0070C0"/>
+          </a:solidFill>
+        </p:spPr>
+        <p:style>
+          <a:lnRef idx="2">
+            <a:schemeClr val="accent1">
+              <a:shade val="50000"/>
+            </a:schemeClr>
+          </a:lnRef>
+          <a:fillRef idx="1">
+            <a:schemeClr val="accent1"/>
+          </a:fillRef>
+          <a:effectRef idx="0">
+            <a:schemeClr val="accent1"/>
+          </a:effectRef>
+          <a:fontRef idx="minor">
+            <a:schemeClr val="lt1"/>
+          </a:fontRef>
+        </p:style>
+        <p:txBody>
+          <a:bodyPr rtlCol="0" anchor="ctr"/>
+          <a:lstStyle/>
+          <a:p>
+            <a:pPr algn="ctr"/>
+            <a:endParaRPr lang="en-US"/>
+          </a:p>
+        </p:txBody>
+      </p:sp>
+      <p:sp>
+        <p:nvSpPr>
+          <p:cNvPr id="10" name="Oval 9">
+            <a:extLst>
+              <a:ext uri="{FF2B5EF4-FFF2-40B4-BE49-F238E27FC236}">
+                <a16:creationId xmlns:a16="http://schemas.microsoft.com/office/drawing/2014/main" id="{1652CAC3-0CD8-E047-B52B-106142A937CB}"/>
+              </a:ext>
+            </a:extLst>
+          </p:cNvPr>
+          <p:cNvSpPr/>
+          <p:nvPr/>
+        </p:nvSpPr>
+        <p:spPr>
+          <a:xfrm>
+            <a:off x="3250896" y="2228714"/>
+            <a:ext cx="368490" cy="364361"/>
+          </a:xfrm>
+          <a:prstGeom prst="ellipse">
+            <a:avLst/>
+          </a:prstGeom>
+          <a:solidFill>
+            <a:srgbClr val="FFFF00"/>
+          </a:solidFill>
+        </p:spPr>
+        <p:style>
+          <a:lnRef idx="2">
+            <a:schemeClr val="accent1">
+              <a:shade val="50000"/>
+            </a:schemeClr>
+          </a:lnRef>
+          <a:fillRef idx="1">
+            <a:schemeClr val="accent1"/>
+          </a:fillRef>
+          <a:effectRef idx="0">
+            <a:schemeClr val="accent1"/>
+          </a:effectRef>
+          <a:fontRef idx="minor">
+            <a:schemeClr val="lt1"/>
+          </a:fontRef>
+        </p:style>
+        <p:txBody>
+          <a:bodyPr rtlCol="0" anchor="ctr"/>
+          <a:lstStyle/>
+          <a:p>
+            <a:pPr algn="ctr"/>
+            <a:endParaRPr lang="en-US"/>
+          </a:p>
+        </p:txBody>
+      </p:sp>
+      <p:sp>
+        <p:nvSpPr>
+          <p:cNvPr id="11" name="Oval 10">
+            <a:extLst>
+              <a:ext uri="{FF2B5EF4-FFF2-40B4-BE49-F238E27FC236}">
+                <a16:creationId xmlns:a16="http://schemas.microsoft.com/office/drawing/2014/main" id="{4AE7F27F-CD37-DF49-81AF-4EE2BCD327B8}"/>
+              </a:ext>
+            </a:extLst>
+          </p:cNvPr>
+          <p:cNvSpPr/>
+          <p:nvPr/>
+        </p:nvSpPr>
+        <p:spPr>
+          <a:xfrm>
+            <a:off x="2717269" y="2228714"/>
+            <a:ext cx="368490" cy="364361"/>
+          </a:xfrm>
+          <a:prstGeom prst="ellipse">
+            <a:avLst/>
+          </a:prstGeom>
+          <a:solidFill>
+            <a:srgbClr val="FF0000"/>
+          </a:solidFill>
+        </p:spPr>
+        <p:style>
+          <a:lnRef idx="2">
+            <a:schemeClr val="accent1">
+              <a:shade val="50000"/>
+            </a:schemeClr>
+          </a:lnRef>
+          <a:fillRef idx="1">
+            <a:schemeClr val="accent1"/>
+          </a:fillRef>
+          <a:effectRef idx="0">
+            <a:schemeClr val="accent1"/>
+          </a:effectRef>
+          <a:fontRef idx="minor">
+            <a:schemeClr val="lt1"/>
+          </a:fontRef>
+        </p:style>
+        <p:txBody>
+          <a:bodyPr rtlCol="0" anchor="ctr"/>
+          <a:lstStyle/>
+          <a:p>
+            <a:pPr algn="ctr"/>
+            <a:endParaRPr lang="en-US"/>
+          </a:p>
+        </p:txBody>
+      </p:sp>
+      <p:sp>
+        <p:nvSpPr>
+          <p:cNvPr id="12" name="Oval 11">
+            <a:extLst>
+              <a:ext uri="{FF2B5EF4-FFF2-40B4-BE49-F238E27FC236}">
+                <a16:creationId xmlns:a16="http://schemas.microsoft.com/office/drawing/2014/main" id="{68A907DF-F6B8-8E49-B056-0D225683B1AA}"/>
+              </a:ext>
+            </a:extLst>
+          </p:cNvPr>
+          <p:cNvSpPr/>
+          <p:nvPr/>
+        </p:nvSpPr>
+        <p:spPr>
+          <a:xfrm>
+            <a:off x="7773765" y="2228712"/>
+            <a:ext cx="368490" cy="364361"/>
+          </a:xfrm>
+          <a:prstGeom prst="ellipse">
+            <a:avLst/>
+          </a:prstGeom>
+          <a:solidFill>
+            <a:srgbClr val="FFFF00"/>
+          </a:solidFill>
+        </p:spPr>
+        <p:style>
+          <a:lnRef idx="2">
+            <a:schemeClr val="accent1">
+              <a:shade val="50000"/>
+            </a:schemeClr>
+          </a:lnRef>
+          <a:fillRef idx="1">
+            <a:schemeClr val="accent1"/>
+          </a:fillRef>
+          <a:effectRef idx="0">
+            <a:schemeClr val="accent1"/>
+          </a:effectRef>
+          <a:fontRef idx="minor">
+            <a:schemeClr val="lt1"/>
+          </a:fontRef>
+        </p:style>
+        <p:txBody>
+          <a:bodyPr rtlCol="0" anchor="ctr"/>
+          <a:lstStyle/>
+          <a:p>
+            <a:pPr algn="ctr"/>
+            <a:endParaRPr lang="en-US"/>
+          </a:p>
+        </p:txBody>
+      </p:sp>
+      <p:sp>
+        <p:nvSpPr>
+          <p:cNvPr id="13" name="Oval 12">
+            <a:extLst>
+              <a:ext uri="{FF2B5EF4-FFF2-40B4-BE49-F238E27FC236}">
+                <a16:creationId xmlns:a16="http://schemas.microsoft.com/office/drawing/2014/main" id="{BB564FF0-DB62-B040-B252-F516998F7E64}"/>
+              </a:ext>
+            </a:extLst>
+          </p:cNvPr>
+          <p:cNvSpPr/>
+          <p:nvPr/>
+        </p:nvSpPr>
+        <p:spPr>
+          <a:xfrm>
+            <a:off x="7287222" y="2228713"/>
+            <a:ext cx="368490" cy="364361"/>
+          </a:xfrm>
+          <a:prstGeom prst="ellipse">
+            <a:avLst/>
+          </a:prstGeom>
+          <a:solidFill>
+            <a:srgbClr val="0070C0"/>
+          </a:solidFill>
+        </p:spPr>
+        <p:style>
+          <a:lnRef idx="2">
+            <a:schemeClr val="accent1">
+              <a:shade val="50000"/>
+            </a:schemeClr>
+          </a:lnRef>
+          <a:fillRef idx="1">
+            <a:schemeClr val="accent1"/>
+          </a:fillRef>
+          <a:effectRef idx="0">
+            <a:schemeClr val="accent1"/>
+          </a:effectRef>
+          <a:fontRef idx="minor">
+            <a:schemeClr val="lt1"/>
+          </a:fontRef>
+        </p:style>
+        <p:txBody>
+          <a:bodyPr rtlCol="0" anchor="ctr"/>
+          <a:lstStyle/>
+          <a:p>
+            <a:pPr algn="ctr"/>
+            <a:endParaRPr lang="en-US"/>
+          </a:p>
+        </p:txBody>
+      </p:sp>
+      <p:sp>
+        <p:nvSpPr>
+          <p:cNvPr id="14" name="Oval 13">
+            <a:extLst>
+              <a:ext uri="{FF2B5EF4-FFF2-40B4-BE49-F238E27FC236}">
+                <a16:creationId xmlns:a16="http://schemas.microsoft.com/office/drawing/2014/main" id="{9A7E70E7-2F21-044B-81C2-7A25D408977B}"/>
+              </a:ext>
+            </a:extLst>
+          </p:cNvPr>
+          <p:cNvSpPr/>
+          <p:nvPr/>
+        </p:nvSpPr>
+        <p:spPr>
+          <a:xfrm>
+            <a:off x="6188123" y="2233263"/>
+            <a:ext cx="368490" cy="364361"/>
+          </a:xfrm>
+          <a:prstGeom prst="ellipse">
+            <a:avLst/>
+          </a:prstGeom>
+          <a:solidFill>
+            <a:srgbClr val="FF0000"/>
+          </a:solidFill>
+        </p:spPr>
+        <p:style>
+          <a:lnRef idx="2">
+            <a:schemeClr val="accent1">
+              <a:shade val="50000"/>
+            </a:schemeClr>
+          </a:lnRef>
+          <a:fillRef idx="1">
+            <a:schemeClr val="accent1"/>
+          </a:fillRef>
+          <a:effectRef idx="0">
+            <a:schemeClr val="accent1"/>
+          </a:effectRef>
+          <a:fontRef idx="minor">
+            <a:schemeClr val="lt1"/>
+          </a:fontRef>
+        </p:style>
+        <p:txBody>
+          <a:bodyPr rtlCol="0" anchor="ctr"/>
+          <a:lstStyle/>
+          <a:p>
+            <a:pPr algn="ctr"/>
+            <a:endParaRPr lang="en-US"/>
+          </a:p>
+        </p:txBody>
+      </p:sp>
+      <p:sp>
+        <p:nvSpPr>
+          <p:cNvPr id="15" name="Oval 14">
+            <a:extLst>
+              <a:ext uri="{FF2B5EF4-FFF2-40B4-BE49-F238E27FC236}">
+                <a16:creationId xmlns:a16="http://schemas.microsoft.com/office/drawing/2014/main" id="{38608862-D6DF-E148-AD03-97C0976745CA}"/>
+              </a:ext>
+            </a:extLst>
+          </p:cNvPr>
+          <p:cNvSpPr/>
+          <p:nvPr/>
+        </p:nvSpPr>
+        <p:spPr>
+          <a:xfrm>
+            <a:off x="9882799" y="2228712"/>
+            <a:ext cx="368490" cy="364361"/>
+          </a:xfrm>
+          <a:prstGeom prst="ellipse">
+            <a:avLst/>
+          </a:prstGeom>
+          <a:solidFill>
+            <a:srgbClr val="FFFF00"/>
+          </a:solidFill>
+        </p:spPr>
+        <p:style>
+          <a:lnRef idx="2">
+            <a:schemeClr val="accent1">
+              <a:shade val="50000"/>
+            </a:schemeClr>
+          </a:lnRef>
+          <a:fillRef idx="1">
+            <a:schemeClr val="accent1"/>
+          </a:fillRef>
+          <a:effectRef idx="0">
+            <a:schemeClr val="accent1"/>
+          </a:effectRef>
+          <a:fontRef idx="minor">
+            <a:schemeClr val="lt1"/>
+          </a:fontRef>
+        </p:style>
+        <p:txBody>
+          <a:bodyPr rtlCol="0" anchor="ctr"/>
+          <a:lstStyle/>
+          <a:p>
+            <a:pPr algn="ctr"/>
+            <a:endParaRPr lang="en-US"/>
+          </a:p>
+        </p:txBody>
+      </p:sp>
+      <p:sp>
+        <p:nvSpPr>
+          <p:cNvPr id="16" name="Oval 15">
+            <a:extLst>
+              <a:ext uri="{FF2B5EF4-FFF2-40B4-BE49-F238E27FC236}">
+                <a16:creationId xmlns:a16="http://schemas.microsoft.com/office/drawing/2014/main" id="{FC3B0478-ED3D-1649-AE80-4C9026EB8AE0}"/>
+              </a:ext>
+            </a:extLst>
+          </p:cNvPr>
+          <p:cNvSpPr/>
+          <p:nvPr/>
+        </p:nvSpPr>
+        <p:spPr>
+          <a:xfrm>
+            <a:off x="9201548" y="2228712"/>
+            <a:ext cx="368490" cy="364361"/>
+          </a:xfrm>
+          <a:prstGeom prst="ellipse">
+            <a:avLst/>
+          </a:prstGeom>
+          <a:solidFill>
+            <a:srgbClr val="0070C0"/>
+          </a:solidFill>
+        </p:spPr>
+        <p:style>
+          <a:lnRef idx="2">
+            <a:schemeClr val="accent1">
+              <a:shade val="50000"/>
+            </a:schemeClr>
+          </a:lnRef>
+          <a:fillRef idx="1">
+            <a:schemeClr val="accent1"/>
+          </a:fillRef>
+          <a:effectRef idx="0">
+            <a:schemeClr val="accent1"/>
+          </a:effectRef>
+          <a:fontRef idx="minor">
+            <a:schemeClr val="lt1"/>
+          </a:fontRef>
+        </p:style>
+        <p:txBody>
+          <a:bodyPr rtlCol="0" anchor="ctr"/>
+          <a:lstStyle/>
+          <a:p>
+            <a:pPr algn="ctr"/>
+            <a:endParaRPr lang="en-US"/>
+          </a:p>
+        </p:txBody>
+      </p:sp>
+      <p:sp>
+        <p:nvSpPr>
+          <p:cNvPr id="17" name="Oval 16">
+            <a:extLst>
+              <a:ext uri="{FF2B5EF4-FFF2-40B4-BE49-F238E27FC236}">
+                <a16:creationId xmlns:a16="http://schemas.microsoft.com/office/drawing/2014/main" id="{A632503C-50F0-F141-A431-7C5D3B01F834}"/>
+              </a:ext>
+            </a:extLst>
+          </p:cNvPr>
+          <p:cNvSpPr/>
+          <p:nvPr/>
+        </p:nvSpPr>
+        <p:spPr>
+          <a:xfrm>
+            <a:off x="8292607" y="2228712"/>
+            <a:ext cx="368490" cy="364361"/>
+          </a:xfrm>
+          <a:prstGeom prst="ellipse">
+            <a:avLst/>
+          </a:prstGeom>
+          <a:solidFill>
+            <a:srgbClr val="FFFF00"/>
+          </a:solidFill>
+        </p:spPr>
+        <p:style>
+          <a:lnRef idx="2">
+            <a:schemeClr val="accent1">
+              <a:shade val="50000"/>
+            </a:schemeClr>
+          </a:lnRef>
+          <a:fillRef idx="1">
+            <a:schemeClr val="accent1"/>
+          </a:fillRef>
+          <a:effectRef idx="0">
+            <a:schemeClr val="accent1"/>
+          </a:effectRef>
+          <a:fontRef idx="minor">
+            <a:schemeClr val="lt1"/>
+          </a:fontRef>
+        </p:style>
+        <p:txBody>
+          <a:bodyPr rtlCol="0" anchor="ctr"/>
+          <a:lstStyle/>
+          <a:p>
+            <a:pPr algn="ctr"/>
+            <a:endParaRPr lang="en-US"/>
+          </a:p>
+        </p:txBody>
+      </p:sp>
+      <p:sp>
+        <p:nvSpPr>
+          <p:cNvPr id="19" name="TextBox 18">
+            <a:extLst>
+              <a:ext uri="{FF2B5EF4-FFF2-40B4-BE49-F238E27FC236}">
+                <a16:creationId xmlns:a16="http://schemas.microsoft.com/office/drawing/2014/main" id="{F09B08E4-2730-224D-B50A-9D727C0B2DC5}"/>
+              </a:ext>
+            </a:extLst>
+          </p:cNvPr>
+          <p:cNvSpPr txBox="1"/>
+          <p:nvPr/>
+        </p:nvSpPr>
+        <p:spPr>
+          <a:xfrm>
+            <a:off x="10688244" y="3003552"/>
+            <a:ext cx="934871" cy="369332"/>
+          </a:xfrm>
+          <a:prstGeom prst="rect">
+            <a:avLst/>
+          </a:prstGeom>
+          <a:solidFill>
+            <a:schemeClr val="bg2"/>
+          </a:solidFill>
+          <a:ln>
+            <a:solidFill>
+              <a:schemeClr val="bg2"/>
+            </a:solidFill>
+          </a:ln>
+        </p:spPr>
+        <p:txBody>
+          <a:bodyPr wrap="none" rtlCol="0">
+            <a:spAutoFit/>
+          </a:bodyPr>
+          <a:lstStyle/>
+          <a:p>
+            <a:r>
+              <a:rPr lang="en-US" dirty="0"/>
+              <a:t>timeout</a:t>
+            </a:r>
           </a:p>
         </p:txBody>
       </p:sp>
     </p:spTree>
     <p:extLst>
       <p:ext uri="{BB962C8B-B14F-4D97-AF65-F5344CB8AC3E}">
-        <p14:creationId xmlns:p14="http://schemas.microsoft.com/office/powerpoint/2010/main" val="3695787322"/>
+        <p14:creationId xmlns:p14="http://schemas.microsoft.com/office/powerpoint/2010/main" val="3640159312"/>
       </p:ext>
     </p:extLst>
   </p:cSld>
   <p:clrMapOvr>
     <a:masterClrMapping/>
   </p:clrMapOvr>
+  <p:timing>
+    <p:tnLst>
+      <p:par>
+        <p:cTn id="1" dur="indefinite" restart="never" nodeType="tmRoot">
+          <p:childTnLst>
+            <p:seq concurrent="1" nextAc="seek">
+              <p:cTn id="2" dur="indefinite" nodeType="mainSeq">
+                <p:childTnLst>
+                  <p:par>
+                    <p:cTn id="3" fill="hold">
+                      <p:stCondLst>
+                        <p:cond delay="indefinite"/>
+                      </p:stCondLst>
+                      <p:childTnLst>
+                        <p:par>
+                          <p:cTn id="4" fill="hold">
+                            <p:stCondLst>
+                              <p:cond delay="0"/>
+                            </p:stCondLst>
+                            <p:childTnLst>
+                              <p:par>
+                                <p:cTn id="5" presetID="10" presetClass="entr" presetSubtype="0" fill="hold" nodeType="clickEffect">
+                                  <p:stCondLst>
+                                    <p:cond delay="0"/>
+                                  </p:stCondLst>
+                                  <p:childTnLst>
+                                    <p:set>
+                                      <p:cBhvr>
+                                        <p:cTn id="6" dur="1" fill="hold">
+                                          <p:stCondLst>
+                                            <p:cond delay="0"/>
+                                          </p:stCondLst>
+                                        </p:cTn>
+                                        <p:tgtEl>
+                                          <p:spTgt spid="5"/>
+                                        </p:tgtEl>
+                                        <p:attrNameLst>
+                                          <p:attrName>style.visibility</p:attrName>
+                                        </p:attrNameLst>
+                                      </p:cBhvr>
+                                      <p:to>
+                                        <p:strVal val="visible"/>
+                                      </p:to>
+                                    </p:set>
+                                    <p:animEffect transition="in" filter="fade">
+                                      <p:cBhvr>
+                                        <p:cTn id="7" dur="500"/>
+                                        <p:tgtEl>
+                                          <p:spTgt spid="5"/>
+                                        </p:tgtEl>
+                                      </p:cBhvr>
+                                    </p:animEffect>
+                                  </p:childTnLst>
+                                </p:cTn>
+                              </p:par>
+                              <p:par>
+                                <p:cTn id="8" presetID="10" presetClass="entr" presetSubtype="0" fill="hold" grpId="0" nodeType="withEffect">
+                                  <p:stCondLst>
+                                    <p:cond delay="0"/>
+                                  </p:stCondLst>
+                                  <p:childTnLst>
+                                    <p:set>
+                                      <p:cBhvr>
+                                        <p:cTn id="9" dur="1" fill="hold">
+                                          <p:stCondLst>
+                                            <p:cond delay="0"/>
+                                          </p:stCondLst>
+                                        </p:cTn>
+                                        <p:tgtEl>
+                                          <p:spTgt spid="7"/>
+                                        </p:tgtEl>
+                                        <p:attrNameLst>
+                                          <p:attrName>style.visibility</p:attrName>
+                                        </p:attrNameLst>
+                                      </p:cBhvr>
+                                      <p:to>
+                                        <p:strVal val="visible"/>
+                                      </p:to>
+                                    </p:set>
+                                    <p:animEffect transition="in" filter="fade">
+                                      <p:cBhvr>
+                                        <p:cTn id="10" dur="500"/>
+                                        <p:tgtEl>
+                                          <p:spTgt spid="7"/>
+                                        </p:tgtEl>
+                                      </p:cBhvr>
+                                    </p:animEffect>
+                                  </p:childTnLst>
+                                </p:cTn>
+                              </p:par>
+                              <p:par>
+                                <p:cTn id="11" presetID="10" presetClass="entr" presetSubtype="0" fill="hold" grpId="0" nodeType="withEffect">
+                                  <p:stCondLst>
+                                    <p:cond delay="0"/>
+                                  </p:stCondLst>
+                                  <p:childTnLst>
+                                    <p:set>
+                                      <p:cBhvr>
+                                        <p:cTn id="12" dur="1" fill="hold">
+                                          <p:stCondLst>
+                                            <p:cond delay="0"/>
+                                          </p:stCondLst>
+                                        </p:cTn>
+                                        <p:tgtEl>
+                                          <p:spTgt spid="6"/>
+                                        </p:tgtEl>
+                                        <p:attrNameLst>
+                                          <p:attrName>style.visibility</p:attrName>
+                                        </p:attrNameLst>
+                                      </p:cBhvr>
+                                      <p:to>
+                                        <p:strVal val="visible"/>
+                                      </p:to>
+                                    </p:set>
+                                    <p:animEffect transition="in" filter="fade">
+                                      <p:cBhvr>
+                                        <p:cTn id="13" dur="500"/>
+                                        <p:tgtEl>
+                                          <p:spTgt spid="6"/>
+                                        </p:tgtEl>
+                                      </p:cBhvr>
+                                    </p:animEffect>
+                                  </p:childTnLst>
+                                </p:cTn>
+                              </p:par>
+                            </p:childTnLst>
+                          </p:cTn>
+                        </p:par>
+                      </p:childTnLst>
+                    </p:cTn>
+                  </p:par>
+                  <p:par>
+                    <p:cTn id="14" fill="hold">
+                      <p:stCondLst>
+                        <p:cond delay="indefinite"/>
+                      </p:stCondLst>
+                      <p:childTnLst>
+                        <p:par>
+                          <p:cTn id="15" fill="hold">
+                            <p:stCondLst>
+                              <p:cond delay="0"/>
+                            </p:stCondLst>
+                            <p:childTnLst>
+                              <p:par>
+                                <p:cTn id="16" presetID="53" presetClass="entr" presetSubtype="16" fill="hold" grpId="0" nodeType="clickEffect">
+                                  <p:stCondLst>
+                                    <p:cond delay="0"/>
+                                  </p:stCondLst>
+                                  <p:childTnLst>
+                                    <p:set>
+                                      <p:cBhvr>
+                                        <p:cTn id="17" dur="1" fill="hold">
+                                          <p:stCondLst>
+                                            <p:cond delay="0"/>
+                                          </p:stCondLst>
+                                        </p:cTn>
+                                        <p:tgtEl>
+                                          <p:spTgt spid="8"/>
+                                        </p:tgtEl>
+                                        <p:attrNameLst>
+                                          <p:attrName>style.visibility</p:attrName>
+                                        </p:attrNameLst>
+                                      </p:cBhvr>
+                                      <p:to>
+                                        <p:strVal val="visible"/>
+                                      </p:to>
+                                    </p:set>
+                                    <p:anim calcmode="lin" valueType="num">
+                                      <p:cBhvr>
+                                        <p:cTn id="18" dur="500" fill="hold"/>
+                                        <p:tgtEl>
+                                          <p:spTgt spid="8"/>
+                                        </p:tgtEl>
+                                        <p:attrNameLst>
+                                          <p:attrName>ppt_w</p:attrName>
+                                        </p:attrNameLst>
+                                      </p:cBhvr>
+                                      <p:tavLst>
+                                        <p:tav tm="0">
+                                          <p:val>
+                                            <p:fltVal val="0"/>
+                                          </p:val>
+                                        </p:tav>
+                                        <p:tav tm="100000">
+                                          <p:val>
+                                            <p:strVal val="#ppt_w"/>
+                                          </p:val>
+                                        </p:tav>
+                                      </p:tavLst>
+                                    </p:anim>
+                                    <p:anim calcmode="lin" valueType="num">
+                                      <p:cBhvr>
+                                        <p:cTn id="19" dur="500" fill="hold"/>
+                                        <p:tgtEl>
+                                          <p:spTgt spid="8"/>
+                                        </p:tgtEl>
+                                        <p:attrNameLst>
+                                          <p:attrName>ppt_h</p:attrName>
+                                        </p:attrNameLst>
+                                      </p:cBhvr>
+                                      <p:tavLst>
+                                        <p:tav tm="0">
+                                          <p:val>
+                                            <p:fltVal val="0"/>
+                                          </p:val>
+                                        </p:tav>
+                                        <p:tav tm="100000">
+                                          <p:val>
+                                            <p:strVal val="#ppt_h"/>
+                                          </p:val>
+                                        </p:tav>
+                                      </p:tavLst>
+                                    </p:anim>
+                                    <p:animEffect transition="in" filter="fade">
+                                      <p:cBhvr>
+                                        <p:cTn id="20" dur="500"/>
+                                        <p:tgtEl>
+                                          <p:spTgt spid="8"/>
+                                        </p:tgtEl>
+                                      </p:cBhvr>
+                                    </p:animEffect>
+                                  </p:childTnLst>
+                                </p:cTn>
+                              </p:par>
+                              <p:par>
+                                <p:cTn id="21" presetID="53" presetClass="entr" presetSubtype="16" fill="hold" grpId="0" nodeType="withEffect">
+                                  <p:stCondLst>
+                                    <p:cond delay="0"/>
+                                  </p:stCondLst>
+                                  <p:childTnLst>
+                                    <p:set>
+                                      <p:cBhvr>
+                                        <p:cTn id="22" dur="1" fill="hold">
+                                          <p:stCondLst>
+                                            <p:cond delay="0"/>
+                                          </p:stCondLst>
+                                        </p:cTn>
+                                        <p:tgtEl>
+                                          <p:spTgt spid="9"/>
+                                        </p:tgtEl>
+                                        <p:attrNameLst>
+                                          <p:attrName>style.visibility</p:attrName>
+                                        </p:attrNameLst>
+                                      </p:cBhvr>
+                                      <p:to>
+                                        <p:strVal val="visible"/>
+                                      </p:to>
+                                    </p:set>
+                                    <p:anim calcmode="lin" valueType="num">
+                                      <p:cBhvr>
+                                        <p:cTn id="23" dur="500" fill="hold"/>
+                                        <p:tgtEl>
+                                          <p:spTgt spid="9"/>
+                                        </p:tgtEl>
+                                        <p:attrNameLst>
+                                          <p:attrName>ppt_w</p:attrName>
+                                        </p:attrNameLst>
+                                      </p:cBhvr>
+                                      <p:tavLst>
+                                        <p:tav tm="0">
+                                          <p:val>
+                                            <p:fltVal val="0"/>
+                                          </p:val>
+                                        </p:tav>
+                                        <p:tav tm="100000">
+                                          <p:val>
+                                            <p:strVal val="#ppt_w"/>
+                                          </p:val>
+                                        </p:tav>
+                                      </p:tavLst>
+                                    </p:anim>
+                                    <p:anim calcmode="lin" valueType="num">
+                                      <p:cBhvr>
+                                        <p:cTn id="24" dur="500" fill="hold"/>
+                                        <p:tgtEl>
+                                          <p:spTgt spid="9"/>
+                                        </p:tgtEl>
+                                        <p:attrNameLst>
+                                          <p:attrName>ppt_h</p:attrName>
+                                        </p:attrNameLst>
+                                      </p:cBhvr>
+                                      <p:tavLst>
+                                        <p:tav tm="0">
+                                          <p:val>
+                                            <p:fltVal val="0"/>
+                                          </p:val>
+                                        </p:tav>
+                                        <p:tav tm="100000">
+                                          <p:val>
+                                            <p:strVal val="#ppt_h"/>
+                                          </p:val>
+                                        </p:tav>
+                                      </p:tavLst>
+                                    </p:anim>
+                                    <p:animEffect transition="in" filter="fade">
+                                      <p:cBhvr>
+                                        <p:cTn id="25" dur="500"/>
+                                        <p:tgtEl>
+                                          <p:spTgt spid="9"/>
+                                        </p:tgtEl>
+                                      </p:cBhvr>
+                                    </p:animEffect>
+                                  </p:childTnLst>
+                                </p:cTn>
+                              </p:par>
+                              <p:par>
+                                <p:cTn id="26" presetID="53" presetClass="entr" presetSubtype="16" fill="hold" grpId="0" nodeType="withEffect">
+                                  <p:stCondLst>
+                                    <p:cond delay="0"/>
+                                  </p:stCondLst>
+                                  <p:childTnLst>
+                                    <p:set>
+                                      <p:cBhvr>
+                                        <p:cTn id="27" dur="1" fill="hold">
+                                          <p:stCondLst>
+                                            <p:cond delay="0"/>
+                                          </p:stCondLst>
+                                        </p:cTn>
+                                        <p:tgtEl>
+                                          <p:spTgt spid="10"/>
+                                        </p:tgtEl>
+                                        <p:attrNameLst>
+                                          <p:attrName>style.visibility</p:attrName>
+                                        </p:attrNameLst>
+                                      </p:cBhvr>
+                                      <p:to>
+                                        <p:strVal val="visible"/>
+                                      </p:to>
+                                    </p:set>
+                                    <p:anim calcmode="lin" valueType="num">
+                                      <p:cBhvr>
+                                        <p:cTn id="28" dur="500" fill="hold"/>
+                                        <p:tgtEl>
+                                          <p:spTgt spid="10"/>
+                                        </p:tgtEl>
+                                        <p:attrNameLst>
+                                          <p:attrName>ppt_w</p:attrName>
+                                        </p:attrNameLst>
+                                      </p:cBhvr>
+                                      <p:tavLst>
+                                        <p:tav tm="0">
+                                          <p:val>
+                                            <p:fltVal val="0"/>
+                                          </p:val>
+                                        </p:tav>
+                                        <p:tav tm="100000">
+                                          <p:val>
+                                            <p:strVal val="#ppt_w"/>
+                                          </p:val>
+                                        </p:tav>
+                                      </p:tavLst>
+                                    </p:anim>
+                                    <p:anim calcmode="lin" valueType="num">
+                                      <p:cBhvr>
+                                        <p:cTn id="29" dur="500" fill="hold"/>
+                                        <p:tgtEl>
+                                          <p:spTgt spid="10"/>
+                                        </p:tgtEl>
+                                        <p:attrNameLst>
+                                          <p:attrName>ppt_h</p:attrName>
+                                        </p:attrNameLst>
+                                      </p:cBhvr>
+                                      <p:tavLst>
+                                        <p:tav tm="0">
+                                          <p:val>
+                                            <p:fltVal val="0"/>
+                                          </p:val>
+                                        </p:tav>
+                                        <p:tav tm="100000">
+                                          <p:val>
+                                            <p:strVal val="#ppt_h"/>
+                                          </p:val>
+                                        </p:tav>
+                                      </p:tavLst>
+                                    </p:anim>
+                                    <p:animEffect transition="in" filter="fade">
+                                      <p:cBhvr>
+                                        <p:cTn id="30" dur="500"/>
+                                        <p:tgtEl>
+                                          <p:spTgt spid="10"/>
+                                        </p:tgtEl>
+                                      </p:cBhvr>
+                                    </p:animEffect>
+                                  </p:childTnLst>
+                                </p:cTn>
+                              </p:par>
+                              <p:par>
+                                <p:cTn id="31" presetID="53" presetClass="entr" presetSubtype="16" fill="hold" grpId="0" nodeType="withEffect">
+                                  <p:stCondLst>
+                                    <p:cond delay="0"/>
+                                  </p:stCondLst>
+                                  <p:childTnLst>
+                                    <p:set>
+                                      <p:cBhvr>
+                                        <p:cTn id="32" dur="1" fill="hold">
+                                          <p:stCondLst>
+                                            <p:cond delay="0"/>
+                                          </p:stCondLst>
+                                        </p:cTn>
+                                        <p:tgtEl>
+                                          <p:spTgt spid="11"/>
+                                        </p:tgtEl>
+                                        <p:attrNameLst>
+                                          <p:attrName>style.visibility</p:attrName>
+                                        </p:attrNameLst>
+                                      </p:cBhvr>
+                                      <p:to>
+                                        <p:strVal val="visible"/>
+                                      </p:to>
+                                    </p:set>
+                                    <p:anim calcmode="lin" valueType="num">
+                                      <p:cBhvr>
+                                        <p:cTn id="33" dur="500" fill="hold"/>
+                                        <p:tgtEl>
+                                          <p:spTgt spid="11"/>
+                                        </p:tgtEl>
+                                        <p:attrNameLst>
+                                          <p:attrName>ppt_w</p:attrName>
+                                        </p:attrNameLst>
+                                      </p:cBhvr>
+                                      <p:tavLst>
+                                        <p:tav tm="0">
+                                          <p:val>
+                                            <p:fltVal val="0"/>
+                                          </p:val>
+                                        </p:tav>
+                                        <p:tav tm="100000">
+                                          <p:val>
+                                            <p:strVal val="#ppt_w"/>
+                                          </p:val>
+                                        </p:tav>
+                                      </p:tavLst>
+                                    </p:anim>
+                                    <p:anim calcmode="lin" valueType="num">
+                                      <p:cBhvr>
+                                        <p:cTn id="34" dur="500" fill="hold"/>
+                                        <p:tgtEl>
+                                          <p:spTgt spid="11"/>
+                                        </p:tgtEl>
+                                        <p:attrNameLst>
+                                          <p:attrName>ppt_h</p:attrName>
+                                        </p:attrNameLst>
+                                      </p:cBhvr>
+                                      <p:tavLst>
+                                        <p:tav tm="0">
+                                          <p:val>
+                                            <p:fltVal val="0"/>
+                                          </p:val>
+                                        </p:tav>
+                                        <p:tav tm="100000">
+                                          <p:val>
+                                            <p:strVal val="#ppt_h"/>
+                                          </p:val>
+                                        </p:tav>
+                                      </p:tavLst>
+                                    </p:anim>
+                                    <p:animEffect transition="in" filter="fade">
+                                      <p:cBhvr>
+                                        <p:cTn id="35" dur="500"/>
+                                        <p:tgtEl>
+                                          <p:spTgt spid="11"/>
+                                        </p:tgtEl>
+                                      </p:cBhvr>
+                                    </p:animEffect>
+                                  </p:childTnLst>
+                                </p:cTn>
+                              </p:par>
+                              <p:par>
+                                <p:cTn id="36" presetID="53" presetClass="entr" presetSubtype="16" fill="hold" grpId="0" nodeType="withEffect">
+                                  <p:stCondLst>
+                                    <p:cond delay="0"/>
+                                  </p:stCondLst>
+                                  <p:childTnLst>
+                                    <p:set>
+                                      <p:cBhvr>
+                                        <p:cTn id="37" dur="1" fill="hold">
+                                          <p:stCondLst>
+                                            <p:cond delay="0"/>
+                                          </p:stCondLst>
+                                        </p:cTn>
+                                        <p:tgtEl>
+                                          <p:spTgt spid="12"/>
+                                        </p:tgtEl>
+                                        <p:attrNameLst>
+                                          <p:attrName>style.visibility</p:attrName>
+                                        </p:attrNameLst>
+                                      </p:cBhvr>
+                                      <p:to>
+                                        <p:strVal val="visible"/>
+                                      </p:to>
+                                    </p:set>
+                                    <p:anim calcmode="lin" valueType="num">
+                                      <p:cBhvr>
+                                        <p:cTn id="38" dur="500" fill="hold"/>
+                                        <p:tgtEl>
+                                          <p:spTgt spid="12"/>
+                                        </p:tgtEl>
+                                        <p:attrNameLst>
+                                          <p:attrName>ppt_w</p:attrName>
+                                        </p:attrNameLst>
+                                      </p:cBhvr>
+                                      <p:tavLst>
+                                        <p:tav tm="0">
+                                          <p:val>
+                                            <p:fltVal val="0"/>
+                                          </p:val>
+                                        </p:tav>
+                                        <p:tav tm="100000">
+                                          <p:val>
+                                            <p:strVal val="#ppt_w"/>
+                                          </p:val>
+                                        </p:tav>
+                                      </p:tavLst>
+                                    </p:anim>
+                                    <p:anim calcmode="lin" valueType="num">
+                                      <p:cBhvr>
+                                        <p:cTn id="39" dur="500" fill="hold"/>
+                                        <p:tgtEl>
+                                          <p:spTgt spid="12"/>
+                                        </p:tgtEl>
+                                        <p:attrNameLst>
+                                          <p:attrName>ppt_h</p:attrName>
+                                        </p:attrNameLst>
+                                      </p:cBhvr>
+                                      <p:tavLst>
+                                        <p:tav tm="0">
+                                          <p:val>
+                                            <p:fltVal val="0"/>
+                                          </p:val>
+                                        </p:tav>
+                                        <p:tav tm="100000">
+                                          <p:val>
+                                            <p:strVal val="#ppt_h"/>
+                                          </p:val>
+                                        </p:tav>
+                                      </p:tavLst>
+                                    </p:anim>
+                                    <p:animEffect transition="in" filter="fade">
+                                      <p:cBhvr>
+                                        <p:cTn id="40" dur="500"/>
+                                        <p:tgtEl>
+                                          <p:spTgt spid="12"/>
+                                        </p:tgtEl>
+                                      </p:cBhvr>
+                                    </p:animEffect>
+                                  </p:childTnLst>
+                                </p:cTn>
+                              </p:par>
+                              <p:par>
+                                <p:cTn id="41" presetID="53" presetClass="entr" presetSubtype="16" fill="hold" grpId="0" nodeType="withEffect">
+                                  <p:stCondLst>
+                                    <p:cond delay="0"/>
+                                  </p:stCondLst>
+                                  <p:childTnLst>
+                                    <p:set>
+                                      <p:cBhvr>
+                                        <p:cTn id="42" dur="1" fill="hold">
+                                          <p:stCondLst>
+                                            <p:cond delay="0"/>
+                                          </p:stCondLst>
+                                        </p:cTn>
+                                        <p:tgtEl>
+                                          <p:spTgt spid="13"/>
+                                        </p:tgtEl>
+                                        <p:attrNameLst>
+                                          <p:attrName>style.visibility</p:attrName>
+                                        </p:attrNameLst>
+                                      </p:cBhvr>
+                                      <p:to>
+                                        <p:strVal val="visible"/>
+                                      </p:to>
+                                    </p:set>
+                                    <p:anim calcmode="lin" valueType="num">
+                                      <p:cBhvr>
+                                        <p:cTn id="43" dur="500" fill="hold"/>
+                                        <p:tgtEl>
+                                          <p:spTgt spid="13"/>
+                                        </p:tgtEl>
+                                        <p:attrNameLst>
+                                          <p:attrName>ppt_w</p:attrName>
+                                        </p:attrNameLst>
+                                      </p:cBhvr>
+                                      <p:tavLst>
+                                        <p:tav tm="0">
+                                          <p:val>
+                                            <p:fltVal val="0"/>
+                                          </p:val>
+                                        </p:tav>
+                                        <p:tav tm="100000">
+                                          <p:val>
+                                            <p:strVal val="#ppt_w"/>
+                                          </p:val>
+                                        </p:tav>
+                                      </p:tavLst>
+                                    </p:anim>
+                                    <p:anim calcmode="lin" valueType="num">
+                                      <p:cBhvr>
+                                        <p:cTn id="44" dur="500" fill="hold"/>
+                                        <p:tgtEl>
+                                          <p:spTgt spid="13"/>
+                                        </p:tgtEl>
+                                        <p:attrNameLst>
+                                          <p:attrName>ppt_h</p:attrName>
+                                        </p:attrNameLst>
+                                      </p:cBhvr>
+                                      <p:tavLst>
+                                        <p:tav tm="0">
+                                          <p:val>
+                                            <p:fltVal val="0"/>
+                                          </p:val>
+                                        </p:tav>
+                                        <p:tav tm="100000">
+                                          <p:val>
+                                            <p:strVal val="#ppt_h"/>
+                                          </p:val>
+                                        </p:tav>
+                                      </p:tavLst>
+                                    </p:anim>
+                                    <p:animEffect transition="in" filter="fade">
+                                      <p:cBhvr>
+                                        <p:cTn id="45" dur="500"/>
+                                        <p:tgtEl>
+                                          <p:spTgt spid="13"/>
+                                        </p:tgtEl>
+                                      </p:cBhvr>
+                                    </p:animEffect>
+                                  </p:childTnLst>
+                                </p:cTn>
+                              </p:par>
+                              <p:par>
+                                <p:cTn id="46" presetID="53" presetClass="entr" presetSubtype="16" fill="hold" grpId="0" nodeType="withEffect">
+                                  <p:stCondLst>
+                                    <p:cond delay="0"/>
+                                  </p:stCondLst>
+                                  <p:childTnLst>
+                                    <p:set>
+                                      <p:cBhvr>
+                                        <p:cTn id="47" dur="1" fill="hold">
+                                          <p:stCondLst>
+                                            <p:cond delay="0"/>
+                                          </p:stCondLst>
+                                        </p:cTn>
+                                        <p:tgtEl>
+                                          <p:spTgt spid="14"/>
+                                        </p:tgtEl>
+                                        <p:attrNameLst>
+                                          <p:attrName>style.visibility</p:attrName>
+                                        </p:attrNameLst>
+                                      </p:cBhvr>
+                                      <p:to>
+                                        <p:strVal val="visible"/>
+                                      </p:to>
+                                    </p:set>
+                                    <p:anim calcmode="lin" valueType="num">
+                                      <p:cBhvr>
+                                        <p:cTn id="48" dur="500" fill="hold"/>
+                                        <p:tgtEl>
+                                          <p:spTgt spid="14"/>
+                                        </p:tgtEl>
+                                        <p:attrNameLst>
+                                          <p:attrName>ppt_w</p:attrName>
+                                        </p:attrNameLst>
+                                      </p:cBhvr>
+                                      <p:tavLst>
+                                        <p:tav tm="0">
+                                          <p:val>
+                                            <p:fltVal val="0"/>
+                                          </p:val>
+                                        </p:tav>
+                                        <p:tav tm="100000">
+                                          <p:val>
+                                            <p:strVal val="#ppt_w"/>
+                                          </p:val>
+                                        </p:tav>
+                                      </p:tavLst>
+                                    </p:anim>
+                                    <p:anim calcmode="lin" valueType="num">
+                                      <p:cBhvr>
+                                        <p:cTn id="49" dur="500" fill="hold"/>
+                                        <p:tgtEl>
+                                          <p:spTgt spid="14"/>
+                                        </p:tgtEl>
+                                        <p:attrNameLst>
+                                          <p:attrName>ppt_h</p:attrName>
+                                        </p:attrNameLst>
+                                      </p:cBhvr>
+                                      <p:tavLst>
+                                        <p:tav tm="0">
+                                          <p:val>
+                                            <p:fltVal val="0"/>
+                                          </p:val>
+                                        </p:tav>
+                                        <p:tav tm="100000">
+                                          <p:val>
+                                            <p:strVal val="#ppt_h"/>
+                                          </p:val>
+                                        </p:tav>
+                                      </p:tavLst>
+                                    </p:anim>
+                                    <p:animEffect transition="in" filter="fade">
+                                      <p:cBhvr>
+                                        <p:cTn id="50" dur="500"/>
+                                        <p:tgtEl>
+                                          <p:spTgt spid="14"/>
+                                        </p:tgtEl>
+                                      </p:cBhvr>
+                                    </p:animEffect>
+                                  </p:childTnLst>
+                                </p:cTn>
+                              </p:par>
+                              <p:par>
+                                <p:cTn id="51" presetID="53" presetClass="entr" presetSubtype="16" fill="hold" grpId="0" nodeType="withEffect">
+                                  <p:stCondLst>
+                                    <p:cond delay="0"/>
+                                  </p:stCondLst>
+                                  <p:childTnLst>
+                                    <p:set>
+                                      <p:cBhvr>
+                                        <p:cTn id="52" dur="1" fill="hold">
+                                          <p:stCondLst>
+                                            <p:cond delay="0"/>
+                                          </p:stCondLst>
+                                        </p:cTn>
+                                        <p:tgtEl>
+                                          <p:spTgt spid="15"/>
+                                        </p:tgtEl>
+                                        <p:attrNameLst>
+                                          <p:attrName>style.visibility</p:attrName>
+                                        </p:attrNameLst>
+                                      </p:cBhvr>
+                                      <p:to>
+                                        <p:strVal val="visible"/>
+                                      </p:to>
+                                    </p:set>
+                                    <p:anim calcmode="lin" valueType="num">
+                                      <p:cBhvr>
+                                        <p:cTn id="53" dur="500" fill="hold"/>
+                                        <p:tgtEl>
+                                          <p:spTgt spid="15"/>
+                                        </p:tgtEl>
+                                        <p:attrNameLst>
+                                          <p:attrName>ppt_w</p:attrName>
+                                        </p:attrNameLst>
+                                      </p:cBhvr>
+                                      <p:tavLst>
+                                        <p:tav tm="0">
+                                          <p:val>
+                                            <p:fltVal val="0"/>
+                                          </p:val>
+                                        </p:tav>
+                                        <p:tav tm="100000">
+                                          <p:val>
+                                            <p:strVal val="#ppt_w"/>
+                                          </p:val>
+                                        </p:tav>
+                                      </p:tavLst>
+                                    </p:anim>
+                                    <p:anim calcmode="lin" valueType="num">
+                                      <p:cBhvr>
+                                        <p:cTn id="54" dur="500" fill="hold"/>
+                                        <p:tgtEl>
+                                          <p:spTgt spid="15"/>
+                                        </p:tgtEl>
+                                        <p:attrNameLst>
+                                          <p:attrName>ppt_h</p:attrName>
+                                        </p:attrNameLst>
+                                      </p:cBhvr>
+                                      <p:tavLst>
+                                        <p:tav tm="0">
+                                          <p:val>
+                                            <p:fltVal val="0"/>
+                                          </p:val>
+                                        </p:tav>
+                                        <p:tav tm="100000">
+                                          <p:val>
+                                            <p:strVal val="#ppt_h"/>
+                                          </p:val>
+                                        </p:tav>
+                                      </p:tavLst>
+                                    </p:anim>
+                                    <p:animEffect transition="in" filter="fade">
+                                      <p:cBhvr>
+                                        <p:cTn id="55" dur="500"/>
+                                        <p:tgtEl>
+                                          <p:spTgt spid="15"/>
+                                        </p:tgtEl>
+                                      </p:cBhvr>
+                                    </p:animEffect>
+                                  </p:childTnLst>
+                                </p:cTn>
+                              </p:par>
+                              <p:par>
+                                <p:cTn id="56" presetID="53" presetClass="entr" presetSubtype="16" fill="hold" grpId="0" nodeType="withEffect">
+                                  <p:stCondLst>
+                                    <p:cond delay="0"/>
+                                  </p:stCondLst>
+                                  <p:childTnLst>
+                                    <p:set>
+                                      <p:cBhvr>
+                                        <p:cTn id="57" dur="1" fill="hold">
+                                          <p:stCondLst>
+                                            <p:cond delay="0"/>
+                                          </p:stCondLst>
+                                        </p:cTn>
+                                        <p:tgtEl>
+                                          <p:spTgt spid="16"/>
+                                        </p:tgtEl>
+                                        <p:attrNameLst>
+                                          <p:attrName>style.visibility</p:attrName>
+                                        </p:attrNameLst>
+                                      </p:cBhvr>
+                                      <p:to>
+                                        <p:strVal val="visible"/>
+                                      </p:to>
+                                    </p:set>
+                                    <p:anim calcmode="lin" valueType="num">
+                                      <p:cBhvr>
+                                        <p:cTn id="58" dur="500" fill="hold"/>
+                                        <p:tgtEl>
+                                          <p:spTgt spid="16"/>
+                                        </p:tgtEl>
+                                        <p:attrNameLst>
+                                          <p:attrName>ppt_w</p:attrName>
+                                        </p:attrNameLst>
+                                      </p:cBhvr>
+                                      <p:tavLst>
+                                        <p:tav tm="0">
+                                          <p:val>
+                                            <p:fltVal val="0"/>
+                                          </p:val>
+                                        </p:tav>
+                                        <p:tav tm="100000">
+                                          <p:val>
+                                            <p:strVal val="#ppt_w"/>
+                                          </p:val>
+                                        </p:tav>
+                                      </p:tavLst>
+                                    </p:anim>
+                                    <p:anim calcmode="lin" valueType="num">
+                                      <p:cBhvr>
+                                        <p:cTn id="59" dur="500" fill="hold"/>
+                                        <p:tgtEl>
+                                          <p:spTgt spid="16"/>
+                                        </p:tgtEl>
+                                        <p:attrNameLst>
+                                          <p:attrName>ppt_h</p:attrName>
+                                        </p:attrNameLst>
+                                      </p:cBhvr>
+                                      <p:tavLst>
+                                        <p:tav tm="0">
+                                          <p:val>
+                                            <p:fltVal val="0"/>
+                                          </p:val>
+                                        </p:tav>
+                                        <p:tav tm="100000">
+                                          <p:val>
+                                            <p:strVal val="#ppt_h"/>
+                                          </p:val>
+                                        </p:tav>
+                                      </p:tavLst>
+                                    </p:anim>
+                                    <p:animEffect transition="in" filter="fade">
+                                      <p:cBhvr>
+                                        <p:cTn id="60" dur="500"/>
+                                        <p:tgtEl>
+                                          <p:spTgt spid="16"/>
+                                        </p:tgtEl>
+                                      </p:cBhvr>
+                                    </p:animEffect>
+                                  </p:childTnLst>
+                                </p:cTn>
+                              </p:par>
+                              <p:par>
+                                <p:cTn id="61" presetID="53" presetClass="entr" presetSubtype="16" fill="hold" grpId="0" nodeType="withEffect">
+                                  <p:stCondLst>
+                                    <p:cond delay="0"/>
+                                  </p:stCondLst>
+                                  <p:childTnLst>
+                                    <p:set>
+                                      <p:cBhvr>
+                                        <p:cTn id="62" dur="1" fill="hold">
+                                          <p:stCondLst>
+                                            <p:cond delay="0"/>
+                                          </p:stCondLst>
+                                        </p:cTn>
+                                        <p:tgtEl>
+                                          <p:spTgt spid="17"/>
+                                        </p:tgtEl>
+                                        <p:attrNameLst>
+                                          <p:attrName>style.visibility</p:attrName>
+                                        </p:attrNameLst>
+                                      </p:cBhvr>
+                                      <p:to>
+                                        <p:strVal val="visible"/>
+                                      </p:to>
+                                    </p:set>
+                                    <p:anim calcmode="lin" valueType="num">
+                                      <p:cBhvr>
+                                        <p:cTn id="63" dur="500" fill="hold"/>
+                                        <p:tgtEl>
+                                          <p:spTgt spid="17"/>
+                                        </p:tgtEl>
+                                        <p:attrNameLst>
+                                          <p:attrName>ppt_w</p:attrName>
+                                        </p:attrNameLst>
+                                      </p:cBhvr>
+                                      <p:tavLst>
+                                        <p:tav tm="0">
+                                          <p:val>
+                                            <p:fltVal val="0"/>
+                                          </p:val>
+                                        </p:tav>
+                                        <p:tav tm="100000">
+                                          <p:val>
+                                            <p:strVal val="#ppt_w"/>
+                                          </p:val>
+                                        </p:tav>
+                                      </p:tavLst>
+                                    </p:anim>
+                                    <p:anim calcmode="lin" valueType="num">
+                                      <p:cBhvr>
+                                        <p:cTn id="64" dur="500" fill="hold"/>
+                                        <p:tgtEl>
+                                          <p:spTgt spid="17"/>
+                                        </p:tgtEl>
+                                        <p:attrNameLst>
+                                          <p:attrName>ppt_h</p:attrName>
+                                        </p:attrNameLst>
+                                      </p:cBhvr>
+                                      <p:tavLst>
+                                        <p:tav tm="0">
+                                          <p:val>
+                                            <p:fltVal val="0"/>
+                                          </p:val>
+                                        </p:tav>
+                                        <p:tav tm="100000">
+                                          <p:val>
+                                            <p:strVal val="#ppt_h"/>
+                                          </p:val>
+                                        </p:tav>
+                                      </p:tavLst>
+                                    </p:anim>
+                                    <p:animEffect transition="in" filter="fade">
+                                      <p:cBhvr>
+                                        <p:cTn id="65" dur="500"/>
+                                        <p:tgtEl>
+                                          <p:spTgt spid="17"/>
+                                        </p:tgtEl>
+                                      </p:cBhvr>
+                                    </p:animEffect>
+                                  </p:childTnLst>
+                                </p:cTn>
+                              </p:par>
+                            </p:childTnLst>
+                          </p:cTn>
+                        </p:par>
+                      </p:childTnLst>
+                    </p:cTn>
+                  </p:par>
+                  <p:par>
+                    <p:cTn id="66" fill="hold">
+                      <p:stCondLst>
+                        <p:cond delay="indefinite"/>
+                      </p:stCondLst>
+                      <p:childTnLst>
+                        <p:par>
+                          <p:cTn id="67" fill="hold">
+                            <p:stCondLst>
+                              <p:cond delay="0"/>
+                            </p:stCondLst>
+                            <p:childTnLst>
+                              <p:par>
+                                <p:cTn id="68" presetID="10" presetClass="entr" presetSubtype="0" fill="hold" grpId="0" nodeType="clickEffect">
+                                  <p:stCondLst>
+                                    <p:cond delay="0"/>
+                                  </p:stCondLst>
+                                  <p:childTnLst>
+                                    <p:set>
+                                      <p:cBhvr>
+                                        <p:cTn id="69" dur="1" fill="hold">
+                                          <p:stCondLst>
+                                            <p:cond delay="0"/>
+                                          </p:stCondLst>
+                                        </p:cTn>
+                                        <p:tgtEl>
+                                          <p:spTgt spid="19"/>
+                                        </p:tgtEl>
+                                        <p:attrNameLst>
+                                          <p:attrName>style.visibility</p:attrName>
+                                        </p:attrNameLst>
+                                      </p:cBhvr>
+                                      <p:to>
+                                        <p:strVal val="visible"/>
+                                      </p:to>
+                                    </p:set>
+                                    <p:animEffect transition="in" filter="fade">
+                                      <p:cBhvr>
+                                        <p:cTn id="70" dur="500"/>
+                                        <p:tgtEl>
+                                          <p:spTgt spid="19"/>
+                                        </p:tgtEl>
+                                      </p:cBhvr>
+                                    </p:animEffect>
+                                  </p:childTnLst>
+                                </p:cTn>
+                              </p:par>
+                            </p:childTnLst>
+                          </p:cTn>
+                        </p:par>
+                      </p:childTnLst>
+                    </p:cTn>
+                  </p:par>
+                </p:childTnLst>
+              </p:cTn>
+              <p:prevCondLst>
+                <p:cond evt="onPrev" delay="0">
+                  <p:tgtEl>
+                    <p:sldTgt/>
+                  </p:tgtEl>
+                </p:cond>
+              </p:prevCondLst>
+              <p:nextCondLst>
+                <p:cond evt="onNext" delay="0">
+                  <p:tgtEl>
+                    <p:sldTgt/>
+                  </p:tgtEl>
+                </p:cond>
+              </p:nextCondLst>
+            </p:seq>
+          </p:childTnLst>
+        </p:cTn>
+      </p:par>
+    </p:tnLst>
+    <p:bldLst>
+      <p:bldP spid="6" grpId="0"/>
+      <p:bldP spid="7" grpId="0"/>
+      <p:bldP spid="8" grpId="0" animBg="1"/>
+      <p:bldP spid="9" grpId="0" animBg="1"/>
+      <p:bldP spid="10" grpId="0" animBg="1"/>
+      <p:bldP spid="11" grpId="0" animBg="1"/>
+      <p:bldP spid="12" grpId="0" animBg="1"/>
+      <p:bldP spid="13" grpId="0" animBg="1"/>
+      <p:bldP spid="14" grpId="0" animBg="1"/>
+      <p:bldP spid="15" grpId="0" animBg="1"/>
+      <p:bldP spid="16" grpId="0" animBg="1"/>
+      <p:bldP spid="17" grpId="0" animBg="1"/>
+      <p:bldP spid="19" grpId="0" animBg="1"/>
+    </p:bldLst>
+  </p:timing>
 </p:sld>
 </file>
 
@@ -18790,6 +20564,89 @@
 </file>
 
 <file path=ppt/slides/slide30.xml><?xml version="1.0" encoding="utf-8"?>
+<p:sld xmlns:a="http://schemas.openxmlformats.org/drawingml/2006/main" xmlns:r="http://schemas.openxmlformats.org/officeDocument/2006/relationships" xmlns:p="http://schemas.openxmlformats.org/presentationml/2006/main">
+  <p:cSld>
+    <p:spTree>
+      <p:nvGrpSpPr>
+        <p:cNvPr id="1" name=""/>
+        <p:cNvGrpSpPr/>
+        <p:nvPr/>
+      </p:nvGrpSpPr>
+      <p:grpSpPr>
+        <a:xfrm>
+          <a:off x="0" y="0"/>
+          <a:ext cx="0" cy="0"/>
+          <a:chOff x="0" y="0"/>
+          <a:chExt cx="0" cy="0"/>
+        </a:xfrm>
+      </p:grpSpPr>
+      <p:sp>
+        <p:nvSpPr>
+          <p:cNvPr id="2" name="Title 1"/>
+          <p:cNvSpPr>
+            <a:spLocks noGrp="1"/>
+          </p:cNvSpPr>
+          <p:nvPr>
+            <p:ph type="title"/>
+          </p:nvPr>
+        </p:nvSpPr>
+        <p:spPr/>
+        <p:txBody>
+          <a:bodyPr/>
+          <a:lstStyle/>
+          <a:p>
+            <a:r>
+              <a:rPr lang="en-GB" dirty="0"/>
+              <a:t>Demo 6</a:t>
+            </a:r>
+          </a:p>
+        </p:txBody>
+      </p:sp>
+      <p:sp>
+        <p:nvSpPr>
+          <p:cNvPr id="3" name="Content Placeholder 2"/>
+          <p:cNvSpPr>
+            <a:spLocks noGrp="1"/>
+          </p:cNvSpPr>
+          <p:nvPr>
+            <p:ph idx="1"/>
+          </p:nvPr>
+        </p:nvSpPr>
+        <p:spPr/>
+        <p:txBody>
+          <a:bodyPr/>
+          <a:lstStyle/>
+          <a:p>
+            <a:r>
+              <a:rPr lang="en-GB" dirty="0"/>
+              <a:t>Code for Gadget Controller</a:t>
+            </a:r>
+          </a:p>
+          <a:p>
+            <a:r>
+              <a:rPr lang="en-GB" dirty="0"/>
+              <a:t>Code for Game Engine</a:t>
+            </a:r>
+          </a:p>
+          <a:p>
+            <a:endParaRPr lang="en-GB" dirty="0"/>
+          </a:p>
+        </p:txBody>
+      </p:sp>
+    </p:spTree>
+    <p:extLst>
+      <p:ext uri="{BB962C8B-B14F-4D97-AF65-F5344CB8AC3E}">
+        <p14:creationId xmlns:p14="http://schemas.microsoft.com/office/powerpoint/2010/main" val="4034645509"/>
+      </p:ext>
+    </p:extLst>
+  </p:cSld>
+  <p:clrMapOvr>
+    <a:masterClrMapping/>
+  </p:clrMapOvr>
+</p:sld>
+</file>
+
+<file path=ppt/slides/slide31.xml><?xml version="1.0" encoding="utf-8"?>
 <p:sld xmlns:a="http://schemas.openxmlformats.org/drawingml/2006/main" xmlns:r="http://schemas.openxmlformats.org/officeDocument/2006/relationships" xmlns:p="http://schemas.openxmlformats.org/presentationml/2006/main">
   <p:cSld>
     <p:spTree>

--- a/Presentation/VoiceAndMore.pptx
+++ b/Presentation/VoiceAndMore.pptx
@@ -17,11 +17,11 @@
     <p:sldId id="273" r:id="rId8"/>
     <p:sldId id="269" r:id="rId9"/>
     <p:sldId id="274" r:id="rId10"/>
-    <p:sldId id="270" r:id="rId11"/>
-    <p:sldId id="277" r:id="rId12"/>
-    <p:sldId id="276" r:id="rId13"/>
-    <p:sldId id="275" r:id="rId14"/>
-    <p:sldId id="281" r:id="rId15"/>
+    <p:sldId id="281" r:id="rId11"/>
+    <p:sldId id="270" r:id="rId12"/>
+    <p:sldId id="277" r:id="rId13"/>
+    <p:sldId id="276" r:id="rId14"/>
+    <p:sldId id="275" r:id="rId15"/>
     <p:sldId id="280" r:id="rId16"/>
     <p:sldId id="278" r:id="rId17"/>
     <p:sldId id="279" r:id="rId18"/>
@@ -538,7 +538,16 @@
           <a:bodyPr/>
           <a:lstStyle/>
           <a:p>
-            <a:endParaRPr lang="en-US"/>
+            <a:r>
+              <a:rPr lang="en-US" dirty="0"/>
+              <a:t>Do questions – who owns, who uses?</a:t>
+            </a:r>
+          </a:p>
+          <a:p>
+            <a:endParaRPr lang="en-US" dirty="0"/>
+          </a:p>
+          <a:p>
+            <a:endParaRPr lang="en-US" dirty="0"/>
           </a:p>
         </p:txBody>
       </p:sp>
@@ -559,7 +568,7 @@
           <a:p>
             <a:fld id="{89086A25-1D2B-4C4F-AF82-CC73108F7901}" type="slidenum">
               <a:rPr lang="en-US" smtClean="0"/>
-              <a:t>2</a:t>
+              <a:t>1</a:t>
             </a:fld>
             <a:endParaRPr lang="en-US"/>
           </a:p>
@@ -568,7 +577,7 @@
     </p:spTree>
     <p:extLst>
       <p:ext uri="{BB962C8B-B14F-4D97-AF65-F5344CB8AC3E}">
-        <p14:creationId xmlns:p14="http://schemas.microsoft.com/office/powerpoint/2010/main" val="3415800463"/>
+        <p14:creationId xmlns:p14="http://schemas.microsoft.com/office/powerpoint/2010/main" val="3100905333"/>
       </p:ext>
     </p:extLst>
   </p:cSld>
@@ -643,7 +652,7 @@
           <a:p>
             <a:fld id="{89086A25-1D2B-4C4F-AF82-CC73108F7901}" type="slidenum">
               <a:rPr lang="en-US" smtClean="0"/>
-              <a:t>11</a:t>
+              <a:t>10</a:t>
             </a:fld>
             <a:endParaRPr lang="en-US"/>
           </a:p>
@@ -652,7 +661,7 @@
     </p:spTree>
     <p:extLst>
       <p:ext uri="{BB962C8B-B14F-4D97-AF65-F5344CB8AC3E}">
-        <p14:creationId xmlns:p14="http://schemas.microsoft.com/office/powerpoint/2010/main" val="2648180838"/>
+        <p14:creationId xmlns:p14="http://schemas.microsoft.com/office/powerpoint/2010/main" val="1352122975"/>
       </p:ext>
     </p:extLst>
   </p:cSld>
@@ -727,7 +736,7 @@
           <a:p>
             <a:fld id="{89086A25-1D2B-4C4F-AF82-CC73108F7901}" type="slidenum">
               <a:rPr lang="en-US" smtClean="0"/>
-              <a:t>12</a:t>
+              <a:t>11</a:t>
             </a:fld>
             <a:endParaRPr lang="en-US"/>
           </a:p>
@@ -736,7 +745,7 @@
     </p:spTree>
     <p:extLst>
       <p:ext uri="{BB962C8B-B14F-4D97-AF65-F5344CB8AC3E}">
-        <p14:creationId xmlns:p14="http://schemas.microsoft.com/office/powerpoint/2010/main" val="144824541"/>
+        <p14:creationId xmlns:p14="http://schemas.microsoft.com/office/powerpoint/2010/main" val="60065422"/>
       </p:ext>
     </p:extLst>
   </p:cSld>
@@ -811,7 +820,7 @@
           <a:p>
             <a:fld id="{89086A25-1D2B-4C4F-AF82-CC73108F7901}" type="slidenum">
               <a:rPr lang="en-US" smtClean="0"/>
-              <a:t>13</a:t>
+              <a:t>12</a:t>
             </a:fld>
             <a:endParaRPr lang="en-US"/>
           </a:p>
@@ -820,7 +829,7 @@
     </p:spTree>
     <p:extLst>
       <p:ext uri="{BB962C8B-B14F-4D97-AF65-F5344CB8AC3E}">
-        <p14:creationId xmlns:p14="http://schemas.microsoft.com/office/powerpoint/2010/main" val="493167057"/>
+        <p14:creationId xmlns:p14="http://schemas.microsoft.com/office/powerpoint/2010/main" val="2648180838"/>
       </p:ext>
     </p:extLst>
   </p:cSld>
@@ -895,7 +904,7 @@
           <a:p>
             <a:fld id="{89086A25-1D2B-4C4F-AF82-CC73108F7901}" type="slidenum">
               <a:rPr lang="en-US" smtClean="0"/>
-              <a:t>14</a:t>
+              <a:t>13</a:t>
             </a:fld>
             <a:endParaRPr lang="en-US"/>
           </a:p>
@@ -904,7 +913,7 @@
     </p:spTree>
     <p:extLst>
       <p:ext uri="{BB962C8B-B14F-4D97-AF65-F5344CB8AC3E}">
-        <p14:creationId xmlns:p14="http://schemas.microsoft.com/office/powerpoint/2010/main" val="1352122975"/>
+        <p14:creationId xmlns:p14="http://schemas.microsoft.com/office/powerpoint/2010/main" val="144824541"/>
       </p:ext>
     </p:extLst>
   </p:cSld>
@@ -979,7 +988,7 @@
           <a:p>
             <a:fld id="{89086A25-1D2B-4C4F-AF82-CC73108F7901}" type="slidenum">
               <a:rPr lang="en-US" smtClean="0"/>
-              <a:t>15</a:t>
+              <a:t>14</a:t>
             </a:fld>
             <a:endParaRPr lang="en-US"/>
           </a:p>
@@ -988,7 +997,7 @@
     </p:spTree>
     <p:extLst>
       <p:ext uri="{BB962C8B-B14F-4D97-AF65-F5344CB8AC3E}">
-        <p14:creationId xmlns:p14="http://schemas.microsoft.com/office/powerpoint/2010/main" val="1264546917"/>
+        <p14:creationId xmlns:p14="http://schemas.microsoft.com/office/powerpoint/2010/main" val="493167057"/>
       </p:ext>
     </p:extLst>
   </p:cSld>
@@ -1063,7 +1072,7 @@
           <a:p>
             <a:fld id="{89086A25-1D2B-4C4F-AF82-CC73108F7901}" type="slidenum">
               <a:rPr lang="en-US" smtClean="0"/>
-              <a:t>16</a:t>
+              <a:t>15</a:t>
             </a:fld>
             <a:endParaRPr lang="en-US"/>
           </a:p>
@@ -1072,7 +1081,7 @@
     </p:spTree>
     <p:extLst>
       <p:ext uri="{BB962C8B-B14F-4D97-AF65-F5344CB8AC3E}">
-        <p14:creationId xmlns:p14="http://schemas.microsoft.com/office/powerpoint/2010/main" val="1181521566"/>
+        <p14:creationId xmlns:p14="http://schemas.microsoft.com/office/powerpoint/2010/main" val="1264546917"/>
       </p:ext>
     </p:extLst>
   </p:cSld>
@@ -1147,7 +1156,7 @@
           <a:p>
             <a:fld id="{89086A25-1D2B-4C4F-AF82-CC73108F7901}" type="slidenum">
               <a:rPr lang="en-US" smtClean="0"/>
-              <a:t>17</a:t>
+              <a:t>16</a:t>
             </a:fld>
             <a:endParaRPr lang="en-US"/>
           </a:p>
@@ -1156,7 +1165,7 @@
     </p:spTree>
     <p:extLst>
       <p:ext uri="{BB962C8B-B14F-4D97-AF65-F5344CB8AC3E}">
-        <p14:creationId xmlns:p14="http://schemas.microsoft.com/office/powerpoint/2010/main" val="579496030"/>
+        <p14:creationId xmlns:p14="http://schemas.microsoft.com/office/powerpoint/2010/main" val="1181521566"/>
       </p:ext>
     </p:extLst>
   </p:cSld>
@@ -1231,7 +1240,7 @@
           <a:p>
             <a:fld id="{89086A25-1D2B-4C4F-AF82-CC73108F7901}" type="slidenum">
               <a:rPr lang="en-US" smtClean="0"/>
-              <a:t>19</a:t>
+              <a:t>17</a:t>
             </a:fld>
             <a:endParaRPr lang="en-US"/>
           </a:p>
@@ -1240,7 +1249,7 @@
     </p:spTree>
     <p:extLst>
       <p:ext uri="{BB962C8B-B14F-4D97-AF65-F5344CB8AC3E}">
-        <p14:creationId xmlns:p14="http://schemas.microsoft.com/office/powerpoint/2010/main" val="2087174978"/>
+        <p14:creationId xmlns:p14="http://schemas.microsoft.com/office/powerpoint/2010/main" val="579496030"/>
       </p:ext>
     </p:extLst>
   </p:cSld>
@@ -1315,7 +1324,7 @@
           <a:p>
             <a:fld id="{89086A25-1D2B-4C4F-AF82-CC73108F7901}" type="slidenum">
               <a:rPr lang="en-US" smtClean="0"/>
-              <a:t>20</a:t>
+              <a:t>19</a:t>
             </a:fld>
             <a:endParaRPr lang="en-US"/>
           </a:p>
@@ -1324,7 +1333,7 @@
     </p:spTree>
     <p:extLst>
       <p:ext uri="{BB962C8B-B14F-4D97-AF65-F5344CB8AC3E}">
-        <p14:creationId xmlns:p14="http://schemas.microsoft.com/office/powerpoint/2010/main" val="586700070"/>
+        <p14:creationId xmlns:p14="http://schemas.microsoft.com/office/powerpoint/2010/main" val="2087174978"/>
       </p:ext>
     </p:extLst>
   </p:cSld>
@@ -1399,7 +1408,7 @@
           <a:p>
             <a:fld id="{89086A25-1D2B-4C4F-AF82-CC73108F7901}" type="slidenum">
               <a:rPr lang="en-US" smtClean="0"/>
-              <a:t>21</a:t>
+              <a:t>20</a:t>
             </a:fld>
             <a:endParaRPr lang="en-US"/>
           </a:p>
@@ -1408,7 +1417,7 @@
     </p:spTree>
     <p:extLst>
       <p:ext uri="{BB962C8B-B14F-4D97-AF65-F5344CB8AC3E}">
-        <p14:creationId xmlns:p14="http://schemas.microsoft.com/office/powerpoint/2010/main" val="151889303"/>
+        <p14:creationId xmlns:p14="http://schemas.microsoft.com/office/powerpoint/2010/main" val="586700070"/>
       </p:ext>
     </p:extLst>
   </p:cSld>
@@ -1462,7 +1471,25 @@
           <a:bodyPr/>
           <a:lstStyle/>
           <a:p>
-            <a:endParaRPr lang="en-US"/>
+            <a:r>
+              <a:rPr lang="en-US" dirty="0"/>
+              <a:t>Not exactly known for being cutting edge but…</a:t>
+            </a:r>
+          </a:p>
+          <a:p>
+            <a:r>
+              <a:rPr lang="en-US" dirty="0"/>
+              <a:t>AWS Partners</a:t>
+            </a:r>
+          </a:p>
+          <a:p>
+            <a:r>
+              <a:rPr lang="en-US" dirty="0"/>
+              <a:t>9 Months ago – sister’s fault</a:t>
+            </a:r>
+          </a:p>
+          <a:p>
+            <a:endParaRPr lang="en-US" dirty="0"/>
           </a:p>
         </p:txBody>
       </p:sp>
@@ -1483,7 +1510,7 @@
           <a:p>
             <a:fld id="{89086A25-1D2B-4C4F-AF82-CC73108F7901}" type="slidenum">
               <a:rPr lang="en-US" smtClean="0"/>
-              <a:t>3</a:t>
+              <a:t>2</a:t>
             </a:fld>
             <a:endParaRPr lang="en-US"/>
           </a:p>
@@ -1492,7 +1519,7 @@
     </p:spTree>
     <p:extLst>
       <p:ext uri="{BB962C8B-B14F-4D97-AF65-F5344CB8AC3E}">
-        <p14:creationId xmlns:p14="http://schemas.microsoft.com/office/powerpoint/2010/main" val="3630499441"/>
+        <p14:creationId xmlns:p14="http://schemas.microsoft.com/office/powerpoint/2010/main" val="3415800463"/>
       </p:ext>
     </p:extLst>
   </p:cSld>
@@ -1567,7 +1594,7 @@
           <a:p>
             <a:fld id="{89086A25-1D2B-4C4F-AF82-CC73108F7901}" type="slidenum">
               <a:rPr lang="en-US" smtClean="0"/>
-              <a:t>22</a:t>
+              <a:t>21</a:t>
             </a:fld>
             <a:endParaRPr lang="en-US"/>
           </a:p>
@@ -1576,7 +1603,7 @@
     </p:spTree>
     <p:extLst>
       <p:ext uri="{BB962C8B-B14F-4D97-AF65-F5344CB8AC3E}">
-        <p14:creationId xmlns:p14="http://schemas.microsoft.com/office/powerpoint/2010/main" val="2856955321"/>
+        <p14:creationId xmlns:p14="http://schemas.microsoft.com/office/powerpoint/2010/main" val="151889303"/>
       </p:ext>
     </p:extLst>
   </p:cSld>
@@ -1651,7 +1678,7 @@
           <a:p>
             <a:fld id="{89086A25-1D2B-4C4F-AF82-CC73108F7901}" type="slidenum">
               <a:rPr lang="en-US" smtClean="0"/>
-              <a:t>23</a:t>
+              <a:t>22</a:t>
             </a:fld>
             <a:endParaRPr lang="en-US"/>
           </a:p>
@@ -1660,7 +1687,7 @@
     </p:spTree>
     <p:extLst>
       <p:ext uri="{BB962C8B-B14F-4D97-AF65-F5344CB8AC3E}">
-        <p14:creationId xmlns:p14="http://schemas.microsoft.com/office/powerpoint/2010/main" val="1138599569"/>
+        <p14:creationId xmlns:p14="http://schemas.microsoft.com/office/powerpoint/2010/main" val="2856955321"/>
       </p:ext>
     </p:extLst>
   </p:cSld>
@@ -1735,7 +1762,7 @@
           <a:p>
             <a:fld id="{89086A25-1D2B-4C4F-AF82-CC73108F7901}" type="slidenum">
               <a:rPr lang="en-US" smtClean="0"/>
-              <a:t>24</a:t>
+              <a:t>23</a:t>
             </a:fld>
             <a:endParaRPr lang="en-US"/>
           </a:p>
@@ -1744,7 +1771,7 @@
     </p:spTree>
     <p:extLst>
       <p:ext uri="{BB962C8B-B14F-4D97-AF65-F5344CB8AC3E}">
-        <p14:creationId xmlns:p14="http://schemas.microsoft.com/office/powerpoint/2010/main" val="1696701446"/>
+        <p14:creationId xmlns:p14="http://schemas.microsoft.com/office/powerpoint/2010/main" val="1138599569"/>
       </p:ext>
     </p:extLst>
   </p:cSld>
@@ -1819,6 +1846,90 @@
           <a:p>
             <a:fld id="{89086A25-1D2B-4C4F-AF82-CC73108F7901}" type="slidenum">
               <a:rPr lang="en-US" smtClean="0"/>
+              <a:t>24</a:t>
+            </a:fld>
+            <a:endParaRPr lang="en-US"/>
+          </a:p>
+        </p:txBody>
+      </p:sp>
+    </p:spTree>
+    <p:extLst>
+      <p:ext uri="{BB962C8B-B14F-4D97-AF65-F5344CB8AC3E}">
+        <p14:creationId xmlns:p14="http://schemas.microsoft.com/office/powerpoint/2010/main" val="1696701446"/>
+      </p:ext>
+    </p:extLst>
+  </p:cSld>
+  <p:clrMapOvr>
+    <a:masterClrMapping/>
+  </p:clrMapOvr>
+</p:notes>
+</file>
+
+<file path=ppt/notesSlides/notesSlide24.xml><?xml version="1.0" encoding="utf-8"?>
+<p:notes xmlns:a="http://schemas.openxmlformats.org/drawingml/2006/main" xmlns:r="http://schemas.openxmlformats.org/officeDocument/2006/relationships" xmlns:p="http://schemas.openxmlformats.org/presentationml/2006/main">
+  <p:cSld>
+    <p:spTree>
+      <p:nvGrpSpPr>
+        <p:cNvPr id="1" name=""/>
+        <p:cNvGrpSpPr/>
+        <p:nvPr/>
+      </p:nvGrpSpPr>
+      <p:grpSpPr>
+        <a:xfrm>
+          <a:off x="0" y="0"/>
+          <a:ext cx="0" cy="0"/>
+          <a:chOff x="0" y="0"/>
+          <a:chExt cx="0" cy="0"/>
+        </a:xfrm>
+      </p:grpSpPr>
+      <p:sp>
+        <p:nvSpPr>
+          <p:cNvPr id="2" name="Slide Image Placeholder 1"/>
+          <p:cNvSpPr>
+            <a:spLocks noGrp="1" noRot="1" noChangeAspect="1"/>
+          </p:cNvSpPr>
+          <p:nvPr>
+            <p:ph type="sldImg"/>
+          </p:nvPr>
+        </p:nvSpPr>
+        <p:spPr/>
+      </p:sp>
+      <p:sp>
+        <p:nvSpPr>
+          <p:cNvPr id="3" name="Notes Placeholder 2"/>
+          <p:cNvSpPr>
+            <a:spLocks noGrp="1"/>
+          </p:cNvSpPr>
+          <p:nvPr>
+            <p:ph type="body" idx="1"/>
+          </p:nvPr>
+        </p:nvSpPr>
+        <p:spPr/>
+        <p:txBody>
+          <a:bodyPr/>
+          <a:lstStyle/>
+          <a:p>
+            <a:endParaRPr lang="en-US"/>
+          </a:p>
+        </p:txBody>
+      </p:sp>
+      <p:sp>
+        <p:nvSpPr>
+          <p:cNvPr id="4" name="Slide Number Placeholder 3"/>
+          <p:cNvSpPr>
+            <a:spLocks noGrp="1"/>
+          </p:cNvSpPr>
+          <p:nvPr>
+            <p:ph type="sldNum" sz="quarter" idx="10"/>
+          </p:nvPr>
+        </p:nvSpPr>
+        <p:spPr/>
+        <p:txBody>
+          <a:bodyPr/>
+          <a:lstStyle/>
+          <a:p>
+            <a:fld id="{89086A25-1D2B-4C4F-AF82-CC73108F7901}" type="slidenum">
+              <a:rPr lang="en-US" smtClean="0"/>
               <a:t>25</a:t>
             </a:fld>
             <a:endParaRPr lang="en-US"/>
@@ -1838,7 +1949,7 @@
 </p:notes>
 </file>
 
-<file path=ppt/notesSlides/notesSlide24.xml><?xml version="1.0" encoding="utf-8"?>
+<file path=ppt/notesSlides/notesSlide25.xml><?xml version="1.0" encoding="utf-8"?>
 <p:notes xmlns:a="http://schemas.openxmlformats.org/drawingml/2006/main" xmlns:r="http://schemas.openxmlformats.org/officeDocument/2006/relationships" xmlns:p="http://schemas.openxmlformats.org/presentationml/2006/main">
   <p:cSld>
     <p:spTree>
@@ -1966,7 +2077,7 @@
           <a:bodyPr/>
           <a:lstStyle/>
           <a:p>
-            <a:endParaRPr lang="en-US"/>
+            <a:endParaRPr lang="en-US" dirty="0"/>
           </a:p>
         </p:txBody>
       </p:sp>
@@ -1987,7 +2098,7 @@
           <a:p>
             <a:fld id="{89086A25-1D2B-4C4F-AF82-CC73108F7901}" type="slidenum">
               <a:rPr lang="en-US" smtClean="0"/>
-              <a:t>4</a:t>
+              <a:t>3</a:t>
             </a:fld>
             <a:endParaRPr lang="en-US"/>
           </a:p>
@@ -1996,7 +2107,7 @@
     </p:spTree>
     <p:extLst>
       <p:ext uri="{BB962C8B-B14F-4D97-AF65-F5344CB8AC3E}">
-        <p14:creationId xmlns:p14="http://schemas.microsoft.com/office/powerpoint/2010/main" val="2894406009"/>
+        <p14:creationId xmlns:p14="http://schemas.microsoft.com/office/powerpoint/2010/main" val="3630499441"/>
       </p:ext>
     </p:extLst>
   </p:cSld>
@@ -2071,7 +2182,7 @@
           <a:p>
             <a:fld id="{89086A25-1D2B-4C4F-AF82-CC73108F7901}" type="slidenum">
               <a:rPr lang="en-US" smtClean="0"/>
-              <a:t>5</a:t>
+              <a:t>4</a:t>
             </a:fld>
             <a:endParaRPr lang="en-US"/>
           </a:p>
@@ -2080,7 +2191,7 @@
     </p:spTree>
     <p:extLst>
       <p:ext uri="{BB962C8B-B14F-4D97-AF65-F5344CB8AC3E}">
-        <p14:creationId xmlns:p14="http://schemas.microsoft.com/office/powerpoint/2010/main" val="3126507322"/>
+        <p14:creationId xmlns:p14="http://schemas.microsoft.com/office/powerpoint/2010/main" val="2894406009"/>
       </p:ext>
     </p:extLst>
   </p:cSld>
@@ -2155,7 +2266,7 @@
           <a:p>
             <a:fld id="{89086A25-1D2B-4C4F-AF82-CC73108F7901}" type="slidenum">
               <a:rPr lang="en-US" smtClean="0"/>
-              <a:t>6</a:t>
+              <a:t>5</a:t>
             </a:fld>
             <a:endParaRPr lang="en-US"/>
           </a:p>
@@ -2164,7 +2275,7 @@
     </p:spTree>
     <p:extLst>
       <p:ext uri="{BB962C8B-B14F-4D97-AF65-F5344CB8AC3E}">
-        <p14:creationId xmlns:p14="http://schemas.microsoft.com/office/powerpoint/2010/main" val="3709755510"/>
+        <p14:creationId xmlns:p14="http://schemas.microsoft.com/office/powerpoint/2010/main" val="3126507322"/>
       </p:ext>
     </p:extLst>
   </p:cSld>
@@ -2239,7 +2350,7 @@
           <a:p>
             <a:fld id="{89086A25-1D2B-4C4F-AF82-CC73108F7901}" type="slidenum">
               <a:rPr lang="en-US" smtClean="0"/>
-              <a:t>7</a:t>
+              <a:t>6</a:t>
             </a:fld>
             <a:endParaRPr lang="en-US"/>
           </a:p>
@@ -2248,7 +2359,7 @@
     </p:spTree>
     <p:extLst>
       <p:ext uri="{BB962C8B-B14F-4D97-AF65-F5344CB8AC3E}">
-        <p14:creationId xmlns:p14="http://schemas.microsoft.com/office/powerpoint/2010/main" val="4130851223"/>
+        <p14:creationId xmlns:p14="http://schemas.microsoft.com/office/powerpoint/2010/main" val="3709755510"/>
       </p:ext>
     </p:extLst>
   </p:cSld>
@@ -2323,7 +2434,7 @@
           <a:p>
             <a:fld id="{89086A25-1D2B-4C4F-AF82-CC73108F7901}" type="slidenum">
               <a:rPr lang="en-US" smtClean="0"/>
-              <a:t>8</a:t>
+              <a:t>7</a:t>
             </a:fld>
             <a:endParaRPr lang="en-US"/>
           </a:p>
@@ -2332,7 +2443,7 @@
     </p:spTree>
     <p:extLst>
       <p:ext uri="{BB962C8B-B14F-4D97-AF65-F5344CB8AC3E}">
-        <p14:creationId xmlns:p14="http://schemas.microsoft.com/office/powerpoint/2010/main" val="484778775"/>
+        <p14:creationId xmlns:p14="http://schemas.microsoft.com/office/powerpoint/2010/main" val="4130851223"/>
       </p:ext>
     </p:extLst>
   </p:cSld>
@@ -2407,7 +2518,7 @@
           <a:p>
             <a:fld id="{89086A25-1D2B-4C4F-AF82-CC73108F7901}" type="slidenum">
               <a:rPr lang="en-US" smtClean="0"/>
-              <a:t>9</a:t>
+              <a:t>8</a:t>
             </a:fld>
             <a:endParaRPr lang="en-US"/>
           </a:p>
@@ -2416,7 +2527,7 @@
     </p:spTree>
     <p:extLst>
       <p:ext uri="{BB962C8B-B14F-4D97-AF65-F5344CB8AC3E}">
-        <p14:creationId xmlns:p14="http://schemas.microsoft.com/office/powerpoint/2010/main" val="3782060416"/>
+        <p14:creationId xmlns:p14="http://schemas.microsoft.com/office/powerpoint/2010/main" val="484778775"/>
       </p:ext>
     </p:extLst>
   </p:cSld>
@@ -2491,7 +2602,7 @@
           <a:p>
             <a:fld id="{89086A25-1D2B-4C4F-AF82-CC73108F7901}" type="slidenum">
               <a:rPr lang="en-US" smtClean="0"/>
-              <a:t>10</a:t>
+              <a:t>9</a:t>
             </a:fld>
             <a:endParaRPr lang="en-US"/>
           </a:p>
@@ -2500,7 +2611,7 @@
     </p:spTree>
     <p:extLst>
       <p:ext uri="{BB962C8B-B14F-4D97-AF65-F5344CB8AC3E}">
-        <p14:creationId xmlns:p14="http://schemas.microsoft.com/office/powerpoint/2010/main" val="60065422"/>
+        <p14:creationId xmlns:p14="http://schemas.microsoft.com/office/powerpoint/2010/main" val="3782060416"/>
       </p:ext>
     </p:extLst>
   </p:cSld>
@@ -6357,6 +6468,396 @@
           <p:cNvPr id="2" name="Title 1">
             <a:extLst>
               <a:ext uri="{FF2B5EF4-FFF2-40B4-BE49-F238E27FC236}">
+                <a16:creationId xmlns:a16="http://schemas.microsoft.com/office/drawing/2014/main" id="{3927750E-CF28-4B48-A10B-BC02EB9CD0FA}"/>
+              </a:ext>
+            </a:extLst>
+          </p:cNvPr>
+          <p:cNvSpPr>
+            <a:spLocks noGrp="1"/>
+          </p:cNvSpPr>
+          <p:nvPr>
+            <p:ph type="title"/>
+          </p:nvPr>
+        </p:nvSpPr>
+        <p:spPr/>
+        <p:txBody>
+          <a:bodyPr/>
+          <a:lstStyle/>
+          <a:p>
+            <a:r>
+              <a:rPr lang="en-US" dirty="0"/>
+              <a:t>AWS Lambda</a:t>
+            </a:r>
+            <a:endParaRPr lang="en-GB" dirty="0"/>
+          </a:p>
+        </p:txBody>
+      </p:sp>
+      <p:sp>
+        <p:nvSpPr>
+          <p:cNvPr id="3" name="Content Placeholder 2">
+            <a:extLst>
+              <a:ext uri="{FF2B5EF4-FFF2-40B4-BE49-F238E27FC236}">
+                <a16:creationId xmlns:a16="http://schemas.microsoft.com/office/drawing/2014/main" id="{F82C128F-C733-41C5-BA02-69C5A8077248}"/>
+              </a:ext>
+            </a:extLst>
+          </p:cNvPr>
+          <p:cNvSpPr>
+            <a:spLocks noGrp="1"/>
+          </p:cNvSpPr>
+          <p:nvPr>
+            <p:ph idx="1"/>
+          </p:nvPr>
+        </p:nvSpPr>
+        <p:spPr/>
+        <p:txBody>
+          <a:bodyPr/>
+          <a:lstStyle/>
+          <a:p>
+            <a:r>
+              <a:rPr lang="en-GB" dirty="0"/>
+              <a:t>Part of Amazon </a:t>
+            </a:r>
+            <a:r>
+              <a:rPr lang="en-GB" dirty="0" err="1"/>
+              <a:t>Serverless</a:t>
+            </a:r>
+            <a:r>
+              <a:rPr lang="en-GB" dirty="0"/>
+              <a:t> offering</a:t>
+            </a:r>
+          </a:p>
+          <a:p>
+            <a:r>
+              <a:rPr lang="en-GB" dirty="0"/>
+              <a:t>Quicker to get working</a:t>
+            </a:r>
+          </a:p>
+          <a:p>
+            <a:r>
+              <a:rPr lang="en-GB" dirty="0"/>
+              <a:t>More secure by default</a:t>
+            </a:r>
+          </a:p>
+          <a:p>
+            <a:r>
+              <a:rPr lang="en-GB" dirty="0"/>
+              <a:t>Free!</a:t>
+            </a:r>
+          </a:p>
+          <a:p>
+            <a:endParaRPr lang="en-GB" dirty="0"/>
+          </a:p>
+        </p:txBody>
+      </p:sp>
+    </p:spTree>
+    <p:extLst>
+      <p:ext uri="{BB962C8B-B14F-4D97-AF65-F5344CB8AC3E}">
+        <p14:creationId xmlns:p14="http://schemas.microsoft.com/office/powerpoint/2010/main" val="2812971532"/>
+      </p:ext>
+    </p:extLst>
+  </p:cSld>
+  <p:clrMapOvr>
+    <a:masterClrMapping/>
+  </p:clrMapOvr>
+  <p:timing>
+    <p:tnLst>
+      <p:par>
+        <p:cTn id="1" dur="indefinite" restart="never" nodeType="tmRoot">
+          <p:childTnLst>
+            <p:seq concurrent="1" nextAc="seek">
+              <p:cTn id="2" dur="indefinite" nodeType="mainSeq">
+                <p:childTnLst>
+                  <p:par>
+                    <p:cTn id="3" fill="hold">
+                      <p:stCondLst>
+                        <p:cond delay="indefinite"/>
+                      </p:stCondLst>
+                      <p:childTnLst>
+                        <p:par>
+                          <p:cTn id="4" fill="hold">
+                            <p:stCondLst>
+                              <p:cond delay="0"/>
+                            </p:stCondLst>
+                            <p:childTnLst>
+                              <p:par>
+                                <p:cTn id="5" presetID="10" presetClass="entr" presetSubtype="0" fill="hold" nodeType="clickEffect">
+                                  <p:stCondLst>
+                                    <p:cond delay="0"/>
+                                  </p:stCondLst>
+                                  <p:childTnLst>
+                                    <p:set>
+                                      <p:cBhvr>
+                                        <p:cTn id="6" dur="1" fill="hold">
+                                          <p:stCondLst>
+                                            <p:cond delay="0"/>
+                                          </p:stCondLst>
+                                        </p:cTn>
+                                        <p:tgtEl>
+                                          <p:spTgt spid="3">
+                                            <p:txEl>
+                                              <p:pRg st="1" end="1"/>
+                                            </p:txEl>
+                                          </p:spTgt>
+                                        </p:tgtEl>
+                                        <p:attrNameLst>
+                                          <p:attrName>style.visibility</p:attrName>
+                                        </p:attrNameLst>
+                                      </p:cBhvr>
+                                      <p:to>
+                                        <p:strVal val="visible"/>
+                                      </p:to>
+                                    </p:set>
+                                    <p:animEffect transition="in" filter="fade">
+                                      <p:cBhvr>
+                                        <p:cTn id="7" dur="500"/>
+                                        <p:tgtEl>
+                                          <p:spTgt spid="3">
+                                            <p:txEl>
+                                              <p:pRg st="1" end="1"/>
+                                            </p:txEl>
+                                          </p:spTgt>
+                                        </p:tgtEl>
+                                      </p:cBhvr>
+                                    </p:animEffect>
+                                  </p:childTnLst>
+                                </p:cTn>
+                              </p:par>
+                            </p:childTnLst>
+                          </p:cTn>
+                        </p:par>
+                      </p:childTnLst>
+                    </p:cTn>
+                  </p:par>
+                  <p:par>
+                    <p:cTn id="8" fill="hold">
+                      <p:stCondLst>
+                        <p:cond delay="indefinite"/>
+                      </p:stCondLst>
+                      <p:childTnLst>
+                        <p:par>
+                          <p:cTn id="9" fill="hold">
+                            <p:stCondLst>
+                              <p:cond delay="0"/>
+                            </p:stCondLst>
+                            <p:childTnLst>
+                              <p:par>
+                                <p:cTn id="10" presetID="10" presetClass="entr" presetSubtype="0" fill="hold" nodeType="clickEffect">
+                                  <p:stCondLst>
+                                    <p:cond delay="0"/>
+                                  </p:stCondLst>
+                                  <p:childTnLst>
+                                    <p:set>
+                                      <p:cBhvr>
+                                        <p:cTn id="11" dur="1" fill="hold">
+                                          <p:stCondLst>
+                                            <p:cond delay="0"/>
+                                          </p:stCondLst>
+                                        </p:cTn>
+                                        <p:tgtEl>
+                                          <p:spTgt spid="3">
+                                            <p:txEl>
+                                              <p:pRg st="0" end="0"/>
+                                            </p:txEl>
+                                          </p:spTgt>
+                                        </p:tgtEl>
+                                        <p:attrNameLst>
+                                          <p:attrName>style.visibility</p:attrName>
+                                        </p:attrNameLst>
+                                      </p:cBhvr>
+                                      <p:to>
+                                        <p:strVal val="visible"/>
+                                      </p:to>
+                                    </p:set>
+                                    <p:animEffect transition="in" filter="fade">
+                                      <p:cBhvr>
+                                        <p:cTn id="12" dur="500"/>
+                                        <p:tgtEl>
+                                          <p:spTgt spid="3">
+                                            <p:txEl>
+                                              <p:pRg st="0" end="0"/>
+                                            </p:txEl>
+                                          </p:spTgt>
+                                        </p:tgtEl>
+                                      </p:cBhvr>
+                                    </p:animEffect>
+                                  </p:childTnLst>
+                                </p:cTn>
+                              </p:par>
+                            </p:childTnLst>
+                          </p:cTn>
+                        </p:par>
+                      </p:childTnLst>
+                    </p:cTn>
+                  </p:par>
+                  <p:par>
+                    <p:cTn id="13" fill="hold">
+                      <p:stCondLst>
+                        <p:cond delay="indefinite"/>
+                      </p:stCondLst>
+                      <p:childTnLst>
+                        <p:par>
+                          <p:cTn id="14" fill="hold">
+                            <p:stCondLst>
+                              <p:cond delay="0"/>
+                            </p:stCondLst>
+                            <p:childTnLst>
+                              <p:par>
+                                <p:cTn id="15" presetID="10" presetClass="entr" presetSubtype="0" fill="hold" nodeType="clickEffect">
+                                  <p:stCondLst>
+                                    <p:cond delay="0"/>
+                                  </p:stCondLst>
+                                  <p:childTnLst>
+                                    <p:set>
+                                      <p:cBhvr>
+                                        <p:cTn id="16" dur="1" fill="hold">
+                                          <p:stCondLst>
+                                            <p:cond delay="0"/>
+                                          </p:stCondLst>
+                                        </p:cTn>
+                                        <p:tgtEl>
+                                          <p:spTgt spid="3">
+                                            <p:txEl>
+                                              <p:pRg st="2" end="2"/>
+                                            </p:txEl>
+                                          </p:spTgt>
+                                        </p:tgtEl>
+                                        <p:attrNameLst>
+                                          <p:attrName>style.visibility</p:attrName>
+                                        </p:attrNameLst>
+                                      </p:cBhvr>
+                                      <p:to>
+                                        <p:strVal val="visible"/>
+                                      </p:to>
+                                    </p:set>
+                                    <p:animEffect transition="in" filter="fade">
+                                      <p:cBhvr>
+                                        <p:cTn id="17" dur="500"/>
+                                        <p:tgtEl>
+                                          <p:spTgt spid="3">
+                                            <p:txEl>
+                                              <p:pRg st="2" end="2"/>
+                                            </p:txEl>
+                                          </p:spTgt>
+                                        </p:tgtEl>
+                                      </p:cBhvr>
+                                    </p:animEffect>
+                                  </p:childTnLst>
+                                </p:cTn>
+                              </p:par>
+                            </p:childTnLst>
+                          </p:cTn>
+                        </p:par>
+                      </p:childTnLst>
+                    </p:cTn>
+                  </p:par>
+                  <p:par>
+                    <p:cTn id="18" fill="hold">
+                      <p:stCondLst>
+                        <p:cond delay="indefinite"/>
+                      </p:stCondLst>
+                      <p:childTnLst>
+                        <p:par>
+                          <p:cTn id="19" fill="hold">
+                            <p:stCondLst>
+                              <p:cond delay="0"/>
+                            </p:stCondLst>
+                            <p:childTnLst>
+                              <p:par>
+                                <p:cTn id="20" presetID="10" presetClass="entr" presetSubtype="0" fill="hold" nodeType="clickEffect">
+                                  <p:stCondLst>
+                                    <p:cond delay="0"/>
+                                  </p:stCondLst>
+                                  <p:childTnLst>
+                                    <p:set>
+                                      <p:cBhvr>
+                                        <p:cTn id="21" dur="1" fill="hold">
+                                          <p:stCondLst>
+                                            <p:cond delay="0"/>
+                                          </p:stCondLst>
+                                        </p:cTn>
+                                        <p:tgtEl>
+                                          <p:spTgt spid="3">
+                                            <p:txEl>
+                                              <p:pRg st="3" end="3"/>
+                                            </p:txEl>
+                                          </p:spTgt>
+                                        </p:tgtEl>
+                                        <p:attrNameLst>
+                                          <p:attrName>style.visibility</p:attrName>
+                                        </p:attrNameLst>
+                                      </p:cBhvr>
+                                      <p:to>
+                                        <p:strVal val="visible"/>
+                                      </p:to>
+                                    </p:set>
+                                    <p:animEffect transition="in" filter="fade">
+                                      <p:cBhvr>
+                                        <p:cTn id="22" dur="500"/>
+                                        <p:tgtEl>
+                                          <p:spTgt spid="3">
+                                            <p:txEl>
+                                              <p:pRg st="3" end="3"/>
+                                            </p:txEl>
+                                          </p:spTgt>
+                                        </p:tgtEl>
+                                      </p:cBhvr>
+                                    </p:animEffect>
+                                  </p:childTnLst>
+                                </p:cTn>
+                              </p:par>
+                            </p:childTnLst>
+                          </p:cTn>
+                        </p:par>
+                      </p:childTnLst>
+                    </p:cTn>
+                  </p:par>
+                </p:childTnLst>
+              </p:cTn>
+              <p:prevCondLst>
+                <p:cond evt="onPrev" delay="0">
+                  <p:tgtEl>
+                    <p:sldTgt/>
+                  </p:tgtEl>
+                </p:cond>
+              </p:prevCondLst>
+              <p:nextCondLst>
+                <p:cond evt="onNext" delay="0">
+                  <p:tgtEl>
+                    <p:sldTgt/>
+                  </p:tgtEl>
+                </p:cond>
+              </p:nextCondLst>
+            </p:seq>
+          </p:childTnLst>
+        </p:cTn>
+      </p:par>
+    </p:tnLst>
+  </p:timing>
+</p:sld>
+</file>
+
+<file path=ppt/slides/slide11.xml><?xml version="1.0" encoding="utf-8"?>
+<p:sld xmlns:a="http://schemas.openxmlformats.org/drawingml/2006/main" xmlns:r="http://schemas.openxmlformats.org/officeDocument/2006/relationships" xmlns:p="http://schemas.openxmlformats.org/presentationml/2006/main">
+  <p:cSld>
+    <p:spTree>
+      <p:nvGrpSpPr>
+        <p:cNvPr id="1" name=""/>
+        <p:cNvGrpSpPr/>
+        <p:nvPr/>
+      </p:nvGrpSpPr>
+      <p:grpSpPr>
+        <a:xfrm>
+          <a:off x="0" y="0"/>
+          <a:ext cx="0" cy="0"/>
+          <a:chOff x="0" y="0"/>
+          <a:chExt cx="0" cy="0"/>
+        </a:xfrm>
+      </p:grpSpPr>
+      <p:sp>
+        <p:nvSpPr>
+          <p:cNvPr id="2" name="Title 1">
+            <a:extLst>
+              <a:ext uri="{FF2B5EF4-FFF2-40B4-BE49-F238E27FC236}">
                 <a16:creationId xmlns:a16="http://schemas.microsoft.com/office/drawing/2014/main" id="{D390B2F6-27EF-4CEB-AEE8-484A64B31F4A}"/>
               </a:ext>
             </a:extLst>
@@ -6907,7 +7408,7 @@
 </p:sld>
 </file>
 
-<file path=ppt/slides/slide11.xml><?xml version="1.0" encoding="utf-8"?>
+<file path=ppt/slides/slide12.xml><?xml version="1.0" encoding="utf-8"?>
 <p:sld xmlns:a="http://schemas.openxmlformats.org/drawingml/2006/main" xmlns:r="http://schemas.openxmlformats.org/officeDocument/2006/relationships" xmlns:p="http://schemas.openxmlformats.org/presentationml/2006/main">
   <p:cSld>
     <p:spTree>
@@ -6947,7 +7448,7 @@
           <a:p>
             <a:r>
               <a:rPr lang="en-GB" dirty="0"/>
-              <a:t>Request Lifecycle – Request JSON</a:t>
+              <a:t>Request Lifecycle</a:t>
             </a:r>
           </a:p>
         </p:txBody>
@@ -6970,9 +7471,12 @@
         </p:nvSpPr>
         <p:spPr>
           <a:xfrm>
-            <a:off x="1097280" y="1845734"/>
-            <a:ext cx="10058400" cy="3744000"/>
+            <a:off x="5669280" y="598824"/>
+            <a:ext cx="10058400" cy="5538739"/>
           </a:xfrm>
+          <a:solidFill>
+            <a:schemeClr val="bg1"/>
+          </a:solidFill>
         </p:spPr>
         <p:txBody>
           <a:bodyPr>
@@ -6992,7 +7496,7 @@
               </a:spcAft>
             </a:pPr>
             <a:r>
-              <a:rPr lang="en-GB" sz="1100" dirty="0"/>
+              <a:rPr lang="en-GB" sz="1600" dirty="0"/>
               <a:t>{</a:t>
             </a:r>
           </a:p>
@@ -7009,7 +7513,7 @@
               </a:spcAft>
             </a:pPr>
             <a:r>
-              <a:rPr lang="en-GB" sz="1100" dirty="0"/>
+              <a:rPr lang="en-GB" sz="1600" dirty="0"/>
               <a:t>  "version": "1.0",</a:t>
             </a:r>
           </a:p>
@@ -7026,11 +7530,11 @@
               </a:spcAft>
             </a:pPr>
             <a:r>
-              <a:rPr lang="en-GB" sz="1100" b="1" dirty="0"/>
+              <a:rPr lang="en-GB" sz="1600" b="1" dirty="0"/>
               <a:t>  "session"</a:t>
             </a:r>
             <a:r>
-              <a:rPr lang="en-GB" sz="1100" dirty="0"/>
+              <a:rPr lang="en-GB" sz="1600" dirty="0"/>
               <a:t>: {</a:t>
             </a:r>
           </a:p>
@@ -7047,7 +7551,7 @@
               </a:spcAft>
             </a:pPr>
             <a:r>
-              <a:rPr lang="en-GB" sz="1100" dirty="0"/>
+              <a:rPr lang="en-GB" sz="1600" dirty="0"/>
               <a:t>      "attributes": {</a:t>
             </a:r>
           </a:p>
@@ -7064,7 +7568,7 @@
               </a:spcAft>
             </a:pPr>
             <a:r>
-              <a:rPr lang="en-GB" sz="1100" dirty="0"/>
+              <a:rPr lang="en-GB" sz="1600" dirty="0"/>
               <a:t>      "key": "string value"</a:t>
             </a:r>
           </a:p>
@@ -7081,7 +7585,7 @@
               </a:spcAft>
             </a:pPr>
             <a:r>
-              <a:rPr lang="en-GB" sz="1100" dirty="0"/>
+              <a:rPr lang="en-GB" sz="1600" dirty="0"/>
               <a:t>    },</a:t>
             </a:r>
           </a:p>
@@ -7098,7 +7602,7 @@
               </a:spcAft>
             </a:pPr>
             <a:r>
-              <a:rPr lang="en-GB" sz="1100" dirty="0"/>
+              <a:rPr lang="en-GB" sz="1600" dirty="0"/>
               <a:t>  },</a:t>
             </a:r>
           </a:p>
@@ -7115,11 +7619,11 @@
               </a:spcAft>
             </a:pPr>
             <a:r>
-              <a:rPr lang="en-GB" sz="1100" b="1" dirty="0"/>
+              <a:rPr lang="en-GB" sz="1600" b="1" dirty="0"/>
               <a:t>  "context"</a:t>
             </a:r>
             <a:r>
-              <a:rPr lang="en-GB" sz="1100" dirty="0"/>
+              <a:rPr lang="en-GB" sz="1600" dirty="0"/>
               <a:t>: {</a:t>
             </a:r>
           </a:p>
@@ -7136,7 +7640,7 @@
               </a:spcAft>
             </a:pPr>
             <a:r>
-              <a:rPr lang="en-GB" sz="1100" dirty="0"/>
+              <a:rPr lang="en-GB" sz="1600" dirty="0"/>
               <a:t>    "System": {</a:t>
             </a:r>
           </a:p>
@@ -7153,7 +7657,7 @@
               </a:spcAft>
             </a:pPr>
             <a:r>
-              <a:rPr lang="en-GB" sz="1100" dirty="0"/>
+              <a:rPr lang="en-GB" sz="1600" dirty="0"/>
               <a:t>      "device": {</a:t>
             </a:r>
           </a:p>
@@ -7170,15 +7674,15 @@
               </a:spcAft>
             </a:pPr>
             <a:r>
-              <a:rPr lang="en-GB" sz="1100" dirty="0"/>
+              <a:rPr lang="en-GB" sz="1600" dirty="0"/>
               <a:t>        "</a:t>
             </a:r>
             <a:r>
-              <a:rPr lang="en-GB" sz="1100" dirty="0" err="1"/>
+              <a:rPr lang="en-GB" sz="1600" dirty="0" err="1"/>
               <a:t>deviceId</a:t>
             </a:r>
             <a:r>
-              <a:rPr lang="en-GB" sz="1100" dirty="0"/>
+              <a:rPr lang="en-GB" sz="1600" dirty="0"/>
               <a:t>": "string", ….</a:t>
             </a:r>
           </a:p>
@@ -7195,7 +7699,7 @@
               </a:spcAft>
             </a:pPr>
             <a:r>
-              <a:rPr lang="en-GB" sz="1100" dirty="0"/>
+              <a:rPr lang="en-GB" sz="1600" dirty="0"/>
               <a:t>       },</a:t>
             </a:r>
           </a:p>
@@ -7212,7 +7716,7 @@
               </a:spcAft>
             </a:pPr>
             <a:r>
-              <a:rPr lang="en-GB" sz="1100" dirty="0"/>
+              <a:rPr lang="en-GB" sz="1600" dirty="0"/>
               <a:t>      "user": {</a:t>
             </a:r>
           </a:p>
@@ -7229,15 +7733,15 @@
               </a:spcAft>
             </a:pPr>
             <a:r>
-              <a:rPr lang="en-GB" sz="1100" dirty="0"/>
+              <a:rPr lang="en-GB" sz="1600" dirty="0"/>
               <a:t>        "</a:t>
             </a:r>
             <a:r>
-              <a:rPr lang="en-GB" sz="1100" dirty="0" err="1"/>
+              <a:rPr lang="en-GB" sz="1600" dirty="0" err="1"/>
               <a:t>userId</a:t>
             </a:r>
             <a:r>
-              <a:rPr lang="en-GB" sz="1100" dirty="0"/>
+              <a:rPr lang="en-GB" sz="1600" dirty="0"/>
               <a:t>": "amzn1.ask.account.[unique-value-here]",</a:t>
             </a:r>
           </a:p>
@@ -7254,7 +7758,7 @@
               </a:spcAft>
             </a:pPr>
             <a:r>
-              <a:rPr lang="en-GB" sz="1100" dirty="0"/>
+              <a:rPr lang="en-GB" sz="1600" dirty="0"/>
               <a:t>        "permissions": {</a:t>
             </a:r>
           </a:p>
@@ -7271,15 +7775,15 @@
               </a:spcAft>
             </a:pPr>
             <a:r>
-              <a:rPr lang="en-GB" sz="1100" dirty="0"/>
+              <a:rPr lang="en-GB" sz="1600" dirty="0"/>
               <a:t>          "</a:t>
             </a:r>
             <a:r>
-              <a:rPr lang="en-GB" sz="1100" dirty="0" err="1"/>
+              <a:rPr lang="en-GB" sz="1600" dirty="0" err="1"/>
               <a:t>consentToken</a:t>
             </a:r>
             <a:r>
-              <a:rPr lang="en-GB" sz="1100" dirty="0"/>
+              <a:rPr lang="en-GB" sz="1600" dirty="0"/>
               <a:t>": "ZZZZZZZ..."</a:t>
             </a:r>
           </a:p>
@@ -7296,7 +7800,7 @@
               </a:spcAft>
             </a:pPr>
             <a:r>
-              <a:rPr lang="en-GB" sz="1100" dirty="0"/>
+              <a:rPr lang="en-GB" sz="1600" dirty="0"/>
               <a:t>        }</a:t>
             </a:r>
           </a:p>
@@ -7313,7 +7817,7 @@
               </a:spcAft>
             </a:pPr>
             <a:r>
-              <a:rPr lang="en-GB" sz="1100" dirty="0"/>
+              <a:rPr lang="en-GB" sz="1600" dirty="0"/>
               <a:t>},</a:t>
             </a:r>
           </a:p>
@@ -7330,11 +7834,11 @@
               </a:spcAft>
             </a:pPr>
             <a:r>
-              <a:rPr lang="en-GB" sz="1100" b="1" dirty="0"/>
+              <a:rPr lang="en-GB" sz="1600" b="1" dirty="0"/>
               <a:t>Request:</a:t>
             </a:r>
             <a:r>
-              <a:rPr lang="en-GB" sz="1100" dirty="0"/>
+              <a:rPr lang="en-GB" sz="1600" dirty="0"/>
               <a:t>{} …..</a:t>
             </a:r>
           </a:p>
@@ -7353,7 +7857,7 @@
 </p:sld>
 </file>
 
-<file path=ppt/slides/slide12.xml><?xml version="1.0" encoding="utf-8"?>
+<file path=ppt/slides/slide13.xml><?xml version="1.0" encoding="utf-8"?>
 <p:sld xmlns:a="http://schemas.openxmlformats.org/drawingml/2006/main" xmlns:r="http://schemas.openxmlformats.org/officeDocument/2006/relationships" xmlns:p="http://schemas.openxmlformats.org/presentationml/2006/main">
   <p:cSld>
     <p:spTree>
@@ -8860,412 +9364,6 @@
 </p:sld>
 </file>
 
-<file path=ppt/slides/slide13.xml><?xml version="1.0" encoding="utf-8"?>
-<p:sld xmlns:a="http://schemas.openxmlformats.org/drawingml/2006/main" xmlns:r="http://schemas.openxmlformats.org/officeDocument/2006/relationships" xmlns:p="http://schemas.openxmlformats.org/presentationml/2006/main">
-  <p:cSld>
-    <p:spTree>
-      <p:nvGrpSpPr>
-        <p:cNvPr id="1" name=""/>
-        <p:cNvGrpSpPr/>
-        <p:nvPr/>
-      </p:nvGrpSpPr>
-      <p:grpSpPr>
-        <a:xfrm>
-          <a:off x="0" y="0"/>
-          <a:ext cx="0" cy="0"/>
-          <a:chOff x="0" y="0"/>
-          <a:chExt cx="0" cy="0"/>
-        </a:xfrm>
-      </p:grpSpPr>
-      <p:sp>
-        <p:nvSpPr>
-          <p:cNvPr id="2" name="Title 1">
-            <a:extLst>
-              <a:ext uri="{FF2B5EF4-FFF2-40B4-BE49-F238E27FC236}">
-                <a16:creationId xmlns:a16="http://schemas.microsoft.com/office/drawing/2014/main" id="{D390B2F6-27EF-4CEB-AEE8-484A64B31F4A}"/>
-              </a:ext>
-            </a:extLst>
-          </p:cNvPr>
-          <p:cNvSpPr>
-            <a:spLocks noGrp="1"/>
-          </p:cNvSpPr>
-          <p:nvPr>
-            <p:ph type="title"/>
-          </p:nvPr>
-        </p:nvSpPr>
-        <p:spPr/>
-        <p:txBody>
-          <a:bodyPr/>
-          <a:lstStyle/>
-          <a:p>
-            <a:r>
-              <a:rPr lang="en-GB" dirty="0"/>
-              <a:t>Request Lifecycle – Response JSON</a:t>
-            </a:r>
-          </a:p>
-        </p:txBody>
-      </p:sp>
-      <p:sp>
-        <p:nvSpPr>
-          <p:cNvPr id="15" name="Content Placeholder 14">
-            <a:extLst>
-              <a:ext uri="{FF2B5EF4-FFF2-40B4-BE49-F238E27FC236}">
-                <a16:creationId xmlns:a16="http://schemas.microsoft.com/office/drawing/2014/main" id="{DE436AEA-5393-4801-95C1-0C5A55B32847}"/>
-              </a:ext>
-            </a:extLst>
-          </p:cNvPr>
-          <p:cNvSpPr>
-            <a:spLocks noGrp="1"/>
-          </p:cNvSpPr>
-          <p:nvPr>
-            <p:ph idx="1"/>
-          </p:nvPr>
-        </p:nvSpPr>
-        <p:spPr>
-          <a:xfrm>
-            <a:off x="1097280" y="1845734"/>
-            <a:ext cx="10058400" cy="3744000"/>
-          </a:xfrm>
-        </p:spPr>
-        <p:txBody>
-          <a:bodyPr>
-            <a:noAutofit/>
-          </a:bodyPr>
-          <a:lstStyle/>
-          <a:p>
-            <a:pPr marL="36000" indent="0">
-              <a:lnSpc>
-                <a:spcPct val="100000"/>
-              </a:lnSpc>
-              <a:spcBef>
-                <a:spcPts val="600"/>
-              </a:spcBef>
-              <a:spcAft>
-                <a:spcPts val="0"/>
-              </a:spcAft>
-            </a:pPr>
-            <a:r>
-              <a:rPr lang="en-GB" sz="1100" dirty="0"/>
-              <a:t>{</a:t>
-            </a:r>
-          </a:p>
-          <a:p>
-            <a:pPr marL="36000" indent="0">
-              <a:lnSpc>
-                <a:spcPct val="100000"/>
-              </a:lnSpc>
-              <a:spcBef>
-                <a:spcPts val="600"/>
-              </a:spcBef>
-              <a:spcAft>
-                <a:spcPts val="0"/>
-              </a:spcAft>
-            </a:pPr>
-            <a:r>
-              <a:rPr lang="en-GB" sz="1100" dirty="0"/>
-              <a:t>  "version": "1.0",</a:t>
-            </a:r>
-          </a:p>
-          <a:p>
-            <a:pPr marL="36000" indent="0">
-              <a:lnSpc>
-                <a:spcPct val="100000"/>
-              </a:lnSpc>
-              <a:spcBef>
-                <a:spcPts val="600"/>
-              </a:spcBef>
-              <a:spcAft>
-                <a:spcPts val="0"/>
-              </a:spcAft>
-            </a:pPr>
-            <a:r>
-              <a:rPr lang="en-GB" sz="1100" dirty="0"/>
-              <a:t>  </a:t>
-            </a:r>
-            <a:r>
-              <a:rPr lang="en-GB" sz="1100" b="1" dirty="0"/>
-              <a:t>"</a:t>
-            </a:r>
-            <a:r>
-              <a:rPr lang="en-GB" sz="1100" b="1" dirty="0" err="1"/>
-              <a:t>sessionAttributes</a:t>
-            </a:r>
-            <a:r>
-              <a:rPr lang="en-GB" sz="1100" b="1" dirty="0"/>
-              <a:t>": </a:t>
-            </a:r>
-            <a:r>
-              <a:rPr lang="en-GB" sz="1100" dirty="0"/>
-              <a:t>{},</a:t>
-            </a:r>
-          </a:p>
-          <a:p>
-            <a:pPr marL="36000" indent="0">
-              <a:lnSpc>
-                <a:spcPct val="100000"/>
-              </a:lnSpc>
-              <a:spcBef>
-                <a:spcPts val="600"/>
-              </a:spcBef>
-              <a:spcAft>
-                <a:spcPts val="0"/>
-              </a:spcAft>
-            </a:pPr>
-            <a:r>
-              <a:rPr lang="en-GB" sz="1100" dirty="0"/>
-              <a:t>  </a:t>
-            </a:r>
-            <a:r>
-              <a:rPr lang="en-GB" sz="1100" b="1" dirty="0"/>
-              <a:t>"response": </a:t>
-            </a:r>
-            <a:r>
-              <a:rPr lang="en-GB" sz="1100" dirty="0"/>
-              <a:t>{</a:t>
-            </a:r>
-          </a:p>
-          <a:p>
-            <a:pPr marL="36000" indent="0">
-              <a:lnSpc>
-                <a:spcPct val="100000"/>
-              </a:lnSpc>
-              <a:spcBef>
-                <a:spcPts val="600"/>
-              </a:spcBef>
-              <a:spcAft>
-                <a:spcPts val="0"/>
-              </a:spcAft>
-            </a:pPr>
-            <a:r>
-              <a:rPr lang="en-GB" sz="1100" dirty="0"/>
-              <a:t>    "</a:t>
-            </a:r>
-            <a:r>
-              <a:rPr lang="en-GB" sz="1100" dirty="0" err="1"/>
-              <a:t>outputSpeech</a:t>
-            </a:r>
-            <a:r>
-              <a:rPr lang="en-GB" sz="1100" dirty="0"/>
-              <a:t>": {</a:t>
-            </a:r>
-          </a:p>
-          <a:p>
-            <a:pPr marL="36000" indent="0">
-              <a:lnSpc>
-                <a:spcPct val="100000"/>
-              </a:lnSpc>
-              <a:spcBef>
-                <a:spcPts val="600"/>
-              </a:spcBef>
-              <a:spcAft>
-                <a:spcPts val="0"/>
-              </a:spcAft>
-            </a:pPr>
-            <a:r>
-              <a:rPr lang="en-GB" sz="1100" dirty="0"/>
-              <a:t>      "type": "</a:t>
-            </a:r>
-            <a:r>
-              <a:rPr lang="en-GB" sz="1100" dirty="0" err="1"/>
-              <a:t>PlainText</a:t>
-            </a:r>
-            <a:r>
-              <a:rPr lang="en-GB" sz="1100" dirty="0"/>
-              <a:t>",</a:t>
-            </a:r>
-          </a:p>
-          <a:p>
-            <a:pPr marL="36000" indent="0">
-              <a:lnSpc>
-                <a:spcPct val="100000"/>
-              </a:lnSpc>
-              <a:spcBef>
-                <a:spcPts val="600"/>
-              </a:spcBef>
-              <a:spcAft>
-                <a:spcPts val="0"/>
-              </a:spcAft>
-            </a:pPr>
-            <a:r>
-              <a:rPr lang="en-GB" sz="1100" dirty="0"/>
-              <a:t>      "text": "Playing the requested song."</a:t>
-            </a:r>
-          </a:p>
-          <a:p>
-            <a:pPr marL="36000" indent="0">
-              <a:lnSpc>
-                <a:spcPct val="100000"/>
-              </a:lnSpc>
-              <a:spcBef>
-                <a:spcPts val="600"/>
-              </a:spcBef>
-              <a:spcAft>
-                <a:spcPts val="0"/>
-              </a:spcAft>
-            </a:pPr>
-            <a:r>
-              <a:rPr lang="en-GB" sz="1100" dirty="0"/>
-              <a:t>    },</a:t>
-            </a:r>
-          </a:p>
-          <a:p>
-            <a:pPr marL="36000" indent="0">
-              <a:lnSpc>
-                <a:spcPct val="100000"/>
-              </a:lnSpc>
-              <a:spcBef>
-                <a:spcPts val="600"/>
-              </a:spcBef>
-              <a:spcAft>
-                <a:spcPts val="0"/>
-              </a:spcAft>
-            </a:pPr>
-            <a:r>
-              <a:rPr lang="en-GB" sz="1100" dirty="0"/>
-              <a:t>    </a:t>
-            </a:r>
-            <a:r>
-              <a:rPr lang="en-GB" sz="1100" b="1" dirty="0"/>
-              <a:t>"directives": </a:t>
-            </a:r>
-            <a:r>
-              <a:rPr lang="en-GB" sz="1100" dirty="0"/>
-              <a:t>[</a:t>
-            </a:r>
-          </a:p>
-          <a:p>
-            <a:pPr marL="36000" indent="0">
-              <a:lnSpc>
-                <a:spcPct val="100000"/>
-              </a:lnSpc>
-              <a:spcBef>
-                <a:spcPts val="600"/>
-              </a:spcBef>
-              <a:spcAft>
-                <a:spcPts val="0"/>
-              </a:spcAft>
-            </a:pPr>
-            <a:r>
-              <a:rPr lang="en-GB" sz="1100" dirty="0"/>
-              <a:t>      {</a:t>
-            </a:r>
-          </a:p>
-          <a:p>
-            <a:pPr marL="36000" indent="0">
-              <a:lnSpc>
-                <a:spcPct val="100000"/>
-              </a:lnSpc>
-              <a:spcBef>
-                <a:spcPts val="600"/>
-              </a:spcBef>
-              <a:spcAft>
-                <a:spcPts val="0"/>
-              </a:spcAft>
-            </a:pPr>
-            <a:r>
-              <a:rPr lang="en-GB" sz="1100" dirty="0"/>
-              <a:t>        "type": "</a:t>
-            </a:r>
-            <a:r>
-              <a:rPr lang="en-GB" sz="1100" dirty="0" err="1"/>
-              <a:t>AudioPlayer.Play</a:t>
-            </a:r>
-            <a:r>
-              <a:rPr lang="en-GB" sz="1100" dirty="0"/>
-              <a:t>",</a:t>
-            </a:r>
-          </a:p>
-          <a:p>
-            <a:pPr marL="36000" indent="0">
-              <a:lnSpc>
-                <a:spcPct val="100000"/>
-              </a:lnSpc>
-              <a:spcBef>
-                <a:spcPts val="600"/>
-              </a:spcBef>
-              <a:spcAft>
-                <a:spcPts val="0"/>
-              </a:spcAft>
-            </a:pPr>
-            <a:r>
-              <a:rPr lang="en-GB" sz="1100" dirty="0"/>
-              <a:t>        "</a:t>
-            </a:r>
-            <a:r>
-              <a:rPr lang="en-GB" sz="1100" dirty="0" err="1"/>
-              <a:t>playBehavior</a:t>
-            </a:r>
-            <a:r>
-              <a:rPr lang="en-GB" sz="1100" dirty="0"/>
-              <a:t>": "ENQUEUE",</a:t>
-            </a:r>
-          </a:p>
-          <a:p>
-            <a:pPr marL="36000" indent="0">
-              <a:lnSpc>
-                <a:spcPct val="100000"/>
-              </a:lnSpc>
-              <a:spcBef>
-                <a:spcPts val="600"/>
-              </a:spcBef>
-              <a:spcAft>
-                <a:spcPts val="0"/>
-              </a:spcAft>
-            </a:pPr>
-            <a:r>
-              <a:rPr lang="en-GB" sz="1100" dirty="0"/>
-              <a:t>      }</a:t>
-            </a:r>
-          </a:p>
-          <a:p>
-            <a:pPr marL="36000" indent="0">
-              <a:lnSpc>
-                <a:spcPct val="100000"/>
-              </a:lnSpc>
-              <a:spcBef>
-                <a:spcPts val="600"/>
-              </a:spcBef>
-              <a:spcAft>
-                <a:spcPts val="0"/>
-              </a:spcAft>
-            </a:pPr>
-            <a:r>
-              <a:rPr lang="en-GB" sz="1100" dirty="0"/>
-              <a:t>    }</a:t>
-            </a:r>
-          </a:p>
-          <a:p>
-            <a:pPr marL="36000" indent="0">
-              <a:lnSpc>
-                <a:spcPct val="100000"/>
-              </a:lnSpc>
-              <a:spcBef>
-                <a:spcPts val="600"/>
-              </a:spcBef>
-              <a:spcAft>
-                <a:spcPts val="0"/>
-              </a:spcAft>
-            </a:pPr>
-            <a:r>
-              <a:rPr lang="en-GB" sz="1100" dirty="0"/>
-              <a:t>  }    </a:t>
-            </a:r>
-          </a:p>
-        </p:txBody>
-      </p:sp>
-    </p:spTree>
-    <p:extLst>
-      <p:ext uri="{BB962C8B-B14F-4D97-AF65-F5344CB8AC3E}">
-        <p14:creationId xmlns:p14="http://schemas.microsoft.com/office/powerpoint/2010/main" val="3934026767"/>
-      </p:ext>
-    </p:extLst>
-  </p:cSld>
-  <p:clrMapOvr>
-    <a:masterClrMapping/>
-  </p:clrMapOvr>
-</p:sld>
-</file>
-
 <file path=ppt/slides/slide14.xml><?xml version="1.0" encoding="utf-8"?>
 <p:sld xmlns:a="http://schemas.openxmlformats.org/drawingml/2006/main" xmlns:r="http://schemas.openxmlformats.org/officeDocument/2006/relationships" xmlns:p="http://schemas.openxmlformats.org/presentationml/2006/main">
   <p:cSld>
@@ -9288,7 +9386,7 @@
           <p:cNvPr id="2" name="Title 1">
             <a:extLst>
               <a:ext uri="{FF2B5EF4-FFF2-40B4-BE49-F238E27FC236}">
-                <a16:creationId xmlns:a16="http://schemas.microsoft.com/office/drawing/2014/main" id="{3927750E-CF28-4B48-A10B-BC02EB9CD0FA}"/>
+                <a16:creationId xmlns:a16="http://schemas.microsoft.com/office/drawing/2014/main" id="{D390B2F6-27EF-4CEB-AEE8-484A64B31F4A}"/>
               </a:ext>
             </a:extLst>
           </p:cNvPr>
@@ -9305,19 +9403,18 @@
           <a:lstStyle/>
           <a:p>
             <a:r>
-              <a:rPr lang="en-US" dirty="0"/>
-              <a:t>AWS Lambda</a:t>
-            </a:r>
-            <a:endParaRPr lang="en-GB" dirty="0"/>
+              <a:rPr lang="en-GB" dirty="0"/>
+              <a:t>Request Lifecycle</a:t>
+            </a:r>
           </a:p>
         </p:txBody>
       </p:sp>
       <p:sp>
         <p:nvSpPr>
-          <p:cNvPr id="3" name="Content Placeholder 2">
+          <p:cNvPr id="15" name="Content Placeholder 14">
             <a:extLst>
               <a:ext uri="{FF2B5EF4-FFF2-40B4-BE49-F238E27FC236}">
-                <a16:creationId xmlns:a16="http://schemas.microsoft.com/office/drawing/2014/main" id="{F82C128F-C733-41C5-BA02-69C5A8077248}"/>
+                <a16:creationId xmlns:a16="http://schemas.microsoft.com/office/drawing/2014/main" id="{DE436AEA-5393-4801-95C1-0C5A55B32847}"/>
               </a:ext>
             </a:extLst>
           </p:cNvPr>
@@ -9328,256 +9425,386 @@
             <p:ph idx="1"/>
           </p:nvPr>
         </p:nvSpPr>
-        <p:spPr/>
+        <p:spPr>
+          <a:xfrm>
+            <a:off x="5738552" y="834352"/>
+            <a:ext cx="10058400" cy="5317066"/>
+          </a:xfrm>
+          <a:solidFill>
+            <a:schemeClr val="bg1"/>
+          </a:solidFill>
+        </p:spPr>
         <p:txBody>
-          <a:bodyPr/>
+          <a:bodyPr>
+            <a:noAutofit/>
+          </a:bodyPr>
           <a:lstStyle/>
           <a:p>
-            <a:r>
-              <a:rPr lang="en-GB" dirty="0"/>
-              <a:t>Quicker to get working</a:t>
-            </a:r>
-          </a:p>
-          <a:p>
-            <a:r>
-              <a:rPr lang="en-GB" dirty="0"/>
-              <a:t>Secure by Default</a:t>
-            </a:r>
-          </a:p>
-          <a:p>
-            <a:r>
-              <a:rPr lang="en-GB" dirty="0"/>
-              <a:t>Free!</a:t>
-            </a:r>
-          </a:p>
-          <a:p>
-            <a:endParaRPr lang="en-GB" dirty="0"/>
+            <a:pPr marL="36000" indent="0">
+              <a:lnSpc>
+                <a:spcPct val="100000"/>
+              </a:lnSpc>
+              <a:spcBef>
+                <a:spcPts val="600"/>
+              </a:spcBef>
+              <a:spcAft>
+                <a:spcPts val="0"/>
+              </a:spcAft>
+            </a:pPr>
+            <a:r>
+              <a:rPr lang="en-GB" sz="1600" dirty="0"/>
+              <a:t>{</a:t>
+            </a:r>
+          </a:p>
+          <a:p>
+            <a:pPr marL="36000" indent="0">
+              <a:lnSpc>
+                <a:spcPct val="100000"/>
+              </a:lnSpc>
+              <a:spcBef>
+                <a:spcPts val="600"/>
+              </a:spcBef>
+              <a:spcAft>
+                <a:spcPts val="0"/>
+              </a:spcAft>
+            </a:pPr>
+            <a:r>
+              <a:rPr lang="en-GB" sz="1600" dirty="0"/>
+              <a:t>  "version": "1.0",</a:t>
+            </a:r>
+          </a:p>
+          <a:p>
+            <a:pPr marL="36000" indent="0">
+              <a:lnSpc>
+                <a:spcPct val="100000"/>
+              </a:lnSpc>
+              <a:spcBef>
+                <a:spcPts val="600"/>
+              </a:spcBef>
+              <a:spcAft>
+                <a:spcPts val="0"/>
+              </a:spcAft>
+            </a:pPr>
+            <a:r>
+              <a:rPr lang="en-GB" sz="1600" dirty="0"/>
+              <a:t>  </a:t>
+            </a:r>
+            <a:r>
+              <a:rPr lang="en-GB" sz="1600" b="1" dirty="0"/>
+              <a:t>"</a:t>
+            </a:r>
+            <a:r>
+              <a:rPr lang="en-GB" sz="1600" b="1" dirty="0" err="1"/>
+              <a:t>sessionAttributes</a:t>
+            </a:r>
+            <a:r>
+              <a:rPr lang="en-GB" sz="1600" b="1" dirty="0"/>
+              <a:t>": </a:t>
+            </a:r>
+            <a:r>
+              <a:rPr lang="en-GB" sz="1600" dirty="0"/>
+              <a:t>{},</a:t>
+            </a:r>
+          </a:p>
+          <a:p>
+            <a:pPr marL="36000" indent="0">
+              <a:lnSpc>
+                <a:spcPct val="100000"/>
+              </a:lnSpc>
+              <a:spcBef>
+                <a:spcPts val="600"/>
+              </a:spcBef>
+              <a:spcAft>
+                <a:spcPts val="0"/>
+              </a:spcAft>
+            </a:pPr>
+            <a:r>
+              <a:rPr lang="en-GB" sz="1600" dirty="0"/>
+              <a:t>  </a:t>
+            </a:r>
+            <a:r>
+              <a:rPr lang="en-GB" sz="1600" b="1" dirty="0"/>
+              <a:t>"response": </a:t>
+            </a:r>
+            <a:r>
+              <a:rPr lang="en-GB" sz="1600" dirty="0"/>
+              <a:t>{</a:t>
+            </a:r>
+          </a:p>
+          <a:p>
+            <a:pPr marL="36000" indent="0">
+              <a:lnSpc>
+                <a:spcPct val="100000"/>
+              </a:lnSpc>
+              <a:spcBef>
+                <a:spcPts val="600"/>
+              </a:spcBef>
+              <a:spcAft>
+                <a:spcPts val="0"/>
+              </a:spcAft>
+            </a:pPr>
+            <a:r>
+              <a:rPr lang="en-GB" sz="1600" dirty="0"/>
+              <a:t>    "</a:t>
+            </a:r>
+            <a:r>
+              <a:rPr lang="en-GB" sz="1600" dirty="0" err="1"/>
+              <a:t>outputSpeech</a:t>
+            </a:r>
+            <a:r>
+              <a:rPr lang="en-GB" sz="1600" dirty="0"/>
+              <a:t>": {</a:t>
+            </a:r>
+          </a:p>
+          <a:p>
+            <a:pPr marL="36000" indent="0">
+              <a:lnSpc>
+                <a:spcPct val="100000"/>
+              </a:lnSpc>
+              <a:spcBef>
+                <a:spcPts val="600"/>
+              </a:spcBef>
+              <a:spcAft>
+                <a:spcPts val="0"/>
+              </a:spcAft>
+            </a:pPr>
+            <a:r>
+              <a:rPr lang="en-GB" sz="1600" dirty="0"/>
+              <a:t>      "type": "</a:t>
+            </a:r>
+            <a:r>
+              <a:rPr lang="en-GB" sz="1600" dirty="0" err="1"/>
+              <a:t>PlainText</a:t>
+            </a:r>
+            <a:r>
+              <a:rPr lang="en-GB" sz="1600" dirty="0"/>
+              <a:t>",</a:t>
+            </a:r>
+          </a:p>
+          <a:p>
+            <a:pPr marL="36000" indent="0">
+              <a:lnSpc>
+                <a:spcPct val="100000"/>
+              </a:lnSpc>
+              <a:spcBef>
+                <a:spcPts val="600"/>
+              </a:spcBef>
+              <a:spcAft>
+                <a:spcPts val="0"/>
+              </a:spcAft>
+            </a:pPr>
+            <a:r>
+              <a:rPr lang="en-GB" sz="1600" dirty="0"/>
+              <a:t>      "text": "Playing the requested song."</a:t>
+            </a:r>
+          </a:p>
+          <a:p>
+            <a:pPr marL="36000" indent="0">
+              <a:lnSpc>
+                <a:spcPct val="100000"/>
+              </a:lnSpc>
+              <a:spcBef>
+                <a:spcPts val="600"/>
+              </a:spcBef>
+              <a:spcAft>
+                <a:spcPts val="0"/>
+              </a:spcAft>
+            </a:pPr>
+            <a:r>
+              <a:rPr lang="en-GB" sz="1600" dirty="0"/>
+              <a:t>    },</a:t>
+            </a:r>
+          </a:p>
+          <a:p>
+            <a:pPr marL="36000" indent="0">
+              <a:lnSpc>
+                <a:spcPct val="100000"/>
+              </a:lnSpc>
+              <a:spcBef>
+                <a:spcPts val="600"/>
+              </a:spcBef>
+              <a:spcAft>
+                <a:spcPts val="0"/>
+              </a:spcAft>
+            </a:pPr>
+            <a:r>
+              <a:rPr lang="en-GB" sz="1600" dirty="0"/>
+              <a:t>    </a:t>
+            </a:r>
+            <a:r>
+              <a:rPr lang="en-GB" sz="1600" b="1" dirty="0"/>
+              <a:t>"directives": </a:t>
+            </a:r>
+            <a:r>
+              <a:rPr lang="en-GB" sz="1600" dirty="0"/>
+              <a:t>[</a:t>
+            </a:r>
+          </a:p>
+          <a:p>
+            <a:pPr marL="36000" indent="0">
+              <a:lnSpc>
+                <a:spcPct val="100000"/>
+              </a:lnSpc>
+              <a:spcBef>
+                <a:spcPts val="600"/>
+              </a:spcBef>
+              <a:spcAft>
+                <a:spcPts val="0"/>
+              </a:spcAft>
+            </a:pPr>
+            <a:r>
+              <a:rPr lang="en-GB" sz="1600" dirty="0"/>
+              <a:t>      {</a:t>
+            </a:r>
+          </a:p>
+          <a:p>
+            <a:pPr marL="36000" indent="0">
+              <a:lnSpc>
+                <a:spcPct val="100000"/>
+              </a:lnSpc>
+              <a:spcBef>
+                <a:spcPts val="600"/>
+              </a:spcBef>
+              <a:spcAft>
+                <a:spcPts val="0"/>
+              </a:spcAft>
+            </a:pPr>
+            <a:r>
+              <a:rPr lang="en-GB" sz="1600" dirty="0"/>
+              <a:t>        "type": "</a:t>
+            </a:r>
+            <a:r>
+              <a:rPr lang="en-GB" sz="1600" dirty="0" err="1"/>
+              <a:t>AudioPlayer.Play</a:t>
+            </a:r>
+            <a:r>
+              <a:rPr lang="en-GB" sz="1600" dirty="0"/>
+              <a:t>",</a:t>
+            </a:r>
+          </a:p>
+          <a:p>
+            <a:pPr marL="36000" indent="0">
+              <a:lnSpc>
+                <a:spcPct val="100000"/>
+              </a:lnSpc>
+              <a:spcBef>
+                <a:spcPts val="600"/>
+              </a:spcBef>
+              <a:spcAft>
+                <a:spcPts val="0"/>
+              </a:spcAft>
+            </a:pPr>
+            <a:r>
+              <a:rPr lang="en-GB" sz="1600" dirty="0"/>
+              <a:t>        "</a:t>
+            </a:r>
+            <a:r>
+              <a:rPr lang="en-GB" sz="1600" dirty="0" err="1"/>
+              <a:t>playBehavior</a:t>
+            </a:r>
+            <a:r>
+              <a:rPr lang="en-GB" sz="1600" dirty="0"/>
+              <a:t>": "ENQUEUE",</a:t>
+            </a:r>
+          </a:p>
+          <a:p>
+            <a:pPr marL="36000" indent="0">
+              <a:lnSpc>
+                <a:spcPct val="100000"/>
+              </a:lnSpc>
+              <a:spcBef>
+                <a:spcPts val="600"/>
+              </a:spcBef>
+              <a:spcAft>
+                <a:spcPts val="0"/>
+              </a:spcAft>
+            </a:pPr>
+            <a:r>
+              <a:rPr lang="en-GB" sz="1600" dirty="0"/>
+              <a:t>      }</a:t>
+            </a:r>
+          </a:p>
+          <a:p>
+            <a:pPr marL="36000" indent="0">
+              <a:lnSpc>
+                <a:spcPct val="100000"/>
+              </a:lnSpc>
+              <a:spcBef>
+                <a:spcPts val="600"/>
+              </a:spcBef>
+              <a:spcAft>
+                <a:spcPts val="0"/>
+              </a:spcAft>
+            </a:pPr>
+            <a:r>
+              <a:rPr lang="en-GB" sz="1600" dirty="0"/>
+              <a:t>    }</a:t>
+            </a:r>
+          </a:p>
+          <a:p>
+            <a:pPr marL="36000" indent="0">
+              <a:lnSpc>
+                <a:spcPct val="100000"/>
+              </a:lnSpc>
+              <a:spcBef>
+                <a:spcPts val="600"/>
+              </a:spcBef>
+              <a:spcAft>
+                <a:spcPts val="0"/>
+              </a:spcAft>
+            </a:pPr>
+            <a:r>
+              <a:rPr lang="en-GB" sz="1600" dirty="0"/>
+              <a:t>  }    </a:t>
+            </a:r>
+          </a:p>
+        </p:txBody>
+      </p:sp>
+      <p:sp>
+        <p:nvSpPr>
+          <p:cNvPr id="3" name="TextBox 2">
+            <a:extLst>
+              <a:ext uri="{FF2B5EF4-FFF2-40B4-BE49-F238E27FC236}">
+                <a16:creationId xmlns:a16="http://schemas.microsoft.com/office/drawing/2014/main" id="{8CAC33A0-C0A1-AD4E-8300-B409E4E1C7FA}"/>
+              </a:ext>
+            </a:extLst>
+          </p:cNvPr>
+          <p:cNvSpPr txBox="1"/>
+          <p:nvPr/>
+        </p:nvSpPr>
+        <p:spPr>
+          <a:xfrm>
+            <a:off x="1097280" y="1967345"/>
+            <a:ext cx="1615314" cy="369332"/>
+          </a:xfrm>
+          <a:prstGeom prst="rect">
+            <a:avLst/>
+          </a:prstGeom>
+          <a:noFill/>
+        </p:spPr>
+        <p:txBody>
+          <a:bodyPr wrap="none" rtlCol="0">
+            <a:spAutoFit/>
+          </a:bodyPr>
+          <a:lstStyle/>
+          <a:p>
+            <a:r>
+              <a:rPr lang="en-US" dirty="0"/>
+              <a:t>Response JSON</a:t>
+            </a:r>
           </a:p>
         </p:txBody>
       </p:sp>
     </p:spTree>
     <p:extLst>
       <p:ext uri="{BB962C8B-B14F-4D97-AF65-F5344CB8AC3E}">
-        <p14:creationId xmlns:p14="http://schemas.microsoft.com/office/powerpoint/2010/main" val="2812971532"/>
+        <p14:creationId xmlns:p14="http://schemas.microsoft.com/office/powerpoint/2010/main" val="3934026767"/>
       </p:ext>
     </p:extLst>
   </p:cSld>
   <p:clrMapOvr>
     <a:masterClrMapping/>
   </p:clrMapOvr>
-  <p:timing>
-    <p:tnLst>
-      <p:par>
-        <p:cTn id="1" dur="indefinite" restart="never" nodeType="tmRoot">
-          <p:childTnLst>
-            <p:seq concurrent="1" nextAc="seek">
-              <p:cTn id="2" dur="indefinite" nodeType="mainSeq">
-                <p:childTnLst>
-                  <p:par>
-                    <p:cTn id="3" fill="hold">
-                      <p:stCondLst>
-                        <p:cond delay="indefinite"/>
-                      </p:stCondLst>
-                      <p:childTnLst>
-                        <p:par>
-                          <p:cTn id="4" fill="hold">
-                            <p:stCondLst>
-                              <p:cond delay="0"/>
-                            </p:stCondLst>
-                            <p:childTnLst>
-                              <p:par>
-                                <p:cTn id="5" presetID="10" presetClass="entr" presetSubtype="0" fill="hold" nodeType="clickEffect">
-                                  <p:stCondLst>
-                                    <p:cond delay="0"/>
-                                  </p:stCondLst>
-                                  <p:childTnLst>
-                                    <p:set>
-                                      <p:cBhvr>
-                                        <p:cTn id="6" dur="1" fill="hold">
-                                          <p:stCondLst>
-                                            <p:cond delay="0"/>
-                                          </p:stCondLst>
-                                        </p:cTn>
-                                        <p:tgtEl>
-                                          <p:spTgt spid="3">
-                                            <p:txEl>
-                                              <p:pRg st="0" end="0"/>
-                                            </p:txEl>
-                                          </p:spTgt>
-                                        </p:tgtEl>
-                                        <p:attrNameLst>
-                                          <p:attrName>style.visibility</p:attrName>
-                                        </p:attrNameLst>
-                                      </p:cBhvr>
-                                      <p:to>
-                                        <p:strVal val="visible"/>
-                                      </p:to>
-                                    </p:set>
-                                    <p:animEffect transition="in" filter="fade">
-                                      <p:cBhvr>
-                                        <p:cTn id="7" dur="500"/>
-                                        <p:tgtEl>
-                                          <p:spTgt spid="3">
-                                            <p:txEl>
-                                              <p:pRg st="0" end="0"/>
-                                            </p:txEl>
-                                          </p:spTgt>
-                                        </p:tgtEl>
-                                      </p:cBhvr>
-                                    </p:animEffect>
-                                  </p:childTnLst>
-                                </p:cTn>
-                              </p:par>
-                            </p:childTnLst>
-                          </p:cTn>
-                        </p:par>
-                      </p:childTnLst>
-                    </p:cTn>
-                  </p:par>
-                  <p:par>
-                    <p:cTn id="8" fill="hold">
-                      <p:stCondLst>
-                        <p:cond delay="indefinite"/>
-                      </p:stCondLst>
-                      <p:childTnLst>
-                        <p:par>
-                          <p:cTn id="9" fill="hold">
-                            <p:stCondLst>
-                              <p:cond delay="0"/>
-                            </p:stCondLst>
-                            <p:childTnLst>
-                              <p:par>
-                                <p:cTn id="10" presetID="10" presetClass="entr" presetSubtype="0" fill="hold" nodeType="clickEffect">
-                                  <p:stCondLst>
-                                    <p:cond delay="0"/>
-                                  </p:stCondLst>
-                                  <p:childTnLst>
-                                    <p:set>
-                                      <p:cBhvr>
-                                        <p:cTn id="11" dur="1" fill="hold">
-                                          <p:stCondLst>
-                                            <p:cond delay="0"/>
-                                          </p:stCondLst>
-                                        </p:cTn>
-                                        <p:tgtEl>
-                                          <p:spTgt spid="3">
-                                            <p:txEl>
-                                              <p:pRg st="1" end="1"/>
-                                            </p:txEl>
-                                          </p:spTgt>
-                                        </p:tgtEl>
-                                        <p:attrNameLst>
-                                          <p:attrName>style.visibility</p:attrName>
-                                        </p:attrNameLst>
-                                      </p:cBhvr>
-                                      <p:to>
-                                        <p:strVal val="visible"/>
-                                      </p:to>
-                                    </p:set>
-                                    <p:animEffect transition="in" filter="fade">
-                                      <p:cBhvr>
-                                        <p:cTn id="12" dur="500"/>
-                                        <p:tgtEl>
-                                          <p:spTgt spid="3">
-                                            <p:txEl>
-                                              <p:pRg st="1" end="1"/>
-                                            </p:txEl>
-                                          </p:spTgt>
-                                        </p:tgtEl>
-                                      </p:cBhvr>
-                                    </p:animEffect>
-                                  </p:childTnLst>
-                                </p:cTn>
-                              </p:par>
-                            </p:childTnLst>
-                          </p:cTn>
-                        </p:par>
-                      </p:childTnLst>
-                    </p:cTn>
-                  </p:par>
-                  <p:par>
-                    <p:cTn id="13" fill="hold">
-                      <p:stCondLst>
-                        <p:cond delay="indefinite"/>
-                      </p:stCondLst>
-                      <p:childTnLst>
-                        <p:par>
-                          <p:cTn id="14" fill="hold">
-                            <p:stCondLst>
-                              <p:cond delay="0"/>
-                            </p:stCondLst>
-                            <p:childTnLst>
-                              <p:par>
-                                <p:cTn id="15" presetID="10" presetClass="entr" presetSubtype="0" fill="hold" nodeType="clickEffect">
-                                  <p:stCondLst>
-                                    <p:cond delay="0"/>
-                                  </p:stCondLst>
-                                  <p:childTnLst>
-                                    <p:set>
-                                      <p:cBhvr>
-                                        <p:cTn id="16" dur="1" fill="hold">
-                                          <p:stCondLst>
-                                            <p:cond delay="0"/>
-                                          </p:stCondLst>
-                                        </p:cTn>
-                                        <p:tgtEl>
-                                          <p:spTgt spid="3">
-                                            <p:txEl>
-                                              <p:pRg st="2" end="2"/>
-                                            </p:txEl>
-                                          </p:spTgt>
-                                        </p:tgtEl>
-                                        <p:attrNameLst>
-                                          <p:attrName>style.visibility</p:attrName>
-                                        </p:attrNameLst>
-                                      </p:cBhvr>
-                                      <p:to>
-                                        <p:strVal val="visible"/>
-                                      </p:to>
-                                    </p:set>
-                                    <p:animEffect transition="in" filter="fade">
-                                      <p:cBhvr>
-                                        <p:cTn id="17" dur="500"/>
-                                        <p:tgtEl>
-                                          <p:spTgt spid="3">
-                                            <p:txEl>
-                                              <p:pRg st="2" end="2"/>
-                                            </p:txEl>
-                                          </p:spTgt>
-                                        </p:tgtEl>
-                                      </p:cBhvr>
-                                    </p:animEffect>
-                                  </p:childTnLst>
-                                </p:cTn>
-                              </p:par>
-                            </p:childTnLst>
-                          </p:cTn>
-                        </p:par>
-                      </p:childTnLst>
-                    </p:cTn>
-                  </p:par>
-                </p:childTnLst>
-              </p:cTn>
-              <p:prevCondLst>
-                <p:cond evt="onPrev" delay="0">
-                  <p:tgtEl>
-                    <p:sldTgt/>
-                  </p:tgtEl>
-                </p:cond>
-              </p:prevCondLst>
-              <p:nextCondLst>
-                <p:cond evt="onNext" delay="0">
-                  <p:tgtEl>
-                    <p:sldTgt/>
-                  </p:tgtEl>
-                </p:cond>
-              </p:nextCondLst>
-            </p:seq>
-          </p:childTnLst>
-        </p:cTn>
-      </p:par>
-    </p:tnLst>
-  </p:timing>
 </p:sld>
 </file>
 
@@ -14340,6 +14567,12 @@
             </a:r>
           </a:p>
           <a:p>
+            <a:r>
+              <a:rPr lang="en-GB" dirty="0"/>
+              <a:t>Alexa Sound Library</a:t>
+            </a:r>
+          </a:p>
+          <a:p>
             <a:endParaRPr lang="en-GB" dirty="0"/>
           </a:p>
           <a:p>
@@ -14616,7 +14849,7 @@
                                         <p:tgtEl>
                                           <p:spTgt spid="3">
                                             <p:txEl>
-                                              <p:pRg st="4" end="4"/>
+                                              <p:pRg st="3" end="3"/>
                                             </p:txEl>
                                           </p:spTgt>
                                         </p:tgtEl>
@@ -14634,7 +14867,68 @@
                                         <p:tgtEl>
                                           <p:spTgt spid="3">
                                             <p:txEl>
-                                              <p:pRg st="4" end="4"/>
+                                              <p:pRg st="3" end="3"/>
+                                            </p:txEl>
+                                          </p:spTgt>
+                                        </p:tgtEl>
+                                      </p:cBhvr>
+                                    </p:animEffect>
+                                  </p:childTnLst>
+                                </p:cTn>
+                              </p:par>
+                            </p:childTnLst>
+                          </p:cTn>
+                        </p:par>
+                      </p:childTnLst>
+                    </p:cTn>
+                  </p:par>
+                  <p:par>
+                    <p:cTn id="23" fill="hold">
+                      <p:stCondLst>
+                        <p:cond delay="indefinite"/>
+                      </p:stCondLst>
+                      <p:childTnLst>
+                        <p:par>
+                          <p:cTn id="24" fill="hold">
+                            <p:stCondLst>
+                              <p:cond delay="0"/>
+                            </p:stCondLst>
+                            <p:childTnLst>
+                              <p:par>
+                                <p:cTn id="25" presetID="10" presetClass="entr" presetSubtype="0" fill="hold" nodeType="clickEffect">
+                                  <p:stCondLst>
+                                    <p:cond delay="0"/>
+                                  </p:stCondLst>
+                                  <p:childTnLst>
+                                    <p:set>
+                                      <p:cBhvr>
+                                        <p:cTn id="26" dur="1" fill="hold">
+                                          <p:stCondLst>
+                                            <p:cond delay="0"/>
+                                          </p:stCondLst>
+                                        </p:cTn>
+                                        <p:tgtEl>
+                                          <p:spTgt spid="3">
+                                            <p:txEl>
+                                              <p:pRg st="5" end="5"/>
+                                            </p:txEl>
+                                          </p:spTgt>
+                                        </p:tgtEl>
+                                        <p:attrNameLst>
+                                          <p:attrName>style.visibility</p:attrName>
+                                        </p:attrNameLst>
+                                      </p:cBhvr>
+                                      <p:to>
+                                        <p:strVal val="visible"/>
+                                      </p:to>
+                                    </p:set>
+                                    <p:animEffect transition="in" filter="fade">
+                                      <p:cBhvr>
+                                        <p:cTn id="27" dur="500"/>
+                                        <p:tgtEl>
+                                          <p:spTgt spid="3">
+                                            <p:txEl>
+                                              <p:pRg st="5" end="5"/>
                                             </p:txEl>
                                           </p:spTgt>
                                         </p:tgtEl>
@@ -20545,8 +20839,8 @@
         </p:blipFill>
         <p:spPr>
           <a:xfrm>
-            <a:off x="3829218" y="1846263"/>
-            <a:ext cx="4593890" cy="4022725"/>
+            <a:off x="5117691" y="286603"/>
+            <a:ext cx="6783364" cy="5939979"/>
           </a:xfrm>
         </p:spPr>
       </p:pic>

--- a/Presentation/VoiceAndMore.pptx
+++ b/Presentation/VoiceAndMore.pptx
@@ -9,20 +9,20 @@
   </p:notesMasterIdLst>
   <p:sldIdLst>
     <p:sldId id="256" r:id="rId2"/>
-    <p:sldId id="264" r:id="rId3"/>
-    <p:sldId id="287" r:id="rId4"/>
-    <p:sldId id="267" r:id="rId5"/>
-    <p:sldId id="271" r:id="rId6"/>
-    <p:sldId id="272" r:id="rId7"/>
-    <p:sldId id="273" r:id="rId8"/>
-    <p:sldId id="269" r:id="rId9"/>
-    <p:sldId id="274" r:id="rId10"/>
-    <p:sldId id="270" r:id="rId11"/>
-    <p:sldId id="277" r:id="rId12"/>
-    <p:sldId id="276" r:id="rId13"/>
-    <p:sldId id="275" r:id="rId14"/>
-    <p:sldId id="281" r:id="rId15"/>
-    <p:sldId id="280" r:id="rId16"/>
+    <p:sldId id="267" r:id="rId3"/>
+    <p:sldId id="271" r:id="rId4"/>
+    <p:sldId id="264" r:id="rId5"/>
+    <p:sldId id="287" r:id="rId6"/>
+    <p:sldId id="269" r:id="rId7"/>
+    <p:sldId id="274" r:id="rId8"/>
+    <p:sldId id="270" r:id="rId9"/>
+    <p:sldId id="277" r:id="rId10"/>
+    <p:sldId id="276" r:id="rId11"/>
+    <p:sldId id="281" r:id="rId12"/>
+    <p:sldId id="280" r:id="rId13"/>
+    <p:sldId id="293" r:id="rId14"/>
+    <p:sldId id="275" r:id="rId15"/>
+    <p:sldId id="292" r:id="rId16"/>
     <p:sldId id="278" r:id="rId17"/>
     <p:sldId id="279" r:id="rId18"/>
     <p:sldId id="282" r:id="rId19"/>
@@ -227,7 +227,7 @@
           <a:p>
             <a:fld id="{BA7A3A7E-D51C-5645-9750-0EDA095A44D4}" type="datetimeFigureOut">
               <a:rPr lang="en-US" smtClean="0"/>
-              <a:t>3/23/18</a:t>
+              <a:t>3/24/2018</a:t>
             </a:fld>
             <a:endParaRPr lang="en-US"/>
           </a:p>
@@ -568,7 +568,7 @@
     </p:spTree>
     <p:extLst>
       <p:ext uri="{BB962C8B-B14F-4D97-AF65-F5344CB8AC3E}">
-        <p14:creationId xmlns:p14="http://schemas.microsoft.com/office/powerpoint/2010/main" val="3415800463"/>
+        <p14:creationId xmlns:p14="http://schemas.microsoft.com/office/powerpoint/2010/main" val="2894406009"/>
       </p:ext>
     </p:extLst>
   </p:cSld>
@@ -652,7 +652,7 @@
     </p:spTree>
     <p:extLst>
       <p:ext uri="{BB962C8B-B14F-4D97-AF65-F5344CB8AC3E}">
-        <p14:creationId xmlns:p14="http://schemas.microsoft.com/office/powerpoint/2010/main" val="2648180838"/>
+        <p14:creationId xmlns:p14="http://schemas.microsoft.com/office/powerpoint/2010/main" val="1352122975"/>
       </p:ext>
     </p:extLst>
   </p:cSld>
@@ -736,7 +736,7 @@
     </p:spTree>
     <p:extLst>
       <p:ext uri="{BB962C8B-B14F-4D97-AF65-F5344CB8AC3E}">
-        <p14:creationId xmlns:p14="http://schemas.microsoft.com/office/powerpoint/2010/main" val="144824541"/>
+        <p14:creationId xmlns:p14="http://schemas.microsoft.com/office/powerpoint/2010/main" val="1264546917"/>
       </p:ext>
     </p:extLst>
   </p:cSld>
@@ -820,7 +820,7 @@
     </p:spTree>
     <p:extLst>
       <p:ext uri="{BB962C8B-B14F-4D97-AF65-F5344CB8AC3E}">
-        <p14:creationId xmlns:p14="http://schemas.microsoft.com/office/powerpoint/2010/main" val="493167057"/>
+        <p14:creationId xmlns:p14="http://schemas.microsoft.com/office/powerpoint/2010/main" val="2220748473"/>
       </p:ext>
     </p:extLst>
   </p:cSld>
@@ -904,7 +904,7 @@
     </p:spTree>
     <p:extLst>
       <p:ext uri="{BB962C8B-B14F-4D97-AF65-F5344CB8AC3E}">
-        <p14:creationId xmlns:p14="http://schemas.microsoft.com/office/powerpoint/2010/main" val="1352122975"/>
+        <p14:creationId xmlns:p14="http://schemas.microsoft.com/office/powerpoint/2010/main" val="493167057"/>
       </p:ext>
     </p:extLst>
   </p:cSld>
@@ -988,7 +988,7 @@
     </p:spTree>
     <p:extLst>
       <p:ext uri="{BB962C8B-B14F-4D97-AF65-F5344CB8AC3E}">
-        <p14:creationId xmlns:p14="http://schemas.microsoft.com/office/powerpoint/2010/main" val="1264546917"/>
+        <p14:creationId xmlns:p14="http://schemas.microsoft.com/office/powerpoint/2010/main" val="2543648774"/>
       </p:ext>
     </p:extLst>
   </p:cSld>
@@ -1492,7 +1492,7 @@
     </p:spTree>
     <p:extLst>
       <p:ext uri="{BB962C8B-B14F-4D97-AF65-F5344CB8AC3E}">
-        <p14:creationId xmlns:p14="http://schemas.microsoft.com/office/powerpoint/2010/main" val="3630499441"/>
+        <p14:creationId xmlns:p14="http://schemas.microsoft.com/office/powerpoint/2010/main" val="3126507322"/>
       </p:ext>
     </p:extLst>
   </p:cSld>
@@ -1996,7 +1996,7 @@
     </p:spTree>
     <p:extLst>
       <p:ext uri="{BB962C8B-B14F-4D97-AF65-F5344CB8AC3E}">
-        <p14:creationId xmlns:p14="http://schemas.microsoft.com/office/powerpoint/2010/main" val="2894406009"/>
+        <p14:creationId xmlns:p14="http://schemas.microsoft.com/office/powerpoint/2010/main" val="3415800463"/>
       </p:ext>
     </p:extLst>
   </p:cSld>
@@ -2080,7 +2080,7 @@
     </p:spTree>
     <p:extLst>
       <p:ext uri="{BB962C8B-B14F-4D97-AF65-F5344CB8AC3E}">
-        <p14:creationId xmlns:p14="http://schemas.microsoft.com/office/powerpoint/2010/main" val="3126507322"/>
+        <p14:creationId xmlns:p14="http://schemas.microsoft.com/office/powerpoint/2010/main" val="3630499441"/>
       </p:ext>
     </p:extLst>
   </p:cSld>
@@ -2164,7 +2164,7 @@
     </p:spTree>
     <p:extLst>
       <p:ext uri="{BB962C8B-B14F-4D97-AF65-F5344CB8AC3E}">
-        <p14:creationId xmlns:p14="http://schemas.microsoft.com/office/powerpoint/2010/main" val="3709755510"/>
+        <p14:creationId xmlns:p14="http://schemas.microsoft.com/office/powerpoint/2010/main" val="484778775"/>
       </p:ext>
     </p:extLst>
   </p:cSld>
@@ -2248,7 +2248,7 @@
     </p:spTree>
     <p:extLst>
       <p:ext uri="{BB962C8B-B14F-4D97-AF65-F5344CB8AC3E}">
-        <p14:creationId xmlns:p14="http://schemas.microsoft.com/office/powerpoint/2010/main" val="4130851223"/>
+        <p14:creationId xmlns:p14="http://schemas.microsoft.com/office/powerpoint/2010/main" val="3782060416"/>
       </p:ext>
     </p:extLst>
   </p:cSld>
@@ -2332,7 +2332,7 @@
     </p:spTree>
     <p:extLst>
       <p:ext uri="{BB962C8B-B14F-4D97-AF65-F5344CB8AC3E}">
-        <p14:creationId xmlns:p14="http://schemas.microsoft.com/office/powerpoint/2010/main" val="484778775"/>
+        <p14:creationId xmlns:p14="http://schemas.microsoft.com/office/powerpoint/2010/main" val="60065422"/>
       </p:ext>
     </p:extLst>
   </p:cSld>
@@ -2416,7 +2416,7 @@
     </p:spTree>
     <p:extLst>
       <p:ext uri="{BB962C8B-B14F-4D97-AF65-F5344CB8AC3E}">
-        <p14:creationId xmlns:p14="http://schemas.microsoft.com/office/powerpoint/2010/main" val="3782060416"/>
+        <p14:creationId xmlns:p14="http://schemas.microsoft.com/office/powerpoint/2010/main" val="2648180838"/>
       </p:ext>
     </p:extLst>
   </p:cSld>
@@ -2500,7 +2500,7 @@
     </p:spTree>
     <p:extLst>
       <p:ext uri="{BB962C8B-B14F-4D97-AF65-F5344CB8AC3E}">
-        <p14:creationId xmlns:p14="http://schemas.microsoft.com/office/powerpoint/2010/main" val="60065422"/>
+        <p14:creationId xmlns:p14="http://schemas.microsoft.com/office/powerpoint/2010/main" val="144824541"/>
       </p:ext>
     </p:extLst>
   </p:cSld>
@@ -2736,7 +2736,7 @@
           <a:p>
             <a:fld id="{48A87A34-81AB-432B-8DAE-1953F412C126}" type="datetimeFigureOut">
               <a:rPr lang="en-US" smtClean="0"/>
-              <a:t>3/23/18</a:t>
+              <a:t>3/24/2018</a:t>
             </a:fld>
             <a:endParaRPr lang="en-US" dirty="0"/>
           </a:p>
@@ -2944,7 +2944,7 @@
           <a:p>
             <a:fld id="{48A87A34-81AB-432B-8DAE-1953F412C126}" type="datetimeFigureOut">
               <a:rPr lang="en-US" smtClean="0"/>
-              <a:t>3/23/18</a:t>
+              <a:t>3/24/2018</a:t>
             </a:fld>
             <a:endParaRPr lang="en-US" dirty="0"/>
           </a:p>
@@ -3200,7 +3200,7 @@
           <a:p>
             <a:fld id="{48A87A34-81AB-432B-8DAE-1953F412C126}" type="datetimeFigureOut">
               <a:rPr lang="en-US" smtClean="0"/>
-              <a:t>3/23/18</a:t>
+              <a:t>3/24/2018</a:t>
             </a:fld>
             <a:endParaRPr lang="en-US" dirty="0"/>
           </a:p>
@@ -3374,7 +3374,7 @@
           <a:p>
             <a:fld id="{48A87A34-81AB-432B-8DAE-1953F412C126}" type="datetimeFigureOut">
               <a:rPr lang="en-US" smtClean="0"/>
-              <a:t>3/23/18</a:t>
+              <a:t>3/24/2018</a:t>
             </a:fld>
             <a:endParaRPr lang="en-US" dirty="0"/>
           </a:p>
@@ -3723,7 +3723,7 @@
           <a:p>
             <a:fld id="{48A87A34-81AB-432B-8DAE-1953F412C126}" type="datetimeFigureOut">
               <a:rPr lang="en-US" smtClean="0"/>
-              <a:t>3/23/18</a:t>
+              <a:t>3/24/2018</a:t>
             </a:fld>
             <a:endParaRPr lang="en-US" dirty="0"/>
           </a:p>
@@ -4004,7 +4004,7 @@
           <a:p>
             <a:fld id="{48A87A34-81AB-432B-8DAE-1953F412C126}" type="datetimeFigureOut">
               <a:rPr lang="en-US" smtClean="0"/>
-              <a:t>3/23/18</a:t>
+              <a:t>3/24/2018</a:t>
             </a:fld>
             <a:endParaRPr lang="en-US" dirty="0"/>
           </a:p>
@@ -4389,7 +4389,7 @@
           <a:p>
             <a:fld id="{48A87A34-81AB-432B-8DAE-1953F412C126}" type="datetimeFigureOut">
               <a:rPr lang="en-US" smtClean="0"/>
-              <a:t>3/23/18</a:t>
+              <a:t>3/24/2018</a:t>
             </a:fld>
             <a:endParaRPr lang="en-US" dirty="0"/>
           </a:p>
@@ -4513,7 +4513,7 @@
           <a:p>
             <a:fld id="{48A87A34-81AB-432B-8DAE-1953F412C126}" type="datetimeFigureOut">
               <a:rPr lang="en-US" smtClean="0"/>
-              <a:t>3/23/18</a:t>
+              <a:t>3/24/2018</a:t>
             </a:fld>
             <a:endParaRPr lang="en-US" dirty="0"/>
           </a:p>
@@ -4690,7 +4690,7 @@
           <a:p>
             <a:fld id="{48A87A34-81AB-432B-8DAE-1953F412C126}" type="datetimeFigureOut">
               <a:rPr lang="en-US" smtClean="0"/>
-              <a:t>3/23/18</a:t>
+              <a:t>3/24/2018</a:t>
             </a:fld>
             <a:endParaRPr lang="en-US" dirty="0"/>
           </a:p>
@@ -5050,7 +5050,7 @@
           <a:p>
             <a:fld id="{48A87A34-81AB-432B-8DAE-1953F412C126}" type="datetimeFigureOut">
               <a:rPr lang="en-US" smtClean="0"/>
-              <a:t>3/23/18</a:t>
+              <a:t>3/24/2018</a:t>
             </a:fld>
             <a:endParaRPr lang="en-US" dirty="0"/>
           </a:p>
@@ -5432,7 +5432,7 @@
           <a:p>
             <a:fld id="{48A87A34-81AB-432B-8DAE-1953F412C126}" type="datetimeFigureOut">
               <a:rPr lang="en-US" smtClean="0"/>
-              <a:t>3/23/18</a:t>
+              <a:t>3/24/2018</a:t>
             </a:fld>
             <a:endParaRPr lang="en-US" dirty="0"/>
           </a:p>
@@ -5726,7 +5726,7 @@
             <a:fld id="{48A87A34-81AB-432B-8DAE-1953F412C126}" type="datetimeFigureOut">
               <a:rPr lang="en-US" smtClean="0"/>
               <a:pPr/>
-              <a:t>3/23/18</a:t>
+              <a:t>3/24/2018</a:t>
             </a:fld>
             <a:endParaRPr lang="en-US" dirty="0"/>
           </a:p>
@@ -6680,1024 +6680,6 @@
           </a:p>
         </p:txBody>
       </p:sp>
-      <p:pic>
-        <p:nvPicPr>
-          <p:cNvPr id="12" name="Picture 2" descr="Image result for talking head emoji">
-            <a:extLst>
-              <a:ext uri="{FF2B5EF4-FFF2-40B4-BE49-F238E27FC236}">
-                <a16:creationId xmlns:a16="http://schemas.microsoft.com/office/drawing/2014/main" id="{3D0D74F4-F045-47A4-B593-765CA7A52C47}"/>
-              </a:ext>
-            </a:extLst>
-          </p:cNvPr>
-          <p:cNvPicPr>
-            <a:picLocks noChangeAspect="1" noChangeArrowheads="1"/>
-          </p:cNvPicPr>
-          <p:nvPr/>
-        </p:nvPicPr>
-        <p:blipFill>
-          <a:blip r:embed="rId3">
-            <a:duotone>
-              <a:schemeClr val="accent1">
-                <a:shade val="45000"/>
-                <a:satMod val="135000"/>
-              </a:schemeClr>
-              <a:prstClr val="white"/>
-            </a:duotone>
-            <a:extLst>
-              <a:ext uri="{BEBA8EAE-BF5A-486C-A8C5-ECC9F3942E4B}">
-                <a14:imgProps xmlns:a14="http://schemas.microsoft.com/office/drawing/2010/main">
-                  <a14:imgLayer r:embed="rId4">
-                    <a14:imgEffect>
-                      <a14:saturation sat="33000"/>
-                    </a14:imgEffect>
-                  </a14:imgLayer>
-                </a14:imgProps>
-              </a:ext>
-              <a:ext uri="{28A0092B-C50C-407E-A947-70E740481C1C}">
-                <a14:useLocalDpi xmlns:a14="http://schemas.microsoft.com/office/drawing/2010/main" val="0"/>
-              </a:ext>
-            </a:extLst>
-          </a:blip>
-          <a:srcRect/>
-          <a:stretch>
-            <a:fillRect/>
-          </a:stretch>
-        </p:blipFill>
-        <p:spPr bwMode="auto">
-          <a:xfrm>
-            <a:off x="2904332" y="1845734"/>
-            <a:ext cx="1057275" cy="1057275"/>
-          </a:xfrm>
-          <a:prstGeom prst="rect">
-            <a:avLst/>
-          </a:prstGeom>
-          <a:noFill/>
-          <a:extLst>
-            <a:ext uri="{909E8E84-426E-40DD-AFC4-6F175D3DCCD1}">
-              <a14:hiddenFill xmlns:a14="http://schemas.microsoft.com/office/drawing/2010/main">
-                <a:solidFill>
-                  <a:srgbClr val="FFFFFF"/>
-                </a:solidFill>
-              </a14:hiddenFill>
-            </a:ext>
-          </a:extLst>
-        </p:spPr>
-      </p:pic>
-    </p:spTree>
-    <p:extLst>
-      <p:ext uri="{BB962C8B-B14F-4D97-AF65-F5344CB8AC3E}">
-        <p14:creationId xmlns:p14="http://schemas.microsoft.com/office/powerpoint/2010/main" val="84814550"/>
-      </p:ext>
-    </p:extLst>
-  </p:cSld>
-  <p:clrMapOvr>
-    <a:masterClrMapping/>
-  </p:clrMapOvr>
-  <p:timing>
-    <p:tnLst>
-      <p:par>
-        <p:cTn id="1" dur="indefinite" restart="never" nodeType="tmRoot">
-          <p:childTnLst>
-            <p:seq concurrent="1" nextAc="seek">
-              <p:cTn id="2" dur="indefinite" nodeType="mainSeq">
-                <p:childTnLst>
-                  <p:par>
-                    <p:cTn id="3" fill="hold">
-                      <p:stCondLst>
-                        <p:cond delay="indefinite"/>
-                      </p:stCondLst>
-                      <p:childTnLst>
-                        <p:par>
-                          <p:cTn id="4" fill="hold">
-                            <p:stCondLst>
-                              <p:cond delay="0"/>
-                            </p:stCondLst>
-                            <p:childTnLst>
-                              <p:par>
-                                <p:cTn id="5" presetID="1" presetClass="entr" presetSubtype="0" fill="hold" nodeType="clickEffect">
-                                  <p:stCondLst>
-                                    <p:cond delay="0"/>
-                                  </p:stCondLst>
-                                  <p:childTnLst>
-                                    <p:set>
-                                      <p:cBhvr>
-                                        <p:cTn id="6" dur="1" fill="hold">
-                                          <p:stCondLst>
-                                            <p:cond delay="0"/>
-                                          </p:stCondLst>
-                                        </p:cTn>
-                                        <p:tgtEl>
-                                          <p:spTgt spid="12"/>
-                                        </p:tgtEl>
-                                        <p:attrNameLst>
-                                          <p:attrName>style.visibility</p:attrName>
-                                        </p:attrNameLst>
-                                      </p:cBhvr>
-                                      <p:to>
-                                        <p:strVal val="visible"/>
-                                      </p:to>
-                                    </p:set>
-                                  </p:childTnLst>
-                                </p:cTn>
-                              </p:par>
-                            </p:childTnLst>
-                          </p:cTn>
-                        </p:par>
-                      </p:childTnLst>
-                    </p:cTn>
-                  </p:par>
-                  <p:par>
-                    <p:cTn id="7" fill="hold">
-                      <p:stCondLst>
-                        <p:cond delay="indefinite"/>
-                      </p:stCondLst>
-                      <p:childTnLst>
-                        <p:par>
-                          <p:cTn id="8" fill="hold">
-                            <p:stCondLst>
-                              <p:cond delay="0"/>
-                            </p:stCondLst>
-                            <p:childTnLst>
-                              <p:par>
-                                <p:cTn id="9" presetID="1" presetClass="entr" presetSubtype="0" fill="hold" grpId="0" nodeType="clickEffect">
-                                  <p:stCondLst>
-                                    <p:cond delay="0"/>
-                                  </p:stCondLst>
-                                  <p:childTnLst>
-                                    <p:set>
-                                      <p:cBhvr>
-                                        <p:cTn id="10" dur="1" fill="hold">
-                                          <p:stCondLst>
-                                            <p:cond delay="0"/>
-                                          </p:stCondLst>
-                                        </p:cTn>
-                                        <p:tgtEl>
-                                          <p:spTgt spid="4"/>
-                                        </p:tgtEl>
-                                        <p:attrNameLst>
-                                          <p:attrName>style.visibility</p:attrName>
-                                        </p:attrNameLst>
-                                      </p:cBhvr>
-                                      <p:to>
-                                        <p:strVal val="visible"/>
-                                      </p:to>
-                                    </p:set>
-                                  </p:childTnLst>
-                                </p:cTn>
-                              </p:par>
-                              <p:par>
-                                <p:cTn id="11" presetID="1" presetClass="entr" presetSubtype="0" fill="hold" grpId="0" nodeType="withEffect">
-                                  <p:stCondLst>
-                                    <p:cond delay="0"/>
-                                  </p:stCondLst>
-                                  <p:childTnLst>
-                                    <p:set>
-                                      <p:cBhvr>
-                                        <p:cTn id="12" dur="1" fill="hold">
-                                          <p:stCondLst>
-                                            <p:cond delay="0"/>
-                                          </p:stCondLst>
-                                        </p:cTn>
-                                        <p:tgtEl>
-                                          <p:spTgt spid="5"/>
-                                        </p:tgtEl>
-                                        <p:attrNameLst>
-                                          <p:attrName>style.visibility</p:attrName>
-                                        </p:attrNameLst>
-                                      </p:cBhvr>
-                                      <p:to>
-                                        <p:strVal val="visible"/>
-                                      </p:to>
-                                    </p:set>
-                                  </p:childTnLst>
-                                </p:cTn>
-                              </p:par>
-                            </p:childTnLst>
-                          </p:cTn>
-                        </p:par>
-                      </p:childTnLst>
-                    </p:cTn>
-                  </p:par>
-                </p:childTnLst>
-              </p:cTn>
-              <p:prevCondLst>
-                <p:cond evt="onPrev" delay="0">
-                  <p:tgtEl>
-                    <p:sldTgt/>
-                  </p:tgtEl>
-                </p:cond>
-              </p:prevCondLst>
-              <p:nextCondLst>
-                <p:cond evt="onNext" delay="0">
-                  <p:tgtEl>
-                    <p:sldTgt/>
-                  </p:tgtEl>
-                </p:cond>
-              </p:nextCondLst>
-            </p:seq>
-          </p:childTnLst>
-        </p:cTn>
-      </p:par>
-    </p:tnLst>
-    <p:bldLst>
-      <p:bldP spid="4" grpId="0" animBg="1"/>
-      <p:bldP spid="5" grpId="0"/>
-    </p:bldLst>
-  </p:timing>
-</p:sld>
-</file>
-
-<file path=ppt/slides/slide11.xml><?xml version="1.0" encoding="utf-8"?>
-<p:sld xmlns:a="http://schemas.openxmlformats.org/drawingml/2006/main" xmlns:r="http://schemas.openxmlformats.org/officeDocument/2006/relationships" xmlns:p="http://schemas.openxmlformats.org/presentationml/2006/main">
-  <p:cSld>
-    <p:spTree>
-      <p:nvGrpSpPr>
-        <p:cNvPr id="1" name=""/>
-        <p:cNvGrpSpPr/>
-        <p:nvPr/>
-      </p:nvGrpSpPr>
-      <p:grpSpPr>
-        <a:xfrm>
-          <a:off x="0" y="0"/>
-          <a:ext cx="0" cy="0"/>
-          <a:chOff x="0" y="0"/>
-          <a:chExt cx="0" cy="0"/>
-        </a:xfrm>
-      </p:grpSpPr>
-      <p:sp>
-        <p:nvSpPr>
-          <p:cNvPr id="2" name="Title 1">
-            <a:extLst>
-              <a:ext uri="{FF2B5EF4-FFF2-40B4-BE49-F238E27FC236}">
-                <a16:creationId xmlns:a16="http://schemas.microsoft.com/office/drawing/2014/main" id="{D390B2F6-27EF-4CEB-AEE8-484A64B31F4A}"/>
-              </a:ext>
-            </a:extLst>
-          </p:cNvPr>
-          <p:cNvSpPr>
-            <a:spLocks noGrp="1"/>
-          </p:cNvSpPr>
-          <p:nvPr>
-            <p:ph type="title"/>
-          </p:nvPr>
-        </p:nvSpPr>
-        <p:spPr/>
-        <p:txBody>
-          <a:bodyPr/>
-          <a:lstStyle/>
-          <a:p>
-            <a:r>
-              <a:rPr lang="en-GB" dirty="0"/>
-              <a:t>Request Lifecycle – Request JSON</a:t>
-            </a:r>
-          </a:p>
-        </p:txBody>
-      </p:sp>
-      <p:sp>
-        <p:nvSpPr>
-          <p:cNvPr id="15" name="Content Placeholder 14">
-            <a:extLst>
-              <a:ext uri="{FF2B5EF4-FFF2-40B4-BE49-F238E27FC236}">
-                <a16:creationId xmlns:a16="http://schemas.microsoft.com/office/drawing/2014/main" id="{DE436AEA-5393-4801-95C1-0C5A55B32847}"/>
-              </a:ext>
-            </a:extLst>
-          </p:cNvPr>
-          <p:cNvSpPr>
-            <a:spLocks noGrp="1"/>
-          </p:cNvSpPr>
-          <p:nvPr>
-            <p:ph idx="1"/>
-          </p:nvPr>
-        </p:nvSpPr>
-        <p:spPr>
-          <a:xfrm>
-            <a:off x="1097280" y="1845734"/>
-            <a:ext cx="10058400" cy="3744000"/>
-          </a:xfrm>
-        </p:spPr>
-        <p:txBody>
-          <a:bodyPr>
-            <a:noAutofit/>
-          </a:bodyPr>
-          <a:lstStyle/>
-          <a:p>
-            <a:pPr marL="36000" indent="0">
-              <a:lnSpc>
-                <a:spcPct val="100000"/>
-              </a:lnSpc>
-              <a:spcBef>
-                <a:spcPts val="400"/>
-              </a:spcBef>
-              <a:spcAft>
-                <a:spcPts val="0"/>
-              </a:spcAft>
-            </a:pPr>
-            <a:r>
-              <a:rPr lang="en-GB" sz="1100" dirty="0"/>
-              <a:t>{</a:t>
-            </a:r>
-          </a:p>
-          <a:p>
-            <a:pPr marL="36000" indent="0">
-              <a:lnSpc>
-                <a:spcPct val="100000"/>
-              </a:lnSpc>
-              <a:spcBef>
-                <a:spcPts val="400"/>
-              </a:spcBef>
-              <a:spcAft>
-                <a:spcPts val="0"/>
-              </a:spcAft>
-            </a:pPr>
-            <a:r>
-              <a:rPr lang="en-GB" sz="1100" dirty="0"/>
-              <a:t>  "version": "1.0",</a:t>
-            </a:r>
-          </a:p>
-          <a:p>
-            <a:pPr marL="36000" indent="0">
-              <a:lnSpc>
-                <a:spcPct val="100000"/>
-              </a:lnSpc>
-              <a:spcBef>
-                <a:spcPts val="400"/>
-              </a:spcBef>
-              <a:spcAft>
-                <a:spcPts val="0"/>
-              </a:spcAft>
-            </a:pPr>
-            <a:r>
-              <a:rPr lang="en-GB" sz="1100" b="1" dirty="0"/>
-              <a:t>  "session"</a:t>
-            </a:r>
-            <a:r>
-              <a:rPr lang="en-GB" sz="1100" dirty="0"/>
-              <a:t>: {</a:t>
-            </a:r>
-          </a:p>
-          <a:p>
-            <a:pPr marL="36000" indent="0">
-              <a:lnSpc>
-                <a:spcPct val="100000"/>
-              </a:lnSpc>
-              <a:spcBef>
-                <a:spcPts val="400"/>
-              </a:spcBef>
-              <a:spcAft>
-                <a:spcPts val="0"/>
-              </a:spcAft>
-            </a:pPr>
-            <a:r>
-              <a:rPr lang="en-GB" sz="1100" dirty="0"/>
-              <a:t>      "attributes": {</a:t>
-            </a:r>
-          </a:p>
-          <a:p>
-            <a:pPr marL="36000" indent="0">
-              <a:lnSpc>
-                <a:spcPct val="100000"/>
-              </a:lnSpc>
-              <a:spcBef>
-                <a:spcPts val="400"/>
-              </a:spcBef>
-              <a:spcAft>
-                <a:spcPts val="0"/>
-              </a:spcAft>
-            </a:pPr>
-            <a:r>
-              <a:rPr lang="en-GB" sz="1100" dirty="0"/>
-              <a:t>      "key": "string value"</a:t>
-            </a:r>
-          </a:p>
-          <a:p>
-            <a:pPr marL="36000" indent="0">
-              <a:lnSpc>
-                <a:spcPct val="100000"/>
-              </a:lnSpc>
-              <a:spcBef>
-                <a:spcPts val="400"/>
-              </a:spcBef>
-              <a:spcAft>
-                <a:spcPts val="0"/>
-              </a:spcAft>
-            </a:pPr>
-            <a:r>
-              <a:rPr lang="en-GB" sz="1100" dirty="0"/>
-              <a:t>    },</a:t>
-            </a:r>
-          </a:p>
-          <a:p>
-            <a:pPr marL="36000" indent="0">
-              <a:lnSpc>
-                <a:spcPct val="100000"/>
-              </a:lnSpc>
-              <a:spcBef>
-                <a:spcPts val="400"/>
-              </a:spcBef>
-              <a:spcAft>
-                <a:spcPts val="0"/>
-              </a:spcAft>
-            </a:pPr>
-            <a:r>
-              <a:rPr lang="en-GB" sz="1100" dirty="0"/>
-              <a:t>  },</a:t>
-            </a:r>
-          </a:p>
-          <a:p>
-            <a:pPr marL="36000" indent="0">
-              <a:lnSpc>
-                <a:spcPct val="100000"/>
-              </a:lnSpc>
-              <a:spcBef>
-                <a:spcPts val="400"/>
-              </a:spcBef>
-              <a:spcAft>
-                <a:spcPts val="0"/>
-              </a:spcAft>
-            </a:pPr>
-            <a:r>
-              <a:rPr lang="en-GB" sz="1100" b="1" dirty="0"/>
-              <a:t>  "context"</a:t>
-            </a:r>
-            <a:r>
-              <a:rPr lang="en-GB" sz="1100" dirty="0"/>
-              <a:t>: {</a:t>
-            </a:r>
-          </a:p>
-          <a:p>
-            <a:pPr marL="36000" indent="0">
-              <a:lnSpc>
-                <a:spcPct val="100000"/>
-              </a:lnSpc>
-              <a:spcBef>
-                <a:spcPts val="400"/>
-              </a:spcBef>
-              <a:spcAft>
-                <a:spcPts val="0"/>
-              </a:spcAft>
-            </a:pPr>
-            <a:r>
-              <a:rPr lang="en-GB" sz="1100" dirty="0"/>
-              <a:t>    "System": {</a:t>
-            </a:r>
-          </a:p>
-          <a:p>
-            <a:pPr marL="36000" indent="0">
-              <a:lnSpc>
-                <a:spcPct val="100000"/>
-              </a:lnSpc>
-              <a:spcBef>
-                <a:spcPts val="400"/>
-              </a:spcBef>
-              <a:spcAft>
-                <a:spcPts val="0"/>
-              </a:spcAft>
-            </a:pPr>
-            <a:r>
-              <a:rPr lang="en-GB" sz="1100" dirty="0"/>
-              <a:t>      "device": {</a:t>
-            </a:r>
-          </a:p>
-          <a:p>
-            <a:pPr marL="36000" indent="0">
-              <a:lnSpc>
-                <a:spcPct val="100000"/>
-              </a:lnSpc>
-              <a:spcBef>
-                <a:spcPts val="400"/>
-              </a:spcBef>
-              <a:spcAft>
-                <a:spcPts val="0"/>
-              </a:spcAft>
-            </a:pPr>
-            <a:r>
-              <a:rPr lang="en-GB" sz="1100" dirty="0"/>
-              <a:t>        "</a:t>
-            </a:r>
-            <a:r>
-              <a:rPr lang="en-GB" sz="1100" dirty="0" err="1"/>
-              <a:t>deviceId</a:t>
-            </a:r>
-            <a:r>
-              <a:rPr lang="en-GB" sz="1100" dirty="0"/>
-              <a:t>": "string", ….</a:t>
-            </a:r>
-          </a:p>
-          <a:p>
-            <a:pPr marL="36000" indent="0">
-              <a:lnSpc>
-                <a:spcPct val="100000"/>
-              </a:lnSpc>
-              <a:spcBef>
-                <a:spcPts val="400"/>
-              </a:spcBef>
-              <a:spcAft>
-                <a:spcPts val="0"/>
-              </a:spcAft>
-            </a:pPr>
-            <a:r>
-              <a:rPr lang="en-GB" sz="1100" dirty="0"/>
-              <a:t>       },</a:t>
-            </a:r>
-          </a:p>
-          <a:p>
-            <a:pPr marL="36000" indent="0">
-              <a:lnSpc>
-                <a:spcPct val="100000"/>
-              </a:lnSpc>
-              <a:spcBef>
-                <a:spcPts val="400"/>
-              </a:spcBef>
-              <a:spcAft>
-                <a:spcPts val="0"/>
-              </a:spcAft>
-            </a:pPr>
-            <a:r>
-              <a:rPr lang="en-GB" sz="1100" dirty="0"/>
-              <a:t>      "user": {</a:t>
-            </a:r>
-          </a:p>
-          <a:p>
-            <a:pPr marL="36000" indent="0">
-              <a:lnSpc>
-                <a:spcPct val="100000"/>
-              </a:lnSpc>
-              <a:spcBef>
-                <a:spcPts val="400"/>
-              </a:spcBef>
-              <a:spcAft>
-                <a:spcPts val="0"/>
-              </a:spcAft>
-            </a:pPr>
-            <a:r>
-              <a:rPr lang="en-GB" sz="1100" dirty="0"/>
-              <a:t>        "</a:t>
-            </a:r>
-            <a:r>
-              <a:rPr lang="en-GB" sz="1100" dirty="0" err="1"/>
-              <a:t>userId</a:t>
-            </a:r>
-            <a:r>
-              <a:rPr lang="en-GB" sz="1100" dirty="0"/>
-              <a:t>": "amzn1.ask.account.[unique-value-here]",</a:t>
-            </a:r>
-          </a:p>
-          <a:p>
-            <a:pPr marL="36000" indent="0">
-              <a:lnSpc>
-                <a:spcPct val="100000"/>
-              </a:lnSpc>
-              <a:spcBef>
-                <a:spcPts val="400"/>
-              </a:spcBef>
-              <a:spcAft>
-                <a:spcPts val="0"/>
-              </a:spcAft>
-            </a:pPr>
-            <a:r>
-              <a:rPr lang="en-GB" sz="1100" dirty="0"/>
-              <a:t>        "permissions": {</a:t>
-            </a:r>
-          </a:p>
-          <a:p>
-            <a:pPr marL="36000" indent="0">
-              <a:lnSpc>
-                <a:spcPct val="100000"/>
-              </a:lnSpc>
-              <a:spcBef>
-                <a:spcPts val="400"/>
-              </a:spcBef>
-              <a:spcAft>
-                <a:spcPts val="0"/>
-              </a:spcAft>
-            </a:pPr>
-            <a:r>
-              <a:rPr lang="en-GB" sz="1100" dirty="0"/>
-              <a:t>          "</a:t>
-            </a:r>
-            <a:r>
-              <a:rPr lang="en-GB" sz="1100" dirty="0" err="1"/>
-              <a:t>consentToken</a:t>
-            </a:r>
-            <a:r>
-              <a:rPr lang="en-GB" sz="1100" dirty="0"/>
-              <a:t>": "ZZZZZZZ..."</a:t>
-            </a:r>
-          </a:p>
-          <a:p>
-            <a:pPr marL="36000" indent="0">
-              <a:lnSpc>
-                <a:spcPct val="100000"/>
-              </a:lnSpc>
-              <a:spcBef>
-                <a:spcPts val="400"/>
-              </a:spcBef>
-              <a:spcAft>
-                <a:spcPts val="0"/>
-              </a:spcAft>
-            </a:pPr>
-            <a:r>
-              <a:rPr lang="en-GB" sz="1100" dirty="0"/>
-              <a:t>        }</a:t>
-            </a:r>
-          </a:p>
-          <a:p>
-            <a:pPr marL="36000" indent="0">
-              <a:lnSpc>
-                <a:spcPct val="100000"/>
-              </a:lnSpc>
-              <a:spcBef>
-                <a:spcPts val="400"/>
-              </a:spcBef>
-              <a:spcAft>
-                <a:spcPts val="0"/>
-              </a:spcAft>
-            </a:pPr>
-            <a:r>
-              <a:rPr lang="en-GB" sz="1100" dirty="0"/>
-              <a:t>},</a:t>
-            </a:r>
-          </a:p>
-          <a:p>
-            <a:pPr marL="36000" indent="0">
-              <a:lnSpc>
-                <a:spcPct val="100000"/>
-              </a:lnSpc>
-              <a:spcBef>
-                <a:spcPts val="400"/>
-              </a:spcBef>
-              <a:spcAft>
-                <a:spcPts val="0"/>
-              </a:spcAft>
-            </a:pPr>
-            <a:r>
-              <a:rPr lang="en-GB" sz="1100" b="1" dirty="0"/>
-              <a:t>Request:</a:t>
-            </a:r>
-            <a:r>
-              <a:rPr lang="en-GB" sz="1100" dirty="0"/>
-              <a:t>{} …..</a:t>
-            </a:r>
-          </a:p>
-        </p:txBody>
-      </p:sp>
-    </p:spTree>
-    <p:extLst>
-      <p:ext uri="{BB962C8B-B14F-4D97-AF65-F5344CB8AC3E}">
-        <p14:creationId xmlns:p14="http://schemas.microsoft.com/office/powerpoint/2010/main" val="2874276908"/>
-      </p:ext>
-    </p:extLst>
-  </p:cSld>
-  <p:clrMapOvr>
-    <a:masterClrMapping/>
-  </p:clrMapOvr>
-</p:sld>
-</file>
-
-<file path=ppt/slides/slide12.xml><?xml version="1.0" encoding="utf-8"?>
-<p:sld xmlns:a="http://schemas.openxmlformats.org/drawingml/2006/main" xmlns:r="http://schemas.openxmlformats.org/officeDocument/2006/relationships" xmlns:p="http://schemas.openxmlformats.org/presentationml/2006/main">
-  <p:cSld>
-    <p:spTree>
-      <p:nvGrpSpPr>
-        <p:cNvPr id="1" name=""/>
-        <p:cNvGrpSpPr/>
-        <p:nvPr/>
-      </p:nvGrpSpPr>
-      <p:grpSpPr>
-        <a:xfrm>
-          <a:off x="0" y="0"/>
-          <a:ext cx="0" cy="0"/>
-          <a:chOff x="0" y="0"/>
-          <a:chExt cx="0" cy="0"/>
-        </a:xfrm>
-      </p:grpSpPr>
-      <p:sp>
-        <p:nvSpPr>
-          <p:cNvPr id="2" name="Title 1">
-            <a:extLst>
-              <a:ext uri="{FF2B5EF4-FFF2-40B4-BE49-F238E27FC236}">
-                <a16:creationId xmlns:a16="http://schemas.microsoft.com/office/drawing/2014/main" id="{D390B2F6-27EF-4CEB-AEE8-484A64B31F4A}"/>
-              </a:ext>
-            </a:extLst>
-          </p:cNvPr>
-          <p:cNvSpPr>
-            <a:spLocks noGrp="1"/>
-          </p:cNvSpPr>
-          <p:nvPr>
-            <p:ph type="title"/>
-          </p:nvPr>
-        </p:nvSpPr>
-        <p:spPr/>
-        <p:txBody>
-          <a:bodyPr/>
-          <a:lstStyle/>
-          <a:p>
-            <a:r>
-              <a:rPr lang="en-GB" dirty="0"/>
-              <a:t>Request Lifecycle</a:t>
-            </a:r>
-          </a:p>
-        </p:txBody>
-      </p:sp>
-      <p:sp>
-        <p:nvSpPr>
-          <p:cNvPr id="3" name="Content Placeholder 2">
-            <a:extLst>
-              <a:ext uri="{FF2B5EF4-FFF2-40B4-BE49-F238E27FC236}">
-                <a16:creationId xmlns:a16="http://schemas.microsoft.com/office/drawing/2014/main" id="{B93768BA-AC76-4FB7-BD4B-9A533AB7271D}"/>
-              </a:ext>
-            </a:extLst>
-          </p:cNvPr>
-          <p:cNvSpPr>
-            <a:spLocks noGrp="1"/>
-          </p:cNvSpPr>
-          <p:nvPr>
-            <p:ph idx="1"/>
-          </p:nvPr>
-        </p:nvSpPr>
-        <p:spPr/>
-        <p:txBody>
-          <a:bodyPr/>
-          <a:lstStyle/>
-          <a:p>
-            <a:endParaRPr lang="en-GB" dirty="0"/>
-          </a:p>
-        </p:txBody>
-      </p:sp>
-      <p:sp>
-        <p:nvSpPr>
-          <p:cNvPr id="4" name="Right Arrow 10">
-            <a:extLst>
-              <a:ext uri="{FF2B5EF4-FFF2-40B4-BE49-F238E27FC236}">
-                <a16:creationId xmlns:a16="http://schemas.microsoft.com/office/drawing/2014/main" id="{A01FDED9-E0C1-42C8-94AD-3B262F15DD85}"/>
-              </a:ext>
-            </a:extLst>
-          </p:cNvPr>
-          <p:cNvSpPr/>
-          <p:nvPr/>
-        </p:nvSpPr>
-        <p:spPr>
-          <a:xfrm>
-            <a:off x="4407419" y="2206351"/>
-            <a:ext cx="951978" cy="336042"/>
-          </a:xfrm>
-          <a:prstGeom prst="rightArrow">
-            <a:avLst/>
-          </a:prstGeom>
-          <a:ln/>
-        </p:spPr>
-        <p:style>
-          <a:lnRef idx="1">
-            <a:schemeClr val="accent6"/>
-          </a:lnRef>
-          <a:fillRef idx="2">
-            <a:schemeClr val="accent6"/>
-          </a:fillRef>
-          <a:effectRef idx="1">
-            <a:schemeClr val="accent6"/>
-          </a:effectRef>
-          <a:fontRef idx="minor">
-            <a:schemeClr val="dk1"/>
-          </a:fontRef>
-        </p:style>
-        <p:txBody>
-          <a:bodyPr rtlCol="0" anchor="ctr"/>
-          <a:lstStyle>
-            <a:defPPr>
-              <a:defRPr lang="en-US"/>
-            </a:defPPr>
-            <a:lvl1pPr marL="0" algn="l" defTabSz="457200" rtl="0" eaLnBrk="1" latinLnBrk="0" hangingPunct="1">
-              <a:defRPr sz="1800" kern="1200">
-                <a:solidFill>
-                  <a:schemeClr val="lt1"/>
-                </a:solidFill>
-                <a:latin typeface="+mn-lt"/>
-                <a:ea typeface="+mn-ea"/>
-                <a:cs typeface="+mn-cs"/>
-              </a:defRPr>
-            </a:lvl1pPr>
-            <a:lvl2pPr marL="457200" algn="l" defTabSz="457200" rtl="0" eaLnBrk="1" latinLnBrk="0" hangingPunct="1">
-              <a:defRPr sz="1800" kern="1200">
-                <a:solidFill>
-                  <a:schemeClr val="lt1"/>
-                </a:solidFill>
-                <a:latin typeface="+mn-lt"/>
-                <a:ea typeface="+mn-ea"/>
-                <a:cs typeface="+mn-cs"/>
-              </a:defRPr>
-            </a:lvl2pPr>
-            <a:lvl3pPr marL="914400" algn="l" defTabSz="457200" rtl="0" eaLnBrk="1" latinLnBrk="0" hangingPunct="1">
-              <a:defRPr sz="1800" kern="1200">
-                <a:solidFill>
-                  <a:schemeClr val="lt1"/>
-                </a:solidFill>
-                <a:latin typeface="+mn-lt"/>
-                <a:ea typeface="+mn-ea"/>
-                <a:cs typeface="+mn-cs"/>
-              </a:defRPr>
-            </a:lvl3pPr>
-            <a:lvl4pPr marL="1371600" algn="l" defTabSz="457200" rtl="0" eaLnBrk="1" latinLnBrk="0" hangingPunct="1">
-              <a:defRPr sz="1800" kern="1200">
-                <a:solidFill>
-                  <a:schemeClr val="lt1"/>
-                </a:solidFill>
-                <a:latin typeface="+mn-lt"/>
-                <a:ea typeface="+mn-ea"/>
-                <a:cs typeface="+mn-cs"/>
-              </a:defRPr>
-            </a:lvl4pPr>
-            <a:lvl5pPr marL="1828800" algn="l" defTabSz="457200" rtl="0" eaLnBrk="1" latinLnBrk="0" hangingPunct="1">
-              <a:defRPr sz="1800" kern="1200">
-                <a:solidFill>
-                  <a:schemeClr val="lt1"/>
-                </a:solidFill>
-                <a:latin typeface="+mn-lt"/>
-                <a:ea typeface="+mn-ea"/>
-                <a:cs typeface="+mn-cs"/>
-              </a:defRPr>
-            </a:lvl5pPr>
-            <a:lvl6pPr marL="2286000" algn="l" defTabSz="457200" rtl="0" eaLnBrk="1" latinLnBrk="0" hangingPunct="1">
-              <a:defRPr sz="1800" kern="1200">
-                <a:solidFill>
-                  <a:schemeClr val="lt1"/>
-                </a:solidFill>
-                <a:latin typeface="+mn-lt"/>
-                <a:ea typeface="+mn-ea"/>
-                <a:cs typeface="+mn-cs"/>
-              </a:defRPr>
-            </a:lvl6pPr>
-            <a:lvl7pPr marL="2743200" algn="l" defTabSz="457200" rtl="0" eaLnBrk="1" latinLnBrk="0" hangingPunct="1">
-              <a:defRPr sz="1800" kern="1200">
-                <a:solidFill>
-                  <a:schemeClr val="lt1"/>
-                </a:solidFill>
-                <a:latin typeface="+mn-lt"/>
-                <a:ea typeface="+mn-ea"/>
-                <a:cs typeface="+mn-cs"/>
-              </a:defRPr>
-            </a:lvl7pPr>
-            <a:lvl8pPr marL="3200400" algn="l" defTabSz="457200" rtl="0" eaLnBrk="1" latinLnBrk="0" hangingPunct="1">
-              <a:defRPr sz="1800" kern="1200">
-                <a:solidFill>
-                  <a:schemeClr val="lt1"/>
-                </a:solidFill>
-                <a:latin typeface="+mn-lt"/>
-                <a:ea typeface="+mn-ea"/>
-                <a:cs typeface="+mn-cs"/>
-              </a:defRPr>
-            </a:lvl8pPr>
-            <a:lvl9pPr marL="3657600" algn="l" defTabSz="457200" rtl="0" eaLnBrk="1" latinLnBrk="0" hangingPunct="1">
-              <a:defRPr sz="1800" kern="1200">
-                <a:solidFill>
-                  <a:schemeClr val="lt1"/>
-                </a:solidFill>
-                <a:latin typeface="+mn-lt"/>
-                <a:ea typeface="+mn-ea"/>
-                <a:cs typeface="+mn-cs"/>
-              </a:defRPr>
-            </a:lvl9pPr>
-          </a:lstStyle>
-          <a:p>
-            <a:pPr algn="ctr"/>
-            <a:endParaRPr lang="en-US"/>
-          </a:p>
-        </p:txBody>
-      </p:sp>
-      <p:sp>
-        <p:nvSpPr>
-          <p:cNvPr id="5" name="TextBox 11">
-            <a:extLst>
-              <a:ext uri="{FF2B5EF4-FFF2-40B4-BE49-F238E27FC236}">
-                <a16:creationId xmlns:a16="http://schemas.microsoft.com/office/drawing/2014/main" id="{77293643-8CFB-42A6-8E83-24C25E498B16}"/>
-              </a:ext>
-            </a:extLst>
-          </p:cNvPr>
-          <p:cNvSpPr txBox="1"/>
-          <p:nvPr/>
-        </p:nvSpPr>
-        <p:spPr>
-          <a:xfrm>
-            <a:off x="5720005" y="2070322"/>
-            <a:ext cx="1684307" cy="523220"/>
-          </a:xfrm>
-          <a:prstGeom prst="rect">
-            <a:avLst/>
-          </a:prstGeom>
-          <a:noFill/>
-        </p:spPr>
-        <p:txBody>
-          <a:bodyPr wrap="none" rtlCol="0">
-            <a:spAutoFit/>
-          </a:bodyPr>
-          <a:lstStyle>
-            <a:defPPr>
-              <a:defRPr lang="en-US"/>
-            </a:defPPr>
-            <a:lvl1pPr marL="0" algn="l" defTabSz="457200" rtl="0" eaLnBrk="1" latinLnBrk="0" hangingPunct="1">
-              <a:defRPr sz="1800" kern="1200">
-                <a:solidFill>
-                  <a:schemeClr val="tx1"/>
-                </a:solidFill>
-                <a:latin typeface="+mn-lt"/>
-                <a:ea typeface="+mn-ea"/>
-                <a:cs typeface="+mn-cs"/>
-              </a:defRPr>
-            </a:lvl1pPr>
-            <a:lvl2pPr marL="457200" algn="l" defTabSz="457200" rtl="0" eaLnBrk="1" latinLnBrk="0" hangingPunct="1">
-              <a:defRPr sz="1800" kern="1200">
-                <a:solidFill>
-                  <a:schemeClr val="tx1"/>
-                </a:solidFill>
-                <a:latin typeface="+mn-lt"/>
-                <a:ea typeface="+mn-ea"/>
-                <a:cs typeface="+mn-cs"/>
-              </a:defRPr>
-            </a:lvl2pPr>
-            <a:lvl3pPr marL="914400" algn="l" defTabSz="457200" rtl="0" eaLnBrk="1" latinLnBrk="0" hangingPunct="1">
-              <a:defRPr sz="1800" kern="1200">
-                <a:solidFill>
-                  <a:schemeClr val="tx1"/>
-                </a:solidFill>
-                <a:latin typeface="+mn-lt"/>
-                <a:ea typeface="+mn-ea"/>
-                <a:cs typeface="+mn-cs"/>
-              </a:defRPr>
-            </a:lvl3pPr>
-            <a:lvl4pPr marL="1371600" algn="l" defTabSz="457200" rtl="0" eaLnBrk="1" latinLnBrk="0" hangingPunct="1">
-              <a:defRPr sz="1800" kern="1200">
-                <a:solidFill>
-                  <a:schemeClr val="tx1"/>
-                </a:solidFill>
-                <a:latin typeface="+mn-lt"/>
-                <a:ea typeface="+mn-ea"/>
-                <a:cs typeface="+mn-cs"/>
-              </a:defRPr>
-            </a:lvl4pPr>
-            <a:lvl5pPr marL="1828800" algn="l" defTabSz="457200" rtl="0" eaLnBrk="1" latinLnBrk="0" hangingPunct="1">
-              <a:defRPr sz="1800" kern="1200">
-                <a:solidFill>
-                  <a:schemeClr val="tx1"/>
-                </a:solidFill>
-                <a:latin typeface="+mn-lt"/>
-                <a:ea typeface="+mn-ea"/>
-                <a:cs typeface="+mn-cs"/>
-              </a:defRPr>
-            </a:lvl5pPr>
-            <a:lvl6pPr marL="2286000" algn="l" defTabSz="457200" rtl="0" eaLnBrk="1" latinLnBrk="0" hangingPunct="1">
-              <a:defRPr sz="1800" kern="1200">
-                <a:solidFill>
-                  <a:schemeClr val="tx1"/>
-                </a:solidFill>
-                <a:latin typeface="+mn-lt"/>
-                <a:ea typeface="+mn-ea"/>
-                <a:cs typeface="+mn-cs"/>
-              </a:defRPr>
-            </a:lvl6pPr>
-            <a:lvl7pPr marL="2743200" algn="l" defTabSz="457200" rtl="0" eaLnBrk="1" latinLnBrk="0" hangingPunct="1">
-              <a:defRPr sz="1800" kern="1200">
-                <a:solidFill>
-                  <a:schemeClr val="tx1"/>
-                </a:solidFill>
-                <a:latin typeface="+mn-lt"/>
-                <a:ea typeface="+mn-ea"/>
-                <a:cs typeface="+mn-cs"/>
-              </a:defRPr>
-            </a:lvl7pPr>
-            <a:lvl8pPr marL="3200400" algn="l" defTabSz="457200" rtl="0" eaLnBrk="1" latinLnBrk="0" hangingPunct="1">
-              <a:defRPr sz="1800" kern="1200">
-                <a:solidFill>
-                  <a:schemeClr val="tx1"/>
-                </a:solidFill>
-                <a:latin typeface="+mn-lt"/>
-                <a:ea typeface="+mn-ea"/>
-                <a:cs typeface="+mn-cs"/>
-              </a:defRPr>
-            </a:lvl8pPr>
-            <a:lvl9pPr marL="3657600" algn="l" defTabSz="457200" rtl="0" eaLnBrk="1" latinLnBrk="0" hangingPunct="1">
-              <a:defRPr sz="1800" kern="1200">
-                <a:solidFill>
-                  <a:schemeClr val="tx1"/>
-                </a:solidFill>
-                <a:latin typeface="+mn-lt"/>
-                <a:ea typeface="+mn-ea"/>
-                <a:cs typeface="+mn-cs"/>
-              </a:defRPr>
-            </a:lvl9pPr>
-          </a:lstStyle>
-          <a:p>
-            <a:r>
-              <a:rPr lang="en-US" sz="2800" dirty="0">
-                <a:solidFill>
-                  <a:schemeClr val="tx1">
-                    <a:lumMod val="50000"/>
-                    <a:lumOff val="50000"/>
-                  </a:schemeClr>
-                </a:solidFill>
-              </a:rPr>
-              <a:t>{ request }</a:t>
-            </a:r>
-          </a:p>
-        </p:txBody>
-      </p:sp>
       <p:sp>
         <p:nvSpPr>
           <p:cNvPr id="6" name="TextBox 12">
@@ -7975,558 +6957,6 @@
           <a:p>
             <a:pPr algn="ctr"/>
             <a:endParaRPr lang="en-US"/>
-          </a:p>
-        </p:txBody>
-      </p:sp>
-      <p:sp>
-        <p:nvSpPr>
-          <p:cNvPr id="8" name="Right Arrow 14">
-            <a:extLst>
-              <a:ext uri="{FF2B5EF4-FFF2-40B4-BE49-F238E27FC236}">
-                <a16:creationId xmlns:a16="http://schemas.microsoft.com/office/drawing/2014/main" id="{9D80D334-1798-45D1-85CA-283B9202EC29}"/>
-              </a:ext>
-            </a:extLst>
-          </p:cNvPr>
-          <p:cNvSpPr/>
-          <p:nvPr/>
-        </p:nvSpPr>
-        <p:spPr>
-          <a:xfrm rot="8498376">
-            <a:off x="8014563" y="4738143"/>
-            <a:ext cx="951978" cy="336042"/>
-          </a:xfrm>
-          <a:prstGeom prst="rightArrow">
-            <a:avLst/>
-          </a:prstGeom>
-          <a:ln/>
-        </p:spPr>
-        <p:style>
-          <a:lnRef idx="1">
-            <a:schemeClr val="accent6"/>
-          </a:lnRef>
-          <a:fillRef idx="2">
-            <a:schemeClr val="accent6"/>
-          </a:fillRef>
-          <a:effectRef idx="1">
-            <a:schemeClr val="accent6"/>
-          </a:effectRef>
-          <a:fontRef idx="minor">
-            <a:schemeClr val="dk1"/>
-          </a:fontRef>
-        </p:style>
-        <p:txBody>
-          <a:bodyPr rtlCol="0" anchor="ctr"/>
-          <a:lstStyle>
-            <a:defPPr>
-              <a:defRPr lang="en-US"/>
-            </a:defPPr>
-            <a:lvl1pPr marL="0" algn="l" defTabSz="457200" rtl="0" eaLnBrk="1" latinLnBrk="0" hangingPunct="1">
-              <a:defRPr sz="1800" kern="1200">
-                <a:solidFill>
-                  <a:schemeClr val="lt1"/>
-                </a:solidFill>
-                <a:latin typeface="+mn-lt"/>
-                <a:ea typeface="+mn-ea"/>
-                <a:cs typeface="+mn-cs"/>
-              </a:defRPr>
-            </a:lvl1pPr>
-            <a:lvl2pPr marL="457200" algn="l" defTabSz="457200" rtl="0" eaLnBrk="1" latinLnBrk="0" hangingPunct="1">
-              <a:defRPr sz="1800" kern="1200">
-                <a:solidFill>
-                  <a:schemeClr val="lt1"/>
-                </a:solidFill>
-                <a:latin typeface="+mn-lt"/>
-                <a:ea typeface="+mn-ea"/>
-                <a:cs typeface="+mn-cs"/>
-              </a:defRPr>
-            </a:lvl2pPr>
-            <a:lvl3pPr marL="914400" algn="l" defTabSz="457200" rtl="0" eaLnBrk="1" latinLnBrk="0" hangingPunct="1">
-              <a:defRPr sz="1800" kern="1200">
-                <a:solidFill>
-                  <a:schemeClr val="lt1"/>
-                </a:solidFill>
-                <a:latin typeface="+mn-lt"/>
-                <a:ea typeface="+mn-ea"/>
-                <a:cs typeface="+mn-cs"/>
-              </a:defRPr>
-            </a:lvl3pPr>
-            <a:lvl4pPr marL="1371600" algn="l" defTabSz="457200" rtl="0" eaLnBrk="1" latinLnBrk="0" hangingPunct="1">
-              <a:defRPr sz="1800" kern="1200">
-                <a:solidFill>
-                  <a:schemeClr val="lt1"/>
-                </a:solidFill>
-                <a:latin typeface="+mn-lt"/>
-                <a:ea typeface="+mn-ea"/>
-                <a:cs typeface="+mn-cs"/>
-              </a:defRPr>
-            </a:lvl4pPr>
-            <a:lvl5pPr marL="1828800" algn="l" defTabSz="457200" rtl="0" eaLnBrk="1" latinLnBrk="0" hangingPunct="1">
-              <a:defRPr sz="1800" kern="1200">
-                <a:solidFill>
-                  <a:schemeClr val="lt1"/>
-                </a:solidFill>
-                <a:latin typeface="+mn-lt"/>
-                <a:ea typeface="+mn-ea"/>
-                <a:cs typeface="+mn-cs"/>
-              </a:defRPr>
-            </a:lvl5pPr>
-            <a:lvl6pPr marL="2286000" algn="l" defTabSz="457200" rtl="0" eaLnBrk="1" latinLnBrk="0" hangingPunct="1">
-              <a:defRPr sz="1800" kern="1200">
-                <a:solidFill>
-                  <a:schemeClr val="lt1"/>
-                </a:solidFill>
-                <a:latin typeface="+mn-lt"/>
-                <a:ea typeface="+mn-ea"/>
-                <a:cs typeface="+mn-cs"/>
-              </a:defRPr>
-            </a:lvl6pPr>
-            <a:lvl7pPr marL="2743200" algn="l" defTabSz="457200" rtl="0" eaLnBrk="1" latinLnBrk="0" hangingPunct="1">
-              <a:defRPr sz="1800" kern="1200">
-                <a:solidFill>
-                  <a:schemeClr val="lt1"/>
-                </a:solidFill>
-                <a:latin typeface="+mn-lt"/>
-                <a:ea typeface="+mn-ea"/>
-                <a:cs typeface="+mn-cs"/>
-              </a:defRPr>
-            </a:lvl7pPr>
-            <a:lvl8pPr marL="3200400" algn="l" defTabSz="457200" rtl="0" eaLnBrk="1" latinLnBrk="0" hangingPunct="1">
-              <a:defRPr sz="1800" kern="1200">
-                <a:solidFill>
-                  <a:schemeClr val="lt1"/>
-                </a:solidFill>
-                <a:latin typeface="+mn-lt"/>
-                <a:ea typeface="+mn-ea"/>
-                <a:cs typeface="+mn-cs"/>
-              </a:defRPr>
-            </a:lvl8pPr>
-            <a:lvl9pPr marL="3657600" algn="l" defTabSz="457200" rtl="0" eaLnBrk="1" latinLnBrk="0" hangingPunct="1">
-              <a:defRPr sz="1800" kern="1200">
-                <a:solidFill>
-                  <a:schemeClr val="lt1"/>
-                </a:solidFill>
-                <a:latin typeface="+mn-lt"/>
-                <a:ea typeface="+mn-ea"/>
-                <a:cs typeface="+mn-cs"/>
-              </a:defRPr>
-            </a:lvl9pPr>
-          </a:lstStyle>
-          <a:p>
-            <a:pPr algn="ctr"/>
-            <a:endParaRPr lang="en-US"/>
-          </a:p>
-        </p:txBody>
-      </p:sp>
-      <p:sp>
-        <p:nvSpPr>
-          <p:cNvPr id="9" name="TextBox 15">
-            <a:extLst>
-              <a:ext uri="{FF2B5EF4-FFF2-40B4-BE49-F238E27FC236}">
-                <a16:creationId xmlns:a16="http://schemas.microsoft.com/office/drawing/2014/main" id="{E64E991B-688A-4E6C-B1DD-2898D815B9B9}"/>
-              </a:ext>
-            </a:extLst>
-          </p:cNvPr>
-          <p:cNvSpPr txBox="1"/>
-          <p:nvPr/>
-        </p:nvSpPr>
-        <p:spPr>
-          <a:xfrm>
-            <a:off x="5592566" y="4906164"/>
-            <a:ext cx="1898340" cy="523220"/>
-          </a:xfrm>
-          <a:prstGeom prst="rect">
-            <a:avLst/>
-          </a:prstGeom>
-          <a:noFill/>
-        </p:spPr>
-        <p:txBody>
-          <a:bodyPr wrap="none" rtlCol="0">
-            <a:spAutoFit/>
-          </a:bodyPr>
-          <a:lstStyle>
-            <a:defPPr>
-              <a:defRPr lang="en-US"/>
-            </a:defPPr>
-            <a:lvl1pPr marL="0" algn="l" defTabSz="457200" rtl="0" eaLnBrk="1" latinLnBrk="0" hangingPunct="1">
-              <a:defRPr sz="1800" kern="1200">
-                <a:solidFill>
-                  <a:schemeClr val="tx1"/>
-                </a:solidFill>
-                <a:latin typeface="+mn-lt"/>
-                <a:ea typeface="+mn-ea"/>
-                <a:cs typeface="+mn-cs"/>
-              </a:defRPr>
-            </a:lvl1pPr>
-            <a:lvl2pPr marL="457200" algn="l" defTabSz="457200" rtl="0" eaLnBrk="1" latinLnBrk="0" hangingPunct="1">
-              <a:defRPr sz="1800" kern="1200">
-                <a:solidFill>
-                  <a:schemeClr val="tx1"/>
-                </a:solidFill>
-                <a:latin typeface="+mn-lt"/>
-                <a:ea typeface="+mn-ea"/>
-                <a:cs typeface="+mn-cs"/>
-              </a:defRPr>
-            </a:lvl2pPr>
-            <a:lvl3pPr marL="914400" algn="l" defTabSz="457200" rtl="0" eaLnBrk="1" latinLnBrk="0" hangingPunct="1">
-              <a:defRPr sz="1800" kern="1200">
-                <a:solidFill>
-                  <a:schemeClr val="tx1"/>
-                </a:solidFill>
-                <a:latin typeface="+mn-lt"/>
-                <a:ea typeface="+mn-ea"/>
-                <a:cs typeface="+mn-cs"/>
-              </a:defRPr>
-            </a:lvl3pPr>
-            <a:lvl4pPr marL="1371600" algn="l" defTabSz="457200" rtl="0" eaLnBrk="1" latinLnBrk="0" hangingPunct="1">
-              <a:defRPr sz="1800" kern="1200">
-                <a:solidFill>
-                  <a:schemeClr val="tx1"/>
-                </a:solidFill>
-                <a:latin typeface="+mn-lt"/>
-                <a:ea typeface="+mn-ea"/>
-                <a:cs typeface="+mn-cs"/>
-              </a:defRPr>
-            </a:lvl4pPr>
-            <a:lvl5pPr marL="1828800" algn="l" defTabSz="457200" rtl="0" eaLnBrk="1" latinLnBrk="0" hangingPunct="1">
-              <a:defRPr sz="1800" kern="1200">
-                <a:solidFill>
-                  <a:schemeClr val="tx1"/>
-                </a:solidFill>
-                <a:latin typeface="+mn-lt"/>
-                <a:ea typeface="+mn-ea"/>
-                <a:cs typeface="+mn-cs"/>
-              </a:defRPr>
-            </a:lvl5pPr>
-            <a:lvl6pPr marL="2286000" algn="l" defTabSz="457200" rtl="0" eaLnBrk="1" latinLnBrk="0" hangingPunct="1">
-              <a:defRPr sz="1800" kern="1200">
-                <a:solidFill>
-                  <a:schemeClr val="tx1"/>
-                </a:solidFill>
-                <a:latin typeface="+mn-lt"/>
-                <a:ea typeface="+mn-ea"/>
-                <a:cs typeface="+mn-cs"/>
-              </a:defRPr>
-            </a:lvl6pPr>
-            <a:lvl7pPr marL="2743200" algn="l" defTabSz="457200" rtl="0" eaLnBrk="1" latinLnBrk="0" hangingPunct="1">
-              <a:defRPr sz="1800" kern="1200">
-                <a:solidFill>
-                  <a:schemeClr val="tx1"/>
-                </a:solidFill>
-                <a:latin typeface="+mn-lt"/>
-                <a:ea typeface="+mn-ea"/>
-                <a:cs typeface="+mn-cs"/>
-              </a:defRPr>
-            </a:lvl7pPr>
-            <a:lvl8pPr marL="3200400" algn="l" defTabSz="457200" rtl="0" eaLnBrk="1" latinLnBrk="0" hangingPunct="1">
-              <a:defRPr sz="1800" kern="1200">
-                <a:solidFill>
-                  <a:schemeClr val="tx1"/>
-                </a:solidFill>
-                <a:latin typeface="+mn-lt"/>
-                <a:ea typeface="+mn-ea"/>
-                <a:cs typeface="+mn-cs"/>
-              </a:defRPr>
-            </a:lvl8pPr>
-            <a:lvl9pPr marL="3657600" algn="l" defTabSz="457200" rtl="0" eaLnBrk="1" latinLnBrk="0" hangingPunct="1">
-              <a:defRPr sz="1800" kern="1200">
-                <a:solidFill>
-                  <a:schemeClr val="tx1"/>
-                </a:solidFill>
-                <a:latin typeface="+mn-lt"/>
-                <a:ea typeface="+mn-ea"/>
-                <a:cs typeface="+mn-cs"/>
-              </a:defRPr>
-            </a:lvl9pPr>
-          </a:lstStyle>
-          <a:p>
-            <a:r>
-              <a:rPr lang="en-US" sz="2800" dirty="0">
-                <a:solidFill>
-                  <a:schemeClr val="tx1">
-                    <a:lumMod val="50000"/>
-                    <a:lumOff val="50000"/>
-                  </a:schemeClr>
-                </a:solidFill>
-              </a:rPr>
-              <a:t>{ response }</a:t>
-            </a:r>
-          </a:p>
-        </p:txBody>
-      </p:sp>
-      <p:sp>
-        <p:nvSpPr>
-          <p:cNvPr id="10" name="Right Arrow 16">
-            <a:extLst>
-              <a:ext uri="{FF2B5EF4-FFF2-40B4-BE49-F238E27FC236}">
-                <a16:creationId xmlns:a16="http://schemas.microsoft.com/office/drawing/2014/main" id="{47DB2B68-7271-411D-A959-6EA34548742E}"/>
-              </a:ext>
-            </a:extLst>
-          </p:cNvPr>
-          <p:cNvSpPr/>
-          <p:nvPr/>
-        </p:nvSpPr>
-        <p:spPr>
-          <a:xfrm rot="10800000">
-            <a:off x="4407419" y="5055510"/>
-            <a:ext cx="951978" cy="336042"/>
-          </a:xfrm>
-          <a:prstGeom prst="rightArrow">
-            <a:avLst/>
-          </a:prstGeom>
-          <a:ln/>
-        </p:spPr>
-        <p:style>
-          <a:lnRef idx="1">
-            <a:schemeClr val="accent6"/>
-          </a:lnRef>
-          <a:fillRef idx="2">
-            <a:schemeClr val="accent6"/>
-          </a:fillRef>
-          <a:effectRef idx="1">
-            <a:schemeClr val="accent6"/>
-          </a:effectRef>
-          <a:fontRef idx="minor">
-            <a:schemeClr val="dk1"/>
-          </a:fontRef>
-        </p:style>
-        <p:txBody>
-          <a:bodyPr rtlCol="0" anchor="ctr"/>
-          <a:lstStyle>
-            <a:defPPr>
-              <a:defRPr lang="en-US"/>
-            </a:defPPr>
-            <a:lvl1pPr marL="0" algn="l" defTabSz="457200" rtl="0" eaLnBrk="1" latinLnBrk="0" hangingPunct="1">
-              <a:defRPr sz="1800" kern="1200">
-                <a:solidFill>
-                  <a:schemeClr val="lt1"/>
-                </a:solidFill>
-                <a:latin typeface="+mn-lt"/>
-                <a:ea typeface="+mn-ea"/>
-                <a:cs typeface="+mn-cs"/>
-              </a:defRPr>
-            </a:lvl1pPr>
-            <a:lvl2pPr marL="457200" algn="l" defTabSz="457200" rtl="0" eaLnBrk="1" latinLnBrk="0" hangingPunct="1">
-              <a:defRPr sz="1800" kern="1200">
-                <a:solidFill>
-                  <a:schemeClr val="lt1"/>
-                </a:solidFill>
-                <a:latin typeface="+mn-lt"/>
-                <a:ea typeface="+mn-ea"/>
-                <a:cs typeface="+mn-cs"/>
-              </a:defRPr>
-            </a:lvl2pPr>
-            <a:lvl3pPr marL="914400" algn="l" defTabSz="457200" rtl="0" eaLnBrk="1" latinLnBrk="0" hangingPunct="1">
-              <a:defRPr sz="1800" kern="1200">
-                <a:solidFill>
-                  <a:schemeClr val="lt1"/>
-                </a:solidFill>
-                <a:latin typeface="+mn-lt"/>
-                <a:ea typeface="+mn-ea"/>
-                <a:cs typeface="+mn-cs"/>
-              </a:defRPr>
-            </a:lvl3pPr>
-            <a:lvl4pPr marL="1371600" algn="l" defTabSz="457200" rtl="0" eaLnBrk="1" latinLnBrk="0" hangingPunct="1">
-              <a:defRPr sz="1800" kern="1200">
-                <a:solidFill>
-                  <a:schemeClr val="lt1"/>
-                </a:solidFill>
-                <a:latin typeface="+mn-lt"/>
-                <a:ea typeface="+mn-ea"/>
-                <a:cs typeface="+mn-cs"/>
-              </a:defRPr>
-            </a:lvl4pPr>
-            <a:lvl5pPr marL="1828800" algn="l" defTabSz="457200" rtl="0" eaLnBrk="1" latinLnBrk="0" hangingPunct="1">
-              <a:defRPr sz="1800" kern="1200">
-                <a:solidFill>
-                  <a:schemeClr val="lt1"/>
-                </a:solidFill>
-                <a:latin typeface="+mn-lt"/>
-                <a:ea typeface="+mn-ea"/>
-                <a:cs typeface="+mn-cs"/>
-              </a:defRPr>
-            </a:lvl5pPr>
-            <a:lvl6pPr marL="2286000" algn="l" defTabSz="457200" rtl="0" eaLnBrk="1" latinLnBrk="0" hangingPunct="1">
-              <a:defRPr sz="1800" kern="1200">
-                <a:solidFill>
-                  <a:schemeClr val="lt1"/>
-                </a:solidFill>
-                <a:latin typeface="+mn-lt"/>
-                <a:ea typeface="+mn-ea"/>
-                <a:cs typeface="+mn-cs"/>
-              </a:defRPr>
-            </a:lvl6pPr>
-            <a:lvl7pPr marL="2743200" algn="l" defTabSz="457200" rtl="0" eaLnBrk="1" latinLnBrk="0" hangingPunct="1">
-              <a:defRPr sz="1800" kern="1200">
-                <a:solidFill>
-                  <a:schemeClr val="lt1"/>
-                </a:solidFill>
-                <a:latin typeface="+mn-lt"/>
-                <a:ea typeface="+mn-ea"/>
-                <a:cs typeface="+mn-cs"/>
-              </a:defRPr>
-            </a:lvl7pPr>
-            <a:lvl8pPr marL="3200400" algn="l" defTabSz="457200" rtl="0" eaLnBrk="1" latinLnBrk="0" hangingPunct="1">
-              <a:defRPr sz="1800" kern="1200">
-                <a:solidFill>
-                  <a:schemeClr val="lt1"/>
-                </a:solidFill>
-                <a:latin typeface="+mn-lt"/>
-                <a:ea typeface="+mn-ea"/>
-                <a:cs typeface="+mn-cs"/>
-              </a:defRPr>
-            </a:lvl8pPr>
-            <a:lvl9pPr marL="3657600" algn="l" defTabSz="457200" rtl="0" eaLnBrk="1" latinLnBrk="0" hangingPunct="1">
-              <a:defRPr sz="1800" kern="1200">
-                <a:solidFill>
-                  <a:schemeClr val="lt1"/>
-                </a:solidFill>
-                <a:latin typeface="+mn-lt"/>
-                <a:ea typeface="+mn-ea"/>
-                <a:cs typeface="+mn-cs"/>
-              </a:defRPr>
-            </a:lvl9pPr>
-          </a:lstStyle>
-          <a:p>
-            <a:pPr algn="ctr"/>
-            <a:endParaRPr lang="en-US"/>
-          </a:p>
-        </p:txBody>
-      </p:sp>
-      <p:sp>
-        <p:nvSpPr>
-          <p:cNvPr id="11" name="TextBox 18">
-            <a:extLst>
-              <a:ext uri="{FF2B5EF4-FFF2-40B4-BE49-F238E27FC236}">
-                <a16:creationId xmlns:a16="http://schemas.microsoft.com/office/drawing/2014/main" id="{35B7E2BC-64C8-4D7B-BBAD-C05274F418E9}"/>
-              </a:ext>
-            </a:extLst>
-          </p:cNvPr>
-          <p:cNvSpPr txBox="1"/>
-          <p:nvPr/>
-        </p:nvSpPr>
-        <p:spPr>
-          <a:xfrm flipV="1">
-            <a:off x="3339688" y="4545655"/>
-            <a:ext cx="834561" cy="1323439"/>
-          </a:xfrm>
-          <a:prstGeom prst="rect">
-            <a:avLst/>
-          </a:prstGeom>
-          <a:noFill/>
-        </p:spPr>
-        <p:txBody>
-          <a:bodyPr wrap="square" rtlCol="0">
-            <a:spAutoFit/>
-          </a:bodyPr>
-          <a:lstStyle>
-            <a:defPPr>
-              <a:defRPr lang="en-US"/>
-            </a:defPPr>
-            <a:lvl1pPr marL="0" algn="l" defTabSz="457200" rtl="0" eaLnBrk="1" latinLnBrk="0" hangingPunct="1">
-              <a:defRPr sz="1800" kern="1200">
-                <a:solidFill>
-                  <a:schemeClr val="tx1"/>
-                </a:solidFill>
-                <a:latin typeface="+mn-lt"/>
-                <a:ea typeface="+mn-ea"/>
-                <a:cs typeface="+mn-cs"/>
-              </a:defRPr>
-            </a:lvl1pPr>
-            <a:lvl2pPr marL="457200" algn="l" defTabSz="457200" rtl="0" eaLnBrk="1" latinLnBrk="0" hangingPunct="1">
-              <a:defRPr sz="1800" kern="1200">
-                <a:solidFill>
-                  <a:schemeClr val="tx1"/>
-                </a:solidFill>
-                <a:latin typeface="+mn-lt"/>
-                <a:ea typeface="+mn-ea"/>
-                <a:cs typeface="+mn-cs"/>
-              </a:defRPr>
-            </a:lvl2pPr>
-            <a:lvl3pPr marL="914400" algn="l" defTabSz="457200" rtl="0" eaLnBrk="1" latinLnBrk="0" hangingPunct="1">
-              <a:defRPr sz="1800" kern="1200">
-                <a:solidFill>
-                  <a:schemeClr val="tx1"/>
-                </a:solidFill>
-                <a:latin typeface="+mn-lt"/>
-                <a:ea typeface="+mn-ea"/>
-                <a:cs typeface="+mn-cs"/>
-              </a:defRPr>
-            </a:lvl3pPr>
-            <a:lvl4pPr marL="1371600" algn="l" defTabSz="457200" rtl="0" eaLnBrk="1" latinLnBrk="0" hangingPunct="1">
-              <a:defRPr sz="1800" kern="1200">
-                <a:solidFill>
-                  <a:schemeClr val="tx1"/>
-                </a:solidFill>
-                <a:latin typeface="+mn-lt"/>
-                <a:ea typeface="+mn-ea"/>
-                <a:cs typeface="+mn-cs"/>
-              </a:defRPr>
-            </a:lvl4pPr>
-            <a:lvl5pPr marL="1828800" algn="l" defTabSz="457200" rtl="0" eaLnBrk="1" latinLnBrk="0" hangingPunct="1">
-              <a:defRPr sz="1800" kern="1200">
-                <a:solidFill>
-                  <a:schemeClr val="tx1"/>
-                </a:solidFill>
-                <a:latin typeface="+mn-lt"/>
-                <a:ea typeface="+mn-ea"/>
-                <a:cs typeface="+mn-cs"/>
-              </a:defRPr>
-            </a:lvl5pPr>
-            <a:lvl6pPr marL="2286000" algn="l" defTabSz="457200" rtl="0" eaLnBrk="1" latinLnBrk="0" hangingPunct="1">
-              <a:defRPr sz="1800" kern="1200">
-                <a:solidFill>
-                  <a:schemeClr val="tx1"/>
-                </a:solidFill>
-                <a:latin typeface="+mn-lt"/>
-                <a:ea typeface="+mn-ea"/>
-                <a:cs typeface="+mn-cs"/>
-              </a:defRPr>
-            </a:lvl6pPr>
-            <a:lvl7pPr marL="2743200" algn="l" defTabSz="457200" rtl="0" eaLnBrk="1" latinLnBrk="0" hangingPunct="1">
-              <a:defRPr sz="1800" kern="1200">
-                <a:solidFill>
-                  <a:schemeClr val="tx1"/>
-                </a:solidFill>
-                <a:latin typeface="+mn-lt"/>
-                <a:ea typeface="+mn-ea"/>
-                <a:cs typeface="+mn-cs"/>
-              </a:defRPr>
-            </a:lvl7pPr>
-            <a:lvl8pPr marL="3200400" algn="l" defTabSz="457200" rtl="0" eaLnBrk="1" latinLnBrk="0" hangingPunct="1">
-              <a:defRPr sz="1800" kern="1200">
-                <a:solidFill>
-                  <a:schemeClr val="tx1"/>
-                </a:solidFill>
-                <a:latin typeface="+mn-lt"/>
-                <a:ea typeface="+mn-ea"/>
-                <a:cs typeface="+mn-cs"/>
-              </a:defRPr>
-            </a:lvl8pPr>
-            <a:lvl9pPr marL="3657600" algn="l" defTabSz="457200" rtl="0" eaLnBrk="1" latinLnBrk="0" hangingPunct="1">
-              <a:defRPr sz="1800" kern="1200">
-                <a:solidFill>
-                  <a:schemeClr val="tx1"/>
-                </a:solidFill>
-                <a:latin typeface="+mn-lt"/>
-                <a:ea typeface="+mn-ea"/>
-                <a:cs typeface="+mn-cs"/>
-              </a:defRPr>
-            </a:lvl9pPr>
-          </a:lstStyle>
-          <a:p>
-            <a:r>
-              <a:rPr lang="en-US" sz="8000" dirty="0">
-                <a:solidFill>
-                  <a:schemeClr val="accent1"/>
-                </a:solidFill>
-              </a:rPr>
-              <a:t>🔊</a:t>
-            </a:r>
-            <a:endParaRPr lang="en-US" dirty="0">
-              <a:solidFill>
-                <a:schemeClr val="accent1"/>
-              </a:solidFill>
-            </a:endParaRPr>
           </a:p>
         </p:txBody>
       </p:sp>
@@ -8683,150 +7113,6 @@
                       </p:childTnLst>
                     </p:cTn>
                   </p:par>
-                  <p:par>
-                    <p:cTn id="9" fill="hold">
-                      <p:stCondLst>
-                        <p:cond delay="indefinite"/>
-                      </p:stCondLst>
-                      <p:childTnLst>
-                        <p:par>
-                          <p:cTn id="10" fill="hold">
-                            <p:stCondLst>
-                              <p:cond delay="0"/>
-                            </p:stCondLst>
-                            <p:childTnLst>
-                              <p:par>
-                                <p:cTn id="11" presetID="1" presetClass="entr" presetSubtype="0" fill="hold" grpId="0" nodeType="clickEffect">
-                                  <p:stCondLst>
-                                    <p:cond delay="0"/>
-                                  </p:stCondLst>
-                                  <p:childTnLst>
-                                    <p:set>
-                                      <p:cBhvr>
-                                        <p:cTn id="12" dur="1" fill="hold">
-                                          <p:stCondLst>
-                                            <p:cond delay="0"/>
-                                          </p:stCondLst>
-                                        </p:cTn>
-                                        <p:tgtEl>
-                                          <p:spTgt spid="8"/>
-                                        </p:tgtEl>
-                                        <p:attrNameLst>
-                                          <p:attrName>style.visibility</p:attrName>
-                                        </p:attrNameLst>
-                                      </p:cBhvr>
-                                      <p:to>
-                                        <p:strVal val="visible"/>
-                                      </p:to>
-                                    </p:set>
-                                  </p:childTnLst>
-                                </p:cTn>
-                              </p:par>
-                              <p:par>
-                                <p:cTn id="13" presetID="1" presetClass="entr" presetSubtype="0" fill="hold" grpId="0" nodeType="withEffect">
-                                  <p:stCondLst>
-                                    <p:cond delay="0"/>
-                                  </p:stCondLst>
-                                  <p:childTnLst>
-                                    <p:set>
-                                      <p:cBhvr>
-                                        <p:cTn id="14" dur="1" fill="hold">
-                                          <p:stCondLst>
-                                            <p:cond delay="0"/>
-                                          </p:stCondLst>
-                                        </p:cTn>
-                                        <p:tgtEl>
-                                          <p:spTgt spid="9"/>
-                                        </p:tgtEl>
-                                        <p:attrNameLst>
-                                          <p:attrName>style.visibility</p:attrName>
-                                        </p:attrNameLst>
-                                      </p:cBhvr>
-                                      <p:to>
-                                        <p:strVal val="visible"/>
-                                      </p:to>
-                                    </p:set>
-                                  </p:childTnLst>
-                                </p:cTn>
-                              </p:par>
-                            </p:childTnLst>
-                          </p:cTn>
-                        </p:par>
-                      </p:childTnLst>
-                    </p:cTn>
-                  </p:par>
-                  <p:par>
-                    <p:cTn id="15" fill="hold">
-                      <p:stCondLst>
-                        <p:cond delay="indefinite"/>
-                      </p:stCondLst>
-                      <p:childTnLst>
-                        <p:par>
-                          <p:cTn id="16" fill="hold">
-                            <p:stCondLst>
-                              <p:cond delay="0"/>
-                            </p:stCondLst>
-                            <p:childTnLst>
-                              <p:par>
-                                <p:cTn id="17" presetID="1" presetClass="entr" presetSubtype="0" fill="hold" grpId="0" nodeType="clickEffect">
-                                  <p:stCondLst>
-                                    <p:cond delay="0"/>
-                                  </p:stCondLst>
-                                  <p:childTnLst>
-                                    <p:set>
-                                      <p:cBhvr>
-                                        <p:cTn id="18" dur="1" fill="hold">
-                                          <p:stCondLst>
-                                            <p:cond delay="0"/>
-                                          </p:stCondLst>
-                                        </p:cTn>
-                                        <p:tgtEl>
-                                          <p:spTgt spid="10"/>
-                                        </p:tgtEl>
-                                        <p:attrNameLst>
-                                          <p:attrName>style.visibility</p:attrName>
-                                        </p:attrNameLst>
-                                      </p:cBhvr>
-                                      <p:to>
-                                        <p:strVal val="visible"/>
-                                      </p:to>
-                                    </p:set>
-                                  </p:childTnLst>
-                                </p:cTn>
-                              </p:par>
-                              <p:par>
-                                <p:cTn id="19" presetID="1" presetClass="entr" presetSubtype="0" fill="hold" grpId="0" nodeType="withEffect">
-                                  <p:stCondLst>
-                                    <p:cond delay="0"/>
-                                  </p:stCondLst>
-                                  <p:childTnLst>
-                                    <p:set>
-                                      <p:cBhvr>
-                                        <p:cTn id="20" dur="1" fill="hold">
-                                          <p:stCondLst>
-                                            <p:cond delay="0"/>
-                                          </p:stCondLst>
-                                        </p:cTn>
-                                        <p:tgtEl>
-                                          <p:spTgt spid="11"/>
-                                        </p:tgtEl>
-                                        <p:attrNameLst>
-                                          <p:attrName>style.visibility</p:attrName>
-                                        </p:attrNameLst>
-                                      </p:cBhvr>
-                                      <p:to>
-                                        <p:strVal val="visible"/>
-                                      </p:to>
-                                    </p:set>
-                                  </p:childTnLst>
-                                </p:cTn>
-                              </p:par>
-                            </p:childTnLst>
-                          </p:cTn>
-                        </p:par>
-                      </p:childTnLst>
-                    </p:cTn>
-                  </p:par>
                 </p:childTnLst>
               </p:cTn>
               <p:prevCondLst>
@@ -8851,422 +7137,12 @@
     <p:bldLst>
       <p:bldP spid="6" grpId="0"/>
       <p:bldP spid="7" grpId="0" animBg="1"/>
-      <p:bldP spid="8" grpId="0" animBg="1"/>
-      <p:bldP spid="9" grpId="0"/>
-      <p:bldP spid="10" grpId="0" animBg="1"/>
-      <p:bldP spid="11" grpId="0"/>
     </p:bldLst>
   </p:timing>
 </p:sld>
 </file>
 
-<file path=ppt/slides/slide13.xml><?xml version="1.0" encoding="utf-8"?>
-<p:sld xmlns:a="http://schemas.openxmlformats.org/drawingml/2006/main" xmlns:r="http://schemas.openxmlformats.org/officeDocument/2006/relationships" xmlns:p="http://schemas.openxmlformats.org/presentationml/2006/main">
-  <p:cSld>
-    <p:spTree>
-      <p:nvGrpSpPr>
-        <p:cNvPr id="1" name=""/>
-        <p:cNvGrpSpPr/>
-        <p:nvPr/>
-      </p:nvGrpSpPr>
-      <p:grpSpPr>
-        <a:xfrm>
-          <a:off x="0" y="0"/>
-          <a:ext cx="0" cy="0"/>
-          <a:chOff x="0" y="0"/>
-          <a:chExt cx="0" cy="0"/>
-        </a:xfrm>
-      </p:grpSpPr>
-      <p:sp>
-        <p:nvSpPr>
-          <p:cNvPr id="2" name="Title 1">
-            <a:extLst>
-              <a:ext uri="{FF2B5EF4-FFF2-40B4-BE49-F238E27FC236}">
-                <a16:creationId xmlns:a16="http://schemas.microsoft.com/office/drawing/2014/main" id="{D390B2F6-27EF-4CEB-AEE8-484A64B31F4A}"/>
-              </a:ext>
-            </a:extLst>
-          </p:cNvPr>
-          <p:cNvSpPr>
-            <a:spLocks noGrp="1"/>
-          </p:cNvSpPr>
-          <p:nvPr>
-            <p:ph type="title"/>
-          </p:nvPr>
-        </p:nvSpPr>
-        <p:spPr/>
-        <p:txBody>
-          <a:bodyPr/>
-          <a:lstStyle/>
-          <a:p>
-            <a:r>
-              <a:rPr lang="en-GB" dirty="0"/>
-              <a:t>Request Lifecycle – Response JSON</a:t>
-            </a:r>
-          </a:p>
-        </p:txBody>
-      </p:sp>
-      <p:sp>
-        <p:nvSpPr>
-          <p:cNvPr id="15" name="Content Placeholder 14">
-            <a:extLst>
-              <a:ext uri="{FF2B5EF4-FFF2-40B4-BE49-F238E27FC236}">
-                <a16:creationId xmlns:a16="http://schemas.microsoft.com/office/drawing/2014/main" id="{DE436AEA-5393-4801-95C1-0C5A55B32847}"/>
-              </a:ext>
-            </a:extLst>
-          </p:cNvPr>
-          <p:cNvSpPr>
-            <a:spLocks noGrp="1"/>
-          </p:cNvSpPr>
-          <p:nvPr>
-            <p:ph idx="1"/>
-          </p:nvPr>
-        </p:nvSpPr>
-        <p:spPr>
-          <a:xfrm>
-            <a:off x="1097280" y="1845734"/>
-            <a:ext cx="10058400" cy="3744000"/>
-          </a:xfrm>
-        </p:spPr>
-        <p:txBody>
-          <a:bodyPr>
-            <a:noAutofit/>
-          </a:bodyPr>
-          <a:lstStyle/>
-          <a:p>
-            <a:pPr marL="36000" indent="0">
-              <a:lnSpc>
-                <a:spcPct val="100000"/>
-              </a:lnSpc>
-              <a:spcBef>
-                <a:spcPts val="600"/>
-              </a:spcBef>
-              <a:spcAft>
-                <a:spcPts val="0"/>
-              </a:spcAft>
-            </a:pPr>
-            <a:r>
-              <a:rPr lang="en-GB" sz="1100" dirty="0"/>
-              <a:t>{</a:t>
-            </a:r>
-          </a:p>
-          <a:p>
-            <a:pPr marL="36000" indent="0">
-              <a:lnSpc>
-                <a:spcPct val="100000"/>
-              </a:lnSpc>
-              <a:spcBef>
-                <a:spcPts val="600"/>
-              </a:spcBef>
-              <a:spcAft>
-                <a:spcPts val="0"/>
-              </a:spcAft>
-            </a:pPr>
-            <a:r>
-              <a:rPr lang="en-GB" sz="1100" dirty="0"/>
-              <a:t>  "version": "1.0",</a:t>
-            </a:r>
-          </a:p>
-          <a:p>
-            <a:pPr marL="36000" indent="0">
-              <a:lnSpc>
-                <a:spcPct val="100000"/>
-              </a:lnSpc>
-              <a:spcBef>
-                <a:spcPts val="600"/>
-              </a:spcBef>
-              <a:spcAft>
-                <a:spcPts val="0"/>
-              </a:spcAft>
-            </a:pPr>
-            <a:r>
-              <a:rPr lang="en-GB" sz="1100" dirty="0"/>
-              <a:t>  </a:t>
-            </a:r>
-            <a:r>
-              <a:rPr lang="en-GB" sz="1100" b="1" dirty="0"/>
-              <a:t>"</a:t>
-            </a:r>
-            <a:r>
-              <a:rPr lang="en-GB" sz="1100" b="1" dirty="0" err="1"/>
-              <a:t>sessionAttributes</a:t>
-            </a:r>
-            <a:r>
-              <a:rPr lang="en-GB" sz="1100" b="1" dirty="0"/>
-              <a:t>": </a:t>
-            </a:r>
-            <a:r>
-              <a:rPr lang="en-GB" sz="1100" dirty="0"/>
-              <a:t>{},</a:t>
-            </a:r>
-          </a:p>
-          <a:p>
-            <a:pPr marL="36000" indent="0">
-              <a:lnSpc>
-                <a:spcPct val="100000"/>
-              </a:lnSpc>
-              <a:spcBef>
-                <a:spcPts val="600"/>
-              </a:spcBef>
-              <a:spcAft>
-                <a:spcPts val="0"/>
-              </a:spcAft>
-            </a:pPr>
-            <a:r>
-              <a:rPr lang="en-GB" sz="1100" dirty="0"/>
-              <a:t>  </a:t>
-            </a:r>
-            <a:r>
-              <a:rPr lang="en-GB" sz="1100" b="1" dirty="0"/>
-              <a:t>"response": </a:t>
-            </a:r>
-            <a:r>
-              <a:rPr lang="en-GB" sz="1100" dirty="0"/>
-              <a:t>{</a:t>
-            </a:r>
-          </a:p>
-          <a:p>
-            <a:pPr marL="36000" indent="0">
-              <a:lnSpc>
-                <a:spcPct val="100000"/>
-              </a:lnSpc>
-              <a:spcBef>
-                <a:spcPts val="600"/>
-              </a:spcBef>
-              <a:spcAft>
-                <a:spcPts val="0"/>
-              </a:spcAft>
-            </a:pPr>
-            <a:r>
-              <a:rPr lang="en-GB" sz="1100" dirty="0"/>
-              <a:t>    "</a:t>
-            </a:r>
-            <a:r>
-              <a:rPr lang="en-GB" sz="1100" dirty="0" err="1"/>
-              <a:t>outputSpeech</a:t>
-            </a:r>
-            <a:r>
-              <a:rPr lang="en-GB" sz="1100" dirty="0"/>
-              <a:t>": {</a:t>
-            </a:r>
-          </a:p>
-          <a:p>
-            <a:pPr marL="36000" indent="0">
-              <a:lnSpc>
-                <a:spcPct val="100000"/>
-              </a:lnSpc>
-              <a:spcBef>
-                <a:spcPts val="600"/>
-              </a:spcBef>
-              <a:spcAft>
-                <a:spcPts val="0"/>
-              </a:spcAft>
-            </a:pPr>
-            <a:r>
-              <a:rPr lang="en-GB" sz="1100" dirty="0"/>
-              <a:t>      "type": "</a:t>
-            </a:r>
-            <a:r>
-              <a:rPr lang="en-GB" sz="1100" dirty="0" err="1"/>
-              <a:t>PlainText</a:t>
-            </a:r>
-            <a:r>
-              <a:rPr lang="en-GB" sz="1100" dirty="0"/>
-              <a:t>",</a:t>
-            </a:r>
-          </a:p>
-          <a:p>
-            <a:pPr marL="36000" indent="0">
-              <a:lnSpc>
-                <a:spcPct val="100000"/>
-              </a:lnSpc>
-              <a:spcBef>
-                <a:spcPts val="600"/>
-              </a:spcBef>
-              <a:spcAft>
-                <a:spcPts val="0"/>
-              </a:spcAft>
-            </a:pPr>
-            <a:r>
-              <a:rPr lang="en-GB" sz="1100" dirty="0"/>
-              <a:t>      "text": "Playing the requested song."</a:t>
-            </a:r>
-          </a:p>
-          <a:p>
-            <a:pPr marL="36000" indent="0">
-              <a:lnSpc>
-                <a:spcPct val="100000"/>
-              </a:lnSpc>
-              <a:spcBef>
-                <a:spcPts val="600"/>
-              </a:spcBef>
-              <a:spcAft>
-                <a:spcPts val="0"/>
-              </a:spcAft>
-            </a:pPr>
-            <a:r>
-              <a:rPr lang="en-GB" sz="1100" dirty="0"/>
-              <a:t>    },</a:t>
-            </a:r>
-          </a:p>
-          <a:p>
-            <a:pPr marL="36000" indent="0">
-              <a:lnSpc>
-                <a:spcPct val="100000"/>
-              </a:lnSpc>
-              <a:spcBef>
-                <a:spcPts val="600"/>
-              </a:spcBef>
-              <a:spcAft>
-                <a:spcPts val="0"/>
-              </a:spcAft>
-            </a:pPr>
-            <a:r>
-              <a:rPr lang="en-GB" sz="1100" dirty="0"/>
-              <a:t>    </a:t>
-            </a:r>
-            <a:r>
-              <a:rPr lang="en-GB" sz="1100" b="1" dirty="0"/>
-              <a:t>"directives": </a:t>
-            </a:r>
-            <a:r>
-              <a:rPr lang="en-GB" sz="1100" dirty="0"/>
-              <a:t>[</a:t>
-            </a:r>
-          </a:p>
-          <a:p>
-            <a:pPr marL="36000" indent="0">
-              <a:lnSpc>
-                <a:spcPct val="100000"/>
-              </a:lnSpc>
-              <a:spcBef>
-                <a:spcPts val="600"/>
-              </a:spcBef>
-              <a:spcAft>
-                <a:spcPts val="0"/>
-              </a:spcAft>
-            </a:pPr>
-            <a:r>
-              <a:rPr lang="en-GB" sz="1100" dirty="0"/>
-              <a:t>      {</a:t>
-            </a:r>
-          </a:p>
-          <a:p>
-            <a:pPr marL="36000" indent="0">
-              <a:lnSpc>
-                <a:spcPct val="100000"/>
-              </a:lnSpc>
-              <a:spcBef>
-                <a:spcPts val="600"/>
-              </a:spcBef>
-              <a:spcAft>
-                <a:spcPts val="0"/>
-              </a:spcAft>
-            </a:pPr>
-            <a:r>
-              <a:rPr lang="en-GB" sz="1100" dirty="0"/>
-              <a:t>        "type": "</a:t>
-            </a:r>
-            <a:r>
-              <a:rPr lang="en-GB" sz="1100" dirty="0" err="1"/>
-              <a:t>AudioPlayer.Play</a:t>
-            </a:r>
-            <a:r>
-              <a:rPr lang="en-GB" sz="1100" dirty="0"/>
-              <a:t>",</a:t>
-            </a:r>
-          </a:p>
-          <a:p>
-            <a:pPr marL="36000" indent="0">
-              <a:lnSpc>
-                <a:spcPct val="100000"/>
-              </a:lnSpc>
-              <a:spcBef>
-                <a:spcPts val="600"/>
-              </a:spcBef>
-              <a:spcAft>
-                <a:spcPts val="0"/>
-              </a:spcAft>
-            </a:pPr>
-            <a:r>
-              <a:rPr lang="en-GB" sz="1100" dirty="0"/>
-              <a:t>        "</a:t>
-            </a:r>
-            <a:r>
-              <a:rPr lang="en-GB" sz="1100" dirty="0" err="1"/>
-              <a:t>playBehavior</a:t>
-            </a:r>
-            <a:r>
-              <a:rPr lang="en-GB" sz="1100" dirty="0"/>
-              <a:t>": "ENQUEUE",</a:t>
-            </a:r>
-          </a:p>
-          <a:p>
-            <a:pPr marL="36000" indent="0">
-              <a:lnSpc>
-                <a:spcPct val="100000"/>
-              </a:lnSpc>
-              <a:spcBef>
-                <a:spcPts val="600"/>
-              </a:spcBef>
-              <a:spcAft>
-                <a:spcPts val="0"/>
-              </a:spcAft>
-            </a:pPr>
-            <a:r>
-              <a:rPr lang="en-GB" sz="1100" dirty="0"/>
-              <a:t>      }</a:t>
-            </a:r>
-          </a:p>
-          <a:p>
-            <a:pPr marL="36000" indent="0">
-              <a:lnSpc>
-                <a:spcPct val="100000"/>
-              </a:lnSpc>
-              <a:spcBef>
-                <a:spcPts val="600"/>
-              </a:spcBef>
-              <a:spcAft>
-                <a:spcPts val="0"/>
-              </a:spcAft>
-            </a:pPr>
-            <a:r>
-              <a:rPr lang="en-GB" sz="1100" dirty="0"/>
-              <a:t>    }</a:t>
-            </a:r>
-          </a:p>
-          <a:p>
-            <a:pPr marL="36000" indent="0">
-              <a:lnSpc>
-                <a:spcPct val="100000"/>
-              </a:lnSpc>
-              <a:spcBef>
-                <a:spcPts val="600"/>
-              </a:spcBef>
-              <a:spcAft>
-                <a:spcPts val="0"/>
-              </a:spcAft>
-            </a:pPr>
-            <a:r>
-              <a:rPr lang="en-GB" sz="1100" dirty="0"/>
-              <a:t>  }    </a:t>
-            </a:r>
-          </a:p>
-        </p:txBody>
-      </p:sp>
-    </p:spTree>
-    <p:extLst>
-      <p:ext uri="{BB962C8B-B14F-4D97-AF65-F5344CB8AC3E}">
-        <p14:creationId xmlns:p14="http://schemas.microsoft.com/office/powerpoint/2010/main" val="3934026767"/>
-      </p:ext>
-    </p:extLst>
-  </p:cSld>
-  <p:clrMapOvr>
-    <a:masterClrMapping/>
-  </p:clrMapOvr>
-</p:sld>
-</file>
-
-<file path=ppt/slides/slide14.xml><?xml version="1.0" encoding="utf-8"?>
+<file path=ppt/slides/slide11.xml><?xml version="1.0" encoding="utf-8"?>
 <p:sld xmlns:a="http://schemas.openxmlformats.org/drawingml/2006/main" xmlns:r="http://schemas.openxmlformats.org/officeDocument/2006/relationships" xmlns:p="http://schemas.openxmlformats.org/presentationml/2006/main">
   <p:cSld>
     <p:spTree>
@@ -9581,6 +7457,1809 @@
 </p:sld>
 </file>
 
+<file path=ppt/slides/slide12.xml><?xml version="1.0" encoding="utf-8"?>
+<p:sld xmlns:a="http://schemas.openxmlformats.org/drawingml/2006/main" xmlns:r="http://schemas.openxmlformats.org/officeDocument/2006/relationships" xmlns:p="http://schemas.openxmlformats.org/presentationml/2006/main">
+  <p:cSld>
+    <p:spTree>
+      <p:nvGrpSpPr>
+        <p:cNvPr id="1" name=""/>
+        <p:cNvGrpSpPr/>
+        <p:nvPr/>
+      </p:nvGrpSpPr>
+      <p:grpSpPr>
+        <a:xfrm>
+          <a:off x="0" y="0"/>
+          <a:ext cx="0" cy="0"/>
+          <a:chOff x="0" y="0"/>
+          <a:chExt cx="0" cy="0"/>
+        </a:xfrm>
+      </p:grpSpPr>
+      <p:sp>
+        <p:nvSpPr>
+          <p:cNvPr id="2" name="Title 1">
+            <a:extLst>
+              <a:ext uri="{FF2B5EF4-FFF2-40B4-BE49-F238E27FC236}">
+                <a16:creationId xmlns:a16="http://schemas.microsoft.com/office/drawing/2014/main" id="{3927750E-CF28-4B48-A10B-BC02EB9CD0FA}"/>
+              </a:ext>
+            </a:extLst>
+          </p:cNvPr>
+          <p:cNvSpPr>
+            <a:spLocks noGrp="1"/>
+          </p:cNvSpPr>
+          <p:nvPr>
+            <p:ph type="title"/>
+          </p:nvPr>
+        </p:nvSpPr>
+        <p:spPr/>
+        <p:txBody>
+          <a:bodyPr/>
+          <a:lstStyle/>
+          <a:p>
+            <a:r>
+              <a:rPr lang="en-US" dirty="0"/>
+              <a:t>Alexa.NET</a:t>
+            </a:r>
+            <a:endParaRPr lang="en-GB" dirty="0"/>
+          </a:p>
+        </p:txBody>
+      </p:sp>
+      <p:sp>
+        <p:nvSpPr>
+          <p:cNvPr id="3" name="Content Placeholder 2">
+            <a:extLst>
+              <a:ext uri="{FF2B5EF4-FFF2-40B4-BE49-F238E27FC236}">
+                <a16:creationId xmlns:a16="http://schemas.microsoft.com/office/drawing/2014/main" id="{F82C128F-C733-41C5-BA02-69C5A8077248}"/>
+              </a:ext>
+            </a:extLst>
+          </p:cNvPr>
+          <p:cNvSpPr>
+            <a:spLocks noGrp="1"/>
+          </p:cNvSpPr>
+          <p:nvPr>
+            <p:ph idx="1"/>
+          </p:nvPr>
+        </p:nvSpPr>
+        <p:spPr/>
+        <p:txBody>
+          <a:bodyPr/>
+          <a:lstStyle/>
+          <a:p>
+            <a:r>
+              <a:rPr lang="en-GB" dirty="0"/>
+              <a:t>Open Source NuGet</a:t>
+            </a:r>
+          </a:p>
+          <a:p>
+            <a:r>
+              <a:rPr lang="en-GB" dirty="0"/>
+              <a:t>Associated Packages</a:t>
+            </a:r>
+          </a:p>
+          <a:p>
+            <a:r>
+              <a:rPr lang="en-GB" dirty="0"/>
+              <a:t>Active Support</a:t>
+            </a:r>
+          </a:p>
+          <a:p>
+            <a:endParaRPr lang="en-GB" dirty="0"/>
+          </a:p>
+        </p:txBody>
+      </p:sp>
+    </p:spTree>
+    <p:extLst>
+      <p:ext uri="{BB962C8B-B14F-4D97-AF65-F5344CB8AC3E}">
+        <p14:creationId xmlns:p14="http://schemas.microsoft.com/office/powerpoint/2010/main" val="4086086888"/>
+      </p:ext>
+    </p:extLst>
+  </p:cSld>
+  <p:clrMapOvr>
+    <a:masterClrMapping/>
+  </p:clrMapOvr>
+</p:sld>
+</file>
+
+<file path=ppt/slides/slide13.xml><?xml version="1.0" encoding="utf-8"?>
+<p:sld xmlns:a="http://schemas.openxmlformats.org/drawingml/2006/main" xmlns:r="http://schemas.openxmlformats.org/officeDocument/2006/relationships" xmlns:p="http://schemas.openxmlformats.org/presentationml/2006/main">
+  <p:cSld>
+    <p:spTree>
+      <p:nvGrpSpPr>
+        <p:cNvPr id="1" name=""/>
+        <p:cNvGrpSpPr/>
+        <p:nvPr/>
+      </p:nvGrpSpPr>
+      <p:grpSpPr>
+        <a:xfrm>
+          <a:off x="0" y="0"/>
+          <a:ext cx="0" cy="0"/>
+          <a:chOff x="0" y="0"/>
+          <a:chExt cx="0" cy="0"/>
+        </a:xfrm>
+      </p:grpSpPr>
+      <p:sp>
+        <p:nvSpPr>
+          <p:cNvPr id="2" name="Title 1">
+            <a:extLst>
+              <a:ext uri="{FF2B5EF4-FFF2-40B4-BE49-F238E27FC236}">
+                <a16:creationId xmlns:a16="http://schemas.microsoft.com/office/drawing/2014/main" id="{D390B2F6-27EF-4CEB-AEE8-484A64B31F4A}"/>
+              </a:ext>
+            </a:extLst>
+          </p:cNvPr>
+          <p:cNvSpPr>
+            <a:spLocks noGrp="1"/>
+          </p:cNvSpPr>
+          <p:nvPr>
+            <p:ph type="title"/>
+          </p:nvPr>
+        </p:nvSpPr>
+        <p:spPr/>
+        <p:txBody>
+          <a:bodyPr/>
+          <a:lstStyle/>
+          <a:p>
+            <a:r>
+              <a:rPr lang="en-GB" dirty="0"/>
+              <a:t>Request Lifecycle</a:t>
+            </a:r>
+          </a:p>
+        </p:txBody>
+      </p:sp>
+      <p:sp>
+        <p:nvSpPr>
+          <p:cNvPr id="3" name="Content Placeholder 2">
+            <a:extLst>
+              <a:ext uri="{FF2B5EF4-FFF2-40B4-BE49-F238E27FC236}">
+                <a16:creationId xmlns:a16="http://schemas.microsoft.com/office/drawing/2014/main" id="{B93768BA-AC76-4FB7-BD4B-9A533AB7271D}"/>
+              </a:ext>
+            </a:extLst>
+          </p:cNvPr>
+          <p:cNvSpPr>
+            <a:spLocks noGrp="1"/>
+          </p:cNvSpPr>
+          <p:nvPr>
+            <p:ph idx="1"/>
+          </p:nvPr>
+        </p:nvSpPr>
+        <p:spPr/>
+        <p:txBody>
+          <a:bodyPr/>
+          <a:lstStyle/>
+          <a:p>
+            <a:endParaRPr lang="en-GB" dirty="0"/>
+          </a:p>
+        </p:txBody>
+      </p:sp>
+      <p:sp>
+        <p:nvSpPr>
+          <p:cNvPr id="4" name="Right Arrow 10">
+            <a:extLst>
+              <a:ext uri="{FF2B5EF4-FFF2-40B4-BE49-F238E27FC236}">
+                <a16:creationId xmlns:a16="http://schemas.microsoft.com/office/drawing/2014/main" id="{A01FDED9-E0C1-42C8-94AD-3B262F15DD85}"/>
+              </a:ext>
+            </a:extLst>
+          </p:cNvPr>
+          <p:cNvSpPr/>
+          <p:nvPr/>
+        </p:nvSpPr>
+        <p:spPr>
+          <a:xfrm>
+            <a:off x="4407419" y="2206351"/>
+            <a:ext cx="951978" cy="336042"/>
+          </a:xfrm>
+          <a:prstGeom prst="rightArrow">
+            <a:avLst/>
+          </a:prstGeom>
+          <a:ln/>
+        </p:spPr>
+        <p:style>
+          <a:lnRef idx="1">
+            <a:schemeClr val="accent6"/>
+          </a:lnRef>
+          <a:fillRef idx="2">
+            <a:schemeClr val="accent6"/>
+          </a:fillRef>
+          <a:effectRef idx="1">
+            <a:schemeClr val="accent6"/>
+          </a:effectRef>
+          <a:fontRef idx="minor">
+            <a:schemeClr val="dk1"/>
+          </a:fontRef>
+        </p:style>
+        <p:txBody>
+          <a:bodyPr rtlCol="0" anchor="ctr"/>
+          <a:lstStyle>
+            <a:defPPr>
+              <a:defRPr lang="en-US"/>
+            </a:defPPr>
+            <a:lvl1pPr marL="0" algn="l" defTabSz="457200" rtl="0" eaLnBrk="1" latinLnBrk="0" hangingPunct="1">
+              <a:defRPr sz="1800" kern="1200">
+                <a:solidFill>
+                  <a:schemeClr val="lt1"/>
+                </a:solidFill>
+                <a:latin typeface="+mn-lt"/>
+                <a:ea typeface="+mn-ea"/>
+                <a:cs typeface="+mn-cs"/>
+              </a:defRPr>
+            </a:lvl1pPr>
+            <a:lvl2pPr marL="457200" algn="l" defTabSz="457200" rtl="0" eaLnBrk="1" latinLnBrk="0" hangingPunct="1">
+              <a:defRPr sz="1800" kern="1200">
+                <a:solidFill>
+                  <a:schemeClr val="lt1"/>
+                </a:solidFill>
+                <a:latin typeface="+mn-lt"/>
+                <a:ea typeface="+mn-ea"/>
+                <a:cs typeface="+mn-cs"/>
+              </a:defRPr>
+            </a:lvl2pPr>
+            <a:lvl3pPr marL="914400" algn="l" defTabSz="457200" rtl="0" eaLnBrk="1" latinLnBrk="0" hangingPunct="1">
+              <a:defRPr sz="1800" kern="1200">
+                <a:solidFill>
+                  <a:schemeClr val="lt1"/>
+                </a:solidFill>
+                <a:latin typeface="+mn-lt"/>
+                <a:ea typeface="+mn-ea"/>
+                <a:cs typeface="+mn-cs"/>
+              </a:defRPr>
+            </a:lvl3pPr>
+            <a:lvl4pPr marL="1371600" algn="l" defTabSz="457200" rtl="0" eaLnBrk="1" latinLnBrk="0" hangingPunct="1">
+              <a:defRPr sz="1800" kern="1200">
+                <a:solidFill>
+                  <a:schemeClr val="lt1"/>
+                </a:solidFill>
+                <a:latin typeface="+mn-lt"/>
+                <a:ea typeface="+mn-ea"/>
+                <a:cs typeface="+mn-cs"/>
+              </a:defRPr>
+            </a:lvl4pPr>
+            <a:lvl5pPr marL="1828800" algn="l" defTabSz="457200" rtl="0" eaLnBrk="1" latinLnBrk="0" hangingPunct="1">
+              <a:defRPr sz="1800" kern="1200">
+                <a:solidFill>
+                  <a:schemeClr val="lt1"/>
+                </a:solidFill>
+                <a:latin typeface="+mn-lt"/>
+                <a:ea typeface="+mn-ea"/>
+                <a:cs typeface="+mn-cs"/>
+              </a:defRPr>
+            </a:lvl5pPr>
+            <a:lvl6pPr marL="2286000" algn="l" defTabSz="457200" rtl="0" eaLnBrk="1" latinLnBrk="0" hangingPunct="1">
+              <a:defRPr sz="1800" kern="1200">
+                <a:solidFill>
+                  <a:schemeClr val="lt1"/>
+                </a:solidFill>
+                <a:latin typeface="+mn-lt"/>
+                <a:ea typeface="+mn-ea"/>
+                <a:cs typeface="+mn-cs"/>
+              </a:defRPr>
+            </a:lvl6pPr>
+            <a:lvl7pPr marL="2743200" algn="l" defTabSz="457200" rtl="0" eaLnBrk="1" latinLnBrk="0" hangingPunct="1">
+              <a:defRPr sz="1800" kern="1200">
+                <a:solidFill>
+                  <a:schemeClr val="lt1"/>
+                </a:solidFill>
+                <a:latin typeface="+mn-lt"/>
+                <a:ea typeface="+mn-ea"/>
+                <a:cs typeface="+mn-cs"/>
+              </a:defRPr>
+            </a:lvl7pPr>
+            <a:lvl8pPr marL="3200400" algn="l" defTabSz="457200" rtl="0" eaLnBrk="1" latinLnBrk="0" hangingPunct="1">
+              <a:defRPr sz="1800" kern="1200">
+                <a:solidFill>
+                  <a:schemeClr val="lt1"/>
+                </a:solidFill>
+                <a:latin typeface="+mn-lt"/>
+                <a:ea typeface="+mn-ea"/>
+                <a:cs typeface="+mn-cs"/>
+              </a:defRPr>
+            </a:lvl8pPr>
+            <a:lvl9pPr marL="3657600" algn="l" defTabSz="457200" rtl="0" eaLnBrk="1" latinLnBrk="0" hangingPunct="1">
+              <a:defRPr sz="1800" kern="1200">
+                <a:solidFill>
+                  <a:schemeClr val="lt1"/>
+                </a:solidFill>
+                <a:latin typeface="+mn-lt"/>
+                <a:ea typeface="+mn-ea"/>
+                <a:cs typeface="+mn-cs"/>
+              </a:defRPr>
+            </a:lvl9pPr>
+          </a:lstStyle>
+          <a:p>
+            <a:pPr algn="ctr"/>
+            <a:endParaRPr lang="en-US"/>
+          </a:p>
+        </p:txBody>
+      </p:sp>
+      <p:sp>
+        <p:nvSpPr>
+          <p:cNvPr id="5" name="TextBox 11">
+            <a:extLst>
+              <a:ext uri="{FF2B5EF4-FFF2-40B4-BE49-F238E27FC236}">
+                <a16:creationId xmlns:a16="http://schemas.microsoft.com/office/drawing/2014/main" id="{77293643-8CFB-42A6-8E83-24C25E498B16}"/>
+              </a:ext>
+            </a:extLst>
+          </p:cNvPr>
+          <p:cNvSpPr txBox="1"/>
+          <p:nvPr/>
+        </p:nvSpPr>
+        <p:spPr>
+          <a:xfrm>
+            <a:off x="5720005" y="2070322"/>
+            <a:ext cx="1684307" cy="523220"/>
+          </a:xfrm>
+          <a:prstGeom prst="rect">
+            <a:avLst/>
+          </a:prstGeom>
+          <a:noFill/>
+        </p:spPr>
+        <p:txBody>
+          <a:bodyPr wrap="none" rtlCol="0">
+            <a:spAutoFit/>
+          </a:bodyPr>
+          <a:lstStyle>
+            <a:defPPr>
+              <a:defRPr lang="en-US"/>
+            </a:defPPr>
+            <a:lvl1pPr marL="0" algn="l" defTabSz="457200" rtl="0" eaLnBrk="1" latinLnBrk="0" hangingPunct="1">
+              <a:defRPr sz="1800" kern="1200">
+                <a:solidFill>
+                  <a:schemeClr val="tx1"/>
+                </a:solidFill>
+                <a:latin typeface="+mn-lt"/>
+                <a:ea typeface="+mn-ea"/>
+                <a:cs typeface="+mn-cs"/>
+              </a:defRPr>
+            </a:lvl1pPr>
+            <a:lvl2pPr marL="457200" algn="l" defTabSz="457200" rtl="0" eaLnBrk="1" latinLnBrk="0" hangingPunct="1">
+              <a:defRPr sz="1800" kern="1200">
+                <a:solidFill>
+                  <a:schemeClr val="tx1"/>
+                </a:solidFill>
+                <a:latin typeface="+mn-lt"/>
+                <a:ea typeface="+mn-ea"/>
+                <a:cs typeface="+mn-cs"/>
+              </a:defRPr>
+            </a:lvl2pPr>
+            <a:lvl3pPr marL="914400" algn="l" defTabSz="457200" rtl="0" eaLnBrk="1" latinLnBrk="0" hangingPunct="1">
+              <a:defRPr sz="1800" kern="1200">
+                <a:solidFill>
+                  <a:schemeClr val="tx1"/>
+                </a:solidFill>
+                <a:latin typeface="+mn-lt"/>
+                <a:ea typeface="+mn-ea"/>
+                <a:cs typeface="+mn-cs"/>
+              </a:defRPr>
+            </a:lvl3pPr>
+            <a:lvl4pPr marL="1371600" algn="l" defTabSz="457200" rtl="0" eaLnBrk="1" latinLnBrk="0" hangingPunct="1">
+              <a:defRPr sz="1800" kern="1200">
+                <a:solidFill>
+                  <a:schemeClr val="tx1"/>
+                </a:solidFill>
+                <a:latin typeface="+mn-lt"/>
+                <a:ea typeface="+mn-ea"/>
+                <a:cs typeface="+mn-cs"/>
+              </a:defRPr>
+            </a:lvl4pPr>
+            <a:lvl5pPr marL="1828800" algn="l" defTabSz="457200" rtl="0" eaLnBrk="1" latinLnBrk="0" hangingPunct="1">
+              <a:defRPr sz="1800" kern="1200">
+                <a:solidFill>
+                  <a:schemeClr val="tx1"/>
+                </a:solidFill>
+                <a:latin typeface="+mn-lt"/>
+                <a:ea typeface="+mn-ea"/>
+                <a:cs typeface="+mn-cs"/>
+              </a:defRPr>
+            </a:lvl5pPr>
+            <a:lvl6pPr marL="2286000" algn="l" defTabSz="457200" rtl="0" eaLnBrk="1" latinLnBrk="0" hangingPunct="1">
+              <a:defRPr sz="1800" kern="1200">
+                <a:solidFill>
+                  <a:schemeClr val="tx1"/>
+                </a:solidFill>
+                <a:latin typeface="+mn-lt"/>
+                <a:ea typeface="+mn-ea"/>
+                <a:cs typeface="+mn-cs"/>
+              </a:defRPr>
+            </a:lvl6pPr>
+            <a:lvl7pPr marL="2743200" algn="l" defTabSz="457200" rtl="0" eaLnBrk="1" latinLnBrk="0" hangingPunct="1">
+              <a:defRPr sz="1800" kern="1200">
+                <a:solidFill>
+                  <a:schemeClr val="tx1"/>
+                </a:solidFill>
+                <a:latin typeface="+mn-lt"/>
+                <a:ea typeface="+mn-ea"/>
+                <a:cs typeface="+mn-cs"/>
+              </a:defRPr>
+            </a:lvl7pPr>
+            <a:lvl8pPr marL="3200400" algn="l" defTabSz="457200" rtl="0" eaLnBrk="1" latinLnBrk="0" hangingPunct="1">
+              <a:defRPr sz="1800" kern="1200">
+                <a:solidFill>
+                  <a:schemeClr val="tx1"/>
+                </a:solidFill>
+                <a:latin typeface="+mn-lt"/>
+                <a:ea typeface="+mn-ea"/>
+                <a:cs typeface="+mn-cs"/>
+              </a:defRPr>
+            </a:lvl8pPr>
+            <a:lvl9pPr marL="3657600" algn="l" defTabSz="457200" rtl="0" eaLnBrk="1" latinLnBrk="0" hangingPunct="1">
+              <a:defRPr sz="1800" kern="1200">
+                <a:solidFill>
+                  <a:schemeClr val="tx1"/>
+                </a:solidFill>
+                <a:latin typeface="+mn-lt"/>
+                <a:ea typeface="+mn-ea"/>
+                <a:cs typeface="+mn-cs"/>
+              </a:defRPr>
+            </a:lvl9pPr>
+          </a:lstStyle>
+          <a:p>
+            <a:r>
+              <a:rPr lang="en-US" sz="2800" dirty="0">
+                <a:solidFill>
+                  <a:schemeClr val="tx1">
+                    <a:lumMod val="50000"/>
+                    <a:lumOff val="50000"/>
+                  </a:schemeClr>
+                </a:solidFill>
+              </a:rPr>
+              <a:t>{ request }</a:t>
+            </a:r>
+          </a:p>
+        </p:txBody>
+      </p:sp>
+      <p:sp>
+        <p:nvSpPr>
+          <p:cNvPr id="6" name="TextBox 12">
+            <a:extLst>
+              <a:ext uri="{FF2B5EF4-FFF2-40B4-BE49-F238E27FC236}">
+                <a16:creationId xmlns:a16="http://schemas.microsoft.com/office/drawing/2014/main" id="{A6EC1B9F-4008-42D3-8D30-4FD6A15580F8}"/>
+              </a:ext>
+            </a:extLst>
+          </p:cNvPr>
+          <p:cNvSpPr txBox="1"/>
+          <p:nvPr/>
+        </p:nvSpPr>
+        <p:spPr>
+          <a:xfrm>
+            <a:off x="8968060" y="3178625"/>
+            <a:ext cx="663880" cy="1107996"/>
+          </a:xfrm>
+          <a:prstGeom prst="rect">
+            <a:avLst/>
+          </a:prstGeom>
+          <a:noFill/>
+        </p:spPr>
+        <p:txBody>
+          <a:bodyPr wrap="square" rtlCol="0">
+            <a:spAutoFit/>
+          </a:bodyPr>
+          <a:lstStyle>
+            <a:defPPr>
+              <a:defRPr lang="en-US"/>
+            </a:defPPr>
+            <a:lvl1pPr marL="0" algn="l" defTabSz="457200" rtl="0" eaLnBrk="1" latinLnBrk="0" hangingPunct="1">
+              <a:defRPr sz="1800" kern="1200">
+                <a:solidFill>
+                  <a:schemeClr val="tx1"/>
+                </a:solidFill>
+                <a:latin typeface="+mn-lt"/>
+                <a:ea typeface="+mn-ea"/>
+                <a:cs typeface="+mn-cs"/>
+              </a:defRPr>
+            </a:lvl1pPr>
+            <a:lvl2pPr marL="457200" algn="l" defTabSz="457200" rtl="0" eaLnBrk="1" latinLnBrk="0" hangingPunct="1">
+              <a:defRPr sz="1800" kern="1200">
+                <a:solidFill>
+                  <a:schemeClr val="tx1"/>
+                </a:solidFill>
+                <a:latin typeface="+mn-lt"/>
+                <a:ea typeface="+mn-ea"/>
+                <a:cs typeface="+mn-cs"/>
+              </a:defRPr>
+            </a:lvl2pPr>
+            <a:lvl3pPr marL="914400" algn="l" defTabSz="457200" rtl="0" eaLnBrk="1" latinLnBrk="0" hangingPunct="1">
+              <a:defRPr sz="1800" kern="1200">
+                <a:solidFill>
+                  <a:schemeClr val="tx1"/>
+                </a:solidFill>
+                <a:latin typeface="+mn-lt"/>
+                <a:ea typeface="+mn-ea"/>
+                <a:cs typeface="+mn-cs"/>
+              </a:defRPr>
+            </a:lvl3pPr>
+            <a:lvl4pPr marL="1371600" algn="l" defTabSz="457200" rtl="0" eaLnBrk="1" latinLnBrk="0" hangingPunct="1">
+              <a:defRPr sz="1800" kern="1200">
+                <a:solidFill>
+                  <a:schemeClr val="tx1"/>
+                </a:solidFill>
+                <a:latin typeface="+mn-lt"/>
+                <a:ea typeface="+mn-ea"/>
+                <a:cs typeface="+mn-cs"/>
+              </a:defRPr>
+            </a:lvl4pPr>
+            <a:lvl5pPr marL="1828800" algn="l" defTabSz="457200" rtl="0" eaLnBrk="1" latinLnBrk="0" hangingPunct="1">
+              <a:defRPr sz="1800" kern="1200">
+                <a:solidFill>
+                  <a:schemeClr val="tx1"/>
+                </a:solidFill>
+                <a:latin typeface="+mn-lt"/>
+                <a:ea typeface="+mn-ea"/>
+                <a:cs typeface="+mn-cs"/>
+              </a:defRPr>
+            </a:lvl5pPr>
+            <a:lvl6pPr marL="2286000" algn="l" defTabSz="457200" rtl="0" eaLnBrk="1" latinLnBrk="0" hangingPunct="1">
+              <a:defRPr sz="1800" kern="1200">
+                <a:solidFill>
+                  <a:schemeClr val="tx1"/>
+                </a:solidFill>
+                <a:latin typeface="+mn-lt"/>
+                <a:ea typeface="+mn-ea"/>
+                <a:cs typeface="+mn-cs"/>
+              </a:defRPr>
+            </a:lvl6pPr>
+            <a:lvl7pPr marL="2743200" algn="l" defTabSz="457200" rtl="0" eaLnBrk="1" latinLnBrk="0" hangingPunct="1">
+              <a:defRPr sz="1800" kern="1200">
+                <a:solidFill>
+                  <a:schemeClr val="tx1"/>
+                </a:solidFill>
+                <a:latin typeface="+mn-lt"/>
+                <a:ea typeface="+mn-ea"/>
+                <a:cs typeface="+mn-cs"/>
+              </a:defRPr>
+            </a:lvl7pPr>
+            <a:lvl8pPr marL="3200400" algn="l" defTabSz="457200" rtl="0" eaLnBrk="1" latinLnBrk="0" hangingPunct="1">
+              <a:defRPr sz="1800" kern="1200">
+                <a:solidFill>
+                  <a:schemeClr val="tx1"/>
+                </a:solidFill>
+                <a:latin typeface="+mn-lt"/>
+                <a:ea typeface="+mn-ea"/>
+                <a:cs typeface="+mn-cs"/>
+              </a:defRPr>
+            </a:lvl8pPr>
+            <a:lvl9pPr marL="3657600" algn="l" defTabSz="457200" rtl="0" eaLnBrk="1" latinLnBrk="0" hangingPunct="1">
+              <a:defRPr sz="1800" kern="1200">
+                <a:solidFill>
+                  <a:schemeClr val="tx1"/>
+                </a:solidFill>
+                <a:latin typeface="+mn-lt"/>
+                <a:ea typeface="+mn-ea"/>
+                <a:cs typeface="+mn-cs"/>
+              </a:defRPr>
+            </a:lvl9pPr>
+          </a:lstStyle>
+          <a:p>
+            <a:r>
+              <a:rPr lang="en-US" sz="6600" dirty="0">
+                <a:ln w="0"/>
+                <a:solidFill>
+                  <a:schemeClr val="accent1"/>
+                </a:solidFill>
+                <a:effectLst>
+                  <a:outerShdw blurRad="38100" dist="25400" dir="5400000" algn="ctr" rotWithShape="0">
+                    <a:srgbClr val="6E747A">
+                      <a:alpha val="43000"/>
+                    </a:srgbClr>
+                  </a:outerShdw>
+                </a:effectLst>
+              </a:rPr>
+              <a:t>🎉</a:t>
+            </a:r>
+          </a:p>
+        </p:txBody>
+      </p:sp>
+      <p:sp>
+        <p:nvSpPr>
+          <p:cNvPr id="7" name="Right Arrow 13">
+            <a:extLst>
+              <a:ext uri="{FF2B5EF4-FFF2-40B4-BE49-F238E27FC236}">
+                <a16:creationId xmlns:a16="http://schemas.microsoft.com/office/drawing/2014/main" id="{3C1EE5F4-1C71-4D20-9F29-6D8AE973043F}"/>
+              </a:ext>
+            </a:extLst>
+          </p:cNvPr>
+          <p:cNvSpPr/>
+          <p:nvPr/>
+        </p:nvSpPr>
+        <p:spPr>
+          <a:xfrm rot="2176267">
+            <a:off x="8002388" y="2593542"/>
+            <a:ext cx="951978" cy="336042"/>
+          </a:xfrm>
+          <a:prstGeom prst="rightArrow">
+            <a:avLst/>
+          </a:prstGeom>
+          <a:ln/>
+        </p:spPr>
+        <p:style>
+          <a:lnRef idx="1">
+            <a:schemeClr val="accent6"/>
+          </a:lnRef>
+          <a:fillRef idx="2">
+            <a:schemeClr val="accent6"/>
+          </a:fillRef>
+          <a:effectRef idx="1">
+            <a:schemeClr val="accent6"/>
+          </a:effectRef>
+          <a:fontRef idx="minor">
+            <a:schemeClr val="dk1"/>
+          </a:fontRef>
+        </p:style>
+        <p:txBody>
+          <a:bodyPr rtlCol="0" anchor="ctr"/>
+          <a:lstStyle>
+            <a:defPPr>
+              <a:defRPr lang="en-US"/>
+            </a:defPPr>
+            <a:lvl1pPr marL="0" algn="l" defTabSz="457200" rtl="0" eaLnBrk="1" latinLnBrk="0" hangingPunct="1">
+              <a:defRPr sz="1800" kern="1200">
+                <a:solidFill>
+                  <a:schemeClr val="lt1"/>
+                </a:solidFill>
+                <a:latin typeface="+mn-lt"/>
+                <a:ea typeface="+mn-ea"/>
+                <a:cs typeface="+mn-cs"/>
+              </a:defRPr>
+            </a:lvl1pPr>
+            <a:lvl2pPr marL="457200" algn="l" defTabSz="457200" rtl="0" eaLnBrk="1" latinLnBrk="0" hangingPunct="1">
+              <a:defRPr sz="1800" kern="1200">
+                <a:solidFill>
+                  <a:schemeClr val="lt1"/>
+                </a:solidFill>
+                <a:latin typeface="+mn-lt"/>
+                <a:ea typeface="+mn-ea"/>
+                <a:cs typeface="+mn-cs"/>
+              </a:defRPr>
+            </a:lvl2pPr>
+            <a:lvl3pPr marL="914400" algn="l" defTabSz="457200" rtl="0" eaLnBrk="1" latinLnBrk="0" hangingPunct="1">
+              <a:defRPr sz="1800" kern="1200">
+                <a:solidFill>
+                  <a:schemeClr val="lt1"/>
+                </a:solidFill>
+                <a:latin typeface="+mn-lt"/>
+                <a:ea typeface="+mn-ea"/>
+                <a:cs typeface="+mn-cs"/>
+              </a:defRPr>
+            </a:lvl3pPr>
+            <a:lvl4pPr marL="1371600" algn="l" defTabSz="457200" rtl="0" eaLnBrk="1" latinLnBrk="0" hangingPunct="1">
+              <a:defRPr sz="1800" kern="1200">
+                <a:solidFill>
+                  <a:schemeClr val="lt1"/>
+                </a:solidFill>
+                <a:latin typeface="+mn-lt"/>
+                <a:ea typeface="+mn-ea"/>
+                <a:cs typeface="+mn-cs"/>
+              </a:defRPr>
+            </a:lvl4pPr>
+            <a:lvl5pPr marL="1828800" algn="l" defTabSz="457200" rtl="0" eaLnBrk="1" latinLnBrk="0" hangingPunct="1">
+              <a:defRPr sz="1800" kern="1200">
+                <a:solidFill>
+                  <a:schemeClr val="lt1"/>
+                </a:solidFill>
+                <a:latin typeface="+mn-lt"/>
+                <a:ea typeface="+mn-ea"/>
+                <a:cs typeface="+mn-cs"/>
+              </a:defRPr>
+            </a:lvl5pPr>
+            <a:lvl6pPr marL="2286000" algn="l" defTabSz="457200" rtl="0" eaLnBrk="1" latinLnBrk="0" hangingPunct="1">
+              <a:defRPr sz="1800" kern="1200">
+                <a:solidFill>
+                  <a:schemeClr val="lt1"/>
+                </a:solidFill>
+                <a:latin typeface="+mn-lt"/>
+                <a:ea typeface="+mn-ea"/>
+                <a:cs typeface="+mn-cs"/>
+              </a:defRPr>
+            </a:lvl6pPr>
+            <a:lvl7pPr marL="2743200" algn="l" defTabSz="457200" rtl="0" eaLnBrk="1" latinLnBrk="0" hangingPunct="1">
+              <a:defRPr sz="1800" kern="1200">
+                <a:solidFill>
+                  <a:schemeClr val="lt1"/>
+                </a:solidFill>
+                <a:latin typeface="+mn-lt"/>
+                <a:ea typeface="+mn-ea"/>
+                <a:cs typeface="+mn-cs"/>
+              </a:defRPr>
+            </a:lvl7pPr>
+            <a:lvl8pPr marL="3200400" algn="l" defTabSz="457200" rtl="0" eaLnBrk="1" latinLnBrk="0" hangingPunct="1">
+              <a:defRPr sz="1800" kern="1200">
+                <a:solidFill>
+                  <a:schemeClr val="lt1"/>
+                </a:solidFill>
+                <a:latin typeface="+mn-lt"/>
+                <a:ea typeface="+mn-ea"/>
+                <a:cs typeface="+mn-cs"/>
+              </a:defRPr>
+            </a:lvl8pPr>
+            <a:lvl9pPr marL="3657600" algn="l" defTabSz="457200" rtl="0" eaLnBrk="1" latinLnBrk="0" hangingPunct="1">
+              <a:defRPr sz="1800" kern="1200">
+                <a:solidFill>
+                  <a:schemeClr val="lt1"/>
+                </a:solidFill>
+                <a:latin typeface="+mn-lt"/>
+                <a:ea typeface="+mn-ea"/>
+                <a:cs typeface="+mn-cs"/>
+              </a:defRPr>
+            </a:lvl9pPr>
+          </a:lstStyle>
+          <a:p>
+            <a:pPr algn="ctr"/>
+            <a:endParaRPr lang="en-US"/>
+          </a:p>
+        </p:txBody>
+      </p:sp>
+      <p:sp>
+        <p:nvSpPr>
+          <p:cNvPr id="8" name="Right Arrow 14">
+            <a:extLst>
+              <a:ext uri="{FF2B5EF4-FFF2-40B4-BE49-F238E27FC236}">
+                <a16:creationId xmlns:a16="http://schemas.microsoft.com/office/drawing/2014/main" id="{9D80D334-1798-45D1-85CA-283B9202EC29}"/>
+              </a:ext>
+            </a:extLst>
+          </p:cNvPr>
+          <p:cNvSpPr/>
+          <p:nvPr/>
+        </p:nvSpPr>
+        <p:spPr>
+          <a:xfrm rot="8498376">
+            <a:off x="8014563" y="4738143"/>
+            <a:ext cx="951978" cy="336042"/>
+          </a:xfrm>
+          <a:prstGeom prst="rightArrow">
+            <a:avLst/>
+          </a:prstGeom>
+          <a:ln/>
+        </p:spPr>
+        <p:style>
+          <a:lnRef idx="1">
+            <a:schemeClr val="accent6"/>
+          </a:lnRef>
+          <a:fillRef idx="2">
+            <a:schemeClr val="accent6"/>
+          </a:fillRef>
+          <a:effectRef idx="1">
+            <a:schemeClr val="accent6"/>
+          </a:effectRef>
+          <a:fontRef idx="minor">
+            <a:schemeClr val="dk1"/>
+          </a:fontRef>
+        </p:style>
+        <p:txBody>
+          <a:bodyPr rtlCol="0" anchor="ctr"/>
+          <a:lstStyle>
+            <a:defPPr>
+              <a:defRPr lang="en-US"/>
+            </a:defPPr>
+            <a:lvl1pPr marL="0" algn="l" defTabSz="457200" rtl="0" eaLnBrk="1" latinLnBrk="0" hangingPunct="1">
+              <a:defRPr sz="1800" kern="1200">
+                <a:solidFill>
+                  <a:schemeClr val="lt1"/>
+                </a:solidFill>
+                <a:latin typeface="+mn-lt"/>
+                <a:ea typeface="+mn-ea"/>
+                <a:cs typeface="+mn-cs"/>
+              </a:defRPr>
+            </a:lvl1pPr>
+            <a:lvl2pPr marL="457200" algn="l" defTabSz="457200" rtl="0" eaLnBrk="1" latinLnBrk="0" hangingPunct="1">
+              <a:defRPr sz="1800" kern="1200">
+                <a:solidFill>
+                  <a:schemeClr val="lt1"/>
+                </a:solidFill>
+                <a:latin typeface="+mn-lt"/>
+                <a:ea typeface="+mn-ea"/>
+                <a:cs typeface="+mn-cs"/>
+              </a:defRPr>
+            </a:lvl2pPr>
+            <a:lvl3pPr marL="914400" algn="l" defTabSz="457200" rtl="0" eaLnBrk="1" latinLnBrk="0" hangingPunct="1">
+              <a:defRPr sz="1800" kern="1200">
+                <a:solidFill>
+                  <a:schemeClr val="lt1"/>
+                </a:solidFill>
+                <a:latin typeface="+mn-lt"/>
+                <a:ea typeface="+mn-ea"/>
+                <a:cs typeface="+mn-cs"/>
+              </a:defRPr>
+            </a:lvl3pPr>
+            <a:lvl4pPr marL="1371600" algn="l" defTabSz="457200" rtl="0" eaLnBrk="1" latinLnBrk="0" hangingPunct="1">
+              <a:defRPr sz="1800" kern="1200">
+                <a:solidFill>
+                  <a:schemeClr val="lt1"/>
+                </a:solidFill>
+                <a:latin typeface="+mn-lt"/>
+                <a:ea typeface="+mn-ea"/>
+                <a:cs typeface="+mn-cs"/>
+              </a:defRPr>
+            </a:lvl4pPr>
+            <a:lvl5pPr marL="1828800" algn="l" defTabSz="457200" rtl="0" eaLnBrk="1" latinLnBrk="0" hangingPunct="1">
+              <a:defRPr sz="1800" kern="1200">
+                <a:solidFill>
+                  <a:schemeClr val="lt1"/>
+                </a:solidFill>
+                <a:latin typeface="+mn-lt"/>
+                <a:ea typeface="+mn-ea"/>
+                <a:cs typeface="+mn-cs"/>
+              </a:defRPr>
+            </a:lvl5pPr>
+            <a:lvl6pPr marL="2286000" algn="l" defTabSz="457200" rtl="0" eaLnBrk="1" latinLnBrk="0" hangingPunct="1">
+              <a:defRPr sz="1800" kern="1200">
+                <a:solidFill>
+                  <a:schemeClr val="lt1"/>
+                </a:solidFill>
+                <a:latin typeface="+mn-lt"/>
+                <a:ea typeface="+mn-ea"/>
+                <a:cs typeface="+mn-cs"/>
+              </a:defRPr>
+            </a:lvl6pPr>
+            <a:lvl7pPr marL="2743200" algn="l" defTabSz="457200" rtl="0" eaLnBrk="1" latinLnBrk="0" hangingPunct="1">
+              <a:defRPr sz="1800" kern="1200">
+                <a:solidFill>
+                  <a:schemeClr val="lt1"/>
+                </a:solidFill>
+                <a:latin typeface="+mn-lt"/>
+                <a:ea typeface="+mn-ea"/>
+                <a:cs typeface="+mn-cs"/>
+              </a:defRPr>
+            </a:lvl7pPr>
+            <a:lvl8pPr marL="3200400" algn="l" defTabSz="457200" rtl="0" eaLnBrk="1" latinLnBrk="0" hangingPunct="1">
+              <a:defRPr sz="1800" kern="1200">
+                <a:solidFill>
+                  <a:schemeClr val="lt1"/>
+                </a:solidFill>
+                <a:latin typeface="+mn-lt"/>
+                <a:ea typeface="+mn-ea"/>
+                <a:cs typeface="+mn-cs"/>
+              </a:defRPr>
+            </a:lvl8pPr>
+            <a:lvl9pPr marL="3657600" algn="l" defTabSz="457200" rtl="0" eaLnBrk="1" latinLnBrk="0" hangingPunct="1">
+              <a:defRPr sz="1800" kern="1200">
+                <a:solidFill>
+                  <a:schemeClr val="lt1"/>
+                </a:solidFill>
+                <a:latin typeface="+mn-lt"/>
+                <a:ea typeface="+mn-ea"/>
+                <a:cs typeface="+mn-cs"/>
+              </a:defRPr>
+            </a:lvl9pPr>
+          </a:lstStyle>
+          <a:p>
+            <a:pPr algn="ctr"/>
+            <a:endParaRPr lang="en-US"/>
+          </a:p>
+        </p:txBody>
+      </p:sp>
+      <p:sp>
+        <p:nvSpPr>
+          <p:cNvPr id="9" name="TextBox 15">
+            <a:extLst>
+              <a:ext uri="{FF2B5EF4-FFF2-40B4-BE49-F238E27FC236}">
+                <a16:creationId xmlns:a16="http://schemas.microsoft.com/office/drawing/2014/main" id="{E64E991B-688A-4E6C-B1DD-2898D815B9B9}"/>
+              </a:ext>
+            </a:extLst>
+          </p:cNvPr>
+          <p:cNvSpPr txBox="1"/>
+          <p:nvPr/>
+        </p:nvSpPr>
+        <p:spPr>
+          <a:xfrm>
+            <a:off x="5592566" y="4906164"/>
+            <a:ext cx="1898340" cy="523220"/>
+          </a:xfrm>
+          <a:prstGeom prst="rect">
+            <a:avLst/>
+          </a:prstGeom>
+          <a:noFill/>
+        </p:spPr>
+        <p:txBody>
+          <a:bodyPr wrap="none" rtlCol="0">
+            <a:spAutoFit/>
+          </a:bodyPr>
+          <a:lstStyle>
+            <a:defPPr>
+              <a:defRPr lang="en-US"/>
+            </a:defPPr>
+            <a:lvl1pPr marL="0" algn="l" defTabSz="457200" rtl="0" eaLnBrk="1" latinLnBrk="0" hangingPunct="1">
+              <a:defRPr sz="1800" kern="1200">
+                <a:solidFill>
+                  <a:schemeClr val="tx1"/>
+                </a:solidFill>
+                <a:latin typeface="+mn-lt"/>
+                <a:ea typeface="+mn-ea"/>
+                <a:cs typeface="+mn-cs"/>
+              </a:defRPr>
+            </a:lvl1pPr>
+            <a:lvl2pPr marL="457200" algn="l" defTabSz="457200" rtl="0" eaLnBrk="1" latinLnBrk="0" hangingPunct="1">
+              <a:defRPr sz="1800" kern="1200">
+                <a:solidFill>
+                  <a:schemeClr val="tx1"/>
+                </a:solidFill>
+                <a:latin typeface="+mn-lt"/>
+                <a:ea typeface="+mn-ea"/>
+                <a:cs typeface="+mn-cs"/>
+              </a:defRPr>
+            </a:lvl2pPr>
+            <a:lvl3pPr marL="914400" algn="l" defTabSz="457200" rtl="0" eaLnBrk="1" latinLnBrk="0" hangingPunct="1">
+              <a:defRPr sz="1800" kern="1200">
+                <a:solidFill>
+                  <a:schemeClr val="tx1"/>
+                </a:solidFill>
+                <a:latin typeface="+mn-lt"/>
+                <a:ea typeface="+mn-ea"/>
+                <a:cs typeface="+mn-cs"/>
+              </a:defRPr>
+            </a:lvl3pPr>
+            <a:lvl4pPr marL="1371600" algn="l" defTabSz="457200" rtl="0" eaLnBrk="1" latinLnBrk="0" hangingPunct="1">
+              <a:defRPr sz="1800" kern="1200">
+                <a:solidFill>
+                  <a:schemeClr val="tx1"/>
+                </a:solidFill>
+                <a:latin typeface="+mn-lt"/>
+                <a:ea typeface="+mn-ea"/>
+                <a:cs typeface="+mn-cs"/>
+              </a:defRPr>
+            </a:lvl4pPr>
+            <a:lvl5pPr marL="1828800" algn="l" defTabSz="457200" rtl="0" eaLnBrk="1" latinLnBrk="0" hangingPunct="1">
+              <a:defRPr sz="1800" kern="1200">
+                <a:solidFill>
+                  <a:schemeClr val="tx1"/>
+                </a:solidFill>
+                <a:latin typeface="+mn-lt"/>
+                <a:ea typeface="+mn-ea"/>
+                <a:cs typeface="+mn-cs"/>
+              </a:defRPr>
+            </a:lvl5pPr>
+            <a:lvl6pPr marL="2286000" algn="l" defTabSz="457200" rtl="0" eaLnBrk="1" latinLnBrk="0" hangingPunct="1">
+              <a:defRPr sz="1800" kern="1200">
+                <a:solidFill>
+                  <a:schemeClr val="tx1"/>
+                </a:solidFill>
+                <a:latin typeface="+mn-lt"/>
+                <a:ea typeface="+mn-ea"/>
+                <a:cs typeface="+mn-cs"/>
+              </a:defRPr>
+            </a:lvl6pPr>
+            <a:lvl7pPr marL="2743200" algn="l" defTabSz="457200" rtl="0" eaLnBrk="1" latinLnBrk="0" hangingPunct="1">
+              <a:defRPr sz="1800" kern="1200">
+                <a:solidFill>
+                  <a:schemeClr val="tx1"/>
+                </a:solidFill>
+                <a:latin typeface="+mn-lt"/>
+                <a:ea typeface="+mn-ea"/>
+                <a:cs typeface="+mn-cs"/>
+              </a:defRPr>
+            </a:lvl7pPr>
+            <a:lvl8pPr marL="3200400" algn="l" defTabSz="457200" rtl="0" eaLnBrk="1" latinLnBrk="0" hangingPunct="1">
+              <a:defRPr sz="1800" kern="1200">
+                <a:solidFill>
+                  <a:schemeClr val="tx1"/>
+                </a:solidFill>
+                <a:latin typeface="+mn-lt"/>
+                <a:ea typeface="+mn-ea"/>
+                <a:cs typeface="+mn-cs"/>
+              </a:defRPr>
+            </a:lvl8pPr>
+            <a:lvl9pPr marL="3657600" algn="l" defTabSz="457200" rtl="0" eaLnBrk="1" latinLnBrk="0" hangingPunct="1">
+              <a:defRPr sz="1800" kern="1200">
+                <a:solidFill>
+                  <a:schemeClr val="tx1"/>
+                </a:solidFill>
+                <a:latin typeface="+mn-lt"/>
+                <a:ea typeface="+mn-ea"/>
+                <a:cs typeface="+mn-cs"/>
+              </a:defRPr>
+            </a:lvl9pPr>
+          </a:lstStyle>
+          <a:p>
+            <a:r>
+              <a:rPr lang="en-US" sz="2800" dirty="0">
+                <a:solidFill>
+                  <a:schemeClr val="tx1">
+                    <a:lumMod val="50000"/>
+                    <a:lumOff val="50000"/>
+                  </a:schemeClr>
+                </a:solidFill>
+              </a:rPr>
+              <a:t>{ response }</a:t>
+            </a:r>
+          </a:p>
+        </p:txBody>
+      </p:sp>
+      <p:pic>
+        <p:nvPicPr>
+          <p:cNvPr id="12" name="Picture 2" descr="Image result for talking head emoji">
+            <a:extLst>
+              <a:ext uri="{FF2B5EF4-FFF2-40B4-BE49-F238E27FC236}">
+                <a16:creationId xmlns:a16="http://schemas.microsoft.com/office/drawing/2014/main" id="{3D0D74F4-F045-47A4-B593-765CA7A52C47}"/>
+              </a:ext>
+            </a:extLst>
+          </p:cNvPr>
+          <p:cNvPicPr>
+            <a:picLocks noChangeAspect="1" noChangeArrowheads="1"/>
+          </p:cNvPicPr>
+          <p:nvPr/>
+        </p:nvPicPr>
+        <p:blipFill>
+          <a:blip r:embed="rId3">
+            <a:duotone>
+              <a:schemeClr val="accent1">
+                <a:shade val="45000"/>
+                <a:satMod val="135000"/>
+              </a:schemeClr>
+              <a:prstClr val="white"/>
+            </a:duotone>
+            <a:extLst>
+              <a:ext uri="{BEBA8EAE-BF5A-486C-A8C5-ECC9F3942E4B}">
+                <a14:imgProps xmlns:a14="http://schemas.microsoft.com/office/drawing/2010/main">
+                  <a14:imgLayer r:embed="rId4">
+                    <a14:imgEffect>
+                      <a14:saturation sat="33000"/>
+                    </a14:imgEffect>
+                  </a14:imgLayer>
+                </a14:imgProps>
+              </a:ext>
+              <a:ext uri="{28A0092B-C50C-407E-A947-70E740481C1C}">
+                <a14:useLocalDpi xmlns:a14="http://schemas.microsoft.com/office/drawing/2010/main" val="0"/>
+              </a:ext>
+            </a:extLst>
+          </a:blip>
+          <a:srcRect/>
+          <a:stretch>
+            <a:fillRect/>
+          </a:stretch>
+        </p:blipFill>
+        <p:spPr bwMode="auto">
+          <a:xfrm>
+            <a:off x="2904332" y="1845734"/>
+            <a:ext cx="1057275" cy="1057275"/>
+          </a:xfrm>
+          <a:prstGeom prst="rect">
+            <a:avLst/>
+          </a:prstGeom>
+          <a:noFill/>
+          <a:extLst>
+            <a:ext uri="{909E8E84-426E-40DD-AFC4-6F175D3DCCD1}">
+              <a14:hiddenFill xmlns:a14="http://schemas.microsoft.com/office/drawing/2010/main">
+                <a:solidFill>
+                  <a:srgbClr val="FFFFFF"/>
+                </a:solidFill>
+              </a14:hiddenFill>
+            </a:ext>
+          </a:extLst>
+        </p:spPr>
+      </p:pic>
+    </p:spTree>
+    <p:extLst>
+      <p:ext uri="{BB962C8B-B14F-4D97-AF65-F5344CB8AC3E}">
+        <p14:creationId xmlns:p14="http://schemas.microsoft.com/office/powerpoint/2010/main" val="2627073643"/>
+      </p:ext>
+    </p:extLst>
+  </p:cSld>
+  <p:clrMapOvr>
+    <a:masterClrMapping/>
+  </p:clrMapOvr>
+</p:sld>
+</file>
+
+<file path=ppt/slides/slide14.xml><?xml version="1.0" encoding="utf-8"?>
+<p:sld xmlns:a="http://schemas.openxmlformats.org/drawingml/2006/main" xmlns:r="http://schemas.openxmlformats.org/officeDocument/2006/relationships" xmlns:p="http://schemas.openxmlformats.org/presentationml/2006/main">
+  <p:cSld>
+    <p:spTree>
+      <p:nvGrpSpPr>
+        <p:cNvPr id="1" name=""/>
+        <p:cNvGrpSpPr/>
+        <p:nvPr/>
+      </p:nvGrpSpPr>
+      <p:grpSpPr>
+        <a:xfrm>
+          <a:off x="0" y="0"/>
+          <a:ext cx="0" cy="0"/>
+          <a:chOff x="0" y="0"/>
+          <a:chExt cx="0" cy="0"/>
+        </a:xfrm>
+      </p:grpSpPr>
+      <p:sp>
+        <p:nvSpPr>
+          <p:cNvPr id="2" name="Title 1">
+            <a:extLst>
+              <a:ext uri="{FF2B5EF4-FFF2-40B4-BE49-F238E27FC236}">
+                <a16:creationId xmlns:a16="http://schemas.microsoft.com/office/drawing/2014/main" id="{D390B2F6-27EF-4CEB-AEE8-484A64B31F4A}"/>
+              </a:ext>
+            </a:extLst>
+          </p:cNvPr>
+          <p:cNvSpPr>
+            <a:spLocks noGrp="1"/>
+          </p:cNvSpPr>
+          <p:nvPr>
+            <p:ph type="title"/>
+          </p:nvPr>
+        </p:nvSpPr>
+        <p:spPr/>
+        <p:txBody>
+          <a:bodyPr/>
+          <a:lstStyle/>
+          <a:p>
+            <a:r>
+              <a:rPr lang="en-GB" dirty="0"/>
+              <a:t>Request Lifecycle – Response JSON</a:t>
+            </a:r>
+          </a:p>
+        </p:txBody>
+      </p:sp>
+      <p:sp>
+        <p:nvSpPr>
+          <p:cNvPr id="15" name="Content Placeholder 14">
+            <a:extLst>
+              <a:ext uri="{FF2B5EF4-FFF2-40B4-BE49-F238E27FC236}">
+                <a16:creationId xmlns:a16="http://schemas.microsoft.com/office/drawing/2014/main" id="{DE436AEA-5393-4801-95C1-0C5A55B32847}"/>
+              </a:ext>
+            </a:extLst>
+          </p:cNvPr>
+          <p:cNvSpPr>
+            <a:spLocks noGrp="1"/>
+          </p:cNvSpPr>
+          <p:nvPr>
+            <p:ph idx="1"/>
+          </p:nvPr>
+        </p:nvSpPr>
+        <p:spPr>
+          <a:xfrm>
+            <a:off x="6541708" y="1980645"/>
+            <a:ext cx="4613972" cy="3744000"/>
+          </a:xfrm>
+        </p:spPr>
+        <p:txBody>
+          <a:bodyPr>
+            <a:noAutofit/>
+          </a:bodyPr>
+          <a:lstStyle/>
+          <a:p>
+            <a:pPr marL="36000" indent="0">
+              <a:lnSpc>
+                <a:spcPct val="100000"/>
+              </a:lnSpc>
+              <a:spcBef>
+                <a:spcPts val="600"/>
+              </a:spcBef>
+              <a:spcAft>
+                <a:spcPts val="0"/>
+              </a:spcAft>
+            </a:pPr>
+            <a:r>
+              <a:rPr lang="en-GB" sz="1100" dirty="0"/>
+              <a:t>{</a:t>
+            </a:r>
+          </a:p>
+          <a:p>
+            <a:pPr marL="36000" indent="0">
+              <a:lnSpc>
+                <a:spcPct val="100000"/>
+              </a:lnSpc>
+              <a:spcBef>
+                <a:spcPts val="600"/>
+              </a:spcBef>
+              <a:spcAft>
+                <a:spcPts val="0"/>
+              </a:spcAft>
+            </a:pPr>
+            <a:r>
+              <a:rPr lang="en-GB" sz="1100" dirty="0"/>
+              <a:t>  "version": "1.0",</a:t>
+            </a:r>
+          </a:p>
+          <a:p>
+            <a:pPr marL="36000" indent="0">
+              <a:lnSpc>
+                <a:spcPct val="100000"/>
+              </a:lnSpc>
+              <a:spcBef>
+                <a:spcPts val="600"/>
+              </a:spcBef>
+              <a:spcAft>
+                <a:spcPts val="0"/>
+              </a:spcAft>
+            </a:pPr>
+            <a:r>
+              <a:rPr lang="en-GB" sz="1100" dirty="0"/>
+              <a:t>  </a:t>
+            </a:r>
+            <a:r>
+              <a:rPr lang="en-GB" sz="1100" b="1" dirty="0"/>
+              <a:t>"</a:t>
+            </a:r>
+            <a:r>
+              <a:rPr lang="en-GB" sz="1100" b="1" dirty="0" err="1"/>
+              <a:t>sessionAttributes</a:t>
+            </a:r>
+            <a:r>
+              <a:rPr lang="en-GB" sz="1100" b="1" dirty="0"/>
+              <a:t>": </a:t>
+            </a:r>
+            <a:r>
+              <a:rPr lang="en-GB" sz="1100" dirty="0"/>
+              <a:t>{},</a:t>
+            </a:r>
+          </a:p>
+          <a:p>
+            <a:pPr marL="36000" indent="0">
+              <a:lnSpc>
+                <a:spcPct val="100000"/>
+              </a:lnSpc>
+              <a:spcBef>
+                <a:spcPts val="600"/>
+              </a:spcBef>
+              <a:spcAft>
+                <a:spcPts val="0"/>
+              </a:spcAft>
+            </a:pPr>
+            <a:r>
+              <a:rPr lang="en-GB" sz="1100" dirty="0"/>
+              <a:t>  </a:t>
+            </a:r>
+            <a:r>
+              <a:rPr lang="en-GB" sz="1100" b="1" dirty="0"/>
+              <a:t>"response": </a:t>
+            </a:r>
+            <a:r>
+              <a:rPr lang="en-GB" sz="1100" dirty="0"/>
+              <a:t>{</a:t>
+            </a:r>
+          </a:p>
+          <a:p>
+            <a:pPr marL="36000" indent="0">
+              <a:lnSpc>
+                <a:spcPct val="100000"/>
+              </a:lnSpc>
+              <a:spcBef>
+                <a:spcPts val="600"/>
+              </a:spcBef>
+              <a:spcAft>
+                <a:spcPts val="0"/>
+              </a:spcAft>
+            </a:pPr>
+            <a:r>
+              <a:rPr lang="en-GB" sz="1100" dirty="0"/>
+              <a:t>    "</a:t>
+            </a:r>
+            <a:r>
+              <a:rPr lang="en-GB" sz="1100" dirty="0" err="1"/>
+              <a:t>outputSpeech</a:t>
+            </a:r>
+            <a:r>
+              <a:rPr lang="en-GB" sz="1100" dirty="0"/>
+              <a:t>": {</a:t>
+            </a:r>
+          </a:p>
+          <a:p>
+            <a:pPr marL="36000" indent="0">
+              <a:lnSpc>
+                <a:spcPct val="100000"/>
+              </a:lnSpc>
+              <a:spcBef>
+                <a:spcPts val="600"/>
+              </a:spcBef>
+              <a:spcAft>
+                <a:spcPts val="0"/>
+              </a:spcAft>
+            </a:pPr>
+            <a:r>
+              <a:rPr lang="en-GB" sz="1100" dirty="0"/>
+              <a:t>      "type": "</a:t>
+            </a:r>
+            <a:r>
+              <a:rPr lang="en-GB" sz="1100" dirty="0" err="1"/>
+              <a:t>PlainText</a:t>
+            </a:r>
+            <a:r>
+              <a:rPr lang="en-GB" sz="1100" dirty="0"/>
+              <a:t>",</a:t>
+            </a:r>
+          </a:p>
+          <a:p>
+            <a:pPr marL="36000" indent="0">
+              <a:lnSpc>
+                <a:spcPct val="100000"/>
+              </a:lnSpc>
+              <a:spcBef>
+                <a:spcPts val="600"/>
+              </a:spcBef>
+              <a:spcAft>
+                <a:spcPts val="0"/>
+              </a:spcAft>
+            </a:pPr>
+            <a:r>
+              <a:rPr lang="en-GB" sz="1100" dirty="0"/>
+              <a:t>      "text": "Playing the requested song."</a:t>
+            </a:r>
+          </a:p>
+          <a:p>
+            <a:pPr marL="36000" indent="0">
+              <a:lnSpc>
+                <a:spcPct val="100000"/>
+              </a:lnSpc>
+              <a:spcBef>
+                <a:spcPts val="600"/>
+              </a:spcBef>
+              <a:spcAft>
+                <a:spcPts val="0"/>
+              </a:spcAft>
+            </a:pPr>
+            <a:r>
+              <a:rPr lang="en-GB" sz="1100" dirty="0"/>
+              <a:t>    },</a:t>
+            </a:r>
+          </a:p>
+          <a:p>
+            <a:pPr marL="36000" indent="0">
+              <a:lnSpc>
+                <a:spcPct val="100000"/>
+              </a:lnSpc>
+              <a:spcBef>
+                <a:spcPts val="600"/>
+              </a:spcBef>
+              <a:spcAft>
+                <a:spcPts val="0"/>
+              </a:spcAft>
+            </a:pPr>
+            <a:r>
+              <a:rPr lang="en-GB" sz="1100" dirty="0"/>
+              <a:t>    </a:t>
+            </a:r>
+            <a:r>
+              <a:rPr lang="en-GB" sz="1100" b="1" dirty="0"/>
+              <a:t>"directives": </a:t>
+            </a:r>
+            <a:r>
+              <a:rPr lang="en-GB" sz="1100" dirty="0"/>
+              <a:t>[</a:t>
+            </a:r>
+          </a:p>
+          <a:p>
+            <a:pPr marL="36000" indent="0">
+              <a:lnSpc>
+                <a:spcPct val="100000"/>
+              </a:lnSpc>
+              <a:spcBef>
+                <a:spcPts val="600"/>
+              </a:spcBef>
+              <a:spcAft>
+                <a:spcPts val="0"/>
+              </a:spcAft>
+            </a:pPr>
+            <a:r>
+              <a:rPr lang="en-GB" sz="1100" dirty="0"/>
+              <a:t>      {</a:t>
+            </a:r>
+          </a:p>
+          <a:p>
+            <a:pPr marL="36000" indent="0">
+              <a:lnSpc>
+                <a:spcPct val="100000"/>
+              </a:lnSpc>
+              <a:spcBef>
+                <a:spcPts val="600"/>
+              </a:spcBef>
+              <a:spcAft>
+                <a:spcPts val="0"/>
+              </a:spcAft>
+            </a:pPr>
+            <a:r>
+              <a:rPr lang="en-GB" sz="1100" dirty="0"/>
+              <a:t>        "type": "</a:t>
+            </a:r>
+            <a:r>
+              <a:rPr lang="en-GB" sz="1100" dirty="0" err="1"/>
+              <a:t>AudioPlayer.Play</a:t>
+            </a:r>
+            <a:r>
+              <a:rPr lang="en-GB" sz="1100" dirty="0"/>
+              <a:t>",</a:t>
+            </a:r>
+          </a:p>
+          <a:p>
+            <a:pPr marL="36000" indent="0">
+              <a:lnSpc>
+                <a:spcPct val="100000"/>
+              </a:lnSpc>
+              <a:spcBef>
+                <a:spcPts val="600"/>
+              </a:spcBef>
+              <a:spcAft>
+                <a:spcPts val="0"/>
+              </a:spcAft>
+            </a:pPr>
+            <a:r>
+              <a:rPr lang="en-GB" sz="1100" dirty="0"/>
+              <a:t>        "</a:t>
+            </a:r>
+            <a:r>
+              <a:rPr lang="en-GB" sz="1100" dirty="0" err="1"/>
+              <a:t>playBehavior</a:t>
+            </a:r>
+            <a:r>
+              <a:rPr lang="en-GB" sz="1100" dirty="0"/>
+              <a:t>": "ENQUEUE",</a:t>
+            </a:r>
+          </a:p>
+          <a:p>
+            <a:pPr marL="36000" indent="0">
+              <a:lnSpc>
+                <a:spcPct val="100000"/>
+              </a:lnSpc>
+              <a:spcBef>
+                <a:spcPts val="600"/>
+              </a:spcBef>
+              <a:spcAft>
+                <a:spcPts val="0"/>
+              </a:spcAft>
+            </a:pPr>
+            <a:r>
+              <a:rPr lang="en-GB" sz="1100" dirty="0"/>
+              <a:t>      }</a:t>
+            </a:r>
+          </a:p>
+          <a:p>
+            <a:pPr marL="36000" indent="0">
+              <a:lnSpc>
+                <a:spcPct val="100000"/>
+              </a:lnSpc>
+              <a:spcBef>
+                <a:spcPts val="600"/>
+              </a:spcBef>
+              <a:spcAft>
+                <a:spcPts val="0"/>
+              </a:spcAft>
+            </a:pPr>
+            <a:r>
+              <a:rPr lang="en-GB" sz="1100" dirty="0"/>
+              <a:t>    }</a:t>
+            </a:r>
+          </a:p>
+          <a:p>
+            <a:pPr marL="36000" indent="0">
+              <a:lnSpc>
+                <a:spcPct val="100000"/>
+              </a:lnSpc>
+              <a:spcBef>
+                <a:spcPts val="600"/>
+              </a:spcBef>
+              <a:spcAft>
+                <a:spcPts val="0"/>
+              </a:spcAft>
+            </a:pPr>
+            <a:r>
+              <a:rPr lang="en-GB" sz="1100" dirty="0"/>
+              <a:t>  }    </a:t>
+            </a:r>
+          </a:p>
+        </p:txBody>
+      </p:sp>
+      <p:sp>
+        <p:nvSpPr>
+          <p:cNvPr id="4" name="Content Placeholder 2">
+            <a:extLst/>
+          </p:cNvPr>
+          <p:cNvSpPr txBox="1">
+            <a:spLocks/>
+          </p:cNvSpPr>
+          <p:nvPr/>
+        </p:nvSpPr>
+        <p:spPr>
+          <a:xfrm>
+            <a:off x="1292152" y="1980645"/>
+            <a:ext cx="4479061" cy="4023360"/>
+          </a:xfrm>
+          <a:prstGeom prst="rect">
+            <a:avLst/>
+          </a:prstGeom>
+        </p:spPr>
+        <p:txBody>
+          <a:bodyPr vert="horz" lIns="0" tIns="45720" rIns="0" bIns="45720" rtlCol="0">
+            <a:normAutofit/>
+          </a:bodyPr>
+          <a:lstStyle>
+            <a:lvl1pPr marL="91440" indent="-91440" algn="l" defTabSz="914400" rtl="0" eaLnBrk="1" latinLnBrk="0" hangingPunct="1">
+              <a:lnSpc>
+                <a:spcPct val="90000"/>
+              </a:lnSpc>
+              <a:spcBef>
+                <a:spcPts val="1200"/>
+              </a:spcBef>
+              <a:spcAft>
+                <a:spcPts val="200"/>
+              </a:spcAft>
+              <a:buClr>
+                <a:schemeClr val="accent1"/>
+              </a:buClr>
+              <a:buSzPct val="100000"/>
+              <a:buFont typeface="Calibri" panose="020F0502020204030204" pitchFamily="34" charset="0"/>
+              <a:buChar char=" "/>
+              <a:defRPr sz="2000" kern="1200">
+                <a:solidFill>
+                  <a:schemeClr val="tx1">
+                    <a:lumMod val="75000"/>
+                    <a:lumOff val="25000"/>
+                  </a:schemeClr>
+                </a:solidFill>
+                <a:latin typeface="+mn-lt"/>
+                <a:ea typeface="+mn-ea"/>
+                <a:cs typeface="+mn-cs"/>
+              </a:defRPr>
+            </a:lvl1pPr>
+            <a:lvl2pPr marL="384048" indent="-182880" algn="l" defTabSz="914400" rtl="0" eaLnBrk="1" latinLnBrk="0" hangingPunct="1">
+              <a:lnSpc>
+                <a:spcPct val="90000"/>
+              </a:lnSpc>
+              <a:spcBef>
+                <a:spcPts val="200"/>
+              </a:spcBef>
+              <a:spcAft>
+                <a:spcPts val="400"/>
+              </a:spcAft>
+              <a:buClr>
+                <a:schemeClr val="accent1"/>
+              </a:buClr>
+              <a:buFont typeface="Calibri" pitchFamily="34" charset="0"/>
+              <a:buChar char="◦"/>
+              <a:defRPr sz="1800" kern="1200">
+                <a:solidFill>
+                  <a:schemeClr val="tx1">
+                    <a:lumMod val="75000"/>
+                    <a:lumOff val="25000"/>
+                  </a:schemeClr>
+                </a:solidFill>
+                <a:latin typeface="+mn-lt"/>
+                <a:ea typeface="+mn-ea"/>
+                <a:cs typeface="+mn-cs"/>
+              </a:defRPr>
+            </a:lvl2pPr>
+            <a:lvl3pPr marL="566928" indent="-182880" algn="l" defTabSz="914400" rtl="0" eaLnBrk="1" latinLnBrk="0" hangingPunct="1">
+              <a:lnSpc>
+                <a:spcPct val="90000"/>
+              </a:lnSpc>
+              <a:spcBef>
+                <a:spcPts val="200"/>
+              </a:spcBef>
+              <a:spcAft>
+                <a:spcPts val="400"/>
+              </a:spcAft>
+              <a:buClr>
+                <a:schemeClr val="accent1"/>
+              </a:buClr>
+              <a:buFont typeface="Calibri" pitchFamily="34" charset="0"/>
+              <a:buChar char="◦"/>
+              <a:defRPr sz="1400" kern="1200">
+                <a:solidFill>
+                  <a:schemeClr val="tx1">
+                    <a:lumMod val="75000"/>
+                    <a:lumOff val="25000"/>
+                  </a:schemeClr>
+                </a:solidFill>
+                <a:latin typeface="+mn-lt"/>
+                <a:ea typeface="+mn-ea"/>
+                <a:cs typeface="+mn-cs"/>
+              </a:defRPr>
+            </a:lvl3pPr>
+            <a:lvl4pPr marL="749808" indent="-182880" algn="l" defTabSz="914400" rtl="0" eaLnBrk="1" latinLnBrk="0" hangingPunct="1">
+              <a:lnSpc>
+                <a:spcPct val="90000"/>
+              </a:lnSpc>
+              <a:spcBef>
+                <a:spcPts val="200"/>
+              </a:spcBef>
+              <a:spcAft>
+                <a:spcPts val="400"/>
+              </a:spcAft>
+              <a:buClr>
+                <a:schemeClr val="accent1"/>
+              </a:buClr>
+              <a:buFont typeface="Calibri" pitchFamily="34" charset="0"/>
+              <a:buChar char="◦"/>
+              <a:defRPr sz="1400" kern="1200">
+                <a:solidFill>
+                  <a:schemeClr val="tx1">
+                    <a:lumMod val="75000"/>
+                    <a:lumOff val="25000"/>
+                  </a:schemeClr>
+                </a:solidFill>
+                <a:latin typeface="+mn-lt"/>
+                <a:ea typeface="+mn-ea"/>
+                <a:cs typeface="+mn-cs"/>
+              </a:defRPr>
+            </a:lvl4pPr>
+            <a:lvl5pPr marL="932688" indent="-182880" algn="l" defTabSz="914400" rtl="0" eaLnBrk="1" latinLnBrk="0" hangingPunct="1">
+              <a:lnSpc>
+                <a:spcPct val="90000"/>
+              </a:lnSpc>
+              <a:spcBef>
+                <a:spcPts val="200"/>
+              </a:spcBef>
+              <a:spcAft>
+                <a:spcPts val="400"/>
+              </a:spcAft>
+              <a:buClr>
+                <a:schemeClr val="accent1"/>
+              </a:buClr>
+              <a:buFont typeface="Calibri" pitchFamily="34" charset="0"/>
+              <a:buChar char="◦"/>
+              <a:defRPr sz="1400" kern="1200">
+                <a:solidFill>
+                  <a:schemeClr val="tx1">
+                    <a:lumMod val="75000"/>
+                    <a:lumOff val="25000"/>
+                  </a:schemeClr>
+                </a:solidFill>
+                <a:latin typeface="+mn-lt"/>
+                <a:ea typeface="+mn-ea"/>
+                <a:cs typeface="+mn-cs"/>
+              </a:defRPr>
+            </a:lvl5pPr>
+            <a:lvl6pPr marL="1100000" indent="-228600" algn="l" defTabSz="914400" rtl="0" eaLnBrk="1" latinLnBrk="0" hangingPunct="1">
+              <a:lnSpc>
+                <a:spcPct val="90000"/>
+              </a:lnSpc>
+              <a:spcBef>
+                <a:spcPts val="200"/>
+              </a:spcBef>
+              <a:spcAft>
+                <a:spcPts val="400"/>
+              </a:spcAft>
+              <a:buClr>
+                <a:schemeClr val="accent1"/>
+              </a:buClr>
+              <a:buFont typeface="Calibri" pitchFamily="34" charset="0"/>
+              <a:buChar char="◦"/>
+              <a:defRPr sz="1400" kern="1200">
+                <a:solidFill>
+                  <a:schemeClr val="tx1">
+                    <a:lumMod val="75000"/>
+                    <a:lumOff val="25000"/>
+                  </a:schemeClr>
+                </a:solidFill>
+                <a:latin typeface="+mn-lt"/>
+                <a:ea typeface="+mn-ea"/>
+                <a:cs typeface="+mn-cs"/>
+              </a:defRPr>
+            </a:lvl6pPr>
+            <a:lvl7pPr marL="1300000" indent="-228600" algn="l" defTabSz="914400" rtl="0" eaLnBrk="1" latinLnBrk="0" hangingPunct="1">
+              <a:lnSpc>
+                <a:spcPct val="90000"/>
+              </a:lnSpc>
+              <a:spcBef>
+                <a:spcPts val="200"/>
+              </a:spcBef>
+              <a:spcAft>
+                <a:spcPts val="400"/>
+              </a:spcAft>
+              <a:buClr>
+                <a:schemeClr val="accent1"/>
+              </a:buClr>
+              <a:buFont typeface="Calibri" pitchFamily="34" charset="0"/>
+              <a:buChar char="◦"/>
+              <a:defRPr sz="1400" kern="1200">
+                <a:solidFill>
+                  <a:schemeClr val="tx1">
+                    <a:lumMod val="75000"/>
+                    <a:lumOff val="25000"/>
+                  </a:schemeClr>
+                </a:solidFill>
+                <a:latin typeface="+mn-lt"/>
+                <a:ea typeface="+mn-ea"/>
+                <a:cs typeface="+mn-cs"/>
+              </a:defRPr>
+            </a:lvl7pPr>
+            <a:lvl8pPr marL="1500000" indent="-228600" algn="l" defTabSz="914400" rtl="0" eaLnBrk="1" latinLnBrk="0" hangingPunct="1">
+              <a:lnSpc>
+                <a:spcPct val="90000"/>
+              </a:lnSpc>
+              <a:spcBef>
+                <a:spcPts val="200"/>
+              </a:spcBef>
+              <a:spcAft>
+                <a:spcPts val="400"/>
+              </a:spcAft>
+              <a:buClr>
+                <a:schemeClr val="accent1"/>
+              </a:buClr>
+              <a:buFont typeface="Calibri" pitchFamily="34" charset="0"/>
+              <a:buChar char="◦"/>
+              <a:defRPr sz="1400" kern="1200">
+                <a:solidFill>
+                  <a:schemeClr val="tx1">
+                    <a:lumMod val="75000"/>
+                    <a:lumOff val="25000"/>
+                  </a:schemeClr>
+                </a:solidFill>
+                <a:latin typeface="+mn-lt"/>
+                <a:ea typeface="+mn-ea"/>
+                <a:cs typeface="+mn-cs"/>
+              </a:defRPr>
+            </a:lvl8pPr>
+            <a:lvl9pPr marL="1700000" indent="-228600" algn="l" defTabSz="914400" rtl="0" eaLnBrk="1" latinLnBrk="0" hangingPunct="1">
+              <a:lnSpc>
+                <a:spcPct val="90000"/>
+              </a:lnSpc>
+              <a:spcBef>
+                <a:spcPts val="200"/>
+              </a:spcBef>
+              <a:spcAft>
+                <a:spcPts val="400"/>
+              </a:spcAft>
+              <a:buClr>
+                <a:schemeClr val="accent1"/>
+              </a:buClr>
+              <a:buFont typeface="Calibri" pitchFamily="34" charset="0"/>
+              <a:buChar char="◦"/>
+              <a:defRPr sz="1400" kern="1200">
+                <a:solidFill>
+                  <a:schemeClr val="tx1">
+                    <a:lumMod val="75000"/>
+                    <a:lumOff val="25000"/>
+                  </a:schemeClr>
+                </a:solidFill>
+                <a:latin typeface="+mn-lt"/>
+                <a:ea typeface="+mn-ea"/>
+                <a:cs typeface="+mn-cs"/>
+              </a:defRPr>
+            </a:lvl9pPr>
+          </a:lstStyle>
+          <a:p>
+            <a:r>
+              <a:rPr lang="en-GB" dirty="0"/>
+              <a:t>Response</a:t>
+            </a:r>
+          </a:p>
+          <a:p>
+            <a:pPr lvl="1"/>
+            <a:r>
+              <a:rPr lang="en-GB" dirty="0"/>
+              <a:t>Speech</a:t>
+            </a:r>
+          </a:p>
+          <a:p>
+            <a:pPr lvl="1"/>
+            <a:r>
+              <a:rPr lang="en-GB" dirty="0"/>
+              <a:t>“Card”</a:t>
+            </a:r>
+          </a:p>
+          <a:p>
+            <a:pPr lvl="1"/>
+            <a:endParaRPr lang="en-GB" dirty="0"/>
+          </a:p>
+          <a:p>
+            <a:pPr marL="201168" lvl="1" indent="0">
+              <a:buNone/>
+            </a:pPr>
+            <a:r>
+              <a:rPr lang="en-GB" dirty="0"/>
+              <a:t>Session State</a:t>
+            </a:r>
+          </a:p>
+          <a:p>
+            <a:pPr marL="201168" lvl="1" indent="0">
+              <a:buNone/>
+            </a:pPr>
+            <a:endParaRPr lang="en-GB" dirty="0"/>
+          </a:p>
+          <a:p>
+            <a:pPr marL="201168" lvl="1" indent="0">
+              <a:buNone/>
+            </a:pPr>
+            <a:r>
+              <a:rPr lang="en-GB" dirty="0"/>
+              <a:t>Directives</a:t>
+            </a:r>
+          </a:p>
+        </p:txBody>
+      </p:sp>
+    </p:spTree>
+    <p:extLst>
+      <p:ext uri="{BB962C8B-B14F-4D97-AF65-F5344CB8AC3E}">
+        <p14:creationId xmlns:p14="http://schemas.microsoft.com/office/powerpoint/2010/main" val="3934026767"/>
+      </p:ext>
+    </p:extLst>
+  </p:cSld>
+  <p:clrMapOvr>
+    <a:masterClrMapping/>
+  </p:clrMapOvr>
+</p:sld>
+</file>
+
 <file path=ppt/slides/slide15.xml><?xml version="1.0" encoding="utf-8"?>
 <p:sld xmlns:a="http://schemas.openxmlformats.org/drawingml/2006/main" xmlns:r="http://schemas.openxmlformats.org/officeDocument/2006/relationships" xmlns:p="http://schemas.openxmlformats.org/presentationml/2006/main">
   <p:cSld>
@@ -9603,7 +9282,7 @@
           <p:cNvPr id="2" name="Title 1">
             <a:extLst>
               <a:ext uri="{FF2B5EF4-FFF2-40B4-BE49-F238E27FC236}">
-                <a16:creationId xmlns:a16="http://schemas.microsoft.com/office/drawing/2014/main" id="{3927750E-CF28-4B48-A10B-BC02EB9CD0FA}"/>
+                <a16:creationId xmlns:a16="http://schemas.microsoft.com/office/drawing/2014/main" id="{D390B2F6-27EF-4CEB-AEE8-484A64B31F4A}"/>
               </a:ext>
             </a:extLst>
           </p:cNvPr>
@@ -9620,10 +9299,9 @@
           <a:lstStyle/>
           <a:p>
             <a:r>
-              <a:rPr lang="en-US" dirty="0"/>
-              <a:t>Alexa.NET</a:t>
-            </a:r>
-            <a:endParaRPr lang="en-GB" dirty="0"/>
+              <a:rPr lang="en-GB" dirty="0"/>
+              <a:t>Request Lifecycle</a:t>
+            </a:r>
           </a:p>
         </p:txBody>
       </p:sp>
@@ -9632,7 +9310,7 @@
           <p:cNvPr id="3" name="Content Placeholder 2">
             <a:extLst>
               <a:ext uri="{FF2B5EF4-FFF2-40B4-BE49-F238E27FC236}">
-                <a16:creationId xmlns:a16="http://schemas.microsoft.com/office/drawing/2014/main" id="{F82C128F-C733-41C5-BA02-69C5A8077248}"/>
+                <a16:creationId xmlns:a16="http://schemas.microsoft.com/office/drawing/2014/main" id="{B93768BA-AC76-4FB7-BD4B-9A533AB7271D}"/>
               </a:ext>
             </a:extLst>
           </p:cNvPr>
@@ -9648,32 +9326,1184 @@
           <a:bodyPr/>
           <a:lstStyle/>
           <a:p>
-            <a:r>
-              <a:rPr lang="en-GB" dirty="0"/>
-              <a:t>Open Source NuGet</a:t>
-            </a:r>
-          </a:p>
-          <a:p>
-            <a:r>
-              <a:rPr lang="en-GB" dirty="0"/>
-              <a:t>Associated Packages</a:t>
-            </a:r>
-          </a:p>
-          <a:p>
-            <a:r>
-              <a:rPr lang="en-GB" dirty="0"/>
-              <a:t>Active Support</a:t>
-            </a:r>
-          </a:p>
-          <a:p>
             <a:endParaRPr lang="en-GB" dirty="0"/>
           </a:p>
         </p:txBody>
       </p:sp>
+      <p:sp>
+        <p:nvSpPr>
+          <p:cNvPr id="4" name="Right Arrow 10">
+            <a:extLst>
+              <a:ext uri="{FF2B5EF4-FFF2-40B4-BE49-F238E27FC236}">
+                <a16:creationId xmlns:a16="http://schemas.microsoft.com/office/drawing/2014/main" id="{A01FDED9-E0C1-42C8-94AD-3B262F15DD85}"/>
+              </a:ext>
+            </a:extLst>
+          </p:cNvPr>
+          <p:cNvSpPr/>
+          <p:nvPr/>
+        </p:nvSpPr>
+        <p:spPr>
+          <a:xfrm>
+            <a:off x="4407419" y="2206351"/>
+            <a:ext cx="951978" cy="336042"/>
+          </a:xfrm>
+          <a:prstGeom prst="rightArrow">
+            <a:avLst/>
+          </a:prstGeom>
+          <a:ln/>
+        </p:spPr>
+        <p:style>
+          <a:lnRef idx="1">
+            <a:schemeClr val="accent6"/>
+          </a:lnRef>
+          <a:fillRef idx="2">
+            <a:schemeClr val="accent6"/>
+          </a:fillRef>
+          <a:effectRef idx="1">
+            <a:schemeClr val="accent6"/>
+          </a:effectRef>
+          <a:fontRef idx="minor">
+            <a:schemeClr val="dk1"/>
+          </a:fontRef>
+        </p:style>
+        <p:txBody>
+          <a:bodyPr rtlCol="0" anchor="ctr"/>
+          <a:lstStyle>
+            <a:defPPr>
+              <a:defRPr lang="en-US"/>
+            </a:defPPr>
+            <a:lvl1pPr marL="0" algn="l" defTabSz="457200" rtl="0" eaLnBrk="1" latinLnBrk="0" hangingPunct="1">
+              <a:defRPr sz="1800" kern="1200">
+                <a:solidFill>
+                  <a:schemeClr val="lt1"/>
+                </a:solidFill>
+                <a:latin typeface="+mn-lt"/>
+                <a:ea typeface="+mn-ea"/>
+                <a:cs typeface="+mn-cs"/>
+              </a:defRPr>
+            </a:lvl1pPr>
+            <a:lvl2pPr marL="457200" algn="l" defTabSz="457200" rtl="0" eaLnBrk="1" latinLnBrk="0" hangingPunct="1">
+              <a:defRPr sz="1800" kern="1200">
+                <a:solidFill>
+                  <a:schemeClr val="lt1"/>
+                </a:solidFill>
+                <a:latin typeface="+mn-lt"/>
+                <a:ea typeface="+mn-ea"/>
+                <a:cs typeface="+mn-cs"/>
+              </a:defRPr>
+            </a:lvl2pPr>
+            <a:lvl3pPr marL="914400" algn="l" defTabSz="457200" rtl="0" eaLnBrk="1" latinLnBrk="0" hangingPunct="1">
+              <a:defRPr sz="1800" kern="1200">
+                <a:solidFill>
+                  <a:schemeClr val="lt1"/>
+                </a:solidFill>
+                <a:latin typeface="+mn-lt"/>
+                <a:ea typeface="+mn-ea"/>
+                <a:cs typeface="+mn-cs"/>
+              </a:defRPr>
+            </a:lvl3pPr>
+            <a:lvl4pPr marL="1371600" algn="l" defTabSz="457200" rtl="0" eaLnBrk="1" latinLnBrk="0" hangingPunct="1">
+              <a:defRPr sz="1800" kern="1200">
+                <a:solidFill>
+                  <a:schemeClr val="lt1"/>
+                </a:solidFill>
+                <a:latin typeface="+mn-lt"/>
+                <a:ea typeface="+mn-ea"/>
+                <a:cs typeface="+mn-cs"/>
+              </a:defRPr>
+            </a:lvl4pPr>
+            <a:lvl5pPr marL="1828800" algn="l" defTabSz="457200" rtl="0" eaLnBrk="1" latinLnBrk="0" hangingPunct="1">
+              <a:defRPr sz="1800" kern="1200">
+                <a:solidFill>
+                  <a:schemeClr val="lt1"/>
+                </a:solidFill>
+                <a:latin typeface="+mn-lt"/>
+                <a:ea typeface="+mn-ea"/>
+                <a:cs typeface="+mn-cs"/>
+              </a:defRPr>
+            </a:lvl5pPr>
+            <a:lvl6pPr marL="2286000" algn="l" defTabSz="457200" rtl="0" eaLnBrk="1" latinLnBrk="0" hangingPunct="1">
+              <a:defRPr sz="1800" kern="1200">
+                <a:solidFill>
+                  <a:schemeClr val="lt1"/>
+                </a:solidFill>
+                <a:latin typeface="+mn-lt"/>
+                <a:ea typeface="+mn-ea"/>
+                <a:cs typeface="+mn-cs"/>
+              </a:defRPr>
+            </a:lvl6pPr>
+            <a:lvl7pPr marL="2743200" algn="l" defTabSz="457200" rtl="0" eaLnBrk="1" latinLnBrk="0" hangingPunct="1">
+              <a:defRPr sz="1800" kern="1200">
+                <a:solidFill>
+                  <a:schemeClr val="lt1"/>
+                </a:solidFill>
+                <a:latin typeface="+mn-lt"/>
+                <a:ea typeface="+mn-ea"/>
+                <a:cs typeface="+mn-cs"/>
+              </a:defRPr>
+            </a:lvl7pPr>
+            <a:lvl8pPr marL="3200400" algn="l" defTabSz="457200" rtl="0" eaLnBrk="1" latinLnBrk="0" hangingPunct="1">
+              <a:defRPr sz="1800" kern="1200">
+                <a:solidFill>
+                  <a:schemeClr val="lt1"/>
+                </a:solidFill>
+                <a:latin typeface="+mn-lt"/>
+                <a:ea typeface="+mn-ea"/>
+                <a:cs typeface="+mn-cs"/>
+              </a:defRPr>
+            </a:lvl8pPr>
+            <a:lvl9pPr marL="3657600" algn="l" defTabSz="457200" rtl="0" eaLnBrk="1" latinLnBrk="0" hangingPunct="1">
+              <a:defRPr sz="1800" kern="1200">
+                <a:solidFill>
+                  <a:schemeClr val="lt1"/>
+                </a:solidFill>
+                <a:latin typeface="+mn-lt"/>
+                <a:ea typeface="+mn-ea"/>
+                <a:cs typeface="+mn-cs"/>
+              </a:defRPr>
+            </a:lvl9pPr>
+          </a:lstStyle>
+          <a:p>
+            <a:pPr algn="ctr"/>
+            <a:endParaRPr lang="en-US"/>
+          </a:p>
+        </p:txBody>
+      </p:sp>
+      <p:sp>
+        <p:nvSpPr>
+          <p:cNvPr id="5" name="TextBox 11">
+            <a:extLst>
+              <a:ext uri="{FF2B5EF4-FFF2-40B4-BE49-F238E27FC236}">
+                <a16:creationId xmlns:a16="http://schemas.microsoft.com/office/drawing/2014/main" id="{77293643-8CFB-42A6-8E83-24C25E498B16}"/>
+              </a:ext>
+            </a:extLst>
+          </p:cNvPr>
+          <p:cNvSpPr txBox="1"/>
+          <p:nvPr/>
+        </p:nvSpPr>
+        <p:spPr>
+          <a:xfrm>
+            <a:off x="5720005" y="2070322"/>
+            <a:ext cx="1684307" cy="523220"/>
+          </a:xfrm>
+          <a:prstGeom prst="rect">
+            <a:avLst/>
+          </a:prstGeom>
+          <a:noFill/>
+        </p:spPr>
+        <p:txBody>
+          <a:bodyPr wrap="none" rtlCol="0">
+            <a:spAutoFit/>
+          </a:bodyPr>
+          <a:lstStyle>
+            <a:defPPr>
+              <a:defRPr lang="en-US"/>
+            </a:defPPr>
+            <a:lvl1pPr marL="0" algn="l" defTabSz="457200" rtl="0" eaLnBrk="1" latinLnBrk="0" hangingPunct="1">
+              <a:defRPr sz="1800" kern="1200">
+                <a:solidFill>
+                  <a:schemeClr val="tx1"/>
+                </a:solidFill>
+                <a:latin typeface="+mn-lt"/>
+                <a:ea typeface="+mn-ea"/>
+                <a:cs typeface="+mn-cs"/>
+              </a:defRPr>
+            </a:lvl1pPr>
+            <a:lvl2pPr marL="457200" algn="l" defTabSz="457200" rtl="0" eaLnBrk="1" latinLnBrk="0" hangingPunct="1">
+              <a:defRPr sz="1800" kern="1200">
+                <a:solidFill>
+                  <a:schemeClr val="tx1"/>
+                </a:solidFill>
+                <a:latin typeface="+mn-lt"/>
+                <a:ea typeface="+mn-ea"/>
+                <a:cs typeface="+mn-cs"/>
+              </a:defRPr>
+            </a:lvl2pPr>
+            <a:lvl3pPr marL="914400" algn="l" defTabSz="457200" rtl="0" eaLnBrk="1" latinLnBrk="0" hangingPunct="1">
+              <a:defRPr sz="1800" kern="1200">
+                <a:solidFill>
+                  <a:schemeClr val="tx1"/>
+                </a:solidFill>
+                <a:latin typeface="+mn-lt"/>
+                <a:ea typeface="+mn-ea"/>
+                <a:cs typeface="+mn-cs"/>
+              </a:defRPr>
+            </a:lvl3pPr>
+            <a:lvl4pPr marL="1371600" algn="l" defTabSz="457200" rtl="0" eaLnBrk="1" latinLnBrk="0" hangingPunct="1">
+              <a:defRPr sz="1800" kern="1200">
+                <a:solidFill>
+                  <a:schemeClr val="tx1"/>
+                </a:solidFill>
+                <a:latin typeface="+mn-lt"/>
+                <a:ea typeface="+mn-ea"/>
+                <a:cs typeface="+mn-cs"/>
+              </a:defRPr>
+            </a:lvl4pPr>
+            <a:lvl5pPr marL="1828800" algn="l" defTabSz="457200" rtl="0" eaLnBrk="1" latinLnBrk="0" hangingPunct="1">
+              <a:defRPr sz="1800" kern="1200">
+                <a:solidFill>
+                  <a:schemeClr val="tx1"/>
+                </a:solidFill>
+                <a:latin typeface="+mn-lt"/>
+                <a:ea typeface="+mn-ea"/>
+                <a:cs typeface="+mn-cs"/>
+              </a:defRPr>
+            </a:lvl5pPr>
+            <a:lvl6pPr marL="2286000" algn="l" defTabSz="457200" rtl="0" eaLnBrk="1" latinLnBrk="0" hangingPunct="1">
+              <a:defRPr sz="1800" kern="1200">
+                <a:solidFill>
+                  <a:schemeClr val="tx1"/>
+                </a:solidFill>
+                <a:latin typeface="+mn-lt"/>
+                <a:ea typeface="+mn-ea"/>
+                <a:cs typeface="+mn-cs"/>
+              </a:defRPr>
+            </a:lvl6pPr>
+            <a:lvl7pPr marL="2743200" algn="l" defTabSz="457200" rtl="0" eaLnBrk="1" latinLnBrk="0" hangingPunct="1">
+              <a:defRPr sz="1800" kern="1200">
+                <a:solidFill>
+                  <a:schemeClr val="tx1"/>
+                </a:solidFill>
+                <a:latin typeface="+mn-lt"/>
+                <a:ea typeface="+mn-ea"/>
+                <a:cs typeface="+mn-cs"/>
+              </a:defRPr>
+            </a:lvl7pPr>
+            <a:lvl8pPr marL="3200400" algn="l" defTabSz="457200" rtl="0" eaLnBrk="1" latinLnBrk="0" hangingPunct="1">
+              <a:defRPr sz="1800" kern="1200">
+                <a:solidFill>
+                  <a:schemeClr val="tx1"/>
+                </a:solidFill>
+                <a:latin typeface="+mn-lt"/>
+                <a:ea typeface="+mn-ea"/>
+                <a:cs typeface="+mn-cs"/>
+              </a:defRPr>
+            </a:lvl8pPr>
+            <a:lvl9pPr marL="3657600" algn="l" defTabSz="457200" rtl="0" eaLnBrk="1" latinLnBrk="0" hangingPunct="1">
+              <a:defRPr sz="1800" kern="1200">
+                <a:solidFill>
+                  <a:schemeClr val="tx1"/>
+                </a:solidFill>
+                <a:latin typeface="+mn-lt"/>
+                <a:ea typeface="+mn-ea"/>
+                <a:cs typeface="+mn-cs"/>
+              </a:defRPr>
+            </a:lvl9pPr>
+          </a:lstStyle>
+          <a:p>
+            <a:r>
+              <a:rPr lang="en-US" sz="2800" dirty="0">
+                <a:solidFill>
+                  <a:schemeClr val="tx1">
+                    <a:lumMod val="50000"/>
+                    <a:lumOff val="50000"/>
+                  </a:schemeClr>
+                </a:solidFill>
+              </a:rPr>
+              <a:t>{ request }</a:t>
+            </a:r>
+          </a:p>
+        </p:txBody>
+      </p:sp>
+      <p:sp>
+        <p:nvSpPr>
+          <p:cNvPr id="6" name="TextBox 12">
+            <a:extLst>
+              <a:ext uri="{FF2B5EF4-FFF2-40B4-BE49-F238E27FC236}">
+                <a16:creationId xmlns:a16="http://schemas.microsoft.com/office/drawing/2014/main" id="{A6EC1B9F-4008-42D3-8D30-4FD6A15580F8}"/>
+              </a:ext>
+            </a:extLst>
+          </p:cNvPr>
+          <p:cNvSpPr txBox="1"/>
+          <p:nvPr/>
+        </p:nvSpPr>
+        <p:spPr>
+          <a:xfrm>
+            <a:off x="8968060" y="3178625"/>
+            <a:ext cx="663880" cy="1107996"/>
+          </a:xfrm>
+          <a:prstGeom prst="rect">
+            <a:avLst/>
+          </a:prstGeom>
+          <a:noFill/>
+        </p:spPr>
+        <p:txBody>
+          <a:bodyPr wrap="square" rtlCol="0">
+            <a:spAutoFit/>
+          </a:bodyPr>
+          <a:lstStyle>
+            <a:defPPr>
+              <a:defRPr lang="en-US"/>
+            </a:defPPr>
+            <a:lvl1pPr marL="0" algn="l" defTabSz="457200" rtl="0" eaLnBrk="1" latinLnBrk="0" hangingPunct="1">
+              <a:defRPr sz="1800" kern="1200">
+                <a:solidFill>
+                  <a:schemeClr val="tx1"/>
+                </a:solidFill>
+                <a:latin typeface="+mn-lt"/>
+                <a:ea typeface="+mn-ea"/>
+                <a:cs typeface="+mn-cs"/>
+              </a:defRPr>
+            </a:lvl1pPr>
+            <a:lvl2pPr marL="457200" algn="l" defTabSz="457200" rtl="0" eaLnBrk="1" latinLnBrk="0" hangingPunct="1">
+              <a:defRPr sz="1800" kern="1200">
+                <a:solidFill>
+                  <a:schemeClr val="tx1"/>
+                </a:solidFill>
+                <a:latin typeface="+mn-lt"/>
+                <a:ea typeface="+mn-ea"/>
+                <a:cs typeface="+mn-cs"/>
+              </a:defRPr>
+            </a:lvl2pPr>
+            <a:lvl3pPr marL="914400" algn="l" defTabSz="457200" rtl="0" eaLnBrk="1" latinLnBrk="0" hangingPunct="1">
+              <a:defRPr sz="1800" kern="1200">
+                <a:solidFill>
+                  <a:schemeClr val="tx1"/>
+                </a:solidFill>
+                <a:latin typeface="+mn-lt"/>
+                <a:ea typeface="+mn-ea"/>
+                <a:cs typeface="+mn-cs"/>
+              </a:defRPr>
+            </a:lvl3pPr>
+            <a:lvl4pPr marL="1371600" algn="l" defTabSz="457200" rtl="0" eaLnBrk="1" latinLnBrk="0" hangingPunct="1">
+              <a:defRPr sz="1800" kern="1200">
+                <a:solidFill>
+                  <a:schemeClr val="tx1"/>
+                </a:solidFill>
+                <a:latin typeface="+mn-lt"/>
+                <a:ea typeface="+mn-ea"/>
+                <a:cs typeface="+mn-cs"/>
+              </a:defRPr>
+            </a:lvl4pPr>
+            <a:lvl5pPr marL="1828800" algn="l" defTabSz="457200" rtl="0" eaLnBrk="1" latinLnBrk="0" hangingPunct="1">
+              <a:defRPr sz="1800" kern="1200">
+                <a:solidFill>
+                  <a:schemeClr val="tx1"/>
+                </a:solidFill>
+                <a:latin typeface="+mn-lt"/>
+                <a:ea typeface="+mn-ea"/>
+                <a:cs typeface="+mn-cs"/>
+              </a:defRPr>
+            </a:lvl5pPr>
+            <a:lvl6pPr marL="2286000" algn="l" defTabSz="457200" rtl="0" eaLnBrk="1" latinLnBrk="0" hangingPunct="1">
+              <a:defRPr sz="1800" kern="1200">
+                <a:solidFill>
+                  <a:schemeClr val="tx1"/>
+                </a:solidFill>
+                <a:latin typeface="+mn-lt"/>
+                <a:ea typeface="+mn-ea"/>
+                <a:cs typeface="+mn-cs"/>
+              </a:defRPr>
+            </a:lvl6pPr>
+            <a:lvl7pPr marL="2743200" algn="l" defTabSz="457200" rtl="0" eaLnBrk="1" latinLnBrk="0" hangingPunct="1">
+              <a:defRPr sz="1800" kern="1200">
+                <a:solidFill>
+                  <a:schemeClr val="tx1"/>
+                </a:solidFill>
+                <a:latin typeface="+mn-lt"/>
+                <a:ea typeface="+mn-ea"/>
+                <a:cs typeface="+mn-cs"/>
+              </a:defRPr>
+            </a:lvl7pPr>
+            <a:lvl8pPr marL="3200400" algn="l" defTabSz="457200" rtl="0" eaLnBrk="1" latinLnBrk="0" hangingPunct="1">
+              <a:defRPr sz="1800" kern="1200">
+                <a:solidFill>
+                  <a:schemeClr val="tx1"/>
+                </a:solidFill>
+                <a:latin typeface="+mn-lt"/>
+                <a:ea typeface="+mn-ea"/>
+                <a:cs typeface="+mn-cs"/>
+              </a:defRPr>
+            </a:lvl8pPr>
+            <a:lvl9pPr marL="3657600" algn="l" defTabSz="457200" rtl="0" eaLnBrk="1" latinLnBrk="0" hangingPunct="1">
+              <a:defRPr sz="1800" kern="1200">
+                <a:solidFill>
+                  <a:schemeClr val="tx1"/>
+                </a:solidFill>
+                <a:latin typeface="+mn-lt"/>
+                <a:ea typeface="+mn-ea"/>
+                <a:cs typeface="+mn-cs"/>
+              </a:defRPr>
+            </a:lvl9pPr>
+          </a:lstStyle>
+          <a:p>
+            <a:r>
+              <a:rPr lang="en-US" sz="6600" dirty="0">
+                <a:ln w="0"/>
+                <a:solidFill>
+                  <a:schemeClr val="accent1"/>
+                </a:solidFill>
+                <a:effectLst>
+                  <a:outerShdw blurRad="38100" dist="25400" dir="5400000" algn="ctr" rotWithShape="0">
+                    <a:srgbClr val="6E747A">
+                      <a:alpha val="43000"/>
+                    </a:srgbClr>
+                  </a:outerShdw>
+                </a:effectLst>
+              </a:rPr>
+              <a:t>🎉</a:t>
+            </a:r>
+          </a:p>
+        </p:txBody>
+      </p:sp>
+      <p:sp>
+        <p:nvSpPr>
+          <p:cNvPr id="7" name="Right Arrow 13">
+            <a:extLst>
+              <a:ext uri="{FF2B5EF4-FFF2-40B4-BE49-F238E27FC236}">
+                <a16:creationId xmlns:a16="http://schemas.microsoft.com/office/drawing/2014/main" id="{3C1EE5F4-1C71-4D20-9F29-6D8AE973043F}"/>
+              </a:ext>
+            </a:extLst>
+          </p:cNvPr>
+          <p:cNvSpPr/>
+          <p:nvPr/>
+        </p:nvSpPr>
+        <p:spPr>
+          <a:xfrm rot="2176267">
+            <a:off x="8002388" y="2593542"/>
+            <a:ext cx="951978" cy="336042"/>
+          </a:xfrm>
+          <a:prstGeom prst="rightArrow">
+            <a:avLst/>
+          </a:prstGeom>
+          <a:ln/>
+        </p:spPr>
+        <p:style>
+          <a:lnRef idx="1">
+            <a:schemeClr val="accent6"/>
+          </a:lnRef>
+          <a:fillRef idx="2">
+            <a:schemeClr val="accent6"/>
+          </a:fillRef>
+          <a:effectRef idx="1">
+            <a:schemeClr val="accent6"/>
+          </a:effectRef>
+          <a:fontRef idx="minor">
+            <a:schemeClr val="dk1"/>
+          </a:fontRef>
+        </p:style>
+        <p:txBody>
+          <a:bodyPr rtlCol="0" anchor="ctr"/>
+          <a:lstStyle>
+            <a:defPPr>
+              <a:defRPr lang="en-US"/>
+            </a:defPPr>
+            <a:lvl1pPr marL="0" algn="l" defTabSz="457200" rtl="0" eaLnBrk="1" latinLnBrk="0" hangingPunct="1">
+              <a:defRPr sz="1800" kern="1200">
+                <a:solidFill>
+                  <a:schemeClr val="lt1"/>
+                </a:solidFill>
+                <a:latin typeface="+mn-lt"/>
+                <a:ea typeface="+mn-ea"/>
+                <a:cs typeface="+mn-cs"/>
+              </a:defRPr>
+            </a:lvl1pPr>
+            <a:lvl2pPr marL="457200" algn="l" defTabSz="457200" rtl="0" eaLnBrk="1" latinLnBrk="0" hangingPunct="1">
+              <a:defRPr sz="1800" kern="1200">
+                <a:solidFill>
+                  <a:schemeClr val="lt1"/>
+                </a:solidFill>
+                <a:latin typeface="+mn-lt"/>
+                <a:ea typeface="+mn-ea"/>
+                <a:cs typeface="+mn-cs"/>
+              </a:defRPr>
+            </a:lvl2pPr>
+            <a:lvl3pPr marL="914400" algn="l" defTabSz="457200" rtl="0" eaLnBrk="1" latinLnBrk="0" hangingPunct="1">
+              <a:defRPr sz="1800" kern="1200">
+                <a:solidFill>
+                  <a:schemeClr val="lt1"/>
+                </a:solidFill>
+                <a:latin typeface="+mn-lt"/>
+                <a:ea typeface="+mn-ea"/>
+                <a:cs typeface="+mn-cs"/>
+              </a:defRPr>
+            </a:lvl3pPr>
+            <a:lvl4pPr marL="1371600" algn="l" defTabSz="457200" rtl="0" eaLnBrk="1" latinLnBrk="0" hangingPunct="1">
+              <a:defRPr sz="1800" kern="1200">
+                <a:solidFill>
+                  <a:schemeClr val="lt1"/>
+                </a:solidFill>
+                <a:latin typeface="+mn-lt"/>
+                <a:ea typeface="+mn-ea"/>
+                <a:cs typeface="+mn-cs"/>
+              </a:defRPr>
+            </a:lvl4pPr>
+            <a:lvl5pPr marL="1828800" algn="l" defTabSz="457200" rtl="0" eaLnBrk="1" latinLnBrk="0" hangingPunct="1">
+              <a:defRPr sz="1800" kern="1200">
+                <a:solidFill>
+                  <a:schemeClr val="lt1"/>
+                </a:solidFill>
+                <a:latin typeface="+mn-lt"/>
+                <a:ea typeface="+mn-ea"/>
+                <a:cs typeface="+mn-cs"/>
+              </a:defRPr>
+            </a:lvl5pPr>
+            <a:lvl6pPr marL="2286000" algn="l" defTabSz="457200" rtl="0" eaLnBrk="1" latinLnBrk="0" hangingPunct="1">
+              <a:defRPr sz="1800" kern="1200">
+                <a:solidFill>
+                  <a:schemeClr val="lt1"/>
+                </a:solidFill>
+                <a:latin typeface="+mn-lt"/>
+                <a:ea typeface="+mn-ea"/>
+                <a:cs typeface="+mn-cs"/>
+              </a:defRPr>
+            </a:lvl6pPr>
+            <a:lvl7pPr marL="2743200" algn="l" defTabSz="457200" rtl="0" eaLnBrk="1" latinLnBrk="0" hangingPunct="1">
+              <a:defRPr sz="1800" kern="1200">
+                <a:solidFill>
+                  <a:schemeClr val="lt1"/>
+                </a:solidFill>
+                <a:latin typeface="+mn-lt"/>
+                <a:ea typeface="+mn-ea"/>
+                <a:cs typeface="+mn-cs"/>
+              </a:defRPr>
+            </a:lvl7pPr>
+            <a:lvl8pPr marL="3200400" algn="l" defTabSz="457200" rtl="0" eaLnBrk="1" latinLnBrk="0" hangingPunct="1">
+              <a:defRPr sz="1800" kern="1200">
+                <a:solidFill>
+                  <a:schemeClr val="lt1"/>
+                </a:solidFill>
+                <a:latin typeface="+mn-lt"/>
+                <a:ea typeface="+mn-ea"/>
+                <a:cs typeface="+mn-cs"/>
+              </a:defRPr>
+            </a:lvl8pPr>
+            <a:lvl9pPr marL="3657600" algn="l" defTabSz="457200" rtl="0" eaLnBrk="1" latinLnBrk="0" hangingPunct="1">
+              <a:defRPr sz="1800" kern="1200">
+                <a:solidFill>
+                  <a:schemeClr val="lt1"/>
+                </a:solidFill>
+                <a:latin typeface="+mn-lt"/>
+                <a:ea typeface="+mn-ea"/>
+                <a:cs typeface="+mn-cs"/>
+              </a:defRPr>
+            </a:lvl9pPr>
+          </a:lstStyle>
+          <a:p>
+            <a:pPr algn="ctr"/>
+            <a:endParaRPr lang="en-US"/>
+          </a:p>
+        </p:txBody>
+      </p:sp>
+      <p:sp>
+        <p:nvSpPr>
+          <p:cNvPr id="8" name="Right Arrow 14">
+            <a:extLst>
+              <a:ext uri="{FF2B5EF4-FFF2-40B4-BE49-F238E27FC236}">
+                <a16:creationId xmlns:a16="http://schemas.microsoft.com/office/drawing/2014/main" id="{9D80D334-1798-45D1-85CA-283B9202EC29}"/>
+              </a:ext>
+            </a:extLst>
+          </p:cNvPr>
+          <p:cNvSpPr/>
+          <p:nvPr/>
+        </p:nvSpPr>
+        <p:spPr>
+          <a:xfrm rot="8498376">
+            <a:off x="8014563" y="4738143"/>
+            <a:ext cx="951978" cy="336042"/>
+          </a:xfrm>
+          <a:prstGeom prst="rightArrow">
+            <a:avLst/>
+          </a:prstGeom>
+          <a:ln/>
+        </p:spPr>
+        <p:style>
+          <a:lnRef idx="1">
+            <a:schemeClr val="accent6"/>
+          </a:lnRef>
+          <a:fillRef idx="2">
+            <a:schemeClr val="accent6"/>
+          </a:fillRef>
+          <a:effectRef idx="1">
+            <a:schemeClr val="accent6"/>
+          </a:effectRef>
+          <a:fontRef idx="minor">
+            <a:schemeClr val="dk1"/>
+          </a:fontRef>
+        </p:style>
+        <p:txBody>
+          <a:bodyPr rtlCol="0" anchor="ctr"/>
+          <a:lstStyle>
+            <a:defPPr>
+              <a:defRPr lang="en-US"/>
+            </a:defPPr>
+            <a:lvl1pPr marL="0" algn="l" defTabSz="457200" rtl="0" eaLnBrk="1" latinLnBrk="0" hangingPunct="1">
+              <a:defRPr sz="1800" kern="1200">
+                <a:solidFill>
+                  <a:schemeClr val="lt1"/>
+                </a:solidFill>
+                <a:latin typeface="+mn-lt"/>
+                <a:ea typeface="+mn-ea"/>
+                <a:cs typeface="+mn-cs"/>
+              </a:defRPr>
+            </a:lvl1pPr>
+            <a:lvl2pPr marL="457200" algn="l" defTabSz="457200" rtl="0" eaLnBrk="1" latinLnBrk="0" hangingPunct="1">
+              <a:defRPr sz="1800" kern="1200">
+                <a:solidFill>
+                  <a:schemeClr val="lt1"/>
+                </a:solidFill>
+                <a:latin typeface="+mn-lt"/>
+                <a:ea typeface="+mn-ea"/>
+                <a:cs typeface="+mn-cs"/>
+              </a:defRPr>
+            </a:lvl2pPr>
+            <a:lvl3pPr marL="914400" algn="l" defTabSz="457200" rtl="0" eaLnBrk="1" latinLnBrk="0" hangingPunct="1">
+              <a:defRPr sz="1800" kern="1200">
+                <a:solidFill>
+                  <a:schemeClr val="lt1"/>
+                </a:solidFill>
+                <a:latin typeface="+mn-lt"/>
+                <a:ea typeface="+mn-ea"/>
+                <a:cs typeface="+mn-cs"/>
+              </a:defRPr>
+            </a:lvl3pPr>
+            <a:lvl4pPr marL="1371600" algn="l" defTabSz="457200" rtl="0" eaLnBrk="1" latinLnBrk="0" hangingPunct="1">
+              <a:defRPr sz="1800" kern="1200">
+                <a:solidFill>
+                  <a:schemeClr val="lt1"/>
+                </a:solidFill>
+                <a:latin typeface="+mn-lt"/>
+                <a:ea typeface="+mn-ea"/>
+                <a:cs typeface="+mn-cs"/>
+              </a:defRPr>
+            </a:lvl4pPr>
+            <a:lvl5pPr marL="1828800" algn="l" defTabSz="457200" rtl="0" eaLnBrk="1" latinLnBrk="0" hangingPunct="1">
+              <a:defRPr sz="1800" kern="1200">
+                <a:solidFill>
+                  <a:schemeClr val="lt1"/>
+                </a:solidFill>
+                <a:latin typeface="+mn-lt"/>
+                <a:ea typeface="+mn-ea"/>
+                <a:cs typeface="+mn-cs"/>
+              </a:defRPr>
+            </a:lvl5pPr>
+            <a:lvl6pPr marL="2286000" algn="l" defTabSz="457200" rtl="0" eaLnBrk="1" latinLnBrk="0" hangingPunct="1">
+              <a:defRPr sz="1800" kern="1200">
+                <a:solidFill>
+                  <a:schemeClr val="lt1"/>
+                </a:solidFill>
+                <a:latin typeface="+mn-lt"/>
+                <a:ea typeface="+mn-ea"/>
+                <a:cs typeface="+mn-cs"/>
+              </a:defRPr>
+            </a:lvl6pPr>
+            <a:lvl7pPr marL="2743200" algn="l" defTabSz="457200" rtl="0" eaLnBrk="1" latinLnBrk="0" hangingPunct="1">
+              <a:defRPr sz="1800" kern="1200">
+                <a:solidFill>
+                  <a:schemeClr val="lt1"/>
+                </a:solidFill>
+                <a:latin typeface="+mn-lt"/>
+                <a:ea typeface="+mn-ea"/>
+                <a:cs typeface="+mn-cs"/>
+              </a:defRPr>
+            </a:lvl7pPr>
+            <a:lvl8pPr marL="3200400" algn="l" defTabSz="457200" rtl="0" eaLnBrk="1" latinLnBrk="0" hangingPunct="1">
+              <a:defRPr sz="1800" kern="1200">
+                <a:solidFill>
+                  <a:schemeClr val="lt1"/>
+                </a:solidFill>
+                <a:latin typeface="+mn-lt"/>
+                <a:ea typeface="+mn-ea"/>
+                <a:cs typeface="+mn-cs"/>
+              </a:defRPr>
+            </a:lvl8pPr>
+            <a:lvl9pPr marL="3657600" algn="l" defTabSz="457200" rtl="0" eaLnBrk="1" latinLnBrk="0" hangingPunct="1">
+              <a:defRPr sz="1800" kern="1200">
+                <a:solidFill>
+                  <a:schemeClr val="lt1"/>
+                </a:solidFill>
+                <a:latin typeface="+mn-lt"/>
+                <a:ea typeface="+mn-ea"/>
+                <a:cs typeface="+mn-cs"/>
+              </a:defRPr>
+            </a:lvl9pPr>
+          </a:lstStyle>
+          <a:p>
+            <a:pPr algn="ctr"/>
+            <a:endParaRPr lang="en-US"/>
+          </a:p>
+        </p:txBody>
+      </p:sp>
+      <p:sp>
+        <p:nvSpPr>
+          <p:cNvPr id="9" name="TextBox 15">
+            <a:extLst>
+              <a:ext uri="{FF2B5EF4-FFF2-40B4-BE49-F238E27FC236}">
+                <a16:creationId xmlns:a16="http://schemas.microsoft.com/office/drawing/2014/main" id="{E64E991B-688A-4E6C-B1DD-2898D815B9B9}"/>
+              </a:ext>
+            </a:extLst>
+          </p:cNvPr>
+          <p:cNvSpPr txBox="1"/>
+          <p:nvPr/>
+        </p:nvSpPr>
+        <p:spPr>
+          <a:xfrm>
+            <a:off x="5592566" y="4906164"/>
+            <a:ext cx="1898340" cy="523220"/>
+          </a:xfrm>
+          <a:prstGeom prst="rect">
+            <a:avLst/>
+          </a:prstGeom>
+          <a:noFill/>
+        </p:spPr>
+        <p:txBody>
+          <a:bodyPr wrap="none" rtlCol="0">
+            <a:spAutoFit/>
+          </a:bodyPr>
+          <a:lstStyle>
+            <a:defPPr>
+              <a:defRPr lang="en-US"/>
+            </a:defPPr>
+            <a:lvl1pPr marL="0" algn="l" defTabSz="457200" rtl="0" eaLnBrk="1" latinLnBrk="0" hangingPunct="1">
+              <a:defRPr sz="1800" kern="1200">
+                <a:solidFill>
+                  <a:schemeClr val="tx1"/>
+                </a:solidFill>
+                <a:latin typeface="+mn-lt"/>
+                <a:ea typeface="+mn-ea"/>
+                <a:cs typeface="+mn-cs"/>
+              </a:defRPr>
+            </a:lvl1pPr>
+            <a:lvl2pPr marL="457200" algn="l" defTabSz="457200" rtl="0" eaLnBrk="1" latinLnBrk="0" hangingPunct="1">
+              <a:defRPr sz="1800" kern="1200">
+                <a:solidFill>
+                  <a:schemeClr val="tx1"/>
+                </a:solidFill>
+                <a:latin typeface="+mn-lt"/>
+                <a:ea typeface="+mn-ea"/>
+                <a:cs typeface="+mn-cs"/>
+              </a:defRPr>
+            </a:lvl2pPr>
+            <a:lvl3pPr marL="914400" algn="l" defTabSz="457200" rtl="0" eaLnBrk="1" latinLnBrk="0" hangingPunct="1">
+              <a:defRPr sz="1800" kern="1200">
+                <a:solidFill>
+                  <a:schemeClr val="tx1"/>
+                </a:solidFill>
+                <a:latin typeface="+mn-lt"/>
+                <a:ea typeface="+mn-ea"/>
+                <a:cs typeface="+mn-cs"/>
+              </a:defRPr>
+            </a:lvl3pPr>
+            <a:lvl4pPr marL="1371600" algn="l" defTabSz="457200" rtl="0" eaLnBrk="1" latinLnBrk="0" hangingPunct="1">
+              <a:defRPr sz="1800" kern="1200">
+                <a:solidFill>
+                  <a:schemeClr val="tx1"/>
+                </a:solidFill>
+                <a:latin typeface="+mn-lt"/>
+                <a:ea typeface="+mn-ea"/>
+                <a:cs typeface="+mn-cs"/>
+              </a:defRPr>
+            </a:lvl4pPr>
+            <a:lvl5pPr marL="1828800" algn="l" defTabSz="457200" rtl="0" eaLnBrk="1" latinLnBrk="0" hangingPunct="1">
+              <a:defRPr sz="1800" kern="1200">
+                <a:solidFill>
+                  <a:schemeClr val="tx1"/>
+                </a:solidFill>
+                <a:latin typeface="+mn-lt"/>
+                <a:ea typeface="+mn-ea"/>
+                <a:cs typeface="+mn-cs"/>
+              </a:defRPr>
+            </a:lvl5pPr>
+            <a:lvl6pPr marL="2286000" algn="l" defTabSz="457200" rtl="0" eaLnBrk="1" latinLnBrk="0" hangingPunct="1">
+              <a:defRPr sz="1800" kern="1200">
+                <a:solidFill>
+                  <a:schemeClr val="tx1"/>
+                </a:solidFill>
+                <a:latin typeface="+mn-lt"/>
+                <a:ea typeface="+mn-ea"/>
+                <a:cs typeface="+mn-cs"/>
+              </a:defRPr>
+            </a:lvl6pPr>
+            <a:lvl7pPr marL="2743200" algn="l" defTabSz="457200" rtl="0" eaLnBrk="1" latinLnBrk="0" hangingPunct="1">
+              <a:defRPr sz="1800" kern="1200">
+                <a:solidFill>
+                  <a:schemeClr val="tx1"/>
+                </a:solidFill>
+                <a:latin typeface="+mn-lt"/>
+                <a:ea typeface="+mn-ea"/>
+                <a:cs typeface="+mn-cs"/>
+              </a:defRPr>
+            </a:lvl7pPr>
+            <a:lvl8pPr marL="3200400" algn="l" defTabSz="457200" rtl="0" eaLnBrk="1" latinLnBrk="0" hangingPunct="1">
+              <a:defRPr sz="1800" kern="1200">
+                <a:solidFill>
+                  <a:schemeClr val="tx1"/>
+                </a:solidFill>
+                <a:latin typeface="+mn-lt"/>
+                <a:ea typeface="+mn-ea"/>
+                <a:cs typeface="+mn-cs"/>
+              </a:defRPr>
+            </a:lvl8pPr>
+            <a:lvl9pPr marL="3657600" algn="l" defTabSz="457200" rtl="0" eaLnBrk="1" latinLnBrk="0" hangingPunct="1">
+              <a:defRPr sz="1800" kern="1200">
+                <a:solidFill>
+                  <a:schemeClr val="tx1"/>
+                </a:solidFill>
+                <a:latin typeface="+mn-lt"/>
+                <a:ea typeface="+mn-ea"/>
+                <a:cs typeface="+mn-cs"/>
+              </a:defRPr>
+            </a:lvl9pPr>
+          </a:lstStyle>
+          <a:p>
+            <a:r>
+              <a:rPr lang="en-US" sz="2800" dirty="0">
+                <a:solidFill>
+                  <a:schemeClr val="tx1">
+                    <a:lumMod val="50000"/>
+                    <a:lumOff val="50000"/>
+                  </a:schemeClr>
+                </a:solidFill>
+              </a:rPr>
+              <a:t>{ response }</a:t>
+            </a:r>
+          </a:p>
+        </p:txBody>
+      </p:sp>
+      <p:sp>
+        <p:nvSpPr>
+          <p:cNvPr id="10" name="Right Arrow 16">
+            <a:extLst>
+              <a:ext uri="{FF2B5EF4-FFF2-40B4-BE49-F238E27FC236}">
+                <a16:creationId xmlns:a16="http://schemas.microsoft.com/office/drawing/2014/main" id="{47DB2B68-7271-411D-A959-6EA34548742E}"/>
+              </a:ext>
+            </a:extLst>
+          </p:cNvPr>
+          <p:cNvSpPr/>
+          <p:nvPr/>
+        </p:nvSpPr>
+        <p:spPr>
+          <a:xfrm rot="10800000">
+            <a:off x="4407419" y="5055510"/>
+            <a:ext cx="951978" cy="336042"/>
+          </a:xfrm>
+          <a:prstGeom prst="rightArrow">
+            <a:avLst/>
+          </a:prstGeom>
+          <a:ln/>
+        </p:spPr>
+        <p:style>
+          <a:lnRef idx="1">
+            <a:schemeClr val="accent6"/>
+          </a:lnRef>
+          <a:fillRef idx="2">
+            <a:schemeClr val="accent6"/>
+          </a:fillRef>
+          <a:effectRef idx="1">
+            <a:schemeClr val="accent6"/>
+          </a:effectRef>
+          <a:fontRef idx="minor">
+            <a:schemeClr val="dk1"/>
+          </a:fontRef>
+        </p:style>
+        <p:txBody>
+          <a:bodyPr rtlCol="0" anchor="ctr"/>
+          <a:lstStyle>
+            <a:defPPr>
+              <a:defRPr lang="en-US"/>
+            </a:defPPr>
+            <a:lvl1pPr marL="0" algn="l" defTabSz="457200" rtl="0" eaLnBrk="1" latinLnBrk="0" hangingPunct="1">
+              <a:defRPr sz="1800" kern="1200">
+                <a:solidFill>
+                  <a:schemeClr val="lt1"/>
+                </a:solidFill>
+                <a:latin typeface="+mn-lt"/>
+                <a:ea typeface="+mn-ea"/>
+                <a:cs typeface="+mn-cs"/>
+              </a:defRPr>
+            </a:lvl1pPr>
+            <a:lvl2pPr marL="457200" algn="l" defTabSz="457200" rtl="0" eaLnBrk="1" latinLnBrk="0" hangingPunct="1">
+              <a:defRPr sz="1800" kern="1200">
+                <a:solidFill>
+                  <a:schemeClr val="lt1"/>
+                </a:solidFill>
+                <a:latin typeface="+mn-lt"/>
+                <a:ea typeface="+mn-ea"/>
+                <a:cs typeface="+mn-cs"/>
+              </a:defRPr>
+            </a:lvl2pPr>
+            <a:lvl3pPr marL="914400" algn="l" defTabSz="457200" rtl="0" eaLnBrk="1" latinLnBrk="0" hangingPunct="1">
+              <a:defRPr sz="1800" kern="1200">
+                <a:solidFill>
+                  <a:schemeClr val="lt1"/>
+                </a:solidFill>
+                <a:latin typeface="+mn-lt"/>
+                <a:ea typeface="+mn-ea"/>
+                <a:cs typeface="+mn-cs"/>
+              </a:defRPr>
+            </a:lvl3pPr>
+            <a:lvl4pPr marL="1371600" algn="l" defTabSz="457200" rtl="0" eaLnBrk="1" latinLnBrk="0" hangingPunct="1">
+              <a:defRPr sz="1800" kern="1200">
+                <a:solidFill>
+                  <a:schemeClr val="lt1"/>
+                </a:solidFill>
+                <a:latin typeface="+mn-lt"/>
+                <a:ea typeface="+mn-ea"/>
+                <a:cs typeface="+mn-cs"/>
+              </a:defRPr>
+            </a:lvl4pPr>
+            <a:lvl5pPr marL="1828800" algn="l" defTabSz="457200" rtl="0" eaLnBrk="1" latinLnBrk="0" hangingPunct="1">
+              <a:defRPr sz="1800" kern="1200">
+                <a:solidFill>
+                  <a:schemeClr val="lt1"/>
+                </a:solidFill>
+                <a:latin typeface="+mn-lt"/>
+                <a:ea typeface="+mn-ea"/>
+                <a:cs typeface="+mn-cs"/>
+              </a:defRPr>
+            </a:lvl5pPr>
+            <a:lvl6pPr marL="2286000" algn="l" defTabSz="457200" rtl="0" eaLnBrk="1" latinLnBrk="0" hangingPunct="1">
+              <a:defRPr sz="1800" kern="1200">
+                <a:solidFill>
+                  <a:schemeClr val="lt1"/>
+                </a:solidFill>
+                <a:latin typeface="+mn-lt"/>
+                <a:ea typeface="+mn-ea"/>
+                <a:cs typeface="+mn-cs"/>
+              </a:defRPr>
+            </a:lvl6pPr>
+            <a:lvl7pPr marL="2743200" algn="l" defTabSz="457200" rtl="0" eaLnBrk="1" latinLnBrk="0" hangingPunct="1">
+              <a:defRPr sz="1800" kern="1200">
+                <a:solidFill>
+                  <a:schemeClr val="lt1"/>
+                </a:solidFill>
+                <a:latin typeface="+mn-lt"/>
+                <a:ea typeface="+mn-ea"/>
+                <a:cs typeface="+mn-cs"/>
+              </a:defRPr>
+            </a:lvl7pPr>
+            <a:lvl8pPr marL="3200400" algn="l" defTabSz="457200" rtl="0" eaLnBrk="1" latinLnBrk="0" hangingPunct="1">
+              <a:defRPr sz="1800" kern="1200">
+                <a:solidFill>
+                  <a:schemeClr val="lt1"/>
+                </a:solidFill>
+                <a:latin typeface="+mn-lt"/>
+                <a:ea typeface="+mn-ea"/>
+                <a:cs typeface="+mn-cs"/>
+              </a:defRPr>
+            </a:lvl8pPr>
+            <a:lvl9pPr marL="3657600" algn="l" defTabSz="457200" rtl="0" eaLnBrk="1" latinLnBrk="0" hangingPunct="1">
+              <a:defRPr sz="1800" kern="1200">
+                <a:solidFill>
+                  <a:schemeClr val="lt1"/>
+                </a:solidFill>
+                <a:latin typeface="+mn-lt"/>
+                <a:ea typeface="+mn-ea"/>
+                <a:cs typeface="+mn-cs"/>
+              </a:defRPr>
+            </a:lvl9pPr>
+          </a:lstStyle>
+          <a:p>
+            <a:pPr algn="ctr"/>
+            <a:endParaRPr lang="en-US"/>
+          </a:p>
+        </p:txBody>
+      </p:sp>
+      <p:sp>
+        <p:nvSpPr>
+          <p:cNvPr id="11" name="TextBox 18">
+            <a:extLst>
+              <a:ext uri="{FF2B5EF4-FFF2-40B4-BE49-F238E27FC236}">
+                <a16:creationId xmlns:a16="http://schemas.microsoft.com/office/drawing/2014/main" id="{35B7E2BC-64C8-4D7B-BBAD-C05274F418E9}"/>
+              </a:ext>
+            </a:extLst>
+          </p:cNvPr>
+          <p:cNvSpPr txBox="1"/>
+          <p:nvPr/>
+        </p:nvSpPr>
+        <p:spPr>
+          <a:xfrm flipV="1">
+            <a:off x="3339688" y="4545655"/>
+            <a:ext cx="834561" cy="1323439"/>
+          </a:xfrm>
+          <a:prstGeom prst="rect">
+            <a:avLst/>
+          </a:prstGeom>
+          <a:noFill/>
+        </p:spPr>
+        <p:txBody>
+          <a:bodyPr wrap="square" rtlCol="0">
+            <a:spAutoFit/>
+          </a:bodyPr>
+          <a:lstStyle>
+            <a:defPPr>
+              <a:defRPr lang="en-US"/>
+            </a:defPPr>
+            <a:lvl1pPr marL="0" algn="l" defTabSz="457200" rtl="0" eaLnBrk="1" latinLnBrk="0" hangingPunct="1">
+              <a:defRPr sz="1800" kern="1200">
+                <a:solidFill>
+                  <a:schemeClr val="tx1"/>
+                </a:solidFill>
+                <a:latin typeface="+mn-lt"/>
+                <a:ea typeface="+mn-ea"/>
+                <a:cs typeface="+mn-cs"/>
+              </a:defRPr>
+            </a:lvl1pPr>
+            <a:lvl2pPr marL="457200" algn="l" defTabSz="457200" rtl="0" eaLnBrk="1" latinLnBrk="0" hangingPunct="1">
+              <a:defRPr sz="1800" kern="1200">
+                <a:solidFill>
+                  <a:schemeClr val="tx1"/>
+                </a:solidFill>
+                <a:latin typeface="+mn-lt"/>
+                <a:ea typeface="+mn-ea"/>
+                <a:cs typeface="+mn-cs"/>
+              </a:defRPr>
+            </a:lvl2pPr>
+            <a:lvl3pPr marL="914400" algn="l" defTabSz="457200" rtl="0" eaLnBrk="1" latinLnBrk="0" hangingPunct="1">
+              <a:defRPr sz="1800" kern="1200">
+                <a:solidFill>
+                  <a:schemeClr val="tx1"/>
+                </a:solidFill>
+                <a:latin typeface="+mn-lt"/>
+                <a:ea typeface="+mn-ea"/>
+                <a:cs typeface="+mn-cs"/>
+              </a:defRPr>
+            </a:lvl3pPr>
+            <a:lvl4pPr marL="1371600" algn="l" defTabSz="457200" rtl="0" eaLnBrk="1" latinLnBrk="0" hangingPunct="1">
+              <a:defRPr sz="1800" kern="1200">
+                <a:solidFill>
+                  <a:schemeClr val="tx1"/>
+                </a:solidFill>
+                <a:latin typeface="+mn-lt"/>
+                <a:ea typeface="+mn-ea"/>
+                <a:cs typeface="+mn-cs"/>
+              </a:defRPr>
+            </a:lvl4pPr>
+            <a:lvl5pPr marL="1828800" algn="l" defTabSz="457200" rtl="0" eaLnBrk="1" latinLnBrk="0" hangingPunct="1">
+              <a:defRPr sz="1800" kern="1200">
+                <a:solidFill>
+                  <a:schemeClr val="tx1"/>
+                </a:solidFill>
+                <a:latin typeface="+mn-lt"/>
+                <a:ea typeface="+mn-ea"/>
+                <a:cs typeface="+mn-cs"/>
+              </a:defRPr>
+            </a:lvl5pPr>
+            <a:lvl6pPr marL="2286000" algn="l" defTabSz="457200" rtl="0" eaLnBrk="1" latinLnBrk="0" hangingPunct="1">
+              <a:defRPr sz="1800" kern="1200">
+                <a:solidFill>
+                  <a:schemeClr val="tx1"/>
+                </a:solidFill>
+                <a:latin typeface="+mn-lt"/>
+                <a:ea typeface="+mn-ea"/>
+                <a:cs typeface="+mn-cs"/>
+              </a:defRPr>
+            </a:lvl6pPr>
+            <a:lvl7pPr marL="2743200" algn="l" defTabSz="457200" rtl="0" eaLnBrk="1" latinLnBrk="0" hangingPunct="1">
+              <a:defRPr sz="1800" kern="1200">
+                <a:solidFill>
+                  <a:schemeClr val="tx1"/>
+                </a:solidFill>
+                <a:latin typeface="+mn-lt"/>
+                <a:ea typeface="+mn-ea"/>
+                <a:cs typeface="+mn-cs"/>
+              </a:defRPr>
+            </a:lvl7pPr>
+            <a:lvl8pPr marL="3200400" algn="l" defTabSz="457200" rtl="0" eaLnBrk="1" latinLnBrk="0" hangingPunct="1">
+              <a:defRPr sz="1800" kern="1200">
+                <a:solidFill>
+                  <a:schemeClr val="tx1"/>
+                </a:solidFill>
+                <a:latin typeface="+mn-lt"/>
+                <a:ea typeface="+mn-ea"/>
+                <a:cs typeface="+mn-cs"/>
+              </a:defRPr>
+            </a:lvl8pPr>
+            <a:lvl9pPr marL="3657600" algn="l" defTabSz="457200" rtl="0" eaLnBrk="1" latinLnBrk="0" hangingPunct="1">
+              <a:defRPr sz="1800" kern="1200">
+                <a:solidFill>
+                  <a:schemeClr val="tx1"/>
+                </a:solidFill>
+                <a:latin typeface="+mn-lt"/>
+                <a:ea typeface="+mn-ea"/>
+                <a:cs typeface="+mn-cs"/>
+              </a:defRPr>
+            </a:lvl9pPr>
+          </a:lstStyle>
+          <a:p>
+            <a:r>
+              <a:rPr lang="en-US" sz="8000" dirty="0">
+                <a:solidFill>
+                  <a:schemeClr val="accent1"/>
+                </a:solidFill>
+              </a:rPr>
+              <a:t>🔊</a:t>
+            </a:r>
+            <a:endParaRPr lang="en-US" dirty="0">
+              <a:solidFill>
+                <a:schemeClr val="accent1"/>
+              </a:solidFill>
+            </a:endParaRPr>
+          </a:p>
+        </p:txBody>
+      </p:sp>
+      <p:pic>
+        <p:nvPicPr>
+          <p:cNvPr id="12" name="Picture 2" descr="Image result for talking head emoji">
+            <a:extLst>
+              <a:ext uri="{FF2B5EF4-FFF2-40B4-BE49-F238E27FC236}">
+                <a16:creationId xmlns:a16="http://schemas.microsoft.com/office/drawing/2014/main" id="{3D0D74F4-F045-47A4-B593-765CA7A52C47}"/>
+              </a:ext>
+            </a:extLst>
+          </p:cNvPr>
+          <p:cNvPicPr>
+            <a:picLocks noChangeAspect="1" noChangeArrowheads="1"/>
+          </p:cNvPicPr>
+          <p:nvPr/>
+        </p:nvPicPr>
+        <p:blipFill>
+          <a:blip r:embed="rId3">
+            <a:duotone>
+              <a:schemeClr val="accent1">
+                <a:shade val="45000"/>
+                <a:satMod val="135000"/>
+              </a:schemeClr>
+              <a:prstClr val="white"/>
+            </a:duotone>
+            <a:extLst>
+              <a:ext uri="{BEBA8EAE-BF5A-486C-A8C5-ECC9F3942E4B}">
+                <a14:imgProps xmlns:a14="http://schemas.microsoft.com/office/drawing/2010/main">
+                  <a14:imgLayer r:embed="rId4">
+                    <a14:imgEffect>
+                      <a14:saturation sat="33000"/>
+                    </a14:imgEffect>
+                  </a14:imgLayer>
+                </a14:imgProps>
+              </a:ext>
+              <a:ext uri="{28A0092B-C50C-407E-A947-70E740481C1C}">
+                <a14:useLocalDpi xmlns:a14="http://schemas.microsoft.com/office/drawing/2010/main" val="0"/>
+              </a:ext>
+            </a:extLst>
+          </a:blip>
+          <a:srcRect/>
+          <a:stretch>
+            <a:fillRect/>
+          </a:stretch>
+        </p:blipFill>
+        <p:spPr bwMode="auto">
+          <a:xfrm>
+            <a:off x="2904332" y="1845734"/>
+            <a:ext cx="1057275" cy="1057275"/>
+          </a:xfrm>
+          <a:prstGeom prst="rect">
+            <a:avLst/>
+          </a:prstGeom>
+          <a:noFill/>
+          <a:extLst>
+            <a:ext uri="{909E8E84-426E-40DD-AFC4-6F175D3DCCD1}">
+              <a14:hiddenFill xmlns:a14="http://schemas.microsoft.com/office/drawing/2010/main">
+                <a:solidFill>
+                  <a:srgbClr val="FFFFFF"/>
+                </a:solidFill>
+              </a14:hiddenFill>
+            </a:ext>
+          </a:extLst>
+        </p:spPr>
+      </p:pic>
     </p:spTree>
     <p:extLst>
       <p:ext uri="{BB962C8B-B14F-4D97-AF65-F5344CB8AC3E}">
-        <p14:creationId xmlns:p14="http://schemas.microsoft.com/office/powerpoint/2010/main" val="4086086888"/>
+        <p14:creationId xmlns:p14="http://schemas.microsoft.com/office/powerpoint/2010/main" val="668088041"/>
       </p:ext>
     </p:extLst>
   </p:cSld>
@@ -13917,7 +14747,7 @@
           <a:p>
             <a:r>
               <a:rPr lang="en-GB" dirty="0"/>
-              <a:t>About Me</a:t>
+              <a:t>Alexa</a:t>
             </a:r>
           </a:p>
         </p:txBody>
@@ -13939,24 +14769,6 @@
           <a:p>
             <a:endParaRPr lang="en-GB" dirty="0"/>
           </a:p>
-          <a:p>
-            <a:endParaRPr lang="en-GB" dirty="0"/>
-          </a:p>
-          <a:p>
-            <a:endParaRPr lang="en-GB" dirty="0"/>
-          </a:p>
-          <a:p>
-            <a:r>
-              <a:rPr lang="en-GB" dirty="0"/>
-              <a:t>Day Job - AWS / .NET Core</a:t>
-            </a:r>
-          </a:p>
-          <a:p>
-            <a:r>
-              <a:rPr lang="en-GB" dirty="0"/>
-              <a:t>Alexa &amp; Me – 9 Months?</a:t>
-            </a:r>
-          </a:p>
         </p:txBody>
       </p:sp>
       <p:pic>
@@ -13964,7 +14776,7 @@
           <p:cNvPr id="4" name="Picture 3">
             <a:extLst>
               <a:ext uri="{FF2B5EF4-FFF2-40B4-BE49-F238E27FC236}">
-                <a16:creationId xmlns:a16="http://schemas.microsoft.com/office/drawing/2014/main" id="{62620670-8E54-E54F-AC22-3D78ED0B4985}"/>
+                <a16:creationId xmlns:a16="http://schemas.microsoft.com/office/drawing/2014/main" id="{B66B6B3F-1FAB-48E2-8FF0-FF7A19ABA3E1}"/>
               </a:ext>
             </a:extLst>
           </p:cNvPr>
@@ -13981,8 +14793,8 @@
         </p:blipFill>
         <p:spPr>
           <a:xfrm>
-            <a:off x="1097280" y="1845734"/>
-            <a:ext cx="3621691" cy="1183057"/>
+            <a:off x="1477879" y="2255418"/>
+            <a:ext cx="9236241" cy="2347163"/>
           </a:xfrm>
           <a:prstGeom prst="rect">
             <a:avLst/>
@@ -13992,168 +14804,13 @@
     </p:spTree>
     <p:extLst>
       <p:ext uri="{BB962C8B-B14F-4D97-AF65-F5344CB8AC3E}">
-        <p14:creationId xmlns:p14="http://schemas.microsoft.com/office/powerpoint/2010/main" val="4272517799"/>
+        <p14:creationId xmlns:p14="http://schemas.microsoft.com/office/powerpoint/2010/main" val="2524549692"/>
       </p:ext>
     </p:extLst>
   </p:cSld>
   <p:clrMapOvr>
     <a:masterClrMapping/>
   </p:clrMapOvr>
-  <p:timing>
-    <p:tnLst>
-      <p:par>
-        <p:cTn id="1" dur="indefinite" restart="never" nodeType="tmRoot">
-          <p:childTnLst>
-            <p:seq concurrent="1" nextAc="seek">
-              <p:cTn id="2" dur="indefinite" nodeType="mainSeq">
-                <p:childTnLst>
-                  <p:par>
-                    <p:cTn id="3" fill="hold">
-                      <p:stCondLst>
-                        <p:cond delay="indefinite"/>
-                      </p:stCondLst>
-                      <p:childTnLst>
-                        <p:par>
-                          <p:cTn id="4" fill="hold">
-                            <p:stCondLst>
-                              <p:cond delay="0"/>
-                            </p:stCondLst>
-                            <p:childTnLst>
-                              <p:par>
-                                <p:cTn id="5" presetID="10" presetClass="entr" presetSubtype="0" fill="hold" grpId="0" nodeType="clickEffect">
-                                  <p:stCondLst>
-                                    <p:cond delay="0"/>
-                                  </p:stCondLst>
-                                  <p:childTnLst>
-                                    <p:set>
-                                      <p:cBhvr>
-                                        <p:cTn id="6" dur="1" fill="hold">
-                                          <p:stCondLst>
-                                            <p:cond delay="0"/>
-                                          </p:stCondLst>
-                                        </p:cTn>
-                                        <p:tgtEl>
-                                          <p:spTgt spid="3">
-                                            <p:txEl>
-                                              <p:pRg st="3" end="3"/>
-                                            </p:txEl>
-                                          </p:spTgt>
-                                        </p:tgtEl>
-                                        <p:attrNameLst>
-                                          <p:attrName>style.visibility</p:attrName>
-                                        </p:attrNameLst>
-                                      </p:cBhvr>
-                                      <p:to>
-                                        <p:strVal val="visible"/>
-                                      </p:to>
-                                    </p:set>
-                                    <p:animEffect transition="in" filter="fade">
-                                      <p:cBhvr>
-                                        <p:cTn id="7" dur="500"/>
-                                        <p:tgtEl>
-                                          <p:spTgt spid="3">
-                                            <p:txEl>
-                                              <p:pRg st="3" end="3"/>
-                                            </p:txEl>
-                                          </p:spTgt>
-                                        </p:tgtEl>
-                                      </p:cBhvr>
-                                    </p:animEffect>
-                                  </p:childTnLst>
-                                </p:cTn>
-                              </p:par>
-                            </p:childTnLst>
-                          </p:cTn>
-                        </p:par>
-                      </p:childTnLst>
-                    </p:cTn>
-                  </p:par>
-                  <p:par>
-                    <p:cTn id="8" fill="hold">
-                      <p:stCondLst>
-                        <p:cond delay="indefinite"/>
-                      </p:stCondLst>
-                      <p:childTnLst>
-                        <p:par>
-                          <p:cTn id="9" fill="hold">
-                            <p:stCondLst>
-                              <p:cond delay="0"/>
-                            </p:stCondLst>
-                            <p:childTnLst>
-                              <p:par>
-                                <p:cTn id="10" presetID="10" presetClass="entr" presetSubtype="0" fill="hold" grpId="0" nodeType="clickEffect">
-                                  <p:stCondLst>
-                                    <p:cond delay="0"/>
-                                  </p:stCondLst>
-                                  <p:childTnLst>
-                                    <p:set>
-                                      <p:cBhvr>
-                                        <p:cTn id="11" dur="1" fill="hold">
-                                          <p:stCondLst>
-                                            <p:cond delay="0"/>
-                                          </p:stCondLst>
-                                        </p:cTn>
-                                        <p:tgtEl>
-                                          <p:spTgt spid="3">
-                                            <p:txEl>
-                                              <p:pRg st="4" end="4"/>
-                                            </p:txEl>
-                                          </p:spTgt>
-                                        </p:tgtEl>
-                                        <p:attrNameLst>
-                                          <p:attrName>style.visibility</p:attrName>
-                                        </p:attrNameLst>
-                                      </p:cBhvr>
-                                      <p:to>
-                                        <p:strVal val="visible"/>
-                                      </p:to>
-                                    </p:set>
-                                    <p:animEffect transition="in" filter="fade">
-                                      <p:cBhvr>
-                                        <p:cTn id="12" dur="500"/>
-                                        <p:tgtEl>
-                                          <p:spTgt spid="3">
-                                            <p:txEl>
-                                              <p:pRg st="4" end="4"/>
-                                            </p:txEl>
-                                          </p:spTgt>
-                                        </p:tgtEl>
-                                      </p:cBhvr>
-                                    </p:animEffect>
-                                  </p:childTnLst>
-                                </p:cTn>
-                              </p:par>
-                            </p:childTnLst>
-                          </p:cTn>
-                        </p:par>
-                      </p:childTnLst>
-                    </p:cTn>
-                  </p:par>
-                </p:childTnLst>
-              </p:cTn>
-              <p:prevCondLst>
-                <p:cond evt="onPrev" delay="0">
-                  <p:tgtEl>
-                    <p:sldTgt/>
-                  </p:tgtEl>
-                </p:cond>
-              </p:prevCondLst>
-              <p:nextCondLst>
-                <p:cond evt="onNext" delay="0">
-                  <p:tgtEl>
-                    <p:sldTgt/>
-                  </p:tgtEl>
-                </p:cond>
-              </p:nextCondLst>
-            </p:seq>
-          </p:childTnLst>
-        </p:cTn>
-      </p:par>
-    </p:tnLst>
-    <p:bldLst>
-      <p:bldP spid="3" grpId="0" build="p"/>
-    </p:bldLst>
-  </p:timing>
 </p:sld>
 </file>
 
@@ -20516,44 +21173,70 @@
           <a:p>
             <a:r>
               <a:rPr lang="en-GB" dirty="0"/>
-              <a:t>About Me</a:t>
-            </a:r>
+              <a:t>Alexa</a:t>
+            </a:r>
+          </a:p>
+        </p:txBody>
+      </p:sp>
+      <p:sp>
+        <p:nvSpPr>
+          <p:cNvPr id="3" name="Content Placeholder 2"/>
+          <p:cNvSpPr>
+            <a:spLocks noGrp="1"/>
+          </p:cNvSpPr>
+          <p:nvPr>
+            <p:ph idx="1"/>
+          </p:nvPr>
+        </p:nvSpPr>
+        <p:spPr/>
+        <p:txBody>
+          <a:bodyPr/>
+          <a:lstStyle/>
+          <a:p>
+            <a:endParaRPr lang="en-GB" dirty="0"/>
           </a:p>
         </p:txBody>
       </p:sp>
       <p:pic>
         <p:nvPicPr>
-          <p:cNvPr id="7" name="Content Placeholder 6">
+          <p:cNvPr id="5" name="Picture 4">
             <a:extLst>
               <a:ext uri="{FF2B5EF4-FFF2-40B4-BE49-F238E27FC236}">
-                <a16:creationId xmlns:a16="http://schemas.microsoft.com/office/drawing/2014/main" id="{1D2D63A3-4537-D84D-9AF7-D4DA9857DA91}"/>
+                <a16:creationId xmlns:a16="http://schemas.microsoft.com/office/drawing/2014/main" id="{BF4286C6-1BBF-4FA8-B44E-93D5FA3DE9CE}"/>
               </a:ext>
             </a:extLst>
           </p:cNvPr>
           <p:cNvPicPr>
-            <a:picLocks noGrp="1" noChangeAspect="1"/>
+            <a:picLocks noChangeAspect="1"/>
           </p:cNvPicPr>
-          <p:nvPr>
-            <p:ph idx="1"/>
-          </p:nvPr>
+          <p:nvPr/>
         </p:nvPicPr>
         <p:blipFill>
-          <a:blip r:embed="rId3"/>
+          <a:blip r:embed="rId3" cstate="print">
+            <a:extLst>
+              <a:ext uri="{28A0092B-C50C-407E-A947-70E740481C1C}">
+                <a14:useLocalDpi xmlns:a14="http://schemas.microsoft.com/office/drawing/2010/main" val="0"/>
+              </a:ext>
+            </a:extLst>
+          </a:blip>
           <a:stretch>
             <a:fillRect/>
           </a:stretch>
         </p:blipFill>
         <p:spPr>
           <a:xfrm>
-            <a:off x="3829218" y="1846263"/>
-            <a:ext cx="4593890" cy="4022725"/>
+            <a:off x="4395338" y="0"/>
+            <a:ext cx="7637930" cy="6218883"/>
           </a:xfrm>
+          <a:prstGeom prst="rect">
+            <a:avLst/>
+          </a:prstGeom>
         </p:spPr>
       </p:pic>
     </p:spTree>
     <p:extLst>
       <p:ext uri="{BB962C8B-B14F-4D97-AF65-F5344CB8AC3E}">
-        <p14:creationId xmlns:p14="http://schemas.microsoft.com/office/powerpoint/2010/main" val="1575921757"/>
+        <p14:creationId xmlns:p14="http://schemas.microsoft.com/office/powerpoint/2010/main" val="839213258"/>
       </p:ext>
     </p:extLst>
   </p:cSld>
@@ -20969,7 +21652,7 @@
           <a:p>
             <a:r>
               <a:rPr lang="en-GB" dirty="0"/>
-              <a:t>About Alexa</a:t>
+              <a:t>About Me</a:t>
             </a:r>
           </a:p>
         </p:txBody>
@@ -20991,6 +21674,24 @@
           <a:p>
             <a:endParaRPr lang="en-GB" dirty="0"/>
           </a:p>
+          <a:p>
+            <a:endParaRPr lang="en-GB" dirty="0"/>
+          </a:p>
+          <a:p>
+            <a:endParaRPr lang="en-GB" dirty="0"/>
+          </a:p>
+          <a:p>
+            <a:r>
+              <a:rPr lang="en-GB" dirty="0"/>
+              <a:t>Day Job - AWS / .NET Core</a:t>
+            </a:r>
+          </a:p>
+          <a:p>
+            <a:r>
+              <a:rPr lang="en-GB" dirty="0"/>
+              <a:t>Alexa &amp; Me – 9 Months?</a:t>
+            </a:r>
+          </a:p>
         </p:txBody>
       </p:sp>
       <p:pic>
@@ -20998,7 +21699,7 @@
           <p:cNvPr id="4" name="Picture 3">
             <a:extLst>
               <a:ext uri="{FF2B5EF4-FFF2-40B4-BE49-F238E27FC236}">
-                <a16:creationId xmlns:a16="http://schemas.microsoft.com/office/drawing/2014/main" id="{B66B6B3F-1FAB-48E2-8FF0-FF7A19ABA3E1}"/>
+                <a16:creationId xmlns:a16="http://schemas.microsoft.com/office/drawing/2014/main" id="{62620670-8E54-E54F-AC22-3D78ED0B4985}"/>
               </a:ext>
             </a:extLst>
           </p:cNvPr>
@@ -21015,8 +21716,8 @@
         </p:blipFill>
         <p:spPr>
           <a:xfrm>
-            <a:off x="1477879" y="2255418"/>
-            <a:ext cx="9236241" cy="2347163"/>
+            <a:off x="1097280" y="1845734"/>
+            <a:ext cx="3621691" cy="1183057"/>
           </a:xfrm>
           <a:prstGeom prst="rect">
             <a:avLst/>
@@ -21026,231 +21727,7 @@
     </p:spTree>
     <p:extLst>
       <p:ext uri="{BB962C8B-B14F-4D97-AF65-F5344CB8AC3E}">
-        <p14:creationId xmlns:p14="http://schemas.microsoft.com/office/powerpoint/2010/main" val="2524549692"/>
-      </p:ext>
-    </p:extLst>
-  </p:cSld>
-  <p:clrMapOvr>
-    <a:masterClrMapping/>
-  </p:clrMapOvr>
-</p:sld>
-</file>
-
-<file path=ppt/slides/slide5.xml><?xml version="1.0" encoding="utf-8"?>
-<p:sld xmlns:a="http://schemas.openxmlformats.org/drawingml/2006/main" xmlns:r="http://schemas.openxmlformats.org/officeDocument/2006/relationships" xmlns:p="http://schemas.openxmlformats.org/presentationml/2006/main">
-  <p:cSld>
-    <p:spTree>
-      <p:nvGrpSpPr>
-        <p:cNvPr id="1" name=""/>
-        <p:cNvGrpSpPr/>
-        <p:nvPr/>
-      </p:nvGrpSpPr>
-      <p:grpSpPr>
-        <a:xfrm>
-          <a:off x="0" y="0"/>
-          <a:ext cx="0" cy="0"/>
-          <a:chOff x="0" y="0"/>
-          <a:chExt cx="0" cy="0"/>
-        </a:xfrm>
-      </p:grpSpPr>
-      <p:sp>
-        <p:nvSpPr>
-          <p:cNvPr id="2" name="Title 1"/>
-          <p:cNvSpPr>
-            <a:spLocks noGrp="1"/>
-          </p:cNvSpPr>
-          <p:nvPr>
-            <p:ph type="title"/>
-          </p:nvPr>
-        </p:nvSpPr>
-        <p:spPr/>
-        <p:txBody>
-          <a:bodyPr/>
-          <a:lstStyle/>
-          <a:p>
-            <a:r>
-              <a:rPr lang="en-GB" dirty="0"/>
-              <a:t>About Alexa</a:t>
-            </a:r>
-          </a:p>
-        </p:txBody>
-      </p:sp>
-      <p:sp>
-        <p:nvSpPr>
-          <p:cNvPr id="3" name="Content Placeholder 2"/>
-          <p:cNvSpPr>
-            <a:spLocks noGrp="1"/>
-          </p:cNvSpPr>
-          <p:nvPr>
-            <p:ph idx="1"/>
-          </p:nvPr>
-        </p:nvSpPr>
-        <p:spPr/>
-        <p:txBody>
-          <a:bodyPr/>
-          <a:lstStyle/>
-          <a:p>
-            <a:endParaRPr lang="en-GB" dirty="0"/>
-          </a:p>
-        </p:txBody>
-      </p:sp>
-      <p:pic>
-        <p:nvPicPr>
-          <p:cNvPr id="5" name="Picture 4">
-            <a:extLst>
-              <a:ext uri="{FF2B5EF4-FFF2-40B4-BE49-F238E27FC236}">
-                <a16:creationId xmlns:a16="http://schemas.microsoft.com/office/drawing/2014/main" id="{BF4286C6-1BBF-4FA8-B44E-93D5FA3DE9CE}"/>
-              </a:ext>
-            </a:extLst>
-          </p:cNvPr>
-          <p:cNvPicPr>
-            <a:picLocks noChangeAspect="1"/>
-          </p:cNvPicPr>
-          <p:nvPr/>
-        </p:nvPicPr>
-        <p:blipFill>
-          <a:blip r:embed="rId3" cstate="print">
-            <a:extLst>
-              <a:ext uri="{28A0092B-C50C-407E-A947-70E740481C1C}">
-                <a14:useLocalDpi xmlns:a14="http://schemas.microsoft.com/office/drawing/2010/main" val="0"/>
-              </a:ext>
-            </a:extLst>
-          </a:blip>
-          <a:stretch>
-            <a:fillRect/>
-          </a:stretch>
-        </p:blipFill>
-        <p:spPr>
-          <a:xfrm>
-            <a:off x="4395338" y="0"/>
-            <a:ext cx="7637930" cy="6218883"/>
-          </a:xfrm>
-          <a:prstGeom prst="rect">
-            <a:avLst/>
-          </a:prstGeom>
-        </p:spPr>
-      </p:pic>
-    </p:spTree>
-    <p:extLst>
-      <p:ext uri="{BB962C8B-B14F-4D97-AF65-F5344CB8AC3E}">
-        <p14:creationId xmlns:p14="http://schemas.microsoft.com/office/powerpoint/2010/main" val="839213258"/>
-      </p:ext>
-    </p:extLst>
-  </p:cSld>
-  <p:clrMapOvr>
-    <a:masterClrMapping/>
-  </p:clrMapOvr>
-</p:sld>
-</file>
-
-<file path=ppt/slides/slide6.xml><?xml version="1.0" encoding="utf-8"?>
-<p:sld xmlns:a="http://schemas.openxmlformats.org/drawingml/2006/main" xmlns:r="http://schemas.openxmlformats.org/officeDocument/2006/relationships" xmlns:p="http://schemas.openxmlformats.org/presentationml/2006/main">
-  <p:cSld>
-    <p:spTree>
-      <p:nvGrpSpPr>
-        <p:cNvPr id="1" name=""/>
-        <p:cNvGrpSpPr/>
-        <p:nvPr/>
-      </p:nvGrpSpPr>
-      <p:grpSpPr>
-        <a:xfrm>
-          <a:off x="0" y="0"/>
-          <a:ext cx="0" cy="0"/>
-          <a:chOff x="0" y="0"/>
-          <a:chExt cx="0" cy="0"/>
-        </a:xfrm>
-      </p:grpSpPr>
-      <p:sp>
-        <p:nvSpPr>
-          <p:cNvPr id="2" name="Title 1">
-            <a:extLst>
-              <a:ext uri="{FF2B5EF4-FFF2-40B4-BE49-F238E27FC236}">
-                <a16:creationId xmlns:a16="http://schemas.microsoft.com/office/drawing/2014/main" id="{3927750E-CF28-4B48-A10B-BC02EB9CD0FA}"/>
-              </a:ext>
-            </a:extLst>
-          </p:cNvPr>
-          <p:cNvSpPr>
-            <a:spLocks noGrp="1"/>
-          </p:cNvSpPr>
-          <p:nvPr>
-            <p:ph type="title"/>
-          </p:nvPr>
-        </p:nvSpPr>
-        <p:spPr/>
-        <p:txBody>
-          <a:bodyPr/>
-          <a:lstStyle/>
-          <a:p>
-            <a:r>
-              <a:rPr lang="en-US" dirty="0"/>
-              <a:t>The Client: </a:t>
-            </a:r>
-            <a:r>
-              <a:rPr lang="en-US" dirty="0" err="1"/>
-              <a:t>NoTone</a:t>
-            </a:r>
-            <a:r>
-              <a:rPr lang="en-US" dirty="0"/>
-              <a:t> Ltd</a:t>
-            </a:r>
-            <a:endParaRPr lang="en-GB" dirty="0"/>
-          </a:p>
-        </p:txBody>
-      </p:sp>
-      <p:sp>
-        <p:nvSpPr>
-          <p:cNvPr id="3" name="Content Placeholder 2">
-            <a:extLst>
-              <a:ext uri="{FF2B5EF4-FFF2-40B4-BE49-F238E27FC236}">
-                <a16:creationId xmlns:a16="http://schemas.microsoft.com/office/drawing/2014/main" id="{F82C128F-C733-41C5-BA02-69C5A8077248}"/>
-              </a:ext>
-            </a:extLst>
-          </p:cNvPr>
-          <p:cNvSpPr>
-            <a:spLocks noGrp="1"/>
-          </p:cNvSpPr>
-          <p:nvPr>
-            <p:ph idx="1"/>
-          </p:nvPr>
-        </p:nvSpPr>
-        <p:spPr/>
-        <p:txBody>
-          <a:bodyPr/>
-          <a:lstStyle/>
-          <a:p>
-            <a:r>
-              <a:rPr lang="en-GB" dirty="0"/>
-              <a:t>Spoken to your contract team</a:t>
-            </a:r>
-          </a:p>
-          <a:p>
-            <a:r>
-              <a:rPr lang="en-GB" dirty="0"/>
-              <a:t>Need help with an existing Alexa skill</a:t>
-            </a:r>
-          </a:p>
-          <a:p>
-            <a:r>
-              <a:rPr lang="en-GB" dirty="0"/>
-              <a:t>You’re not a voice first team</a:t>
-            </a:r>
-          </a:p>
-          <a:p>
-            <a:r>
-              <a:rPr lang="en-GB" dirty="0"/>
-              <a:t>Contract team said </a:t>
-            </a:r>
-            <a:r>
-              <a:rPr lang="en-GB" b="1" dirty="0"/>
-              <a:t>no problem!</a:t>
-            </a:r>
-          </a:p>
-        </p:txBody>
-      </p:sp>
-    </p:spTree>
-    <p:extLst>
-      <p:ext uri="{BB962C8B-B14F-4D97-AF65-F5344CB8AC3E}">
-        <p14:creationId xmlns:p14="http://schemas.microsoft.com/office/powerpoint/2010/main" val="61706222"/>
+        <p14:creationId xmlns:p14="http://schemas.microsoft.com/office/powerpoint/2010/main" val="4272517799"/>
       </p:ext>
     </p:extLst>
   </p:cSld>
@@ -21278,7 +21755,7 @@
                             </p:stCondLst>
                             <p:childTnLst>
                               <p:par>
-                                <p:cTn id="5" presetID="10" presetClass="entr" presetSubtype="0" fill="hold" nodeType="clickEffect">
+                                <p:cTn id="5" presetID="10" presetClass="entr" presetSubtype="0" fill="hold" grpId="0" nodeType="clickEffect">
                                   <p:stCondLst>
                                     <p:cond delay="0"/>
                                   </p:stCondLst>
@@ -21293,7 +21770,7 @@
                                         <p:tgtEl>
                                           <p:spTgt spid="3">
                                             <p:txEl>
-                                              <p:pRg st="0" end="0"/>
+                                              <p:pRg st="3" end="3"/>
                                             </p:txEl>
                                           </p:spTgt>
                                         </p:tgtEl>
@@ -21311,7 +21788,7 @@
                                         <p:tgtEl>
                                           <p:spTgt spid="3">
                                             <p:txEl>
-                                              <p:pRg st="0" end="0"/>
+                                              <p:pRg st="3" end="3"/>
                                             </p:txEl>
                                           </p:spTgt>
                                         </p:tgtEl>
@@ -21339,7 +21816,7 @@
                             </p:stCondLst>
                             <p:childTnLst>
                               <p:par>
-                                <p:cTn id="10" presetID="10" presetClass="entr" presetSubtype="0" fill="hold" nodeType="clickEffect">
+                                <p:cTn id="10" presetID="10" presetClass="entr" presetSubtype="0" fill="hold" grpId="0" nodeType="clickEffect">
                                   <p:stCondLst>
                                     <p:cond delay="0"/>
                                   </p:stCondLst>
@@ -21354,7 +21831,7 @@
                                         <p:tgtEl>
                                           <p:spTgt spid="3">
                                             <p:txEl>
-                                              <p:pRg st="1" end="1"/>
+                                              <p:pRg st="4" end="4"/>
                                             </p:txEl>
                                           </p:spTgt>
                                         </p:tgtEl>
@@ -21372,129 +21849,7 @@
                                         <p:tgtEl>
                                           <p:spTgt spid="3">
                                             <p:txEl>
-                                              <p:pRg st="1" end="1"/>
-                                            </p:txEl>
-                                          </p:spTgt>
-                                        </p:tgtEl>
-                                      </p:cBhvr>
-                                    </p:animEffect>
-                                  </p:childTnLst>
-                                </p:cTn>
-                              </p:par>
-                            </p:childTnLst>
-                          </p:cTn>
-                        </p:par>
-                      </p:childTnLst>
-                    </p:cTn>
-                  </p:par>
-                  <p:par>
-                    <p:cTn id="13" fill="hold">
-                      <p:stCondLst>
-                        <p:cond delay="indefinite"/>
-                      </p:stCondLst>
-                      <p:childTnLst>
-                        <p:par>
-                          <p:cTn id="14" fill="hold">
-                            <p:stCondLst>
-                              <p:cond delay="0"/>
-                            </p:stCondLst>
-                            <p:childTnLst>
-                              <p:par>
-                                <p:cTn id="15" presetID="10" presetClass="entr" presetSubtype="0" fill="hold" nodeType="clickEffect">
-                                  <p:stCondLst>
-                                    <p:cond delay="0"/>
-                                  </p:stCondLst>
-                                  <p:childTnLst>
-                                    <p:set>
-                                      <p:cBhvr>
-                                        <p:cTn id="16" dur="1" fill="hold">
-                                          <p:stCondLst>
-                                            <p:cond delay="0"/>
-                                          </p:stCondLst>
-                                        </p:cTn>
-                                        <p:tgtEl>
-                                          <p:spTgt spid="3">
-                                            <p:txEl>
-                                              <p:pRg st="2" end="2"/>
-                                            </p:txEl>
-                                          </p:spTgt>
-                                        </p:tgtEl>
-                                        <p:attrNameLst>
-                                          <p:attrName>style.visibility</p:attrName>
-                                        </p:attrNameLst>
-                                      </p:cBhvr>
-                                      <p:to>
-                                        <p:strVal val="visible"/>
-                                      </p:to>
-                                    </p:set>
-                                    <p:animEffect transition="in" filter="fade">
-                                      <p:cBhvr>
-                                        <p:cTn id="17" dur="500"/>
-                                        <p:tgtEl>
-                                          <p:spTgt spid="3">
-                                            <p:txEl>
-                                              <p:pRg st="2" end="2"/>
-                                            </p:txEl>
-                                          </p:spTgt>
-                                        </p:tgtEl>
-                                      </p:cBhvr>
-                                    </p:animEffect>
-                                  </p:childTnLst>
-                                </p:cTn>
-                              </p:par>
-                            </p:childTnLst>
-                          </p:cTn>
-                        </p:par>
-                      </p:childTnLst>
-                    </p:cTn>
-                  </p:par>
-                  <p:par>
-                    <p:cTn id="18" fill="hold">
-                      <p:stCondLst>
-                        <p:cond delay="indefinite"/>
-                      </p:stCondLst>
-                      <p:childTnLst>
-                        <p:par>
-                          <p:cTn id="19" fill="hold">
-                            <p:stCondLst>
-                              <p:cond delay="0"/>
-                            </p:stCondLst>
-                            <p:childTnLst>
-                              <p:par>
-                                <p:cTn id="20" presetID="10" presetClass="entr" presetSubtype="0" fill="hold" nodeType="clickEffect">
-                                  <p:stCondLst>
-                                    <p:cond delay="0"/>
-                                  </p:stCondLst>
-                                  <p:childTnLst>
-                                    <p:set>
-                                      <p:cBhvr>
-                                        <p:cTn id="21" dur="1" fill="hold">
-                                          <p:stCondLst>
-                                            <p:cond delay="0"/>
-                                          </p:stCondLst>
-                                        </p:cTn>
-                                        <p:tgtEl>
-                                          <p:spTgt spid="3">
-                                            <p:txEl>
-                                              <p:pRg st="3" end="3"/>
-                                            </p:txEl>
-                                          </p:spTgt>
-                                        </p:tgtEl>
-                                        <p:attrNameLst>
-                                          <p:attrName>style.visibility</p:attrName>
-                                        </p:attrNameLst>
-                                      </p:cBhvr>
-                                      <p:to>
-                                        <p:strVal val="visible"/>
-                                      </p:to>
-                                    </p:set>
-                                    <p:animEffect transition="in" filter="fade">
-                                      <p:cBhvr>
-                                        <p:cTn id="22" dur="500"/>
-                                        <p:tgtEl>
-                                          <p:spTgt spid="3">
-                                            <p:txEl>
-                                              <p:pRg st="3" end="3"/>
+                                              <p:pRg st="4" end="4"/>
                                             </p:txEl>
                                           </p:spTgt>
                                         </p:tgtEl>
@@ -21530,11 +21885,14 @@
         </p:cTn>
       </p:par>
     </p:tnLst>
+    <p:bldLst>
+      <p:bldP spid="3" grpId="0" build="p"/>
+    </p:bldLst>
   </p:timing>
 </p:sld>
 </file>
 
-<file path=ppt/slides/slide7.xml><?xml version="1.0" encoding="utf-8"?>
+<file path=ppt/slides/slide5.xml><?xml version="1.0" encoding="utf-8"?>
 <p:sld xmlns:a="http://schemas.openxmlformats.org/drawingml/2006/main" xmlns:r="http://schemas.openxmlformats.org/officeDocument/2006/relationships" xmlns:p="http://schemas.openxmlformats.org/presentationml/2006/main">
   <p:cSld>
     <p:spTree>
@@ -21553,13 +21911,7 @@
       </p:grpSpPr>
       <p:sp>
         <p:nvSpPr>
-          <p:cNvPr id="2" name="Title 1">
-            <a:extLst>
-              <a:ext uri="{FF2B5EF4-FFF2-40B4-BE49-F238E27FC236}">
-                <a16:creationId xmlns:a16="http://schemas.microsoft.com/office/drawing/2014/main" id="{3927750E-CF28-4B48-A10B-BC02EB9CD0FA}"/>
-              </a:ext>
-            </a:extLst>
-          </p:cNvPr>
+          <p:cNvPr id="2" name="Title 1"/>
           <p:cNvSpPr>
             <a:spLocks noGrp="1"/>
           </p:cNvSpPr>
@@ -21573,45 +21925,44 @@
           <a:lstStyle/>
           <a:p>
             <a:r>
-              <a:rPr lang="en-US" dirty="0"/>
-              <a:t>“That would never happen!”</a:t>
-            </a:r>
-            <a:endParaRPr lang="en-GB" dirty="0"/>
+              <a:rPr lang="en-GB" dirty="0"/>
+              <a:t>About Me</a:t>
+            </a:r>
           </a:p>
         </p:txBody>
       </p:sp>
-      <p:sp>
-        <p:nvSpPr>
-          <p:cNvPr id="3" name="Content Placeholder 2">
+      <p:pic>
+        <p:nvPicPr>
+          <p:cNvPr id="7" name="Content Placeholder 6">
             <a:extLst>
               <a:ext uri="{FF2B5EF4-FFF2-40B4-BE49-F238E27FC236}">
-                <a16:creationId xmlns:a16="http://schemas.microsoft.com/office/drawing/2014/main" id="{F82C128F-C733-41C5-BA02-69C5A8077248}"/>
+                <a16:creationId xmlns:a16="http://schemas.microsoft.com/office/drawing/2014/main" id="{1D2D63A3-4537-D84D-9AF7-D4DA9857DA91}"/>
               </a:ext>
             </a:extLst>
           </p:cNvPr>
-          <p:cNvSpPr>
-            <a:spLocks noGrp="1"/>
-          </p:cNvSpPr>
+          <p:cNvPicPr>
+            <a:picLocks noGrp="1" noChangeAspect="1"/>
+          </p:cNvPicPr>
           <p:nvPr>
             <p:ph idx="1"/>
           </p:nvPr>
-        </p:nvSpPr>
-        <p:spPr/>
-        <p:txBody>
-          <a:bodyPr/>
-          <a:lstStyle/>
-          <a:p>
-            <a:r>
-              <a:rPr lang="en-GB" dirty="0"/>
-              <a:t>Tech are always consulted</a:t>
-            </a:r>
-          </a:p>
-        </p:txBody>
-      </p:sp>
+        </p:nvPicPr>
+        <p:blipFill rotWithShape="1">
+          <a:blip r:embed="rId3"/>
+          <a:srcRect b="31097"/>
+          <a:stretch/>
+        </p:blipFill>
+        <p:spPr>
+          <a:xfrm>
+            <a:off x="4032354" y="826249"/>
+            <a:ext cx="8245443" cy="4974944"/>
+          </a:xfrm>
+        </p:spPr>
+      </p:pic>
     </p:spTree>
     <p:extLst>
       <p:ext uri="{BB962C8B-B14F-4D97-AF65-F5344CB8AC3E}">
-        <p14:creationId xmlns:p14="http://schemas.microsoft.com/office/powerpoint/2010/main" val="4164986081"/>
+        <p14:creationId xmlns:p14="http://schemas.microsoft.com/office/powerpoint/2010/main" val="1575921757"/>
       </p:ext>
     </p:extLst>
   </p:cSld>
@@ -21621,7 +21972,7 @@
 </p:sld>
 </file>
 
-<file path=ppt/slides/slide8.xml><?xml version="1.0" encoding="utf-8"?>
+<file path=ppt/slides/slide6.xml><?xml version="1.0" encoding="utf-8"?>
 <p:sld xmlns:a="http://schemas.openxmlformats.org/drawingml/2006/main" xmlns:r="http://schemas.openxmlformats.org/officeDocument/2006/relationships" xmlns:p="http://schemas.openxmlformats.org/presentationml/2006/main">
   <p:cSld>
     <p:spTree>
@@ -21858,6 +22209,665 @@
 </p:sld>
 </file>
 
+<file path=ppt/slides/slide7.xml><?xml version="1.0" encoding="utf-8"?>
+<p:sld xmlns:a="http://schemas.openxmlformats.org/drawingml/2006/main" xmlns:r="http://schemas.openxmlformats.org/officeDocument/2006/relationships" xmlns:p="http://schemas.openxmlformats.org/presentationml/2006/main">
+  <p:cSld>
+    <p:spTree>
+      <p:nvGrpSpPr>
+        <p:cNvPr id="1" name=""/>
+        <p:cNvGrpSpPr/>
+        <p:nvPr/>
+      </p:nvGrpSpPr>
+      <p:grpSpPr>
+        <a:xfrm>
+          <a:off x="0" y="0"/>
+          <a:ext cx="0" cy="0"/>
+          <a:chOff x="0" y="0"/>
+          <a:chExt cx="0" cy="0"/>
+        </a:xfrm>
+      </p:grpSpPr>
+      <p:sp>
+        <p:nvSpPr>
+          <p:cNvPr id="2" name="Title 1">
+            <a:extLst>
+              <a:ext uri="{FF2B5EF4-FFF2-40B4-BE49-F238E27FC236}">
+                <a16:creationId xmlns:a16="http://schemas.microsoft.com/office/drawing/2014/main" id="{3927750E-CF28-4B48-A10B-BC02EB9CD0FA}"/>
+              </a:ext>
+            </a:extLst>
+          </p:cNvPr>
+          <p:cNvSpPr>
+            <a:spLocks noGrp="1"/>
+          </p:cNvSpPr>
+          <p:nvPr>
+            <p:ph type="title"/>
+          </p:nvPr>
+        </p:nvSpPr>
+        <p:spPr/>
+        <p:txBody>
+          <a:bodyPr/>
+          <a:lstStyle/>
+          <a:p>
+            <a:r>
+              <a:rPr lang="en-US" dirty="0"/>
+              <a:t>Demo 1</a:t>
+            </a:r>
+            <a:endParaRPr lang="en-GB" dirty="0"/>
+          </a:p>
+        </p:txBody>
+      </p:sp>
+      <p:sp>
+        <p:nvSpPr>
+          <p:cNvPr id="3" name="Content Placeholder 2">
+            <a:extLst>
+              <a:ext uri="{FF2B5EF4-FFF2-40B4-BE49-F238E27FC236}">
+                <a16:creationId xmlns:a16="http://schemas.microsoft.com/office/drawing/2014/main" id="{F82C128F-C733-41C5-BA02-69C5A8077248}"/>
+              </a:ext>
+            </a:extLst>
+          </p:cNvPr>
+          <p:cNvSpPr>
+            <a:spLocks noGrp="1"/>
+          </p:cNvSpPr>
+          <p:nvPr>
+            <p:ph idx="1"/>
+          </p:nvPr>
+        </p:nvSpPr>
+        <p:spPr/>
+        <p:txBody>
+          <a:bodyPr/>
+          <a:lstStyle/>
+          <a:p>
+            <a:r>
+              <a:rPr lang="en-GB" dirty="0"/>
+              <a:t>Current Skill Overview</a:t>
+            </a:r>
+          </a:p>
+        </p:txBody>
+      </p:sp>
+    </p:spTree>
+    <p:extLst>
+      <p:ext uri="{BB962C8B-B14F-4D97-AF65-F5344CB8AC3E}">
+        <p14:creationId xmlns:p14="http://schemas.microsoft.com/office/powerpoint/2010/main" val="3447346580"/>
+      </p:ext>
+    </p:extLst>
+  </p:cSld>
+  <p:clrMapOvr>
+    <a:masterClrMapping/>
+  </p:clrMapOvr>
+</p:sld>
+</file>
+
+<file path=ppt/slides/slide8.xml><?xml version="1.0" encoding="utf-8"?>
+<p:sld xmlns:a="http://schemas.openxmlformats.org/drawingml/2006/main" xmlns:r="http://schemas.openxmlformats.org/officeDocument/2006/relationships" xmlns:p="http://schemas.openxmlformats.org/presentationml/2006/main">
+  <p:cSld>
+    <p:spTree>
+      <p:nvGrpSpPr>
+        <p:cNvPr id="1" name=""/>
+        <p:cNvGrpSpPr/>
+        <p:nvPr/>
+      </p:nvGrpSpPr>
+      <p:grpSpPr>
+        <a:xfrm>
+          <a:off x="0" y="0"/>
+          <a:ext cx="0" cy="0"/>
+          <a:chOff x="0" y="0"/>
+          <a:chExt cx="0" cy="0"/>
+        </a:xfrm>
+      </p:grpSpPr>
+      <p:sp>
+        <p:nvSpPr>
+          <p:cNvPr id="2" name="Title 1">
+            <a:extLst>
+              <a:ext uri="{FF2B5EF4-FFF2-40B4-BE49-F238E27FC236}">
+                <a16:creationId xmlns:a16="http://schemas.microsoft.com/office/drawing/2014/main" id="{D390B2F6-27EF-4CEB-AEE8-484A64B31F4A}"/>
+              </a:ext>
+            </a:extLst>
+          </p:cNvPr>
+          <p:cNvSpPr>
+            <a:spLocks noGrp="1"/>
+          </p:cNvSpPr>
+          <p:nvPr>
+            <p:ph type="title"/>
+          </p:nvPr>
+        </p:nvSpPr>
+        <p:spPr/>
+        <p:txBody>
+          <a:bodyPr/>
+          <a:lstStyle/>
+          <a:p>
+            <a:r>
+              <a:rPr lang="en-GB" dirty="0"/>
+              <a:t>Request Lifecycle</a:t>
+            </a:r>
+          </a:p>
+        </p:txBody>
+      </p:sp>
+      <p:sp>
+        <p:nvSpPr>
+          <p:cNvPr id="3" name="Content Placeholder 2">
+            <a:extLst>
+              <a:ext uri="{FF2B5EF4-FFF2-40B4-BE49-F238E27FC236}">
+                <a16:creationId xmlns:a16="http://schemas.microsoft.com/office/drawing/2014/main" id="{B93768BA-AC76-4FB7-BD4B-9A533AB7271D}"/>
+              </a:ext>
+            </a:extLst>
+          </p:cNvPr>
+          <p:cNvSpPr>
+            <a:spLocks noGrp="1"/>
+          </p:cNvSpPr>
+          <p:nvPr>
+            <p:ph idx="1"/>
+          </p:nvPr>
+        </p:nvSpPr>
+        <p:spPr/>
+        <p:txBody>
+          <a:bodyPr/>
+          <a:lstStyle/>
+          <a:p>
+            <a:endParaRPr lang="en-GB" dirty="0"/>
+          </a:p>
+        </p:txBody>
+      </p:sp>
+      <p:sp>
+        <p:nvSpPr>
+          <p:cNvPr id="4" name="Right Arrow 10">
+            <a:extLst>
+              <a:ext uri="{FF2B5EF4-FFF2-40B4-BE49-F238E27FC236}">
+                <a16:creationId xmlns:a16="http://schemas.microsoft.com/office/drawing/2014/main" id="{A01FDED9-E0C1-42C8-94AD-3B262F15DD85}"/>
+              </a:ext>
+            </a:extLst>
+          </p:cNvPr>
+          <p:cNvSpPr/>
+          <p:nvPr/>
+        </p:nvSpPr>
+        <p:spPr>
+          <a:xfrm>
+            <a:off x="4407419" y="2206351"/>
+            <a:ext cx="951978" cy="336042"/>
+          </a:xfrm>
+          <a:prstGeom prst="rightArrow">
+            <a:avLst/>
+          </a:prstGeom>
+          <a:ln/>
+        </p:spPr>
+        <p:style>
+          <a:lnRef idx="1">
+            <a:schemeClr val="accent6"/>
+          </a:lnRef>
+          <a:fillRef idx="2">
+            <a:schemeClr val="accent6"/>
+          </a:fillRef>
+          <a:effectRef idx="1">
+            <a:schemeClr val="accent6"/>
+          </a:effectRef>
+          <a:fontRef idx="minor">
+            <a:schemeClr val="dk1"/>
+          </a:fontRef>
+        </p:style>
+        <p:txBody>
+          <a:bodyPr rtlCol="0" anchor="ctr"/>
+          <a:lstStyle>
+            <a:defPPr>
+              <a:defRPr lang="en-US"/>
+            </a:defPPr>
+            <a:lvl1pPr marL="0" algn="l" defTabSz="457200" rtl="0" eaLnBrk="1" latinLnBrk="0" hangingPunct="1">
+              <a:defRPr sz="1800" kern="1200">
+                <a:solidFill>
+                  <a:schemeClr val="lt1"/>
+                </a:solidFill>
+                <a:latin typeface="+mn-lt"/>
+                <a:ea typeface="+mn-ea"/>
+                <a:cs typeface="+mn-cs"/>
+              </a:defRPr>
+            </a:lvl1pPr>
+            <a:lvl2pPr marL="457200" algn="l" defTabSz="457200" rtl="0" eaLnBrk="1" latinLnBrk="0" hangingPunct="1">
+              <a:defRPr sz="1800" kern="1200">
+                <a:solidFill>
+                  <a:schemeClr val="lt1"/>
+                </a:solidFill>
+                <a:latin typeface="+mn-lt"/>
+                <a:ea typeface="+mn-ea"/>
+                <a:cs typeface="+mn-cs"/>
+              </a:defRPr>
+            </a:lvl2pPr>
+            <a:lvl3pPr marL="914400" algn="l" defTabSz="457200" rtl="0" eaLnBrk="1" latinLnBrk="0" hangingPunct="1">
+              <a:defRPr sz="1800" kern="1200">
+                <a:solidFill>
+                  <a:schemeClr val="lt1"/>
+                </a:solidFill>
+                <a:latin typeface="+mn-lt"/>
+                <a:ea typeface="+mn-ea"/>
+                <a:cs typeface="+mn-cs"/>
+              </a:defRPr>
+            </a:lvl3pPr>
+            <a:lvl4pPr marL="1371600" algn="l" defTabSz="457200" rtl="0" eaLnBrk="1" latinLnBrk="0" hangingPunct="1">
+              <a:defRPr sz="1800" kern="1200">
+                <a:solidFill>
+                  <a:schemeClr val="lt1"/>
+                </a:solidFill>
+                <a:latin typeface="+mn-lt"/>
+                <a:ea typeface="+mn-ea"/>
+                <a:cs typeface="+mn-cs"/>
+              </a:defRPr>
+            </a:lvl4pPr>
+            <a:lvl5pPr marL="1828800" algn="l" defTabSz="457200" rtl="0" eaLnBrk="1" latinLnBrk="0" hangingPunct="1">
+              <a:defRPr sz="1800" kern="1200">
+                <a:solidFill>
+                  <a:schemeClr val="lt1"/>
+                </a:solidFill>
+                <a:latin typeface="+mn-lt"/>
+                <a:ea typeface="+mn-ea"/>
+                <a:cs typeface="+mn-cs"/>
+              </a:defRPr>
+            </a:lvl5pPr>
+            <a:lvl6pPr marL="2286000" algn="l" defTabSz="457200" rtl="0" eaLnBrk="1" latinLnBrk="0" hangingPunct="1">
+              <a:defRPr sz="1800" kern="1200">
+                <a:solidFill>
+                  <a:schemeClr val="lt1"/>
+                </a:solidFill>
+                <a:latin typeface="+mn-lt"/>
+                <a:ea typeface="+mn-ea"/>
+                <a:cs typeface="+mn-cs"/>
+              </a:defRPr>
+            </a:lvl6pPr>
+            <a:lvl7pPr marL="2743200" algn="l" defTabSz="457200" rtl="0" eaLnBrk="1" latinLnBrk="0" hangingPunct="1">
+              <a:defRPr sz="1800" kern="1200">
+                <a:solidFill>
+                  <a:schemeClr val="lt1"/>
+                </a:solidFill>
+                <a:latin typeface="+mn-lt"/>
+                <a:ea typeface="+mn-ea"/>
+                <a:cs typeface="+mn-cs"/>
+              </a:defRPr>
+            </a:lvl7pPr>
+            <a:lvl8pPr marL="3200400" algn="l" defTabSz="457200" rtl="0" eaLnBrk="1" latinLnBrk="0" hangingPunct="1">
+              <a:defRPr sz="1800" kern="1200">
+                <a:solidFill>
+                  <a:schemeClr val="lt1"/>
+                </a:solidFill>
+                <a:latin typeface="+mn-lt"/>
+                <a:ea typeface="+mn-ea"/>
+                <a:cs typeface="+mn-cs"/>
+              </a:defRPr>
+            </a:lvl8pPr>
+            <a:lvl9pPr marL="3657600" algn="l" defTabSz="457200" rtl="0" eaLnBrk="1" latinLnBrk="0" hangingPunct="1">
+              <a:defRPr sz="1800" kern="1200">
+                <a:solidFill>
+                  <a:schemeClr val="lt1"/>
+                </a:solidFill>
+                <a:latin typeface="+mn-lt"/>
+                <a:ea typeface="+mn-ea"/>
+                <a:cs typeface="+mn-cs"/>
+              </a:defRPr>
+            </a:lvl9pPr>
+          </a:lstStyle>
+          <a:p>
+            <a:pPr algn="ctr"/>
+            <a:endParaRPr lang="en-US"/>
+          </a:p>
+        </p:txBody>
+      </p:sp>
+      <p:sp>
+        <p:nvSpPr>
+          <p:cNvPr id="5" name="TextBox 11">
+            <a:extLst>
+              <a:ext uri="{FF2B5EF4-FFF2-40B4-BE49-F238E27FC236}">
+                <a16:creationId xmlns:a16="http://schemas.microsoft.com/office/drawing/2014/main" id="{77293643-8CFB-42A6-8E83-24C25E498B16}"/>
+              </a:ext>
+            </a:extLst>
+          </p:cNvPr>
+          <p:cNvSpPr txBox="1"/>
+          <p:nvPr/>
+        </p:nvSpPr>
+        <p:spPr>
+          <a:xfrm>
+            <a:off x="5720005" y="2070322"/>
+            <a:ext cx="1684307" cy="523220"/>
+          </a:xfrm>
+          <a:prstGeom prst="rect">
+            <a:avLst/>
+          </a:prstGeom>
+          <a:noFill/>
+        </p:spPr>
+        <p:txBody>
+          <a:bodyPr wrap="none" rtlCol="0">
+            <a:spAutoFit/>
+          </a:bodyPr>
+          <a:lstStyle>
+            <a:defPPr>
+              <a:defRPr lang="en-US"/>
+            </a:defPPr>
+            <a:lvl1pPr marL="0" algn="l" defTabSz="457200" rtl="0" eaLnBrk="1" latinLnBrk="0" hangingPunct="1">
+              <a:defRPr sz="1800" kern="1200">
+                <a:solidFill>
+                  <a:schemeClr val="tx1"/>
+                </a:solidFill>
+                <a:latin typeface="+mn-lt"/>
+                <a:ea typeface="+mn-ea"/>
+                <a:cs typeface="+mn-cs"/>
+              </a:defRPr>
+            </a:lvl1pPr>
+            <a:lvl2pPr marL="457200" algn="l" defTabSz="457200" rtl="0" eaLnBrk="1" latinLnBrk="0" hangingPunct="1">
+              <a:defRPr sz="1800" kern="1200">
+                <a:solidFill>
+                  <a:schemeClr val="tx1"/>
+                </a:solidFill>
+                <a:latin typeface="+mn-lt"/>
+                <a:ea typeface="+mn-ea"/>
+                <a:cs typeface="+mn-cs"/>
+              </a:defRPr>
+            </a:lvl2pPr>
+            <a:lvl3pPr marL="914400" algn="l" defTabSz="457200" rtl="0" eaLnBrk="1" latinLnBrk="0" hangingPunct="1">
+              <a:defRPr sz="1800" kern="1200">
+                <a:solidFill>
+                  <a:schemeClr val="tx1"/>
+                </a:solidFill>
+                <a:latin typeface="+mn-lt"/>
+                <a:ea typeface="+mn-ea"/>
+                <a:cs typeface="+mn-cs"/>
+              </a:defRPr>
+            </a:lvl3pPr>
+            <a:lvl4pPr marL="1371600" algn="l" defTabSz="457200" rtl="0" eaLnBrk="1" latinLnBrk="0" hangingPunct="1">
+              <a:defRPr sz="1800" kern="1200">
+                <a:solidFill>
+                  <a:schemeClr val="tx1"/>
+                </a:solidFill>
+                <a:latin typeface="+mn-lt"/>
+                <a:ea typeface="+mn-ea"/>
+                <a:cs typeface="+mn-cs"/>
+              </a:defRPr>
+            </a:lvl4pPr>
+            <a:lvl5pPr marL="1828800" algn="l" defTabSz="457200" rtl="0" eaLnBrk="1" latinLnBrk="0" hangingPunct="1">
+              <a:defRPr sz="1800" kern="1200">
+                <a:solidFill>
+                  <a:schemeClr val="tx1"/>
+                </a:solidFill>
+                <a:latin typeface="+mn-lt"/>
+                <a:ea typeface="+mn-ea"/>
+                <a:cs typeface="+mn-cs"/>
+              </a:defRPr>
+            </a:lvl5pPr>
+            <a:lvl6pPr marL="2286000" algn="l" defTabSz="457200" rtl="0" eaLnBrk="1" latinLnBrk="0" hangingPunct="1">
+              <a:defRPr sz="1800" kern="1200">
+                <a:solidFill>
+                  <a:schemeClr val="tx1"/>
+                </a:solidFill>
+                <a:latin typeface="+mn-lt"/>
+                <a:ea typeface="+mn-ea"/>
+                <a:cs typeface="+mn-cs"/>
+              </a:defRPr>
+            </a:lvl6pPr>
+            <a:lvl7pPr marL="2743200" algn="l" defTabSz="457200" rtl="0" eaLnBrk="1" latinLnBrk="0" hangingPunct="1">
+              <a:defRPr sz="1800" kern="1200">
+                <a:solidFill>
+                  <a:schemeClr val="tx1"/>
+                </a:solidFill>
+                <a:latin typeface="+mn-lt"/>
+                <a:ea typeface="+mn-ea"/>
+                <a:cs typeface="+mn-cs"/>
+              </a:defRPr>
+            </a:lvl7pPr>
+            <a:lvl8pPr marL="3200400" algn="l" defTabSz="457200" rtl="0" eaLnBrk="1" latinLnBrk="0" hangingPunct="1">
+              <a:defRPr sz="1800" kern="1200">
+                <a:solidFill>
+                  <a:schemeClr val="tx1"/>
+                </a:solidFill>
+                <a:latin typeface="+mn-lt"/>
+                <a:ea typeface="+mn-ea"/>
+                <a:cs typeface="+mn-cs"/>
+              </a:defRPr>
+            </a:lvl8pPr>
+            <a:lvl9pPr marL="3657600" algn="l" defTabSz="457200" rtl="0" eaLnBrk="1" latinLnBrk="0" hangingPunct="1">
+              <a:defRPr sz="1800" kern="1200">
+                <a:solidFill>
+                  <a:schemeClr val="tx1"/>
+                </a:solidFill>
+                <a:latin typeface="+mn-lt"/>
+                <a:ea typeface="+mn-ea"/>
+                <a:cs typeface="+mn-cs"/>
+              </a:defRPr>
+            </a:lvl9pPr>
+          </a:lstStyle>
+          <a:p>
+            <a:r>
+              <a:rPr lang="en-US" sz="2800" dirty="0">
+                <a:solidFill>
+                  <a:schemeClr val="tx1">
+                    <a:lumMod val="50000"/>
+                    <a:lumOff val="50000"/>
+                  </a:schemeClr>
+                </a:solidFill>
+              </a:rPr>
+              <a:t>{ request }</a:t>
+            </a:r>
+          </a:p>
+        </p:txBody>
+      </p:sp>
+      <p:pic>
+        <p:nvPicPr>
+          <p:cNvPr id="12" name="Picture 2" descr="Image result for talking head emoji">
+            <a:extLst>
+              <a:ext uri="{FF2B5EF4-FFF2-40B4-BE49-F238E27FC236}">
+                <a16:creationId xmlns:a16="http://schemas.microsoft.com/office/drawing/2014/main" id="{3D0D74F4-F045-47A4-B593-765CA7A52C47}"/>
+              </a:ext>
+            </a:extLst>
+          </p:cNvPr>
+          <p:cNvPicPr>
+            <a:picLocks noChangeAspect="1" noChangeArrowheads="1"/>
+          </p:cNvPicPr>
+          <p:nvPr/>
+        </p:nvPicPr>
+        <p:blipFill>
+          <a:blip r:embed="rId3">
+            <a:duotone>
+              <a:schemeClr val="accent1">
+                <a:shade val="45000"/>
+                <a:satMod val="135000"/>
+              </a:schemeClr>
+              <a:prstClr val="white"/>
+            </a:duotone>
+            <a:extLst>
+              <a:ext uri="{BEBA8EAE-BF5A-486C-A8C5-ECC9F3942E4B}">
+                <a14:imgProps xmlns:a14="http://schemas.microsoft.com/office/drawing/2010/main">
+                  <a14:imgLayer r:embed="rId4">
+                    <a14:imgEffect>
+                      <a14:saturation sat="33000"/>
+                    </a14:imgEffect>
+                  </a14:imgLayer>
+                </a14:imgProps>
+              </a:ext>
+              <a:ext uri="{28A0092B-C50C-407E-A947-70E740481C1C}">
+                <a14:useLocalDpi xmlns:a14="http://schemas.microsoft.com/office/drawing/2010/main" val="0"/>
+              </a:ext>
+            </a:extLst>
+          </a:blip>
+          <a:srcRect/>
+          <a:stretch>
+            <a:fillRect/>
+          </a:stretch>
+        </p:blipFill>
+        <p:spPr bwMode="auto">
+          <a:xfrm>
+            <a:off x="2904332" y="1845734"/>
+            <a:ext cx="1057275" cy="1057275"/>
+          </a:xfrm>
+          <a:prstGeom prst="rect">
+            <a:avLst/>
+          </a:prstGeom>
+          <a:noFill/>
+          <a:extLst>
+            <a:ext uri="{909E8E84-426E-40DD-AFC4-6F175D3DCCD1}">
+              <a14:hiddenFill xmlns:a14="http://schemas.microsoft.com/office/drawing/2010/main">
+                <a:solidFill>
+                  <a:srgbClr val="FFFFFF"/>
+                </a:solidFill>
+              </a14:hiddenFill>
+            </a:ext>
+          </a:extLst>
+        </p:spPr>
+      </p:pic>
+    </p:spTree>
+    <p:extLst>
+      <p:ext uri="{BB962C8B-B14F-4D97-AF65-F5344CB8AC3E}">
+        <p14:creationId xmlns:p14="http://schemas.microsoft.com/office/powerpoint/2010/main" val="84814550"/>
+      </p:ext>
+    </p:extLst>
+  </p:cSld>
+  <p:clrMapOvr>
+    <a:masterClrMapping/>
+  </p:clrMapOvr>
+  <p:timing>
+    <p:tnLst>
+      <p:par>
+        <p:cTn id="1" dur="indefinite" restart="never" nodeType="tmRoot">
+          <p:childTnLst>
+            <p:seq concurrent="1" nextAc="seek">
+              <p:cTn id="2" dur="indefinite" nodeType="mainSeq">
+                <p:childTnLst>
+                  <p:par>
+                    <p:cTn id="3" fill="hold">
+                      <p:stCondLst>
+                        <p:cond delay="indefinite"/>
+                      </p:stCondLst>
+                      <p:childTnLst>
+                        <p:par>
+                          <p:cTn id="4" fill="hold">
+                            <p:stCondLst>
+                              <p:cond delay="0"/>
+                            </p:stCondLst>
+                            <p:childTnLst>
+                              <p:par>
+                                <p:cTn id="5" presetID="1" presetClass="entr" presetSubtype="0" fill="hold" nodeType="clickEffect">
+                                  <p:stCondLst>
+                                    <p:cond delay="0"/>
+                                  </p:stCondLst>
+                                  <p:childTnLst>
+                                    <p:set>
+                                      <p:cBhvr>
+                                        <p:cTn id="6" dur="1" fill="hold">
+                                          <p:stCondLst>
+                                            <p:cond delay="0"/>
+                                          </p:stCondLst>
+                                        </p:cTn>
+                                        <p:tgtEl>
+                                          <p:spTgt spid="12"/>
+                                        </p:tgtEl>
+                                        <p:attrNameLst>
+                                          <p:attrName>style.visibility</p:attrName>
+                                        </p:attrNameLst>
+                                      </p:cBhvr>
+                                      <p:to>
+                                        <p:strVal val="visible"/>
+                                      </p:to>
+                                    </p:set>
+                                  </p:childTnLst>
+                                </p:cTn>
+                              </p:par>
+                            </p:childTnLst>
+                          </p:cTn>
+                        </p:par>
+                      </p:childTnLst>
+                    </p:cTn>
+                  </p:par>
+                  <p:par>
+                    <p:cTn id="7" fill="hold">
+                      <p:stCondLst>
+                        <p:cond delay="indefinite"/>
+                      </p:stCondLst>
+                      <p:childTnLst>
+                        <p:par>
+                          <p:cTn id="8" fill="hold">
+                            <p:stCondLst>
+                              <p:cond delay="0"/>
+                            </p:stCondLst>
+                            <p:childTnLst>
+                              <p:par>
+                                <p:cTn id="9" presetID="1" presetClass="entr" presetSubtype="0" fill="hold" grpId="0" nodeType="clickEffect">
+                                  <p:stCondLst>
+                                    <p:cond delay="0"/>
+                                  </p:stCondLst>
+                                  <p:childTnLst>
+                                    <p:set>
+                                      <p:cBhvr>
+                                        <p:cTn id="10" dur="1" fill="hold">
+                                          <p:stCondLst>
+                                            <p:cond delay="0"/>
+                                          </p:stCondLst>
+                                        </p:cTn>
+                                        <p:tgtEl>
+                                          <p:spTgt spid="4"/>
+                                        </p:tgtEl>
+                                        <p:attrNameLst>
+                                          <p:attrName>style.visibility</p:attrName>
+                                        </p:attrNameLst>
+                                      </p:cBhvr>
+                                      <p:to>
+                                        <p:strVal val="visible"/>
+                                      </p:to>
+                                    </p:set>
+                                  </p:childTnLst>
+                                </p:cTn>
+                              </p:par>
+                              <p:par>
+                                <p:cTn id="11" presetID="1" presetClass="entr" presetSubtype="0" fill="hold" grpId="0" nodeType="withEffect">
+                                  <p:stCondLst>
+                                    <p:cond delay="0"/>
+                                  </p:stCondLst>
+                                  <p:childTnLst>
+                                    <p:set>
+                                      <p:cBhvr>
+                                        <p:cTn id="12" dur="1" fill="hold">
+                                          <p:stCondLst>
+                                            <p:cond delay="0"/>
+                                          </p:stCondLst>
+                                        </p:cTn>
+                                        <p:tgtEl>
+                                          <p:spTgt spid="5"/>
+                                        </p:tgtEl>
+                                        <p:attrNameLst>
+                                          <p:attrName>style.visibility</p:attrName>
+                                        </p:attrNameLst>
+                                      </p:cBhvr>
+                                      <p:to>
+                                        <p:strVal val="visible"/>
+                                      </p:to>
+                                    </p:set>
+                                  </p:childTnLst>
+                                </p:cTn>
+                              </p:par>
+                            </p:childTnLst>
+                          </p:cTn>
+                        </p:par>
+                      </p:childTnLst>
+                    </p:cTn>
+                  </p:par>
+                </p:childTnLst>
+              </p:cTn>
+              <p:prevCondLst>
+                <p:cond evt="onPrev" delay="0">
+                  <p:tgtEl>
+                    <p:sldTgt/>
+                  </p:tgtEl>
+                </p:cond>
+              </p:prevCondLst>
+              <p:nextCondLst>
+                <p:cond evt="onNext" delay="0">
+                  <p:tgtEl>
+                    <p:sldTgt/>
+                  </p:tgtEl>
+                </p:cond>
+              </p:nextCondLst>
+            </p:seq>
+          </p:childTnLst>
+        </p:cTn>
+      </p:par>
+    </p:tnLst>
+    <p:bldLst>
+      <p:bldP spid="4" grpId="0" animBg="1"/>
+      <p:bldP spid="5" grpId="0"/>
+    </p:bldLst>
+  </p:timing>
+</p:sld>
+</file>
+
 <file path=ppt/slides/slide9.xml><?xml version="1.0" encoding="utf-8"?>
 <p:sld xmlns:a="http://schemas.openxmlformats.org/drawingml/2006/main" xmlns:r="http://schemas.openxmlformats.org/officeDocument/2006/relationships" xmlns:p="http://schemas.openxmlformats.org/presentationml/2006/main">
   <p:cSld>
@@ -21880,7 +22890,7 @@
           <p:cNvPr id="2" name="Title 1">
             <a:extLst>
               <a:ext uri="{FF2B5EF4-FFF2-40B4-BE49-F238E27FC236}">
-                <a16:creationId xmlns:a16="http://schemas.microsoft.com/office/drawing/2014/main" id="{3927750E-CF28-4B48-A10B-BC02EB9CD0FA}"/>
+                <a16:creationId xmlns:a16="http://schemas.microsoft.com/office/drawing/2014/main" id="{D390B2F6-27EF-4CEB-AEE8-484A64B31F4A}"/>
               </a:ext>
             </a:extLst>
           </p:cNvPr>
@@ -21897,19 +22907,18 @@
           <a:lstStyle/>
           <a:p>
             <a:r>
-              <a:rPr lang="en-US" dirty="0"/>
-              <a:t>Demo 1</a:t>
-            </a:r>
-            <a:endParaRPr lang="en-GB" dirty="0"/>
+              <a:rPr lang="en-GB" dirty="0"/>
+              <a:t>Request Lifecycle – Request JSON</a:t>
+            </a:r>
           </a:p>
         </p:txBody>
       </p:sp>
       <p:sp>
         <p:nvSpPr>
-          <p:cNvPr id="3" name="Content Placeholder 2">
+          <p:cNvPr id="15" name="Content Placeholder 14">
             <a:extLst>
               <a:ext uri="{FF2B5EF4-FFF2-40B4-BE49-F238E27FC236}">
-                <a16:creationId xmlns:a16="http://schemas.microsoft.com/office/drawing/2014/main" id="{F82C128F-C733-41C5-BA02-69C5A8077248}"/>
+                <a16:creationId xmlns:a16="http://schemas.microsoft.com/office/drawing/2014/main" id="{DE436AEA-5393-4801-95C1-0C5A55B32847}"/>
               </a:ext>
             </a:extLst>
           </p:cNvPr>
@@ -21920,14 +22929,677 @@
             <p:ph idx="1"/>
           </p:nvPr>
         </p:nvSpPr>
-        <p:spPr/>
+        <p:spPr>
+          <a:xfrm>
+            <a:off x="7246245" y="1980645"/>
+            <a:ext cx="3909435" cy="3744000"/>
+          </a:xfrm>
+        </p:spPr>
         <p:txBody>
-          <a:bodyPr/>
+          <a:bodyPr>
+            <a:noAutofit/>
+          </a:bodyPr>
           <a:lstStyle/>
           <a:p>
+            <a:pPr marL="36000" indent="0">
+              <a:lnSpc>
+                <a:spcPct val="100000"/>
+              </a:lnSpc>
+              <a:spcBef>
+                <a:spcPts val="400"/>
+              </a:spcBef>
+              <a:spcAft>
+                <a:spcPts val="0"/>
+              </a:spcAft>
+            </a:pPr>
+            <a:r>
+              <a:rPr lang="en-GB" sz="1100" dirty="0"/>
+              <a:t>Session:{},</a:t>
+            </a:r>
+          </a:p>
+          <a:p>
+            <a:pPr marL="36000" indent="0">
+              <a:lnSpc>
+                <a:spcPct val="100000"/>
+              </a:lnSpc>
+              <a:spcBef>
+                <a:spcPts val="400"/>
+              </a:spcBef>
+              <a:spcAft>
+                <a:spcPts val="0"/>
+              </a:spcAft>
+            </a:pPr>
+            <a:r>
+              <a:rPr lang="en-GB" sz="1100" dirty="0"/>
+              <a:t>Context:</a:t>
+            </a:r>
+          </a:p>
+          <a:p>
+            <a:pPr marL="36000" indent="0">
+              <a:lnSpc>
+                <a:spcPct val="100000"/>
+              </a:lnSpc>
+              <a:spcBef>
+                <a:spcPts val="400"/>
+              </a:spcBef>
+              <a:spcAft>
+                <a:spcPts val="0"/>
+              </a:spcAft>
+            </a:pPr>
+            <a:r>
+              <a:rPr lang="en-GB" sz="1100" dirty="0"/>
+              <a:t>{</a:t>
+            </a:r>
+          </a:p>
+          <a:p>
+            <a:pPr marL="36000" indent="0">
+              <a:lnSpc>
+                <a:spcPct val="100000"/>
+              </a:lnSpc>
+              <a:spcBef>
+                <a:spcPts val="400"/>
+              </a:spcBef>
+              <a:spcAft>
+                <a:spcPts val="0"/>
+              </a:spcAft>
+            </a:pPr>
+            <a:r>
+              <a:rPr lang="en-GB" sz="1100" dirty="0"/>
+              <a:t>  "version": "1.0",</a:t>
+            </a:r>
+          </a:p>
+          <a:p>
+            <a:pPr marL="36000" indent="0">
+              <a:lnSpc>
+                <a:spcPct val="100000"/>
+              </a:lnSpc>
+              <a:spcBef>
+                <a:spcPts val="400"/>
+              </a:spcBef>
+              <a:spcAft>
+                <a:spcPts val="0"/>
+              </a:spcAft>
+            </a:pPr>
+            <a:r>
+              <a:rPr lang="en-GB" sz="1100" b="1" dirty="0"/>
+              <a:t>  "session"</a:t>
+            </a:r>
+            <a:r>
+              <a:rPr lang="en-GB" sz="1100" dirty="0"/>
+              <a:t>: {</a:t>
+            </a:r>
+          </a:p>
+          <a:p>
+            <a:pPr marL="36000" indent="0">
+              <a:lnSpc>
+                <a:spcPct val="100000"/>
+              </a:lnSpc>
+              <a:spcBef>
+                <a:spcPts val="400"/>
+              </a:spcBef>
+              <a:spcAft>
+                <a:spcPts val="0"/>
+              </a:spcAft>
+            </a:pPr>
+            <a:r>
+              <a:rPr lang="en-GB" sz="1100" dirty="0"/>
+              <a:t>      "attributes": {</a:t>
+            </a:r>
+          </a:p>
+          <a:p>
+            <a:pPr marL="36000" indent="0">
+              <a:lnSpc>
+                <a:spcPct val="100000"/>
+              </a:lnSpc>
+              <a:spcBef>
+                <a:spcPts val="400"/>
+              </a:spcBef>
+              <a:spcAft>
+                <a:spcPts val="0"/>
+              </a:spcAft>
+            </a:pPr>
+            <a:r>
+              <a:rPr lang="en-GB" sz="1100" dirty="0"/>
+              <a:t>      "key": "string value"</a:t>
+            </a:r>
+          </a:p>
+          <a:p>
+            <a:pPr marL="36000" indent="0">
+              <a:lnSpc>
+                <a:spcPct val="100000"/>
+              </a:lnSpc>
+              <a:spcBef>
+                <a:spcPts val="400"/>
+              </a:spcBef>
+              <a:spcAft>
+                <a:spcPts val="0"/>
+              </a:spcAft>
+            </a:pPr>
+            <a:r>
+              <a:rPr lang="en-GB" sz="1100" dirty="0"/>
+              <a:t>    },</a:t>
+            </a:r>
+          </a:p>
+          <a:p>
+            <a:pPr marL="36000" indent="0">
+              <a:lnSpc>
+                <a:spcPct val="100000"/>
+              </a:lnSpc>
+              <a:spcBef>
+                <a:spcPts val="400"/>
+              </a:spcBef>
+              <a:spcAft>
+                <a:spcPts val="0"/>
+              </a:spcAft>
+            </a:pPr>
+            <a:r>
+              <a:rPr lang="en-GB" sz="1100" dirty="0"/>
+              <a:t>  },</a:t>
+            </a:r>
+          </a:p>
+          <a:p>
+            <a:pPr marL="36000" indent="0">
+              <a:lnSpc>
+                <a:spcPct val="100000"/>
+              </a:lnSpc>
+              <a:spcBef>
+                <a:spcPts val="400"/>
+              </a:spcBef>
+              <a:spcAft>
+                <a:spcPts val="0"/>
+              </a:spcAft>
+            </a:pPr>
+            <a:r>
+              <a:rPr lang="en-GB" sz="1100" b="1" dirty="0"/>
+              <a:t>  "context"</a:t>
+            </a:r>
+            <a:r>
+              <a:rPr lang="en-GB" sz="1100" dirty="0"/>
+              <a:t>: {</a:t>
+            </a:r>
+          </a:p>
+          <a:p>
+            <a:pPr marL="36000" indent="0">
+              <a:lnSpc>
+                <a:spcPct val="100000"/>
+              </a:lnSpc>
+              <a:spcBef>
+                <a:spcPts val="400"/>
+              </a:spcBef>
+              <a:spcAft>
+                <a:spcPts val="0"/>
+              </a:spcAft>
+            </a:pPr>
+            <a:r>
+              <a:rPr lang="en-GB" sz="1100" dirty="0"/>
+              <a:t>    "System": {</a:t>
+            </a:r>
+          </a:p>
+          <a:p>
+            <a:pPr marL="36000" indent="0">
+              <a:lnSpc>
+                <a:spcPct val="100000"/>
+              </a:lnSpc>
+              <a:spcBef>
+                <a:spcPts val="400"/>
+              </a:spcBef>
+              <a:spcAft>
+                <a:spcPts val="0"/>
+              </a:spcAft>
+            </a:pPr>
+            <a:r>
+              <a:rPr lang="en-GB" sz="1100" dirty="0"/>
+              <a:t>      "device": {</a:t>
+            </a:r>
+          </a:p>
+          <a:p>
+            <a:pPr marL="36000" indent="0">
+              <a:lnSpc>
+                <a:spcPct val="100000"/>
+              </a:lnSpc>
+              <a:spcBef>
+                <a:spcPts val="400"/>
+              </a:spcBef>
+              <a:spcAft>
+                <a:spcPts val="0"/>
+              </a:spcAft>
+            </a:pPr>
+            <a:r>
+              <a:rPr lang="en-GB" sz="1100" dirty="0"/>
+              <a:t>        "</a:t>
+            </a:r>
+            <a:r>
+              <a:rPr lang="en-GB" sz="1100" dirty="0" err="1"/>
+              <a:t>deviceId</a:t>
+            </a:r>
+            <a:r>
+              <a:rPr lang="en-GB" sz="1100" dirty="0"/>
+              <a:t>": "string", ….</a:t>
+            </a:r>
+          </a:p>
+          <a:p>
+            <a:pPr marL="36000" indent="0">
+              <a:lnSpc>
+                <a:spcPct val="100000"/>
+              </a:lnSpc>
+              <a:spcBef>
+                <a:spcPts val="400"/>
+              </a:spcBef>
+              <a:spcAft>
+                <a:spcPts val="0"/>
+              </a:spcAft>
+            </a:pPr>
+            <a:r>
+              <a:rPr lang="en-GB" sz="1100" dirty="0"/>
+              <a:t>       },</a:t>
+            </a:r>
+          </a:p>
+          <a:p>
+            <a:pPr marL="36000" indent="0">
+              <a:lnSpc>
+                <a:spcPct val="100000"/>
+              </a:lnSpc>
+              <a:spcBef>
+                <a:spcPts val="400"/>
+              </a:spcBef>
+              <a:spcAft>
+                <a:spcPts val="0"/>
+              </a:spcAft>
+            </a:pPr>
+            <a:r>
+              <a:rPr lang="en-GB" sz="1100" dirty="0"/>
+              <a:t>      "user": {</a:t>
+            </a:r>
+          </a:p>
+          <a:p>
+            <a:pPr marL="36000" indent="0">
+              <a:lnSpc>
+                <a:spcPct val="100000"/>
+              </a:lnSpc>
+              <a:spcBef>
+                <a:spcPts val="400"/>
+              </a:spcBef>
+              <a:spcAft>
+                <a:spcPts val="0"/>
+              </a:spcAft>
+            </a:pPr>
+            <a:r>
+              <a:rPr lang="en-GB" sz="1100" dirty="0"/>
+              <a:t>        "</a:t>
+            </a:r>
+            <a:r>
+              <a:rPr lang="en-GB" sz="1100" dirty="0" err="1"/>
+              <a:t>userId</a:t>
+            </a:r>
+            <a:r>
+              <a:rPr lang="en-GB" sz="1100" dirty="0"/>
+              <a:t>": "amzn1.ask.account.[unique-value-here]",</a:t>
+            </a:r>
+          </a:p>
+          <a:p>
+            <a:pPr marL="36000" indent="0">
+              <a:lnSpc>
+                <a:spcPct val="100000"/>
+              </a:lnSpc>
+              <a:spcBef>
+                <a:spcPts val="400"/>
+              </a:spcBef>
+              <a:spcAft>
+                <a:spcPts val="0"/>
+              </a:spcAft>
+            </a:pPr>
+            <a:r>
+              <a:rPr lang="en-GB" sz="1100" dirty="0"/>
+              <a:t>        "permissions": {</a:t>
+            </a:r>
+          </a:p>
+          <a:p>
+            <a:pPr marL="36000" indent="0">
+              <a:lnSpc>
+                <a:spcPct val="100000"/>
+              </a:lnSpc>
+              <a:spcBef>
+                <a:spcPts val="400"/>
+              </a:spcBef>
+              <a:spcAft>
+                <a:spcPts val="0"/>
+              </a:spcAft>
+            </a:pPr>
+            <a:r>
+              <a:rPr lang="en-GB" sz="1100" dirty="0"/>
+              <a:t>          "</a:t>
+            </a:r>
+            <a:r>
+              <a:rPr lang="en-GB" sz="1100" dirty="0" err="1"/>
+              <a:t>consentToken</a:t>
+            </a:r>
+            <a:r>
+              <a:rPr lang="en-GB" sz="1100" dirty="0"/>
+              <a:t>": "ZZZZZZZ..."</a:t>
+            </a:r>
+          </a:p>
+          <a:p>
+            <a:pPr marL="36000" indent="0">
+              <a:lnSpc>
+                <a:spcPct val="100000"/>
+              </a:lnSpc>
+              <a:spcBef>
+                <a:spcPts val="400"/>
+              </a:spcBef>
+              <a:spcAft>
+                <a:spcPts val="0"/>
+              </a:spcAft>
+            </a:pPr>
+            <a:r>
+              <a:rPr lang="en-GB" sz="1100" dirty="0"/>
+              <a:t>        }</a:t>
+            </a:r>
+          </a:p>
+        </p:txBody>
+      </p:sp>
+      <p:sp>
+        <p:nvSpPr>
+          <p:cNvPr id="4" name="Content Placeholder 2">
+            <a:extLst/>
+          </p:cNvPr>
+          <p:cNvSpPr txBox="1">
+            <a:spLocks/>
+          </p:cNvSpPr>
+          <p:nvPr/>
+        </p:nvSpPr>
+        <p:spPr>
+          <a:xfrm>
+            <a:off x="1292152" y="1980645"/>
+            <a:ext cx="4479061" cy="4023360"/>
+          </a:xfrm>
+          <a:prstGeom prst="rect">
+            <a:avLst/>
+          </a:prstGeom>
+        </p:spPr>
+        <p:txBody>
+          <a:bodyPr vert="horz" lIns="0" tIns="45720" rIns="0" bIns="45720" rtlCol="0">
+            <a:normAutofit/>
+          </a:bodyPr>
+          <a:lstStyle>
+            <a:lvl1pPr marL="91440" indent="-91440" algn="l" defTabSz="914400" rtl="0" eaLnBrk="1" latinLnBrk="0" hangingPunct="1">
+              <a:lnSpc>
+                <a:spcPct val="90000"/>
+              </a:lnSpc>
+              <a:spcBef>
+                <a:spcPts val="1200"/>
+              </a:spcBef>
+              <a:spcAft>
+                <a:spcPts val="200"/>
+              </a:spcAft>
+              <a:buClr>
+                <a:schemeClr val="accent1"/>
+              </a:buClr>
+              <a:buSzPct val="100000"/>
+              <a:buFont typeface="Calibri" panose="020F0502020204030204" pitchFamily="34" charset="0"/>
+              <a:buChar char=" "/>
+              <a:defRPr sz="2000" kern="1200">
+                <a:solidFill>
+                  <a:schemeClr val="tx1">
+                    <a:lumMod val="75000"/>
+                    <a:lumOff val="25000"/>
+                  </a:schemeClr>
+                </a:solidFill>
+                <a:latin typeface="+mn-lt"/>
+                <a:ea typeface="+mn-ea"/>
+                <a:cs typeface="+mn-cs"/>
+              </a:defRPr>
+            </a:lvl1pPr>
+            <a:lvl2pPr marL="384048" indent="-182880" algn="l" defTabSz="914400" rtl="0" eaLnBrk="1" latinLnBrk="0" hangingPunct="1">
+              <a:lnSpc>
+                <a:spcPct val="90000"/>
+              </a:lnSpc>
+              <a:spcBef>
+                <a:spcPts val="200"/>
+              </a:spcBef>
+              <a:spcAft>
+                <a:spcPts val="400"/>
+              </a:spcAft>
+              <a:buClr>
+                <a:schemeClr val="accent1"/>
+              </a:buClr>
+              <a:buFont typeface="Calibri" pitchFamily="34" charset="0"/>
+              <a:buChar char="◦"/>
+              <a:defRPr sz="1800" kern="1200">
+                <a:solidFill>
+                  <a:schemeClr val="tx1">
+                    <a:lumMod val="75000"/>
+                    <a:lumOff val="25000"/>
+                  </a:schemeClr>
+                </a:solidFill>
+                <a:latin typeface="+mn-lt"/>
+                <a:ea typeface="+mn-ea"/>
+                <a:cs typeface="+mn-cs"/>
+              </a:defRPr>
+            </a:lvl2pPr>
+            <a:lvl3pPr marL="566928" indent="-182880" algn="l" defTabSz="914400" rtl="0" eaLnBrk="1" latinLnBrk="0" hangingPunct="1">
+              <a:lnSpc>
+                <a:spcPct val="90000"/>
+              </a:lnSpc>
+              <a:spcBef>
+                <a:spcPts val="200"/>
+              </a:spcBef>
+              <a:spcAft>
+                <a:spcPts val="400"/>
+              </a:spcAft>
+              <a:buClr>
+                <a:schemeClr val="accent1"/>
+              </a:buClr>
+              <a:buFont typeface="Calibri" pitchFamily="34" charset="0"/>
+              <a:buChar char="◦"/>
+              <a:defRPr sz="1400" kern="1200">
+                <a:solidFill>
+                  <a:schemeClr val="tx1">
+                    <a:lumMod val="75000"/>
+                    <a:lumOff val="25000"/>
+                  </a:schemeClr>
+                </a:solidFill>
+                <a:latin typeface="+mn-lt"/>
+                <a:ea typeface="+mn-ea"/>
+                <a:cs typeface="+mn-cs"/>
+              </a:defRPr>
+            </a:lvl3pPr>
+            <a:lvl4pPr marL="749808" indent="-182880" algn="l" defTabSz="914400" rtl="0" eaLnBrk="1" latinLnBrk="0" hangingPunct="1">
+              <a:lnSpc>
+                <a:spcPct val="90000"/>
+              </a:lnSpc>
+              <a:spcBef>
+                <a:spcPts val="200"/>
+              </a:spcBef>
+              <a:spcAft>
+                <a:spcPts val="400"/>
+              </a:spcAft>
+              <a:buClr>
+                <a:schemeClr val="accent1"/>
+              </a:buClr>
+              <a:buFont typeface="Calibri" pitchFamily="34" charset="0"/>
+              <a:buChar char="◦"/>
+              <a:defRPr sz="1400" kern="1200">
+                <a:solidFill>
+                  <a:schemeClr val="tx1">
+                    <a:lumMod val="75000"/>
+                    <a:lumOff val="25000"/>
+                  </a:schemeClr>
+                </a:solidFill>
+                <a:latin typeface="+mn-lt"/>
+                <a:ea typeface="+mn-ea"/>
+                <a:cs typeface="+mn-cs"/>
+              </a:defRPr>
+            </a:lvl4pPr>
+            <a:lvl5pPr marL="932688" indent="-182880" algn="l" defTabSz="914400" rtl="0" eaLnBrk="1" latinLnBrk="0" hangingPunct="1">
+              <a:lnSpc>
+                <a:spcPct val="90000"/>
+              </a:lnSpc>
+              <a:spcBef>
+                <a:spcPts val="200"/>
+              </a:spcBef>
+              <a:spcAft>
+                <a:spcPts val="400"/>
+              </a:spcAft>
+              <a:buClr>
+                <a:schemeClr val="accent1"/>
+              </a:buClr>
+              <a:buFont typeface="Calibri" pitchFamily="34" charset="0"/>
+              <a:buChar char="◦"/>
+              <a:defRPr sz="1400" kern="1200">
+                <a:solidFill>
+                  <a:schemeClr val="tx1">
+                    <a:lumMod val="75000"/>
+                    <a:lumOff val="25000"/>
+                  </a:schemeClr>
+                </a:solidFill>
+                <a:latin typeface="+mn-lt"/>
+                <a:ea typeface="+mn-ea"/>
+                <a:cs typeface="+mn-cs"/>
+              </a:defRPr>
+            </a:lvl5pPr>
+            <a:lvl6pPr marL="1100000" indent="-228600" algn="l" defTabSz="914400" rtl="0" eaLnBrk="1" latinLnBrk="0" hangingPunct="1">
+              <a:lnSpc>
+                <a:spcPct val="90000"/>
+              </a:lnSpc>
+              <a:spcBef>
+                <a:spcPts val="200"/>
+              </a:spcBef>
+              <a:spcAft>
+                <a:spcPts val="400"/>
+              </a:spcAft>
+              <a:buClr>
+                <a:schemeClr val="accent1"/>
+              </a:buClr>
+              <a:buFont typeface="Calibri" pitchFamily="34" charset="0"/>
+              <a:buChar char="◦"/>
+              <a:defRPr sz="1400" kern="1200">
+                <a:solidFill>
+                  <a:schemeClr val="tx1">
+                    <a:lumMod val="75000"/>
+                    <a:lumOff val="25000"/>
+                  </a:schemeClr>
+                </a:solidFill>
+                <a:latin typeface="+mn-lt"/>
+                <a:ea typeface="+mn-ea"/>
+                <a:cs typeface="+mn-cs"/>
+              </a:defRPr>
+            </a:lvl6pPr>
+            <a:lvl7pPr marL="1300000" indent="-228600" algn="l" defTabSz="914400" rtl="0" eaLnBrk="1" latinLnBrk="0" hangingPunct="1">
+              <a:lnSpc>
+                <a:spcPct val="90000"/>
+              </a:lnSpc>
+              <a:spcBef>
+                <a:spcPts val="200"/>
+              </a:spcBef>
+              <a:spcAft>
+                <a:spcPts val="400"/>
+              </a:spcAft>
+              <a:buClr>
+                <a:schemeClr val="accent1"/>
+              </a:buClr>
+              <a:buFont typeface="Calibri" pitchFamily="34" charset="0"/>
+              <a:buChar char="◦"/>
+              <a:defRPr sz="1400" kern="1200">
+                <a:solidFill>
+                  <a:schemeClr val="tx1">
+                    <a:lumMod val="75000"/>
+                    <a:lumOff val="25000"/>
+                  </a:schemeClr>
+                </a:solidFill>
+                <a:latin typeface="+mn-lt"/>
+                <a:ea typeface="+mn-ea"/>
+                <a:cs typeface="+mn-cs"/>
+              </a:defRPr>
+            </a:lvl7pPr>
+            <a:lvl8pPr marL="1500000" indent="-228600" algn="l" defTabSz="914400" rtl="0" eaLnBrk="1" latinLnBrk="0" hangingPunct="1">
+              <a:lnSpc>
+                <a:spcPct val="90000"/>
+              </a:lnSpc>
+              <a:spcBef>
+                <a:spcPts val="200"/>
+              </a:spcBef>
+              <a:spcAft>
+                <a:spcPts val="400"/>
+              </a:spcAft>
+              <a:buClr>
+                <a:schemeClr val="accent1"/>
+              </a:buClr>
+              <a:buFont typeface="Calibri" pitchFamily="34" charset="0"/>
+              <a:buChar char="◦"/>
+              <a:defRPr sz="1400" kern="1200">
+                <a:solidFill>
+                  <a:schemeClr val="tx1">
+                    <a:lumMod val="75000"/>
+                    <a:lumOff val="25000"/>
+                  </a:schemeClr>
+                </a:solidFill>
+                <a:latin typeface="+mn-lt"/>
+                <a:ea typeface="+mn-ea"/>
+                <a:cs typeface="+mn-cs"/>
+              </a:defRPr>
+            </a:lvl8pPr>
+            <a:lvl9pPr marL="1700000" indent="-228600" algn="l" defTabSz="914400" rtl="0" eaLnBrk="1" latinLnBrk="0" hangingPunct="1">
+              <a:lnSpc>
+                <a:spcPct val="90000"/>
+              </a:lnSpc>
+              <a:spcBef>
+                <a:spcPts val="200"/>
+              </a:spcBef>
+              <a:spcAft>
+                <a:spcPts val="400"/>
+              </a:spcAft>
+              <a:buClr>
+                <a:schemeClr val="accent1"/>
+              </a:buClr>
+              <a:buFont typeface="Calibri" pitchFamily="34" charset="0"/>
+              <a:buChar char="◦"/>
+              <a:defRPr sz="1400" kern="1200">
+                <a:solidFill>
+                  <a:schemeClr val="tx1">
+                    <a:lumMod val="75000"/>
+                    <a:lumOff val="25000"/>
+                  </a:schemeClr>
+                </a:solidFill>
+                <a:latin typeface="+mn-lt"/>
+                <a:ea typeface="+mn-ea"/>
+                <a:cs typeface="+mn-cs"/>
+              </a:defRPr>
+            </a:lvl9pPr>
+          </a:lstStyle>
+          <a:p>
             <a:r>
               <a:rPr lang="en-GB" dirty="0"/>
-              <a:t>Current Skill Overview</a:t>
+              <a:t>Request Data</a:t>
+            </a:r>
+          </a:p>
+          <a:p>
+            <a:r>
+              <a:rPr lang="en-GB" dirty="0"/>
+              <a:t>Context</a:t>
+            </a:r>
+          </a:p>
+          <a:p>
+            <a:pPr lvl="1"/>
+            <a:r>
+              <a:rPr lang="en-GB" dirty="0"/>
+              <a:t>Device Information</a:t>
+            </a:r>
+          </a:p>
+          <a:p>
+            <a:pPr lvl="1"/>
+            <a:r>
+              <a:rPr lang="en-GB" dirty="0"/>
+              <a:t>User Information</a:t>
+            </a:r>
+          </a:p>
+          <a:p>
+            <a:pPr lvl="1"/>
+            <a:endParaRPr lang="en-GB" dirty="0"/>
+          </a:p>
+          <a:p>
+            <a:r>
+              <a:rPr lang="en-GB" dirty="0"/>
+              <a:t>Session State</a:t>
             </a:r>
           </a:p>
         </p:txBody>
@@ -21935,7 +23607,7 @@
     </p:spTree>
     <p:extLst>
       <p:ext uri="{BB962C8B-B14F-4D97-AF65-F5344CB8AC3E}">
-        <p14:creationId xmlns:p14="http://schemas.microsoft.com/office/powerpoint/2010/main" val="3447346580"/>
+        <p14:creationId xmlns:p14="http://schemas.microsoft.com/office/powerpoint/2010/main" val="2874276908"/>
       </p:ext>
     </p:extLst>
   </p:cSld>
